--- a/2018-11-03-Designing-Modularity/Presentation-short-40min.pptx
+++ b/2018-11-03-Designing-Modularity/Presentation-short-40min.pptx
@@ -5,7 +5,7 @@
     <p:sldMasterId id="2147483648" r:id="rId1"/>
   </p:sldMasterIdLst>
   <p:notesMasterIdLst>
-    <p:notesMasterId r:id="rId54"/>
+    <p:notesMasterId r:id="rId46"/>
   </p:notesMasterIdLst>
   <p:sldIdLst>
     <p:sldId id="256" r:id="rId2"/>
@@ -46,20 +46,12 @@
     <p:sldId id="336" r:id="rId37"/>
     <p:sldId id="292" r:id="rId38"/>
     <p:sldId id="301" r:id="rId39"/>
-    <p:sldId id="317" r:id="rId40"/>
-    <p:sldId id="304" r:id="rId41"/>
-    <p:sldId id="303" r:id="rId42"/>
-    <p:sldId id="330" r:id="rId43"/>
-    <p:sldId id="329" r:id="rId44"/>
-    <p:sldId id="306" r:id="rId45"/>
-    <p:sldId id="308" r:id="rId46"/>
-    <p:sldId id="309" r:id="rId47"/>
-    <p:sldId id="331" r:id="rId48"/>
-    <p:sldId id="305" r:id="rId49"/>
-    <p:sldId id="311" r:id="rId50"/>
-    <p:sldId id="312" r:id="rId51"/>
-    <p:sldId id="313" r:id="rId52"/>
-    <p:sldId id="337" r:id="rId53"/>
+    <p:sldId id="331" r:id="rId40"/>
+    <p:sldId id="305" r:id="rId41"/>
+    <p:sldId id="311" r:id="rId42"/>
+    <p:sldId id="312" r:id="rId43"/>
+    <p:sldId id="313" r:id="rId44"/>
+    <p:sldId id="337" r:id="rId45"/>
   </p:sldIdLst>
   <p:sldSz cx="12192000" cy="6858000"/>
   <p:notesSz cx="6858000" cy="9144000"/>
@@ -29044,10 +29036,10 @@
       </p:grpSpPr>
       <p:pic>
         <p:nvPicPr>
-          <p:cNvPr id="9" name="Picture 8">
-            <a:extLst>
-              <a:ext uri="{FF2B5EF4-FFF2-40B4-BE49-F238E27FC236}">
-                <a16:creationId xmlns:a16="http://schemas.microsoft.com/office/drawing/2014/main" id="{39E83B63-DAE7-4E06-A56F-CF1576B89936}"/>
+          <p:cNvPr id="19" name="Picture 18">
+            <a:extLst>
+              <a:ext uri="{FF2B5EF4-FFF2-40B4-BE49-F238E27FC236}">
+                <a16:creationId xmlns:a16="http://schemas.microsoft.com/office/drawing/2014/main" id="{38981447-9723-40B3-902B-DA8C7B4D8B8E}"/>
               </a:ext>
             </a:extLst>
           </p:cNvPr>
@@ -29096,8 +29088,8 @@
         </p:nvSpPr>
         <p:spPr>
           <a:xfrm>
-            <a:off x="738908" y="930564"/>
-            <a:ext cx="5225664" cy="789179"/>
+            <a:off x="0" y="886691"/>
+            <a:ext cx="12192000" cy="2205182"/>
           </a:xfrm>
         </p:spPr>
         <p:txBody>
@@ -29106,24 +29098,30 @@
           </a:bodyPr>
           <a:lstStyle/>
           <a:p>
-            <a:pPr algn="l"/>
             <a:r>
               <a:rPr lang="en-US" sz="4000" b="1" dirty="0">
+                <a:latin typeface="Segoe UI Semibold" panose="020B0702040204020203" pitchFamily="34" charset="0"/>
+                <a:cs typeface="Segoe UI Semibold" panose="020B0702040204020203" pitchFamily="34" charset="0"/>
+              </a:rPr>
+              <a:t>Designing Modularity</a:t>
+            </a:r>
+            <a:br>
+              <a:rPr lang="en-US" sz="4000" b="1" dirty="0">
+                <a:latin typeface="Segoe UI Semibold" panose="020B0702040204020203" pitchFamily="34" charset="0"/>
+                <a:cs typeface="Segoe UI Semibold" panose="020B0702040204020203" pitchFamily="34" charset="0"/>
+              </a:rPr>
+            </a:br>
+            <a:r>
+              <a:rPr lang="en-US" sz="4000" b="1" dirty="0">
                 <a:solidFill>
                   <a:srgbClr val="0041C6"/>
                 </a:solidFill>
-                <a:latin typeface="Segoe UI Light" panose="020B0502040204020203" pitchFamily="34" charset="0"/>
-                <a:cs typeface="Segoe UI Light" panose="020B0502040204020203" pitchFamily="34" charset="0"/>
-              </a:rPr>
-              <a:t>Theming</a:t>
-            </a:r>
-            <a:endParaRPr lang="en-US" sz="4000" b="1" dirty="0">
-              <a:solidFill>
-                <a:srgbClr val="0041C6"/>
-              </a:solidFill>
-              <a:latin typeface="Segoe UI Semibold" panose="020B0702040204020203" pitchFamily="34" charset="0"/>
-              <a:cs typeface="Segoe UI Semibold" panose="020B0702040204020203" pitchFamily="34" charset="0"/>
-            </a:endParaRPr>
+                <a:latin typeface="Segoe UI Semibold" panose="020B0702040204020203" pitchFamily="34" charset="0"/>
+                <a:cs typeface="Segoe UI Semibold" panose="020B0702040204020203" pitchFamily="34" charset="0"/>
+              </a:rPr>
+              <a:t>Miscellaneous</a:t>
+            </a:r>
+            <a:endParaRPr lang="en-US" sz="4000" dirty="0"/>
           </a:p>
         </p:txBody>
       </p:sp>
@@ -29217,578 +29215,10 @@
           </a:p>
         </p:txBody>
       </p:sp>
-      <p:sp>
-        <p:nvSpPr>
-          <p:cNvPr id="11" name="Subtitle 2">
-            <a:extLst>
-              <a:ext uri="{FF2B5EF4-FFF2-40B4-BE49-F238E27FC236}">
-                <a16:creationId xmlns:a16="http://schemas.microsoft.com/office/drawing/2014/main" id="{A769CE0C-E9B4-4049-B22B-C35AD0DD7409}"/>
-              </a:ext>
-            </a:extLst>
-          </p:cNvPr>
-          <p:cNvSpPr txBox="1">
-            <a:spLocks/>
-          </p:cNvSpPr>
-          <p:nvPr/>
-        </p:nvSpPr>
-        <p:spPr>
-          <a:xfrm>
-            <a:off x="3582554" y="2904836"/>
-            <a:ext cx="835891" cy="775853"/>
-          </a:xfrm>
-          <a:prstGeom prst="rect">
-            <a:avLst/>
-          </a:prstGeom>
-        </p:spPr>
-        <p:txBody>
-          <a:bodyPr vert="horz" lIns="91440" tIns="45720" rIns="91440" bIns="45720" rtlCol="0" anchor="ctr">
-            <a:normAutofit/>
-          </a:bodyPr>
-          <a:lstStyle>
-            <a:lvl1pPr marL="0" indent="0" algn="ctr" defTabSz="914400" rtl="0" eaLnBrk="1" latinLnBrk="0" hangingPunct="1">
-              <a:lnSpc>
-                <a:spcPct val="90000"/>
-              </a:lnSpc>
-              <a:spcBef>
-                <a:spcPts val="1000"/>
-              </a:spcBef>
-              <a:buFont typeface="Arial" panose="020B0604020202020204" pitchFamily="34" charset="0"/>
-              <a:buNone/>
-              <a:defRPr sz="2400" kern="1200">
-                <a:solidFill>
-                  <a:schemeClr val="tx1"/>
-                </a:solidFill>
-                <a:latin typeface="+mn-lt"/>
-                <a:ea typeface="+mn-ea"/>
-                <a:cs typeface="+mn-cs"/>
-              </a:defRPr>
-            </a:lvl1pPr>
-            <a:lvl2pPr marL="457200" indent="0" algn="ctr" defTabSz="914400" rtl="0" eaLnBrk="1" latinLnBrk="0" hangingPunct="1">
-              <a:lnSpc>
-                <a:spcPct val="90000"/>
-              </a:lnSpc>
-              <a:spcBef>
-                <a:spcPts val="500"/>
-              </a:spcBef>
-              <a:buFont typeface="Arial" panose="020B0604020202020204" pitchFamily="34" charset="0"/>
-              <a:buNone/>
-              <a:defRPr sz="2000" kern="1200">
-                <a:solidFill>
-                  <a:schemeClr val="tx1"/>
-                </a:solidFill>
-                <a:latin typeface="+mn-lt"/>
-                <a:ea typeface="+mn-ea"/>
-                <a:cs typeface="+mn-cs"/>
-              </a:defRPr>
-            </a:lvl2pPr>
-            <a:lvl3pPr marL="914400" indent="0" algn="ctr" defTabSz="914400" rtl="0" eaLnBrk="1" latinLnBrk="0" hangingPunct="1">
-              <a:lnSpc>
-                <a:spcPct val="90000"/>
-              </a:lnSpc>
-              <a:spcBef>
-                <a:spcPts val="500"/>
-              </a:spcBef>
-              <a:buFont typeface="Arial" panose="020B0604020202020204" pitchFamily="34" charset="0"/>
-              <a:buNone/>
-              <a:defRPr sz="1800" kern="1200">
-                <a:solidFill>
-                  <a:schemeClr val="tx1"/>
-                </a:solidFill>
-                <a:latin typeface="+mn-lt"/>
-                <a:ea typeface="+mn-ea"/>
-                <a:cs typeface="+mn-cs"/>
-              </a:defRPr>
-            </a:lvl3pPr>
-            <a:lvl4pPr marL="1371600" indent="0" algn="ctr" defTabSz="914400" rtl="0" eaLnBrk="1" latinLnBrk="0" hangingPunct="1">
-              <a:lnSpc>
-                <a:spcPct val="90000"/>
-              </a:lnSpc>
-              <a:spcBef>
-                <a:spcPts val="500"/>
-              </a:spcBef>
-              <a:buFont typeface="Arial" panose="020B0604020202020204" pitchFamily="34" charset="0"/>
-              <a:buNone/>
-              <a:defRPr sz="1600" kern="1200">
-                <a:solidFill>
-                  <a:schemeClr val="tx1"/>
-                </a:solidFill>
-                <a:latin typeface="+mn-lt"/>
-                <a:ea typeface="+mn-ea"/>
-                <a:cs typeface="+mn-cs"/>
-              </a:defRPr>
-            </a:lvl4pPr>
-            <a:lvl5pPr marL="1828800" indent="0" algn="ctr" defTabSz="914400" rtl="0" eaLnBrk="1" latinLnBrk="0" hangingPunct="1">
-              <a:lnSpc>
-                <a:spcPct val="90000"/>
-              </a:lnSpc>
-              <a:spcBef>
-                <a:spcPts val="500"/>
-              </a:spcBef>
-              <a:buFont typeface="Arial" panose="020B0604020202020204" pitchFamily="34" charset="0"/>
-              <a:buNone/>
-              <a:defRPr sz="1600" kern="1200">
-                <a:solidFill>
-                  <a:schemeClr val="tx1"/>
-                </a:solidFill>
-                <a:latin typeface="+mn-lt"/>
-                <a:ea typeface="+mn-ea"/>
-                <a:cs typeface="+mn-cs"/>
-              </a:defRPr>
-            </a:lvl5pPr>
-            <a:lvl6pPr marL="2286000" indent="0" algn="ctr" defTabSz="914400" rtl="0" eaLnBrk="1" latinLnBrk="0" hangingPunct="1">
-              <a:lnSpc>
-                <a:spcPct val="90000"/>
-              </a:lnSpc>
-              <a:spcBef>
-                <a:spcPts val="500"/>
-              </a:spcBef>
-              <a:buFont typeface="Arial" panose="020B0604020202020204" pitchFamily="34" charset="0"/>
-              <a:buNone/>
-              <a:defRPr sz="1600" kern="1200">
-                <a:solidFill>
-                  <a:schemeClr val="tx1"/>
-                </a:solidFill>
-                <a:latin typeface="+mn-lt"/>
-                <a:ea typeface="+mn-ea"/>
-                <a:cs typeface="+mn-cs"/>
-              </a:defRPr>
-            </a:lvl6pPr>
-            <a:lvl7pPr marL="2743200" indent="0" algn="ctr" defTabSz="914400" rtl="0" eaLnBrk="1" latinLnBrk="0" hangingPunct="1">
-              <a:lnSpc>
-                <a:spcPct val="90000"/>
-              </a:lnSpc>
-              <a:spcBef>
-                <a:spcPts val="500"/>
-              </a:spcBef>
-              <a:buFont typeface="Arial" panose="020B0604020202020204" pitchFamily="34" charset="0"/>
-              <a:buNone/>
-              <a:defRPr sz="1600" kern="1200">
-                <a:solidFill>
-                  <a:schemeClr val="tx1"/>
-                </a:solidFill>
-                <a:latin typeface="+mn-lt"/>
-                <a:ea typeface="+mn-ea"/>
-                <a:cs typeface="+mn-cs"/>
-              </a:defRPr>
-            </a:lvl7pPr>
-            <a:lvl8pPr marL="3200400" indent="0" algn="ctr" defTabSz="914400" rtl="0" eaLnBrk="1" latinLnBrk="0" hangingPunct="1">
-              <a:lnSpc>
-                <a:spcPct val="90000"/>
-              </a:lnSpc>
-              <a:spcBef>
-                <a:spcPts val="500"/>
-              </a:spcBef>
-              <a:buFont typeface="Arial" panose="020B0604020202020204" pitchFamily="34" charset="0"/>
-              <a:buNone/>
-              <a:defRPr sz="1600" kern="1200">
-                <a:solidFill>
-                  <a:schemeClr val="tx1"/>
-                </a:solidFill>
-                <a:latin typeface="+mn-lt"/>
-                <a:ea typeface="+mn-ea"/>
-                <a:cs typeface="+mn-cs"/>
-              </a:defRPr>
-            </a:lvl8pPr>
-            <a:lvl9pPr marL="3657600" indent="0" algn="ctr" defTabSz="914400" rtl="0" eaLnBrk="1" latinLnBrk="0" hangingPunct="1">
-              <a:lnSpc>
-                <a:spcPct val="90000"/>
-              </a:lnSpc>
-              <a:spcBef>
-                <a:spcPts val="500"/>
-              </a:spcBef>
-              <a:buFont typeface="Arial" panose="020B0604020202020204" pitchFamily="34" charset="0"/>
-              <a:buNone/>
-              <a:defRPr sz="1600" kern="1200">
-                <a:solidFill>
-                  <a:schemeClr val="tx1"/>
-                </a:solidFill>
-                <a:latin typeface="+mn-lt"/>
-                <a:ea typeface="+mn-ea"/>
-                <a:cs typeface="+mn-cs"/>
-              </a:defRPr>
-            </a:lvl9pPr>
-          </a:lstStyle>
-          <a:p>
-            <a:r>
-              <a:rPr lang="en-US" sz="2000" b="1" dirty="0">
-                <a:solidFill>
-                  <a:schemeClr val="bg1"/>
-                </a:solidFill>
-                <a:latin typeface="Segoe UI Light" panose="020B0502040204020203" pitchFamily="34" charset="0"/>
-                <a:cs typeface="Segoe UI Light" panose="020B0502040204020203" pitchFamily="34" charset="0"/>
-              </a:rPr>
-              <a:t>VS</a:t>
-            </a:r>
-          </a:p>
-        </p:txBody>
-      </p:sp>
-      <p:sp>
-        <p:nvSpPr>
-          <p:cNvPr id="15" name="Subtitle 2">
-            <a:extLst>
-              <a:ext uri="{FF2B5EF4-FFF2-40B4-BE49-F238E27FC236}">
-                <a16:creationId xmlns:a16="http://schemas.microsoft.com/office/drawing/2014/main" id="{20939731-D3B7-4A28-B941-216A5F2FD525}"/>
-              </a:ext>
-            </a:extLst>
-          </p:cNvPr>
-          <p:cNvSpPr txBox="1">
-            <a:spLocks/>
-          </p:cNvSpPr>
-          <p:nvPr/>
-        </p:nvSpPr>
-        <p:spPr>
-          <a:xfrm>
-            <a:off x="738908" y="1921080"/>
-            <a:ext cx="5566358" cy="4158998"/>
-          </a:xfrm>
-          <a:prstGeom prst="rect">
-            <a:avLst/>
-          </a:prstGeom>
-        </p:spPr>
-        <p:txBody>
-          <a:bodyPr vert="horz" lIns="91440" tIns="45720" rIns="91440" bIns="45720" rtlCol="0" anchor="t">
-            <a:noAutofit/>
-          </a:bodyPr>
-          <a:lstStyle>
-            <a:lvl1pPr marL="0" indent="0" algn="ctr" defTabSz="914400" rtl="0" eaLnBrk="1" latinLnBrk="0" hangingPunct="1">
-              <a:lnSpc>
-                <a:spcPct val="90000"/>
-              </a:lnSpc>
-              <a:spcBef>
-                <a:spcPts val="1000"/>
-              </a:spcBef>
-              <a:buFont typeface="Arial" panose="020B0604020202020204" pitchFamily="34" charset="0"/>
-              <a:buNone/>
-              <a:defRPr sz="2400" kern="1200">
-                <a:solidFill>
-                  <a:schemeClr val="tx1"/>
-                </a:solidFill>
-                <a:latin typeface="+mn-lt"/>
-                <a:ea typeface="+mn-ea"/>
-                <a:cs typeface="+mn-cs"/>
-              </a:defRPr>
-            </a:lvl1pPr>
-            <a:lvl2pPr marL="457200" indent="0" algn="ctr" defTabSz="914400" rtl="0" eaLnBrk="1" latinLnBrk="0" hangingPunct="1">
-              <a:lnSpc>
-                <a:spcPct val="90000"/>
-              </a:lnSpc>
-              <a:spcBef>
-                <a:spcPts val="500"/>
-              </a:spcBef>
-              <a:buFont typeface="Arial" panose="020B0604020202020204" pitchFamily="34" charset="0"/>
-              <a:buNone/>
-              <a:defRPr sz="2000" kern="1200">
-                <a:solidFill>
-                  <a:schemeClr val="tx1"/>
-                </a:solidFill>
-                <a:latin typeface="+mn-lt"/>
-                <a:ea typeface="+mn-ea"/>
-                <a:cs typeface="+mn-cs"/>
-              </a:defRPr>
-            </a:lvl2pPr>
-            <a:lvl3pPr marL="914400" indent="0" algn="ctr" defTabSz="914400" rtl="0" eaLnBrk="1" latinLnBrk="0" hangingPunct="1">
-              <a:lnSpc>
-                <a:spcPct val="90000"/>
-              </a:lnSpc>
-              <a:spcBef>
-                <a:spcPts val="500"/>
-              </a:spcBef>
-              <a:buFont typeface="Arial" panose="020B0604020202020204" pitchFamily="34" charset="0"/>
-              <a:buNone/>
-              <a:defRPr sz="1800" kern="1200">
-                <a:solidFill>
-                  <a:schemeClr val="tx1"/>
-                </a:solidFill>
-                <a:latin typeface="+mn-lt"/>
-                <a:ea typeface="+mn-ea"/>
-                <a:cs typeface="+mn-cs"/>
-              </a:defRPr>
-            </a:lvl3pPr>
-            <a:lvl4pPr marL="1371600" indent="0" algn="ctr" defTabSz="914400" rtl="0" eaLnBrk="1" latinLnBrk="0" hangingPunct="1">
-              <a:lnSpc>
-                <a:spcPct val="90000"/>
-              </a:lnSpc>
-              <a:spcBef>
-                <a:spcPts val="500"/>
-              </a:spcBef>
-              <a:buFont typeface="Arial" panose="020B0604020202020204" pitchFamily="34" charset="0"/>
-              <a:buNone/>
-              <a:defRPr sz="1600" kern="1200">
-                <a:solidFill>
-                  <a:schemeClr val="tx1"/>
-                </a:solidFill>
-                <a:latin typeface="+mn-lt"/>
-                <a:ea typeface="+mn-ea"/>
-                <a:cs typeface="+mn-cs"/>
-              </a:defRPr>
-            </a:lvl4pPr>
-            <a:lvl5pPr marL="1828800" indent="0" algn="ctr" defTabSz="914400" rtl="0" eaLnBrk="1" latinLnBrk="0" hangingPunct="1">
-              <a:lnSpc>
-                <a:spcPct val="90000"/>
-              </a:lnSpc>
-              <a:spcBef>
-                <a:spcPts val="500"/>
-              </a:spcBef>
-              <a:buFont typeface="Arial" panose="020B0604020202020204" pitchFamily="34" charset="0"/>
-              <a:buNone/>
-              <a:defRPr sz="1600" kern="1200">
-                <a:solidFill>
-                  <a:schemeClr val="tx1"/>
-                </a:solidFill>
-                <a:latin typeface="+mn-lt"/>
-                <a:ea typeface="+mn-ea"/>
-                <a:cs typeface="+mn-cs"/>
-              </a:defRPr>
-            </a:lvl5pPr>
-            <a:lvl6pPr marL="2286000" indent="0" algn="ctr" defTabSz="914400" rtl="0" eaLnBrk="1" latinLnBrk="0" hangingPunct="1">
-              <a:lnSpc>
-                <a:spcPct val="90000"/>
-              </a:lnSpc>
-              <a:spcBef>
-                <a:spcPts val="500"/>
-              </a:spcBef>
-              <a:buFont typeface="Arial" panose="020B0604020202020204" pitchFamily="34" charset="0"/>
-              <a:buNone/>
-              <a:defRPr sz="1600" kern="1200">
-                <a:solidFill>
-                  <a:schemeClr val="tx1"/>
-                </a:solidFill>
-                <a:latin typeface="+mn-lt"/>
-                <a:ea typeface="+mn-ea"/>
-                <a:cs typeface="+mn-cs"/>
-              </a:defRPr>
-            </a:lvl6pPr>
-            <a:lvl7pPr marL="2743200" indent="0" algn="ctr" defTabSz="914400" rtl="0" eaLnBrk="1" latinLnBrk="0" hangingPunct="1">
-              <a:lnSpc>
-                <a:spcPct val="90000"/>
-              </a:lnSpc>
-              <a:spcBef>
-                <a:spcPts val="500"/>
-              </a:spcBef>
-              <a:buFont typeface="Arial" panose="020B0604020202020204" pitchFamily="34" charset="0"/>
-              <a:buNone/>
-              <a:defRPr sz="1600" kern="1200">
-                <a:solidFill>
-                  <a:schemeClr val="tx1"/>
-                </a:solidFill>
-                <a:latin typeface="+mn-lt"/>
-                <a:ea typeface="+mn-ea"/>
-                <a:cs typeface="+mn-cs"/>
-              </a:defRPr>
-            </a:lvl7pPr>
-            <a:lvl8pPr marL="3200400" indent="0" algn="ctr" defTabSz="914400" rtl="0" eaLnBrk="1" latinLnBrk="0" hangingPunct="1">
-              <a:lnSpc>
-                <a:spcPct val="90000"/>
-              </a:lnSpc>
-              <a:spcBef>
-                <a:spcPts val="500"/>
-              </a:spcBef>
-              <a:buFont typeface="Arial" panose="020B0604020202020204" pitchFamily="34" charset="0"/>
-              <a:buNone/>
-              <a:defRPr sz="1600" kern="1200">
-                <a:solidFill>
-                  <a:schemeClr val="tx1"/>
-                </a:solidFill>
-                <a:latin typeface="+mn-lt"/>
-                <a:ea typeface="+mn-ea"/>
-                <a:cs typeface="+mn-cs"/>
-              </a:defRPr>
-            </a:lvl8pPr>
-            <a:lvl9pPr marL="3657600" indent="0" algn="ctr" defTabSz="914400" rtl="0" eaLnBrk="1" latinLnBrk="0" hangingPunct="1">
-              <a:lnSpc>
-                <a:spcPct val="90000"/>
-              </a:lnSpc>
-              <a:spcBef>
-                <a:spcPts val="500"/>
-              </a:spcBef>
-              <a:buFont typeface="Arial" panose="020B0604020202020204" pitchFamily="34" charset="0"/>
-              <a:buNone/>
-              <a:defRPr sz="1600" kern="1200">
-                <a:solidFill>
-                  <a:schemeClr val="tx1"/>
-                </a:solidFill>
-                <a:latin typeface="+mn-lt"/>
-                <a:ea typeface="+mn-ea"/>
-                <a:cs typeface="+mn-cs"/>
-              </a:defRPr>
-            </a:lvl9pPr>
-          </a:lstStyle>
-          <a:p>
-            <a:pPr marL="285750" indent="-285750" algn="l">
-              <a:lnSpc>
-                <a:spcPct val="150000"/>
-              </a:lnSpc>
-              <a:buFont typeface="Arial" panose="020B0604020202020204" pitchFamily="34" charset="0"/>
-              <a:buChar char="•"/>
-            </a:pPr>
-            <a:r>
-              <a:rPr lang="en-US" sz="2000" dirty="0">
-                <a:latin typeface="Segoe UI Semibold" panose="020B0702040204020203" pitchFamily="34" charset="0"/>
-                <a:cs typeface="Segoe UI Semibold" panose="020B0702040204020203" pitchFamily="34" charset="0"/>
-              </a:rPr>
-              <a:t>Multiple layouts</a:t>
-            </a:r>
-          </a:p>
-          <a:p>
-            <a:pPr marL="742950" lvl="1" indent="-285750" algn="l">
-              <a:lnSpc>
-                <a:spcPct val="150000"/>
-              </a:lnSpc>
-              <a:buFont typeface="Arial" panose="020B0604020202020204" pitchFamily="34" charset="0"/>
-              <a:buChar char="•"/>
-            </a:pPr>
-            <a:r>
-              <a:rPr lang="en-US" sz="1600" dirty="0">
-                <a:latin typeface="Segoe UI Semibold" panose="020B0702040204020203" pitchFamily="34" charset="0"/>
-                <a:cs typeface="Segoe UI Semibold" panose="020B0702040204020203" pitchFamily="34" charset="0"/>
-              </a:rPr>
-              <a:t>Account/Login page layout</a:t>
-            </a:r>
-          </a:p>
-          <a:p>
-            <a:pPr marL="742950" lvl="1" indent="-285750" algn="l">
-              <a:lnSpc>
-                <a:spcPct val="150000"/>
-              </a:lnSpc>
-              <a:buFont typeface="Arial" panose="020B0604020202020204" pitchFamily="34" charset="0"/>
-              <a:buChar char="•"/>
-            </a:pPr>
-            <a:r>
-              <a:rPr lang="en-US" sz="1600" dirty="0">
-                <a:latin typeface="Segoe UI Semibold" panose="020B0702040204020203" pitchFamily="34" charset="0"/>
-                <a:cs typeface="Segoe UI Semibold" panose="020B0702040204020203" pitchFamily="34" charset="0"/>
-              </a:rPr>
-              <a:t>Application layout</a:t>
-            </a:r>
-          </a:p>
-          <a:p>
-            <a:pPr marL="742950" lvl="1" indent="-285750" algn="l">
-              <a:lnSpc>
-                <a:spcPct val="150000"/>
-              </a:lnSpc>
-              <a:buFont typeface="Arial" panose="020B0604020202020204" pitchFamily="34" charset="0"/>
-              <a:buChar char="•"/>
-            </a:pPr>
-            <a:r>
-              <a:rPr lang="en-US" sz="1600" dirty="0">
-                <a:latin typeface="Segoe UI Semibold" panose="020B0702040204020203" pitchFamily="34" charset="0"/>
-                <a:cs typeface="Segoe UI Semibold" panose="020B0702040204020203" pitchFamily="34" charset="0"/>
-              </a:rPr>
-              <a:t>Public web site layout</a:t>
-            </a:r>
-          </a:p>
-          <a:p>
-            <a:pPr marL="742950" lvl="1" indent="-285750" algn="l">
-              <a:lnSpc>
-                <a:spcPct val="150000"/>
-              </a:lnSpc>
-              <a:buFont typeface="Arial" panose="020B0604020202020204" pitchFamily="34" charset="0"/>
-              <a:buChar char="•"/>
-            </a:pPr>
-            <a:r>
-              <a:rPr lang="en-US" sz="1600" dirty="0">
-                <a:latin typeface="Segoe UI Semibold" panose="020B0702040204020203" pitchFamily="34" charset="0"/>
-                <a:cs typeface="Segoe UI Semibold" panose="020B0702040204020203" pitchFamily="34" charset="0"/>
-              </a:rPr>
-              <a:t>Blank layout</a:t>
-            </a:r>
-          </a:p>
-          <a:p>
-            <a:pPr marL="285750" indent="-285750" algn="l">
-              <a:lnSpc>
-                <a:spcPct val="150000"/>
-              </a:lnSpc>
-              <a:buFont typeface="Arial" panose="020B0604020202020204" pitchFamily="34" charset="0"/>
-              <a:buChar char="•"/>
-            </a:pPr>
-            <a:r>
-              <a:rPr lang="en-US" sz="2000" dirty="0">
-                <a:latin typeface="Segoe UI Semibold" panose="020B0702040204020203" pitchFamily="34" charset="0"/>
-                <a:cs typeface="Segoe UI Semibold" panose="020B0702040204020203" pitchFamily="34" charset="0"/>
-              </a:rPr>
-              <a:t>Declare/manage </a:t>
-            </a:r>
-            <a:r>
-              <a:rPr lang="en-US" sz="2000" dirty="0" err="1">
-                <a:latin typeface="Segoe UI Semibold" panose="020B0702040204020203" pitchFamily="34" charset="0"/>
-                <a:cs typeface="Segoe UI Semibold" panose="020B0702040204020203" pitchFamily="34" charset="0"/>
-              </a:rPr>
-              <a:t>css</a:t>
-            </a:r>
-            <a:r>
-              <a:rPr lang="en-US" sz="2000" dirty="0">
-                <a:latin typeface="Segoe UI Semibold" panose="020B0702040204020203" pitchFamily="34" charset="0"/>
-                <a:cs typeface="Segoe UI Semibold" panose="020B0702040204020203" pitchFamily="34" charset="0"/>
-              </a:rPr>
-              <a:t>/</a:t>
-            </a:r>
-            <a:r>
-              <a:rPr lang="en-US" sz="2000" dirty="0" err="1">
-                <a:latin typeface="Segoe UI Semibold" panose="020B0702040204020203" pitchFamily="34" charset="0"/>
-                <a:cs typeface="Segoe UI Semibold" panose="020B0702040204020203" pitchFamily="34" charset="0"/>
-              </a:rPr>
-              <a:t>js</a:t>
-            </a:r>
-            <a:r>
-              <a:rPr lang="en-US" sz="2000" dirty="0">
-                <a:latin typeface="Segoe UI Semibold" panose="020B0702040204020203" pitchFamily="34" charset="0"/>
-                <a:cs typeface="Segoe UI Semibold" panose="020B0702040204020203" pitchFamily="34" charset="0"/>
-              </a:rPr>
-              <a:t> library dependencies and bundles</a:t>
-            </a:r>
-          </a:p>
-          <a:p>
-            <a:pPr marL="285750" indent="-285750" algn="l">
-              <a:lnSpc>
-                <a:spcPct val="150000"/>
-              </a:lnSpc>
-              <a:buFont typeface="Arial" panose="020B0604020202020204" pitchFamily="34" charset="0"/>
-              <a:buChar char="•"/>
-            </a:pPr>
-            <a:r>
-              <a:rPr lang="en-US" sz="2000" dirty="0">
-                <a:latin typeface="Segoe UI Semibold" panose="020B0702040204020203" pitchFamily="34" charset="0"/>
-                <a:cs typeface="Segoe UI Semibold" panose="020B0702040204020203" pitchFamily="34" charset="0"/>
-              </a:rPr>
-              <a:t>Render menus, toolbars… contributed by the modules</a:t>
-            </a:r>
-          </a:p>
-        </p:txBody>
-      </p:sp>
-      <p:pic>
-        <p:nvPicPr>
-          <p:cNvPr id="4" name="Picture 3">
-            <a:extLst>
-              <a:ext uri="{FF2B5EF4-FFF2-40B4-BE49-F238E27FC236}">
-                <a16:creationId xmlns:a16="http://schemas.microsoft.com/office/drawing/2014/main" id="{39B37E48-2E80-4802-8453-15D269940633}"/>
-              </a:ext>
-            </a:extLst>
-          </p:cNvPr>
-          <p:cNvPicPr>
-            <a:picLocks noChangeAspect="1"/>
-          </p:cNvPicPr>
-          <p:nvPr/>
-        </p:nvPicPr>
-        <p:blipFill>
-          <a:blip r:embed="rId3"/>
-          <a:stretch>
-            <a:fillRect/>
-          </a:stretch>
-        </p:blipFill>
-        <p:spPr>
-          <a:xfrm>
-            <a:off x="6227430" y="930564"/>
-            <a:ext cx="5514975" cy="4819650"/>
-          </a:xfrm>
-          <a:prstGeom prst="rect">
-            <a:avLst/>
-          </a:prstGeom>
-        </p:spPr>
-      </p:pic>
     </p:spTree>
     <p:extLst>
       <p:ext uri="{BB962C8B-B14F-4D97-AF65-F5344CB8AC3E}">
-        <p14:creationId xmlns:p14="http://schemas.microsoft.com/office/powerpoint/2010/main" val="842296214"/>
+        <p14:creationId xmlns:p14="http://schemas.microsoft.com/office/powerpoint/2010/main" val="506163861"/>
       </p:ext>
     </p:extLst>
   </p:cSld>
@@ -30521,10 +29951,10 @@
       </p:grpSpPr>
       <p:pic>
         <p:nvPicPr>
-          <p:cNvPr id="19" name="Picture 18">
-            <a:extLst>
-              <a:ext uri="{FF2B5EF4-FFF2-40B4-BE49-F238E27FC236}">
-                <a16:creationId xmlns:a16="http://schemas.microsoft.com/office/drawing/2014/main" id="{38981447-9723-40B3-902B-DA8C7B4D8B8E}"/>
+          <p:cNvPr id="9" name="Picture 8">
+            <a:extLst>
+              <a:ext uri="{FF2B5EF4-FFF2-40B4-BE49-F238E27FC236}">
+                <a16:creationId xmlns:a16="http://schemas.microsoft.com/office/drawing/2014/main" id="{39E83B63-DAE7-4E06-A56F-CF1576B89936}"/>
               </a:ext>
             </a:extLst>
           </p:cNvPr>
@@ -30573,8 +30003,8 @@
         </p:nvSpPr>
         <p:spPr>
           <a:xfrm>
-            <a:off x="0" y="886691"/>
-            <a:ext cx="12192000" cy="2205182"/>
+            <a:off x="738908" y="930564"/>
+            <a:ext cx="4858328" cy="2311400"/>
           </a:xfrm>
         </p:spPr>
         <p:txBody>
@@ -30583,34 +30013,30 @@
           </a:bodyPr>
           <a:lstStyle/>
           <a:p>
+            <a:pPr algn="l"/>
             <a:r>
               <a:rPr lang="en-US" sz="4000" b="1" dirty="0">
+                <a:latin typeface="Segoe UI Light" panose="020B0502040204020203" pitchFamily="34" charset="0"/>
+                <a:cs typeface="Segoe UI Light" panose="020B0502040204020203" pitchFamily="34" charset="0"/>
+              </a:rPr>
+              <a:t>In-Process</a:t>
+            </a:r>
+            <a:br>
+              <a:rPr lang="en-US" sz="4000" b="1" dirty="0">
+                <a:latin typeface="Segoe UI Light" panose="020B0502040204020203" pitchFamily="34" charset="0"/>
+                <a:cs typeface="Segoe UI Light" panose="020B0502040204020203" pitchFamily="34" charset="0"/>
+              </a:rPr>
+            </a:br>
+            <a:r>
+              <a:rPr lang="en-US" sz="4000" b="1" dirty="0">
+                <a:solidFill>
+                  <a:srgbClr val="0041C6"/>
+                </a:solidFill>
                 <a:latin typeface="Segoe UI Semibold" panose="020B0702040204020203" pitchFamily="34" charset="0"/>
                 <a:cs typeface="Segoe UI Semibold" panose="020B0702040204020203" pitchFamily="34" charset="0"/>
               </a:rPr>
-              <a:t>Using a Module</a:t>
-            </a:r>
-            <a:br>
-              <a:rPr lang="en-US" sz="4000" b="1" dirty="0">
-                <a:latin typeface="Segoe UI Semibold" panose="020B0702040204020203" pitchFamily="34" charset="0"/>
-                <a:cs typeface="Segoe UI Semibold" panose="020B0702040204020203" pitchFamily="34" charset="0"/>
-              </a:rPr>
-            </a:br>
-            <a:r>
-              <a:rPr lang="en-US" sz="4000" b="1" dirty="0">
-                <a:solidFill>
-                  <a:srgbClr val="0041C6"/>
-                </a:solidFill>
-                <a:latin typeface="Segoe UI Semibold" panose="020B0702040204020203" pitchFamily="34" charset="0"/>
-                <a:cs typeface="Segoe UI Semibold" panose="020B0702040204020203" pitchFamily="34" charset="0"/>
-              </a:rPr>
-              <a:t>as a Remote Service (Microservice?)</a:t>
-            </a:r>
-            <a:endParaRPr lang="en-US" sz="4000" dirty="0">
-              <a:solidFill>
-                <a:srgbClr val="0041C6"/>
-              </a:solidFill>
-            </a:endParaRPr>
+              <a:t>Event Bus</a:t>
+            </a:r>
           </a:p>
         </p:txBody>
       </p:sp>
@@ -30704,10 +30130,755 @@
           </a:p>
         </p:txBody>
       </p:sp>
+      <p:sp>
+        <p:nvSpPr>
+          <p:cNvPr id="11" name="Subtitle 2">
+            <a:extLst>
+              <a:ext uri="{FF2B5EF4-FFF2-40B4-BE49-F238E27FC236}">
+                <a16:creationId xmlns:a16="http://schemas.microsoft.com/office/drawing/2014/main" id="{A769CE0C-E9B4-4049-B22B-C35AD0DD7409}"/>
+              </a:ext>
+            </a:extLst>
+          </p:cNvPr>
+          <p:cNvSpPr txBox="1">
+            <a:spLocks/>
+          </p:cNvSpPr>
+          <p:nvPr/>
+        </p:nvSpPr>
+        <p:spPr>
+          <a:xfrm>
+            <a:off x="3582554" y="2904836"/>
+            <a:ext cx="835891" cy="775853"/>
+          </a:xfrm>
+          <a:prstGeom prst="rect">
+            <a:avLst/>
+          </a:prstGeom>
+        </p:spPr>
+        <p:txBody>
+          <a:bodyPr vert="horz" lIns="91440" tIns="45720" rIns="91440" bIns="45720" rtlCol="0" anchor="ctr">
+            <a:normAutofit/>
+          </a:bodyPr>
+          <a:lstStyle>
+            <a:lvl1pPr marL="0" indent="0" algn="ctr" defTabSz="914400" rtl="0" eaLnBrk="1" latinLnBrk="0" hangingPunct="1">
+              <a:lnSpc>
+                <a:spcPct val="90000"/>
+              </a:lnSpc>
+              <a:spcBef>
+                <a:spcPts val="1000"/>
+              </a:spcBef>
+              <a:buFont typeface="Arial" panose="020B0604020202020204" pitchFamily="34" charset="0"/>
+              <a:buNone/>
+              <a:defRPr sz="2400" kern="1200">
+                <a:solidFill>
+                  <a:schemeClr val="tx1"/>
+                </a:solidFill>
+                <a:latin typeface="+mn-lt"/>
+                <a:ea typeface="+mn-ea"/>
+                <a:cs typeface="+mn-cs"/>
+              </a:defRPr>
+            </a:lvl1pPr>
+            <a:lvl2pPr marL="457200" indent="0" algn="ctr" defTabSz="914400" rtl="0" eaLnBrk="1" latinLnBrk="0" hangingPunct="1">
+              <a:lnSpc>
+                <a:spcPct val="90000"/>
+              </a:lnSpc>
+              <a:spcBef>
+                <a:spcPts val="500"/>
+              </a:spcBef>
+              <a:buFont typeface="Arial" panose="020B0604020202020204" pitchFamily="34" charset="0"/>
+              <a:buNone/>
+              <a:defRPr sz="2000" kern="1200">
+                <a:solidFill>
+                  <a:schemeClr val="tx1"/>
+                </a:solidFill>
+                <a:latin typeface="+mn-lt"/>
+                <a:ea typeface="+mn-ea"/>
+                <a:cs typeface="+mn-cs"/>
+              </a:defRPr>
+            </a:lvl2pPr>
+            <a:lvl3pPr marL="914400" indent="0" algn="ctr" defTabSz="914400" rtl="0" eaLnBrk="1" latinLnBrk="0" hangingPunct="1">
+              <a:lnSpc>
+                <a:spcPct val="90000"/>
+              </a:lnSpc>
+              <a:spcBef>
+                <a:spcPts val="500"/>
+              </a:spcBef>
+              <a:buFont typeface="Arial" panose="020B0604020202020204" pitchFamily="34" charset="0"/>
+              <a:buNone/>
+              <a:defRPr sz="1800" kern="1200">
+                <a:solidFill>
+                  <a:schemeClr val="tx1"/>
+                </a:solidFill>
+                <a:latin typeface="+mn-lt"/>
+                <a:ea typeface="+mn-ea"/>
+                <a:cs typeface="+mn-cs"/>
+              </a:defRPr>
+            </a:lvl3pPr>
+            <a:lvl4pPr marL="1371600" indent="0" algn="ctr" defTabSz="914400" rtl="0" eaLnBrk="1" latinLnBrk="0" hangingPunct="1">
+              <a:lnSpc>
+                <a:spcPct val="90000"/>
+              </a:lnSpc>
+              <a:spcBef>
+                <a:spcPts val="500"/>
+              </a:spcBef>
+              <a:buFont typeface="Arial" panose="020B0604020202020204" pitchFamily="34" charset="0"/>
+              <a:buNone/>
+              <a:defRPr sz="1600" kern="1200">
+                <a:solidFill>
+                  <a:schemeClr val="tx1"/>
+                </a:solidFill>
+                <a:latin typeface="+mn-lt"/>
+                <a:ea typeface="+mn-ea"/>
+                <a:cs typeface="+mn-cs"/>
+              </a:defRPr>
+            </a:lvl4pPr>
+            <a:lvl5pPr marL="1828800" indent="0" algn="ctr" defTabSz="914400" rtl="0" eaLnBrk="1" latinLnBrk="0" hangingPunct="1">
+              <a:lnSpc>
+                <a:spcPct val="90000"/>
+              </a:lnSpc>
+              <a:spcBef>
+                <a:spcPts val="500"/>
+              </a:spcBef>
+              <a:buFont typeface="Arial" panose="020B0604020202020204" pitchFamily="34" charset="0"/>
+              <a:buNone/>
+              <a:defRPr sz="1600" kern="1200">
+                <a:solidFill>
+                  <a:schemeClr val="tx1"/>
+                </a:solidFill>
+                <a:latin typeface="+mn-lt"/>
+                <a:ea typeface="+mn-ea"/>
+                <a:cs typeface="+mn-cs"/>
+              </a:defRPr>
+            </a:lvl5pPr>
+            <a:lvl6pPr marL="2286000" indent="0" algn="ctr" defTabSz="914400" rtl="0" eaLnBrk="1" latinLnBrk="0" hangingPunct="1">
+              <a:lnSpc>
+                <a:spcPct val="90000"/>
+              </a:lnSpc>
+              <a:spcBef>
+                <a:spcPts val="500"/>
+              </a:spcBef>
+              <a:buFont typeface="Arial" panose="020B0604020202020204" pitchFamily="34" charset="0"/>
+              <a:buNone/>
+              <a:defRPr sz="1600" kern="1200">
+                <a:solidFill>
+                  <a:schemeClr val="tx1"/>
+                </a:solidFill>
+                <a:latin typeface="+mn-lt"/>
+                <a:ea typeface="+mn-ea"/>
+                <a:cs typeface="+mn-cs"/>
+              </a:defRPr>
+            </a:lvl6pPr>
+            <a:lvl7pPr marL="2743200" indent="0" algn="ctr" defTabSz="914400" rtl="0" eaLnBrk="1" latinLnBrk="0" hangingPunct="1">
+              <a:lnSpc>
+                <a:spcPct val="90000"/>
+              </a:lnSpc>
+              <a:spcBef>
+                <a:spcPts val="500"/>
+              </a:spcBef>
+              <a:buFont typeface="Arial" panose="020B0604020202020204" pitchFamily="34" charset="0"/>
+              <a:buNone/>
+              <a:defRPr sz="1600" kern="1200">
+                <a:solidFill>
+                  <a:schemeClr val="tx1"/>
+                </a:solidFill>
+                <a:latin typeface="+mn-lt"/>
+                <a:ea typeface="+mn-ea"/>
+                <a:cs typeface="+mn-cs"/>
+              </a:defRPr>
+            </a:lvl7pPr>
+            <a:lvl8pPr marL="3200400" indent="0" algn="ctr" defTabSz="914400" rtl="0" eaLnBrk="1" latinLnBrk="0" hangingPunct="1">
+              <a:lnSpc>
+                <a:spcPct val="90000"/>
+              </a:lnSpc>
+              <a:spcBef>
+                <a:spcPts val="500"/>
+              </a:spcBef>
+              <a:buFont typeface="Arial" panose="020B0604020202020204" pitchFamily="34" charset="0"/>
+              <a:buNone/>
+              <a:defRPr sz="1600" kern="1200">
+                <a:solidFill>
+                  <a:schemeClr val="tx1"/>
+                </a:solidFill>
+                <a:latin typeface="+mn-lt"/>
+                <a:ea typeface="+mn-ea"/>
+                <a:cs typeface="+mn-cs"/>
+              </a:defRPr>
+            </a:lvl8pPr>
+            <a:lvl9pPr marL="3657600" indent="0" algn="ctr" defTabSz="914400" rtl="0" eaLnBrk="1" latinLnBrk="0" hangingPunct="1">
+              <a:lnSpc>
+                <a:spcPct val="90000"/>
+              </a:lnSpc>
+              <a:spcBef>
+                <a:spcPts val="500"/>
+              </a:spcBef>
+              <a:buFont typeface="Arial" panose="020B0604020202020204" pitchFamily="34" charset="0"/>
+              <a:buNone/>
+              <a:defRPr sz="1600" kern="1200">
+                <a:solidFill>
+                  <a:schemeClr val="tx1"/>
+                </a:solidFill>
+                <a:latin typeface="+mn-lt"/>
+                <a:ea typeface="+mn-ea"/>
+                <a:cs typeface="+mn-cs"/>
+              </a:defRPr>
+            </a:lvl9pPr>
+          </a:lstStyle>
+          <a:p>
+            <a:r>
+              <a:rPr lang="en-US" sz="2000" b="1" dirty="0">
+                <a:solidFill>
+                  <a:schemeClr val="bg1"/>
+                </a:solidFill>
+                <a:latin typeface="Segoe UI Light" panose="020B0502040204020203" pitchFamily="34" charset="0"/>
+                <a:cs typeface="Segoe UI Light" panose="020B0502040204020203" pitchFamily="34" charset="0"/>
+              </a:rPr>
+              <a:t>VS</a:t>
+            </a:r>
+          </a:p>
+        </p:txBody>
+      </p:sp>
+      <p:sp>
+        <p:nvSpPr>
+          <p:cNvPr id="15" name="Subtitle 2">
+            <a:extLst>
+              <a:ext uri="{FF2B5EF4-FFF2-40B4-BE49-F238E27FC236}">
+                <a16:creationId xmlns:a16="http://schemas.microsoft.com/office/drawing/2014/main" id="{20939731-D3B7-4A28-B941-216A5F2FD525}"/>
+              </a:ext>
+            </a:extLst>
+          </p:cNvPr>
+          <p:cNvSpPr txBox="1">
+            <a:spLocks/>
+          </p:cNvSpPr>
+          <p:nvPr/>
+        </p:nvSpPr>
+        <p:spPr>
+          <a:xfrm>
+            <a:off x="738908" y="3173267"/>
+            <a:ext cx="4368801" cy="2042969"/>
+          </a:xfrm>
+          <a:prstGeom prst="rect">
+            <a:avLst/>
+          </a:prstGeom>
+        </p:spPr>
+        <p:txBody>
+          <a:bodyPr vert="horz" lIns="91440" tIns="45720" rIns="91440" bIns="45720" rtlCol="0" anchor="t">
+            <a:noAutofit/>
+          </a:bodyPr>
+          <a:lstStyle>
+            <a:lvl1pPr marL="0" indent="0" algn="ctr" defTabSz="914400" rtl="0" eaLnBrk="1" latinLnBrk="0" hangingPunct="1">
+              <a:lnSpc>
+                <a:spcPct val="90000"/>
+              </a:lnSpc>
+              <a:spcBef>
+                <a:spcPts val="1000"/>
+              </a:spcBef>
+              <a:buFont typeface="Arial" panose="020B0604020202020204" pitchFamily="34" charset="0"/>
+              <a:buNone/>
+              <a:defRPr sz="2400" kern="1200">
+                <a:solidFill>
+                  <a:schemeClr val="tx1"/>
+                </a:solidFill>
+                <a:latin typeface="+mn-lt"/>
+                <a:ea typeface="+mn-ea"/>
+                <a:cs typeface="+mn-cs"/>
+              </a:defRPr>
+            </a:lvl1pPr>
+            <a:lvl2pPr marL="457200" indent="0" algn="ctr" defTabSz="914400" rtl="0" eaLnBrk="1" latinLnBrk="0" hangingPunct="1">
+              <a:lnSpc>
+                <a:spcPct val="90000"/>
+              </a:lnSpc>
+              <a:spcBef>
+                <a:spcPts val="500"/>
+              </a:spcBef>
+              <a:buFont typeface="Arial" panose="020B0604020202020204" pitchFamily="34" charset="0"/>
+              <a:buNone/>
+              <a:defRPr sz="2000" kern="1200">
+                <a:solidFill>
+                  <a:schemeClr val="tx1"/>
+                </a:solidFill>
+                <a:latin typeface="+mn-lt"/>
+                <a:ea typeface="+mn-ea"/>
+                <a:cs typeface="+mn-cs"/>
+              </a:defRPr>
+            </a:lvl2pPr>
+            <a:lvl3pPr marL="914400" indent="0" algn="ctr" defTabSz="914400" rtl="0" eaLnBrk="1" latinLnBrk="0" hangingPunct="1">
+              <a:lnSpc>
+                <a:spcPct val="90000"/>
+              </a:lnSpc>
+              <a:spcBef>
+                <a:spcPts val="500"/>
+              </a:spcBef>
+              <a:buFont typeface="Arial" panose="020B0604020202020204" pitchFamily="34" charset="0"/>
+              <a:buNone/>
+              <a:defRPr sz="1800" kern="1200">
+                <a:solidFill>
+                  <a:schemeClr val="tx1"/>
+                </a:solidFill>
+                <a:latin typeface="+mn-lt"/>
+                <a:ea typeface="+mn-ea"/>
+                <a:cs typeface="+mn-cs"/>
+              </a:defRPr>
+            </a:lvl3pPr>
+            <a:lvl4pPr marL="1371600" indent="0" algn="ctr" defTabSz="914400" rtl="0" eaLnBrk="1" latinLnBrk="0" hangingPunct="1">
+              <a:lnSpc>
+                <a:spcPct val="90000"/>
+              </a:lnSpc>
+              <a:spcBef>
+                <a:spcPts val="500"/>
+              </a:spcBef>
+              <a:buFont typeface="Arial" panose="020B0604020202020204" pitchFamily="34" charset="0"/>
+              <a:buNone/>
+              <a:defRPr sz="1600" kern="1200">
+                <a:solidFill>
+                  <a:schemeClr val="tx1"/>
+                </a:solidFill>
+                <a:latin typeface="+mn-lt"/>
+                <a:ea typeface="+mn-ea"/>
+                <a:cs typeface="+mn-cs"/>
+              </a:defRPr>
+            </a:lvl4pPr>
+            <a:lvl5pPr marL="1828800" indent="0" algn="ctr" defTabSz="914400" rtl="0" eaLnBrk="1" latinLnBrk="0" hangingPunct="1">
+              <a:lnSpc>
+                <a:spcPct val="90000"/>
+              </a:lnSpc>
+              <a:spcBef>
+                <a:spcPts val="500"/>
+              </a:spcBef>
+              <a:buFont typeface="Arial" panose="020B0604020202020204" pitchFamily="34" charset="0"/>
+              <a:buNone/>
+              <a:defRPr sz="1600" kern="1200">
+                <a:solidFill>
+                  <a:schemeClr val="tx1"/>
+                </a:solidFill>
+                <a:latin typeface="+mn-lt"/>
+                <a:ea typeface="+mn-ea"/>
+                <a:cs typeface="+mn-cs"/>
+              </a:defRPr>
+            </a:lvl5pPr>
+            <a:lvl6pPr marL="2286000" indent="0" algn="ctr" defTabSz="914400" rtl="0" eaLnBrk="1" latinLnBrk="0" hangingPunct="1">
+              <a:lnSpc>
+                <a:spcPct val="90000"/>
+              </a:lnSpc>
+              <a:spcBef>
+                <a:spcPts val="500"/>
+              </a:spcBef>
+              <a:buFont typeface="Arial" panose="020B0604020202020204" pitchFamily="34" charset="0"/>
+              <a:buNone/>
+              <a:defRPr sz="1600" kern="1200">
+                <a:solidFill>
+                  <a:schemeClr val="tx1"/>
+                </a:solidFill>
+                <a:latin typeface="+mn-lt"/>
+                <a:ea typeface="+mn-ea"/>
+                <a:cs typeface="+mn-cs"/>
+              </a:defRPr>
+            </a:lvl6pPr>
+            <a:lvl7pPr marL="2743200" indent="0" algn="ctr" defTabSz="914400" rtl="0" eaLnBrk="1" latinLnBrk="0" hangingPunct="1">
+              <a:lnSpc>
+                <a:spcPct val="90000"/>
+              </a:lnSpc>
+              <a:spcBef>
+                <a:spcPts val="500"/>
+              </a:spcBef>
+              <a:buFont typeface="Arial" panose="020B0604020202020204" pitchFamily="34" charset="0"/>
+              <a:buNone/>
+              <a:defRPr sz="1600" kern="1200">
+                <a:solidFill>
+                  <a:schemeClr val="tx1"/>
+                </a:solidFill>
+                <a:latin typeface="+mn-lt"/>
+                <a:ea typeface="+mn-ea"/>
+                <a:cs typeface="+mn-cs"/>
+              </a:defRPr>
+            </a:lvl7pPr>
+            <a:lvl8pPr marL="3200400" indent="0" algn="ctr" defTabSz="914400" rtl="0" eaLnBrk="1" latinLnBrk="0" hangingPunct="1">
+              <a:lnSpc>
+                <a:spcPct val="90000"/>
+              </a:lnSpc>
+              <a:spcBef>
+                <a:spcPts val="500"/>
+              </a:spcBef>
+              <a:buFont typeface="Arial" panose="020B0604020202020204" pitchFamily="34" charset="0"/>
+              <a:buNone/>
+              <a:defRPr sz="1600" kern="1200">
+                <a:solidFill>
+                  <a:schemeClr val="tx1"/>
+                </a:solidFill>
+                <a:latin typeface="+mn-lt"/>
+                <a:ea typeface="+mn-ea"/>
+                <a:cs typeface="+mn-cs"/>
+              </a:defRPr>
+            </a:lvl8pPr>
+            <a:lvl9pPr marL="3657600" indent="0" algn="ctr" defTabSz="914400" rtl="0" eaLnBrk="1" latinLnBrk="0" hangingPunct="1">
+              <a:lnSpc>
+                <a:spcPct val="90000"/>
+              </a:lnSpc>
+              <a:spcBef>
+                <a:spcPts val="500"/>
+              </a:spcBef>
+              <a:buFont typeface="Arial" panose="020B0604020202020204" pitchFamily="34" charset="0"/>
+              <a:buNone/>
+              <a:defRPr sz="1600" kern="1200">
+                <a:solidFill>
+                  <a:schemeClr val="tx1"/>
+                </a:solidFill>
+                <a:latin typeface="+mn-lt"/>
+                <a:ea typeface="+mn-ea"/>
+                <a:cs typeface="+mn-cs"/>
+              </a:defRPr>
+            </a:lvl9pPr>
+          </a:lstStyle>
+          <a:p>
+            <a:pPr marL="285750" indent="-285750" algn="l">
+              <a:lnSpc>
+                <a:spcPct val="150000"/>
+              </a:lnSpc>
+              <a:buFont typeface="Arial" panose="020B0604020202020204" pitchFamily="34" charset="0"/>
+              <a:buChar char="•"/>
+            </a:pPr>
+            <a:r>
+              <a:rPr lang="en-US" sz="1600" dirty="0">
+                <a:latin typeface="Segoe UI Semibold" panose="020B0702040204020203" pitchFamily="34" charset="0"/>
+                <a:cs typeface="Segoe UI Semibold" panose="020B0702040204020203" pitchFamily="34" charset="0"/>
+              </a:rPr>
+              <a:t>Domain/Business Events.</a:t>
+            </a:r>
+          </a:p>
+          <a:p>
+            <a:pPr marL="285750" indent="-285750" algn="l">
+              <a:lnSpc>
+                <a:spcPct val="150000"/>
+              </a:lnSpc>
+              <a:buFont typeface="Arial" panose="020B0604020202020204" pitchFamily="34" charset="0"/>
+              <a:buChar char="•"/>
+            </a:pPr>
+            <a:r>
+              <a:rPr lang="en-US" sz="1600" dirty="0">
+                <a:latin typeface="Segoe UI Semibold" panose="020B0702040204020203" pitchFamily="34" charset="0"/>
+                <a:cs typeface="Segoe UI Semibold" panose="020B0702040204020203" pitchFamily="34" charset="0"/>
+              </a:rPr>
+              <a:t>Pre-built events: Entity change events (created, updated, deleted).</a:t>
+            </a:r>
+          </a:p>
+          <a:p>
+            <a:pPr marL="285750" indent="-285750" algn="l">
+              <a:lnSpc>
+                <a:spcPct val="150000"/>
+              </a:lnSpc>
+              <a:buFont typeface="Arial" panose="020B0604020202020204" pitchFamily="34" charset="0"/>
+              <a:buChar char="•"/>
+            </a:pPr>
+            <a:r>
+              <a:rPr lang="en-US" sz="1600" dirty="0">
+                <a:latin typeface="Segoe UI Semibold" panose="020B0702040204020203" pitchFamily="34" charset="0"/>
+                <a:cs typeface="Segoe UI Semibold" panose="020B0702040204020203" pitchFamily="34" charset="0"/>
+              </a:rPr>
+              <a:t>One publisher, multiple subscriber.</a:t>
+            </a:r>
+          </a:p>
+        </p:txBody>
+      </p:sp>
+      <p:sp>
+        <p:nvSpPr>
+          <p:cNvPr id="3" name="Rectangle 2">
+            <a:extLst>
+              <a:ext uri="{FF2B5EF4-FFF2-40B4-BE49-F238E27FC236}">
+                <a16:creationId xmlns:a16="http://schemas.microsoft.com/office/drawing/2014/main" id="{D9414F04-3327-4C69-993D-1C252829956C}"/>
+              </a:ext>
+            </a:extLst>
+          </p:cNvPr>
+          <p:cNvSpPr/>
+          <p:nvPr/>
+        </p:nvSpPr>
+        <p:spPr>
+          <a:xfrm>
+            <a:off x="6804561" y="3645144"/>
+            <a:ext cx="2575249" cy="615821"/>
+          </a:xfrm>
+          <a:prstGeom prst="rect">
+            <a:avLst/>
+          </a:prstGeom>
+        </p:spPr>
+        <p:style>
+          <a:lnRef idx="2">
+            <a:schemeClr val="accent6">
+              <a:shade val="50000"/>
+            </a:schemeClr>
+          </a:lnRef>
+          <a:fillRef idx="1">
+            <a:schemeClr val="accent6"/>
+          </a:fillRef>
+          <a:effectRef idx="0">
+            <a:schemeClr val="accent6"/>
+          </a:effectRef>
+          <a:fontRef idx="minor">
+            <a:schemeClr val="lt1"/>
+          </a:fontRef>
+        </p:style>
+        <p:txBody>
+          <a:bodyPr rtlCol="0" anchor="ctr"/>
+          <a:lstStyle/>
+          <a:p>
+            <a:pPr algn="ctr"/>
+            <a:r>
+              <a:rPr lang="en-US" sz="2800" dirty="0"/>
+              <a:t>Event Bus</a:t>
+            </a:r>
+          </a:p>
+        </p:txBody>
+      </p:sp>
+      <p:sp>
+        <p:nvSpPr>
+          <p:cNvPr id="10" name="Rectangle 9">
+            <a:extLst>
+              <a:ext uri="{FF2B5EF4-FFF2-40B4-BE49-F238E27FC236}">
+                <a16:creationId xmlns:a16="http://schemas.microsoft.com/office/drawing/2014/main" id="{32A73EA3-A803-499B-9B6C-484E257A6283}"/>
+              </a:ext>
+            </a:extLst>
+          </p:cNvPr>
+          <p:cNvSpPr/>
+          <p:nvPr/>
+        </p:nvSpPr>
+        <p:spPr>
+          <a:xfrm>
+            <a:off x="5358882" y="2317910"/>
+            <a:ext cx="2575249" cy="615821"/>
+          </a:xfrm>
+          <a:prstGeom prst="rect">
+            <a:avLst/>
+          </a:prstGeom>
+        </p:spPr>
+        <p:style>
+          <a:lnRef idx="2">
+            <a:schemeClr val="accent1">
+              <a:shade val="50000"/>
+            </a:schemeClr>
+          </a:lnRef>
+          <a:fillRef idx="1">
+            <a:schemeClr val="accent1"/>
+          </a:fillRef>
+          <a:effectRef idx="0">
+            <a:schemeClr val="accent1"/>
+          </a:effectRef>
+          <a:fontRef idx="minor">
+            <a:schemeClr val="lt1"/>
+          </a:fontRef>
+        </p:style>
+        <p:txBody>
+          <a:bodyPr rtlCol="0" anchor="ctr"/>
+          <a:lstStyle/>
+          <a:p>
+            <a:pPr algn="ctr"/>
+            <a:r>
+              <a:rPr lang="en-US" sz="2800" dirty="0"/>
+              <a:t>Module 1</a:t>
+            </a:r>
+          </a:p>
+        </p:txBody>
+      </p:sp>
+      <p:sp>
+        <p:nvSpPr>
+          <p:cNvPr id="12" name="Rectangle 11">
+            <a:extLst>
+              <a:ext uri="{FF2B5EF4-FFF2-40B4-BE49-F238E27FC236}">
+                <a16:creationId xmlns:a16="http://schemas.microsoft.com/office/drawing/2014/main" id="{8EA166F1-B984-4C2F-B7FE-DC9E9BF4D9E8}"/>
+              </a:ext>
+            </a:extLst>
+          </p:cNvPr>
+          <p:cNvSpPr/>
+          <p:nvPr/>
+        </p:nvSpPr>
+        <p:spPr>
+          <a:xfrm>
+            <a:off x="8273709" y="2317909"/>
+            <a:ext cx="2575249" cy="615821"/>
+          </a:xfrm>
+          <a:prstGeom prst="rect">
+            <a:avLst/>
+          </a:prstGeom>
+        </p:spPr>
+        <p:style>
+          <a:lnRef idx="2">
+            <a:schemeClr val="accent1">
+              <a:shade val="50000"/>
+            </a:schemeClr>
+          </a:lnRef>
+          <a:fillRef idx="1">
+            <a:schemeClr val="accent1"/>
+          </a:fillRef>
+          <a:effectRef idx="0">
+            <a:schemeClr val="accent1"/>
+          </a:effectRef>
+          <a:fontRef idx="minor">
+            <a:schemeClr val="lt1"/>
+          </a:fontRef>
+        </p:style>
+        <p:txBody>
+          <a:bodyPr rtlCol="0" anchor="ctr"/>
+          <a:lstStyle/>
+          <a:p>
+            <a:pPr algn="ctr"/>
+            <a:r>
+              <a:rPr lang="en-US" sz="2800" dirty="0"/>
+              <a:t>Module 2</a:t>
+            </a:r>
+          </a:p>
+        </p:txBody>
+      </p:sp>
+      <p:cxnSp>
+        <p:nvCxnSpPr>
+          <p:cNvPr id="6" name="Straight Arrow Connector 5">
+            <a:extLst>
+              <a:ext uri="{FF2B5EF4-FFF2-40B4-BE49-F238E27FC236}">
+                <a16:creationId xmlns:a16="http://schemas.microsoft.com/office/drawing/2014/main" id="{F89CDD86-B8A7-46E6-9078-C11F343E848A}"/>
+              </a:ext>
+            </a:extLst>
+          </p:cNvPr>
+          <p:cNvCxnSpPr>
+            <a:cxnSpLocks/>
+          </p:cNvCxnSpPr>
+          <p:nvPr/>
+        </p:nvCxnSpPr>
+        <p:spPr>
+          <a:xfrm>
+            <a:off x="7077860" y="2933730"/>
+            <a:ext cx="307886" cy="711414"/>
+          </a:xfrm>
+          <a:prstGeom prst="straightConnector1">
+            <a:avLst/>
+          </a:prstGeom>
+          <a:ln w="50800">
+            <a:tailEnd type="triangle"/>
+          </a:ln>
+        </p:spPr>
+        <p:style>
+          <a:lnRef idx="1">
+            <a:schemeClr val="accent2"/>
+          </a:lnRef>
+          <a:fillRef idx="0">
+            <a:schemeClr val="accent2"/>
+          </a:fillRef>
+          <a:effectRef idx="0">
+            <a:schemeClr val="accent2"/>
+          </a:effectRef>
+          <a:fontRef idx="minor">
+            <a:schemeClr val="tx1"/>
+          </a:fontRef>
+        </p:style>
+      </p:cxnSp>
+      <p:cxnSp>
+        <p:nvCxnSpPr>
+          <p:cNvPr id="18" name="Straight Arrow Connector 17">
+            <a:extLst>
+              <a:ext uri="{FF2B5EF4-FFF2-40B4-BE49-F238E27FC236}">
+                <a16:creationId xmlns:a16="http://schemas.microsoft.com/office/drawing/2014/main" id="{742CE64C-D09B-47F3-8E39-2960278E08F7}"/>
+              </a:ext>
+            </a:extLst>
+          </p:cNvPr>
+          <p:cNvCxnSpPr>
+            <a:cxnSpLocks/>
+          </p:cNvCxnSpPr>
+          <p:nvPr/>
+        </p:nvCxnSpPr>
+        <p:spPr>
+          <a:xfrm flipV="1">
+            <a:off x="8469779" y="2933730"/>
+            <a:ext cx="568640" cy="712218"/>
+          </a:xfrm>
+          <a:prstGeom prst="straightConnector1">
+            <a:avLst/>
+          </a:prstGeom>
+          <a:ln w="50800">
+            <a:tailEnd type="triangle"/>
+          </a:ln>
+        </p:spPr>
+        <p:style>
+          <a:lnRef idx="1">
+            <a:schemeClr val="accent2"/>
+          </a:lnRef>
+          <a:fillRef idx="0">
+            <a:schemeClr val="accent2"/>
+          </a:fillRef>
+          <a:effectRef idx="0">
+            <a:schemeClr val="accent2"/>
+          </a:effectRef>
+          <a:fontRef idx="minor">
+            <a:schemeClr val="tx1"/>
+          </a:fontRef>
+        </p:style>
+      </p:cxnSp>
+      <p:sp>
+        <p:nvSpPr>
+          <p:cNvPr id="19" name="TextBox 18">
+            <a:extLst>
+              <a:ext uri="{FF2B5EF4-FFF2-40B4-BE49-F238E27FC236}">
+                <a16:creationId xmlns:a16="http://schemas.microsoft.com/office/drawing/2014/main" id="{E93C26F5-DD73-411E-AE07-993A6C1D1564}"/>
+              </a:ext>
+            </a:extLst>
+          </p:cNvPr>
+          <p:cNvSpPr txBox="1"/>
+          <p:nvPr/>
+        </p:nvSpPr>
+        <p:spPr>
+          <a:xfrm>
+            <a:off x="5574433" y="3089382"/>
+            <a:ext cx="1678986" cy="400110"/>
+          </a:xfrm>
+          <a:prstGeom prst="rect">
+            <a:avLst/>
+          </a:prstGeom>
+          <a:noFill/>
+        </p:spPr>
+        <p:txBody>
+          <a:bodyPr wrap="none" rtlCol="0">
+            <a:spAutoFit/>
+          </a:bodyPr>
+          <a:lstStyle/>
+          <a:p>
+            <a:r>
+              <a:rPr lang="en-US" sz="2000" dirty="0"/>
+              <a:t>Publish Events</a:t>
+            </a:r>
+          </a:p>
+        </p:txBody>
+      </p:sp>
+      <p:sp>
+        <p:nvSpPr>
+          <p:cNvPr id="20" name="TextBox 19">
+            <a:extLst>
+              <a:ext uri="{FF2B5EF4-FFF2-40B4-BE49-F238E27FC236}">
+                <a16:creationId xmlns:a16="http://schemas.microsoft.com/office/drawing/2014/main" id="{36BA70AC-6E36-47AA-B40F-0E292B11FA16}"/>
+              </a:ext>
+            </a:extLst>
+          </p:cNvPr>
+          <p:cNvSpPr txBox="1"/>
+          <p:nvPr/>
+        </p:nvSpPr>
+        <p:spPr>
+          <a:xfrm>
+            <a:off x="8839989" y="3089382"/>
+            <a:ext cx="2207399" cy="400110"/>
+          </a:xfrm>
+          <a:prstGeom prst="rect">
+            <a:avLst/>
+          </a:prstGeom>
+          <a:noFill/>
+        </p:spPr>
+        <p:txBody>
+          <a:bodyPr wrap="none" rtlCol="0">
+            <a:spAutoFit/>
+          </a:bodyPr>
+          <a:lstStyle/>
+          <a:p>
+            <a:r>
+              <a:rPr lang="en-US" sz="2000" dirty="0"/>
+              <a:t>Subscribe to Events</a:t>
+            </a:r>
+          </a:p>
+        </p:txBody>
+      </p:sp>
     </p:spTree>
     <p:extLst>
       <p:ext uri="{BB962C8B-B14F-4D97-AF65-F5344CB8AC3E}">
-        <p14:creationId xmlns:p14="http://schemas.microsoft.com/office/powerpoint/2010/main" val="3492969449"/>
+        <p14:creationId xmlns:p14="http://schemas.microsoft.com/office/powerpoint/2010/main" val="867767921"/>
       </p:ext>
     </p:extLst>
   </p:cSld>
@@ -30800,8 +30971,8 @@
         </p:nvSpPr>
         <p:spPr>
           <a:xfrm>
-            <a:off x="738908" y="930564"/>
-            <a:ext cx="4858328" cy="1290122"/>
+            <a:off x="738907" y="930564"/>
+            <a:ext cx="5773859" cy="775853"/>
           </a:xfrm>
         </p:spPr>
         <p:txBody>
@@ -30813,27 +30984,21 @@
             <a:pPr algn="l"/>
             <a:r>
               <a:rPr lang="en-US" sz="4000" b="1" dirty="0">
+                <a:solidFill>
+                  <a:srgbClr val="0041C6"/>
+                </a:solidFill>
                 <a:latin typeface="Segoe UI Light" panose="020B0502040204020203" pitchFamily="34" charset="0"/>
                 <a:cs typeface="Segoe UI Light" panose="020B0502040204020203" pitchFamily="34" charset="0"/>
               </a:rPr>
-              <a:t>How to</a:t>
-            </a:r>
-            <a:br>
-              <a:rPr lang="en-US" sz="4000" b="1" dirty="0">
-                <a:latin typeface="Segoe UI Light" panose="020B0502040204020203" pitchFamily="34" charset="0"/>
-                <a:cs typeface="Segoe UI Light" panose="020B0502040204020203" pitchFamily="34" charset="0"/>
-              </a:rPr>
-            </a:br>
-            <a:r>
-              <a:rPr lang="en-US" sz="4000" b="1" dirty="0">
-                <a:solidFill>
-                  <a:srgbClr val="0041C6"/>
-                </a:solidFill>
-                <a:latin typeface="Segoe UI Semibold" panose="020B0702040204020203" pitchFamily="34" charset="0"/>
-                <a:cs typeface="Segoe UI Semibold" panose="020B0702040204020203" pitchFamily="34" charset="0"/>
-              </a:rPr>
-              <a:t>Use a module?</a:t>
-            </a:r>
+              <a:t>Sample Event Handler</a:t>
+            </a:r>
+            <a:endParaRPr lang="en-US" sz="4000" b="1" dirty="0">
+              <a:solidFill>
+                <a:srgbClr val="0041C6"/>
+              </a:solidFill>
+              <a:latin typeface="Segoe UI Semibold" panose="020B0702040204020203" pitchFamily="34" charset="0"/>
+              <a:cs typeface="Segoe UI Semibold" panose="020B0702040204020203" pitchFamily="34" charset="0"/>
+            </a:endParaRPr>
           </a:p>
         </p:txBody>
       </p:sp>
@@ -31132,251 +31297,40 @@
           </a:p>
         </p:txBody>
       </p:sp>
-      <p:sp>
-        <p:nvSpPr>
-          <p:cNvPr id="15" name="Subtitle 2">
-            <a:extLst>
-              <a:ext uri="{FF2B5EF4-FFF2-40B4-BE49-F238E27FC236}">
-                <a16:creationId xmlns:a16="http://schemas.microsoft.com/office/drawing/2014/main" id="{20939731-D3B7-4A28-B941-216A5F2FD525}"/>
-              </a:ext>
-            </a:extLst>
-          </p:cNvPr>
-          <p:cNvSpPr txBox="1">
-            <a:spLocks/>
-          </p:cNvSpPr>
+      <p:pic>
+        <p:nvPicPr>
+          <p:cNvPr id="4" name="Picture 3">
+            <a:extLst>
+              <a:ext uri="{FF2B5EF4-FFF2-40B4-BE49-F238E27FC236}">
+                <a16:creationId xmlns:a16="http://schemas.microsoft.com/office/drawing/2014/main" id="{9C9BE360-4A69-472F-BF97-5B0A3EEDACC4}"/>
+              </a:ext>
+            </a:extLst>
+          </p:cNvPr>
+          <p:cNvPicPr>
+            <a:picLocks noChangeAspect="1"/>
+          </p:cNvPicPr>
           <p:nvPr/>
-        </p:nvSpPr>
+        </p:nvPicPr>
+        <p:blipFill>
+          <a:blip r:embed="rId3"/>
+          <a:stretch>
+            <a:fillRect/>
+          </a:stretch>
+        </p:blipFill>
         <p:spPr>
           <a:xfrm>
-            <a:off x="738909" y="2372445"/>
-            <a:ext cx="3950856" cy="3282516"/>
+            <a:off x="738907" y="2010496"/>
+            <a:ext cx="10446507" cy="2636149"/>
           </a:xfrm>
           <a:prstGeom prst="rect">
             <a:avLst/>
           </a:prstGeom>
         </p:spPr>
-        <p:txBody>
-          <a:bodyPr vert="horz" lIns="91440" tIns="45720" rIns="91440" bIns="45720" rtlCol="0" anchor="t">
-            <a:noAutofit/>
-          </a:bodyPr>
-          <a:lstStyle>
-            <a:lvl1pPr marL="0" indent="0" algn="ctr" defTabSz="914400" rtl="0" eaLnBrk="1" latinLnBrk="0" hangingPunct="1">
-              <a:lnSpc>
-                <a:spcPct val="90000"/>
-              </a:lnSpc>
-              <a:spcBef>
-                <a:spcPts val="1000"/>
-              </a:spcBef>
-              <a:buFont typeface="Arial" panose="020B0604020202020204" pitchFamily="34" charset="0"/>
-              <a:buNone/>
-              <a:defRPr sz="2400" kern="1200">
-                <a:solidFill>
-                  <a:schemeClr val="tx1"/>
-                </a:solidFill>
-                <a:latin typeface="+mn-lt"/>
-                <a:ea typeface="+mn-ea"/>
-                <a:cs typeface="+mn-cs"/>
-              </a:defRPr>
-            </a:lvl1pPr>
-            <a:lvl2pPr marL="457200" indent="0" algn="ctr" defTabSz="914400" rtl="0" eaLnBrk="1" latinLnBrk="0" hangingPunct="1">
-              <a:lnSpc>
-                <a:spcPct val="90000"/>
-              </a:lnSpc>
-              <a:spcBef>
-                <a:spcPts val="500"/>
-              </a:spcBef>
-              <a:buFont typeface="Arial" panose="020B0604020202020204" pitchFamily="34" charset="0"/>
-              <a:buNone/>
-              <a:defRPr sz="2000" kern="1200">
-                <a:solidFill>
-                  <a:schemeClr val="tx1"/>
-                </a:solidFill>
-                <a:latin typeface="+mn-lt"/>
-                <a:ea typeface="+mn-ea"/>
-                <a:cs typeface="+mn-cs"/>
-              </a:defRPr>
-            </a:lvl2pPr>
-            <a:lvl3pPr marL="914400" indent="0" algn="ctr" defTabSz="914400" rtl="0" eaLnBrk="1" latinLnBrk="0" hangingPunct="1">
-              <a:lnSpc>
-                <a:spcPct val="90000"/>
-              </a:lnSpc>
-              <a:spcBef>
-                <a:spcPts val="500"/>
-              </a:spcBef>
-              <a:buFont typeface="Arial" panose="020B0604020202020204" pitchFamily="34" charset="0"/>
-              <a:buNone/>
-              <a:defRPr sz="1800" kern="1200">
-                <a:solidFill>
-                  <a:schemeClr val="tx1"/>
-                </a:solidFill>
-                <a:latin typeface="+mn-lt"/>
-                <a:ea typeface="+mn-ea"/>
-                <a:cs typeface="+mn-cs"/>
-              </a:defRPr>
-            </a:lvl3pPr>
-            <a:lvl4pPr marL="1371600" indent="0" algn="ctr" defTabSz="914400" rtl="0" eaLnBrk="1" latinLnBrk="0" hangingPunct="1">
-              <a:lnSpc>
-                <a:spcPct val="90000"/>
-              </a:lnSpc>
-              <a:spcBef>
-                <a:spcPts val="500"/>
-              </a:spcBef>
-              <a:buFont typeface="Arial" panose="020B0604020202020204" pitchFamily="34" charset="0"/>
-              <a:buNone/>
-              <a:defRPr sz="1600" kern="1200">
-                <a:solidFill>
-                  <a:schemeClr val="tx1"/>
-                </a:solidFill>
-                <a:latin typeface="+mn-lt"/>
-                <a:ea typeface="+mn-ea"/>
-                <a:cs typeface="+mn-cs"/>
-              </a:defRPr>
-            </a:lvl4pPr>
-            <a:lvl5pPr marL="1828800" indent="0" algn="ctr" defTabSz="914400" rtl="0" eaLnBrk="1" latinLnBrk="0" hangingPunct="1">
-              <a:lnSpc>
-                <a:spcPct val="90000"/>
-              </a:lnSpc>
-              <a:spcBef>
-                <a:spcPts val="500"/>
-              </a:spcBef>
-              <a:buFont typeface="Arial" panose="020B0604020202020204" pitchFamily="34" charset="0"/>
-              <a:buNone/>
-              <a:defRPr sz="1600" kern="1200">
-                <a:solidFill>
-                  <a:schemeClr val="tx1"/>
-                </a:solidFill>
-                <a:latin typeface="+mn-lt"/>
-                <a:ea typeface="+mn-ea"/>
-                <a:cs typeface="+mn-cs"/>
-              </a:defRPr>
-            </a:lvl5pPr>
-            <a:lvl6pPr marL="2286000" indent="0" algn="ctr" defTabSz="914400" rtl="0" eaLnBrk="1" latinLnBrk="0" hangingPunct="1">
-              <a:lnSpc>
-                <a:spcPct val="90000"/>
-              </a:lnSpc>
-              <a:spcBef>
-                <a:spcPts val="500"/>
-              </a:spcBef>
-              <a:buFont typeface="Arial" panose="020B0604020202020204" pitchFamily="34" charset="0"/>
-              <a:buNone/>
-              <a:defRPr sz="1600" kern="1200">
-                <a:solidFill>
-                  <a:schemeClr val="tx1"/>
-                </a:solidFill>
-                <a:latin typeface="+mn-lt"/>
-                <a:ea typeface="+mn-ea"/>
-                <a:cs typeface="+mn-cs"/>
-              </a:defRPr>
-            </a:lvl6pPr>
-            <a:lvl7pPr marL="2743200" indent="0" algn="ctr" defTabSz="914400" rtl="0" eaLnBrk="1" latinLnBrk="0" hangingPunct="1">
-              <a:lnSpc>
-                <a:spcPct val="90000"/>
-              </a:lnSpc>
-              <a:spcBef>
-                <a:spcPts val="500"/>
-              </a:spcBef>
-              <a:buFont typeface="Arial" panose="020B0604020202020204" pitchFamily="34" charset="0"/>
-              <a:buNone/>
-              <a:defRPr sz="1600" kern="1200">
-                <a:solidFill>
-                  <a:schemeClr val="tx1"/>
-                </a:solidFill>
-                <a:latin typeface="+mn-lt"/>
-                <a:ea typeface="+mn-ea"/>
-                <a:cs typeface="+mn-cs"/>
-              </a:defRPr>
-            </a:lvl7pPr>
-            <a:lvl8pPr marL="3200400" indent="0" algn="ctr" defTabSz="914400" rtl="0" eaLnBrk="1" latinLnBrk="0" hangingPunct="1">
-              <a:lnSpc>
-                <a:spcPct val="90000"/>
-              </a:lnSpc>
-              <a:spcBef>
-                <a:spcPts val="500"/>
-              </a:spcBef>
-              <a:buFont typeface="Arial" panose="020B0604020202020204" pitchFamily="34" charset="0"/>
-              <a:buNone/>
-              <a:defRPr sz="1600" kern="1200">
-                <a:solidFill>
-                  <a:schemeClr val="tx1"/>
-                </a:solidFill>
-                <a:latin typeface="+mn-lt"/>
-                <a:ea typeface="+mn-ea"/>
-                <a:cs typeface="+mn-cs"/>
-              </a:defRPr>
-            </a:lvl8pPr>
-            <a:lvl9pPr marL="3657600" indent="0" algn="ctr" defTabSz="914400" rtl="0" eaLnBrk="1" latinLnBrk="0" hangingPunct="1">
-              <a:lnSpc>
-                <a:spcPct val="90000"/>
-              </a:lnSpc>
-              <a:spcBef>
-                <a:spcPts val="500"/>
-              </a:spcBef>
-              <a:buFont typeface="Arial" panose="020B0604020202020204" pitchFamily="34" charset="0"/>
-              <a:buNone/>
-              <a:defRPr sz="1600" kern="1200">
-                <a:solidFill>
-                  <a:schemeClr val="tx1"/>
-                </a:solidFill>
-                <a:latin typeface="+mn-lt"/>
-                <a:ea typeface="+mn-ea"/>
-                <a:cs typeface="+mn-cs"/>
-              </a:defRPr>
-            </a:lvl9pPr>
-          </a:lstStyle>
-          <a:p>
-            <a:pPr marL="342900" indent="-342900" algn="l">
-              <a:lnSpc>
-                <a:spcPct val="150000"/>
-              </a:lnSpc>
-              <a:buFont typeface="+mj-lt"/>
-              <a:buAutoNum type="arabicPeriod"/>
-            </a:pPr>
-            <a:r>
-              <a:rPr lang="en-US" sz="1600" dirty="0">
-                <a:latin typeface="Segoe UI Semibold" panose="020B0702040204020203" pitchFamily="34" charset="0"/>
-                <a:cs typeface="Segoe UI Semibold" panose="020B0702040204020203" pitchFamily="34" charset="0"/>
-              </a:rPr>
-              <a:t>Embed a module into an application.</a:t>
-            </a:r>
-          </a:p>
-          <a:p>
-            <a:pPr marL="342900" indent="-342900" algn="l">
-              <a:lnSpc>
-                <a:spcPct val="150000"/>
-              </a:lnSpc>
-              <a:buFont typeface="+mj-lt"/>
-              <a:buAutoNum type="arabicPeriod"/>
-            </a:pPr>
-            <a:r>
-              <a:rPr lang="en-US" sz="1600" dirty="0">
-                <a:latin typeface="Segoe UI Semibold" panose="020B0702040204020203" pitchFamily="34" charset="0"/>
-                <a:cs typeface="Segoe UI Semibold" panose="020B0702040204020203" pitchFamily="34" charset="0"/>
-              </a:rPr>
-              <a:t>Use a module as a remote HTTP (REST) service via Client.</a:t>
-            </a:r>
-          </a:p>
-          <a:p>
-            <a:pPr marL="342900" indent="-342900" algn="l">
-              <a:lnSpc>
-                <a:spcPct val="150000"/>
-              </a:lnSpc>
-              <a:buFont typeface="+mj-lt"/>
-              <a:buAutoNum type="arabicPeriod"/>
-            </a:pPr>
-            <a:r>
-              <a:rPr lang="en-US" sz="1600" dirty="0">
-                <a:latin typeface="Segoe UI Semibold" panose="020B0702040204020203" pitchFamily="34" charset="0"/>
-                <a:cs typeface="Segoe UI Semibold" panose="020B0702040204020203" pitchFamily="34" charset="0"/>
-              </a:rPr>
-              <a:t>Embed UI into an application, but use the actual functionality (application layer) as a remote HTTP (REST) service via C# Client.</a:t>
-            </a:r>
-          </a:p>
-        </p:txBody>
-      </p:sp>
+      </p:pic>
     </p:spTree>
     <p:extLst>
       <p:ext uri="{BB962C8B-B14F-4D97-AF65-F5344CB8AC3E}">
-        <p14:creationId xmlns:p14="http://schemas.microsoft.com/office/powerpoint/2010/main" val="1472296954"/>
+        <p14:creationId xmlns:p14="http://schemas.microsoft.com/office/powerpoint/2010/main" val="2292293380"/>
       </p:ext>
     </p:extLst>
   </p:cSld>
@@ -31469,8 +31423,8 @@
         </p:nvSpPr>
         <p:spPr>
           <a:xfrm>
-            <a:off x="747297" y="457025"/>
-            <a:ext cx="5911448" cy="805340"/>
+            <a:off x="738907" y="930564"/>
+            <a:ext cx="5773859" cy="775853"/>
           </a:xfrm>
         </p:spPr>
         <p:txBody>
@@ -31488,7 +31442,7 @@
                 <a:latin typeface="Segoe UI Light" panose="020B0502040204020203" pitchFamily="34" charset="0"/>
                 <a:cs typeface="Segoe UI Light" panose="020B0502040204020203" pitchFamily="34" charset="0"/>
               </a:rPr>
-              <a:t>Module layers/projects</a:t>
+              <a:t>Trigger An Event</a:t>
             </a:r>
             <a:endParaRPr lang="en-US" sz="4000" b="1" dirty="0">
               <a:solidFill>
@@ -31800,7 +31754,7 @@
           <p:cNvPr id="3" name="Picture 2">
             <a:extLst>
               <a:ext uri="{FF2B5EF4-FFF2-40B4-BE49-F238E27FC236}">
-                <a16:creationId xmlns:a16="http://schemas.microsoft.com/office/drawing/2014/main" id="{313E8E5D-F4FD-4B9D-9C17-D8F1E7287C14}"/>
+                <a16:creationId xmlns:a16="http://schemas.microsoft.com/office/drawing/2014/main" id="{15FFB495-30E7-4A87-B8F6-4B9D87948FC3}"/>
               </a:ext>
             </a:extLst>
           </p:cNvPr>
@@ -31817,8 +31771,8 @@
         </p:blipFill>
         <p:spPr>
           <a:xfrm>
-            <a:off x="735530" y="1524630"/>
-            <a:ext cx="7290584" cy="4548999"/>
+            <a:off x="738907" y="2854037"/>
+            <a:ext cx="9765046" cy="775853"/>
           </a:xfrm>
           <a:prstGeom prst="rect">
             <a:avLst/>
@@ -31828,7 +31782,7 @@
     </p:spTree>
     <p:extLst>
       <p:ext uri="{BB962C8B-B14F-4D97-AF65-F5344CB8AC3E}">
-        <p14:creationId xmlns:p14="http://schemas.microsoft.com/office/powerpoint/2010/main" val="2643728119"/>
+        <p14:creationId xmlns:p14="http://schemas.microsoft.com/office/powerpoint/2010/main" val="3175321123"/>
       </p:ext>
     </p:extLst>
   </p:cSld>
@@ -31921,8 +31875,8 @@
         </p:nvSpPr>
         <p:spPr>
           <a:xfrm>
-            <a:off x="629851" y="391647"/>
-            <a:ext cx="5896784" cy="791201"/>
+            <a:off x="738908" y="930564"/>
+            <a:ext cx="4858328" cy="2311400"/>
           </a:xfrm>
         </p:spPr>
         <p:txBody>
@@ -31934,21 +31888,27 @@
             <a:pPr algn="l"/>
             <a:r>
               <a:rPr lang="en-US" sz="4000" b="1" dirty="0">
-                <a:solidFill>
-                  <a:srgbClr val="0041C6"/>
-                </a:solidFill>
                 <a:latin typeface="Segoe UI Light" panose="020B0502040204020203" pitchFamily="34" charset="0"/>
                 <a:cs typeface="Segoe UI Light" panose="020B0502040204020203" pitchFamily="34" charset="0"/>
               </a:rPr>
-              <a:t>Module layers/projects</a:t>
-            </a:r>
-            <a:endParaRPr lang="en-US" sz="4000" b="1" dirty="0">
-              <a:solidFill>
-                <a:srgbClr val="0041C6"/>
-              </a:solidFill>
-              <a:latin typeface="Segoe UI Semibold" panose="020B0702040204020203" pitchFamily="34" charset="0"/>
-              <a:cs typeface="Segoe UI Semibold" panose="020B0702040204020203" pitchFamily="34" charset="0"/>
-            </a:endParaRPr>
+              <a:t>Distributed</a:t>
+            </a:r>
+            <a:br>
+              <a:rPr lang="en-US" sz="4000" b="1" dirty="0">
+                <a:latin typeface="Segoe UI Light" panose="020B0502040204020203" pitchFamily="34" charset="0"/>
+                <a:cs typeface="Segoe UI Light" panose="020B0502040204020203" pitchFamily="34" charset="0"/>
+              </a:rPr>
+            </a:br>
+            <a:r>
+              <a:rPr lang="en-US" sz="4000" b="1" dirty="0">
+                <a:solidFill>
+                  <a:srgbClr val="0041C6"/>
+                </a:solidFill>
+                <a:latin typeface="Segoe UI Semibold" panose="020B0702040204020203" pitchFamily="34" charset="0"/>
+                <a:cs typeface="Segoe UI Semibold" panose="020B0702040204020203" pitchFamily="34" charset="0"/>
+              </a:rPr>
+              <a:t>Event Bus/Queue</a:t>
+            </a:r>
           </a:p>
         </p:txBody>
       </p:sp>
@@ -32247,17 +32207,470 @@
           </a:p>
         </p:txBody>
       </p:sp>
+      <p:sp>
+        <p:nvSpPr>
+          <p:cNvPr id="15" name="Subtitle 2">
+            <a:extLst>
+              <a:ext uri="{FF2B5EF4-FFF2-40B4-BE49-F238E27FC236}">
+                <a16:creationId xmlns:a16="http://schemas.microsoft.com/office/drawing/2014/main" id="{20939731-D3B7-4A28-B941-216A5F2FD525}"/>
+              </a:ext>
+            </a:extLst>
+          </p:cNvPr>
+          <p:cNvSpPr txBox="1">
+            <a:spLocks/>
+          </p:cNvSpPr>
+          <p:nvPr/>
+        </p:nvSpPr>
+        <p:spPr>
+          <a:xfrm>
+            <a:off x="738909" y="3173267"/>
+            <a:ext cx="4000872" cy="2311400"/>
+          </a:xfrm>
+          <a:prstGeom prst="rect">
+            <a:avLst/>
+          </a:prstGeom>
+        </p:spPr>
+        <p:txBody>
+          <a:bodyPr vert="horz" lIns="91440" tIns="45720" rIns="91440" bIns="45720" rtlCol="0" anchor="t">
+            <a:noAutofit/>
+          </a:bodyPr>
+          <a:lstStyle>
+            <a:lvl1pPr marL="0" indent="0" algn="ctr" defTabSz="914400" rtl="0" eaLnBrk="1" latinLnBrk="0" hangingPunct="1">
+              <a:lnSpc>
+                <a:spcPct val="90000"/>
+              </a:lnSpc>
+              <a:spcBef>
+                <a:spcPts val="1000"/>
+              </a:spcBef>
+              <a:buFont typeface="Arial" panose="020B0604020202020204" pitchFamily="34" charset="0"/>
+              <a:buNone/>
+              <a:defRPr sz="2400" kern="1200">
+                <a:solidFill>
+                  <a:schemeClr val="tx1"/>
+                </a:solidFill>
+                <a:latin typeface="+mn-lt"/>
+                <a:ea typeface="+mn-ea"/>
+                <a:cs typeface="+mn-cs"/>
+              </a:defRPr>
+            </a:lvl1pPr>
+            <a:lvl2pPr marL="457200" indent="0" algn="ctr" defTabSz="914400" rtl="0" eaLnBrk="1" latinLnBrk="0" hangingPunct="1">
+              <a:lnSpc>
+                <a:spcPct val="90000"/>
+              </a:lnSpc>
+              <a:spcBef>
+                <a:spcPts val="500"/>
+              </a:spcBef>
+              <a:buFont typeface="Arial" panose="020B0604020202020204" pitchFamily="34" charset="0"/>
+              <a:buNone/>
+              <a:defRPr sz="2000" kern="1200">
+                <a:solidFill>
+                  <a:schemeClr val="tx1"/>
+                </a:solidFill>
+                <a:latin typeface="+mn-lt"/>
+                <a:ea typeface="+mn-ea"/>
+                <a:cs typeface="+mn-cs"/>
+              </a:defRPr>
+            </a:lvl2pPr>
+            <a:lvl3pPr marL="914400" indent="0" algn="ctr" defTabSz="914400" rtl="0" eaLnBrk="1" latinLnBrk="0" hangingPunct="1">
+              <a:lnSpc>
+                <a:spcPct val="90000"/>
+              </a:lnSpc>
+              <a:spcBef>
+                <a:spcPts val="500"/>
+              </a:spcBef>
+              <a:buFont typeface="Arial" panose="020B0604020202020204" pitchFamily="34" charset="0"/>
+              <a:buNone/>
+              <a:defRPr sz="1800" kern="1200">
+                <a:solidFill>
+                  <a:schemeClr val="tx1"/>
+                </a:solidFill>
+                <a:latin typeface="+mn-lt"/>
+                <a:ea typeface="+mn-ea"/>
+                <a:cs typeface="+mn-cs"/>
+              </a:defRPr>
+            </a:lvl3pPr>
+            <a:lvl4pPr marL="1371600" indent="0" algn="ctr" defTabSz="914400" rtl="0" eaLnBrk="1" latinLnBrk="0" hangingPunct="1">
+              <a:lnSpc>
+                <a:spcPct val="90000"/>
+              </a:lnSpc>
+              <a:spcBef>
+                <a:spcPts val="500"/>
+              </a:spcBef>
+              <a:buFont typeface="Arial" panose="020B0604020202020204" pitchFamily="34" charset="0"/>
+              <a:buNone/>
+              <a:defRPr sz="1600" kern="1200">
+                <a:solidFill>
+                  <a:schemeClr val="tx1"/>
+                </a:solidFill>
+                <a:latin typeface="+mn-lt"/>
+                <a:ea typeface="+mn-ea"/>
+                <a:cs typeface="+mn-cs"/>
+              </a:defRPr>
+            </a:lvl4pPr>
+            <a:lvl5pPr marL="1828800" indent="0" algn="ctr" defTabSz="914400" rtl="0" eaLnBrk="1" latinLnBrk="0" hangingPunct="1">
+              <a:lnSpc>
+                <a:spcPct val="90000"/>
+              </a:lnSpc>
+              <a:spcBef>
+                <a:spcPts val="500"/>
+              </a:spcBef>
+              <a:buFont typeface="Arial" panose="020B0604020202020204" pitchFamily="34" charset="0"/>
+              <a:buNone/>
+              <a:defRPr sz="1600" kern="1200">
+                <a:solidFill>
+                  <a:schemeClr val="tx1"/>
+                </a:solidFill>
+                <a:latin typeface="+mn-lt"/>
+                <a:ea typeface="+mn-ea"/>
+                <a:cs typeface="+mn-cs"/>
+              </a:defRPr>
+            </a:lvl5pPr>
+            <a:lvl6pPr marL="2286000" indent="0" algn="ctr" defTabSz="914400" rtl="0" eaLnBrk="1" latinLnBrk="0" hangingPunct="1">
+              <a:lnSpc>
+                <a:spcPct val="90000"/>
+              </a:lnSpc>
+              <a:spcBef>
+                <a:spcPts val="500"/>
+              </a:spcBef>
+              <a:buFont typeface="Arial" panose="020B0604020202020204" pitchFamily="34" charset="0"/>
+              <a:buNone/>
+              <a:defRPr sz="1600" kern="1200">
+                <a:solidFill>
+                  <a:schemeClr val="tx1"/>
+                </a:solidFill>
+                <a:latin typeface="+mn-lt"/>
+                <a:ea typeface="+mn-ea"/>
+                <a:cs typeface="+mn-cs"/>
+              </a:defRPr>
+            </a:lvl6pPr>
+            <a:lvl7pPr marL="2743200" indent="0" algn="ctr" defTabSz="914400" rtl="0" eaLnBrk="1" latinLnBrk="0" hangingPunct="1">
+              <a:lnSpc>
+                <a:spcPct val="90000"/>
+              </a:lnSpc>
+              <a:spcBef>
+                <a:spcPts val="500"/>
+              </a:spcBef>
+              <a:buFont typeface="Arial" panose="020B0604020202020204" pitchFamily="34" charset="0"/>
+              <a:buNone/>
+              <a:defRPr sz="1600" kern="1200">
+                <a:solidFill>
+                  <a:schemeClr val="tx1"/>
+                </a:solidFill>
+                <a:latin typeface="+mn-lt"/>
+                <a:ea typeface="+mn-ea"/>
+                <a:cs typeface="+mn-cs"/>
+              </a:defRPr>
+            </a:lvl7pPr>
+            <a:lvl8pPr marL="3200400" indent="0" algn="ctr" defTabSz="914400" rtl="0" eaLnBrk="1" latinLnBrk="0" hangingPunct="1">
+              <a:lnSpc>
+                <a:spcPct val="90000"/>
+              </a:lnSpc>
+              <a:spcBef>
+                <a:spcPts val="500"/>
+              </a:spcBef>
+              <a:buFont typeface="Arial" panose="020B0604020202020204" pitchFamily="34" charset="0"/>
+              <a:buNone/>
+              <a:defRPr sz="1600" kern="1200">
+                <a:solidFill>
+                  <a:schemeClr val="tx1"/>
+                </a:solidFill>
+                <a:latin typeface="+mn-lt"/>
+                <a:ea typeface="+mn-ea"/>
+                <a:cs typeface="+mn-cs"/>
+              </a:defRPr>
+            </a:lvl8pPr>
+            <a:lvl9pPr marL="3657600" indent="0" algn="ctr" defTabSz="914400" rtl="0" eaLnBrk="1" latinLnBrk="0" hangingPunct="1">
+              <a:lnSpc>
+                <a:spcPct val="90000"/>
+              </a:lnSpc>
+              <a:spcBef>
+                <a:spcPts val="500"/>
+              </a:spcBef>
+              <a:buFont typeface="Arial" panose="020B0604020202020204" pitchFamily="34" charset="0"/>
+              <a:buNone/>
+              <a:defRPr sz="1600" kern="1200">
+                <a:solidFill>
+                  <a:schemeClr val="tx1"/>
+                </a:solidFill>
+                <a:latin typeface="+mn-lt"/>
+                <a:ea typeface="+mn-ea"/>
+                <a:cs typeface="+mn-cs"/>
+              </a:defRPr>
+            </a:lvl9pPr>
+          </a:lstStyle>
+          <a:p>
+            <a:pPr marL="285750" indent="-285750" algn="l">
+              <a:lnSpc>
+                <a:spcPct val="150000"/>
+              </a:lnSpc>
+              <a:buFont typeface="Arial" panose="020B0604020202020204" pitchFamily="34" charset="0"/>
+              <a:buChar char="•"/>
+            </a:pPr>
+            <a:r>
+              <a:rPr lang="en-US" sz="1600" dirty="0">
+                <a:latin typeface="Segoe UI Semibold" panose="020B0702040204020203" pitchFamily="34" charset="0"/>
+                <a:cs typeface="Segoe UI Semibold" panose="020B0702040204020203" pitchFamily="34" charset="0"/>
+              </a:rPr>
+              <a:t>Used to communicate between distributed applications/services.</a:t>
+            </a:r>
+          </a:p>
+          <a:p>
+            <a:pPr marL="285750" indent="-285750" algn="l">
+              <a:lnSpc>
+                <a:spcPct val="150000"/>
+              </a:lnSpc>
+              <a:buFont typeface="Arial" panose="020B0604020202020204" pitchFamily="34" charset="0"/>
+              <a:buChar char="•"/>
+            </a:pPr>
+            <a:r>
+              <a:rPr lang="en-US" sz="1600" dirty="0">
+                <a:latin typeface="Segoe UI Semibold" panose="020B0702040204020203" pitchFamily="34" charset="0"/>
+                <a:cs typeface="Segoe UI Semibold" panose="020B0702040204020203" pitchFamily="34" charset="0"/>
+              </a:rPr>
+              <a:t>Message Brokers: RabbitMQ, MSMQ…</a:t>
+            </a:r>
+          </a:p>
+          <a:p>
+            <a:pPr marL="285750" indent="-285750" algn="l">
+              <a:lnSpc>
+                <a:spcPct val="150000"/>
+              </a:lnSpc>
+              <a:buFont typeface="Arial" panose="020B0604020202020204" pitchFamily="34" charset="0"/>
+              <a:buChar char="•"/>
+            </a:pPr>
+            <a:r>
+              <a:rPr lang="en-US" sz="1600" dirty="0">
+                <a:latin typeface="Segoe UI Semibold" panose="020B0702040204020203" pitchFamily="34" charset="0"/>
+                <a:cs typeface="Segoe UI Semibold" panose="020B0702040204020203" pitchFamily="34" charset="0"/>
+              </a:rPr>
+              <a:t>Domain/Business Events.</a:t>
+            </a:r>
+          </a:p>
+          <a:p>
+            <a:pPr marL="285750" indent="-285750" algn="l">
+              <a:lnSpc>
+                <a:spcPct val="150000"/>
+              </a:lnSpc>
+              <a:buFont typeface="Arial" panose="020B0604020202020204" pitchFamily="34" charset="0"/>
+              <a:buChar char="•"/>
+            </a:pPr>
+            <a:r>
+              <a:rPr lang="en-US" sz="1600" dirty="0">
+                <a:latin typeface="Segoe UI Semibold" panose="020B0702040204020203" pitchFamily="34" charset="0"/>
+                <a:cs typeface="Segoe UI Semibold" panose="020B0702040204020203" pitchFamily="34" charset="0"/>
+              </a:rPr>
+              <a:t>FIFO, Pub/sub model.</a:t>
+            </a:r>
+          </a:p>
+        </p:txBody>
+      </p:sp>
+      <p:sp>
+        <p:nvSpPr>
+          <p:cNvPr id="10" name="Rectangle 9">
+            <a:extLst>
+              <a:ext uri="{FF2B5EF4-FFF2-40B4-BE49-F238E27FC236}">
+                <a16:creationId xmlns:a16="http://schemas.microsoft.com/office/drawing/2014/main" id="{32A73EA3-A803-499B-9B6C-484E257A6283}"/>
+              </a:ext>
+            </a:extLst>
+          </p:cNvPr>
+          <p:cNvSpPr/>
+          <p:nvPr/>
+        </p:nvSpPr>
+        <p:spPr>
+          <a:xfrm>
+            <a:off x="5597237" y="1877614"/>
+            <a:ext cx="1399181" cy="362247"/>
+          </a:xfrm>
+          <a:prstGeom prst="rect">
+            <a:avLst/>
+          </a:prstGeom>
+        </p:spPr>
+        <p:style>
+          <a:lnRef idx="2">
+            <a:schemeClr val="accent1">
+              <a:shade val="50000"/>
+            </a:schemeClr>
+          </a:lnRef>
+          <a:fillRef idx="1">
+            <a:schemeClr val="accent1"/>
+          </a:fillRef>
+          <a:effectRef idx="0">
+            <a:schemeClr val="accent1"/>
+          </a:effectRef>
+          <a:fontRef idx="minor">
+            <a:schemeClr val="lt1"/>
+          </a:fontRef>
+        </p:style>
+        <p:txBody>
+          <a:bodyPr rtlCol="0" anchor="ctr"/>
+          <a:lstStyle/>
+          <a:p>
+            <a:pPr algn="ctr"/>
+            <a:r>
+              <a:rPr lang="en-US" sz="2000" dirty="0"/>
+              <a:t>Module 1</a:t>
+            </a:r>
+          </a:p>
+        </p:txBody>
+      </p:sp>
+      <p:sp>
+        <p:nvSpPr>
+          <p:cNvPr id="14" name="Rectangle 13">
+            <a:extLst>
+              <a:ext uri="{FF2B5EF4-FFF2-40B4-BE49-F238E27FC236}">
+                <a16:creationId xmlns:a16="http://schemas.microsoft.com/office/drawing/2014/main" id="{07FA6F53-785A-4837-B093-5E8EA0CE76FE}"/>
+              </a:ext>
+            </a:extLst>
+          </p:cNvPr>
+          <p:cNvSpPr/>
+          <p:nvPr/>
+        </p:nvSpPr>
+        <p:spPr>
+          <a:xfrm>
+            <a:off x="10093228" y="2452642"/>
+            <a:ext cx="1399181" cy="362247"/>
+          </a:xfrm>
+          <a:prstGeom prst="rect">
+            <a:avLst/>
+          </a:prstGeom>
+        </p:spPr>
+        <p:style>
+          <a:lnRef idx="2">
+            <a:schemeClr val="accent1">
+              <a:shade val="50000"/>
+            </a:schemeClr>
+          </a:lnRef>
+          <a:fillRef idx="1">
+            <a:schemeClr val="accent1"/>
+          </a:fillRef>
+          <a:effectRef idx="0">
+            <a:schemeClr val="accent1"/>
+          </a:effectRef>
+          <a:fontRef idx="minor">
+            <a:schemeClr val="lt1"/>
+          </a:fontRef>
+        </p:style>
+        <p:txBody>
+          <a:bodyPr rtlCol="0" anchor="ctr"/>
+          <a:lstStyle/>
+          <a:p>
+            <a:pPr algn="ctr"/>
+            <a:r>
+              <a:rPr lang="en-US" sz="2000" dirty="0"/>
+              <a:t>Module 2</a:t>
+            </a:r>
+          </a:p>
+        </p:txBody>
+      </p:sp>
+      <p:sp>
+        <p:nvSpPr>
+          <p:cNvPr id="16" name="Rectangle 15">
+            <a:extLst>
+              <a:ext uri="{FF2B5EF4-FFF2-40B4-BE49-F238E27FC236}">
+                <a16:creationId xmlns:a16="http://schemas.microsoft.com/office/drawing/2014/main" id="{E6D5E500-04CC-4A7D-8F44-D6866EE6BEF4}"/>
+              </a:ext>
+            </a:extLst>
+          </p:cNvPr>
+          <p:cNvSpPr/>
+          <p:nvPr/>
+        </p:nvSpPr>
+        <p:spPr>
+          <a:xfrm>
+            <a:off x="10108932" y="3076022"/>
+            <a:ext cx="1399181" cy="362247"/>
+          </a:xfrm>
+          <a:prstGeom prst="rect">
+            <a:avLst/>
+          </a:prstGeom>
+        </p:spPr>
+        <p:style>
+          <a:lnRef idx="2">
+            <a:schemeClr val="accent1">
+              <a:shade val="50000"/>
+            </a:schemeClr>
+          </a:lnRef>
+          <a:fillRef idx="1">
+            <a:schemeClr val="accent1"/>
+          </a:fillRef>
+          <a:effectRef idx="0">
+            <a:schemeClr val="accent1"/>
+          </a:effectRef>
+          <a:fontRef idx="minor">
+            <a:schemeClr val="lt1"/>
+          </a:fontRef>
+        </p:style>
+        <p:txBody>
+          <a:bodyPr rtlCol="0" anchor="ctr"/>
+          <a:lstStyle/>
+          <a:p>
+            <a:pPr algn="ctr"/>
+            <a:r>
+              <a:rPr lang="en-US" sz="2000" dirty="0"/>
+              <a:t>Module 3</a:t>
+            </a:r>
+          </a:p>
+        </p:txBody>
+      </p:sp>
+      <p:sp>
+        <p:nvSpPr>
+          <p:cNvPr id="4" name="Rectangle 3">
+            <a:extLst>
+              <a:ext uri="{FF2B5EF4-FFF2-40B4-BE49-F238E27FC236}">
+                <a16:creationId xmlns:a16="http://schemas.microsoft.com/office/drawing/2014/main" id="{E0DCA5A9-4E0A-421B-9ED4-8602D726EA3B}"/>
+              </a:ext>
+            </a:extLst>
+          </p:cNvPr>
+          <p:cNvSpPr/>
+          <p:nvPr/>
+        </p:nvSpPr>
+        <p:spPr>
+          <a:xfrm>
+            <a:off x="6614341" y="2743201"/>
+            <a:ext cx="2718557" cy="862636"/>
+          </a:xfrm>
+          <a:prstGeom prst="rect">
+            <a:avLst/>
+          </a:prstGeom>
+        </p:spPr>
+        <p:style>
+          <a:lnRef idx="2">
+            <a:schemeClr val="accent6">
+              <a:shade val="50000"/>
+            </a:schemeClr>
+          </a:lnRef>
+          <a:fillRef idx="1">
+            <a:schemeClr val="accent6"/>
+          </a:fillRef>
+          <a:effectRef idx="0">
+            <a:schemeClr val="accent6"/>
+          </a:effectRef>
+          <a:fontRef idx="minor">
+            <a:schemeClr val="lt1"/>
+          </a:fontRef>
+        </p:style>
+        <p:txBody>
+          <a:bodyPr rtlCol="0" anchor="t"/>
+          <a:lstStyle/>
+          <a:p>
+            <a:pPr algn="ctr"/>
+            <a:r>
+              <a:rPr lang="en-US" sz="2400" dirty="0"/>
+              <a:t>Message Broker</a:t>
+            </a:r>
+          </a:p>
+        </p:txBody>
+      </p:sp>
       <p:pic>
         <p:nvPicPr>
-          <p:cNvPr id="1026" name="Picture 2" descr="module-layers-and-packages">
-            <a:extLst>
-              <a:ext uri="{FF2B5EF4-FFF2-40B4-BE49-F238E27FC236}">
-                <a16:creationId xmlns:a16="http://schemas.microsoft.com/office/drawing/2014/main" id="{E74BA486-C590-400D-84C0-0735EB4B9D68}"/>
+          <p:cNvPr id="13" name="Picture 12">
+            <a:extLst>
+              <a:ext uri="{FF2B5EF4-FFF2-40B4-BE49-F238E27FC236}">
+                <a16:creationId xmlns:a16="http://schemas.microsoft.com/office/drawing/2014/main" id="{F5EC5D27-218B-422F-B6E7-BE74E4F8F54A}"/>
               </a:ext>
             </a:extLst>
           </p:cNvPr>
           <p:cNvPicPr>
-            <a:picLocks noChangeAspect="1" noChangeArrowheads="1"/>
+            <a:picLocks noChangeAspect="1"/>
           </p:cNvPicPr>
           <p:nvPr/>
         </p:nvPicPr>
@@ -32269,35 +32682,461 @@
               </a:ext>
             </a:extLst>
           </a:blip>
-          <a:srcRect/>
           <a:stretch>
             <a:fillRect/>
           </a:stretch>
         </p:blipFill>
-        <p:spPr bwMode="auto">
+        <p:spPr>
           <a:xfrm>
-            <a:off x="302680" y="1375793"/>
-            <a:ext cx="10143660" cy="4504889"/>
+            <a:off x="6720492" y="3257146"/>
+            <a:ext cx="313935" cy="313935"/>
           </a:xfrm>
           <a:prstGeom prst="rect">
             <a:avLst/>
           </a:prstGeom>
-          <a:noFill/>
-          <a:extLst>
-            <a:ext uri="{909E8E84-426E-40DD-AFC4-6F175D3DCCD1}">
-              <a14:hiddenFill xmlns:a14="http://schemas.microsoft.com/office/drawing/2010/main">
-                <a:solidFill>
-                  <a:srgbClr val="FFFFFF"/>
-                </a:solidFill>
-              </a14:hiddenFill>
-            </a:ext>
-          </a:extLst>
         </p:spPr>
       </p:pic>
+      <p:pic>
+        <p:nvPicPr>
+          <p:cNvPr id="21" name="Picture 20">
+            <a:extLst>
+              <a:ext uri="{FF2B5EF4-FFF2-40B4-BE49-F238E27FC236}">
+                <a16:creationId xmlns:a16="http://schemas.microsoft.com/office/drawing/2014/main" id="{51306EA6-ED4B-4B14-B92C-F448410EE075}"/>
+              </a:ext>
+            </a:extLst>
+          </p:cNvPr>
+          <p:cNvPicPr>
+            <a:picLocks noChangeAspect="1"/>
+          </p:cNvPicPr>
+          <p:nvPr/>
+        </p:nvPicPr>
+        <p:blipFill>
+          <a:blip r:embed="rId3">
+            <a:extLst>
+              <a:ext uri="{28A0092B-C50C-407E-A947-70E740481C1C}">
+                <a14:useLocalDpi xmlns:a14="http://schemas.microsoft.com/office/drawing/2010/main" val="0"/>
+              </a:ext>
+            </a:extLst>
+          </a:blip>
+          <a:stretch>
+            <a:fillRect/>
+          </a:stretch>
+        </p:blipFill>
+        <p:spPr>
+          <a:xfrm>
+            <a:off x="7094715" y="3257146"/>
+            <a:ext cx="313935" cy="313935"/>
+          </a:xfrm>
+          <a:prstGeom prst="rect">
+            <a:avLst/>
+          </a:prstGeom>
+        </p:spPr>
+      </p:pic>
+      <p:pic>
+        <p:nvPicPr>
+          <p:cNvPr id="22" name="Picture 21">
+            <a:extLst>
+              <a:ext uri="{FF2B5EF4-FFF2-40B4-BE49-F238E27FC236}">
+                <a16:creationId xmlns:a16="http://schemas.microsoft.com/office/drawing/2014/main" id="{680A2BF0-B1E4-4E6C-8A1E-1DEBD3945048}"/>
+              </a:ext>
+            </a:extLst>
+          </p:cNvPr>
+          <p:cNvPicPr>
+            <a:picLocks noChangeAspect="1"/>
+          </p:cNvPicPr>
+          <p:nvPr/>
+        </p:nvPicPr>
+        <p:blipFill>
+          <a:blip r:embed="rId3">
+            <a:extLst>
+              <a:ext uri="{28A0092B-C50C-407E-A947-70E740481C1C}">
+                <a14:useLocalDpi xmlns:a14="http://schemas.microsoft.com/office/drawing/2010/main" val="0"/>
+              </a:ext>
+            </a:extLst>
+          </a:blip>
+          <a:stretch>
+            <a:fillRect/>
+          </a:stretch>
+        </p:blipFill>
+        <p:spPr>
+          <a:xfrm>
+            <a:off x="7464727" y="3261832"/>
+            <a:ext cx="313935" cy="313935"/>
+          </a:xfrm>
+          <a:prstGeom prst="rect">
+            <a:avLst/>
+          </a:prstGeom>
+        </p:spPr>
+      </p:pic>
+      <p:pic>
+        <p:nvPicPr>
+          <p:cNvPr id="23" name="Picture 22">
+            <a:extLst>
+              <a:ext uri="{FF2B5EF4-FFF2-40B4-BE49-F238E27FC236}">
+                <a16:creationId xmlns:a16="http://schemas.microsoft.com/office/drawing/2014/main" id="{D779F1CB-1B60-45AD-A04A-FB38FCA36A5B}"/>
+              </a:ext>
+            </a:extLst>
+          </p:cNvPr>
+          <p:cNvPicPr>
+            <a:picLocks noChangeAspect="1"/>
+          </p:cNvPicPr>
+          <p:nvPr/>
+        </p:nvPicPr>
+        <p:blipFill>
+          <a:blip r:embed="rId3">
+            <a:extLst>
+              <a:ext uri="{28A0092B-C50C-407E-A947-70E740481C1C}">
+                <a14:useLocalDpi xmlns:a14="http://schemas.microsoft.com/office/drawing/2010/main" val="0"/>
+              </a:ext>
+            </a:extLst>
+          </a:blip>
+          <a:stretch>
+            <a:fillRect/>
+          </a:stretch>
+        </p:blipFill>
+        <p:spPr>
+          <a:xfrm>
+            <a:off x="7838950" y="3261832"/>
+            <a:ext cx="313935" cy="313935"/>
+          </a:xfrm>
+          <a:prstGeom prst="rect">
+            <a:avLst/>
+          </a:prstGeom>
+        </p:spPr>
+      </p:pic>
+      <p:pic>
+        <p:nvPicPr>
+          <p:cNvPr id="24" name="Picture 23">
+            <a:extLst>
+              <a:ext uri="{FF2B5EF4-FFF2-40B4-BE49-F238E27FC236}">
+                <a16:creationId xmlns:a16="http://schemas.microsoft.com/office/drawing/2014/main" id="{332DF2E0-FD49-4D81-B796-A264CC71AAAD}"/>
+              </a:ext>
+            </a:extLst>
+          </p:cNvPr>
+          <p:cNvPicPr>
+            <a:picLocks noChangeAspect="1"/>
+          </p:cNvPicPr>
+          <p:nvPr/>
+        </p:nvPicPr>
+        <p:blipFill>
+          <a:blip r:embed="rId3">
+            <a:extLst>
+              <a:ext uri="{28A0092B-C50C-407E-A947-70E740481C1C}">
+                <a14:useLocalDpi xmlns:a14="http://schemas.microsoft.com/office/drawing/2010/main" val="0"/>
+              </a:ext>
+            </a:extLst>
+          </a:blip>
+          <a:stretch>
+            <a:fillRect/>
+          </a:stretch>
+        </p:blipFill>
+        <p:spPr>
+          <a:xfrm>
+            <a:off x="8204669" y="3263438"/>
+            <a:ext cx="313935" cy="313935"/>
+          </a:xfrm>
+          <a:prstGeom prst="rect">
+            <a:avLst/>
+          </a:prstGeom>
+        </p:spPr>
+      </p:pic>
+      <p:pic>
+        <p:nvPicPr>
+          <p:cNvPr id="25" name="Picture 24">
+            <a:extLst>
+              <a:ext uri="{FF2B5EF4-FFF2-40B4-BE49-F238E27FC236}">
+                <a16:creationId xmlns:a16="http://schemas.microsoft.com/office/drawing/2014/main" id="{93F19D35-9CB2-4595-A1C2-EA9BD01E4521}"/>
+              </a:ext>
+            </a:extLst>
+          </p:cNvPr>
+          <p:cNvPicPr>
+            <a:picLocks noChangeAspect="1"/>
+          </p:cNvPicPr>
+          <p:nvPr/>
+        </p:nvPicPr>
+        <p:blipFill>
+          <a:blip r:embed="rId3">
+            <a:extLst>
+              <a:ext uri="{28A0092B-C50C-407E-A947-70E740481C1C}">
+                <a14:useLocalDpi xmlns:a14="http://schemas.microsoft.com/office/drawing/2010/main" val="0"/>
+              </a:ext>
+            </a:extLst>
+          </a:blip>
+          <a:stretch>
+            <a:fillRect/>
+          </a:stretch>
+        </p:blipFill>
+        <p:spPr>
+          <a:xfrm>
+            <a:off x="8574681" y="3268124"/>
+            <a:ext cx="313935" cy="313935"/>
+          </a:xfrm>
+          <a:prstGeom prst="rect">
+            <a:avLst/>
+          </a:prstGeom>
+        </p:spPr>
+      </p:pic>
+      <p:pic>
+        <p:nvPicPr>
+          <p:cNvPr id="26" name="Picture 25">
+            <a:extLst>
+              <a:ext uri="{FF2B5EF4-FFF2-40B4-BE49-F238E27FC236}">
+                <a16:creationId xmlns:a16="http://schemas.microsoft.com/office/drawing/2014/main" id="{FBE60FC4-3DCD-45A6-9B8F-3815AD88953A}"/>
+              </a:ext>
+            </a:extLst>
+          </p:cNvPr>
+          <p:cNvPicPr>
+            <a:picLocks noChangeAspect="1"/>
+          </p:cNvPicPr>
+          <p:nvPr/>
+        </p:nvPicPr>
+        <p:blipFill>
+          <a:blip r:embed="rId3">
+            <a:extLst>
+              <a:ext uri="{28A0092B-C50C-407E-A947-70E740481C1C}">
+                <a14:useLocalDpi xmlns:a14="http://schemas.microsoft.com/office/drawing/2010/main" val="0"/>
+              </a:ext>
+            </a:extLst>
+          </a:blip>
+          <a:stretch>
+            <a:fillRect/>
+          </a:stretch>
+        </p:blipFill>
+        <p:spPr>
+          <a:xfrm>
+            <a:off x="8948904" y="3268124"/>
+            <a:ext cx="313935" cy="313935"/>
+          </a:xfrm>
+          <a:prstGeom prst="rect">
+            <a:avLst/>
+          </a:prstGeom>
+        </p:spPr>
+      </p:pic>
+      <p:sp>
+        <p:nvSpPr>
+          <p:cNvPr id="27" name="Rectangle 26">
+            <a:extLst>
+              <a:ext uri="{FF2B5EF4-FFF2-40B4-BE49-F238E27FC236}">
+                <a16:creationId xmlns:a16="http://schemas.microsoft.com/office/drawing/2014/main" id="{6F12456D-1472-4520-AF9A-1599C80D2E4E}"/>
+              </a:ext>
+            </a:extLst>
+          </p:cNvPr>
+          <p:cNvSpPr/>
+          <p:nvPr/>
+        </p:nvSpPr>
+        <p:spPr>
+          <a:xfrm>
+            <a:off x="10093228" y="3699402"/>
+            <a:ext cx="1399181" cy="362247"/>
+          </a:xfrm>
+          <a:prstGeom prst="rect">
+            <a:avLst/>
+          </a:prstGeom>
+        </p:spPr>
+        <p:style>
+          <a:lnRef idx="2">
+            <a:schemeClr val="accent1">
+              <a:shade val="50000"/>
+            </a:schemeClr>
+          </a:lnRef>
+          <a:fillRef idx="1">
+            <a:schemeClr val="accent1"/>
+          </a:fillRef>
+          <a:effectRef idx="0">
+            <a:schemeClr val="accent1"/>
+          </a:effectRef>
+          <a:fontRef idx="minor">
+            <a:schemeClr val="lt1"/>
+          </a:fontRef>
+        </p:style>
+        <p:txBody>
+          <a:bodyPr rtlCol="0" anchor="ctr"/>
+          <a:lstStyle/>
+          <a:p>
+            <a:pPr algn="ctr"/>
+            <a:r>
+              <a:rPr lang="en-US" sz="2000" dirty="0"/>
+              <a:t>Module 4</a:t>
+            </a:r>
+          </a:p>
+        </p:txBody>
+      </p:sp>
+      <p:cxnSp>
+        <p:nvCxnSpPr>
+          <p:cNvPr id="29" name="Connector: Elbow 28">
+            <a:extLst>
+              <a:ext uri="{FF2B5EF4-FFF2-40B4-BE49-F238E27FC236}">
+                <a16:creationId xmlns:a16="http://schemas.microsoft.com/office/drawing/2014/main" id="{AAFE081A-BC43-4420-AD01-E271E149D014}"/>
+              </a:ext>
+            </a:extLst>
+          </p:cNvPr>
+          <p:cNvCxnSpPr>
+            <a:cxnSpLocks/>
+            <a:stCxn id="10" idx="2"/>
+            <a:endCxn id="4" idx="1"/>
+          </p:cNvCxnSpPr>
+          <p:nvPr/>
+        </p:nvCxnSpPr>
+        <p:spPr>
+          <a:xfrm rot="16200000" flipH="1">
+            <a:off x="5988255" y="2548433"/>
+            <a:ext cx="934658" cy="317513"/>
+          </a:xfrm>
+          <a:prstGeom prst="bentConnector2">
+            <a:avLst/>
+          </a:prstGeom>
+          <a:ln w="50800">
+            <a:tailEnd type="triangle"/>
+          </a:ln>
+        </p:spPr>
+        <p:style>
+          <a:lnRef idx="1">
+            <a:schemeClr val="accent1"/>
+          </a:lnRef>
+          <a:fillRef idx="0">
+            <a:schemeClr val="accent1"/>
+          </a:fillRef>
+          <a:effectRef idx="0">
+            <a:schemeClr val="accent1"/>
+          </a:effectRef>
+          <a:fontRef idx="minor">
+            <a:schemeClr val="tx1"/>
+          </a:fontRef>
+        </p:style>
+      </p:cxnSp>
+      <p:cxnSp>
+        <p:nvCxnSpPr>
+          <p:cNvPr id="31" name="Straight Arrow Connector 30">
+            <a:extLst>
+              <a:ext uri="{FF2B5EF4-FFF2-40B4-BE49-F238E27FC236}">
+                <a16:creationId xmlns:a16="http://schemas.microsoft.com/office/drawing/2014/main" id="{FADFCC81-3A2C-4115-BD74-9AD4BA4AC8F3}"/>
+              </a:ext>
+            </a:extLst>
+          </p:cNvPr>
+          <p:cNvCxnSpPr>
+            <a:cxnSpLocks/>
+            <a:stCxn id="4" idx="3"/>
+            <a:endCxn id="14" idx="1"/>
+          </p:cNvCxnSpPr>
+          <p:nvPr/>
+        </p:nvCxnSpPr>
+        <p:spPr>
+          <a:xfrm flipV="1">
+            <a:off x="9332898" y="2633766"/>
+            <a:ext cx="760330" cy="540753"/>
+          </a:xfrm>
+          <a:prstGeom prst="straightConnector1">
+            <a:avLst/>
+          </a:prstGeom>
+          <a:ln w="25400">
+            <a:tailEnd type="triangle"/>
+          </a:ln>
+        </p:spPr>
+        <p:style>
+          <a:lnRef idx="1">
+            <a:schemeClr val="accent1"/>
+          </a:lnRef>
+          <a:fillRef idx="0">
+            <a:schemeClr val="accent1"/>
+          </a:fillRef>
+          <a:effectRef idx="0">
+            <a:schemeClr val="accent1"/>
+          </a:effectRef>
+          <a:fontRef idx="minor">
+            <a:schemeClr val="tx1"/>
+          </a:fontRef>
+        </p:style>
+      </p:cxnSp>
+      <p:cxnSp>
+        <p:nvCxnSpPr>
+          <p:cNvPr id="32" name="Straight Arrow Connector 31">
+            <a:extLst>
+              <a:ext uri="{FF2B5EF4-FFF2-40B4-BE49-F238E27FC236}">
+                <a16:creationId xmlns:a16="http://schemas.microsoft.com/office/drawing/2014/main" id="{A0451F14-3D9D-4A65-934C-58777EA11190}"/>
+              </a:ext>
+            </a:extLst>
+          </p:cNvPr>
+          <p:cNvCxnSpPr>
+            <a:cxnSpLocks/>
+            <a:stCxn id="4" idx="3"/>
+            <a:endCxn id="16" idx="1"/>
+          </p:cNvCxnSpPr>
+          <p:nvPr/>
+        </p:nvCxnSpPr>
+        <p:spPr>
+          <a:xfrm>
+            <a:off x="9332898" y="3174519"/>
+            <a:ext cx="776034" cy="82627"/>
+          </a:xfrm>
+          <a:prstGeom prst="straightConnector1">
+            <a:avLst/>
+          </a:prstGeom>
+          <a:ln w="25400">
+            <a:tailEnd type="triangle"/>
+          </a:ln>
+        </p:spPr>
+        <p:style>
+          <a:lnRef idx="1">
+            <a:schemeClr val="accent1"/>
+          </a:lnRef>
+          <a:fillRef idx="0">
+            <a:schemeClr val="accent1"/>
+          </a:fillRef>
+          <a:effectRef idx="0">
+            <a:schemeClr val="accent1"/>
+          </a:effectRef>
+          <a:fontRef idx="minor">
+            <a:schemeClr val="tx1"/>
+          </a:fontRef>
+        </p:style>
+      </p:cxnSp>
+      <p:cxnSp>
+        <p:nvCxnSpPr>
+          <p:cNvPr id="35" name="Straight Arrow Connector 34">
+            <a:extLst>
+              <a:ext uri="{FF2B5EF4-FFF2-40B4-BE49-F238E27FC236}">
+                <a16:creationId xmlns:a16="http://schemas.microsoft.com/office/drawing/2014/main" id="{2740CBCD-099A-4A48-8E2E-CC85C1949861}"/>
+              </a:ext>
+            </a:extLst>
+          </p:cNvPr>
+          <p:cNvCxnSpPr>
+            <a:cxnSpLocks/>
+            <a:stCxn id="4" idx="3"/>
+            <a:endCxn id="27" idx="1"/>
+          </p:cNvCxnSpPr>
+          <p:nvPr/>
+        </p:nvCxnSpPr>
+        <p:spPr>
+          <a:xfrm>
+            <a:off x="9332898" y="3174519"/>
+            <a:ext cx="760330" cy="706007"/>
+          </a:xfrm>
+          <a:prstGeom prst="straightConnector1">
+            <a:avLst/>
+          </a:prstGeom>
+          <a:ln w="25400">
+            <a:tailEnd type="triangle"/>
+          </a:ln>
+        </p:spPr>
+        <p:style>
+          <a:lnRef idx="1">
+            <a:schemeClr val="accent1"/>
+          </a:lnRef>
+          <a:fillRef idx="0">
+            <a:schemeClr val="accent1"/>
+          </a:fillRef>
+          <a:effectRef idx="0">
+            <a:schemeClr val="accent1"/>
+          </a:effectRef>
+          <a:fontRef idx="minor">
+            <a:schemeClr val="tx1"/>
+          </a:fontRef>
+        </p:style>
+      </p:cxnSp>
     </p:spTree>
     <p:extLst>
       <p:ext uri="{BB962C8B-B14F-4D97-AF65-F5344CB8AC3E}">
-        <p14:creationId xmlns:p14="http://schemas.microsoft.com/office/powerpoint/2010/main" val="2541130148"/>
+        <p14:creationId xmlns:p14="http://schemas.microsoft.com/office/powerpoint/2010/main" val="4131697077"/>
       </p:ext>
     </p:extLst>
   </p:cSld>
@@ -32338,10 +33177,10 @@
       </p:grpSpPr>
       <p:pic>
         <p:nvPicPr>
-          <p:cNvPr id="9" name="Picture 8">
-            <a:extLst>
-              <a:ext uri="{FF2B5EF4-FFF2-40B4-BE49-F238E27FC236}">
-                <a16:creationId xmlns:a16="http://schemas.microsoft.com/office/drawing/2014/main" id="{39E83B63-DAE7-4E06-A56F-CF1576B89936}"/>
+          <p:cNvPr id="16" name="Picture 15">
+            <a:extLst>
+              <a:ext uri="{FF2B5EF4-FFF2-40B4-BE49-F238E27FC236}">
+                <a16:creationId xmlns:a16="http://schemas.microsoft.com/office/drawing/2014/main" id="{3A3B81CC-8502-465B-B5A9-B5260562664A}"/>
               </a:ext>
             </a:extLst>
           </p:cNvPr>
@@ -32372,12 +33211,48 @@
           </a:prstGeom>
         </p:spPr>
       </p:pic>
+      <p:pic>
+        <p:nvPicPr>
+          <p:cNvPr id="18" name="Picture 17">
+            <a:extLst>
+              <a:ext uri="{FF2B5EF4-FFF2-40B4-BE49-F238E27FC236}">
+                <a16:creationId xmlns:a16="http://schemas.microsoft.com/office/drawing/2014/main" id="{89ACED8B-B185-4731-BF55-748A06FE61CE}"/>
+              </a:ext>
+            </a:extLst>
+          </p:cNvPr>
+          <p:cNvPicPr>
+            <a:picLocks noChangeAspect="1"/>
+          </p:cNvPicPr>
+          <p:nvPr/>
+        </p:nvPicPr>
+        <p:blipFill>
+          <a:blip r:embed="rId3">
+            <a:extLst>
+              <a:ext uri="{28A0092B-C50C-407E-A947-70E740481C1C}">
+                <a14:useLocalDpi xmlns:a14="http://schemas.microsoft.com/office/drawing/2010/main" val="0"/>
+              </a:ext>
+            </a:extLst>
+          </a:blip>
+          <a:stretch>
+            <a:fillRect/>
+          </a:stretch>
+        </p:blipFill>
+        <p:spPr>
+          <a:xfrm>
+            <a:off x="7155407" y="1117456"/>
+            <a:ext cx="2971800" cy="2971800"/>
+          </a:xfrm>
+          <a:prstGeom prst="rect">
+            <a:avLst/>
+          </a:prstGeom>
+        </p:spPr>
+      </p:pic>
       <p:sp>
         <p:nvSpPr>
-          <p:cNvPr id="2" name="Title 1">
-            <a:extLst>
-              <a:ext uri="{FF2B5EF4-FFF2-40B4-BE49-F238E27FC236}">
-                <a16:creationId xmlns:a16="http://schemas.microsoft.com/office/drawing/2014/main" id="{0DE26BD9-3178-4532-BF33-58FE331BE190}"/>
+          <p:cNvPr id="3" name="Subtitle 2">
+            <a:extLst>
+              <a:ext uri="{FF2B5EF4-FFF2-40B4-BE49-F238E27FC236}">
+                <a16:creationId xmlns:a16="http://schemas.microsoft.com/office/drawing/2014/main" id="{A5EF6AF5-284D-4238-A879-57E6D7F4C605}"/>
               </a:ext>
             </a:extLst>
           </p:cNvPr>
@@ -32385,32 +33260,93 @@
             <a:spLocks noGrp="1"/>
           </p:cNvSpPr>
           <p:nvPr>
-            <p:ph type="ctrTitle"/>
+            <p:ph type="subTitle" idx="1"/>
           </p:nvPr>
         </p:nvSpPr>
         <p:spPr>
           <a:xfrm>
-            <a:off x="738907" y="419878"/>
-            <a:ext cx="6016455" cy="775853"/>
+            <a:off x="464594" y="2479482"/>
+            <a:ext cx="6281300" cy="2084652"/>
           </a:xfrm>
         </p:spPr>
         <p:txBody>
-          <a:bodyPr anchor="b">
-            <a:normAutofit/>
+          <a:bodyPr>
+            <a:noAutofit/>
           </a:bodyPr>
           <a:lstStyle/>
           <a:p>
-            <a:pPr algn="l"/>
-            <a:r>
-              <a:rPr lang="en-US" sz="4000" b="1" dirty="0">
-                <a:solidFill>
-                  <a:srgbClr val="0041C6"/>
-                </a:solidFill>
+            <a:pPr marL="342900" indent="-342900" algn="l">
+              <a:buFont typeface="Arial" panose="020B0604020202020204" pitchFamily="34" charset="0"/>
+              <a:buChar char="•"/>
+            </a:pPr>
+            <a:r>
+              <a:rPr lang="en-US" sz="3200" b="1" dirty="0">
+                <a:latin typeface="Segoe UI Black" panose="020B0A02040204020203" pitchFamily="34" charset="0"/>
+                <a:ea typeface="Segoe UI Black" panose="020B0A02040204020203" pitchFamily="34" charset="0"/>
+                <a:cs typeface="Segoe UI Semibold" panose="020B0702040204020203" pitchFamily="34" charset="0"/>
+              </a:rPr>
+              <a:t>Web</a:t>
+            </a:r>
+            <a:r>
+              <a:rPr lang="en-US" sz="3200" b="1" dirty="0">
                 <a:latin typeface="Segoe UI Semibold" panose="020B0702040204020203" pitchFamily="34" charset="0"/>
                 <a:cs typeface="Segoe UI Semibold" panose="020B0702040204020203" pitchFamily="34" charset="0"/>
               </a:rPr>
-              <a:t>Embed a module</a:t>
-            </a:r>
+              <a:t>: halilibrahimkalkan.com</a:t>
+            </a:r>
+          </a:p>
+          <a:p>
+            <a:pPr marL="342900" indent="-342900" algn="l">
+              <a:buFont typeface="Arial" panose="020B0604020202020204" pitchFamily="34" charset="0"/>
+              <a:buChar char="•"/>
+            </a:pPr>
+            <a:r>
+              <a:rPr lang="en-US" sz="3200" b="1" dirty="0" err="1">
+                <a:latin typeface="Segoe UI Black" panose="020B0A02040204020203" pitchFamily="34" charset="0"/>
+                <a:ea typeface="Segoe UI Black" panose="020B0A02040204020203" pitchFamily="34" charset="0"/>
+                <a:cs typeface="Segoe UI Semibold" panose="020B0702040204020203" pitchFamily="34" charset="0"/>
+              </a:rPr>
+              <a:t>Github</a:t>
+            </a:r>
+            <a:r>
+              <a:rPr lang="en-US" sz="3200" b="1" dirty="0">
+                <a:latin typeface="Segoe UI Semibold" panose="020B0702040204020203" pitchFamily="34" charset="0"/>
+                <a:cs typeface="Segoe UI Semibold" panose="020B0702040204020203" pitchFamily="34" charset="0"/>
+              </a:rPr>
+              <a:t>: @hikalkan</a:t>
+            </a:r>
+          </a:p>
+          <a:p>
+            <a:pPr marL="342900" indent="-342900" algn="l">
+              <a:buFont typeface="Arial" panose="020B0604020202020204" pitchFamily="34" charset="0"/>
+              <a:buChar char="•"/>
+            </a:pPr>
+            <a:r>
+              <a:rPr lang="en-US" sz="3200" b="1" dirty="0">
+                <a:latin typeface="Segoe UI Black" panose="020B0A02040204020203" pitchFamily="34" charset="0"/>
+                <a:ea typeface="Segoe UI Black" panose="020B0A02040204020203" pitchFamily="34" charset="0"/>
+                <a:cs typeface="Segoe UI Semibold" panose="020B0702040204020203" pitchFamily="34" charset="0"/>
+              </a:rPr>
+              <a:t>Twitter</a:t>
+            </a:r>
+            <a:r>
+              <a:rPr lang="en-US" sz="3200" b="1" dirty="0">
+                <a:latin typeface="Segoe UI Semibold" panose="020B0702040204020203" pitchFamily="34" charset="0"/>
+                <a:cs typeface="Segoe UI Semibold" panose="020B0702040204020203" pitchFamily="34" charset="0"/>
+              </a:rPr>
+              <a:t>: @</a:t>
+            </a:r>
+            <a:r>
+              <a:rPr lang="en-US" sz="3200" b="1" dirty="0" err="1">
+                <a:latin typeface="Segoe UI Semibold" panose="020B0702040204020203" pitchFamily="34" charset="0"/>
+                <a:cs typeface="Segoe UI Semibold" panose="020B0702040204020203" pitchFamily="34" charset="0"/>
+              </a:rPr>
+              <a:t>hibrahimkalkan</a:t>
+            </a:r>
+            <a:endParaRPr lang="en-US" sz="3200" b="1" dirty="0">
+              <a:latin typeface="Segoe UI Semibold" panose="020B0702040204020203" pitchFamily="34" charset="0"/>
+              <a:cs typeface="Segoe UI Semibold" panose="020B0702040204020203" pitchFamily="34" charset="0"/>
+            </a:endParaRPr>
           </a:p>
         </p:txBody>
       </p:sp>
@@ -32506,10 +33442,51 @@
       </p:sp>
       <p:sp>
         <p:nvSpPr>
-          <p:cNvPr id="11" name="Subtitle 2">
-            <a:extLst>
-              <a:ext uri="{FF2B5EF4-FFF2-40B4-BE49-F238E27FC236}">
-                <a16:creationId xmlns:a16="http://schemas.microsoft.com/office/drawing/2014/main" id="{A769CE0C-E9B4-4049-B22B-C35AD0DD7409}"/>
+          <p:cNvPr id="6" name="Rectangle 5">
+            <a:extLst>
+              <a:ext uri="{FF2B5EF4-FFF2-40B4-BE49-F238E27FC236}">
+                <a16:creationId xmlns:a16="http://schemas.microsoft.com/office/drawing/2014/main" id="{191F77C3-5D4B-41EC-BBEA-97AA16723398}"/>
+              </a:ext>
+            </a:extLst>
+          </p:cNvPr>
+          <p:cNvSpPr/>
+          <p:nvPr/>
+        </p:nvSpPr>
+        <p:spPr>
+          <a:xfrm>
+            <a:off x="649894" y="765648"/>
+            <a:ext cx="6096000" cy="769441"/>
+          </a:xfrm>
+          <a:prstGeom prst="rect">
+            <a:avLst/>
+          </a:prstGeom>
+        </p:spPr>
+        <p:txBody>
+          <a:bodyPr>
+            <a:spAutoFit/>
+          </a:bodyPr>
+          <a:lstStyle/>
+          <a:p>
+            <a:r>
+              <a:rPr lang="en-US" sz="4400" b="1" dirty="0">
+                <a:solidFill>
+                  <a:srgbClr val="0041C6"/>
+                </a:solidFill>
+                <a:latin typeface="Segoe UI Semibold" panose="020B0702040204020203" pitchFamily="34" charset="0"/>
+                <a:cs typeface="Segoe UI Semibold" panose="020B0702040204020203" pitchFamily="34" charset="0"/>
+              </a:rPr>
+              <a:t>THANKS!</a:t>
+            </a:r>
+            <a:endParaRPr lang="en-US" sz="4400" dirty="0"/>
+          </a:p>
+        </p:txBody>
+      </p:sp>
+      <p:sp>
+        <p:nvSpPr>
+          <p:cNvPr id="9" name="Title 1">
+            <a:extLst>
+              <a:ext uri="{FF2B5EF4-FFF2-40B4-BE49-F238E27FC236}">
+                <a16:creationId xmlns:a16="http://schemas.microsoft.com/office/drawing/2014/main" id="{DB5D3373-FA07-4A44-8987-8B70E6127421}"/>
               </a:ext>
             </a:extLst>
           </p:cNvPr>
@@ -32520,3681 +33497,75 @@
         </p:nvSpPr>
         <p:spPr>
           <a:xfrm>
-            <a:off x="3582554" y="2904836"/>
-            <a:ext cx="835891" cy="775853"/>
+            <a:off x="1412033" y="4168764"/>
+            <a:ext cx="9144000" cy="925752"/>
           </a:xfrm>
           <a:prstGeom prst="rect">
             <a:avLst/>
           </a:prstGeom>
         </p:spPr>
         <p:txBody>
-          <a:bodyPr vert="horz" lIns="91440" tIns="45720" rIns="91440" bIns="45720" rtlCol="0" anchor="ctr">
-            <a:normAutofit/>
+          <a:bodyPr vert="horz" lIns="91440" tIns="45720" rIns="91440" bIns="45720" rtlCol="0" anchor="t">
+            <a:normAutofit fontScale="97500" lnSpcReduction="10000"/>
           </a:bodyPr>
           <a:lstStyle>
-            <a:lvl1pPr marL="0" indent="0" algn="ctr" defTabSz="914400" rtl="0" eaLnBrk="1" latinLnBrk="0" hangingPunct="1">
-              <a:lnSpc>
-                <a:spcPct val="90000"/>
-              </a:lnSpc>
-              <a:spcBef>
-                <a:spcPts val="1000"/>
-              </a:spcBef>
-              <a:buFont typeface="Arial" panose="020B0604020202020204" pitchFamily="34" charset="0"/>
-              <a:buNone/>
-              <a:defRPr sz="2400" kern="1200">
-                <a:solidFill>
-                  <a:schemeClr val="tx1"/>
-                </a:solidFill>
-                <a:latin typeface="+mn-lt"/>
-                <a:ea typeface="+mn-ea"/>
-                <a:cs typeface="+mn-cs"/>
+            <a:lvl1pPr algn="ctr" defTabSz="914400" rtl="0" eaLnBrk="1" latinLnBrk="0" hangingPunct="1">
+              <a:lnSpc>
+                <a:spcPct val="90000"/>
+              </a:lnSpc>
+              <a:spcBef>
+                <a:spcPct val="0"/>
+              </a:spcBef>
+              <a:buNone/>
+              <a:defRPr sz="6000" kern="1200">
+                <a:solidFill>
+                  <a:schemeClr val="tx1"/>
+                </a:solidFill>
+                <a:latin typeface="+mj-lt"/>
+                <a:ea typeface="+mj-ea"/>
+                <a:cs typeface="+mj-cs"/>
               </a:defRPr>
             </a:lvl1pPr>
-            <a:lvl2pPr marL="457200" indent="0" algn="ctr" defTabSz="914400" rtl="0" eaLnBrk="1" latinLnBrk="0" hangingPunct="1">
-              <a:lnSpc>
-                <a:spcPct val="90000"/>
-              </a:lnSpc>
-              <a:spcBef>
-                <a:spcPts val="500"/>
-              </a:spcBef>
-              <a:buFont typeface="Arial" panose="020B0604020202020204" pitchFamily="34" charset="0"/>
-              <a:buNone/>
-              <a:defRPr sz="2000" kern="1200">
-                <a:solidFill>
-                  <a:schemeClr val="tx1"/>
-                </a:solidFill>
-                <a:latin typeface="+mn-lt"/>
-                <a:ea typeface="+mn-ea"/>
-                <a:cs typeface="+mn-cs"/>
-              </a:defRPr>
-            </a:lvl2pPr>
-            <a:lvl3pPr marL="914400" indent="0" algn="ctr" defTabSz="914400" rtl="0" eaLnBrk="1" latinLnBrk="0" hangingPunct="1">
-              <a:lnSpc>
-                <a:spcPct val="90000"/>
-              </a:lnSpc>
-              <a:spcBef>
-                <a:spcPts val="500"/>
-              </a:spcBef>
-              <a:buFont typeface="Arial" panose="020B0604020202020204" pitchFamily="34" charset="0"/>
-              <a:buNone/>
-              <a:defRPr sz="1800" kern="1200">
-                <a:solidFill>
-                  <a:schemeClr val="tx1"/>
-                </a:solidFill>
-                <a:latin typeface="+mn-lt"/>
-                <a:ea typeface="+mn-ea"/>
-                <a:cs typeface="+mn-cs"/>
-              </a:defRPr>
-            </a:lvl3pPr>
-            <a:lvl4pPr marL="1371600" indent="0" algn="ctr" defTabSz="914400" rtl="0" eaLnBrk="1" latinLnBrk="0" hangingPunct="1">
-              <a:lnSpc>
-                <a:spcPct val="90000"/>
-              </a:lnSpc>
-              <a:spcBef>
-                <a:spcPts val="500"/>
-              </a:spcBef>
-              <a:buFont typeface="Arial" panose="020B0604020202020204" pitchFamily="34" charset="0"/>
-              <a:buNone/>
-              <a:defRPr sz="1600" kern="1200">
-                <a:solidFill>
-                  <a:schemeClr val="tx1"/>
-                </a:solidFill>
-                <a:latin typeface="+mn-lt"/>
-                <a:ea typeface="+mn-ea"/>
-                <a:cs typeface="+mn-cs"/>
-              </a:defRPr>
-            </a:lvl4pPr>
-            <a:lvl5pPr marL="1828800" indent="0" algn="ctr" defTabSz="914400" rtl="0" eaLnBrk="1" latinLnBrk="0" hangingPunct="1">
-              <a:lnSpc>
-                <a:spcPct val="90000"/>
-              </a:lnSpc>
-              <a:spcBef>
-                <a:spcPts val="500"/>
-              </a:spcBef>
-              <a:buFont typeface="Arial" panose="020B0604020202020204" pitchFamily="34" charset="0"/>
-              <a:buNone/>
-              <a:defRPr sz="1600" kern="1200">
-                <a:solidFill>
-                  <a:schemeClr val="tx1"/>
-                </a:solidFill>
-                <a:latin typeface="+mn-lt"/>
-                <a:ea typeface="+mn-ea"/>
-                <a:cs typeface="+mn-cs"/>
-              </a:defRPr>
-            </a:lvl5pPr>
-            <a:lvl6pPr marL="2286000" indent="0" algn="ctr" defTabSz="914400" rtl="0" eaLnBrk="1" latinLnBrk="0" hangingPunct="1">
-              <a:lnSpc>
-                <a:spcPct val="90000"/>
-              </a:lnSpc>
-              <a:spcBef>
-                <a:spcPts val="500"/>
-              </a:spcBef>
-              <a:buFont typeface="Arial" panose="020B0604020202020204" pitchFamily="34" charset="0"/>
-              <a:buNone/>
-              <a:defRPr sz="1600" kern="1200">
-                <a:solidFill>
-                  <a:schemeClr val="tx1"/>
-                </a:solidFill>
-                <a:latin typeface="+mn-lt"/>
-                <a:ea typeface="+mn-ea"/>
-                <a:cs typeface="+mn-cs"/>
-              </a:defRPr>
-            </a:lvl6pPr>
-            <a:lvl7pPr marL="2743200" indent="0" algn="ctr" defTabSz="914400" rtl="0" eaLnBrk="1" latinLnBrk="0" hangingPunct="1">
-              <a:lnSpc>
-                <a:spcPct val="90000"/>
-              </a:lnSpc>
-              <a:spcBef>
-                <a:spcPts val="500"/>
-              </a:spcBef>
-              <a:buFont typeface="Arial" panose="020B0604020202020204" pitchFamily="34" charset="0"/>
-              <a:buNone/>
-              <a:defRPr sz="1600" kern="1200">
-                <a:solidFill>
-                  <a:schemeClr val="tx1"/>
-                </a:solidFill>
-                <a:latin typeface="+mn-lt"/>
-                <a:ea typeface="+mn-ea"/>
-                <a:cs typeface="+mn-cs"/>
-              </a:defRPr>
-            </a:lvl7pPr>
-            <a:lvl8pPr marL="3200400" indent="0" algn="ctr" defTabSz="914400" rtl="0" eaLnBrk="1" latinLnBrk="0" hangingPunct="1">
-              <a:lnSpc>
-                <a:spcPct val="90000"/>
-              </a:lnSpc>
-              <a:spcBef>
-                <a:spcPts val="500"/>
-              </a:spcBef>
-              <a:buFont typeface="Arial" panose="020B0604020202020204" pitchFamily="34" charset="0"/>
-              <a:buNone/>
-              <a:defRPr sz="1600" kern="1200">
-                <a:solidFill>
-                  <a:schemeClr val="tx1"/>
-                </a:solidFill>
-                <a:latin typeface="+mn-lt"/>
-                <a:ea typeface="+mn-ea"/>
-                <a:cs typeface="+mn-cs"/>
-              </a:defRPr>
-            </a:lvl8pPr>
-            <a:lvl9pPr marL="3657600" indent="0" algn="ctr" defTabSz="914400" rtl="0" eaLnBrk="1" latinLnBrk="0" hangingPunct="1">
-              <a:lnSpc>
-                <a:spcPct val="90000"/>
-              </a:lnSpc>
-              <a:spcBef>
-                <a:spcPts val="500"/>
-              </a:spcBef>
-              <a:buFont typeface="Arial" panose="020B0604020202020204" pitchFamily="34" charset="0"/>
-              <a:buNone/>
-              <a:defRPr sz="1600" kern="1200">
-                <a:solidFill>
-                  <a:schemeClr val="tx1"/>
-                </a:solidFill>
-                <a:latin typeface="+mn-lt"/>
-                <a:ea typeface="+mn-ea"/>
-                <a:cs typeface="+mn-cs"/>
-              </a:defRPr>
-            </a:lvl9pPr>
           </a:lstStyle>
           <a:p>
-            <a:r>
-              <a:rPr lang="en-US" sz="2000" b="1" dirty="0">
-                <a:solidFill>
-                  <a:schemeClr val="bg1"/>
-                </a:solidFill>
+            <a:pPr algn="r"/>
+            <a:r>
+              <a:rPr lang="en-US" sz="3200" dirty="0">
                 <a:latin typeface="Segoe UI Light" panose="020B0502040204020203" pitchFamily="34" charset="0"/>
                 <a:cs typeface="Segoe UI Light" panose="020B0502040204020203" pitchFamily="34" charset="0"/>
               </a:rPr>
-              <a:t>VS</a:t>
-            </a:r>
+              <a:t>Halil İbrahim KALKAN</a:t>
+            </a:r>
+            <a:br>
+              <a:rPr lang="en-US" sz="3200" dirty="0">
+                <a:latin typeface="Segoe UI Light" panose="020B0502040204020203" pitchFamily="34" charset="0"/>
+                <a:cs typeface="Segoe UI Light" panose="020B0502040204020203" pitchFamily="34" charset="0"/>
+              </a:rPr>
+            </a:br>
+            <a:r>
+              <a:rPr lang="en-US" sz="3200" dirty="0" err="1">
+                <a:latin typeface="Segoe UI Light" panose="020B0502040204020203" pitchFamily="34" charset="0"/>
+                <a:cs typeface="Segoe UI Light" panose="020B0502040204020203" pitchFamily="34" charset="0"/>
+              </a:rPr>
+              <a:t>Volosoft</a:t>
+            </a:r>
+            <a:endParaRPr lang="en-US" sz="3200" dirty="0">
+              <a:latin typeface="Segoe UI Light" panose="020B0502040204020203" pitchFamily="34" charset="0"/>
+              <a:cs typeface="Segoe UI Light" panose="020B0502040204020203" pitchFamily="34" charset="0"/>
+            </a:endParaRPr>
           </a:p>
         </p:txBody>
       </p:sp>
-      <p:pic>
-        <p:nvPicPr>
-          <p:cNvPr id="3" name="Picture 2">
-            <a:extLst>
-              <a:ext uri="{FF2B5EF4-FFF2-40B4-BE49-F238E27FC236}">
-                <a16:creationId xmlns:a16="http://schemas.microsoft.com/office/drawing/2014/main" id="{BE394376-2116-4851-89D2-4D4195BC60B1}"/>
-              </a:ext>
-            </a:extLst>
-          </p:cNvPr>
-          <p:cNvPicPr>
-            <a:picLocks noChangeAspect="1"/>
-          </p:cNvPicPr>
-          <p:nvPr/>
-        </p:nvPicPr>
-        <p:blipFill>
-          <a:blip r:embed="rId3"/>
-          <a:stretch>
-            <a:fillRect/>
-          </a:stretch>
-        </p:blipFill>
-        <p:spPr>
-          <a:xfrm>
-            <a:off x="181850" y="1192499"/>
-            <a:ext cx="9458325" cy="4200525"/>
-          </a:xfrm>
-          <a:prstGeom prst="rect">
-            <a:avLst/>
-          </a:prstGeom>
-        </p:spPr>
-      </p:pic>
-      <p:sp>
-        <p:nvSpPr>
-          <p:cNvPr id="4" name="Rectangle 3">
-            <a:extLst>
-              <a:ext uri="{FF2B5EF4-FFF2-40B4-BE49-F238E27FC236}">
-                <a16:creationId xmlns:a16="http://schemas.microsoft.com/office/drawing/2014/main" id="{0D0F9621-17AF-44C5-92B1-F45A6E54BA2B}"/>
-              </a:ext>
-            </a:extLst>
-          </p:cNvPr>
-          <p:cNvSpPr/>
-          <p:nvPr/>
-        </p:nvSpPr>
-        <p:spPr>
-          <a:xfrm>
-            <a:off x="6531429" y="3834882"/>
-            <a:ext cx="2761861" cy="1231640"/>
-          </a:xfrm>
-          <a:prstGeom prst="rect">
-            <a:avLst/>
-          </a:prstGeom>
-        </p:spPr>
-        <p:style>
-          <a:lnRef idx="2">
-            <a:schemeClr val="accent1">
-              <a:shade val="50000"/>
-            </a:schemeClr>
-          </a:lnRef>
-          <a:fillRef idx="1">
-            <a:schemeClr val="accent1"/>
-          </a:fillRef>
-          <a:effectRef idx="0">
-            <a:schemeClr val="accent1"/>
-          </a:effectRef>
-          <a:fontRef idx="minor">
-            <a:schemeClr val="lt1"/>
-          </a:fontRef>
-        </p:style>
-        <p:txBody>
-          <a:bodyPr rtlCol="0" anchor="ctr"/>
-          <a:lstStyle/>
-          <a:p>
-            <a:pPr algn="ctr"/>
-            <a:r>
-              <a:rPr lang="en-US" sz="3200" dirty="0">
-                <a:latin typeface="Segoe UI Semibold" panose="020B0702040204020203" pitchFamily="34" charset="0"/>
-                <a:cs typeface="Segoe UI Semibold" panose="020B0702040204020203" pitchFamily="34" charset="0"/>
-              </a:rPr>
-              <a:t>Application</a:t>
-            </a:r>
-          </a:p>
-        </p:txBody>
-      </p:sp>
-      <p:cxnSp>
-        <p:nvCxnSpPr>
-          <p:cNvPr id="7" name="Connector: Curved 6">
-            <a:extLst>
-              <a:ext uri="{FF2B5EF4-FFF2-40B4-BE49-F238E27FC236}">
-                <a16:creationId xmlns:a16="http://schemas.microsoft.com/office/drawing/2014/main" id="{6BCEF099-CB59-40AC-84AB-5E6869EDDBDE}"/>
-              </a:ext>
-            </a:extLst>
-          </p:cNvPr>
-          <p:cNvCxnSpPr>
-            <a:stCxn id="4" idx="1"/>
-          </p:cNvCxnSpPr>
-          <p:nvPr/>
-        </p:nvCxnSpPr>
-        <p:spPr>
-          <a:xfrm rot="10800000" flipV="1">
-            <a:off x="5337111" y="4450702"/>
-            <a:ext cx="1194319" cy="615820"/>
-          </a:xfrm>
-          <a:prstGeom prst="curvedConnector3">
-            <a:avLst/>
-          </a:prstGeom>
-          <a:ln w="50800">
-            <a:tailEnd type="triangle"/>
-          </a:ln>
-        </p:spPr>
-        <p:style>
-          <a:lnRef idx="1">
-            <a:schemeClr val="accent1"/>
-          </a:lnRef>
-          <a:fillRef idx="0">
-            <a:schemeClr val="accent1"/>
-          </a:fillRef>
-          <a:effectRef idx="0">
-            <a:schemeClr val="accent1"/>
-          </a:effectRef>
-          <a:fontRef idx="minor">
-            <a:schemeClr val="tx1"/>
-          </a:fontRef>
-        </p:style>
-      </p:cxnSp>
-      <p:cxnSp>
-        <p:nvCxnSpPr>
-          <p:cNvPr id="10" name="Connector: Curved 9">
-            <a:extLst>
-              <a:ext uri="{FF2B5EF4-FFF2-40B4-BE49-F238E27FC236}">
-                <a16:creationId xmlns:a16="http://schemas.microsoft.com/office/drawing/2014/main" id="{D05A347C-61F2-4293-B8C4-27BAA14F8AB3}"/>
-              </a:ext>
-            </a:extLst>
-          </p:cNvPr>
-          <p:cNvCxnSpPr/>
-          <p:nvPr/>
-        </p:nvCxnSpPr>
-        <p:spPr>
-          <a:xfrm rot="16200000" flipV="1">
-            <a:off x="6578082" y="3209731"/>
-            <a:ext cx="681135" cy="569168"/>
-          </a:xfrm>
-          <a:prstGeom prst="curvedConnector3">
-            <a:avLst/>
-          </a:prstGeom>
-          <a:ln w="50800">
-            <a:tailEnd type="triangle"/>
-          </a:ln>
-        </p:spPr>
-        <p:style>
-          <a:lnRef idx="1">
-            <a:schemeClr val="accent1"/>
-          </a:lnRef>
-          <a:fillRef idx="0">
-            <a:schemeClr val="accent1"/>
-          </a:fillRef>
-          <a:effectRef idx="0">
-            <a:schemeClr val="accent1"/>
-          </a:effectRef>
-          <a:fontRef idx="minor">
-            <a:schemeClr val="tx1"/>
-          </a:fontRef>
-        </p:style>
-      </p:cxnSp>
-      <p:cxnSp>
-        <p:nvCxnSpPr>
-          <p:cNvPr id="20" name="Connector: Curved 19">
-            <a:extLst>
-              <a:ext uri="{FF2B5EF4-FFF2-40B4-BE49-F238E27FC236}">
-                <a16:creationId xmlns:a16="http://schemas.microsoft.com/office/drawing/2014/main" id="{216820C0-53D6-4DB5-B8D0-235CF5DED30A}"/>
-              </a:ext>
-            </a:extLst>
-          </p:cNvPr>
-          <p:cNvCxnSpPr>
-            <a:cxnSpLocks/>
-          </p:cNvCxnSpPr>
-          <p:nvPr/>
-        </p:nvCxnSpPr>
-        <p:spPr>
-          <a:xfrm rot="5400000" flipH="1" flipV="1">
-            <a:off x="8075250" y="2491275"/>
-            <a:ext cx="2118047" cy="569167"/>
-          </a:xfrm>
-          <a:prstGeom prst="curvedConnector3">
-            <a:avLst>
-              <a:gd name="adj1" fmla="val 50000"/>
-            </a:avLst>
-          </a:prstGeom>
-          <a:ln w="50800">
-            <a:tailEnd type="triangle"/>
-          </a:ln>
-        </p:spPr>
-        <p:style>
-          <a:lnRef idx="1">
-            <a:schemeClr val="accent1"/>
-          </a:lnRef>
-          <a:fillRef idx="0">
-            <a:schemeClr val="accent1"/>
-          </a:fillRef>
-          <a:effectRef idx="0">
-            <a:schemeClr val="accent1"/>
-          </a:effectRef>
-          <a:fontRef idx="minor">
-            <a:schemeClr val="tx1"/>
-          </a:fontRef>
-        </p:style>
-      </p:cxnSp>
     </p:spTree>
     <p:extLst>
       <p:ext uri="{BB962C8B-B14F-4D97-AF65-F5344CB8AC3E}">
-        <p14:creationId xmlns:p14="http://schemas.microsoft.com/office/powerpoint/2010/main" val="4215241733"/>
+        <p14:creationId xmlns:p14="http://schemas.microsoft.com/office/powerpoint/2010/main" val="524339194"/>
       </p:ext>
     </p:extLst>
   </p:cSld>
   <p:clrMapOvr>
     <a:masterClrMapping/>
   </p:clrMapOvr>
-  <mc:AlternateContent xmlns:mc="http://schemas.openxmlformats.org/markup-compatibility/2006" xmlns:p14="http://schemas.microsoft.com/office/powerpoint/2010/main">
-    <mc:Choice Requires="p14">
-      <p:transition p14:dur="100">
-        <p:cut/>
-      </p:transition>
-    </mc:Choice>
-    <mc:Fallback xmlns="">
-      <p:transition>
-        <p:cut/>
-      </p:transition>
-    </mc:Fallback>
-  </mc:AlternateContent>
-</p:sld>
-</file>
-
-<file path=ppt/slides/slide45.xml><?xml version="1.0" encoding="utf-8"?>
-<p:sld xmlns:a="http://schemas.openxmlformats.org/drawingml/2006/main" xmlns:r="http://schemas.openxmlformats.org/officeDocument/2006/relationships" xmlns:p="http://schemas.openxmlformats.org/presentationml/2006/main">
-  <p:cSld>
-    <p:spTree>
-      <p:nvGrpSpPr>
-        <p:cNvPr id="1" name=""/>
-        <p:cNvGrpSpPr/>
-        <p:nvPr/>
-      </p:nvGrpSpPr>
-      <p:grpSpPr>
-        <a:xfrm>
-          <a:off x="0" y="0"/>
-          <a:ext cx="0" cy="0"/>
-          <a:chOff x="0" y="0"/>
-          <a:chExt cx="0" cy="0"/>
-        </a:xfrm>
-      </p:grpSpPr>
-      <p:pic>
-        <p:nvPicPr>
-          <p:cNvPr id="9" name="Picture 8">
-            <a:extLst>
-              <a:ext uri="{FF2B5EF4-FFF2-40B4-BE49-F238E27FC236}">
-                <a16:creationId xmlns:a16="http://schemas.microsoft.com/office/drawing/2014/main" id="{39E83B63-DAE7-4E06-A56F-CF1576B89936}"/>
-              </a:ext>
-            </a:extLst>
-          </p:cNvPr>
-          <p:cNvPicPr>
-            <a:picLocks noChangeAspect="1"/>
-          </p:cNvPicPr>
-          <p:nvPr/>
-        </p:nvPicPr>
-        <p:blipFill>
-          <a:blip r:embed="rId2">
-            <a:extLst>
-              <a:ext uri="{28A0092B-C50C-407E-A947-70E740481C1C}">
-                <a14:useLocalDpi xmlns:a14="http://schemas.microsoft.com/office/drawing/2010/main" val="0"/>
-              </a:ext>
-            </a:extLst>
-          </a:blip>
-          <a:stretch>
-            <a:fillRect/>
-          </a:stretch>
-        </p:blipFill>
-        <p:spPr>
-          <a:xfrm>
-            <a:off x="0" y="0"/>
-            <a:ext cx="12192000" cy="6858000"/>
-          </a:xfrm>
-          <a:prstGeom prst="rect">
-            <a:avLst/>
-          </a:prstGeom>
-        </p:spPr>
-      </p:pic>
-      <p:sp>
-        <p:nvSpPr>
-          <p:cNvPr id="2" name="Title 1">
-            <a:extLst>
-              <a:ext uri="{FF2B5EF4-FFF2-40B4-BE49-F238E27FC236}">
-                <a16:creationId xmlns:a16="http://schemas.microsoft.com/office/drawing/2014/main" id="{0DE26BD9-3178-4532-BF33-58FE331BE190}"/>
-              </a:ext>
-            </a:extLst>
-          </p:cNvPr>
-          <p:cNvSpPr>
-            <a:spLocks noGrp="1"/>
-          </p:cNvSpPr>
-          <p:nvPr>
-            <p:ph type="ctrTitle"/>
-          </p:nvPr>
-        </p:nvSpPr>
-        <p:spPr>
-          <a:xfrm>
-            <a:off x="738907" y="419878"/>
-            <a:ext cx="8901268" cy="775853"/>
-          </a:xfrm>
-        </p:spPr>
-        <p:txBody>
-          <a:bodyPr anchor="b">
-            <a:normAutofit/>
-          </a:bodyPr>
-          <a:lstStyle/>
-          <a:p>
-            <a:pPr algn="l"/>
-            <a:r>
-              <a:rPr lang="en-US" sz="4000" b="1" dirty="0">
-                <a:solidFill>
-                  <a:srgbClr val="0041C6"/>
-                </a:solidFill>
-                <a:latin typeface="Segoe UI Semibold" panose="020B0702040204020203" pitchFamily="34" charset="0"/>
-                <a:cs typeface="Segoe UI Semibold" panose="020B0702040204020203" pitchFamily="34" charset="0"/>
-              </a:rPr>
-              <a:t>Use as a Remote Service</a:t>
-            </a:r>
-          </a:p>
-        </p:txBody>
-      </p:sp>
-      <p:sp>
-        <p:nvSpPr>
-          <p:cNvPr id="5" name="Footer Placeholder 4">
-            <a:extLst>
-              <a:ext uri="{FF2B5EF4-FFF2-40B4-BE49-F238E27FC236}">
-                <a16:creationId xmlns:a16="http://schemas.microsoft.com/office/drawing/2014/main" id="{A3553ADE-3838-4EDB-9F14-97C75DE2198D}"/>
-              </a:ext>
-            </a:extLst>
-          </p:cNvPr>
-          <p:cNvSpPr>
-            <a:spLocks noGrp="1"/>
-          </p:cNvSpPr>
-          <p:nvPr>
-            <p:ph type="ftr" sz="quarter" idx="11"/>
-          </p:nvPr>
-        </p:nvSpPr>
-        <p:spPr>
-          <a:xfrm>
-            <a:off x="0" y="6483927"/>
-            <a:ext cx="4190999" cy="374073"/>
-          </a:xfrm>
-        </p:spPr>
-        <p:txBody>
-          <a:bodyPr/>
-          <a:lstStyle/>
-          <a:p>
-            <a:pPr algn="l"/>
-            <a:r>
-              <a:rPr lang="en-US" dirty="0" err="1">
-                <a:solidFill>
-                  <a:schemeClr val="tx1"/>
-                </a:solidFill>
-                <a:latin typeface="Segoe UI" panose="020B0502040204020203" pitchFamily="34" charset="0"/>
-                <a:cs typeface="Segoe UI" panose="020B0502040204020203" pitchFamily="34" charset="0"/>
-              </a:rPr>
-              <a:t>Halil</a:t>
-            </a:r>
-            <a:r>
-              <a:rPr lang="en-US" dirty="0">
-                <a:solidFill>
-                  <a:schemeClr val="tx1"/>
-                </a:solidFill>
-                <a:latin typeface="Segoe UI" panose="020B0502040204020203" pitchFamily="34" charset="0"/>
-                <a:cs typeface="Segoe UI" panose="020B0502040204020203" pitchFamily="34" charset="0"/>
-              </a:rPr>
-              <a:t> İbrahim KALKAN | @</a:t>
-            </a:r>
-            <a:r>
-              <a:rPr lang="en-US" dirty="0" err="1">
-                <a:solidFill>
-                  <a:schemeClr val="tx1"/>
-                </a:solidFill>
-                <a:latin typeface="Segoe UI" panose="020B0502040204020203" pitchFamily="34" charset="0"/>
-                <a:cs typeface="Segoe UI" panose="020B0502040204020203" pitchFamily="34" charset="0"/>
-              </a:rPr>
-              <a:t>hikalkan</a:t>
-            </a:r>
-            <a:r>
-              <a:rPr lang="en-US" dirty="0">
-                <a:solidFill>
-                  <a:schemeClr val="tx1"/>
-                </a:solidFill>
-                <a:latin typeface="Segoe UI" panose="020B0502040204020203" pitchFamily="34" charset="0"/>
-                <a:cs typeface="Segoe UI" panose="020B0502040204020203" pitchFamily="34" charset="0"/>
-              </a:rPr>
-              <a:t> | </a:t>
-            </a:r>
-            <a:r>
-              <a:rPr lang="en-US" dirty="0" err="1">
-                <a:solidFill>
-                  <a:schemeClr val="tx1"/>
-                </a:solidFill>
-                <a:latin typeface="Segoe UI" panose="020B0502040204020203" pitchFamily="34" charset="0"/>
-                <a:cs typeface="Segoe UI" panose="020B0502040204020203" pitchFamily="34" charset="0"/>
-              </a:rPr>
-              <a:t>Volosoft</a:t>
-            </a:r>
-            <a:r>
-              <a:rPr lang="en-US" dirty="0">
-                <a:solidFill>
-                  <a:schemeClr val="tx1"/>
-                </a:solidFill>
-                <a:latin typeface="Segoe UI" panose="020B0502040204020203" pitchFamily="34" charset="0"/>
-                <a:cs typeface="Segoe UI" panose="020B0502040204020203" pitchFamily="34" charset="0"/>
-              </a:rPr>
-              <a:t> TM</a:t>
-            </a:r>
-          </a:p>
-        </p:txBody>
-      </p:sp>
-      <p:sp>
-        <p:nvSpPr>
-          <p:cNvPr id="11" name="Subtitle 2">
-            <a:extLst>
-              <a:ext uri="{FF2B5EF4-FFF2-40B4-BE49-F238E27FC236}">
-                <a16:creationId xmlns:a16="http://schemas.microsoft.com/office/drawing/2014/main" id="{A769CE0C-E9B4-4049-B22B-C35AD0DD7409}"/>
-              </a:ext>
-            </a:extLst>
-          </p:cNvPr>
-          <p:cNvSpPr txBox="1">
-            <a:spLocks/>
-          </p:cNvSpPr>
-          <p:nvPr/>
-        </p:nvSpPr>
-        <p:spPr>
-          <a:xfrm>
-            <a:off x="4189040" y="2904836"/>
-            <a:ext cx="835891" cy="775853"/>
-          </a:xfrm>
-          <a:prstGeom prst="rect">
-            <a:avLst/>
-          </a:prstGeom>
-        </p:spPr>
-        <p:txBody>
-          <a:bodyPr vert="horz" lIns="91440" tIns="45720" rIns="91440" bIns="45720" rtlCol="0" anchor="ctr">
-            <a:normAutofit/>
-          </a:bodyPr>
-          <a:lstStyle>
-            <a:lvl1pPr marL="0" indent="0" algn="ctr" defTabSz="914400" rtl="0" eaLnBrk="1" latinLnBrk="0" hangingPunct="1">
-              <a:lnSpc>
-                <a:spcPct val="90000"/>
-              </a:lnSpc>
-              <a:spcBef>
-                <a:spcPts val="1000"/>
-              </a:spcBef>
-              <a:buFont typeface="Arial" panose="020B0604020202020204" pitchFamily="34" charset="0"/>
-              <a:buNone/>
-              <a:defRPr sz="2400" kern="1200">
-                <a:solidFill>
-                  <a:schemeClr val="tx1"/>
-                </a:solidFill>
-                <a:latin typeface="+mn-lt"/>
-                <a:ea typeface="+mn-ea"/>
-                <a:cs typeface="+mn-cs"/>
-              </a:defRPr>
-            </a:lvl1pPr>
-            <a:lvl2pPr marL="457200" indent="0" algn="ctr" defTabSz="914400" rtl="0" eaLnBrk="1" latinLnBrk="0" hangingPunct="1">
-              <a:lnSpc>
-                <a:spcPct val="90000"/>
-              </a:lnSpc>
-              <a:spcBef>
-                <a:spcPts val="500"/>
-              </a:spcBef>
-              <a:buFont typeface="Arial" panose="020B0604020202020204" pitchFamily="34" charset="0"/>
-              <a:buNone/>
-              <a:defRPr sz="2000" kern="1200">
-                <a:solidFill>
-                  <a:schemeClr val="tx1"/>
-                </a:solidFill>
-                <a:latin typeface="+mn-lt"/>
-                <a:ea typeface="+mn-ea"/>
-                <a:cs typeface="+mn-cs"/>
-              </a:defRPr>
-            </a:lvl2pPr>
-            <a:lvl3pPr marL="914400" indent="0" algn="ctr" defTabSz="914400" rtl="0" eaLnBrk="1" latinLnBrk="0" hangingPunct="1">
-              <a:lnSpc>
-                <a:spcPct val="90000"/>
-              </a:lnSpc>
-              <a:spcBef>
-                <a:spcPts val="500"/>
-              </a:spcBef>
-              <a:buFont typeface="Arial" panose="020B0604020202020204" pitchFamily="34" charset="0"/>
-              <a:buNone/>
-              <a:defRPr sz="1800" kern="1200">
-                <a:solidFill>
-                  <a:schemeClr val="tx1"/>
-                </a:solidFill>
-                <a:latin typeface="+mn-lt"/>
-                <a:ea typeface="+mn-ea"/>
-                <a:cs typeface="+mn-cs"/>
-              </a:defRPr>
-            </a:lvl3pPr>
-            <a:lvl4pPr marL="1371600" indent="0" algn="ctr" defTabSz="914400" rtl="0" eaLnBrk="1" latinLnBrk="0" hangingPunct="1">
-              <a:lnSpc>
-                <a:spcPct val="90000"/>
-              </a:lnSpc>
-              <a:spcBef>
-                <a:spcPts val="500"/>
-              </a:spcBef>
-              <a:buFont typeface="Arial" panose="020B0604020202020204" pitchFamily="34" charset="0"/>
-              <a:buNone/>
-              <a:defRPr sz="1600" kern="1200">
-                <a:solidFill>
-                  <a:schemeClr val="tx1"/>
-                </a:solidFill>
-                <a:latin typeface="+mn-lt"/>
-                <a:ea typeface="+mn-ea"/>
-                <a:cs typeface="+mn-cs"/>
-              </a:defRPr>
-            </a:lvl4pPr>
-            <a:lvl5pPr marL="1828800" indent="0" algn="ctr" defTabSz="914400" rtl="0" eaLnBrk="1" latinLnBrk="0" hangingPunct="1">
-              <a:lnSpc>
-                <a:spcPct val="90000"/>
-              </a:lnSpc>
-              <a:spcBef>
-                <a:spcPts val="500"/>
-              </a:spcBef>
-              <a:buFont typeface="Arial" panose="020B0604020202020204" pitchFamily="34" charset="0"/>
-              <a:buNone/>
-              <a:defRPr sz="1600" kern="1200">
-                <a:solidFill>
-                  <a:schemeClr val="tx1"/>
-                </a:solidFill>
-                <a:latin typeface="+mn-lt"/>
-                <a:ea typeface="+mn-ea"/>
-                <a:cs typeface="+mn-cs"/>
-              </a:defRPr>
-            </a:lvl5pPr>
-            <a:lvl6pPr marL="2286000" indent="0" algn="ctr" defTabSz="914400" rtl="0" eaLnBrk="1" latinLnBrk="0" hangingPunct="1">
-              <a:lnSpc>
-                <a:spcPct val="90000"/>
-              </a:lnSpc>
-              <a:spcBef>
-                <a:spcPts val="500"/>
-              </a:spcBef>
-              <a:buFont typeface="Arial" panose="020B0604020202020204" pitchFamily="34" charset="0"/>
-              <a:buNone/>
-              <a:defRPr sz="1600" kern="1200">
-                <a:solidFill>
-                  <a:schemeClr val="tx1"/>
-                </a:solidFill>
-                <a:latin typeface="+mn-lt"/>
-                <a:ea typeface="+mn-ea"/>
-                <a:cs typeface="+mn-cs"/>
-              </a:defRPr>
-            </a:lvl6pPr>
-            <a:lvl7pPr marL="2743200" indent="0" algn="ctr" defTabSz="914400" rtl="0" eaLnBrk="1" latinLnBrk="0" hangingPunct="1">
-              <a:lnSpc>
-                <a:spcPct val="90000"/>
-              </a:lnSpc>
-              <a:spcBef>
-                <a:spcPts val="500"/>
-              </a:spcBef>
-              <a:buFont typeface="Arial" panose="020B0604020202020204" pitchFamily="34" charset="0"/>
-              <a:buNone/>
-              <a:defRPr sz="1600" kern="1200">
-                <a:solidFill>
-                  <a:schemeClr val="tx1"/>
-                </a:solidFill>
-                <a:latin typeface="+mn-lt"/>
-                <a:ea typeface="+mn-ea"/>
-                <a:cs typeface="+mn-cs"/>
-              </a:defRPr>
-            </a:lvl7pPr>
-            <a:lvl8pPr marL="3200400" indent="0" algn="ctr" defTabSz="914400" rtl="0" eaLnBrk="1" latinLnBrk="0" hangingPunct="1">
-              <a:lnSpc>
-                <a:spcPct val="90000"/>
-              </a:lnSpc>
-              <a:spcBef>
-                <a:spcPts val="500"/>
-              </a:spcBef>
-              <a:buFont typeface="Arial" panose="020B0604020202020204" pitchFamily="34" charset="0"/>
-              <a:buNone/>
-              <a:defRPr sz="1600" kern="1200">
-                <a:solidFill>
-                  <a:schemeClr val="tx1"/>
-                </a:solidFill>
-                <a:latin typeface="+mn-lt"/>
-                <a:ea typeface="+mn-ea"/>
-                <a:cs typeface="+mn-cs"/>
-              </a:defRPr>
-            </a:lvl8pPr>
-            <a:lvl9pPr marL="3657600" indent="0" algn="ctr" defTabSz="914400" rtl="0" eaLnBrk="1" latinLnBrk="0" hangingPunct="1">
-              <a:lnSpc>
-                <a:spcPct val="90000"/>
-              </a:lnSpc>
-              <a:spcBef>
-                <a:spcPts val="500"/>
-              </a:spcBef>
-              <a:buFont typeface="Arial" panose="020B0604020202020204" pitchFamily="34" charset="0"/>
-              <a:buNone/>
-              <a:defRPr sz="1600" kern="1200">
-                <a:solidFill>
-                  <a:schemeClr val="tx1"/>
-                </a:solidFill>
-                <a:latin typeface="+mn-lt"/>
-                <a:ea typeface="+mn-ea"/>
-                <a:cs typeface="+mn-cs"/>
-              </a:defRPr>
-            </a:lvl9pPr>
-          </a:lstStyle>
-          <a:p>
-            <a:r>
-              <a:rPr lang="en-US" sz="2000" b="1" dirty="0">
-                <a:solidFill>
-                  <a:schemeClr val="bg1"/>
-                </a:solidFill>
-                <a:latin typeface="Segoe UI Light" panose="020B0502040204020203" pitchFamily="34" charset="0"/>
-                <a:cs typeface="Segoe UI Light" panose="020B0502040204020203" pitchFamily="34" charset="0"/>
-              </a:rPr>
-              <a:t>VS</a:t>
-            </a:r>
-          </a:p>
-        </p:txBody>
-      </p:sp>
-      <p:pic>
-        <p:nvPicPr>
-          <p:cNvPr id="3" name="Picture 2">
-            <a:extLst>
-              <a:ext uri="{FF2B5EF4-FFF2-40B4-BE49-F238E27FC236}">
-                <a16:creationId xmlns:a16="http://schemas.microsoft.com/office/drawing/2014/main" id="{BE394376-2116-4851-89D2-4D4195BC60B1}"/>
-              </a:ext>
-            </a:extLst>
-          </p:cNvPr>
-          <p:cNvPicPr>
-            <a:picLocks noChangeAspect="1"/>
-          </p:cNvPicPr>
-          <p:nvPr/>
-        </p:nvPicPr>
-        <p:blipFill>
-          <a:blip r:embed="rId3"/>
-          <a:stretch>
-            <a:fillRect/>
-          </a:stretch>
-        </p:blipFill>
-        <p:spPr>
-          <a:xfrm>
-            <a:off x="788336" y="1192499"/>
-            <a:ext cx="9458325" cy="4200525"/>
-          </a:xfrm>
-          <a:prstGeom prst="rect">
-            <a:avLst/>
-          </a:prstGeom>
-        </p:spPr>
-      </p:pic>
-      <p:sp>
-        <p:nvSpPr>
-          <p:cNvPr id="4" name="Rectangle 3">
-            <a:extLst>
-              <a:ext uri="{FF2B5EF4-FFF2-40B4-BE49-F238E27FC236}">
-                <a16:creationId xmlns:a16="http://schemas.microsoft.com/office/drawing/2014/main" id="{0D0F9621-17AF-44C5-92B1-F45A6E54BA2B}"/>
-              </a:ext>
-            </a:extLst>
-          </p:cNvPr>
-          <p:cNvSpPr/>
-          <p:nvPr/>
-        </p:nvSpPr>
-        <p:spPr>
-          <a:xfrm>
-            <a:off x="7352519" y="4777204"/>
-            <a:ext cx="2761861" cy="1231640"/>
-          </a:xfrm>
-          <a:prstGeom prst="rect">
-            <a:avLst/>
-          </a:prstGeom>
-        </p:spPr>
-        <p:style>
-          <a:lnRef idx="2">
-            <a:schemeClr val="accent1">
-              <a:shade val="50000"/>
-            </a:schemeClr>
-          </a:lnRef>
-          <a:fillRef idx="1">
-            <a:schemeClr val="accent1"/>
-          </a:fillRef>
-          <a:effectRef idx="0">
-            <a:schemeClr val="accent1"/>
-          </a:effectRef>
-          <a:fontRef idx="minor">
-            <a:schemeClr val="lt1"/>
-          </a:fontRef>
-        </p:style>
-        <p:txBody>
-          <a:bodyPr rtlCol="0" anchor="ctr"/>
-          <a:lstStyle/>
-          <a:p>
-            <a:pPr algn="ctr"/>
-            <a:r>
-              <a:rPr lang="en-US" sz="3200" dirty="0">
-                <a:latin typeface="Segoe UI Semibold" panose="020B0702040204020203" pitchFamily="34" charset="0"/>
-                <a:cs typeface="Segoe UI Semibold" panose="020B0702040204020203" pitchFamily="34" charset="0"/>
-              </a:rPr>
-              <a:t>Application 2</a:t>
-            </a:r>
-            <a:br>
-              <a:rPr lang="en-US" sz="3200" dirty="0">
-                <a:latin typeface="Segoe UI Semibold" panose="020B0702040204020203" pitchFamily="34" charset="0"/>
-                <a:cs typeface="Segoe UI Semibold" panose="020B0702040204020203" pitchFamily="34" charset="0"/>
-              </a:rPr>
-            </a:br>
-            <a:r>
-              <a:rPr lang="en-US" sz="2400" dirty="0">
-                <a:latin typeface="Segoe UI Semibold" panose="020B0702040204020203" pitchFamily="34" charset="0"/>
-                <a:cs typeface="Segoe UI Semibold" panose="020B0702040204020203" pitchFamily="34" charset="0"/>
-              </a:rPr>
-              <a:t>(remote service)</a:t>
-            </a:r>
-            <a:endParaRPr lang="en-US" sz="3200" dirty="0">
-              <a:latin typeface="Segoe UI Semibold" panose="020B0702040204020203" pitchFamily="34" charset="0"/>
-              <a:cs typeface="Segoe UI Semibold" panose="020B0702040204020203" pitchFamily="34" charset="0"/>
-            </a:endParaRPr>
-          </a:p>
-        </p:txBody>
-      </p:sp>
-      <p:cxnSp>
-        <p:nvCxnSpPr>
-          <p:cNvPr id="10" name="Connector: Curved 9">
-            <a:extLst>
-              <a:ext uri="{FF2B5EF4-FFF2-40B4-BE49-F238E27FC236}">
-                <a16:creationId xmlns:a16="http://schemas.microsoft.com/office/drawing/2014/main" id="{D05A347C-61F2-4293-B8C4-27BAA14F8AB3}"/>
-              </a:ext>
-            </a:extLst>
-          </p:cNvPr>
-          <p:cNvCxnSpPr>
-            <a:cxnSpLocks/>
-          </p:cNvCxnSpPr>
-          <p:nvPr/>
-        </p:nvCxnSpPr>
-        <p:spPr>
-          <a:xfrm rot="16200000" flipV="1">
-            <a:off x="6736735" y="3657566"/>
-            <a:ext cx="1623455" cy="615820"/>
-          </a:xfrm>
-          <a:prstGeom prst="curvedConnector3">
-            <a:avLst/>
-          </a:prstGeom>
-          <a:ln w="50800">
-            <a:tailEnd type="triangle"/>
-          </a:ln>
-        </p:spPr>
-        <p:style>
-          <a:lnRef idx="1">
-            <a:schemeClr val="accent1"/>
-          </a:lnRef>
-          <a:fillRef idx="0">
-            <a:schemeClr val="accent1"/>
-          </a:fillRef>
-          <a:effectRef idx="0">
-            <a:schemeClr val="accent1"/>
-          </a:effectRef>
-          <a:fontRef idx="minor">
-            <a:schemeClr val="tx1"/>
-          </a:fontRef>
-        </p:style>
-      </p:cxnSp>
-      <p:cxnSp>
-        <p:nvCxnSpPr>
-          <p:cNvPr id="20" name="Connector: Curved 19">
-            <a:extLst>
-              <a:ext uri="{FF2B5EF4-FFF2-40B4-BE49-F238E27FC236}">
-                <a16:creationId xmlns:a16="http://schemas.microsoft.com/office/drawing/2014/main" id="{216820C0-53D6-4DB5-B8D0-235CF5DED30A}"/>
-              </a:ext>
-            </a:extLst>
-          </p:cNvPr>
-          <p:cNvCxnSpPr>
-            <a:cxnSpLocks/>
-          </p:cNvCxnSpPr>
-          <p:nvPr/>
-        </p:nvCxnSpPr>
-        <p:spPr>
-          <a:xfrm rot="5400000" flipH="1" flipV="1">
-            <a:off x="8297082" y="3048943"/>
-            <a:ext cx="3060367" cy="396155"/>
-          </a:xfrm>
-          <a:prstGeom prst="curvedConnector3">
-            <a:avLst>
-              <a:gd name="adj1" fmla="val 50000"/>
-            </a:avLst>
-          </a:prstGeom>
-          <a:ln w="50800">
-            <a:tailEnd type="triangle"/>
-          </a:ln>
-        </p:spPr>
-        <p:style>
-          <a:lnRef idx="1">
-            <a:schemeClr val="accent1"/>
-          </a:lnRef>
-          <a:fillRef idx="0">
-            <a:schemeClr val="accent1"/>
-          </a:fillRef>
-          <a:effectRef idx="0">
-            <a:schemeClr val="accent1"/>
-          </a:effectRef>
-          <a:fontRef idx="minor">
-            <a:schemeClr val="tx1"/>
-          </a:fontRef>
-        </p:style>
-      </p:cxnSp>
-      <p:cxnSp>
-        <p:nvCxnSpPr>
-          <p:cNvPr id="15" name="Connector: Curved 14">
-            <a:extLst>
-              <a:ext uri="{FF2B5EF4-FFF2-40B4-BE49-F238E27FC236}">
-                <a16:creationId xmlns:a16="http://schemas.microsoft.com/office/drawing/2014/main" id="{EA3D6538-2163-41F1-94E9-83E715AC8B92}"/>
-              </a:ext>
-            </a:extLst>
-          </p:cNvPr>
-          <p:cNvCxnSpPr>
-            <a:cxnSpLocks/>
-          </p:cNvCxnSpPr>
-          <p:nvPr/>
-        </p:nvCxnSpPr>
-        <p:spPr>
-          <a:xfrm rot="10800000">
-            <a:off x="5896943" y="4030825"/>
-            <a:ext cx="1455576" cy="1282961"/>
-          </a:xfrm>
-          <a:prstGeom prst="curvedConnector3">
-            <a:avLst/>
-          </a:prstGeom>
-          <a:ln w="50800">
-            <a:tailEnd type="triangle"/>
-          </a:ln>
-        </p:spPr>
-        <p:style>
-          <a:lnRef idx="1">
-            <a:schemeClr val="accent1"/>
-          </a:lnRef>
-          <a:fillRef idx="0">
-            <a:schemeClr val="accent1"/>
-          </a:fillRef>
-          <a:effectRef idx="0">
-            <a:schemeClr val="accent1"/>
-          </a:effectRef>
-          <a:fontRef idx="minor">
-            <a:schemeClr val="tx1"/>
-          </a:fontRef>
-        </p:style>
-      </p:cxnSp>
-      <p:sp>
-        <p:nvSpPr>
-          <p:cNvPr id="17" name="Rectangle 16">
-            <a:extLst>
-              <a:ext uri="{FF2B5EF4-FFF2-40B4-BE49-F238E27FC236}">
-                <a16:creationId xmlns:a16="http://schemas.microsoft.com/office/drawing/2014/main" id="{E32A3E49-B63F-4755-BF07-9B32DA0C3311}"/>
-              </a:ext>
-            </a:extLst>
-          </p:cNvPr>
-          <p:cNvSpPr/>
-          <p:nvPr/>
-        </p:nvSpPr>
-        <p:spPr>
-          <a:xfrm>
-            <a:off x="284482" y="4888746"/>
-            <a:ext cx="2761861" cy="1231640"/>
-          </a:xfrm>
-          <a:prstGeom prst="rect">
-            <a:avLst/>
-          </a:prstGeom>
-        </p:spPr>
-        <p:style>
-          <a:lnRef idx="2">
-            <a:schemeClr val="accent1">
-              <a:shade val="50000"/>
-            </a:schemeClr>
-          </a:lnRef>
-          <a:fillRef idx="1">
-            <a:schemeClr val="accent1"/>
-          </a:fillRef>
-          <a:effectRef idx="0">
-            <a:schemeClr val="accent1"/>
-          </a:effectRef>
-          <a:fontRef idx="minor">
-            <a:schemeClr val="lt1"/>
-          </a:fontRef>
-        </p:style>
-        <p:txBody>
-          <a:bodyPr rtlCol="0" anchor="ctr"/>
-          <a:lstStyle/>
-          <a:p>
-            <a:pPr algn="ctr"/>
-            <a:r>
-              <a:rPr lang="en-US" sz="3200" dirty="0">
-                <a:latin typeface="Segoe UI Semibold" panose="020B0702040204020203" pitchFamily="34" charset="0"/>
-                <a:cs typeface="Segoe UI Semibold" panose="020B0702040204020203" pitchFamily="34" charset="0"/>
-              </a:rPr>
-              <a:t>Application 1</a:t>
-            </a:r>
-          </a:p>
-          <a:p>
-            <a:pPr algn="ctr"/>
-            <a:r>
-              <a:rPr lang="en-US" sz="2400" dirty="0">
-                <a:latin typeface="Segoe UI Semibold" panose="020B0702040204020203" pitchFamily="34" charset="0"/>
-                <a:cs typeface="Segoe UI Semibold" panose="020B0702040204020203" pitchFamily="34" charset="0"/>
-              </a:rPr>
-              <a:t>(client)</a:t>
-            </a:r>
-          </a:p>
-        </p:txBody>
-      </p:sp>
-      <p:cxnSp>
-        <p:nvCxnSpPr>
-          <p:cNvPr id="18" name="Connector: Curved 17">
-            <a:extLst>
-              <a:ext uri="{FF2B5EF4-FFF2-40B4-BE49-F238E27FC236}">
-                <a16:creationId xmlns:a16="http://schemas.microsoft.com/office/drawing/2014/main" id="{A4F004F7-6C54-4B58-99F2-0EB950DEEFBE}"/>
-              </a:ext>
-            </a:extLst>
-          </p:cNvPr>
-          <p:cNvCxnSpPr>
-            <a:cxnSpLocks/>
-          </p:cNvCxnSpPr>
-          <p:nvPr/>
-        </p:nvCxnSpPr>
-        <p:spPr>
-          <a:xfrm rot="5400000" flipH="1" flipV="1">
-            <a:off x="1619555" y="4540244"/>
-            <a:ext cx="674286" cy="22719"/>
-          </a:xfrm>
-          <a:prstGeom prst="curvedConnector3">
-            <a:avLst>
-              <a:gd name="adj1" fmla="val 50000"/>
-            </a:avLst>
-          </a:prstGeom>
-          <a:ln w="50800">
-            <a:tailEnd type="triangle"/>
-          </a:ln>
-        </p:spPr>
-        <p:style>
-          <a:lnRef idx="1">
-            <a:schemeClr val="accent1"/>
-          </a:lnRef>
-          <a:fillRef idx="0">
-            <a:schemeClr val="accent1"/>
-          </a:fillRef>
-          <a:effectRef idx="0">
-            <a:schemeClr val="accent1"/>
-          </a:effectRef>
-          <a:fontRef idx="minor">
-            <a:schemeClr val="tx1"/>
-          </a:fontRef>
-        </p:style>
-      </p:cxnSp>
-      <p:cxnSp>
-        <p:nvCxnSpPr>
-          <p:cNvPr id="23" name="Straight Arrow Connector 22">
-            <a:extLst>
-              <a:ext uri="{FF2B5EF4-FFF2-40B4-BE49-F238E27FC236}">
-                <a16:creationId xmlns:a16="http://schemas.microsoft.com/office/drawing/2014/main" id="{B14AAF9B-143C-4292-AF3D-24591BDD4BBC}"/>
-              </a:ext>
-            </a:extLst>
-          </p:cNvPr>
-          <p:cNvCxnSpPr>
-            <a:cxnSpLocks/>
-          </p:cNvCxnSpPr>
-          <p:nvPr/>
-        </p:nvCxnSpPr>
-        <p:spPr>
-          <a:xfrm>
-            <a:off x="3046343" y="5793192"/>
-            <a:ext cx="4306176" cy="19779"/>
-          </a:xfrm>
-          <a:prstGeom prst="straightConnector1">
-            <a:avLst/>
-          </a:prstGeom>
-          <a:ln w="63500">
-            <a:prstDash val="dash"/>
-            <a:tailEnd type="triangle"/>
-          </a:ln>
-        </p:spPr>
-        <p:style>
-          <a:lnRef idx="1">
-            <a:schemeClr val="accent1"/>
-          </a:lnRef>
-          <a:fillRef idx="0">
-            <a:schemeClr val="accent1"/>
-          </a:fillRef>
-          <a:effectRef idx="0">
-            <a:schemeClr val="accent1"/>
-          </a:effectRef>
-          <a:fontRef idx="minor">
-            <a:schemeClr val="tx1"/>
-          </a:fontRef>
-        </p:style>
-      </p:cxnSp>
-    </p:spTree>
-    <p:extLst>
-      <p:ext uri="{BB962C8B-B14F-4D97-AF65-F5344CB8AC3E}">
-        <p14:creationId xmlns:p14="http://schemas.microsoft.com/office/powerpoint/2010/main" val="3227796553"/>
-      </p:ext>
-    </p:extLst>
-  </p:cSld>
-  <p:clrMapOvr>
-    <a:masterClrMapping/>
-  </p:clrMapOvr>
-  <mc:AlternateContent xmlns:mc="http://schemas.openxmlformats.org/markup-compatibility/2006" xmlns:p14="http://schemas.microsoft.com/office/powerpoint/2010/main">
-    <mc:Choice Requires="p14">
-      <p:transition p14:dur="100">
-        <p:cut/>
-      </p:transition>
-    </mc:Choice>
-    <mc:Fallback xmlns="">
-      <p:transition>
-        <p:cut/>
-      </p:transition>
-    </mc:Fallback>
-  </mc:AlternateContent>
-</p:sld>
-</file>
-
-<file path=ppt/slides/slide46.xml><?xml version="1.0" encoding="utf-8"?>
-<p:sld xmlns:a="http://schemas.openxmlformats.org/drawingml/2006/main" xmlns:r="http://schemas.openxmlformats.org/officeDocument/2006/relationships" xmlns:p="http://schemas.openxmlformats.org/presentationml/2006/main">
-  <p:cSld>
-    <p:spTree>
-      <p:nvGrpSpPr>
-        <p:cNvPr id="1" name=""/>
-        <p:cNvGrpSpPr/>
-        <p:nvPr/>
-      </p:nvGrpSpPr>
-      <p:grpSpPr>
-        <a:xfrm>
-          <a:off x="0" y="0"/>
-          <a:ext cx="0" cy="0"/>
-          <a:chOff x="0" y="0"/>
-          <a:chExt cx="0" cy="0"/>
-        </a:xfrm>
-      </p:grpSpPr>
-      <p:pic>
-        <p:nvPicPr>
-          <p:cNvPr id="9" name="Picture 8">
-            <a:extLst>
-              <a:ext uri="{FF2B5EF4-FFF2-40B4-BE49-F238E27FC236}">
-                <a16:creationId xmlns:a16="http://schemas.microsoft.com/office/drawing/2014/main" id="{39E83B63-DAE7-4E06-A56F-CF1576B89936}"/>
-              </a:ext>
-            </a:extLst>
-          </p:cNvPr>
-          <p:cNvPicPr>
-            <a:picLocks noChangeAspect="1"/>
-          </p:cNvPicPr>
-          <p:nvPr/>
-        </p:nvPicPr>
-        <p:blipFill>
-          <a:blip r:embed="rId2">
-            <a:extLst>
-              <a:ext uri="{28A0092B-C50C-407E-A947-70E740481C1C}">
-                <a14:useLocalDpi xmlns:a14="http://schemas.microsoft.com/office/drawing/2010/main" val="0"/>
-              </a:ext>
-            </a:extLst>
-          </a:blip>
-          <a:stretch>
-            <a:fillRect/>
-          </a:stretch>
-        </p:blipFill>
-        <p:spPr>
-          <a:xfrm>
-            <a:off x="0" y="0"/>
-            <a:ext cx="12192000" cy="6858000"/>
-          </a:xfrm>
-          <a:prstGeom prst="rect">
-            <a:avLst/>
-          </a:prstGeom>
-        </p:spPr>
-      </p:pic>
-      <p:sp>
-        <p:nvSpPr>
-          <p:cNvPr id="2" name="Title 1">
-            <a:extLst>
-              <a:ext uri="{FF2B5EF4-FFF2-40B4-BE49-F238E27FC236}">
-                <a16:creationId xmlns:a16="http://schemas.microsoft.com/office/drawing/2014/main" id="{0DE26BD9-3178-4532-BF33-58FE331BE190}"/>
-              </a:ext>
-            </a:extLst>
-          </p:cNvPr>
-          <p:cNvSpPr>
-            <a:spLocks noGrp="1"/>
-          </p:cNvSpPr>
-          <p:nvPr>
-            <p:ph type="ctrTitle"/>
-          </p:nvPr>
-        </p:nvSpPr>
-        <p:spPr>
-          <a:xfrm>
-            <a:off x="738907" y="419878"/>
-            <a:ext cx="8901268" cy="775853"/>
-          </a:xfrm>
-        </p:spPr>
-        <p:txBody>
-          <a:bodyPr anchor="b">
-            <a:normAutofit/>
-          </a:bodyPr>
-          <a:lstStyle/>
-          <a:p>
-            <a:pPr algn="l"/>
-            <a:r>
-              <a:rPr lang="en-US" sz="4000" b="1" dirty="0">
-                <a:solidFill>
-                  <a:srgbClr val="0041C6"/>
-                </a:solidFill>
-                <a:latin typeface="Segoe UI Semibold" panose="020B0702040204020203" pitchFamily="34" charset="0"/>
-                <a:cs typeface="Segoe UI Semibold" panose="020B0702040204020203" pitchFamily="34" charset="0"/>
-              </a:rPr>
-              <a:t>Embed UI, Use as a Remote Service</a:t>
-            </a:r>
-          </a:p>
-        </p:txBody>
-      </p:sp>
-      <p:sp>
-        <p:nvSpPr>
-          <p:cNvPr id="5" name="Footer Placeholder 4">
-            <a:extLst>
-              <a:ext uri="{FF2B5EF4-FFF2-40B4-BE49-F238E27FC236}">
-                <a16:creationId xmlns:a16="http://schemas.microsoft.com/office/drawing/2014/main" id="{A3553ADE-3838-4EDB-9F14-97C75DE2198D}"/>
-              </a:ext>
-            </a:extLst>
-          </p:cNvPr>
-          <p:cNvSpPr>
-            <a:spLocks noGrp="1"/>
-          </p:cNvSpPr>
-          <p:nvPr>
-            <p:ph type="ftr" sz="quarter" idx="11"/>
-          </p:nvPr>
-        </p:nvSpPr>
-        <p:spPr>
-          <a:xfrm>
-            <a:off x="0" y="6483927"/>
-            <a:ext cx="4190999" cy="374073"/>
-          </a:xfrm>
-        </p:spPr>
-        <p:txBody>
-          <a:bodyPr/>
-          <a:lstStyle/>
-          <a:p>
-            <a:pPr algn="l"/>
-            <a:r>
-              <a:rPr lang="en-US" dirty="0" err="1">
-                <a:solidFill>
-                  <a:schemeClr val="tx1"/>
-                </a:solidFill>
-                <a:latin typeface="Segoe UI" panose="020B0502040204020203" pitchFamily="34" charset="0"/>
-                <a:cs typeface="Segoe UI" panose="020B0502040204020203" pitchFamily="34" charset="0"/>
-              </a:rPr>
-              <a:t>Halil</a:t>
-            </a:r>
-            <a:r>
-              <a:rPr lang="en-US" dirty="0">
-                <a:solidFill>
-                  <a:schemeClr val="tx1"/>
-                </a:solidFill>
-                <a:latin typeface="Segoe UI" panose="020B0502040204020203" pitchFamily="34" charset="0"/>
-                <a:cs typeface="Segoe UI" panose="020B0502040204020203" pitchFamily="34" charset="0"/>
-              </a:rPr>
-              <a:t> İbrahim KALKAN | @</a:t>
-            </a:r>
-            <a:r>
-              <a:rPr lang="en-US" dirty="0" err="1">
-                <a:solidFill>
-                  <a:schemeClr val="tx1"/>
-                </a:solidFill>
-                <a:latin typeface="Segoe UI" panose="020B0502040204020203" pitchFamily="34" charset="0"/>
-                <a:cs typeface="Segoe UI" panose="020B0502040204020203" pitchFamily="34" charset="0"/>
-              </a:rPr>
-              <a:t>hikalkan</a:t>
-            </a:r>
-            <a:r>
-              <a:rPr lang="en-US" dirty="0">
-                <a:solidFill>
-                  <a:schemeClr val="tx1"/>
-                </a:solidFill>
-                <a:latin typeface="Segoe UI" panose="020B0502040204020203" pitchFamily="34" charset="0"/>
-                <a:cs typeface="Segoe UI" panose="020B0502040204020203" pitchFamily="34" charset="0"/>
-              </a:rPr>
-              <a:t> | </a:t>
-            </a:r>
-            <a:r>
-              <a:rPr lang="en-US" dirty="0" err="1">
-                <a:solidFill>
-                  <a:schemeClr val="tx1"/>
-                </a:solidFill>
-                <a:latin typeface="Segoe UI" panose="020B0502040204020203" pitchFamily="34" charset="0"/>
-                <a:cs typeface="Segoe UI" panose="020B0502040204020203" pitchFamily="34" charset="0"/>
-              </a:rPr>
-              <a:t>Volosoft</a:t>
-            </a:r>
-            <a:r>
-              <a:rPr lang="en-US" dirty="0">
-                <a:solidFill>
-                  <a:schemeClr val="tx1"/>
-                </a:solidFill>
-                <a:latin typeface="Segoe UI" panose="020B0502040204020203" pitchFamily="34" charset="0"/>
-                <a:cs typeface="Segoe UI" panose="020B0502040204020203" pitchFamily="34" charset="0"/>
-              </a:rPr>
-              <a:t> TM</a:t>
-            </a:r>
-          </a:p>
-        </p:txBody>
-      </p:sp>
-      <p:sp>
-        <p:nvSpPr>
-          <p:cNvPr id="11" name="Subtitle 2">
-            <a:extLst>
-              <a:ext uri="{FF2B5EF4-FFF2-40B4-BE49-F238E27FC236}">
-                <a16:creationId xmlns:a16="http://schemas.microsoft.com/office/drawing/2014/main" id="{A769CE0C-E9B4-4049-B22B-C35AD0DD7409}"/>
-              </a:ext>
-            </a:extLst>
-          </p:cNvPr>
-          <p:cNvSpPr txBox="1">
-            <a:spLocks/>
-          </p:cNvSpPr>
-          <p:nvPr/>
-        </p:nvSpPr>
-        <p:spPr>
-          <a:xfrm>
-            <a:off x="4189040" y="2904836"/>
-            <a:ext cx="835891" cy="775853"/>
-          </a:xfrm>
-          <a:prstGeom prst="rect">
-            <a:avLst/>
-          </a:prstGeom>
-        </p:spPr>
-        <p:txBody>
-          <a:bodyPr vert="horz" lIns="91440" tIns="45720" rIns="91440" bIns="45720" rtlCol="0" anchor="ctr">
-            <a:normAutofit/>
-          </a:bodyPr>
-          <a:lstStyle>
-            <a:lvl1pPr marL="0" indent="0" algn="ctr" defTabSz="914400" rtl="0" eaLnBrk="1" latinLnBrk="0" hangingPunct="1">
-              <a:lnSpc>
-                <a:spcPct val="90000"/>
-              </a:lnSpc>
-              <a:spcBef>
-                <a:spcPts val="1000"/>
-              </a:spcBef>
-              <a:buFont typeface="Arial" panose="020B0604020202020204" pitchFamily="34" charset="0"/>
-              <a:buNone/>
-              <a:defRPr sz="2400" kern="1200">
-                <a:solidFill>
-                  <a:schemeClr val="tx1"/>
-                </a:solidFill>
-                <a:latin typeface="+mn-lt"/>
-                <a:ea typeface="+mn-ea"/>
-                <a:cs typeface="+mn-cs"/>
-              </a:defRPr>
-            </a:lvl1pPr>
-            <a:lvl2pPr marL="457200" indent="0" algn="ctr" defTabSz="914400" rtl="0" eaLnBrk="1" latinLnBrk="0" hangingPunct="1">
-              <a:lnSpc>
-                <a:spcPct val="90000"/>
-              </a:lnSpc>
-              <a:spcBef>
-                <a:spcPts val="500"/>
-              </a:spcBef>
-              <a:buFont typeface="Arial" panose="020B0604020202020204" pitchFamily="34" charset="0"/>
-              <a:buNone/>
-              <a:defRPr sz="2000" kern="1200">
-                <a:solidFill>
-                  <a:schemeClr val="tx1"/>
-                </a:solidFill>
-                <a:latin typeface="+mn-lt"/>
-                <a:ea typeface="+mn-ea"/>
-                <a:cs typeface="+mn-cs"/>
-              </a:defRPr>
-            </a:lvl2pPr>
-            <a:lvl3pPr marL="914400" indent="0" algn="ctr" defTabSz="914400" rtl="0" eaLnBrk="1" latinLnBrk="0" hangingPunct="1">
-              <a:lnSpc>
-                <a:spcPct val="90000"/>
-              </a:lnSpc>
-              <a:spcBef>
-                <a:spcPts val="500"/>
-              </a:spcBef>
-              <a:buFont typeface="Arial" panose="020B0604020202020204" pitchFamily="34" charset="0"/>
-              <a:buNone/>
-              <a:defRPr sz="1800" kern="1200">
-                <a:solidFill>
-                  <a:schemeClr val="tx1"/>
-                </a:solidFill>
-                <a:latin typeface="+mn-lt"/>
-                <a:ea typeface="+mn-ea"/>
-                <a:cs typeface="+mn-cs"/>
-              </a:defRPr>
-            </a:lvl3pPr>
-            <a:lvl4pPr marL="1371600" indent="0" algn="ctr" defTabSz="914400" rtl="0" eaLnBrk="1" latinLnBrk="0" hangingPunct="1">
-              <a:lnSpc>
-                <a:spcPct val="90000"/>
-              </a:lnSpc>
-              <a:spcBef>
-                <a:spcPts val="500"/>
-              </a:spcBef>
-              <a:buFont typeface="Arial" panose="020B0604020202020204" pitchFamily="34" charset="0"/>
-              <a:buNone/>
-              <a:defRPr sz="1600" kern="1200">
-                <a:solidFill>
-                  <a:schemeClr val="tx1"/>
-                </a:solidFill>
-                <a:latin typeface="+mn-lt"/>
-                <a:ea typeface="+mn-ea"/>
-                <a:cs typeface="+mn-cs"/>
-              </a:defRPr>
-            </a:lvl4pPr>
-            <a:lvl5pPr marL="1828800" indent="0" algn="ctr" defTabSz="914400" rtl="0" eaLnBrk="1" latinLnBrk="0" hangingPunct="1">
-              <a:lnSpc>
-                <a:spcPct val="90000"/>
-              </a:lnSpc>
-              <a:spcBef>
-                <a:spcPts val="500"/>
-              </a:spcBef>
-              <a:buFont typeface="Arial" panose="020B0604020202020204" pitchFamily="34" charset="0"/>
-              <a:buNone/>
-              <a:defRPr sz="1600" kern="1200">
-                <a:solidFill>
-                  <a:schemeClr val="tx1"/>
-                </a:solidFill>
-                <a:latin typeface="+mn-lt"/>
-                <a:ea typeface="+mn-ea"/>
-                <a:cs typeface="+mn-cs"/>
-              </a:defRPr>
-            </a:lvl5pPr>
-            <a:lvl6pPr marL="2286000" indent="0" algn="ctr" defTabSz="914400" rtl="0" eaLnBrk="1" latinLnBrk="0" hangingPunct="1">
-              <a:lnSpc>
-                <a:spcPct val="90000"/>
-              </a:lnSpc>
-              <a:spcBef>
-                <a:spcPts val="500"/>
-              </a:spcBef>
-              <a:buFont typeface="Arial" panose="020B0604020202020204" pitchFamily="34" charset="0"/>
-              <a:buNone/>
-              <a:defRPr sz="1600" kern="1200">
-                <a:solidFill>
-                  <a:schemeClr val="tx1"/>
-                </a:solidFill>
-                <a:latin typeface="+mn-lt"/>
-                <a:ea typeface="+mn-ea"/>
-                <a:cs typeface="+mn-cs"/>
-              </a:defRPr>
-            </a:lvl6pPr>
-            <a:lvl7pPr marL="2743200" indent="0" algn="ctr" defTabSz="914400" rtl="0" eaLnBrk="1" latinLnBrk="0" hangingPunct="1">
-              <a:lnSpc>
-                <a:spcPct val="90000"/>
-              </a:lnSpc>
-              <a:spcBef>
-                <a:spcPts val="500"/>
-              </a:spcBef>
-              <a:buFont typeface="Arial" panose="020B0604020202020204" pitchFamily="34" charset="0"/>
-              <a:buNone/>
-              <a:defRPr sz="1600" kern="1200">
-                <a:solidFill>
-                  <a:schemeClr val="tx1"/>
-                </a:solidFill>
-                <a:latin typeface="+mn-lt"/>
-                <a:ea typeface="+mn-ea"/>
-                <a:cs typeface="+mn-cs"/>
-              </a:defRPr>
-            </a:lvl7pPr>
-            <a:lvl8pPr marL="3200400" indent="0" algn="ctr" defTabSz="914400" rtl="0" eaLnBrk="1" latinLnBrk="0" hangingPunct="1">
-              <a:lnSpc>
-                <a:spcPct val="90000"/>
-              </a:lnSpc>
-              <a:spcBef>
-                <a:spcPts val="500"/>
-              </a:spcBef>
-              <a:buFont typeface="Arial" panose="020B0604020202020204" pitchFamily="34" charset="0"/>
-              <a:buNone/>
-              <a:defRPr sz="1600" kern="1200">
-                <a:solidFill>
-                  <a:schemeClr val="tx1"/>
-                </a:solidFill>
-                <a:latin typeface="+mn-lt"/>
-                <a:ea typeface="+mn-ea"/>
-                <a:cs typeface="+mn-cs"/>
-              </a:defRPr>
-            </a:lvl8pPr>
-            <a:lvl9pPr marL="3657600" indent="0" algn="ctr" defTabSz="914400" rtl="0" eaLnBrk="1" latinLnBrk="0" hangingPunct="1">
-              <a:lnSpc>
-                <a:spcPct val="90000"/>
-              </a:lnSpc>
-              <a:spcBef>
-                <a:spcPts val="500"/>
-              </a:spcBef>
-              <a:buFont typeface="Arial" panose="020B0604020202020204" pitchFamily="34" charset="0"/>
-              <a:buNone/>
-              <a:defRPr sz="1600" kern="1200">
-                <a:solidFill>
-                  <a:schemeClr val="tx1"/>
-                </a:solidFill>
-                <a:latin typeface="+mn-lt"/>
-                <a:ea typeface="+mn-ea"/>
-                <a:cs typeface="+mn-cs"/>
-              </a:defRPr>
-            </a:lvl9pPr>
-          </a:lstStyle>
-          <a:p>
-            <a:r>
-              <a:rPr lang="en-US" sz="2000" b="1" dirty="0">
-                <a:solidFill>
-                  <a:schemeClr val="bg1"/>
-                </a:solidFill>
-                <a:latin typeface="Segoe UI Light" panose="020B0502040204020203" pitchFamily="34" charset="0"/>
-                <a:cs typeface="Segoe UI Light" panose="020B0502040204020203" pitchFamily="34" charset="0"/>
-              </a:rPr>
-              <a:t>VS</a:t>
-            </a:r>
-          </a:p>
-        </p:txBody>
-      </p:sp>
-      <p:pic>
-        <p:nvPicPr>
-          <p:cNvPr id="3" name="Picture 2">
-            <a:extLst>
-              <a:ext uri="{FF2B5EF4-FFF2-40B4-BE49-F238E27FC236}">
-                <a16:creationId xmlns:a16="http://schemas.microsoft.com/office/drawing/2014/main" id="{BE394376-2116-4851-89D2-4D4195BC60B1}"/>
-              </a:ext>
-            </a:extLst>
-          </p:cNvPr>
-          <p:cNvPicPr>
-            <a:picLocks noChangeAspect="1"/>
-          </p:cNvPicPr>
-          <p:nvPr/>
-        </p:nvPicPr>
-        <p:blipFill>
-          <a:blip r:embed="rId3"/>
-          <a:stretch>
-            <a:fillRect/>
-          </a:stretch>
-        </p:blipFill>
-        <p:spPr>
-          <a:xfrm>
-            <a:off x="788336" y="1192499"/>
-            <a:ext cx="9458325" cy="4200525"/>
-          </a:xfrm>
-          <a:prstGeom prst="rect">
-            <a:avLst/>
-          </a:prstGeom>
-        </p:spPr>
-      </p:pic>
-      <p:sp>
-        <p:nvSpPr>
-          <p:cNvPr id="4" name="Rectangle 3">
-            <a:extLst>
-              <a:ext uri="{FF2B5EF4-FFF2-40B4-BE49-F238E27FC236}">
-                <a16:creationId xmlns:a16="http://schemas.microsoft.com/office/drawing/2014/main" id="{0D0F9621-17AF-44C5-92B1-F45A6E54BA2B}"/>
-              </a:ext>
-            </a:extLst>
-          </p:cNvPr>
-          <p:cNvSpPr/>
-          <p:nvPr/>
-        </p:nvSpPr>
-        <p:spPr>
-          <a:xfrm>
-            <a:off x="7352519" y="4777204"/>
-            <a:ext cx="2761861" cy="1231640"/>
-          </a:xfrm>
-          <a:prstGeom prst="rect">
-            <a:avLst/>
-          </a:prstGeom>
-        </p:spPr>
-        <p:style>
-          <a:lnRef idx="2">
-            <a:schemeClr val="accent1">
-              <a:shade val="50000"/>
-            </a:schemeClr>
-          </a:lnRef>
-          <a:fillRef idx="1">
-            <a:schemeClr val="accent1"/>
-          </a:fillRef>
-          <a:effectRef idx="0">
-            <a:schemeClr val="accent1"/>
-          </a:effectRef>
-          <a:fontRef idx="minor">
-            <a:schemeClr val="lt1"/>
-          </a:fontRef>
-        </p:style>
-        <p:txBody>
-          <a:bodyPr rtlCol="0" anchor="ctr"/>
-          <a:lstStyle/>
-          <a:p>
-            <a:pPr algn="ctr"/>
-            <a:r>
-              <a:rPr lang="en-US" sz="3200" dirty="0">
-                <a:latin typeface="Segoe UI Semibold" panose="020B0702040204020203" pitchFamily="34" charset="0"/>
-                <a:cs typeface="Segoe UI Semibold" panose="020B0702040204020203" pitchFamily="34" charset="0"/>
-              </a:rPr>
-              <a:t>Application 2</a:t>
-            </a:r>
-            <a:br>
-              <a:rPr lang="en-US" sz="3200" dirty="0">
-                <a:latin typeface="Segoe UI Semibold" panose="020B0702040204020203" pitchFamily="34" charset="0"/>
-                <a:cs typeface="Segoe UI Semibold" panose="020B0702040204020203" pitchFamily="34" charset="0"/>
-              </a:rPr>
-            </a:br>
-            <a:r>
-              <a:rPr lang="en-US" sz="2400" dirty="0">
-                <a:latin typeface="Segoe UI Semibold" panose="020B0702040204020203" pitchFamily="34" charset="0"/>
-                <a:cs typeface="Segoe UI Semibold" panose="020B0702040204020203" pitchFamily="34" charset="0"/>
-              </a:rPr>
-              <a:t>(remote service)</a:t>
-            </a:r>
-            <a:endParaRPr lang="en-US" sz="3200" dirty="0">
-              <a:latin typeface="Segoe UI Semibold" panose="020B0702040204020203" pitchFamily="34" charset="0"/>
-              <a:cs typeface="Segoe UI Semibold" panose="020B0702040204020203" pitchFamily="34" charset="0"/>
-            </a:endParaRPr>
-          </a:p>
-        </p:txBody>
-      </p:sp>
-      <p:cxnSp>
-        <p:nvCxnSpPr>
-          <p:cNvPr id="10" name="Connector: Curved 9">
-            <a:extLst>
-              <a:ext uri="{FF2B5EF4-FFF2-40B4-BE49-F238E27FC236}">
-                <a16:creationId xmlns:a16="http://schemas.microsoft.com/office/drawing/2014/main" id="{D05A347C-61F2-4293-B8C4-27BAA14F8AB3}"/>
-              </a:ext>
-            </a:extLst>
-          </p:cNvPr>
-          <p:cNvCxnSpPr>
-            <a:cxnSpLocks/>
-          </p:cNvCxnSpPr>
-          <p:nvPr/>
-        </p:nvCxnSpPr>
-        <p:spPr>
-          <a:xfrm rot="16200000" flipV="1">
-            <a:off x="6736735" y="3657566"/>
-            <a:ext cx="1623455" cy="615820"/>
-          </a:xfrm>
-          <a:prstGeom prst="curvedConnector3">
-            <a:avLst/>
-          </a:prstGeom>
-          <a:ln w="50800">
-            <a:tailEnd type="triangle"/>
-          </a:ln>
-        </p:spPr>
-        <p:style>
-          <a:lnRef idx="1">
-            <a:schemeClr val="accent1"/>
-          </a:lnRef>
-          <a:fillRef idx="0">
-            <a:schemeClr val="accent1"/>
-          </a:fillRef>
-          <a:effectRef idx="0">
-            <a:schemeClr val="accent1"/>
-          </a:effectRef>
-          <a:fontRef idx="minor">
-            <a:schemeClr val="tx1"/>
-          </a:fontRef>
-        </p:style>
-      </p:cxnSp>
-      <p:cxnSp>
-        <p:nvCxnSpPr>
-          <p:cNvPr id="20" name="Connector: Curved 19">
-            <a:extLst>
-              <a:ext uri="{FF2B5EF4-FFF2-40B4-BE49-F238E27FC236}">
-                <a16:creationId xmlns:a16="http://schemas.microsoft.com/office/drawing/2014/main" id="{216820C0-53D6-4DB5-B8D0-235CF5DED30A}"/>
-              </a:ext>
-            </a:extLst>
-          </p:cNvPr>
-          <p:cNvCxnSpPr>
-            <a:cxnSpLocks/>
-          </p:cNvCxnSpPr>
-          <p:nvPr/>
-        </p:nvCxnSpPr>
-        <p:spPr>
-          <a:xfrm rot="5400000" flipH="1" flipV="1">
-            <a:off x="8297082" y="3048943"/>
-            <a:ext cx="3060367" cy="396155"/>
-          </a:xfrm>
-          <a:prstGeom prst="curvedConnector3">
-            <a:avLst>
-              <a:gd name="adj1" fmla="val 50000"/>
-            </a:avLst>
-          </a:prstGeom>
-          <a:ln w="50800">
-            <a:tailEnd type="triangle"/>
-          </a:ln>
-        </p:spPr>
-        <p:style>
-          <a:lnRef idx="1">
-            <a:schemeClr val="accent1"/>
-          </a:lnRef>
-          <a:fillRef idx="0">
-            <a:schemeClr val="accent1"/>
-          </a:fillRef>
-          <a:effectRef idx="0">
-            <a:schemeClr val="accent1"/>
-          </a:effectRef>
-          <a:fontRef idx="minor">
-            <a:schemeClr val="tx1"/>
-          </a:fontRef>
-        </p:style>
-      </p:cxnSp>
-      <p:cxnSp>
-        <p:nvCxnSpPr>
-          <p:cNvPr id="15" name="Connector: Curved 14">
-            <a:extLst>
-              <a:ext uri="{FF2B5EF4-FFF2-40B4-BE49-F238E27FC236}">
-                <a16:creationId xmlns:a16="http://schemas.microsoft.com/office/drawing/2014/main" id="{EA3D6538-2163-41F1-94E9-83E715AC8B92}"/>
-              </a:ext>
-            </a:extLst>
-          </p:cNvPr>
-          <p:cNvCxnSpPr>
-            <a:cxnSpLocks/>
-          </p:cNvCxnSpPr>
-          <p:nvPr/>
-        </p:nvCxnSpPr>
-        <p:spPr>
-          <a:xfrm rot="10800000">
-            <a:off x="5896943" y="4030825"/>
-            <a:ext cx="1455576" cy="1282961"/>
-          </a:xfrm>
-          <a:prstGeom prst="curvedConnector3">
-            <a:avLst/>
-          </a:prstGeom>
-          <a:ln w="50800">
-            <a:tailEnd type="triangle"/>
-          </a:ln>
-        </p:spPr>
-        <p:style>
-          <a:lnRef idx="1">
-            <a:schemeClr val="accent1"/>
-          </a:lnRef>
-          <a:fillRef idx="0">
-            <a:schemeClr val="accent1"/>
-          </a:fillRef>
-          <a:effectRef idx="0">
-            <a:schemeClr val="accent1"/>
-          </a:effectRef>
-          <a:fontRef idx="minor">
-            <a:schemeClr val="tx1"/>
-          </a:fontRef>
-        </p:style>
-      </p:cxnSp>
-      <p:sp>
-        <p:nvSpPr>
-          <p:cNvPr id="17" name="Rectangle 16">
-            <a:extLst>
-              <a:ext uri="{FF2B5EF4-FFF2-40B4-BE49-F238E27FC236}">
-                <a16:creationId xmlns:a16="http://schemas.microsoft.com/office/drawing/2014/main" id="{E32A3E49-B63F-4755-BF07-9B32DA0C3311}"/>
-              </a:ext>
-            </a:extLst>
-          </p:cNvPr>
-          <p:cNvSpPr/>
-          <p:nvPr/>
-        </p:nvSpPr>
-        <p:spPr>
-          <a:xfrm>
-            <a:off x="284482" y="4888746"/>
-            <a:ext cx="2761861" cy="1231640"/>
-          </a:xfrm>
-          <a:prstGeom prst="rect">
-            <a:avLst/>
-          </a:prstGeom>
-        </p:spPr>
-        <p:style>
-          <a:lnRef idx="2">
-            <a:schemeClr val="accent1">
-              <a:shade val="50000"/>
-            </a:schemeClr>
-          </a:lnRef>
-          <a:fillRef idx="1">
-            <a:schemeClr val="accent1"/>
-          </a:fillRef>
-          <a:effectRef idx="0">
-            <a:schemeClr val="accent1"/>
-          </a:effectRef>
-          <a:fontRef idx="minor">
-            <a:schemeClr val="lt1"/>
-          </a:fontRef>
-        </p:style>
-        <p:txBody>
-          <a:bodyPr rtlCol="0" anchor="ctr"/>
-          <a:lstStyle/>
-          <a:p>
-            <a:pPr algn="ctr"/>
-            <a:r>
-              <a:rPr lang="en-US" sz="3200" dirty="0">
-                <a:latin typeface="Segoe UI Semibold" panose="020B0702040204020203" pitchFamily="34" charset="0"/>
-                <a:cs typeface="Segoe UI Semibold" panose="020B0702040204020203" pitchFamily="34" charset="0"/>
-              </a:rPr>
-              <a:t>Application 1</a:t>
-            </a:r>
-          </a:p>
-          <a:p>
-            <a:pPr algn="ctr"/>
-            <a:r>
-              <a:rPr lang="en-US" sz="2400" dirty="0">
-                <a:latin typeface="Segoe UI Semibold" panose="020B0702040204020203" pitchFamily="34" charset="0"/>
-                <a:cs typeface="Segoe UI Semibold" panose="020B0702040204020203" pitchFamily="34" charset="0"/>
-              </a:rPr>
-              <a:t>(UI + client)</a:t>
-            </a:r>
-          </a:p>
-        </p:txBody>
-      </p:sp>
-      <p:cxnSp>
-        <p:nvCxnSpPr>
-          <p:cNvPr id="18" name="Connector: Curved 17">
-            <a:extLst>
-              <a:ext uri="{FF2B5EF4-FFF2-40B4-BE49-F238E27FC236}">
-                <a16:creationId xmlns:a16="http://schemas.microsoft.com/office/drawing/2014/main" id="{A4F004F7-6C54-4B58-99F2-0EB950DEEFBE}"/>
-              </a:ext>
-            </a:extLst>
-          </p:cNvPr>
-          <p:cNvCxnSpPr>
-            <a:cxnSpLocks/>
-          </p:cNvCxnSpPr>
-          <p:nvPr/>
-        </p:nvCxnSpPr>
-        <p:spPr>
-          <a:xfrm rot="5400000" flipH="1" flipV="1">
-            <a:off x="1619555" y="4540244"/>
-            <a:ext cx="674286" cy="22719"/>
-          </a:xfrm>
-          <a:prstGeom prst="curvedConnector3">
-            <a:avLst>
-              <a:gd name="adj1" fmla="val 50000"/>
-            </a:avLst>
-          </a:prstGeom>
-          <a:ln w="50800">
-            <a:tailEnd type="triangle"/>
-          </a:ln>
-        </p:spPr>
-        <p:style>
-          <a:lnRef idx="1">
-            <a:schemeClr val="accent1"/>
-          </a:lnRef>
-          <a:fillRef idx="0">
-            <a:schemeClr val="accent1"/>
-          </a:fillRef>
-          <a:effectRef idx="0">
-            <a:schemeClr val="accent1"/>
-          </a:effectRef>
-          <a:fontRef idx="minor">
-            <a:schemeClr val="tx1"/>
-          </a:fontRef>
-        </p:style>
-      </p:cxnSp>
-      <p:cxnSp>
-        <p:nvCxnSpPr>
-          <p:cNvPr id="23" name="Straight Arrow Connector 22">
-            <a:extLst>
-              <a:ext uri="{FF2B5EF4-FFF2-40B4-BE49-F238E27FC236}">
-                <a16:creationId xmlns:a16="http://schemas.microsoft.com/office/drawing/2014/main" id="{B14AAF9B-143C-4292-AF3D-24591BDD4BBC}"/>
-              </a:ext>
-            </a:extLst>
-          </p:cNvPr>
-          <p:cNvCxnSpPr>
-            <a:cxnSpLocks/>
-          </p:cNvCxnSpPr>
-          <p:nvPr/>
-        </p:nvCxnSpPr>
-        <p:spPr>
-          <a:xfrm>
-            <a:off x="3046343" y="5793192"/>
-            <a:ext cx="4306176" cy="19779"/>
-          </a:xfrm>
-          <a:prstGeom prst="straightConnector1">
-            <a:avLst/>
-          </a:prstGeom>
-          <a:ln w="63500">
-            <a:prstDash val="dash"/>
-            <a:tailEnd type="triangle"/>
-          </a:ln>
-        </p:spPr>
-        <p:style>
-          <a:lnRef idx="1">
-            <a:schemeClr val="accent1"/>
-          </a:lnRef>
-          <a:fillRef idx="0">
-            <a:schemeClr val="accent1"/>
-          </a:fillRef>
-          <a:effectRef idx="0">
-            <a:schemeClr val="accent1"/>
-          </a:effectRef>
-          <a:fontRef idx="minor">
-            <a:schemeClr val="tx1"/>
-          </a:fontRef>
-        </p:style>
-      </p:cxnSp>
-      <p:cxnSp>
-        <p:nvCxnSpPr>
-          <p:cNvPr id="27" name="Connector: Curved 26">
-            <a:extLst>
-              <a:ext uri="{FF2B5EF4-FFF2-40B4-BE49-F238E27FC236}">
-                <a16:creationId xmlns:a16="http://schemas.microsoft.com/office/drawing/2014/main" id="{AB0C5848-9A28-4EE4-A3E0-49E5161710A9}"/>
-              </a:ext>
-            </a:extLst>
-          </p:cNvPr>
-          <p:cNvCxnSpPr>
-            <a:cxnSpLocks/>
-            <a:stCxn id="17" idx="3"/>
-          </p:cNvCxnSpPr>
-          <p:nvPr/>
-        </p:nvCxnSpPr>
-        <p:spPr>
-          <a:xfrm flipV="1">
-            <a:off x="3046343" y="5038531"/>
-            <a:ext cx="678753" cy="466035"/>
-          </a:xfrm>
-          <a:prstGeom prst="curvedConnector3">
-            <a:avLst>
-              <a:gd name="adj1" fmla="val 50000"/>
-            </a:avLst>
-          </a:prstGeom>
-          <a:ln w="50800">
-            <a:tailEnd type="triangle"/>
-          </a:ln>
-        </p:spPr>
-        <p:style>
-          <a:lnRef idx="1">
-            <a:schemeClr val="accent1"/>
-          </a:lnRef>
-          <a:fillRef idx="0">
-            <a:schemeClr val="accent1"/>
-          </a:fillRef>
-          <a:effectRef idx="0">
-            <a:schemeClr val="accent1"/>
-          </a:effectRef>
-          <a:fontRef idx="minor">
-            <a:schemeClr val="tx1"/>
-          </a:fontRef>
-        </p:style>
-      </p:cxnSp>
-    </p:spTree>
-    <p:extLst>
-      <p:ext uri="{BB962C8B-B14F-4D97-AF65-F5344CB8AC3E}">
-        <p14:creationId xmlns:p14="http://schemas.microsoft.com/office/powerpoint/2010/main" val="2274669356"/>
-      </p:ext>
-    </p:extLst>
-  </p:cSld>
-  <p:clrMapOvr>
-    <a:masterClrMapping/>
-  </p:clrMapOvr>
-  <mc:AlternateContent xmlns:mc="http://schemas.openxmlformats.org/markup-compatibility/2006" xmlns:p14="http://schemas.microsoft.com/office/powerpoint/2010/main">
-    <mc:Choice Requires="p14">
-      <p:transition p14:dur="100">
-        <p:cut/>
-      </p:transition>
-    </mc:Choice>
-    <mc:Fallback xmlns="">
-      <p:transition>
-        <p:cut/>
-      </p:transition>
-    </mc:Fallback>
-  </mc:AlternateContent>
-</p:sld>
-</file>
-
-<file path=ppt/slides/slide47.xml><?xml version="1.0" encoding="utf-8"?>
-<p:sld xmlns:a="http://schemas.openxmlformats.org/drawingml/2006/main" xmlns:r="http://schemas.openxmlformats.org/officeDocument/2006/relationships" xmlns:p="http://schemas.openxmlformats.org/presentationml/2006/main">
-  <p:cSld>
-    <p:spTree>
-      <p:nvGrpSpPr>
-        <p:cNvPr id="1" name=""/>
-        <p:cNvGrpSpPr/>
-        <p:nvPr/>
-      </p:nvGrpSpPr>
-      <p:grpSpPr>
-        <a:xfrm>
-          <a:off x="0" y="0"/>
-          <a:ext cx="0" cy="0"/>
-          <a:chOff x="0" y="0"/>
-          <a:chExt cx="0" cy="0"/>
-        </a:xfrm>
-      </p:grpSpPr>
-      <p:pic>
-        <p:nvPicPr>
-          <p:cNvPr id="19" name="Picture 18">
-            <a:extLst>
-              <a:ext uri="{FF2B5EF4-FFF2-40B4-BE49-F238E27FC236}">
-                <a16:creationId xmlns:a16="http://schemas.microsoft.com/office/drawing/2014/main" id="{38981447-9723-40B3-902B-DA8C7B4D8B8E}"/>
-              </a:ext>
-            </a:extLst>
-          </p:cNvPr>
-          <p:cNvPicPr>
-            <a:picLocks noChangeAspect="1"/>
-          </p:cNvPicPr>
-          <p:nvPr/>
-        </p:nvPicPr>
-        <p:blipFill>
-          <a:blip r:embed="rId2">
-            <a:extLst>
-              <a:ext uri="{28A0092B-C50C-407E-A947-70E740481C1C}">
-                <a14:useLocalDpi xmlns:a14="http://schemas.microsoft.com/office/drawing/2010/main" val="0"/>
-              </a:ext>
-            </a:extLst>
-          </a:blip>
-          <a:stretch>
-            <a:fillRect/>
-          </a:stretch>
-        </p:blipFill>
-        <p:spPr>
-          <a:xfrm>
-            <a:off x="0" y="0"/>
-            <a:ext cx="12192000" cy="6858000"/>
-          </a:xfrm>
-          <a:prstGeom prst="rect">
-            <a:avLst/>
-          </a:prstGeom>
-        </p:spPr>
-      </p:pic>
-      <p:sp>
-        <p:nvSpPr>
-          <p:cNvPr id="2" name="Title 1">
-            <a:extLst>
-              <a:ext uri="{FF2B5EF4-FFF2-40B4-BE49-F238E27FC236}">
-                <a16:creationId xmlns:a16="http://schemas.microsoft.com/office/drawing/2014/main" id="{0DE26BD9-3178-4532-BF33-58FE331BE190}"/>
-              </a:ext>
-            </a:extLst>
-          </p:cNvPr>
-          <p:cNvSpPr>
-            <a:spLocks noGrp="1"/>
-          </p:cNvSpPr>
-          <p:nvPr>
-            <p:ph type="ctrTitle"/>
-          </p:nvPr>
-        </p:nvSpPr>
-        <p:spPr>
-          <a:xfrm>
-            <a:off x="0" y="886691"/>
-            <a:ext cx="12192000" cy="2205182"/>
-          </a:xfrm>
-        </p:spPr>
-        <p:txBody>
-          <a:bodyPr anchor="b">
-            <a:normAutofit/>
-          </a:bodyPr>
-          <a:lstStyle/>
-          <a:p>
-            <a:r>
-              <a:rPr lang="en-US" sz="4000" b="1" dirty="0">
-                <a:latin typeface="Segoe UI Semibold" panose="020B0702040204020203" pitchFamily="34" charset="0"/>
-                <a:cs typeface="Segoe UI Semibold" panose="020B0702040204020203" pitchFamily="34" charset="0"/>
-              </a:rPr>
-              <a:t>Designing Modularity</a:t>
-            </a:r>
-            <a:br>
-              <a:rPr lang="en-US" sz="4000" b="1" dirty="0">
-                <a:latin typeface="Segoe UI Semibold" panose="020B0702040204020203" pitchFamily="34" charset="0"/>
-                <a:cs typeface="Segoe UI Semibold" panose="020B0702040204020203" pitchFamily="34" charset="0"/>
-              </a:rPr>
-            </a:br>
-            <a:r>
-              <a:rPr lang="en-US" sz="4000" b="1" dirty="0">
-                <a:solidFill>
-                  <a:srgbClr val="0041C6"/>
-                </a:solidFill>
-                <a:latin typeface="Segoe UI Semibold" panose="020B0702040204020203" pitchFamily="34" charset="0"/>
-                <a:cs typeface="Segoe UI Semibold" panose="020B0702040204020203" pitchFamily="34" charset="0"/>
-              </a:rPr>
-              <a:t>Miscellaneous</a:t>
-            </a:r>
-            <a:endParaRPr lang="en-US" sz="4000" dirty="0"/>
-          </a:p>
-        </p:txBody>
-      </p:sp>
-      <p:sp>
-        <p:nvSpPr>
-          <p:cNvPr id="5" name="Footer Placeholder 4">
-            <a:extLst>
-              <a:ext uri="{FF2B5EF4-FFF2-40B4-BE49-F238E27FC236}">
-                <a16:creationId xmlns:a16="http://schemas.microsoft.com/office/drawing/2014/main" id="{A3553ADE-3838-4EDB-9F14-97C75DE2198D}"/>
-              </a:ext>
-            </a:extLst>
-          </p:cNvPr>
-          <p:cNvSpPr>
-            <a:spLocks noGrp="1"/>
-          </p:cNvSpPr>
-          <p:nvPr>
-            <p:ph type="ftr" sz="quarter" idx="11"/>
-          </p:nvPr>
-        </p:nvSpPr>
-        <p:spPr>
-          <a:xfrm>
-            <a:off x="0" y="6483927"/>
-            <a:ext cx="4190999" cy="374073"/>
-          </a:xfrm>
-        </p:spPr>
-        <p:txBody>
-          <a:bodyPr/>
-          <a:lstStyle/>
-          <a:p>
-            <a:pPr algn="l"/>
-            <a:r>
-              <a:rPr lang="en-US" dirty="0" err="1">
-                <a:solidFill>
-                  <a:schemeClr val="tx1"/>
-                </a:solidFill>
-                <a:latin typeface="Segoe UI" panose="020B0502040204020203" pitchFamily="34" charset="0"/>
-                <a:cs typeface="Segoe UI" panose="020B0502040204020203" pitchFamily="34" charset="0"/>
-              </a:rPr>
-              <a:t>Halil</a:t>
-            </a:r>
-            <a:r>
-              <a:rPr lang="en-US" dirty="0">
-                <a:solidFill>
-                  <a:schemeClr val="tx1"/>
-                </a:solidFill>
-                <a:latin typeface="Segoe UI" panose="020B0502040204020203" pitchFamily="34" charset="0"/>
-                <a:cs typeface="Segoe UI" panose="020B0502040204020203" pitchFamily="34" charset="0"/>
-              </a:rPr>
-              <a:t> İbrahim KALKAN | @</a:t>
-            </a:r>
-            <a:r>
-              <a:rPr lang="en-US" dirty="0" err="1">
-                <a:solidFill>
-                  <a:schemeClr val="tx1"/>
-                </a:solidFill>
-                <a:latin typeface="Segoe UI" panose="020B0502040204020203" pitchFamily="34" charset="0"/>
-                <a:cs typeface="Segoe UI" panose="020B0502040204020203" pitchFamily="34" charset="0"/>
-              </a:rPr>
-              <a:t>hikalkan</a:t>
-            </a:r>
-            <a:r>
-              <a:rPr lang="en-US" dirty="0">
-                <a:solidFill>
-                  <a:schemeClr val="tx1"/>
-                </a:solidFill>
-                <a:latin typeface="Segoe UI" panose="020B0502040204020203" pitchFamily="34" charset="0"/>
-                <a:cs typeface="Segoe UI" panose="020B0502040204020203" pitchFamily="34" charset="0"/>
-              </a:rPr>
-              <a:t> | </a:t>
-            </a:r>
-            <a:r>
-              <a:rPr lang="en-US" dirty="0" err="1">
-                <a:solidFill>
-                  <a:schemeClr val="tx1"/>
-                </a:solidFill>
-                <a:latin typeface="Segoe UI" panose="020B0502040204020203" pitchFamily="34" charset="0"/>
-                <a:cs typeface="Segoe UI" panose="020B0502040204020203" pitchFamily="34" charset="0"/>
-              </a:rPr>
-              <a:t>Volosoft</a:t>
-            </a:r>
-            <a:r>
-              <a:rPr lang="en-US" dirty="0">
-                <a:solidFill>
-                  <a:schemeClr val="tx1"/>
-                </a:solidFill>
-                <a:latin typeface="Segoe UI" panose="020B0502040204020203" pitchFamily="34" charset="0"/>
-                <a:cs typeface="Segoe UI" panose="020B0502040204020203" pitchFamily="34" charset="0"/>
-              </a:rPr>
-              <a:t> TM</a:t>
-            </a:r>
-          </a:p>
-        </p:txBody>
-      </p:sp>
-    </p:spTree>
-    <p:extLst>
-      <p:ext uri="{BB962C8B-B14F-4D97-AF65-F5344CB8AC3E}">
-        <p14:creationId xmlns:p14="http://schemas.microsoft.com/office/powerpoint/2010/main" val="506163861"/>
-      </p:ext>
-    </p:extLst>
-  </p:cSld>
-  <p:clrMapOvr>
-    <a:masterClrMapping/>
-  </p:clrMapOvr>
-  <mc:AlternateContent xmlns:mc="http://schemas.openxmlformats.org/markup-compatibility/2006" xmlns:p14="http://schemas.microsoft.com/office/powerpoint/2010/main">
-    <mc:Choice Requires="p14">
-      <p:transition p14:dur="100">
-        <p:cut/>
-      </p:transition>
-    </mc:Choice>
-    <mc:Fallback xmlns="">
-      <p:transition>
-        <p:cut/>
-      </p:transition>
-    </mc:Fallback>
-  </mc:AlternateContent>
-</p:sld>
-</file>
-
-<file path=ppt/slides/slide48.xml><?xml version="1.0" encoding="utf-8"?>
-<p:sld xmlns:a="http://schemas.openxmlformats.org/drawingml/2006/main" xmlns:r="http://schemas.openxmlformats.org/officeDocument/2006/relationships" xmlns:p="http://schemas.openxmlformats.org/presentationml/2006/main">
-  <p:cSld>
-    <p:spTree>
-      <p:nvGrpSpPr>
-        <p:cNvPr id="1" name=""/>
-        <p:cNvGrpSpPr/>
-        <p:nvPr/>
-      </p:nvGrpSpPr>
-      <p:grpSpPr>
-        <a:xfrm>
-          <a:off x="0" y="0"/>
-          <a:ext cx="0" cy="0"/>
-          <a:chOff x="0" y="0"/>
-          <a:chExt cx="0" cy="0"/>
-        </a:xfrm>
-      </p:grpSpPr>
-      <p:pic>
-        <p:nvPicPr>
-          <p:cNvPr id="9" name="Picture 8">
-            <a:extLst>
-              <a:ext uri="{FF2B5EF4-FFF2-40B4-BE49-F238E27FC236}">
-                <a16:creationId xmlns:a16="http://schemas.microsoft.com/office/drawing/2014/main" id="{39E83B63-DAE7-4E06-A56F-CF1576B89936}"/>
-              </a:ext>
-            </a:extLst>
-          </p:cNvPr>
-          <p:cNvPicPr>
-            <a:picLocks noChangeAspect="1"/>
-          </p:cNvPicPr>
-          <p:nvPr/>
-        </p:nvPicPr>
-        <p:blipFill>
-          <a:blip r:embed="rId2">
-            <a:extLst>
-              <a:ext uri="{28A0092B-C50C-407E-A947-70E740481C1C}">
-                <a14:useLocalDpi xmlns:a14="http://schemas.microsoft.com/office/drawing/2010/main" val="0"/>
-              </a:ext>
-            </a:extLst>
-          </a:blip>
-          <a:stretch>
-            <a:fillRect/>
-          </a:stretch>
-        </p:blipFill>
-        <p:spPr>
-          <a:xfrm>
-            <a:off x="0" y="0"/>
-            <a:ext cx="12192000" cy="6858000"/>
-          </a:xfrm>
-          <a:prstGeom prst="rect">
-            <a:avLst/>
-          </a:prstGeom>
-        </p:spPr>
-      </p:pic>
-      <p:sp>
-        <p:nvSpPr>
-          <p:cNvPr id="2" name="Title 1">
-            <a:extLst>
-              <a:ext uri="{FF2B5EF4-FFF2-40B4-BE49-F238E27FC236}">
-                <a16:creationId xmlns:a16="http://schemas.microsoft.com/office/drawing/2014/main" id="{0DE26BD9-3178-4532-BF33-58FE331BE190}"/>
-              </a:ext>
-            </a:extLst>
-          </p:cNvPr>
-          <p:cNvSpPr>
-            <a:spLocks noGrp="1"/>
-          </p:cNvSpPr>
-          <p:nvPr>
-            <p:ph type="ctrTitle"/>
-          </p:nvPr>
-        </p:nvSpPr>
-        <p:spPr>
-          <a:xfrm>
-            <a:off x="738908" y="930564"/>
-            <a:ext cx="4858328" cy="2311400"/>
-          </a:xfrm>
-        </p:spPr>
-        <p:txBody>
-          <a:bodyPr anchor="b">
-            <a:normAutofit/>
-          </a:bodyPr>
-          <a:lstStyle/>
-          <a:p>
-            <a:pPr algn="l"/>
-            <a:r>
-              <a:rPr lang="en-US" sz="4000" b="1" dirty="0">
-                <a:latin typeface="Segoe UI Light" panose="020B0502040204020203" pitchFamily="34" charset="0"/>
-                <a:cs typeface="Segoe UI Light" panose="020B0502040204020203" pitchFamily="34" charset="0"/>
-              </a:rPr>
-              <a:t>In-Process</a:t>
-            </a:r>
-            <a:br>
-              <a:rPr lang="en-US" sz="4000" b="1" dirty="0">
-                <a:latin typeface="Segoe UI Light" panose="020B0502040204020203" pitchFamily="34" charset="0"/>
-                <a:cs typeface="Segoe UI Light" panose="020B0502040204020203" pitchFamily="34" charset="0"/>
-              </a:rPr>
-            </a:br>
-            <a:r>
-              <a:rPr lang="en-US" sz="4000" b="1" dirty="0">
-                <a:solidFill>
-                  <a:srgbClr val="0041C6"/>
-                </a:solidFill>
-                <a:latin typeface="Segoe UI Semibold" panose="020B0702040204020203" pitchFamily="34" charset="0"/>
-                <a:cs typeface="Segoe UI Semibold" panose="020B0702040204020203" pitchFamily="34" charset="0"/>
-              </a:rPr>
-              <a:t>Event Bus</a:t>
-            </a:r>
-          </a:p>
-        </p:txBody>
-      </p:sp>
-      <p:sp>
-        <p:nvSpPr>
-          <p:cNvPr id="5" name="Footer Placeholder 4">
-            <a:extLst>
-              <a:ext uri="{FF2B5EF4-FFF2-40B4-BE49-F238E27FC236}">
-                <a16:creationId xmlns:a16="http://schemas.microsoft.com/office/drawing/2014/main" id="{A3553ADE-3838-4EDB-9F14-97C75DE2198D}"/>
-              </a:ext>
-            </a:extLst>
-          </p:cNvPr>
-          <p:cNvSpPr>
-            <a:spLocks noGrp="1"/>
-          </p:cNvSpPr>
-          <p:nvPr>
-            <p:ph type="ftr" sz="quarter" idx="11"/>
-          </p:nvPr>
-        </p:nvSpPr>
-        <p:spPr>
-          <a:xfrm>
-            <a:off x="0" y="6483927"/>
-            <a:ext cx="4190999" cy="374073"/>
-          </a:xfrm>
-        </p:spPr>
-        <p:txBody>
-          <a:bodyPr/>
-          <a:lstStyle/>
-          <a:p>
-            <a:pPr algn="l"/>
-            <a:r>
-              <a:rPr lang="en-US" dirty="0" err="1">
-                <a:solidFill>
-                  <a:schemeClr val="tx1"/>
-                </a:solidFill>
-                <a:latin typeface="Segoe UI" panose="020B0502040204020203" pitchFamily="34" charset="0"/>
-                <a:cs typeface="Segoe UI" panose="020B0502040204020203" pitchFamily="34" charset="0"/>
-              </a:rPr>
-              <a:t>Halil</a:t>
-            </a:r>
-            <a:r>
-              <a:rPr lang="en-US" dirty="0">
-                <a:solidFill>
-                  <a:schemeClr val="tx1"/>
-                </a:solidFill>
-                <a:latin typeface="Segoe UI" panose="020B0502040204020203" pitchFamily="34" charset="0"/>
-                <a:cs typeface="Segoe UI" panose="020B0502040204020203" pitchFamily="34" charset="0"/>
-              </a:rPr>
-              <a:t> İbrahim KALKAN | @</a:t>
-            </a:r>
-            <a:r>
-              <a:rPr lang="en-US" dirty="0" err="1">
-                <a:solidFill>
-                  <a:schemeClr val="tx1"/>
-                </a:solidFill>
-                <a:latin typeface="Segoe UI" panose="020B0502040204020203" pitchFamily="34" charset="0"/>
-                <a:cs typeface="Segoe UI" panose="020B0502040204020203" pitchFamily="34" charset="0"/>
-              </a:rPr>
-              <a:t>hikalkan</a:t>
-            </a:r>
-            <a:r>
-              <a:rPr lang="en-US" dirty="0">
-                <a:solidFill>
-                  <a:schemeClr val="tx1"/>
-                </a:solidFill>
-                <a:latin typeface="Segoe UI" panose="020B0502040204020203" pitchFamily="34" charset="0"/>
-                <a:cs typeface="Segoe UI" panose="020B0502040204020203" pitchFamily="34" charset="0"/>
-              </a:rPr>
-              <a:t> | </a:t>
-            </a:r>
-            <a:r>
-              <a:rPr lang="en-US" dirty="0" err="1">
-                <a:solidFill>
-                  <a:schemeClr val="tx1"/>
-                </a:solidFill>
-                <a:latin typeface="Segoe UI" panose="020B0502040204020203" pitchFamily="34" charset="0"/>
-                <a:cs typeface="Segoe UI" panose="020B0502040204020203" pitchFamily="34" charset="0"/>
-              </a:rPr>
-              <a:t>Volosoft</a:t>
-            </a:r>
-            <a:r>
-              <a:rPr lang="en-US" dirty="0">
-                <a:solidFill>
-                  <a:schemeClr val="tx1"/>
-                </a:solidFill>
-                <a:latin typeface="Segoe UI" panose="020B0502040204020203" pitchFamily="34" charset="0"/>
-                <a:cs typeface="Segoe UI" panose="020B0502040204020203" pitchFamily="34" charset="0"/>
-              </a:rPr>
-              <a:t> TM</a:t>
-            </a:r>
-          </a:p>
-        </p:txBody>
-      </p:sp>
-      <p:sp>
-        <p:nvSpPr>
-          <p:cNvPr id="11" name="Subtitle 2">
-            <a:extLst>
-              <a:ext uri="{FF2B5EF4-FFF2-40B4-BE49-F238E27FC236}">
-                <a16:creationId xmlns:a16="http://schemas.microsoft.com/office/drawing/2014/main" id="{A769CE0C-E9B4-4049-B22B-C35AD0DD7409}"/>
-              </a:ext>
-            </a:extLst>
-          </p:cNvPr>
-          <p:cNvSpPr txBox="1">
-            <a:spLocks/>
-          </p:cNvSpPr>
-          <p:nvPr/>
-        </p:nvSpPr>
-        <p:spPr>
-          <a:xfrm>
-            <a:off x="3582554" y="2904836"/>
-            <a:ext cx="835891" cy="775853"/>
-          </a:xfrm>
-          <a:prstGeom prst="rect">
-            <a:avLst/>
-          </a:prstGeom>
-        </p:spPr>
-        <p:txBody>
-          <a:bodyPr vert="horz" lIns="91440" tIns="45720" rIns="91440" bIns="45720" rtlCol="0" anchor="ctr">
-            <a:normAutofit/>
-          </a:bodyPr>
-          <a:lstStyle>
-            <a:lvl1pPr marL="0" indent="0" algn="ctr" defTabSz="914400" rtl="0" eaLnBrk="1" latinLnBrk="0" hangingPunct="1">
-              <a:lnSpc>
-                <a:spcPct val="90000"/>
-              </a:lnSpc>
-              <a:spcBef>
-                <a:spcPts val="1000"/>
-              </a:spcBef>
-              <a:buFont typeface="Arial" panose="020B0604020202020204" pitchFamily="34" charset="0"/>
-              <a:buNone/>
-              <a:defRPr sz="2400" kern="1200">
-                <a:solidFill>
-                  <a:schemeClr val="tx1"/>
-                </a:solidFill>
-                <a:latin typeface="+mn-lt"/>
-                <a:ea typeface="+mn-ea"/>
-                <a:cs typeface="+mn-cs"/>
-              </a:defRPr>
-            </a:lvl1pPr>
-            <a:lvl2pPr marL="457200" indent="0" algn="ctr" defTabSz="914400" rtl="0" eaLnBrk="1" latinLnBrk="0" hangingPunct="1">
-              <a:lnSpc>
-                <a:spcPct val="90000"/>
-              </a:lnSpc>
-              <a:spcBef>
-                <a:spcPts val="500"/>
-              </a:spcBef>
-              <a:buFont typeface="Arial" panose="020B0604020202020204" pitchFamily="34" charset="0"/>
-              <a:buNone/>
-              <a:defRPr sz="2000" kern="1200">
-                <a:solidFill>
-                  <a:schemeClr val="tx1"/>
-                </a:solidFill>
-                <a:latin typeface="+mn-lt"/>
-                <a:ea typeface="+mn-ea"/>
-                <a:cs typeface="+mn-cs"/>
-              </a:defRPr>
-            </a:lvl2pPr>
-            <a:lvl3pPr marL="914400" indent="0" algn="ctr" defTabSz="914400" rtl="0" eaLnBrk="1" latinLnBrk="0" hangingPunct="1">
-              <a:lnSpc>
-                <a:spcPct val="90000"/>
-              </a:lnSpc>
-              <a:spcBef>
-                <a:spcPts val="500"/>
-              </a:spcBef>
-              <a:buFont typeface="Arial" panose="020B0604020202020204" pitchFamily="34" charset="0"/>
-              <a:buNone/>
-              <a:defRPr sz="1800" kern="1200">
-                <a:solidFill>
-                  <a:schemeClr val="tx1"/>
-                </a:solidFill>
-                <a:latin typeface="+mn-lt"/>
-                <a:ea typeface="+mn-ea"/>
-                <a:cs typeface="+mn-cs"/>
-              </a:defRPr>
-            </a:lvl3pPr>
-            <a:lvl4pPr marL="1371600" indent="0" algn="ctr" defTabSz="914400" rtl="0" eaLnBrk="1" latinLnBrk="0" hangingPunct="1">
-              <a:lnSpc>
-                <a:spcPct val="90000"/>
-              </a:lnSpc>
-              <a:spcBef>
-                <a:spcPts val="500"/>
-              </a:spcBef>
-              <a:buFont typeface="Arial" panose="020B0604020202020204" pitchFamily="34" charset="0"/>
-              <a:buNone/>
-              <a:defRPr sz="1600" kern="1200">
-                <a:solidFill>
-                  <a:schemeClr val="tx1"/>
-                </a:solidFill>
-                <a:latin typeface="+mn-lt"/>
-                <a:ea typeface="+mn-ea"/>
-                <a:cs typeface="+mn-cs"/>
-              </a:defRPr>
-            </a:lvl4pPr>
-            <a:lvl5pPr marL="1828800" indent="0" algn="ctr" defTabSz="914400" rtl="0" eaLnBrk="1" latinLnBrk="0" hangingPunct="1">
-              <a:lnSpc>
-                <a:spcPct val="90000"/>
-              </a:lnSpc>
-              <a:spcBef>
-                <a:spcPts val="500"/>
-              </a:spcBef>
-              <a:buFont typeface="Arial" panose="020B0604020202020204" pitchFamily="34" charset="0"/>
-              <a:buNone/>
-              <a:defRPr sz="1600" kern="1200">
-                <a:solidFill>
-                  <a:schemeClr val="tx1"/>
-                </a:solidFill>
-                <a:latin typeface="+mn-lt"/>
-                <a:ea typeface="+mn-ea"/>
-                <a:cs typeface="+mn-cs"/>
-              </a:defRPr>
-            </a:lvl5pPr>
-            <a:lvl6pPr marL="2286000" indent="0" algn="ctr" defTabSz="914400" rtl="0" eaLnBrk="1" latinLnBrk="0" hangingPunct="1">
-              <a:lnSpc>
-                <a:spcPct val="90000"/>
-              </a:lnSpc>
-              <a:spcBef>
-                <a:spcPts val="500"/>
-              </a:spcBef>
-              <a:buFont typeface="Arial" panose="020B0604020202020204" pitchFamily="34" charset="0"/>
-              <a:buNone/>
-              <a:defRPr sz="1600" kern="1200">
-                <a:solidFill>
-                  <a:schemeClr val="tx1"/>
-                </a:solidFill>
-                <a:latin typeface="+mn-lt"/>
-                <a:ea typeface="+mn-ea"/>
-                <a:cs typeface="+mn-cs"/>
-              </a:defRPr>
-            </a:lvl6pPr>
-            <a:lvl7pPr marL="2743200" indent="0" algn="ctr" defTabSz="914400" rtl="0" eaLnBrk="1" latinLnBrk="0" hangingPunct="1">
-              <a:lnSpc>
-                <a:spcPct val="90000"/>
-              </a:lnSpc>
-              <a:spcBef>
-                <a:spcPts val="500"/>
-              </a:spcBef>
-              <a:buFont typeface="Arial" panose="020B0604020202020204" pitchFamily="34" charset="0"/>
-              <a:buNone/>
-              <a:defRPr sz="1600" kern="1200">
-                <a:solidFill>
-                  <a:schemeClr val="tx1"/>
-                </a:solidFill>
-                <a:latin typeface="+mn-lt"/>
-                <a:ea typeface="+mn-ea"/>
-                <a:cs typeface="+mn-cs"/>
-              </a:defRPr>
-            </a:lvl7pPr>
-            <a:lvl8pPr marL="3200400" indent="0" algn="ctr" defTabSz="914400" rtl="0" eaLnBrk="1" latinLnBrk="0" hangingPunct="1">
-              <a:lnSpc>
-                <a:spcPct val="90000"/>
-              </a:lnSpc>
-              <a:spcBef>
-                <a:spcPts val="500"/>
-              </a:spcBef>
-              <a:buFont typeface="Arial" panose="020B0604020202020204" pitchFamily="34" charset="0"/>
-              <a:buNone/>
-              <a:defRPr sz="1600" kern="1200">
-                <a:solidFill>
-                  <a:schemeClr val="tx1"/>
-                </a:solidFill>
-                <a:latin typeface="+mn-lt"/>
-                <a:ea typeface="+mn-ea"/>
-                <a:cs typeface="+mn-cs"/>
-              </a:defRPr>
-            </a:lvl8pPr>
-            <a:lvl9pPr marL="3657600" indent="0" algn="ctr" defTabSz="914400" rtl="0" eaLnBrk="1" latinLnBrk="0" hangingPunct="1">
-              <a:lnSpc>
-                <a:spcPct val="90000"/>
-              </a:lnSpc>
-              <a:spcBef>
-                <a:spcPts val="500"/>
-              </a:spcBef>
-              <a:buFont typeface="Arial" panose="020B0604020202020204" pitchFamily="34" charset="0"/>
-              <a:buNone/>
-              <a:defRPr sz="1600" kern="1200">
-                <a:solidFill>
-                  <a:schemeClr val="tx1"/>
-                </a:solidFill>
-                <a:latin typeface="+mn-lt"/>
-                <a:ea typeface="+mn-ea"/>
-                <a:cs typeface="+mn-cs"/>
-              </a:defRPr>
-            </a:lvl9pPr>
-          </a:lstStyle>
-          <a:p>
-            <a:r>
-              <a:rPr lang="en-US" sz="2000" b="1" dirty="0">
-                <a:solidFill>
-                  <a:schemeClr val="bg1"/>
-                </a:solidFill>
-                <a:latin typeface="Segoe UI Light" panose="020B0502040204020203" pitchFamily="34" charset="0"/>
-                <a:cs typeface="Segoe UI Light" panose="020B0502040204020203" pitchFamily="34" charset="0"/>
-              </a:rPr>
-              <a:t>VS</a:t>
-            </a:r>
-          </a:p>
-        </p:txBody>
-      </p:sp>
-      <p:sp>
-        <p:nvSpPr>
-          <p:cNvPr id="15" name="Subtitle 2">
-            <a:extLst>
-              <a:ext uri="{FF2B5EF4-FFF2-40B4-BE49-F238E27FC236}">
-                <a16:creationId xmlns:a16="http://schemas.microsoft.com/office/drawing/2014/main" id="{20939731-D3B7-4A28-B941-216A5F2FD525}"/>
-              </a:ext>
-            </a:extLst>
-          </p:cNvPr>
-          <p:cNvSpPr txBox="1">
-            <a:spLocks/>
-          </p:cNvSpPr>
-          <p:nvPr/>
-        </p:nvSpPr>
-        <p:spPr>
-          <a:xfrm>
-            <a:off x="738908" y="3173267"/>
-            <a:ext cx="4368801" cy="2042969"/>
-          </a:xfrm>
-          <a:prstGeom prst="rect">
-            <a:avLst/>
-          </a:prstGeom>
-        </p:spPr>
-        <p:txBody>
-          <a:bodyPr vert="horz" lIns="91440" tIns="45720" rIns="91440" bIns="45720" rtlCol="0" anchor="t">
-            <a:noAutofit/>
-          </a:bodyPr>
-          <a:lstStyle>
-            <a:lvl1pPr marL="0" indent="0" algn="ctr" defTabSz="914400" rtl="0" eaLnBrk="1" latinLnBrk="0" hangingPunct="1">
-              <a:lnSpc>
-                <a:spcPct val="90000"/>
-              </a:lnSpc>
-              <a:spcBef>
-                <a:spcPts val="1000"/>
-              </a:spcBef>
-              <a:buFont typeface="Arial" panose="020B0604020202020204" pitchFamily="34" charset="0"/>
-              <a:buNone/>
-              <a:defRPr sz="2400" kern="1200">
-                <a:solidFill>
-                  <a:schemeClr val="tx1"/>
-                </a:solidFill>
-                <a:latin typeface="+mn-lt"/>
-                <a:ea typeface="+mn-ea"/>
-                <a:cs typeface="+mn-cs"/>
-              </a:defRPr>
-            </a:lvl1pPr>
-            <a:lvl2pPr marL="457200" indent="0" algn="ctr" defTabSz="914400" rtl="0" eaLnBrk="1" latinLnBrk="0" hangingPunct="1">
-              <a:lnSpc>
-                <a:spcPct val="90000"/>
-              </a:lnSpc>
-              <a:spcBef>
-                <a:spcPts val="500"/>
-              </a:spcBef>
-              <a:buFont typeface="Arial" panose="020B0604020202020204" pitchFamily="34" charset="0"/>
-              <a:buNone/>
-              <a:defRPr sz="2000" kern="1200">
-                <a:solidFill>
-                  <a:schemeClr val="tx1"/>
-                </a:solidFill>
-                <a:latin typeface="+mn-lt"/>
-                <a:ea typeface="+mn-ea"/>
-                <a:cs typeface="+mn-cs"/>
-              </a:defRPr>
-            </a:lvl2pPr>
-            <a:lvl3pPr marL="914400" indent="0" algn="ctr" defTabSz="914400" rtl="0" eaLnBrk="1" latinLnBrk="0" hangingPunct="1">
-              <a:lnSpc>
-                <a:spcPct val="90000"/>
-              </a:lnSpc>
-              <a:spcBef>
-                <a:spcPts val="500"/>
-              </a:spcBef>
-              <a:buFont typeface="Arial" panose="020B0604020202020204" pitchFamily="34" charset="0"/>
-              <a:buNone/>
-              <a:defRPr sz="1800" kern="1200">
-                <a:solidFill>
-                  <a:schemeClr val="tx1"/>
-                </a:solidFill>
-                <a:latin typeface="+mn-lt"/>
-                <a:ea typeface="+mn-ea"/>
-                <a:cs typeface="+mn-cs"/>
-              </a:defRPr>
-            </a:lvl3pPr>
-            <a:lvl4pPr marL="1371600" indent="0" algn="ctr" defTabSz="914400" rtl="0" eaLnBrk="1" latinLnBrk="0" hangingPunct="1">
-              <a:lnSpc>
-                <a:spcPct val="90000"/>
-              </a:lnSpc>
-              <a:spcBef>
-                <a:spcPts val="500"/>
-              </a:spcBef>
-              <a:buFont typeface="Arial" panose="020B0604020202020204" pitchFamily="34" charset="0"/>
-              <a:buNone/>
-              <a:defRPr sz="1600" kern="1200">
-                <a:solidFill>
-                  <a:schemeClr val="tx1"/>
-                </a:solidFill>
-                <a:latin typeface="+mn-lt"/>
-                <a:ea typeface="+mn-ea"/>
-                <a:cs typeface="+mn-cs"/>
-              </a:defRPr>
-            </a:lvl4pPr>
-            <a:lvl5pPr marL="1828800" indent="0" algn="ctr" defTabSz="914400" rtl="0" eaLnBrk="1" latinLnBrk="0" hangingPunct="1">
-              <a:lnSpc>
-                <a:spcPct val="90000"/>
-              </a:lnSpc>
-              <a:spcBef>
-                <a:spcPts val="500"/>
-              </a:spcBef>
-              <a:buFont typeface="Arial" panose="020B0604020202020204" pitchFamily="34" charset="0"/>
-              <a:buNone/>
-              <a:defRPr sz="1600" kern="1200">
-                <a:solidFill>
-                  <a:schemeClr val="tx1"/>
-                </a:solidFill>
-                <a:latin typeface="+mn-lt"/>
-                <a:ea typeface="+mn-ea"/>
-                <a:cs typeface="+mn-cs"/>
-              </a:defRPr>
-            </a:lvl5pPr>
-            <a:lvl6pPr marL="2286000" indent="0" algn="ctr" defTabSz="914400" rtl="0" eaLnBrk="1" latinLnBrk="0" hangingPunct="1">
-              <a:lnSpc>
-                <a:spcPct val="90000"/>
-              </a:lnSpc>
-              <a:spcBef>
-                <a:spcPts val="500"/>
-              </a:spcBef>
-              <a:buFont typeface="Arial" panose="020B0604020202020204" pitchFamily="34" charset="0"/>
-              <a:buNone/>
-              <a:defRPr sz="1600" kern="1200">
-                <a:solidFill>
-                  <a:schemeClr val="tx1"/>
-                </a:solidFill>
-                <a:latin typeface="+mn-lt"/>
-                <a:ea typeface="+mn-ea"/>
-                <a:cs typeface="+mn-cs"/>
-              </a:defRPr>
-            </a:lvl6pPr>
-            <a:lvl7pPr marL="2743200" indent="0" algn="ctr" defTabSz="914400" rtl="0" eaLnBrk="1" latinLnBrk="0" hangingPunct="1">
-              <a:lnSpc>
-                <a:spcPct val="90000"/>
-              </a:lnSpc>
-              <a:spcBef>
-                <a:spcPts val="500"/>
-              </a:spcBef>
-              <a:buFont typeface="Arial" panose="020B0604020202020204" pitchFamily="34" charset="0"/>
-              <a:buNone/>
-              <a:defRPr sz="1600" kern="1200">
-                <a:solidFill>
-                  <a:schemeClr val="tx1"/>
-                </a:solidFill>
-                <a:latin typeface="+mn-lt"/>
-                <a:ea typeface="+mn-ea"/>
-                <a:cs typeface="+mn-cs"/>
-              </a:defRPr>
-            </a:lvl7pPr>
-            <a:lvl8pPr marL="3200400" indent="0" algn="ctr" defTabSz="914400" rtl="0" eaLnBrk="1" latinLnBrk="0" hangingPunct="1">
-              <a:lnSpc>
-                <a:spcPct val="90000"/>
-              </a:lnSpc>
-              <a:spcBef>
-                <a:spcPts val="500"/>
-              </a:spcBef>
-              <a:buFont typeface="Arial" panose="020B0604020202020204" pitchFamily="34" charset="0"/>
-              <a:buNone/>
-              <a:defRPr sz="1600" kern="1200">
-                <a:solidFill>
-                  <a:schemeClr val="tx1"/>
-                </a:solidFill>
-                <a:latin typeface="+mn-lt"/>
-                <a:ea typeface="+mn-ea"/>
-                <a:cs typeface="+mn-cs"/>
-              </a:defRPr>
-            </a:lvl8pPr>
-            <a:lvl9pPr marL="3657600" indent="0" algn="ctr" defTabSz="914400" rtl="0" eaLnBrk="1" latinLnBrk="0" hangingPunct="1">
-              <a:lnSpc>
-                <a:spcPct val="90000"/>
-              </a:lnSpc>
-              <a:spcBef>
-                <a:spcPts val="500"/>
-              </a:spcBef>
-              <a:buFont typeface="Arial" panose="020B0604020202020204" pitchFamily="34" charset="0"/>
-              <a:buNone/>
-              <a:defRPr sz="1600" kern="1200">
-                <a:solidFill>
-                  <a:schemeClr val="tx1"/>
-                </a:solidFill>
-                <a:latin typeface="+mn-lt"/>
-                <a:ea typeface="+mn-ea"/>
-                <a:cs typeface="+mn-cs"/>
-              </a:defRPr>
-            </a:lvl9pPr>
-          </a:lstStyle>
-          <a:p>
-            <a:pPr marL="285750" indent="-285750" algn="l">
-              <a:lnSpc>
-                <a:spcPct val="150000"/>
-              </a:lnSpc>
-              <a:buFont typeface="Arial" panose="020B0604020202020204" pitchFamily="34" charset="0"/>
-              <a:buChar char="•"/>
-            </a:pPr>
-            <a:r>
-              <a:rPr lang="en-US" sz="1600" dirty="0">
-                <a:latin typeface="Segoe UI Semibold" panose="020B0702040204020203" pitchFamily="34" charset="0"/>
-                <a:cs typeface="Segoe UI Semibold" panose="020B0702040204020203" pitchFamily="34" charset="0"/>
-              </a:rPr>
-              <a:t>Domain/Business Events.</a:t>
-            </a:r>
-          </a:p>
-          <a:p>
-            <a:pPr marL="285750" indent="-285750" algn="l">
-              <a:lnSpc>
-                <a:spcPct val="150000"/>
-              </a:lnSpc>
-              <a:buFont typeface="Arial" panose="020B0604020202020204" pitchFamily="34" charset="0"/>
-              <a:buChar char="•"/>
-            </a:pPr>
-            <a:r>
-              <a:rPr lang="en-US" sz="1600" dirty="0">
-                <a:latin typeface="Segoe UI Semibold" panose="020B0702040204020203" pitchFamily="34" charset="0"/>
-                <a:cs typeface="Segoe UI Semibold" panose="020B0702040204020203" pitchFamily="34" charset="0"/>
-              </a:rPr>
-              <a:t>Pre-built events: Entity change events (created, updated, deleted).</a:t>
-            </a:r>
-          </a:p>
-          <a:p>
-            <a:pPr marL="285750" indent="-285750" algn="l">
-              <a:lnSpc>
-                <a:spcPct val="150000"/>
-              </a:lnSpc>
-              <a:buFont typeface="Arial" panose="020B0604020202020204" pitchFamily="34" charset="0"/>
-              <a:buChar char="•"/>
-            </a:pPr>
-            <a:r>
-              <a:rPr lang="en-US" sz="1600" dirty="0">
-                <a:latin typeface="Segoe UI Semibold" panose="020B0702040204020203" pitchFamily="34" charset="0"/>
-                <a:cs typeface="Segoe UI Semibold" panose="020B0702040204020203" pitchFamily="34" charset="0"/>
-              </a:rPr>
-              <a:t>One publisher, multiple subscriber.</a:t>
-            </a:r>
-          </a:p>
-        </p:txBody>
-      </p:sp>
-      <p:sp>
-        <p:nvSpPr>
-          <p:cNvPr id="3" name="Rectangle 2">
-            <a:extLst>
-              <a:ext uri="{FF2B5EF4-FFF2-40B4-BE49-F238E27FC236}">
-                <a16:creationId xmlns:a16="http://schemas.microsoft.com/office/drawing/2014/main" id="{D9414F04-3327-4C69-993D-1C252829956C}"/>
-              </a:ext>
-            </a:extLst>
-          </p:cNvPr>
-          <p:cNvSpPr/>
-          <p:nvPr/>
-        </p:nvSpPr>
-        <p:spPr>
-          <a:xfrm>
-            <a:off x="6804561" y="3645144"/>
-            <a:ext cx="2575249" cy="615821"/>
-          </a:xfrm>
-          <a:prstGeom prst="rect">
-            <a:avLst/>
-          </a:prstGeom>
-        </p:spPr>
-        <p:style>
-          <a:lnRef idx="2">
-            <a:schemeClr val="accent6">
-              <a:shade val="50000"/>
-            </a:schemeClr>
-          </a:lnRef>
-          <a:fillRef idx="1">
-            <a:schemeClr val="accent6"/>
-          </a:fillRef>
-          <a:effectRef idx="0">
-            <a:schemeClr val="accent6"/>
-          </a:effectRef>
-          <a:fontRef idx="minor">
-            <a:schemeClr val="lt1"/>
-          </a:fontRef>
-        </p:style>
-        <p:txBody>
-          <a:bodyPr rtlCol="0" anchor="ctr"/>
-          <a:lstStyle/>
-          <a:p>
-            <a:pPr algn="ctr"/>
-            <a:r>
-              <a:rPr lang="en-US" sz="2800" dirty="0"/>
-              <a:t>Event Bus</a:t>
-            </a:r>
-          </a:p>
-        </p:txBody>
-      </p:sp>
-      <p:sp>
-        <p:nvSpPr>
-          <p:cNvPr id="10" name="Rectangle 9">
-            <a:extLst>
-              <a:ext uri="{FF2B5EF4-FFF2-40B4-BE49-F238E27FC236}">
-                <a16:creationId xmlns:a16="http://schemas.microsoft.com/office/drawing/2014/main" id="{32A73EA3-A803-499B-9B6C-484E257A6283}"/>
-              </a:ext>
-            </a:extLst>
-          </p:cNvPr>
-          <p:cNvSpPr/>
-          <p:nvPr/>
-        </p:nvSpPr>
-        <p:spPr>
-          <a:xfrm>
-            <a:off x="5358882" y="2317910"/>
-            <a:ext cx="2575249" cy="615821"/>
-          </a:xfrm>
-          <a:prstGeom prst="rect">
-            <a:avLst/>
-          </a:prstGeom>
-        </p:spPr>
-        <p:style>
-          <a:lnRef idx="2">
-            <a:schemeClr val="accent1">
-              <a:shade val="50000"/>
-            </a:schemeClr>
-          </a:lnRef>
-          <a:fillRef idx="1">
-            <a:schemeClr val="accent1"/>
-          </a:fillRef>
-          <a:effectRef idx="0">
-            <a:schemeClr val="accent1"/>
-          </a:effectRef>
-          <a:fontRef idx="minor">
-            <a:schemeClr val="lt1"/>
-          </a:fontRef>
-        </p:style>
-        <p:txBody>
-          <a:bodyPr rtlCol="0" anchor="ctr"/>
-          <a:lstStyle/>
-          <a:p>
-            <a:pPr algn="ctr"/>
-            <a:r>
-              <a:rPr lang="en-US" sz="2800" dirty="0"/>
-              <a:t>Module 1</a:t>
-            </a:r>
-          </a:p>
-        </p:txBody>
-      </p:sp>
-      <p:sp>
-        <p:nvSpPr>
-          <p:cNvPr id="12" name="Rectangle 11">
-            <a:extLst>
-              <a:ext uri="{FF2B5EF4-FFF2-40B4-BE49-F238E27FC236}">
-                <a16:creationId xmlns:a16="http://schemas.microsoft.com/office/drawing/2014/main" id="{8EA166F1-B984-4C2F-B7FE-DC9E9BF4D9E8}"/>
-              </a:ext>
-            </a:extLst>
-          </p:cNvPr>
-          <p:cNvSpPr/>
-          <p:nvPr/>
-        </p:nvSpPr>
-        <p:spPr>
-          <a:xfrm>
-            <a:off x="8273709" y="2317909"/>
-            <a:ext cx="2575249" cy="615821"/>
-          </a:xfrm>
-          <a:prstGeom prst="rect">
-            <a:avLst/>
-          </a:prstGeom>
-        </p:spPr>
-        <p:style>
-          <a:lnRef idx="2">
-            <a:schemeClr val="accent1">
-              <a:shade val="50000"/>
-            </a:schemeClr>
-          </a:lnRef>
-          <a:fillRef idx="1">
-            <a:schemeClr val="accent1"/>
-          </a:fillRef>
-          <a:effectRef idx="0">
-            <a:schemeClr val="accent1"/>
-          </a:effectRef>
-          <a:fontRef idx="minor">
-            <a:schemeClr val="lt1"/>
-          </a:fontRef>
-        </p:style>
-        <p:txBody>
-          <a:bodyPr rtlCol="0" anchor="ctr"/>
-          <a:lstStyle/>
-          <a:p>
-            <a:pPr algn="ctr"/>
-            <a:r>
-              <a:rPr lang="en-US" sz="2800" dirty="0"/>
-              <a:t>Module 2</a:t>
-            </a:r>
-          </a:p>
-        </p:txBody>
-      </p:sp>
-      <p:cxnSp>
-        <p:nvCxnSpPr>
-          <p:cNvPr id="6" name="Straight Arrow Connector 5">
-            <a:extLst>
-              <a:ext uri="{FF2B5EF4-FFF2-40B4-BE49-F238E27FC236}">
-                <a16:creationId xmlns:a16="http://schemas.microsoft.com/office/drawing/2014/main" id="{F89CDD86-B8A7-46E6-9078-C11F343E848A}"/>
-              </a:ext>
-            </a:extLst>
-          </p:cNvPr>
-          <p:cNvCxnSpPr>
-            <a:cxnSpLocks/>
-          </p:cNvCxnSpPr>
-          <p:nvPr/>
-        </p:nvCxnSpPr>
-        <p:spPr>
-          <a:xfrm>
-            <a:off x="7077860" y="2933730"/>
-            <a:ext cx="307886" cy="711414"/>
-          </a:xfrm>
-          <a:prstGeom prst="straightConnector1">
-            <a:avLst/>
-          </a:prstGeom>
-          <a:ln w="50800">
-            <a:tailEnd type="triangle"/>
-          </a:ln>
-        </p:spPr>
-        <p:style>
-          <a:lnRef idx="1">
-            <a:schemeClr val="accent2"/>
-          </a:lnRef>
-          <a:fillRef idx="0">
-            <a:schemeClr val="accent2"/>
-          </a:fillRef>
-          <a:effectRef idx="0">
-            <a:schemeClr val="accent2"/>
-          </a:effectRef>
-          <a:fontRef idx="minor">
-            <a:schemeClr val="tx1"/>
-          </a:fontRef>
-        </p:style>
-      </p:cxnSp>
-      <p:cxnSp>
-        <p:nvCxnSpPr>
-          <p:cNvPr id="18" name="Straight Arrow Connector 17">
-            <a:extLst>
-              <a:ext uri="{FF2B5EF4-FFF2-40B4-BE49-F238E27FC236}">
-                <a16:creationId xmlns:a16="http://schemas.microsoft.com/office/drawing/2014/main" id="{742CE64C-D09B-47F3-8E39-2960278E08F7}"/>
-              </a:ext>
-            </a:extLst>
-          </p:cNvPr>
-          <p:cNvCxnSpPr>
-            <a:cxnSpLocks/>
-          </p:cNvCxnSpPr>
-          <p:nvPr/>
-        </p:nvCxnSpPr>
-        <p:spPr>
-          <a:xfrm flipV="1">
-            <a:off x="8469779" y="2933730"/>
-            <a:ext cx="568640" cy="712218"/>
-          </a:xfrm>
-          <a:prstGeom prst="straightConnector1">
-            <a:avLst/>
-          </a:prstGeom>
-          <a:ln w="50800">
-            <a:tailEnd type="triangle"/>
-          </a:ln>
-        </p:spPr>
-        <p:style>
-          <a:lnRef idx="1">
-            <a:schemeClr val="accent2"/>
-          </a:lnRef>
-          <a:fillRef idx="0">
-            <a:schemeClr val="accent2"/>
-          </a:fillRef>
-          <a:effectRef idx="0">
-            <a:schemeClr val="accent2"/>
-          </a:effectRef>
-          <a:fontRef idx="minor">
-            <a:schemeClr val="tx1"/>
-          </a:fontRef>
-        </p:style>
-      </p:cxnSp>
-      <p:sp>
-        <p:nvSpPr>
-          <p:cNvPr id="19" name="TextBox 18">
-            <a:extLst>
-              <a:ext uri="{FF2B5EF4-FFF2-40B4-BE49-F238E27FC236}">
-                <a16:creationId xmlns:a16="http://schemas.microsoft.com/office/drawing/2014/main" id="{E93C26F5-DD73-411E-AE07-993A6C1D1564}"/>
-              </a:ext>
-            </a:extLst>
-          </p:cNvPr>
-          <p:cNvSpPr txBox="1"/>
-          <p:nvPr/>
-        </p:nvSpPr>
-        <p:spPr>
-          <a:xfrm>
-            <a:off x="5574433" y="3089382"/>
-            <a:ext cx="1678986" cy="400110"/>
-          </a:xfrm>
-          <a:prstGeom prst="rect">
-            <a:avLst/>
-          </a:prstGeom>
-          <a:noFill/>
-        </p:spPr>
-        <p:txBody>
-          <a:bodyPr wrap="none" rtlCol="0">
-            <a:spAutoFit/>
-          </a:bodyPr>
-          <a:lstStyle/>
-          <a:p>
-            <a:r>
-              <a:rPr lang="en-US" sz="2000" dirty="0"/>
-              <a:t>Publish Events</a:t>
-            </a:r>
-          </a:p>
-        </p:txBody>
-      </p:sp>
-      <p:sp>
-        <p:nvSpPr>
-          <p:cNvPr id="20" name="TextBox 19">
-            <a:extLst>
-              <a:ext uri="{FF2B5EF4-FFF2-40B4-BE49-F238E27FC236}">
-                <a16:creationId xmlns:a16="http://schemas.microsoft.com/office/drawing/2014/main" id="{36BA70AC-6E36-47AA-B40F-0E292B11FA16}"/>
-              </a:ext>
-            </a:extLst>
-          </p:cNvPr>
-          <p:cNvSpPr txBox="1"/>
-          <p:nvPr/>
-        </p:nvSpPr>
-        <p:spPr>
-          <a:xfrm>
-            <a:off x="8839989" y="3089382"/>
-            <a:ext cx="2207399" cy="400110"/>
-          </a:xfrm>
-          <a:prstGeom prst="rect">
-            <a:avLst/>
-          </a:prstGeom>
-          <a:noFill/>
-        </p:spPr>
-        <p:txBody>
-          <a:bodyPr wrap="none" rtlCol="0">
-            <a:spAutoFit/>
-          </a:bodyPr>
-          <a:lstStyle/>
-          <a:p>
-            <a:r>
-              <a:rPr lang="en-US" sz="2000" dirty="0"/>
-              <a:t>Subscribe to Events</a:t>
-            </a:r>
-          </a:p>
-        </p:txBody>
-      </p:sp>
-    </p:spTree>
-    <p:extLst>
-      <p:ext uri="{BB962C8B-B14F-4D97-AF65-F5344CB8AC3E}">
-        <p14:creationId xmlns:p14="http://schemas.microsoft.com/office/powerpoint/2010/main" val="867767921"/>
-      </p:ext>
-    </p:extLst>
-  </p:cSld>
-  <p:clrMapOvr>
-    <a:masterClrMapping/>
-  </p:clrMapOvr>
-  <mc:AlternateContent xmlns:mc="http://schemas.openxmlformats.org/markup-compatibility/2006" xmlns:p14="http://schemas.microsoft.com/office/powerpoint/2010/main">
-    <mc:Choice Requires="p14">
-      <p:transition p14:dur="100">
-        <p:cut/>
-      </p:transition>
-    </mc:Choice>
-    <mc:Fallback xmlns="">
-      <p:transition>
-        <p:cut/>
-      </p:transition>
-    </mc:Fallback>
-  </mc:AlternateContent>
-</p:sld>
-</file>
-
-<file path=ppt/slides/slide49.xml><?xml version="1.0" encoding="utf-8"?>
-<p:sld xmlns:a="http://schemas.openxmlformats.org/drawingml/2006/main" xmlns:r="http://schemas.openxmlformats.org/officeDocument/2006/relationships" xmlns:p="http://schemas.openxmlformats.org/presentationml/2006/main">
-  <p:cSld>
-    <p:spTree>
-      <p:nvGrpSpPr>
-        <p:cNvPr id="1" name=""/>
-        <p:cNvGrpSpPr/>
-        <p:nvPr/>
-      </p:nvGrpSpPr>
-      <p:grpSpPr>
-        <a:xfrm>
-          <a:off x="0" y="0"/>
-          <a:ext cx="0" cy="0"/>
-          <a:chOff x="0" y="0"/>
-          <a:chExt cx="0" cy="0"/>
-        </a:xfrm>
-      </p:grpSpPr>
-      <p:pic>
-        <p:nvPicPr>
-          <p:cNvPr id="9" name="Picture 8">
-            <a:extLst>
-              <a:ext uri="{FF2B5EF4-FFF2-40B4-BE49-F238E27FC236}">
-                <a16:creationId xmlns:a16="http://schemas.microsoft.com/office/drawing/2014/main" id="{39E83B63-DAE7-4E06-A56F-CF1576B89936}"/>
-              </a:ext>
-            </a:extLst>
-          </p:cNvPr>
-          <p:cNvPicPr>
-            <a:picLocks noChangeAspect="1"/>
-          </p:cNvPicPr>
-          <p:nvPr/>
-        </p:nvPicPr>
-        <p:blipFill>
-          <a:blip r:embed="rId2">
-            <a:extLst>
-              <a:ext uri="{28A0092B-C50C-407E-A947-70E740481C1C}">
-                <a14:useLocalDpi xmlns:a14="http://schemas.microsoft.com/office/drawing/2010/main" val="0"/>
-              </a:ext>
-            </a:extLst>
-          </a:blip>
-          <a:stretch>
-            <a:fillRect/>
-          </a:stretch>
-        </p:blipFill>
-        <p:spPr>
-          <a:xfrm>
-            <a:off x="0" y="0"/>
-            <a:ext cx="12192000" cy="6858000"/>
-          </a:xfrm>
-          <a:prstGeom prst="rect">
-            <a:avLst/>
-          </a:prstGeom>
-        </p:spPr>
-      </p:pic>
-      <p:sp>
-        <p:nvSpPr>
-          <p:cNvPr id="2" name="Title 1">
-            <a:extLst>
-              <a:ext uri="{FF2B5EF4-FFF2-40B4-BE49-F238E27FC236}">
-                <a16:creationId xmlns:a16="http://schemas.microsoft.com/office/drawing/2014/main" id="{0DE26BD9-3178-4532-BF33-58FE331BE190}"/>
-              </a:ext>
-            </a:extLst>
-          </p:cNvPr>
-          <p:cNvSpPr>
-            <a:spLocks noGrp="1"/>
-          </p:cNvSpPr>
-          <p:nvPr>
-            <p:ph type="ctrTitle"/>
-          </p:nvPr>
-        </p:nvSpPr>
-        <p:spPr>
-          <a:xfrm>
-            <a:off x="738907" y="930564"/>
-            <a:ext cx="5773859" cy="775853"/>
-          </a:xfrm>
-        </p:spPr>
-        <p:txBody>
-          <a:bodyPr anchor="b">
-            <a:normAutofit/>
-          </a:bodyPr>
-          <a:lstStyle/>
-          <a:p>
-            <a:pPr algn="l"/>
-            <a:r>
-              <a:rPr lang="en-US" sz="4000" b="1" dirty="0">
-                <a:solidFill>
-                  <a:srgbClr val="0041C6"/>
-                </a:solidFill>
-                <a:latin typeface="Segoe UI Light" panose="020B0502040204020203" pitchFamily="34" charset="0"/>
-                <a:cs typeface="Segoe UI Light" panose="020B0502040204020203" pitchFamily="34" charset="0"/>
-              </a:rPr>
-              <a:t>Sample Event Handler</a:t>
-            </a:r>
-            <a:endParaRPr lang="en-US" sz="4000" b="1" dirty="0">
-              <a:solidFill>
-                <a:srgbClr val="0041C6"/>
-              </a:solidFill>
-              <a:latin typeface="Segoe UI Semibold" panose="020B0702040204020203" pitchFamily="34" charset="0"/>
-              <a:cs typeface="Segoe UI Semibold" panose="020B0702040204020203" pitchFamily="34" charset="0"/>
-            </a:endParaRPr>
-          </a:p>
-        </p:txBody>
-      </p:sp>
-      <p:sp>
-        <p:nvSpPr>
-          <p:cNvPr id="5" name="Footer Placeholder 4">
-            <a:extLst>
-              <a:ext uri="{FF2B5EF4-FFF2-40B4-BE49-F238E27FC236}">
-                <a16:creationId xmlns:a16="http://schemas.microsoft.com/office/drawing/2014/main" id="{A3553ADE-3838-4EDB-9F14-97C75DE2198D}"/>
-              </a:ext>
-            </a:extLst>
-          </p:cNvPr>
-          <p:cNvSpPr>
-            <a:spLocks noGrp="1"/>
-          </p:cNvSpPr>
-          <p:nvPr>
-            <p:ph type="ftr" sz="quarter" idx="11"/>
-          </p:nvPr>
-        </p:nvSpPr>
-        <p:spPr>
-          <a:xfrm>
-            <a:off x="0" y="6483927"/>
-            <a:ext cx="4190999" cy="374073"/>
-          </a:xfrm>
-        </p:spPr>
-        <p:txBody>
-          <a:bodyPr/>
-          <a:lstStyle/>
-          <a:p>
-            <a:pPr algn="l"/>
-            <a:r>
-              <a:rPr lang="en-US" dirty="0" err="1">
-                <a:solidFill>
-                  <a:schemeClr val="tx1"/>
-                </a:solidFill>
-                <a:latin typeface="Segoe UI" panose="020B0502040204020203" pitchFamily="34" charset="0"/>
-                <a:cs typeface="Segoe UI" panose="020B0502040204020203" pitchFamily="34" charset="0"/>
-              </a:rPr>
-              <a:t>Halil</a:t>
-            </a:r>
-            <a:r>
-              <a:rPr lang="en-US" dirty="0">
-                <a:solidFill>
-                  <a:schemeClr val="tx1"/>
-                </a:solidFill>
-                <a:latin typeface="Segoe UI" panose="020B0502040204020203" pitchFamily="34" charset="0"/>
-                <a:cs typeface="Segoe UI" panose="020B0502040204020203" pitchFamily="34" charset="0"/>
-              </a:rPr>
-              <a:t> İbrahim KALKAN | @</a:t>
-            </a:r>
-            <a:r>
-              <a:rPr lang="en-US" dirty="0" err="1">
-                <a:solidFill>
-                  <a:schemeClr val="tx1"/>
-                </a:solidFill>
-                <a:latin typeface="Segoe UI" panose="020B0502040204020203" pitchFamily="34" charset="0"/>
-                <a:cs typeface="Segoe UI" panose="020B0502040204020203" pitchFamily="34" charset="0"/>
-              </a:rPr>
-              <a:t>hikalkan</a:t>
-            </a:r>
-            <a:r>
-              <a:rPr lang="en-US" dirty="0">
-                <a:solidFill>
-                  <a:schemeClr val="tx1"/>
-                </a:solidFill>
-                <a:latin typeface="Segoe UI" panose="020B0502040204020203" pitchFamily="34" charset="0"/>
-                <a:cs typeface="Segoe UI" panose="020B0502040204020203" pitchFamily="34" charset="0"/>
-              </a:rPr>
-              <a:t> | </a:t>
-            </a:r>
-            <a:r>
-              <a:rPr lang="en-US" dirty="0" err="1">
-                <a:solidFill>
-                  <a:schemeClr val="tx1"/>
-                </a:solidFill>
-                <a:latin typeface="Segoe UI" panose="020B0502040204020203" pitchFamily="34" charset="0"/>
-                <a:cs typeface="Segoe UI" panose="020B0502040204020203" pitchFamily="34" charset="0"/>
-              </a:rPr>
-              <a:t>Volosoft</a:t>
-            </a:r>
-            <a:r>
-              <a:rPr lang="en-US" dirty="0">
-                <a:solidFill>
-                  <a:schemeClr val="tx1"/>
-                </a:solidFill>
-                <a:latin typeface="Segoe UI" panose="020B0502040204020203" pitchFamily="34" charset="0"/>
-                <a:cs typeface="Segoe UI" panose="020B0502040204020203" pitchFamily="34" charset="0"/>
-              </a:rPr>
-              <a:t> TM</a:t>
-            </a:r>
-          </a:p>
-        </p:txBody>
-      </p:sp>
-      <p:sp>
-        <p:nvSpPr>
-          <p:cNvPr id="11" name="Subtitle 2">
-            <a:extLst>
-              <a:ext uri="{FF2B5EF4-FFF2-40B4-BE49-F238E27FC236}">
-                <a16:creationId xmlns:a16="http://schemas.microsoft.com/office/drawing/2014/main" id="{A769CE0C-E9B4-4049-B22B-C35AD0DD7409}"/>
-              </a:ext>
-            </a:extLst>
-          </p:cNvPr>
-          <p:cNvSpPr txBox="1">
-            <a:spLocks/>
-          </p:cNvSpPr>
-          <p:nvPr/>
-        </p:nvSpPr>
-        <p:spPr>
-          <a:xfrm>
-            <a:off x="3582554" y="2904836"/>
-            <a:ext cx="835891" cy="775853"/>
-          </a:xfrm>
-          <a:prstGeom prst="rect">
-            <a:avLst/>
-          </a:prstGeom>
-        </p:spPr>
-        <p:txBody>
-          <a:bodyPr vert="horz" lIns="91440" tIns="45720" rIns="91440" bIns="45720" rtlCol="0" anchor="ctr">
-            <a:normAutofit/>
-          </a:bodyPr>
-          <a:lstStyle>
-            <a:lvl1pPr marL="0" indent="0" algn="ctr" defTabSz="914400" rtl="0" eaLnBrk="1" latinLnBrk="0" hangingPunct="1">
-              <a:lnSpc>
-                <a:spcPct val="90000"/>
-              </a:lnSpc>
-              <a:spcBef>
-                <a:spcPts val="1000"/>
-              </a:spcBef>
-              <a:buFont typeface="Arial" panose="020B0604020202020204" pitchFamily="34" charset="0"/>
-              <a:buNone/>
-              <a:defRPr sz="2400" kern="1200">
-                <a:solidFill>
-                  <a:schemeClr val="tx1"/>
-                </a:solidFill>
-                <a:latin typeface="+mn-lt"/>
-                <a:ea typeface="+mn-ea"/>
-                <a:cs typeface="+mn-cs"/>
-              </a:defRPr>
-            </a:lvl1pPr>
-            <a:lvl2pPr marL="457200" indent="0" algn="ctr" defTabSz="914400" rtl="0" eaLnBrk="1" latinLnBrk="0" hangingPunct="1">
-              <a:lnSpc>
-                <a:spcPct val="90000"/>
-              </a:lnSpc>
-              <a:spcBef>
-                <a:spcPts val="500"/>
-              </a:spcBef>
-              <a:buFont typeface="Arial" panose="020B0604020202020204" pitchFamily="34" charset="0"/>
-              <a:buNone/>
-              <a:defRPr sz="2000" kern="1200">
-                <a:solidFill>
-                  <a:schemeClr val="tx1"/>
-                </a:solidFill>
-                <a:latin typeface="+mn-lt"/>
-                <a:ea typeface="+mn-ea"/>
-                <a:cs typeface="+mn-cs"/>
-              </a:defRPr>
-            </a:lvl2pPr>
-            <a:lvl3pPr marL="914400" indent="0" algn="ctr" defTabSz="914400" rtl="0" eaLnBrk="1" latinLnBrk="0" hangingPunct="1">
-              <a:lnSpc>
-                <a:spcPct val="90000"/>
-              </a:lnSpc>
-              <a:spcBef>
-                <a:spcPts val="500"/>
-              </a:spcBef>
-              <a:buFont typeface="Arial" panose="020B0604020202020204" pitchFamily="34" charset="0"/>
-              <a:buNone/>
-              <a:defRPr sz="1800" kern="1200">
-                <a:solidFill>
-                  <a:schemeClr val="tx1"/>
-                </a:solidFill>
-                <a:latin typeface="+mn-lt"/>
-                <a:ea typeface="+mn-ea"/>
-                <a:cs typeface="+mn-cs"/>
-              </a:defRPr>
-            </a:lvl3pPr>
-            <a:lvl4pPr marL="1371600" indent="0" algn="ctr" defTabSz="914400" rtl="0" eaLnBrk="1" latinLnBrk="0" hangingPunct="1">
-              <a:lnSpc>
-                <a:spcPct val="90000"/>
-              </a:lnSpc>
-              <a:spcBef>
-                <a:spcPts val="500"/>
-              </a:spcBef>
-              <a:buFont typeface="Arial" panose="020B0604020202020204" pitchFamily="34" charset="0"/>
-              <a:buNone/>
-              <a:defRPr sz="1600" kern="1200">
-                <a:solidFill>
-                  <a:schemeClr val="tx1"/>
-                </a:solidFill>
-                <a:latin typeface="+mn-lt"/>
-                <a:ea typeface="+mn-ea"/>
-                <a:cs typeface="+mn-cs"/>
-              </a:defRPr>
-            </a:lvl4pPr>
-            <a:lvl5pPr marL="1828800" indent="0" algn="ctr" defTabSz="914400" rtl="0" eaLnBrk="1" latinLnBrk="0" hangingPunct="1">
-              <a:lnSpc>
-                <a:spcPct val="90000"/>
-              </a:lnSpc>
-              <a:spcBef>
-                <a:spcPts val="500"/>
-              </a:spcBef>
-              <a:buFont typeface="Arial" panose="020B0604020202020204" pitchFamily="34" charset="0"/>
-              <a:buNone/>
-              <a:defRPr sz="1600" kern="1200">
-                <a:solidFill>
-                  <a:schemeClr val="tx1"/>
-                </a:solidFill>
-                <a:latin typeface="+mn-lt"/>
-                <a:ea typeface="+mn-ea"/>
-                <a:cs typeface="+mn-cs"/>
-              </a:defRPr>
-            </a:lvl5pPr>
-            <a:lvl6pPr marL="2286000" indent="0" algn="ctr" defTabSz="914400" rtl="0" eaLnBrk="1" latinLnBrk="0" hangingPunct="1">
-              <a:lnSpc>
-                <a:spcPct val="90000"/>
-              </a:lnSpc>
-              <a:spcBef>
-                <a:spcPts val="500"/>
-              </a:spcBef>
-              <a:buFont typeface="Arial" panose="020B0604020202020204" pitchFamily="34" charset="0"/>
-              <a:buNone/>
-              <a:defRPr sz="1600" kern="1200">
-                <a:solidFill>
-                  <a:schemeClr val="tx1"/>
-                </a:solidFill>
-                <a:latin typeface="+mn-lt"/>
-                <a:ea typeface="+mn-ea"/>
-                <a:cs typeface="+mn-cs"/>
-              </a:defRPr>
-            </a:lvl6pPr>
-            <a:lvl7pPr marL="2743200" indent="0" algn="ctr" defTabSz="914400" rtl="0" eaLnBrk="1" latinLnBrk="0" hangingPunct="1">
-              <a:lnSpc>
-                <a:spcPct val="90000"/>
-              </a:lnSpc>
-              <a:spcBef>
-                <a:spcPts val="500"/>
-              </a:spcBef>
-              <a:buFont typeface="Arial" panose="020B0604020202020204" pitchFamily="34" charset="0"/>
-              <a:buNone/>
-              <a:defRPr sz="1600" kern="1200">
-                <a:solidFill>
-                  <a:schemeClr val="tx1"/>
-                </a:solidFill>
-                <a:latin typeface="+mn-lt"/>
-                <a:ea typeface="+mn-ea"/>
-                <a:cs typeface="+mn-cs"/>
-              </a:defRPr>
-            </a:lvl7pPr>
-            <a:lvl8pPr marL="3200400" indent="0" algn="ctr" defTabSz="914400" rtl="0" eaLnBrk="1" latinLnBrk="0" hangingPunct="1">
-              <a:lnSpc>
-                <a:spcPct val="90000"/>
-              </a:lnSpc>
-              <a:spcBef>
-                <a:spcPts val="500"/>
-              </a:spcBef>
-              <a:buFont typeface="Arial" panose="020B0604020202020204" pitchFamily="34" charset="0"/>
-              <a:buNone/>
-              <a:defRPr sz="1600" kern="1200">
-                <a:solidFill>
-                  <a:schemeClr val="tx1"/>
-                </a:solidFill>
-                <a:latin typeface="+mn-lt"/>
-                <a:ea typeface="+mn-ea"/>
-                <a:cs typeface="+mn-cs"/>
-              </a:defRPr>
-            </a:lvl8pPr>
-            <a:lvl9pPr marL="3657600" indent="0" algn="ctr" defTabSz="914400" rtl="0" eaLnBrk="1" latinLnBrk="0" hangingPunct="1">
-              <a:lnSpc>
-                <a:spcPct val="90000"/>
-              </a:lnSpc>
-              <a:spcBef>
-                <a:spcPts val="500"/>
-              </a:spcBef>
-              <a:buFont typeface="Arial" panose="020B0604020202020204" pitchFamily="34" charset="0"/>
-              <a:buNone/>
-              <a:defRPr sz="1600" kern="1200">
-                <a:solidFill>
-                  <a:schemeClr val="tx1"/>
-                </a:solidFill>
-                <a:latin typeface="+mn-lt"/>
-                <a:ea typeface="+mn-ea"/>
-                <a:cs typeface="+mn-cs"/>
-              </a:defRPr>
-            </a:lvl9pPr>
-          </a:lstStyle>
-          <a:p>
-            <a:r>
-              <a:rPr lang="en-US" sz="2000" b="1" dirty="0">
-                <a:solidFill>
-                  <a:schemeClr val="bg1"/>
-                </a:solidFill>
-                <a:latin typeface="Segoe UI Light" panose="020B0502040204020203" pitchFamily="34" charset="0"/>
-                <a:cs typeface="Segoe UI Light" panose="020B0502040204020203" pitchFamily="34" charset="0"/>
-              </a:rPr>
-              <a:t>VS</a:t>
-            </a:r>
-          </a:p>
-        </p:txBody>
-      </p:sp>
-      <p:pic>
-        <p:nvPicPr>
-          <p:cNvPr id="4" name="Picture 3">
-            <a:extLst>
-              <a:ext uri="{FF2B5EF4-FFF2-40B4-BE49-F238E27FC236}">
-                <a16:creationId xmlns:a16="http://schemas.microsoft.com/office/drawing/2014/main" id="{9C9BE360-4A69-472F-BF97-5B0A3EEDACC4}"/>
-              </a:ext>
-            </a:extLst>
-          </p:cNvPr>
-          <p:cNvPicPr>
-            <a:picLocks noChangeAspect="1"/>
-          </p:cNvPicPr>
-          <p:nvPr/>
-        </p:nvPicPr>
-        <p:blipFill>
-          <a:blip r:embed="rId3"/>
-          <a:stretch>
-            <a:fillRect/>
-          </a:stretch>
-        </p:blipFill>
-        <p:spPr>
-          <a:xfrm>
-            <a:off x="738907" y="2010496"/>
-            <a:ext cx="10446507" cy="2636149"/>
-          </a:xfrm>
-          <a:prstGeom prst="rect">
-            <a:avLst/>
-          </a:prstGeom>
-        </p:spPr>
-      </p:pic>
-    </p:spTree>
-    <p:extLst>
-      <p:ext uri="{BB962C8B-B14F-4D97-AF65-F5344CB8AC3E}">
-        <p14:creationId xmlns:p14="http://schemas.microsoft.com/office/powerpoint/2010/main" val="2292293380"/>
-      </p:ext>
-    </p:extLst>
-  </p:cSld>
-  <p:clrMapOvr>
-    <a:masterClrMapping/>
-  </p:clrMapOvr>
-  <mc:AlternateContent xmlns:mc="http://schemas.openxmlformats.org/markup-compatibility/2006" xmlns:p14="http://schemas.microsoft.com/office/powerpoint/2010/main">
-    <mc:Choice Requires="p14">
-      <p:transition p14:dur="100">
-        <p:cut/>
-      </p:transition>
-    </mc:Choice>
-    <mc:Fallback xmlns="">
-      <p:transition>
-        <p:cut/>
-      </p:transition>
-    </mc:Fallback>
-  </mc:AlternateContent>
 </p:sld>
 </file>
 
@@ -37285,2223 +34656,6 @@
       </p:transition>
     </mc:Fallback>
   </mc:AlternateContent>
-</p:sld>
-</file>
-
-<file path=ppt/slides/slide50.xml><?xml version="1.0" encoding="utf-8"?>
-<p:sld xmlns:a="http://schemas.openxmlformats.org/drawingml/2006/main" xmlns:r="http://schemas.openxmlformats.org/officeDocument/2006/relationships" xmlns:p="http://schemas.openxmlformats.org/presentationml/2006/main">
-  <p:cSld>
-    <p:spTree>
-      <p:nvGrpSpPr>
-        <p:cNvPr id="1" name=""/>
-        <p:cNvGrpSpPr/>
-        <p:nvPr/>
-      </p:nvGrpSpPr>
-      <p:grpSpPr>
-        <a:xfrm>
-          <a:off x="0" y="0"/>
-          <a:ext cx="0" cy="0"/>
-          <a:chOff x="0" y="0"/>
-          <a:chExt cx="0" cy="0"/>
-        </a:xfrm>
-      </p:grpSpPr>
-      <p:pic>
-        <p:nvPicPr>
-          <p:cNvPr id="9" name="Picture 8">
-            <a:extLst>
-              <a:ext uri="{FF2B5EF4-FFF2-40B4-BE49-F238E27FC236}">
-                <a16:creationId xmlns:a16="http://schemas.microsoft.com/office/drawing/2014/main" id="{39E83B63-DAE7-4E06-A56F-CF1576B89936}"/>
-              </a:ext>
-            </a:extLst>
-          </p:cNvPr>
-          <p:cNvPicPr>
-            <a:picLocks noChangeAspect="1"/>
-          </p:cNvPicPr>
-          <p:nvPr/>
-        </p:nvPicPr>
-        <p:blipFill>
-          <a:blip r:embed="rId2">
-            <a:extLst>
-              <a:ext uri="{28A0092B-C50C-407E-A947-70E740481C1C}">
-                <a14:useLocalDpi xmlns:a14="http://schemas.microsoft.com/office/drawing/2010/main" val="0"/>
-              </a:ext>
-            </a:extLst>
-          </a:blip>
-          <a:stretch>
-            <a:fillRect/>
-          </a:stretch>
-        </p:blipFill>
-        <p:spPr>
-          <a:xfrm>
-            <a:off x="0" y="0"/>
-            <a:ext cx="12192000" cy="6858000"/>
-          </a:xfrm>
-          <a:prstGeom prst="rect">
-            <a:avLst/>
-          </a:prstGeom>
-        </p:spPr>
-      </p:pic>
-      <p:sp>
-        <p:nvSpPr>
-          <p:cNvPr id="2" name="Title 1">
-            <a:extLst>
-              <a:ext uri="{FF2B5EF4-FFF2-40B4-BE49-F238E27FC236}">
-                <a16:creationId xmlns:a16="http://schemas.microsoft.com/office/drawing/2014/main" id="{0DE26BD9-3178-4532-BF33-58FE331BE190}"/>
-              </a:ext>
-            </a:extLst>
-          </p:cNvPr>
-          <p:cNvSpPr>
-            <a:spLocks noGrp="1"/>
-          </p:cNvSpPr>
-          <p:nvPr>
-            <p:ph type="ctrTitle"/>
-          </p:nvPr>
-        </p:nvSpPr>
-        <p:spPr>
-          <a:xfrm>
-            <a:off x="738907" y="930564"/>
-            <a:ext cx="5773859" cy="775853"/>
-          </a:xfrm>
-        </p:spPr>
-        <p:txBody>
-          <a:bodyPr anchor="b">
-            <a:normAutofit/>
-          </a:bodyPr>
-          <a:lstStyle/>
-          <a:p>
-            <a:pPr algn="l"/>
-            <a:r>
-              <a:rPr lang="en-US" sz="4000" b="1" dirty="0">
-                <a:solidFill>
-                  <a:srgbClr val="0041C6"/>
-                </a:solidFill>
-                <a:latin typeface="Segoe UI Light" panose="020B0502040204020203" pitchFamily="34" charset="0"/>
-                <a:cs typeface="Segoe UI Light" panose="020B0502040204020203" pitchFamily="34" charset="0"/>
-              </a:rPr>
-              <a:t>Trigger An Event</a:t>
-            </a:r>
-            <a:endParaRPr lang="en-US" sz="4000" b="1" dirty="0">
-              <a:solidFill>
-                <a:srgbClr val="0041C6"/>
-              </a:solidFill>
-              <a:latin typeface="Segoe UI Semibold" panose="020B0702040204020203" pitchFamily="34" charset="0"/>
-              <a:cs typeface="Segoe UI Semibold" panose="020B0702040204020203" pitchFamily="34" charset="0"/>
-            </a:endParaRPr>
-          </a:p>
-        </p:txBody>
-      </p:sp>
-      <p:sp>
-        <p:nvSpPr>
-          <p:cNvPr id="5" name="Footer Placeholder 4">
-            <a:extLst>
-              <a:ext uri="{FF2B5EF4-FFF2-40B4-BE49-F238E27FC236}">
-                <a16:creationId xmlns:a16="http://schemas.microsoft.com/office/drawing/2014/main" id="{A3553ADE-3838-4EDB-9F14-97C75DE2198D}"/>
-              </a:ext>
-            </a:extLst>
-          </p:cNvPr>
-          <p:cNvSpPr>
-            <a:spLocks noGrp="1"/>
-          </p:cNvSpPr>
-          <p:nvPr>
-            <p:ph type="ftr" sz="quarter" idx="11"/>
-          </p:nvPr>
-        </p:nvSpPr>
-        <p:spPr>
-          <a:xfrm>
-            <a:off x="0" y="6483927"/>
-            <a:ext cx="4190999" cy="374073"/>
-          </a:xfrm>
-        </p:spPr>
-        <p:txBody>
-          <a:bodyPr/>
-          <a:lstStyle/>
-          <a:p>
-            <a:pPr algn="l"/>
-            <a:r>
-              <a:rPr lang="en-US" dirty="0" err="1">
-                <a:solidFill>
-                  <a:schemeClr val="tx1"/>
-                </a:solidFill>
-                <a:latin typeface="Segoe UI" panose="020B0502040204020203" pitchFamily="34" charset="0"/>
-                <a:cs typeface="Segoe UI" panose="020B0502040204020203" pitchFamily="34" charset="0"/>
-              </a:rPr>
-              <a:t>Halil</a:t>
-            </a:r>
-            <a:r>
-              <a:rPr lang="en-US" dirty="0">
-                <a:solidFill>
-                  <a:schemeClr val="tx1"/>
-                </a:solidFill>
-                <a:latin typeface="Segoe UI" panose="020B0502040204020203" pitchFamily="34" charset="0"/>
-                <a:cs typeface="Segoe UI" panose="020B0502040204020203" pitchFamily="34" charset="0"/>
-              </a:rPr>
-              <a:t> İbrahim KALKAN | @</a:t>
-            </a:r>
-            <a:r>
-              <a:rPr lang="en-US" dirty="0" err="1">
-                <a:solidFill>
-                  <a:schemeClr val="tx1"/>
-                </a:solidFill>
-                <a:latin typeface="Segoe UI" panose="020B0502040204020203" pitchFamily="34" charset="0"/>
-                <a:cs typeface="Segoe UI" panose="020B0502040204020203" pitchFamily="34" charset="0"/>
-              </a:rPr>
-              <a:t>hikalkan</a:t>
-            </a:r>
-            <a:r>
-              <a:rPr lang="en-US" dirty="0">
-                <a:solidFill>
-                  <a:schemeClr val="tx1"/>
-                </a:solidFill>
-                <a:latin typeface="Segoe UI" panose="020B0502040204020203" pitchFamily="34" charset="0"/>
-                <a:cs typeface="Segoe UI" panose="020B0502040204020203" pitchFamily="34" charset="0"/>
-              </a:rPr>
-              <a:t> | </a:t>
-            </a:r>
-            <a:r>
-              <a:rPr lang="en-US" dirty="0" err="1">
-                <a:solidFill>
-                  <a:schemeClr val="tx1"/>
-                </a:solidFill>
-                <a:latin typeface="Segoe UI" panose="020B0502040204020203" pitchFamily="34" charset="0"/>
-                <a:cs typeface="Segoe UI" panose="020B0502040204020203" pitchFamily="34" charset="0"/>
-              </a:rPr>
-              <a:t>Volosoft</a:t>
-            </a:r>
-            <a:r>
-              <a:rPr lang="en-US" dirty="0">
-                <a:solidFill>
-                  <a:schemeClr val="tx1"/>
-                </a:solidFill>
-                <a:latin typeface="Segoe UI" panose="020B0502040204020203" pitchFamily="34" charset="0"/>
-                <a:cs typeface="Segoe UI" panose="020B0502040204020203" pitchFamily="34" charset="0"/>
-              </a:rPr>
-              <a:t> TM</a:t>
-            </a:r>
-          </a:p>
-        </p:txBody>
-      </p:sp>
-      <p:sp>
-        <p:nvSpPr>
-          <p:cNvPr id="11" name="Subtitle 2">
-            <a:extLst>
-              <a:ext uri="{FF2B5EF4-FFF2-40B4-BE49-F238E27FC236}">
-                <a16:creationId xmlns:a16="http://schemas.microsoft.com/office/drawing/2014/main" id="{A769CE0C-E9B4-4049-B22B-C35AD0DD7409}"/>
-              </a:ext>
-            </a:extLst>
-          </p:cNvPr>
-          <p:cNvSpPr txBox="1">
-            <a:spLocks/>
-          </p:cNvSpPr>
-          <p:nvPr/>
-        </p:nvSpPr>
-        <p:spPr>
-          <a:xfrm>
-            <a:off x="3582554" y="2904836"/>
-            <a:ext cx="835891" cy="775853"/>
-          </a:xfrm>
-          <a:prstGeom prst="rect">
-            <a:avLst/>
-          </a:prstGeom>
-        </p:spPr>
-        <p:txBody>
-          <a:bodyPr vert="horz" lIns="91440" tIns="45720" rIns="91440" bIns="45720" rtlCol="0" anchor="ctr">
-            <a:normAutofit/>
-          </a:bodyPr>
-          <a:lstStyle>
-            <a:lvl1pPr marL="0" indent="0" algn="ctr" defTabSz="914400" rtl="0" eaLnBrk="1" latinLnBrk="0" hangingPunct="1">
-              <a:lnSpc>
-                <a:spcPct val="90000"/>
-              </a:lnSpc>
-              <a:spcBef>
-                <a:spcPts val="1000"/>
-              </a:spcBef>
-              <a:buFont typeface="Arial" panose="020B0604020202020204" pitchFamily="34" charset="0"/>
-              <a:buNone/>
-              <a:defRPr sz="2400" kern="1200">
-                <a:solidFill>
-                  <a:schemeClr val="tx1"/>
-                </a:solidFill>
-                <a:latin typeface="+mn-lt"/>
-                <a:ea typeface="+mn-ea"/>
-                <a:cs typeface="+mn-cs"/>
-              </a:defRPr>
-            </a:lvl1pPr>
-            <a:lvl2pPr marL="457200" indent="0" algn="ctr" defTabSz="914400" rtl="0" eaLnBrk="1" latinLnBrk="0" hangingPunct="1">
-              <a:lnSpc>
-                <a:spcPct val="90000"/>
-              </a:lnSpc>
-              <a:spcBef>
-                <a:spcPts val="500"/>
-              </a:spcBef>
-              <a:buFont typeface="Arial" panose="020B0604020202020204" pitchFamily="34" charset="0"/>
-              <a:buNone/>
-              <a:defRPr sz="2000" kern="1200">
-                <a:solidFill>
-                  <a:schemeClr val="tx1"/>
-                </a:solidFill>
-                <a:latin typeface="+mn-lt"/>
-                <a:ea typeface="+mn-ea"/>
-                <a:cs typeface="+mn-cs"/>
-              </a:defRPr>
-            </a:lvl2pPr>
-            <a:lvl3pPr marL="914400" indent="0" algn="ctr" defTabSz="914400" rtl="0" eaLnBrk="1" latinLnBrk="0" hangingPunct="1">
-              <a:lnSpc>
-                <a:spcPct val="90000"/>
-              </a:lnSpc>
-              <a:spcBef>
-                <a:spcPts val="500"/>
-              </a:spcBef>
-              <a:buFont typeface="Arial" panose="020B0604020202020204" pitchFamily="34" charset="0"/>
-              <a:buNone/>
-              <a:defRPr sz="1800" kern="1200">
-                <a:solidFill>
-                  <a:schemeClr val="tx1"/>
-                </a:solidFill>
-                <a:latin typeface="+mn-lt"/>
-                <a:ea typeface="+mn-ea"/>
-                <a:cs typeface="+mn-cs"/>
-              </a:defRPr>
-            </a:lvl3pPr>
-            <a:lvl4pPr marL="1371600" indent="0" algn="ctr" defTabSz="914400" rtl="0" eaLnBrk="1" latinLnBrk="0" hangingPunct="1">
-              <a:lnSpc>
-                <a:spcPct val="90000"/>
-              </a:lnSpc>
-              <a:spcBef>
-                <a:spcPts val="500"/>
-              </a:spcBef>
-              <a:buFont typeface="Arial" panose="020B0604020202020204" pitchFamily="34" charset="0"/>
-              <a:buNone/>
-              <a:defRPr sz="1600" kern="1200">
-                <a:solidFill>
-                  <a:schemeClr val="tx1"/>
-                </a:solidFill>
-                <a:latin typeface="+mn-lt"/>
-                <a:ea typeface="+mn-ea"/>
-                <a:cs typeface="+mn-cs"/>
-              </a:defRPr>
-            </a:lvl4pPr>
-            <a:lvl5pPr marL="1828800" indent="0" algn="ctr" defTabSz="914400" rtl="0" eaLnBrk="1" latinLnBrk="0" hangingPunct="1">
-              <a:lnSpc>
-                <a:spcPct val="90000"/>
-              </a:lnSpc>
-              <a:spcBef>
-                <a:spcPts val="500"/>
-              </a:spcBef>
-              <a:buFont typeface="Arial" panose="020B0604020202020204" pitchFamily="34" charset="0"/>
-              <a:buNone/>
-              <a:defRPr sz="1600" kern="1200">
-                <a:solidFill>
-                  <a:schemeClr val="tx1"/>
-                </a:solidFill>
-                <a:latin typeface="+mn-lt"/>
-                <a:ea typeface="+mn-ea"/>
-                <a:cs typeface="+mn-cs"/>
-              </a:defRPr>
-            </a:lvl5pPr>
-            <a:lvl6pPr marL="2286000" indent="0" algn="ctr" defTabSz="914400" rtl="0" eaLnBrk="1" latinLnBrk="0" hangingPunct="1">
-              <a:lnSpc>
-                <a:spcPct val="90000"/>
-              </a:lnSpc>
-              <a:spcBef>
-                <a:spcPts val="500"/>
-              </a:spcBef>
-              <a:buFont typeface="Arial" panose="020B0604020202020204" pitchFamily="34" charset="0"/>
-              <a:buNone/>
-              <a:defRPr sz="1600" kern="1200">
-                <a:solidFill>
-                  <a:schemeClr val="tx1"/>
-                </a:solidFill>
-                <a:latin typeface="+mn-lt"/>
-                <a:ea typeface="+mn-ea"/>
-                <a:cs typeface="+mn-cs"/>
-              </a:defRPr>
-            </a:lvl6pPr>
-            <a:lvl7pPr marL="2743200" indent="0" algn="ctr" defTabSz="914400" rtl="0" eaLnBrk="1" latinLnBrk="0" hangingPunct="1">
-              <a:lnSpc>
-                <a:spcPct val="90000"/>
-              </a:lnSpc>
-              <a:spcBef>
-                <a:spcPts val="500"/>
-              </a:spcBef>
-              <a:buFont typeface="Arial" panose="020B0604020202020204" pitchFamily="34" charset="0"/>
-              <a:buNone/>
-              <a:defRPr sz="1600" kern="1200">
-                <a:solidFill>
-                  <a:schemeClr val="tx1"/>
-                </a:solidFill>
-                <a:latin typeface="+mn-lt"/>
-                <a:ea typeface="+mn-ea"/>
-                <a:cs typeface="+mn-cs"/>
-              </a:defRPr>
-            </a:lvl7pPr>
-            <a:lvl8pPr marL="3200400" indent="0" algn="ctr" defTabSz="914400" rtl="0" eaLnBrk="1" latinLnBrk="0" hangingPunct="1">
-              <a:lnSpc>
-                <a:spcPct val="90000"/>
-              </a:lnSpc>
-              <a:spcBef>
-                <a:spcPts val="500"/>
-              </a:spcBef>
-              <a:buFont typeface="Arial" panose="020B0604020202020204" pitchFamily="34" charset="0"/>
-              <a:buNone/>
-              <a:defRPr sz="1600" kern="1200">
-                <a:solidFill>
-                  <a:schemeClr val="tx1"/>
-                </a:solidFill>
-                <a:latin typeface="+mn-lt"/>
-                <a:ea typeface="+mn-ea"/>
-                <a:cs typeface="+mn-cs"/>
-              </a:defRPr>
-            </a:lvl8pPr>
-            <a:lvl9pPr marL="3657600" indent="0" algn="ctr" defTabSz="914400" rtl="0" eaLnBrk="1" latinLnBrk="0" hangingPunct="1">
-              <a:lnSpc>
-                <a:spcPct val="90000"/>
-              </a:lnSpc>
-              <a:spcBef>
-                <a:spcPts val="500"/>
-              </a:spcBef>
-              <a:buFont typeface="Arial" panose="020B0604020202020204" pitchFamily="34" charset="0"/>
-              <a:buNone/>
-              <a:defRPr sz="1600" kern="1200">
-                <a:solidFill>
-                  <a:schemeClr val="tx1"/>
-                </a:solidFill>
-                <a:latin typeface="+mn-lt"/>
-                <a:ea typeface="+mn-ea"/>
-                <a:cs typeface="+mn-cs"/>
-              </a:defRPr>
-            </a:lvl9pPr>
-          </a:lstStyle>
-          <a:p>
-            <a:r>
-              <a:rPr lang="en-US" sz="2000" b="1" dirty="0">
-                <a:solidFill>
-                  <a:schemeClr val="bg1"/>
-                </a:solidFill>
-                <a:latin typeface="Segoe UI Light" panose="020B0502040204020203" pitchFamily="34" charset="0"/>
-                <a:cs typeface="Segoe UI Light" panose="020B0502040204020203" pitchFamily="34" charset="0"/>
-              </a:rPr>
-              <a:t>VS</a:t>
-            </a:r>
-          </a:p>
-        </p:txBody>
-      </p:sp>
-      <p:pic>
-        <p:nvPicPr>
-          <p:cNvPr id="3" name="Picture 2">
-            <a:extLst>
-              <a:ext uri="{FF2B5EF4-FFF2-40B4-BE49-F238E27FC236}">
-                <a16:creationId xmlns:a16="http://schemas.microsoft.com/office/drawing/2014/main" id="{15FFB495-30E7-4A87-B8F6-4B9D87948FC3}"/>
-              </a:ext>
-            </a:extLst>
-          </p:cNvPr>
-          <p:cNvPicPr>
-            <a:picLocks noChangeAspect="1"/>
-          </p:cNvPicPr>
-          <p:nvPr/>
-        </p:nvPicPr>
-        <p:blipFill>
-          <a:blip r:embed="rId3"/>
-          <a:stretch>
-            <a:fillRect/>
-          </a:stretch>
-        </p:blipFill>
-        <p:spPr>
-          <a:xfrm>
-            <a:off x="738907" y="2854037"/>
-            <a:ext cx="9765046" cy="775853"/>
-          </a:xfrm>
-          <a:prstGeom prst="rect">
-            <a:avLst/>
-          </a:prstGeom>
-        </p:spPr>
-      </p:pic>
-    </p:spTree>
-    <p:extLst>
-      <p:ext uri="{BB962C8B-B14F-4D97-AF65-F5344CB8AC3E}">
-        <p14:creationId xmlns:p14="http://schemas.microsoft.com/office/powerpoint/2010/main" val="3175321123"/>
-      </p:ext>
-    </p:extLst>
-  </p:cSld>
-  <p:clrMapOvr>
-    <a:masterClrMapping/>
-  </p:clrMapOvr>
-  <mc:AlternateContent xmlns:mc="http://schemas.openxmlformats.org/markup-compatibility/2006" xmlns:p14="http://schemas.microsoft.com/office/powerpoint/2010/main">
-    <mc:Choice Requires="p14">
-      <p:transition p14:dur="100">
-        <p:cut/>
-      </p:transition>
-    </mc:Choice>
-    <mc:Fallback xmlns="">
-      <p:transition>
-        <p:cut/>
-      </p:transition>
-    </mc:Fallback>
-  </mc:AlternateContent>
-</p:sld>
-</file>
-
-<file path=ppt/slides/slide51.xml><?xml version="1.0" encoding="utf-8"?>
-<p:sld xmlns:a="http://schemas.openxmlformats.org/drawingml/2006/main" xmlns:r="http://schemas.openxmlformats.org/officeDocument/2006/relationships" xmlns:p="http://schemas.openxmlformats.org/presentationml/2006/main">
-  <p:cSld>
-    <p:spTree>
-      <p:nvGrpSpPr>
-        <p:cNvPr id="1" name=""/>
-        <p:cNvGrpSpPr/>
-        <p:nvPr/>
-      </p:nvGrpSpPr>
-      <p:grpSpPr>
-        <a:xfrm>
-          <a:off x="0" y="0"/>
-          <a:ext cx="0" cy="0"/>
-          <a:chOff x="0" y="0"/>
-          <a:chExt cx="0" cy="0"/>
-        </a:xfrm>
-      </p:grpSpPr>
-      <p:pic>
-        <p:nvPicPr>
-          <p:cNvPr id="9" name="Picture 8">
-            <a:extLst>
-              <a:ext uri="{FF2B5EF4-FFF2-40B4-BE49-F238E27FC236}">
-                <a16:creationId xmlns:a16="http://schemas.microsoft.com/office/drawing/2014/main" id="{39E83B63-DAE7-4E06-A56F-CF1576B89936}"/>
-              </a:ext>
-            </a:extLst>
-          </p:cNvPr>
-          <p:cNvPicPr>
-            <a:picLocks noChangeAspect="1"/>
-          </p:cNvPicPr>
-          <p:nvPr/>
-        </p:nvPicPr>
-        <p:blipFill>
-          <a:blip r:embed="rId2">
-            <a:extLst>
-              <a:ext uri="{28A0092B-C50C-407E-A947-70E740481C1C}">
-                <a14:useLocalDpi xmlns:a14="http://schemas.microsoft.com/office/drawing/2010/main" val="0"/>
-              </a:ext>
-            </a:extLst>
-          </a:blip>
-          <a:stretch>
-            <a:fillRect/>
-          </a:stretch>
-        </p:blipFill>
-        <p:spPr>
-          <a:xfrm>
-            <a:off x="0" y="0"/>
-            <a:ext cx="12192000" cy="6858000"/>
-          </a:xfrm>
-          <a:prstGeom prst="rect">
-            <a:avLst/>
-          </a:prstGeom>
-        </p:spPr>
-      </p:pic>
-      <p:sp>
-        <p:nvSpPr>
-          <p:cNvPr id="2" name="Title 1">
-            <a:extLst>
-              <a:ext uri="{FF2B5EF4-FFF2-40B4-BE49-F238E27FC236}">
-                <a16:creationId xmlns:a16="http://schemas.microsoft.com/office/drawing/2014/main" id="{0DE26BD9-3178-4532-BF33-58FE331BE190}"/>
-              </a:ext>
-            </a:extLst>
-          </p:cNvPr>
-          <p:cNvSpPr>
-            <a:spLocks noGrp="1"/>
-          </p:cNvSpPr>
-          <p:nvPr>
-            <p:ph type="ctrTitle"/>
-          </p:nvPr>
-        </p:nvSpPr>
-        <p:spPr>
-          <a:xfrm>
-            <a:off x="738908" y="930564"/>
-            <a:ext cx="4858328" cy="2311400"/>
-          </a:xfrm>
-        </p:spPr>
-        <p:txBody>
-          <a:bodyPr anchor="b">
-            <a:normAutofit/>
-          </a:bodyPr>
-          <a:lstStyle/>
-          <a:p>
-            <a:pPr algn="l"/>
-            <a:r>
-              <a:rPr lang="en-US" sz="4000" b="1" dirty="0">
-                <a:latin typeface="Segoe UI Light" panose="020B0502040204020203" pitchFamily="34" charset="0"/>
-                <a:cs typeface="Segoe UI Light" panose="020B0502040204020203" pitchFamily="34" charset="0"/>
-              </a:rPr>
-              <a:t>Distributed</a:t>
-            </a:r>
-            <a:br>
-              <a:rPr lang="en-US" sz="4000" b="1" dirty="0">
-                <a:latin typeface="Segoe UI Light" panose="020B0502040204020203" pitchFamily="34" charset="0"/>
-                <a:cs typeface="Segoe UI Light" panose="020B0502040204020203" pitchFamily="34" charset="0"/>
-              </a:rPr>
-            </a:br>
-            <a:r>
-              <a:rPr lang="en-US" sz="4000" b="1" dirty="0">
-                <a:solidFill>
-                  <a:srgbClr val="0041C6"/>
-                </a:solidFill>
-                <a:latin typeface="Segoe UI Semibold" panose="020B0702040204020203" pitchFamily="34" charset="0"/>
-                <a:cs typeface="Segoe UI Semibold" panose="020B0702040204020203" pitchFamily="34" charset="0"/>
-              </a:rPr>
-              <a:t>Event Bus/Queue</a:t>
-            </a:r>
-          </a:p>
-        </p:txBody>
-      </p:sp>
-      <p:sp>
-        <p:nvSpPr>
-          <p:cNvPr id="5" name="Footer Placeholder 4">
-            <a:extLst>
-              <a:ext uri="{FF2B5EF4-FFF2-40B4-BE49-F238E27FC236}">
-                <a16:creationId xmlns:a16="http://schemas.microsoft.com/office/drawing/2014/main" id="{A3553ADE-3838-4EDB-9F14-97C75DE2198D}"/>
-              </a:ext>
-            </a:extLst>
-          </p:cNvPr>
-          <p:cNvSpPr>
-            <a:spLocks noGrp="1"/>
-          </p:cNvSpPr>
-          <p:nvPr>
-            <p:ph type="ftr" sz="quarter" idx="11"/>
-          </p:nvPr>
-        </p:nvSpPr>
-        <p:spPr>
-          <a:xfrm>
-            <a:off x="0" y="6483927"/>
-            <a:ext cx="4190999" cy="374073"/>
-          </a:xfrm>
-        </p:spPr>
-        <p:txBody>
-          <a:bodyPr/>
-          <a:lstStyle/>
-          <a:p>
-            <a:pPr algn="l"/>
-            <a:r>
-              <a:rPr lang="en-US" dirty="0" err="1">
-                <a:solidFill>
-                  <a:schemeClr val="tx1"/>
-                </a:solidFill>
-                <a:latin typeface="Segoe UI" panose="020B0502040204020203" pitchFamily="34" charset="0"/>
-                <a:cs typeface="Segoe UI" panose="020B0502040204020203" pitchFamily="34" charset="0"/>
-              </a:rPr>
-              <a:t>Halil</a:t>
-            </a:r>
-            <a:r>
-              <a:rPr lang="en-US" dirty="0">
-                <a:solidFill>
-                  <a:schemeClr val="tx1"/>
-                </a:solidFill>
-                <a:latin typeface="Segoe UI" panose="020B0502040204020203" pitchFamily="34" charset="0"/>
-                <a:cs typeface="Segoe UI" panose="020B0502040204020203" pitchFamily="34" charset="0"/>
-              </a:rPr>
-              <a:t> İbrahim KALKAN | @</a:t>
-            </a:r>
-            <a:r>
-              <a:rPr lang="en-US" dirty="0" err="1">
-                <a:solidFill>
-                  <a:schemeClr val="tx1"/>
-                </a:solidFill>
-                <a:latin typeface="Segoe UI" panose="020B0502040204020203" pitchFamily="34" charset="0"/>
-                <a:cs typeface="Segoe UI" panose="020B0502040204020203" pitchFamily="34" charset="0"/>
-              </a:rPr>
-              <a:t>hikalkan</a:t>
-            </a:r>
-            <a:r>
-              <a:rPr lang="en-US" dirty="0">
-                <a:solidFill>
-                  <a:schemeClr val="tx1"/>
-                </a:solidFill>
-                <a:latin typeface="Segoe UI" panose="020B0502040204020203" pitchFamily="34" charset="0"/>
-                <a:cs typeface="Segoe UI" panose="020B0502040204020203" pitchFamily="34" charset="0"/>
-              </a:rPr>
-              <a:t> | </a:t>
-            </a:r>
-            <a:r>
-              <a:rPr lang="en-US" dirty="0" err="1">
-                <a:solidFill>
-                  <a:schemeClr val="tx1"/>
-                </a:solidFill>
-                <a:latin typeface="Segoe UI" panose="020B0502040204020203" pitchFamily="34" charset="0"/>
-                <a:cs typeface="Segoe UI" panose="020B0502040204020203" pitchFamily="34" charset="0"/>
-              </a:rPr>
-              <a:t>Volosoft</a:t>
-            </a:r>
-            <a:r>
-              <a:rPr lang="en-US" dirty="0">
-                <a:solidFill>
-                  <a:schemeClr val="tx1"/>
-                </a:solidFill>
-                <a:latin typeface="Segoe UI" panose="020B0502040204020203" pitchFamily="34" charset="0"/>
-                <a:cs typeface="Segoe UI" panose="020B0502040204020203" pitchFamily="34" charset="0"/>
-              </a:rPr>
-              <a:t> TM</a:t>
-            </a:r>
-          </a:p>
-        </p:txBody>
-      </p:sp>
-      <p:sp>
-        <p:nvSpPr>
-          <p:cNvPr id="11" name="Subtitle 2">
-            <a:extLst>
-              <a:ext uri="{FF2B5EF4-FFF2-40B4-BE49-F238E27FC236}">
-                <a16:creationId xmlns:a16="http://schemas.microsoft.com/office/drawing/2014/main" id="{A769CE0C-E9B4-4049-B22B-C35AD0DD7409}"/>
-              </a:ext>
-            </a:extLst>
-          </p:cNvPr>
-          <p:cNvSpPr txBox="1">
-            <a:spLocks/>
-          </p:cNvSpPr>
-          <p:nvPr/>
-        </p:nvSpPr>
-        <p:spPr>
-          <a:xfrm>
-            <a:off x="3582554" y="2904836"/>
-            <a:ext cx="835891" cy="775853"/>
-          </a:xfrm>
-          <a:prstGeom prst="rect">
-            <a:avLst/>
-          </a:prstGeom>
-        </p:spPr>
-        <p:txBody>
-          <a:bodyPr vert="horz" lIns="91440" tIns="45720" rIns="91440" bIns="45720" rtlCol="0" anchor="ctr">
-            <a:normAutofit/>
-          </a:bodyPr>
-          <a:lstStyle>
-            <a:lvl1pPr marL="0" indent="0" algn="ctr" defTabSz="914400" rtl="0" eaLnBrk="1" latinLnBrk="0" hangingPunct="1">
-              <a:lnSpc>
-                <a:spcPct val="90000"/>
-              </a:lnSpc>
-              <a:spcBef>
-                <a:spcPts val="1000"/>
-              </a:spcBef>
-              <a:buFont typeface="Arial" panose="020B0604020202020204" pitchFamily="34" charset="0"/>
-              <a:buNone/>
-              <a:defRPr sz="2400" kern="1200">
-                <a:solidFill>
-                  <a:schemeClr val="tx1"/>
-                </a:solidFill>
-                <a:latin typeface="+mn-lt"/>
-                <a:ea typeface="+mn-ea"/>
-                <a:cs typeface="+mn-cs"/>
-              </a:defRPr>
-            </a:lvl1pPr>
-            <a:lvl2pPr marL="457200" indent="0" algn="ctr" defTabSz="914400" rtl="0" eaLnBrk="1" latinLnBrk="0" hangingPunct="1">
-              <a:lnSpc>
-                <a:spcPct val="90000"/>
-              </a:lnSpc>
-              <a:spcBef>
-                <a:spcPts val="500"/>
-              </a:spcBef>
-              <a:buFont typeface="Arial" panose="020B0604020202020204" pitchFamily="34" charset="0"/>
-              <a:buNone/>
-              <a:defRPr sz="2000" kern="1200">
-                <a:solidFill>
-                  <a:schemeClr val="tx1"/>
-                </a:solidFill>
-                <a:latin typeface="+mn-lt"/>
-                <a:ea typeface="+mn-ea"/>
-                <a:cs typeface="+mn-cs"/>
-              </a:defRPr>
-            </a:lvl2pPr>
-            <a:lvl3pPr marL="914400" indent="0" algn="ctr" defTabSz="914400" rtl="0" eaLnBrk="1" latinLnBrk="0" hangingPunct="1">
-              <a:lnSpc>
-                <a:spcPct val="90000"/>
-              </a:lnSpc>
-              <a:spcBef>
-                <a:spcPts val="500"/>
-              </a:spcBef>
-              <a:buFont typeface="Arial" panose="020B0604020202020204" pitchFamily="34" charset="0"/>
-              <a:buNone/>
-              <a:defRPr sz="1800" kern="1200">
-                <a:solidFill>
-                  <a:schemeClr val="tx1"/>
-                </a:solidFill>
-                <a:latin typeface="+mn-lt"/>
-                <a:ea typeface="+mn-ea"/>
-                <a:cs typeface="+mn-cs"/>
-              </a:defRPr>
-            </a:lvl3pPr>
-            <a:lvl4pPr marL="1371600" indent="0" algn="ctr" defTabSz="914400" rtl="0" eaLnBrk="1" latinLnBrk="0" hangingPunct="1">
-              <a:lnSpc>
-                <a:spcPct val="90000"/>
-              </a:lnSpc>
-              <a:spcBef>
-                <a:spcPts val="500"/>
-              </a:spcBef>
-              <a:buFont typeface="Arial" panose="020B0604020202020204" pitchFamily="34" charset="0"/>
-              <a:buNone/>
-              <a:defRPr sz="1600" kern="1200">
-                <a:solidFill>
-                  <a:schemeClr val="tx1"/>
-                </a:solidFill>
-                <a:latin typeface="+mn-lt"/>
-                <a:ea typeface="+mn-ea"/>
-                <a:cs typeface="+mn-cs"/>
-              </a:defRPr>
-            </a:lvl4pPr>
-            <a:lvl5pPr marL="1828800" indent="0" algn="ctr" defTabSz="914400" rtl="0" eaLnBrk="1" latinLnBrk="0" hangingPunct="1">
-              <a:lnSpc>
-                <a:spcPct val="90000"/>
-              </a:lnSpc>
-              <a:spcBef>
-                <a:spcPts val="500"/>
-              </a:spcBef>
-              <a:buFont typeface="Arial" panose="020B0604020202020204" pitchFamily="34" charset="0"/>
-              <a:buNone/>
-              <a:defRPr sz="1600" kern="1200">
-                <a:solidFill>
-                  <a:schemeClr val="tx1"/>
-                </a:solidFill>
-                <a:latin typeface="+mn-lt"/>
-                <a:ea typeface="+mn-ea"/>
-                <a:cs typeface="+mn-cs"/>
-              </a:defRPr>
-            </a:lvl5pPr>
-            <a:lvl6pPr marL="2286000" indent="0" algn="ctr" defTabSz="914400" rtl="0" eaLnBrk="1" latinLnBrk="0" hangingPunct="1">
-              <a:lnSpc>
-                <a:spcPct val="90000"/>
-              </a:lnSpc>
-              <a:spcBef>
-                <a:spcPts val="500"/>
-              </a:spcBef>
-              <a:buFont typeface="Arial" panose="020B0604020202020204" pitchFamily="34" charset="0"/>
-              <a:buNone/>
-              <a:defRPr sz="1600" kern="1200">
-                <a:solidFill>
-                  <a:schemeClr val="tx1"/>
-                </a:solidFill>
-                <a:latin typeface="+mn-lt"/>
-                <a:ea typeface="+mn-ea"/>
-                <a:cs typeface="+mn-cs"/>
-              </a:defRPr>
-            </a:lvl6pPr>
-            <a:lvl7pPr marL="2743200" indent="0" algn="ctr" defTabSz="914400" rtl="0" eaLnBrk="1" latinLnBrk="0" hangingPunct="1">
-              <a:lnSpc>
-                <a:spcPct val="90000"/>
-              </a:lnSpc>
-              <a:spcBef>
-                <a:spcPts val="500"/>
-              </a:spcBef>
-              <a:buFont typeface="Arial" panose="020B0604020202020204" pitchFamily="34" charset="0"/>
-              <a:buNone/>
-              <a:defRPr sz="1600" kern="1200">
-                <a:solidFill>
-                  <a:schemeClr val="tx1"/>
-                </a:solidFill>
-                <a:latin typeface="+mn-lt"/>
-                <a:ea typeface="+mn-ea"/>
-                <a:cs typeface="+mn-cs"/>
-              </a:defRPr>
-            </a:lvl7pPr>
-            <a:lvl8pPr marL="3200400" indent="0" algn="ctr" defTabSz="914400" rtl="0" eaLnBrk="1" latinLnBrk="0" hangingPunct="1">
-              <a:lnSpc>
-                <a:spcPct val="90000"/>
-              </a:lnSpc>
-              <a:spcBef>
-                <a:spcPts val="500"/>
-              </a:spcBef>
-              <a:buFont typeface="Arial" panose="020B0604020202020204" pitchFamily="34" charset="0"/>
-              <a:buNone/>
-              <a:defRPr sz="1600" kern="1200">
-                <a:solidFill>
-                  <a:schemeClr val="tx1"/>
-                </a:solidFill>
-                <a:latin typeface="+mn-lt"/>
-                <a:ea typeface="+mn-ea"/>
-                <a:cs typeface="+mn-cs"/>
-              </a:defRPr>
-            </a:lvl8pPr>
-            <a:lvl9pPr marL="3657600" indent="0" algn="ctr" defTabSz="914400" rtl="0" eaLnBrk="1" latinLnBrk="0" hangingPunct="1">
-              <a:lnSpc>
-                <a:spcPct val="90000"/>
-              </a:lnSpc>
-              <a:spcBef>
-                <a:spcPts val="500"/>
-              </a:spcBef>
-              <a:buFont typeface="Arial" panose="020B0604020202020204" pitchFamily="34" charset="0"/>
-              <a:buNone/>
-              <a:defRPr sz="1600" kern="1200">
-                <a:solidFill>
-                  <a:schemeClr val="tx1"/>
-                </a:solidFill>
-                <a:latin typeface="+mn-lt"/>
-                <a:ea typeface="+mn-ea"/>
-                <a:cs typeface="+mn-cs"/>
-              </a:defRPr>
-            </a:lvl9pPr>
-          </a:lstStyle>
-          <a:p>
-            <a:r>
-              <a:rPr lang="en-US" sz="2000" b="1" dirty="0">
-                <a:solidFill>
-                  <a:schemeClr val="bg1"/>
-                </a:solidFill>
-                <a:latin typeface="Segoe UI Light" panose="020B0502040204020203" pitchFamily="34" charset="0"/>
-                <a:cs typeface="Segoe UI Light" panose="020B0502040204020203" pitchFamily="34" charset="0"/>
-              </a:rPr>
-              <a:t>VS</a:t>
-            </a:r>
-          </a:p>
-        </p:txBody>
-      </p:sp>
-      <p:sp>
-        <p:nvSpPr>
-          <p:cNvPr id="15" name="Subtitle 2">
-            <a:extLst>
-              <a:ext uri="{FF2B5EF4-FFF2-40B4-BE49-F238E27FC236}">
-                <a16:creationId xmlns:a16="http://schemas.microsoft.com/office/drawing/2014/main" id="{20939731-D3B7-4A28-B941-216A5F2FD525}"/>
-              </a:ext>
-            </a:extLst>
-          </p:cNvPr>
-          <p:cNvSpPr txBox="1">
-            <a:spLocks/>
-          </p:cNvSpPr>
-          <p:nvPr/>
-        </p:nvSpPr>
-        <p:spPr>
-          <a:xfrm>
-            <a:off x="738909" y="3173267"/>
-            <a:ext cx="4000872" cy="2311400"/>
-          </a:xfrm>
-          <a:prstGeom prst="rect">
-            <a:avLst/>
-          </a:prstGeom>
-        </p:spPr>
-        <p:txBody>
-          <a:bodyPr vert="horz" lIns="91440" tIns="45720" rIns="91440" bIns="45720" rtlCol="0" anchor="t">
-            <a:noAutofit/>
-          </a:bodyPr>
-          <a:lstStyle>
-            <a:lvl1pPr marL="0" indent="0" algn="ctr" defTabSz="914400" rtl="0" eaLnBrk="1" latinLnBrk="0" hangingPunct="1">
-              <a:lnSpc>
-                <a:spcPct val="90000"/>
-              </a:lnSpc>
-              <a:spcBef>
-                <a:spcPts val="1000"/>
-              </a:spcBef>
-              <a:buFont typeface="Arial" panose="020B0604020202020204" pitchFamily="34" charset="0"/>
-              <a:buNone/>
-              <a:defRPr sz="2400" kern="1200">
-                <a:solidFill>
-                  <a:schemeClr val="tx1"/>
-                </a:solidFill>
-                <a:latin typeface="+mn-lt"/>
-                <a:ea typeface="+mn-ea"/>
-                <a:cs typeface="+mn-cs"/>
-              </a:defRPr>
-            </a:lvl1pPr>
-            <a:lvl2pPr marL="457200" indent="0" algn="ctr" defTabSz="914400" rtl="0" eaLnBrk="1" latinLnBrk="0" hangingPunct="1">
-              <a:lnSpc>
-                <a:spcPct val="90000"/>
-              </a:lnSpc>
-              <a:spcBef>
-                <a:spcPts val="500"/>
-              </a:spcBef>
-              <a:buFont typeface="Arial" panose="020B0604020202020204" pitchFamily="34" charset="0"/>
-              <a:buNone/>
-              <a:defRPr sz="2000" kern="1200">
-                <a:solidFill>
-                  <a:schemeClr val="tx1"/>
-                </a:solidFill>
-                <a:latin typeface="+mn-lt"/>
-                <a:ea typeface="+mn-ea"/>
-                <a:cs typeface="+mn-cs"/>
-              </a:defRPr>
-            </a:lvl2pPr>
-            <a:lvl3pPr marL="914400" indent="0" algn="ctr" defTabSz="914400" rtl="0" eaLnBrk="1" latinLnBrk="0" hangingPunct="1">
-              <a:lnSpc>
-                <a:spcPct val="90000"/>
-              </a:lnSpc>
-              <a:spcBef>
-                <a:spcPts val="500"/>
-              </a:spcBef>
-              <a:buFont typeface="Arial" panose="020B0604020202020204" pitchFamily="34" charset="0"/>
-              <a:buNone/>
-              <a:defRPr sz="1800" kern="1200">
-                <a:solidFill>
-                  <a:schemeClr val="tx1"/>
-                </a:solidFill>
-                <a:latin typeface="+mn-lt"/>
-                <a:ea typeface="+mn-ea"/>
-                <a:cs typeface="+mn-cs"/>
-              </a:defRPr>
-            </a:lvl3pPr>
-            <a:lvl4pPr marL="1371600" indent="0" algn="ctr" defTabSz="914400" rtl="0" eaLnBrk="1" latinLnBrk="0" hangingPunct="1">
-              <a:lnSpc>
-                <a:spcPct val="90000"/>
-              </a:lnSpc>
-              <a:spcBef>
-                <a:spcPts val="500"/>
-              </a:spcBef>
-              <a:buFont typeface="Arial" panose="020B0604020202020204" pitchFamily="34" charset="0"/>
-              <a:buNone/>
-              <a:defRPr sz="1600" kern="1200">
-                <a:solidFill>
-                  <a:schemeClr val="tx1"/>
-                </a:solidFill>
-                <a:latin typeface="+mn-lt"/>
-                <a:ea typeface="+mn-ea"/>
-                <a:cs typeface="+mn-cs"/>
-              </a:defRPr>
-            </a:lvl4pPr>
-            <a:lvl5pPr marL="1828800" indent="0" algn="ctr" defTabSz="914400" rtl="0" eaLnBrk="1" latinLnBrk="0" hangingPunct="1">
-              <a:lnSpc>
-                <a:spcPct val="90000"/>
-              </a:lnSpc>
-              <a:spcBef>
-                <a:spcPts val="500"/>
-              </a:spcBef>
-              <a:buFont typeface="Arial" panose="020B0604020202020204" pitchFamily="34" charset="0"/>
-              <a:buNone/>
-              <a:defRPr sz="1600" kern="1200">
-                <a:solidFill>
-                  <a:schemeClr val="tx1"/>
-                </a:solidFill>
-                <a:latin typeface="+mn-lt"/>
-                <a:ea typeface="+mn-ea"/>
-                <a:cs typeface="+mn-cs"/>
-              </a:defRPr>
-            </a:lvl5pPr>
-            <a:lvl6pPr marL="2286000" indent="0" algn="ctr" defTabSz="914400" rtl="0" eaLnBrk="1" latinLnBrk="0" hangingPunct="1">
-              <a:lnSpc>
-                <a:spcPct val="90000"/>
-              </a:lnSpc>
-              <a:spcBef>
-                <a:spcPts val="500"/>
-              </a:spcBef>
-              <a:buFont typeface="Arial" panose="020B0604020202020204" pitchFamily="34" charset="0"/>
-              <a:buNone/>
-              <a:defRPr sz="1600" kern="1200">
-                <a:solidFill>
-                  <a:schemeClr val="tx1"/>
-                </a:solidFill>
-                <a:latin typeface="+mn-lt"/>
-                <a:ea typeface="+mn-ea"/>
-                <a:cs typeface="+mn-cs"/>
-              </a:defRPr>
-            </a:lvl6pPr>
-            <a:lvl7pPr marL="2743200" indent="0" algn="ctr" defTabSz="914400" rtl="0" eaLnBrk="1" latinLnBrk="0" hangingPunct="1">
-              <a:lnSpc>
-                <a:spcPct val="90000"/>
-              </a:lnSpc>
-              <a:spcBef>
-                <a:spcPts val="500"/>
-              </a:spcBef>
-              <a:buFont typeface="Arial" panose="020B0604020202020204" pitchFamily="34" charset="0"/>
-              <a:buNone/>
-              <a:defRPr sz="1600" kern="1200">
-                <a:solidFill>
-                  <a:schemeClr val="tx1"/>
-                </a:solidFill>
-                <a:latin typeface="+mn-lt"/>
-                <a:ea typeface="+mn-ea"/>
-                <a:cs typeface="+mn-cs"/>
-              </a:defRPr>
-            </a:lvl7pPr>
-            <a:lvl8pPr marL="3200400" indent="0" algn="ctr" defTabSz="914400" rtl="0" eaLnBrk="1" latinLnBrk="0" hangingPunct="1">
-              <a:lnSpc>
-                <a:spcPct val="90000"/>
-              </a:lnSpc>
-              <a:spcBef>
-                <a:spcPts val="500"/>
-              </a:spcBef>
-              <a:buFont typeface="Arial" panose="020B0604020202020204" pitchFamily="34" charset="0"/>
-              <a:buNone/>
-              <a:defRPr sz="1600" kern="1200">
-                <a:solidFill>
-                  <a:schemeClr val="tx1"/>
-                </a:solidFill>
-                <a:latin typeface="+mn-lt"/>
-                <a:ea typeface="+mn-ea"/>
-                <a:cs typeface="+mn-cs"/>
-              </a:defRPr>
-            </a:lvl8pPr>
-            <a:lvl9pPr marL="3657600" indent="0" algn="ctr" defTabSz="914400" rtl="0" eaLnBrk="1" latinLnBrk="0" hangingPunct="1">
-              <a:lnSpc>
-                <a:spcPct val="90000"/>
-              </a:lnSpc>
-              <a:spcBef>
-                <a:spcPts val="500"/>
-              </a:spcBef>
-              <a:buFont typeface="Arial" panose="020B0604020202020204" pitchFamily="34" charset="0"/>
-              <a:buNone/>
-              <a:defRPr sz="1600" kern="1200">
-                <a:solidFill>
-                  <a:schemeClr val="tx1"/>
-                </a:solidFill>
-                <a:latin typeface="+mn-lt"/>
-                <a:ea typeface="+mn-ea"/>
-                <a:cs typeface="+mn-cs"/>
-              </a:defRPr>
-            </a:lvl9pPr>
-          </a:lstStyle>
-          <a:p>
-            <a:pPr marL="285750" indent="-285750" algn="l">
-              <a:lnSpc>
-                <a:spcPct val="150000"/>
-              </a:lnSpc>
-              <a:buFont typeface="Arial" panose="020B0604020202020204" pitchFamily="34" charset="0"/>
-              <a:buChar char="•"/>
-            </a:pPr>
-            <a:r>
-              <a:rPr lang="en-US" sz="1600" dirty="0">
-                <a:latin typeface="Segoe UI Semibold" panose="020B0702040204020203" pitchFamily="34" charset="0"/>
-                <a:cs typeface="Segoe UI Semibold" panose="020B0702040204020203" pitchFamily="34" charset="0"/>
-              </a:rPr>
-              <a:t>Used to communicate between distributed applications/services.</a:t>
-            </a:r>
-          </a:p>
-          <a:p>
-            <a:pPr marL="285750" indent="-285750" algn="l">
-              <a:lnSpc>
-                <a:spcPct val="150000"/>
-              </a:lnSpc>
-              <a:buFont typeface="Arial" panose="020B0604020202020204" pitchFamily="34" charset="0"/>
-              <a:buChar char="•"/>
-            </a:pPr>
-            <a:r>
-              <a:rPr lang="en-US" sz="1600" dirty="0">
-                <a:latin typeface="Segoe UI Semibold" panose="020B0702040204020203" pitchFamily="34" charset="0"/>
-                <a:cs typeface="Segoe UI Semibold" panose="020B0702040204020203" pitchFamily="34" charset="0"/>
-              </a:rPr>
-              <a:t>Message Brokers: RabbitMQ, MSMQ…</a:t>
-            </a:r>
-          </a:p>
-          <a:p>
-            <a:pPr marL="285750" indent="-285750" algn="l">
-              <a:lnSpc>
-                <a:spcPct val="150000"/>
-              </a:lnSpc>
-              <a:buFont typeface="Arial" panose="020B0604020202020204" pitchFamily="34" charset="0"/>
-              <a:buChar char="•"/>
-            </a:pPr>
-            <a:r>
-              <a:rPr lang="en-US" sz="1600" dirty="0">
-                <a:latin typeface="Segoe UI Semibold" panose="020B0702040204020203" pitchFamily="34" charset="0"/>
-                <a:cs typeface="Segoe UI Semibold" panose="020B0702040204020203" pitchFamily="34" charset="0"/>
-              </a:rPr>
-              <a:t>Domain/Business Events.</a:t>
-            </a:r>
-          </a:p>
-          <a:p>
-            <a:pPr marL="285750" indent="-285750" algn="l">
-              <a:lnSpc>
-                <a:spcPct val="150000"/>
-              </a:lnSpc>
-              <a:buFont typeface="Arial" panose="020B0604020202020204" pitchFamily="34" charset="0"/>
-              <a:buChar char="•"/>
-            </a:pPr>
-            <a:r>
-              <a:rPr lang="en-US" sz="1600" dirty="0">
-                <a:latin typeface="Segoe UI Semibold" panose="020B0702040204020203" pitchFamily="34" charset="0"/>
-                <a:cs typeface="Segoe UI Semibold" panose="020B0702040204020203" pitchFamily="34" charset="0"/>
-              </a:rPr>
-              <a:t>FIFO, Pub/sub model.</a:t>
-            </a:r>
-          </a:p>
-        </p:txBody>
-      </p:sp>
-      <p:sp>
-        <p:nvSpPr>
-          <p:cNvPr id="10" name="Rectangle 9">
-            <a:extLst>
-              <a:ext uri="{FF2B5EF4-FFF2-40B4-BE49-F238E27FC236}">
-                <a16:creationId xmlns:a16="http://schemas.microsoft.com/office/drawing/2014/main" id="{32A73EA3-A803-499B-9B6C-484E257A6283}"/>
-              </a:ext>
-            </a:extLst>
-          </p:cNvPr>
-          <p:cNvSpPr/>
-          <p:nvPr/>
-        </p:nvSpPr>
-        <p:spPr>
-          <a:xfrm>
-            <a:off x="5597237" y="1877614"/>
-            <a:ext cx="1399181" cy="362247"/>
-          </a:xfrm>
-          <a:prstGeom prst="rect">
-            <a:avLst/>
-          </a:prstGeom>
-        </p:spPr>
-        <p:style>
-          <a:lnRef idx="2">
-            <a:schemeClr val="accent1">
-              <a:shade val="50000"/>
-            </a:schemeClr>
-          </a:lnRef>
-          <a:fillRef idx="1">
-            <a:schemeClr val="accent1"/>
-          </a:fillRef>
-          <a:effectRef idx="0">
-            <a:schemeClr val="accent1"/>
-          </a:effectRef>
-          <a:fontRef idx="minor">
-            <a:schemeClr val="lt1"/>
-          </a:fontRef>
-        </p:style>
-        <p:txBody>
-          <a:bodyPr rtlCol="0" anchor="ctr"/>
-          <a:lstStyle/>
-          <a:p>
-            <a:pPr algn="ctr"/>
-            <a:r>
-              <a:rPr lang="en-US" sz="2000" dirty="0"/>
-              <a:t>Module 1</a:t>
-            </a:r>
-          </a:p>
-        </p:txBody>
-      </p:sp>
-      <p:sp>
-        <p:nvSpPr>
-          <p:cNvPr id="14" name="Rectangle 13">
-            <a:extLst>
-              <a:ext uri="{FF2B5EF4-FFF2-40B4-BE49-F238E27FC236}">
-                <a16:creationId xmlns:a16="http://schemas.microsoft.com/office/drawing/2014/main" id="{07FA6F53-785A-4837-B093-5E8EA0CE76FE}"/>
-              </a:ext>
-            </a:extLst>
-          </p:cNvPr>
-          <p:cNvSpPr/>
-          <p:nvPr/>
-        </p:nvSpPr>
-        <p:spPr>
-          <a:xfrm>
-            <a:off x="10093228" y="2452642"/>
-            <a:ext cx="1399181" cy="362247"/>
-          </a:xfrm>
-          <a:prstGeom prst="rect">
-            <a:avLst/>
-          </a:prstGeom>
-        </p:spPr>
-        <p:style>
-          <a:lnRef idx="2">
-            <a:schemeClr val="accent1">
-              <a:shade val="50000"/>
-            </a:schemeClr>
-          </a:lnRef>
-          <a:fillRef idx="1">
-            <a:schemeClr val="accent1"/>
-          </a:fillRef>
-          <a:effectRef idx="0">
-            <a:schemeClr val="accent1"/>
-          </a:effectRef>
-          <a:fontRef idx="minor">
-            <a:schemeClr val="lt1"/>
-          </a:fontRef>
-        </p:style>
-        <p:txBody>
-          <a:bodyPr rtlCol="0" anchor="ctr"/>
-          <a:lstStyle/>
-          <a:p>
-            <a:pPr algn="ctr"/>
-            <a:r>
-              <a:rPr lang="en-US" sz="2000" dirty="0"/>
-              <a:t>Module 2</a:t>
-            </a:r>
-          </a:p>
-        </p:txBody>
-      </p:sp>
-      <p:sp>
-        <p:nvSpPr>
-          <p:cNvPr id="16" name="Rectangle 15">
-            <a:extLst>
-              <a:ext uri="{FF2B5EF4-FFF2-40B4-BE49-F238E27FC236}">
-                <a16:creationId xmlns:a16="http://schemas.microsoft.com/office/drawing/2014/main" id="{E6D5E500-04CC-4A7D-8F44-D6866EE6BEF4}"/>
-              </a:ext>
-            </a:extLst>
-          </p:cNvPr>
-          <p:cNvSpPr/>
-          <p:nvPr/>
-        </p:nvSpPr>
-        <p:spPr>
-          <a:xfrm>
-            <a:off x="10108932" y="3076022"/>
-            <a:ext cx="1399181" cy="362247"/>
-          </a:xfrm>
-          <a:prstGeom prst="rect">
-            <a:avLst/>
-          </a:prstGeom>
-        </p:spPr>
-        <p:style>
-          <a:lnRef idx="2">
-            <a:schemeClr val="accent1">
-              <a:shade val="50000"/>
-            </a:schemeClr>
-          </a:lnRef>
-          <a:fillRef idx="1">
-            <a:schemeClr val="accent1"/>
-          </a:fillRef>
-          <a:effectRef idx="0">
-            <a:schemeClr val="accent1"/>
-          </a:effectRef>
-          <a:fontRef idx="minor">
-            <a:schemeClr val="lt1"/>
-          </a:fontRef>
-        </p:style>
-        <p:txBody>
-          <a:bodyPr rtlCol="0" anchor="ctr"/>
-          <a:lstStyle/>
-          <a:p>
-            <a:pPr algn="ctr"/>
-            <a:r>
-              <a:rPr lang="en-US" sz="2000" dirty="0"/>
-              <a:t>Module 3</a:t>
-            </a:r>
-          </a:p>
-        </p:txBody>
-      </p:sp>
-      <p:sp>
-        <p:nvSpPr>
-          <p:cNvPr id="4" name="Rectangle 3">
-            <a:extLst>
-              <a:ext uri="{FF2B5EF4-FFF2-40B4-BE49-F238E27FC236}">
-                <a16:creationId xmlns:a16="http://schemas.microsoft.com/office/drawing/2014/main" id="{E0DCA5A9-4E0A-421B-9ED4-8602D726EA3B}"/>
-              </a:ext>
-            </a:extLst>
-          </p:cNvPr>
-          <p:cNvSpPr/>
-          <p:nvPr/>
-        </p:nvSpPr>
-        <p:spPr>
-          <a:xfrm>
-            <a:off x="6614341" y="2743201"/>
-            <a:ext cx="2718557" cy="862636"/>
-          </a:xfrm>
-          <a:prstGeom prst="rect">
-            <a:avLst/>
-          </a:prstGeom>
-        </p:spPr>
-        <p:style>
-          <a:lnRef idx="2">
-            <a:schemeClr val="accent6">
-              <a:shade val="50000"/>
-            </a:schemeClr>
-          </a:lnRef>
-          <a:fillRef idx="1">
-            <a:schemeClr val="accent6"/>
-          </a:fillRef>
-          <a:effectRef idx="0">
-            <a:schemeClr val="accent6"/>
-          </a:effectRef>
-          <a:fontRef idx="minor">
-            <a:schemeClr val="lt1"/>
-          </a:fontRef>
-        </p:style>
-        <p:txBody>
-          <a:bodyPr rtlCol="0" anchor="t"/>
-          <a:lstStyle/>
-          <a:p>
-            <a:pPr algn="ctr"/>
-            <a:r>
-              <a:rPr lang="en-US" sz="2400" dirty="0"/>
-              <a:t>Message Broker</a:t>
-            </a:r>
-          </a:p>
-        </p:txBody>
-      </p:sp>
-      <p:pic>
-        <p:nvPicPr>
-          <p:cNvPr id="13" name="Picture 12">
-            <a:extLst>
-              <a:ext uri="{FF2B5EF4-FFF2-40B4-BE49-F238E27FC236}">
-                <a16:creationId xmlns:a16="http://schemas.microsoft.com/office/drawing/2014/main" id="{F5EC5D27-218B-422F-B6E7-BE74E4F8F54A}"/>
-              </a:ext>
-            </a:extLst>
-          </p:cNvPr>
-          <p:cNvPicPr>
-            <a:picLocks noChangeAspect="1"/>
-          </p:cNvPicPr>
-          <p:nvPr/>
-        </p:nvPicPr>
-        <p:blipFill>
-          <a:blip r:embed="rId3">
-            <a:extLst>
-              <a:ext uri="{28A0092B-C50C-407E-A947-70E740481C1C}">
-                <a14:useLocalDpi xmlns:a14="http://schemas.microsoft.com/office/drawing/2010/main" val="0"/>
-              </a:ext>
-            </a:extLst>
-          </a:blip>
-          <a:stretch>
-            <a:fillRect/>
-          </a:stretch>
-        </p:blipFill>
-        <p:spPr>
-          <a:xfrm>
-            <a:off x="6720492" y="3257146"/>
-            <a:ext cx="313935" cy="313935"/>
-          </a:xfrm>
-          <a:prstGeom prst="rect">
-            <a:avLst/>
-          </a:prstGeom>
-        </p:spPr>
-      </p:pic>
-      <p:pic>
-        <p:nvPicPr>
-          <p:cNvPr id="21" name="Picture 20">
-            <a:extLst>
-              <a:ext uri="{FF2B5EF4-FFF2-40B4-BE49-F238E27FC236}">
-                <a16:creationId xmlns:a16="http://schemas.microsoft.com/office/drawing/2014/main" id="{51306EA6-ED4B-4B14-B92C-F448410EE075}"/>
-              </a:ext>
-            </a:extLst>
-          </p:cNvPr>
-          <p:cNvPicPr>
-            <a:picLocks noChangeAspect="1"/>
-          </p:cNvPicPr>
-          <p:nvPr/>
-        </p:nvPicPr>
-        <p:blipFill>
-          <a:blip r:embed="rId3">
-            <a:extLst>
-              <a:ext uri="{28A0092B-C50C-407E-A947-70E740481C1C}">
-                <a14:useLocalDpi xmlns:a14="http://schemas.microsoft.com/office/drawing/2010/main" val="0"/>
-              </a:ext>
-            </a:extLst>
-          </a:blip>
-          <a:stretch>
-            <a:fillRect/>
-          </a:stretch>
-        </p:blipFill>
-        <p:spPr>
-          <a:xfrm>
-            <a:off x="7094715" y="3257146"/>
-            <a:ext cx="313935" cy="313935"/>
-          </a:xfrm>
-          <a:prstGeom prst="rect">
-            <a:avLst/>
-          </a:prstGeom>
-        </p:spPr>
-      </p:pic>
-      <p:pic>
-        <p:nvPicPr>
-          <p:cNvPr id="22" name="Picture 21">
-            <a:extLst>
-              <a:ext uri="{FF2B5EF4-FFF2-40B4-BE49-F238E27FC236}">
-                <a16:creationId xmlns:a16="http://schemas.microsoft.com/office/drawing/2014/main" id="{680A2BF0-B1E4-4E6C-8A1E-1DEBD3945048}"/>
-              </a:ext>
-            </a:extLst>
-          </p:cNvPr>
-          <p:cNvPicPr>
-            <a:picLocks noChangeAspect="1"/>
-          </p:cNvPicPr>
-          <p:nvPr/>
-        </p:nvPicPr>
-        <p:blipFill>
-          <a:blip r:embed="rId3">
-            <a:extLst>
-              <a:ext uri="{28A0092B-C50C-407E-A947-70E740481C1C}">
-                <a14:useLocalDpi xmlns:a14="http://schemas.microsoft.com/office/drawing/2010/main" val="0"/>
-              </a:ext>
-            </a:extLst>
-          </a:blip>
-          <a:stretch>
-            <a:fillRect/>
-          </a:stretch>
-        </p:blipFill>
-        <p:spPr>
-          <a:xfrm>
-            <a:off x="7464727" y="3261832"/>
-            <a:ext cx="313935" cy="313935"/>
-          </a:xfrm>
-          <a:prstGeom prst="rect">
-            <a:avLst/>
-          </a:prstGeom>
-        </p:spPr>
-      </p:pic>
-      <p:pic>
-        <p:nvPicPr>
-          <p:cNvPr id="23" name="Picture 22">
-            <a:extLst>
-              <a:ext uri="{FF2B5EF4-FFF2-40B4-BE49-F238E27FC236}">
-                <a16:creationId xmlns:a16="http://schemas.microsoft.com/office/drawing/2014/main" id="{D779F1CB-1B60-45AD-A04A-FB38FCA36A5B}"/>
-              </a:ext>
-            </a:extLst>
-          </p:cNvPr>
-          <p:cNvPicPr>
-            <a:picLocks noChangeAspect="1"/>
-          </p:cNvPicPr>
-          <p:nvPr/>
-        </p:nvPicPr>
-        <p:blipFill>
-          <a:blip r:embed="rId3">
-            <a:extLst>
-              <a:ext uri="{28A0092B-C50C-407E-A947-70E740481C1C}">
-                <a14:useLocalDpi xmlns:a14="http://schemas.microsoft.com/office/drawing/2010/main" val="0"/>
-              </a:ext>
-            </a:extLst>
-          </a:blip>
-          <a:stretch>
-            <a:fillRect/>
-          </a:stretch>
-        </p:blipFill>
-        <p:spPr>
-          <a:xfrm>
-            <a:off x="7838950" y="3261832"/>
-            <a:ext cx="313935" cy="313935"/>
-          </a:xfrm>
-          <a:prstGeom prst="rect">
-            <a:avLst/>
-          </a:prstGeom>
-        </p:spPr>
-      </p:pic>
-      <p:pic>
-        <p:nvPicPr>
-          <p:cNvPr id="24" name="Picture 23">
-            <a:extLst>
-              <a:ext uri="{FF2B5EF4-FFF2-40B4-BE49-F238E27FC236}">
-                <a16:creationId xmlns:a16="http://schemas.microsoft.com/office/drawing/2014/main" id="{332DF2E0-FD49-4D81-B796-A264CC71AAAD}"/>
-              </a:ext>
-            </a:extLst>
-          </p:cNvPr>
-          <p:cNvPicPr>
-            <a:picLocks noChangeAspect="1"/>
-          </p:cNvPicPr>
-          <p:nvPr/>
-        </p:nvPicPr>
-        <p:blipFill>
-          <a:blip r:embed="rId3">
-            <a:extLst>
-              <a:ext uri="{28A0092B-C50C-407E-A947-70E740481C1C}">
-                <a14:useLocalDpi xmlns:a14="http://schemas.microsoft.com/office/drawing/2010/main" val="0"/>
-              </a:ext>
-            </a:extLst>
-          </a:blip>
-          <a:stretch>
-            <a:fillRect/>
-          </a:stretch>
-        </p:blipFill>
-        <p:spPr>
-          <a:xfrm>
-            <a:off x="8204669" y="3263438"/>
-            <a:ext cx="313935" cy="313935"/>
-          </a:xfrm>
-          <a:prstGeom prst="rect">
-            <a:avLst/>
-          </a:prstGeom>
-        </p:spPr>
-      </p:pic>
-      <p:pic>
-        <p:nvPicPr>
-          <p:cNvPr id="25" name="Picture 24">
-            <a:extLst>
-              <a:ext uri="{FF2B5EF4-FFF2-40B4-BE49-F238E27FC236}">
-                <a16:creationId xmlns:a16="http://schemas.microsoft.com/office/drawing/2014/main" id="{93F19D35-9CB2-4595-A1C2-EA9BD01E4521}"/>
-              </a:ext>
-            </a:extLst>
-          </p:cNvPr>
-          <p:cNvPicPr>
-            <a:picLocks noChangeAspect="1"/>
-          </p:cNvPicPr>
-          <p:nvPr/>
-        </p:nvPicPr>
-        <p:blipFill>
-          <a:blip r:embed="rId3">
-            <a:extLst>
-              <a:ext uri="{28A0092B-C50C-407E-A947-70E740481C1C}">
-                <a14:useLocalDpi xmlns:a14="http://schemas.microsoft.com/office/drawing/2010/main" val="0"/>
-              </a:ext>
-            </a:extLst>
-          </a:blip>
-          <a:stretch>
-            <a:fillRect/>
-          </a:stretch>
-        </p:blipFill>
-        <p:spPr>
-          <a:xfrm>
-            <a:off x="8574681" y="3268124"/>
-            <a:ext cx="313935" cy="313935"/>
-          </a:xfrm>
-          <a:prstGeom prst="rect">
-            <a:avLst/>
-          </a:prstGeom>
-        </p:spPr>
-      </p:pic>
-      <p:pic>
-        <p:nvPicPr>
-          <p:cNvPr id="26" name="Picture 25">
-            <a:extLst>
-              <a:ext uri="{FF2B5EF4-FFF2-40B4-BE49-F238E27FC236}">
-                <a16:creationId xmlns:a16="http://schemas.microsoft.com/office/drawing/2014/main" id="{FBE60FC4-3DCD-45A6-9B8F-3815AD88953A}"/>
-              </a:ext>
-            </a:extLst>
-          </p:cNvPr>
-          <p:cNvPicPr>
-            <a:picLocks noChangeAspect="1"/>
-          </p:cNvPicPr>
-          <p:nvPr/>
-        </p:nvPicPr>
-        <p:blipFill>
-          <a:blip r:embed="rId3">
-            <a:extLst>
-              <a:ext uri="{28A0092B-C50C-407E-A947-70E740481C1C}">
-                <a14:useLocalDpi xmlns:a14="http://schemas.microsoft.com/office/drawing/2010/main" val="0"/>
-              </a:ext>
-            </a:extLst>
-          </a:blip>
-          <a:stretch>
-            <a:fillRect/>
-          </a:stretch>
-        </p:blipFill>
-        <p:spPr>
-          <a:xfrm>
-            <a:off x="8948904" y="3268124"/>
-            <a:ext cx="313935" cy="313935"/>
-          </a:xfrm>
-          <a:prstGeom prst="rect">
-            <a:avLst/>
-          </a:prstGeom>
-        </p:spPr>
-      </p:pic>
-      <p:sp>
-        <p:nvSpPr>
-          <p:cNvPr id="27" name="Rectangle 26">
-            <a:extLst>
-              <a:ext uri="{FF2B5EF4-FFF2-40B4-BE49-F238E27FC236}">
-                <a16:creationId xmlns:a16="http://schemas.microsoft.com/office/drawing/2014/main" id="{6F12456D-1472-4520-AF9A-1599C80D2E4E}"/>
-              </a:ext>
-            </a:extLst>
-          </p:cNvPr>
-          <p:cNvSpPr/>
-          <p:nvPr/>
-        </p:nvSpPr>
-        <p:spPr>
-          <a:xfrm>
-            <a:off x="10093228" y="3699402"/>
-            <a:ext cx="1399181" cy="362247"/>
-          </a:xfrm>
-          <a:prstGeom prst="rect">
-            <a:avLst/>
-          </a:prstGeom>
-        </p:spPr>
-        <p:style>
-          <a:lnRef idx="2">
-            <a:schemeClr val="accent1">
-              <a:shade val="50000"/>
-            </a:schemeClr>
-          </a:lnRef>
-          <a:fillRef idx="1">
-            <a:schemeClr val="accent1"/>
-          </a:fillRef>
-          <a:effectRef idx="0">
-            <a:schemeClr val="accent1"/>
-          </a:effectRef>
-          <a:fontRef idx="minor">
-            <a:schemeClr val="lt1"/>
-          </a:fontRef>
-        </p:style>
-        <p:txBody>
-          <a:bodyPr rtlCol="0" anchor="ctr"/>
-          <a:lstStyle/>
-          <a:p>
-            <a:pPr algn="ctr"/>
-            <a:r>
-              <a:rPr lang="en-US" sz="2000" dirty="0"/>
-              <a:t>Module 4</a:t>
-            </a:r>
-          </a:p>
-        </p:txBody>
-      </p:sp>
-      <p:cxnSp>
-        <p:nvCxnSpPr>
-          <p:cNvPr id="29" name="Connector: Elbow 28">
-            <a:extLst>
-              <a:ext uri="{FF2B5EF4-FFF2-40B4-BE49-F238E27FC236}">
-                <a16:creationId xmlns:a16="http://schemas.microsoft.com/office/drawing/2014/main" id="{AAFE081A-BC43-4420-AD01-E271E149D014}"/>
-              </a:ext>
-            </a:extLst>
-          </p:cNvPr>
-          <p:cNvCxnSpPr>
-            <a:cxnSpLocks/>
-            <a:stCxn id="10" idx="2"/>
-            <a:endCxn id="4" idx="1"/>
-          </p:cNvCxnSpPr>
-          <p:nvPr/>
-        </p:nvCxnSpPr>
-        <p:spPr>
-          <a:xfrm rot="16200000" flipH="1">
-            <a:off x="5988255" y="2548433"/>
-            <a:ext cx="934658" cy="317513"/>
-          </a:xfrm>
-          <a:prstGeom prst="bentConnector2">
-            <a:avLst/>
-          </a:prstGeom>
-          <a:ln w="50800">
-            <a:tailEnd type="triangle"/>
-          </a:ln>
-        </p:spPr>
-        <p:style>
-          <a:lnRef idx="1">
-            <a:schemeClr val="accent1"/>
-          </a:lnRef>
-          <a:fillRef idx="0">
-            <a:schemeClr val="accent1"/>
-          </a:fillRef>
-          <a:effectRef idx="0">
-            <a:schemeClr val="accent1"/>
-          </a:effectRef>
-          <a:fontRef idx="minor">
-            <a:schemeClr val="tx1"/>
-          </a:fontRef>
-        </p:style>
-      </p:cxnSp>
-      <p:cxnSp>
-        <p:nvCxnSpPr>
-          <p:cNvPr id="31" name="Straight Arrow Connector 30">
-            <a:extLst>
-              <a:ext uri="{FF2B5EF4-FFF2-40B4-BE49-F238E27FC236}">
-                <a16:creationId xmlns:a16="http://schemas.microsoft.com/office/drawing/2014/main" id="{FADFCC81-3A2C-4115-BD74-9AD4BA4AC8F3}"/>
-              </a:ext>
-            </a:extLst>
-          </p:cNvPr>
-          <p:cNvCxnSpPr>
-            <a:cxnSpLocks/>
-            <a:stCxn id="4" idx="3"/>
-            <a:endCxn id="14" idx="1"/>
-          </p:cNvCxnSpPr>
-          <p:nvPr/>
-        </p:nvCxnSpPr>
-        <p:spPr>
-          <a:xfrm flipV="1">
-            <a:off x="9332898" y="2633766"/>
-            <a:ext cx="760330" cy="540753"/>
-          </a:xfrm>
-          <a:prstGeom prst="straightConnector1">
-            <a:avLst/>
-          </a:prstGeom>
-          <a:ln w="25400">
-            <a:tailEnd type="triangle"/>
-          </a:ln>
-        </p:spPr>
-        <p:style>
-          <a:lnRef idx="1">
-            <a:schemeClr val="accent1"/>
-          </a:lnRef>
-          <a:fillRef idx="0">
-            <a:schemeClr val="accent1"/>
-          </a:fillRef>
-          <a:effectRef idx="0">
-            <a:schemeClr val="accent1"/>
-          </a:effectRef>
-          <a:fontRef idx="minor">
-            <a:schemeClr val="tx1"/>
-          </a:fontRef>
-        </p:style>
-      </p:cxnSp>
-      <p:cxnSp>
-        <p:nvCxnSpPr>
-          <p:cNvPr id="32" name="Straight Arrow Connector 31">
-            <a:extLst>
-              <a:ext uri="{FF2B5EF4-FFF2-40B4-BE49-F238E27FC236}">
-                <a16:creationId xmlns:a16="http://schemas.microsoft.com/office/drawing/2014/main" id="{A0451F14-3D9D-4A65-934C-58777EA11190}"/>
-              </a:ext>
-            </a:extLst>
-          </p:cNvPr>
-          <p:cNvCxnSpPr>
-            <a:cxnSpLocks/>
-            <a:stCxn id="4" idx="3"/>
-            <a:endCxn id="16" idx="1"/>
-          </p:cNvCxnSpPr>
-          <p:nvPr/>
-        </p:nvCxnSpPr>
-        <p:spPr>
-          <a:xfrm>
-            <a:off x="9332898" y="3174519"/>
-            <a:ext cx="776034" cy="82627"/>
-          </a:xfrm>
-          <a:prstGeom prst="straightConnector1">
-            <a:avLst/>
-          </a:prstGeom>
-          <a:ln w="25400">
-            <a:tailEnd type="triangle"/>
-          </a:ln>
-        </p:spPr>
-        <p:style>
-          <a:lnRef idx="1">
-            <a:schemeClr val="accent1"/>
-          </a:lnRef>
-          <a:fillRef idx="0">
-            <a:schemeClr val="accent1"/>
-          </a:fillRef>
-          <a:effectRef idx="0">
-            <a:schemeClr val="accent1"/>
-          </a:effectRef>
-          <a:fontRef idx="minor">
-            <a:schemeClr val="tx1"/>
-          </a:fontRef>
-        </p:style>
-      </p:cxnSp>
-      <p:cxnSp>
-        <p:nvCxnSpPr>
-          <p:cNvPr id="35" name="Straight Arrow Connector 34">
-            <a:extLst>
-              <a:ext uri="{FF2B5EF4-FFF2-40B4-BE49-F238E27FC236}">
-                <a16:creationId xmlns:a16="http://schemas.microsoft.com/office/drawing/2014/main" id="{2740CBCD-099A-4A48-8E2E-CC85C1949861}"/>
-              </a:ext>
-            </a:extLst>
-          </p:cNvPr>
-          <p:cNvCxnSpPr>
-            <a:cxnSpLocks/>
-            <a:stCxn id="4" idx="3"/>
-            <a:endCxn id="27" idx="1"/>
-          </p:cNvCxnSpPr>
-          <p:nvPr/>
-        </p:nvCxnSpPr>
-        <p:spPr>
-          <a:xfrm>
-            <a:off x="9332898" y="3174519"/>
-            <a:ext cx="760330" cy="706007"/>
-          </a:xfrm>
-          <a:prstGeom prst="straightConnector1">
-            <a:avLst/>
-          </a:prstGeom>
-          <a:ln w="25400">
-            <a:tailEnd type="triangle"/>
-          </a:ln>
-        </p:spPr>
-        <p:style>
-          <a:lnRef idx="1">
-            <a:schemeClr val="accent1"/>
-          </a:lnRef>
-          <a:fillRef idx="0">
-            <a:schemeClr val="accent1"/>
-          </a:fillRef>
-          <a:effectRef idx="0">
-            <a:schemeClr val="accent1"/>
-          </a:effectRef>
-          <a:fontRef idx="minor">
-            <a:schemeClr val="tx1"/>
-          </a:fontRef>
-        </p:style>
-      </p:cxnSp>
-    </p:spTree>
-    <p:extLst>
-      <p:ext uri="{BB962C8B-B14F-4D97-AF65-F5344CB8AC3E}">
-        <p14:creationId xmlns:p14="http://schemas.microsoft.com/office/powerpoint/2010/main" val="4131697077"/>
-      </p:ext>
-    </p:extLst>
-  </p:cSld>
-  <p:clrMapOvr>
-    <a:masterClrMapping/>
-  </p:clrMapOvr>
-  <mc:AlternateContent xmlns:mc="http://schemas.openxmlformats.org/markup-compatibility/2006" xmlns:p14="http://schemas.microsoft.com/office/powerpoint/2010/main">
-    <mc:Choice Requires="p14">
-      <p:transition p14:dur="100">
-        <p:cut/>
-      </p:transition>
-    </mc:Choice>
-    <mc:Fallback xmlns="">
-      <p:transition>
-        <p:cut/>
-      </p:transition>
-    </mc:Fallback>
-  </mc:AlternateContent>
-</p:sld>
-</file>
-
-<file path=ppt/slides/slide52.xml><?xml version="1.0" encoding="utf-8"?>
-<p:sld xmlns:a="http://schemas.openxmlformats.org/drawingml/2006/main" xmlns:r="http://schemas.openxmlformats.org/officeDocument/2006/relationships" xmlns:p="http://schemas.openxmlformats.org/presentationml/2006/main">
-  <p:cSld>
-    <p:spTree>
-      <p:nvGrpSpPr>
-        <p:cNvPr id="1" name=""/>
-        <p:cNvGrpSpPr/>
-        <p:nvPr/>
-      </p:nvGrpSpPr>
-      <p:grpSpPr>
-        <a:xfrm>
-          <a:off x="0" y="0"/>
-          <a:ext cx="0" cy="0"/>
-          <a:chOff x="0" y="0"/>
-          <a:chExt cx="0" cy="0"/>
-        </a:xfrm>
-      </p:grpSpPr>
-      <p:pic>
-        <p:nvPicPr>
-          <p:cNvPr id="16" name="Picture 15">
-            <a:extLst>
-              <a:ext uri="{FF2B5EF4-FFF2-40B4-BE49-F238E27FC236}">
-                <a16:creationId xmlns:a16="http://schemas.microsoft.com/office/drawing/2014/main" id="{3A3B81CC-8502-465B-B5A9-B5260562664A}"/>
-              </a:ext>
-            </a:extLst>
-          </p:cNvPr>
-          <p:cNvPicPr>
-            <a:picLocks noChangeAspect="1"/>
-          </p:cNvPicPr>
-          <p:nvPr/>
-        </p:nvPicPr>
-        <p:blipFill>
-          <a:blip r:embed="rId2">
-            <a:extLst>
-              <a:ext uri="{28A0092B-C50C-407E-A947-70E740481C1C}">
-                <a14:useLocalDpi xmlns:a14="http://schemas.microsoft.com/office/drawing/2010/main" val="0"/>
-              </a:ext>
-            </a:extLst>
-          </a:blip>
-          <a:stretch>
-            <a:fillRect/>
-          </a:stretch>
-        </p:blipFill>
-        <p:spPr>
-          <a:xfrm>
-            <a:off x="0" y="0"/>
-            <a:ext cx="12192000" cy="6858000"/>
-          </a:xfrm>
-          <a:prstGeom prst="rect">
-            <a:avLst/>
-          </a:prstGeom>
-        </p:spPr>
-      </p:pic>
-      <p:pic>
-        <p:nvPicPr>
-          <p:cNvPr id="18" name="Picture 17">
-            <a:extLst>
-              <a:ext uri="{FF2B5EF4-FFF2-40B4-BE49-F238E27FC236}">
-                <a16:creationId xmlns:a16="http://schemas.microsoft.com/office/drawing/2014/main" id="{89ACED8B-B185-4731-BF55-748A06FE61CE}"/>
-              </a:ext>
-            </a:extLst>
-          </p:cNvPr>
-          <p:cNvPicPr>
-            <a:picLocks noChangeAspect="1"/>
-          </p:cNvPicPr>
-          <p:nvPr/>
-        </p:nvPicPr>
-        <p:blipFill>
-          <a:blip r:embed="rId3">
-            <a:extLst>
-              <a:ext uri="{28A0092B-C50C-407E-A947-70E740481C1C}">
-                <a14:useLocalDpi xmlns:a14="http://schemas.microsoft.com/office/drawing/2010/main" val="0"/>
-              </a:ext>
-            </a:extLst>
-          </a:blip>
-          <a:stretch>
-            <a:fillRect/>
-          </a:stretch>
-        </p:blipFill>
-        <p:spPr>
-          <a:xfrm>
-            <a:off x="7155407" y="1117456"/>
-            <a:ext cx="2971800" cy="2971800"/>
-          </a:xfrm>
-          <a:prstGeom prst="rect">
-            <a:avLst/>
-          </a:prstGeom>
-        </p:spPr>
-      </p:pic>
-      <p:sp>
-        <p:nvSpPr>
-          <p:cNvPr id="3" name="Subtitle 2">
-            <a:extLst>
-              <a:ext uri="{FF2B5EF4-FFF2-40B4-BE49-F238E27FC236}">
-                <a16:creationId xmlns:a16="http://schemas.microsoft.com/office/drawing/2014/main" id="{A5EF6AF5-284D-4238-A879-57E6D7F4C605}"/>
-              </a:ext>
-            </a:extLst>
-          </p:cNvPr>
-          <p:cNvSpPr>
-            <a:spLocks noGrp="1"/>
-          </p:cNvSpPr>
-          <p:nvPr>
-            <p:ph type="subTitle" idx="1"/>
-          </p:nvPr>
-        </p:nvSpPr>
-        <p:spPr>
-          <a:xfrm>
-            <a:off x="464594" y="2479482"/>
-            <a:ext cx="6281300" cy="2084652"/>
-          </a:xfrm>
-        </p:spPr>
-        <p:txBody>
-          <a:bodyPr>
-            <a:noAutofit/>
-          </a:bodyPr>
-          <a:lstStyle/>
-          <a:p>
-            <a:pPr marL="342900" indent="-342900" algn="l">
-              <a:buFont typeface="Arial" panose="020B0604020202020204" pitchFamily="34" charset="0"/>
-              <a:buChar char="•"/>
-            </a:pPr>
-            <a:r>
-              <a:rPr lang="en-US" sz="3200" b="1" dirty="0">
-                <a:latin typeface="Segoe UI Black" panose="020B0A02040204020203" pitchFamily="34" charset="0"/>
-                <a:ea typeface="Segoe UI Black" panose="020B0A02040204020203" pitchFamily="34" charset="0"/>
-                <a:cs typeface="Segoe UI Semibold" panose="020B0702040204020203" pitchFamily="34" charset="0"/>
-              </a:rPr>
-              <a:t>Web</a:t>
-            </a:r>
-            <a:r>
-              <a:rPr lang="en-US" sz="3200" b="1" dirty="0">
-                <a:latin typeface="Segoe UI Semibold" panose="020B0702040204020203" pitchFamily="34" charset="0"/>
-                <a:cs typeface="Segoe UI Semibold" panose="020B0702040204020203" pitchFamily="34" charset="0"/>
-              </a:rPr>
-              <a:t>: halilibrahimkalkan.com</a:t>
-            </a:r>
-          </a:p>
-          <a:p>
-            <a:pPr marL="342900" indent="-342900" algn="l">
-              <a:buFont typeface="Arial" panose="020B0604020202020204" pitchFamily="34" charset="0"/>
-              <a:buChar char="•"/>
-            </a:pPr>
-            <a:r>
-              <a:rPr lang="en-US" sz="3200" b="1" dirty="0" err="1">
-                <a:latin typeface="Segoe UI Black" panose="020B0A02040204020203" pitchFamily="34" charset="0"/>
-                <a:ea typeface="Segoe UI Black" panose="020B0A02040204020203" pitchFamily="34" charset="0"/>
-                <a:cs typeface="Segoe UI Semibold" panose="020B0702040204020203" pitchFamily="34" charset="0"/>
-              </a:rPr>
-              <a:t>Github</a:t>
-            </a:r>
-            <a:r>
-              <a:rPr lang="en-US" sz="3200" b="1" dirty="0">
-                <a:latin typeface="Segoe UI Semibold" panose="020B0702040204020203" pitchFamily="34" charset="0"/>
-                <a:cs typeface="Segoe UI Semibold" panose="020B0702040204020203" pitchFamily="34" charset="0"/>
-              </a:rPr>
-              <a:t>: @hikalkan</a:t>
-            </a:r>
-          </a:p>
-          <a:p>
-            <a:pPr marL="342900" indent="-342900" algn="l">
-              <a:buFont typeface="Arial" panose="020B0604020202020204" pitchFamily="34" charset="0"/>
-              <a:buChar char="•"/>
-            </a:pPr>
-            <a:r>
-              <a:rPr lang="en-US" sz="3200" b="1" dirty="0">
-                <a:latin typeface="Segoe UI Black" panose="020B0A02040204020203" pitchFamily="34" charset="0"/>
-                <a:ea typeface="Segoe UI Black" panose="020B0A02040204020203" pitchFamily="34" charset="0"/>
-                <a:cs typeface="Segoe UI Semibold" panose="020B0702040204020203" pitchFamily="34" charset="0"/>
-              </a:rPr>
-              <a:t>Twitter</a:t>
-            </a:r>
-            <a:r>
-              <a:rPr lang="en-US" sz="3200" b="1" dirty="0">
-                <a:latin typeface="Segoe UI Semibold" panose="020B0702040204020203" pitchFamily="34" charset="0"/>
-                <a:cs typeface="Segoe UI Semibold" panose="020B0702040204020203" pitchFamily="34" charset="0"/>
-              </a:rPr>
-              <a:t>: @</a:t>
-            </a:r>
-            <a:r>
-              <a:rPr lang="en-US" sz="3200" b="1" dirty="0" err="1">
-                <a:latin typeface="Segoe UI Semibold" panose="020B0702040204020203" pitchFamily="34" charset="0"/>
-                <a:cs typeface="Segoe UI Semibold" panose="020B0702040204020203" pitchFamily="34" charset="0"/>
-              </a:rPr>
-              <a:t>hibrahimkalkan</a:t>
-            </a:r>
-            <a:endParaRPr lang="en-US" sz="3200" b="1" dirty="0">
-              <a:latin typeface="Segoe UI Semibold" panose="020B0702040204020203" pitchFamily="34" charset="0"/>
-              <a:cs typeface="Segoe UI Semibold" panose="020B0702040204020203" pitchFamily="34" charset="0"/>
-            </a:endParaRPr>
-          </a:p>
-        </p:txBody>
-      </p:sp>
-      <p:sp>
-        <p:nvSpPr>
-          <p:cNvPr id="5" name="Footer Placeholder 4">
-            <a:extLst>
-              <a:ext uri="{FF2B5EF4-FFF2-40B4-BE49-F238E27FC236}">
-                <a16:creationId xmlns:a16="http://schemas.microsoft.com/office/drawing/2014/main" id="{A3553ADE-3838-4EDB-9F14-97C75DE2198D}"/>
-              </a:ext>
-            </a:extLst>
-          </p:cNvPr>
-          <p:cNvSpPr>
-            <a:spLocks noGrp="1"/>
-          </p:cNvSpPr>
-          <p:nvPr>
-            <p:ph type="ftr" sz="quarter" idx="11"/>
-          </p:nvPr>
-        </p:nvSpPr>
-        <p:spPr>
-          <a:xfrm>
-            <a:off x="0" y="6483927"/>
-            <a:ext cx="4190999" cy="374073"/>
-          </a:xfrm>
-        </p:spPr>
-        <p:txBody>
-          <a:bodyPr/>
-          <a:lstStyle/>
-          <a:p>
-            <a:pPr algn="l"/>
-            <a:r>
-              <a:rPr lang="en-US" dirty="0" err="1">
-                <a:solidFill>
-                  <a:schemeClr val="tx1"/>
-                </a:solidFill>
-                <a:latin typeface="Segoe UI" panose="020B0502040204020203" pitchFamily="34" charset="0"/>
-                <a:cs typeface="Segoe UI" panose="020B0502040204020203" pitchFamily="34" charset="0"/>
-              </a:rPr>
-              <a:t>Halil</a:t>
-            </a:r>
-            <a:r>
-              <a:rPr lang="en-US" dirty="0">
-                <a:solidFill>
-                  <a:schemeClr val="tx1"/>
-                </a:solidFill>
-                <a:latin typeface="Segoe UI" panose="020B0502040204020203" pitchFamily="34" charset="0"/>
-                <a:cs typeface="Segoe UI" panose="020B0502040204020203" pitchFamily="34" charset="0"/>
-              </a:rPr>
-              <a:t> İbrahim KALKAN | @</a:t>
-            </a:r>
-            <a:r>
-              <a:rPr lang="en-US" dirty="0" err="1">
-                <a:solidFill>
-                  <a:schemeClr val="tx1"/>
-                </a:solidFill>
-                <a:latin typeface="Segoe UI" panose="020B0502040204020203" pitchFamily="34" charset="0"/>
-                <a:cs typeface="Segoe UI" panose="020B0502040204020203" pitchFamily="34" charset="0"/>
-              </a:rPr>
-              <a:t>hikalkan</a:t>
-            </a:r>
-            <a:r>
-              <a:rPr lang="en-US" dirty="0">
-                <a:solidFill>
-                  <a:schemeClr val="tx1"/>
-                </a:solidFill>
-                <a:latin typeface="Segoe UI" panose="020B0502040204020203" pitchFamily="34" charset="0"/>
-                <a:cs typeface="Segoe UI" panose="020B0502040204020203" pitchFamily="34" charset="0"/>
-              </a:rPr>
-              <a:t> | </a:t>
-            </a:r>
-            <a:r>
-              <a:rPr lang="en-US" dirty="0" err="1">
-                <a:solidFill>
-                  <a:schemeClr val="tx1"/>
-                </a:solidFill>
-                <a:latin typeface="Segoe UI" panose="020B0502040204020203" pitchFamily="34" charset="0"/>
-                <a:cs typeface="Segoe UI" panose="020B0502040204020203" pitchFamily="34" charset="0"/>
-              </a:rPr>
-              <a:t>Volosoft</a:t>
-            </a:r>
-            <a:r>
-              <a:rPr lang="en-US" dirty="0">
-                <a:solidFill>
-                  <a:schemeClr val="tx1"/>
-                </a:solidFill>
-                <a:latin typeface="Segoe UI" panose="020B0502040204020203" pitchFamily="34" charset="0"/>
-                <a:cs typeface="Segoe UI" panose="020B0502040204020203" pitchFamily="34" charset="0"/>
-              </a:rPr>
-              <a:t> TM</a:t>
-            </a:r>
-          </a:p>
-        </p:txBody>
-      </p:sp>
-      <p:sp>
-        <p:nvSpPr>
-          <p:cNvPr id="6" name="Rectangle 5">
-            <a:extLst>
-              <a:ext uri="{FF2B5EF4-FFF2-40B4-BE49-F238E27FC236}">
-                <a16:creationId xmlns:a16="http://schemas.microsoft.com/office/drawing/2014/main" id="{191F77C3-5D4B-41EC-BBEA-97AA16723398}"/>
-              </a:ext>
-            </a:extLst>
-          </p:cNvPr>
-          <p:cNvSpPr/>
-          <p:nvPr/>
-        </p:nvSpPr>
-        <p:spPr>
-          <a:xfrm>
-            <a:off x="649894" y="765648"/>
-            <a:ext cx="6096000" cy="769441"/>
-          </a:xfrm>
-          <a:prstGeom prst="rect">
-            <a:avLst/>
-          </a:prstGeom>
-        </p:spPr>
-        <p:txBody>
-          <a:bodyPr>
-            <a:spAutoFit/>
-          </a:bodyPr>
-          <a:lstStyle/>
-          <a:p>
-            <a:r>
-              <a:rPr lang="en-US" sz="4400" b="1" dirty="0">
-                <a:solidFill>
-                  <a:srgbClr val="0041C6"/>
-                </a:solidFill>
-                <a:latin typeface="Segoe UI Semibold" panose="020B0702040204020203" pitchFamily="34" charset="0"/>
-                <a:cs typeface="Segoe UI Semibold" panose="020B0702040204020203" pitchFamily="34" charset="0"/>
-              </a:rPr>
-              <a:t>THANKS!</a:t>
-            </a:r>
-            <a:endParaRPr lang="en-US" sz="4400" dirty="0"/>
-          </a:p>
-        </p:txBody>
-      </p:sp>
-      <p:sp>
-        <p:nvSpPr>
-          <p:cNvPr id="9" name="Title 1">
-            <a:extLst>
-              <a:ext uri="{FF2B5EF4-FFF2-40B4-BE49-F238E27FC236}">
-                <a16:creationId xmlns:a16="http://schemas.microsoft.com/office/drawing/2014/main" id="{DB5D3373-FA07-4A44-8987-8B70E6127421}"/>
-              </a:ext>
-            </a:extLst>
-          </p:cNvPr>
-          <p:cNvSpPr txBox="1">
-            <a:spLocks/>
-          </p:cNvSpPr>
-          <p:nvPr/>
-        </p:nvSpPr>
-        <p:spPr>
-          <a:xfrm>
-            <a:off x="1412033" y="4168764"/>
-            <a:ext cx="9144000" cy="925752"/>
-          </a:xfrm>
-          <a:prstGeom prst="rect">
-            <a:avLst/>
-          </a:prstGeom>
-        </p:spPr>
-        <p:txBody>
-          <a:bodyPr vert="horz" lIns="91440" tIns="45720" rIns="91440" bIns="45720" rtlCol="0" anchor="t">
-            <a:normAutofit fontScale="97500" lnSpcReduction="10000"/>
-          </a:bodyPr>
-          <a:lstStyle>
-            <a:lvl1pPr algn="ctr" defTabSz="914400" rtl="0" eaLnBrk="1" latinLnBrk="0" hangingPunct="1">
-              <a:lnSpc>
-                <a:spcPct val="90000"/>
-              </a:lnSpc>
-              <a:spcBef>
-                <a:spcPct val="0"/>
-              </a:spcBef>
-              <a:buNone/>
-              <a:defRPr sz="6000" kern="1200">
-                <a:solidFill>
-                  <a:schemeClr val="tx1"/>
-                </a:solidFill>
-                <a:latin typeface="+mj-lt"/>
-                <a:ea typeface="+mj-ea"/>
-                <a:cs typeface="+mj-cs"/>
-              </a:defRPr>
-            </a:lvl1pPr>
-          </a:lstStyle>
-          <a:p>
-            <a:pPr algn="r"/>
-            <a:r>
-              <a:rPr lang="en-US" sz="3200" dirty="0">
-                <a:latin typeface="Segoe UI Light" panose="020B0502040204020203" pitchFamily="34" charset="0"/>
-                <a:cs typeface="Segoe UI Light" panose="020B0502040204020203" pitchFamily="34" charset="0"/>
-              </a:rPr>
-              <a:t>Halil İbrahim KALKAN</a:t>
-            </a:r>
-            <a:br>
-              <a:rPr lang="en-US" sz="3200" dirty="0">
-                <a:latin typeface="Segoe UI Light" panose="020B0502040204020203" pitchFamily="34" charset="0"/>
-                <a:cs typeface="Segoe UI Light" panose="020B0502040204020203" pitchFamily="34" charset="0"/>
-              </a:rPr>
-            </a:br>
-            <a:r>
-              <a:rPr lang="en-US" sz="3200" dirty="0" err="1">
-                <a:latin typeface="Segoe UI Light" panose="020B0502040204020203" pitchFamily="34" charset="0"/>
-                <a:cs typeface="Segoe UI Light" panose="020B0502040204020203" pitchFamily="34" charset="0"/>
-              </a:rPr>
-              <a:t>Volosoft</a:t>
-            </a:r>
-            <a:endParaRPr lang="en-US" sz="3200" dirty="0">
-              <a:latin typeface="Segoe UI Light" panose="020B0502040204020203" pitchFamily="34" charset="0"/>
-              <a:cs typeface="Segoe UI Light" panose="020B0502040204020203" pitchFamily="34" charset="0"/>
-            </a:endParaRPr>
-          </a:p>
-        </p:txBody>
-      </p:sp>
-    </p:spTree>
-    <p:extLst>
-      <p:ext uri="{BB962C8B-B14F-4D97-AF65-F5344CB8AC3E}">
-        <p14:creationId xmlns:p14="http://schemas.microsoft.com/office/powerpoint/2010/main" val="524339194"/>
-      </p:ext>
-    </p:extLst>
-  </p:cSld>
-  <p:clrMapOvr>
-    <a:masterClrMapping/>
-  </p:clrMapOvr>
 </p:sld>
 </file>
 

--- a/2018-11-03-Designing-Modularity/Presentation-short-40min.pptx
+++ b/2018-11-03-Designing-Modularity/Presentation-short-40min.pptx
@@ -9,13 +9,13 @@
   </p:notesMasterIdLst>
   <p:sldIdLst>
     <p:sldId id="256" r:id="rId2"/>
-    <p:sldId id="270" r:id="rId3"/>
-    <p:sldId id="271" r:id="rId4"/>
-    <p:sldId id="260" r:id="rId5"/>
-    <p:sldId id="268" r:id="rId6"/>
-    <p:sldId id="272" r:id="rId7"/>
-    <p:sldId id="273" r:id="rId8"/>
-    <p:sldId id="274" r:id="rId9"/>
+    <p:sldId id="274" r:id="rId3"/>
+    <p:sldId id="270" r:id="rId4"/>
+    <p:sldId id="271" r:id="rId5"/>
+    <p:sldId id="260" r:id="rId6"/>
+    <p:sldId id="268" r:id="rId7"/>
+    <p:sldId id="272" r:id="rId8"/>
+    <p:sldId id="273" r:id="rId9"/>
     <p:sldId id="277" r:id="rId10"/>
     <p:sldId id="280" r:id="rId11"/>
     <p:sldId id="281" r:id="rId12"/>
@@ -240,7 +240,7 @@
           <a:p>
             <a:fld id="{532314CD-B97C-434B-8FF7-5A1477BB5901}" type="datetimeFigureOut">
               <a:rPr lang="en-US" smtClean="0"/>
-              <a:t>29-Oct-18</a:t>
+              <a:t>01-Nov-18</a:t>
             </a:fld>
             <a:endParaRPr lang="en-US"/>
           </a:p>
@@ -3861,6 +3861,13 @@
               </a:rPr>
             </a:br>
             <a:r>
+              <a:rPr lang="en-US" sz="2200" dirty="0">
+                <a:latin typeface="Segoe UI Light" panose="020B0502040204020203" pitchFamily="34" charset="0"/>
+                <a:cs typeface="Segoe UI Light" panose="020B0502040204020203" pitchFamily="34" charset="0"/>
+              </a:rPr>
+              <a:t>Co Founder at </a:t>
+            </a:r>
+            <a:r>
               <a:rPr lang="en-US" sz="3200" dirty="0" err="1">
                 <a:latin typeface="Segoe UI Light" panose="020B0502040204020203" pitchFamily="34" charset="0"/>
                 <a:cs typeface="Segoe UI Light" panose="020B0502040204020203" pitchFamily="34" charset="0"/>
@@ -6722,8 +6729,8 @@
         </p:nvSpPr>
         <p:spPr>
           <a:xfrm>
-            <a:off x="738908" y="930564"/>
-            <a:ext cx="4858328" cy="2311400"/>
+            <a:off x="738908" y="674814"/>
+            <a:ext cx="4858328" cy="2567150"/>
           </a:xfrm>
         </p:spPr>
         <p:txBody>
@@ -7264,7 +7271,7 @@
                 <a:ea typeface="Segoe UI Black" panose="020B0A02040204020203" pitchFamily="34" charset="0"/>
                 <a:cs typeface="Segoe UI Semibold" panose="020B0702040204020203" pitchFamily="34" charset="0"/>
               </a:rPr>
-              <a:t>5,200+</a:t>
+              <a:t>5,500+</a:t>
             </a:r>
             <a:r>
               <a:rPr lang="en-US" sz="1600" dirty="0">
@@ -7300,7 +7307,7 @@
                 <a:ea typeface="Segoe UI Black" panose="020B0A02040204020203" pitchFamily="34" charset="0"/>
                 <a:cs typeface="Segoe UI Semibold" panose="020B0702040204020203" pitchFamily="34" charset="0"/>
               </a:rPr>
-              <a:t>600,000+</a:t>
+              <a:t>700,000+</a:t>
             </a:r>
             <a:r>
               <a:rPr lang="en-US" sz="1600" dirty="0">
@@ -7462,10 +7469,10 @@
       </p:sp>
       <p:pic>
         <p:nvPicPr>
-          <p:cNvPr id="4" name="Picture 3">
-            <a:extLst>
-              <a:ext uri="{FF2B5EF4-FFF2-40B4-BE49-F238E27FC236}">
-                <a16:creationId xmlns:a16="http://schemas.microsoft.com/office/drawing/2014/main" id="{482F2A1F-A769-4A56-8843-8988B87E34F3}"/>
+          <p:cNvPr id="3" name="Picture 2">
+            <a:extLst>
+              <a:ext uri="{FF2B5EF4-FFF2-40B4-BE49-F238E27FC236}">
+                <a16:creationId xmlns:a16="http://schemas.microsoft.com/office/drawing/2014/main" id="{3B6DC070-F26F-4819-8BAC-F66E4DE306F4}"/>
               </a:ext>
             </a:extLst>
           </p:cNvPr>
@@ -7482,8 +7489,8 @@
         </p:blipFill>
         <p:spPr>
           <a:xfrm>
-            <a:off x="5420516" y="494904"/>
-            <a:ext cx="6393783" cy="5494120"/>
+            <a:off x="5534805" y="674814"/>
+            <a:ext cx="6472336" cy="5508371"/>
           </a:xfrm>
           <a:prstGeom prst="rect">
             <a:avLst/>
@@ -12446,10 +12453,10 @@
       </p:grpSpPr>
       <p:pic>
         <p:nvPicPr>
-          <p:cNvPr id="9" name="Picture 8">
-            <a:extLst>
-              <a:ext uri="{FF2B5EF4-FFF2-40B4-BE49-F238E27FC236}">
-                <a16:creationId xmlns:a16="http://schemas.microsoft.com/office/drawing/2014/main" id="{39E83B63-DAE7-4E06-A56F-CF1576B89936}"/>
+          <p:cNvPr id="4" name="Picture 3">
+            <a:extLst>
+              <a:ext uri="{FF2B5EF4-FFF2-40B4-BE49-F238E27FC236}">
+                <a16:creationId xmlns:a16="http://schemas.microsoft.com/office/drawing/2014/main" id="{E6371034-1339-4B43-AE7D-A149B9EFD45C}"/>
               </a:ext>
             </a:extLst>
           </p:cNvPr>
@@ -12498,33 +12505,37 @@
         </p:nvSpPr>
         <p:spPr>
           <a:xfrm>
-            <a:off x="738908" y="930564"/>
-            <a:ext cx="5429880" cy="1253078"/>
+            <a:off x="762000" y="1754909"/>
+            <a:ext cx="4017819" cy="3408217"/>
           </a:xfrm>
         </p:spPr>
         <p:txBody>
-          <a:bodyPr anchor="b">
+          <a:bodyPr anchor="t">
             <a:normAutofit/>
           </a:bodyPr>
           <a:lstStyle/>
           <a:p>
-            <a:pPr algn="l"/>
+            <a:pPr algn="r">
+              <a:lnSpc>
+                <a:spcPct val="150000"/>
+              </a:lnSpc>
+            </a:pPr>
             <a:r>
               <a:rPr lang="en-US" sz="4000" b="1" dirty="0">
+                <a:latin typeface="Segoe UI Light" panose="020B0502040204020203" pitchFamily="34" charset="0"/>
+                <a:cs typeface="Segoe UI Light" panose="020B0502040204020203" pitchFamily="34" charset="0"/>
+              </a:rPr>
+              <a:t>What is a </a:t>
+            </a:r>
+            <a:r>
+              <a:rPr lang="en-US" sz="4000" b="1" dirty="0">
+                <a:solidFill>
+                  <a:srgbClr val="0041C6"/>
+                </a:solidFill>
                 <a:latin typeface="Segoe UI Semibold" panose="020B0702040204020203" pitchFamily="34" charset="0"/>
                 <a:cs typeface="Segoe UI Semibold" panose="020B0702040204020203" pitchFamily="34" charset="0"/>
               </a:rPr>
-              <a:t>Modular Architecture</a:t>
-            </a:r>
-            <a:r>
-              <a:rPr lang="en-US" sz="4000" b="1" dirty="0">
-                <a:solidFill>
-                  <a:srgbClr val="0041C6"/>
-                </a:solidFill>
-                <a:latin typeface="Segoe UI Semibold" panose="020B0702040204020203" pitchFamily="34" charset="0"/>
-                <a:cs typeface="Segoe UI Semibold" panose="020B0702040204020203" pitchFamily="34" charset="0"/>
-              </a:rPr>
-              <a:t> Goals</a:t>
+              <a:t>Module?</a:t>
             </a:r>
           </a:p>
         </p:txBody>
@@ -12621,10 +12632,10 @@
       </p:sp>
       <p:sp>
         <p:nvSpPr>
-          <p:cNvPr id="11" name="Subtitle 2">
-            <a:extLst>
-              <a:ext uri="{FF2B5EF4-FFF2-40B4-BE49-F238E27FC236}">
-                <a16:creationId xmlns:a16="http://schemas.microsoft.com/office/drawing/2014/main" id="{A769CE0C-E9B4-4049-B22B-C35AD0DD7409}"/>
+          <p:cNvPr id="15" name="Subtitle 2">
+            <a:extLst>
+              <a:ext uri="{FF2B5EF4-FFF2-40B4-BE49-F238E27FC236}">
+                <a16:creationId xmlns:a16="http://schemas.microsoft.com/office/drawing/2014/main" id="{20939731-D3B7-4A28-B941-216A5F2FD525}"/>
               </a:ext>
             </a:extLst>
           </p:cNvPr>
@@ -12635,220 +12646,15 @@
         </p:nvSpPr>
         <p:spPr>
           <a:xfrm>
-            <a:off x="3582554" y="2904836"/>
-            <a:ext cx="835891" cy="775853"/>
+            <a:off x="5204688" y="1948872"/>
+            <a:ext cx="6022111" cy="4110181"/>
           </a:xfrm>
           <a:prstGeom prst="rect">
             <a:avLst/>
           </a:prstGeom>
         </p:spPr>
         <p:txBody>
-          <a:bodyPr vert="horz" lIns="91440" tIns="45720" rIns="91440" bIns="45720" rtlCol="0" anchor="ctr">
-            <a:normAutofit/>
-          </a:bodyPr>
-          <a:lstStyle>
-            <a:lvl1pPr marL="0" indent="0" algn="ctr" defTabSz="914400" rtl="0" eaLnBrk="1" latinLnBrk="0" hangingPunct="1">
-              <a:lnSpc>
-                <a:spcPct val="90000"/>
-              </a:lnSpc>
-              <a:spcBef>
-                <a:spcPts val="1000"/>
-              </a:spcBef>
-              <a:buFont typeface="Arial" panose="020B0604020202020204" pitchFamily="34" charset="0"/>
-              <a:buNone/>
-              <a:defRPr sz="2400" kern="1200">
-                <a:solidFill>
-                  <a:schemeClr val="tx1"/>
-                </a:solidFill>
-                <a:latin typeface="+mn-lt"/>
-                <a:ea typeface="+mn-ea"/>
-                <a:cs typeface="+mn-cs"/>
-              </a:defRPr>
-            </a:lvl1pPr>
-            <a:lvl2pPr marL="457200" indent="0" algn="ctr" defTabSz="914400" rtl="0" eaLnBrk="1" latinLnBrk="0" hangingPunct="1">
-              <a:lnSpc>
-                <a:spcPct val="90000"/>
-              </a:lnSpc>
-              <a:spcBef>
-                <a:spcPts val="500"/>
-              </a:spcBef>
-              <a:buFont typeface="Arial" panose="020B0604020202020204" pitchFamily="34" charset="0"/>
-              <a:buNone/>
-              <a:defRPr sz="2000" kern="1200">
-                <a:solidFill>
-                  <a:schemeClr val="tx1"/>
-                </a:solidFill>
-                <a:latin typeface="+mn-lt"/>
-                <a:ea typeface="+mn-ea"/>
-                <a:cs typeface="+mn-cs"/>
-              </a:defRPr>
-            </a:lvl2pPr>
-            <a:lvl3pPr marL="914400" indent="0" algn="ctr" defTabSz="914400" rtl="0" eaLnBrk="1" latinLnBrk="0" hangingPunct="1">
-              <a:lnSpc>
-                <a:spcPct val="90000"/>
-              </a:lnSpc>
-              <a:spcBef>
-                <a:spcPts val="500"/>
-              </a:spcBef>
-              <a:buFont typeface="Arial" panose="020B0604020202020204" pitchFamily="34" charset="0"/>
-              <a:buNone/>
-              <a:defRPr sz="1800" kern="1200">
-                <a:solidFill>
-                  <a:schemeClr val="tx1"/>
-                </a:solidFill>
-                <a:latin typeface="+mn-lt"/>
-                <a:ea typeface="+mn-ea"/>
-                <a:cs typeface="+mn-cs"/>
-              </a:defRPr>
-            </a:lvl3pPr>
-            <a:lvl4pPr marL="1371600" indent="0" algn="ctr" defTabSz="914400" rtl="0" eaLnBrk="1" latinLnBrk="0" hangingPunct="1">
-              <a:lnSpc>
-                <a:spcPct val="90000"/>
-              </a:lnSpc>
-              <a:spcBef>
-                <a:spcPts val="500"/>
-              </a:spcBef>
-              <a:buFont typeface="Arial" panose="020B0604020202020204" pitchFamily="34" charset="0"/>
-              <a:buNone/>
-              <a:defRPr sz="1600" kern="1200">
-                <a:solidFill>
-                  <a:schemeClr val="tx1"/>
-                </a:solidFill>
-                <a:latin typeface="+mn-lt"/>
-                <a:ea typeface="+mn-ea"/>
-                <a:cs typeface="+mn-cs"/>
-              </a:defRPr>
-            </a:lvl4pPr>
-            <a:lvl5pPr marL="1828800" indent="0" algn="ctr" defTabSz="914400" rtl="0" eaLnBrk="1" latinLnBrk="0" hangingPunct="1">
-              <a:lnSpc>
-                <a:spcPct val="90000"/>
-              </a:lnSpc>
-              <a:spcBef>
-                <a:spcPts val="500"/>
-              </a:spcBef>
-              <a:buFont typeface="Arial" panose="020B0604020202020204" pitchFamily="34" charset="0"/>
-              <a:buNone/>
-              <a:defRPr sz="1600" kern="1200">
-                <a:solidFill>
-                  <a:schemeClr val="tx1"/>
-                </a:solidFill>
-                <a:latin typeface="+mn-lt"/>
-                <a:ea typeface="+mn-ea"/>
-                <a:cs typeface="+mn-cs"/>
-              </a:defRPr>
-            </a:lvl5pPr>
-            <a:lvl6pPr marL="2286000" indent="0" algn="ctr" defTabSz="914400" rtl="0" eaLnBrk="1" latinLnBrk="0" hangingPunct="1">
-              <a:lnSpc>
-                <a:spcPct val="90000"/>
-              </a:lnSpc>
-              <a:spcBef>
-                <a:spcPts val="500"/>
-              </a:spcBef>
-              <a:buFont typeface="Arial" panose="020B0604020202020204" pitchFamily="34" charset="0"/>
-              <a:buNone/>
-              <a:defRPr sz="1600" kern="1200">
-                <a:solidFill>
-                  <a:schemeClr val="tx1"/>
-                </a:solidFill>
-                <a:latin typeface="+mn-lt"/>
-                <a:ea typeface="+mn-ea"/>
-                <a:cs typeface="+mn-cs"/>
-              </a:defRPr>
-            </a:lvl6pPr>
-            <a:lvl7pPr marL="2743200" indent="0" algn="ctr" defTabSz="914400" rtl="0" eaLnBrk="1" latinLnBrk="0" hangingPunct="1">
-              <a:lnSpc>
-                <a:spcPct val="90000"/>
-              </a:lnSpc>
-              <a:spcBef>
-                <a:spcPts val="500"/>
-              </a:spcBef>
-              <a:buFont typeface="Arial" panose="020B0604020202020204" pitchFamily="34" charset="0"/>
-              <a:buNone/>
-              <a:defRPr sz="1600" kern="1200">
-                <a:solidFill>
-                  <a:schemeClr val="tx1"/>
-                </a:solidFill>
-                <a:latin typeface="+mn-lt"/>
-                <a:ea typeface="+mn-ea"/>
-                <a:cs typeface="+mn-cs"/>
-              </a:defRPr>
-            </a:lvl7pPr>
-            <a:lvl8pPr marL="3200400" indent="0" algn="ctr" defTabSz="914400" rtl="0" eaLnBrk="1" latinLnBrk="0" hangingPunct="1">
-              <a:lnSpc>
-                <a:spcPct val="90000"/>
-              </a:lnSpc>
-              <a:spcBef>
-                <a:spcPts val="500"/>
-              </a:spcBef>
-              <a:buFont typeface="Arial" panose="020B0604020202020204" pitchFamily="34" charset="0"/>
-              <a:buNone/>
-              <a:defRPr sz="1600" kern="1200">
-                <a:solidFill>
-                  <a:schemeClr val="tx1"/>
-                </a:solidFill>
-                <a:latin typeface="+mn-lt"/>
-                <a:ea typeface="+mn-ea"/>
-                <a:cs typeface="+mn-cs"/>
-              </a:defRPr>
-            </a:lvl8pPr>
-            <a:lvl9pPr marL="3657600" indent="0" algn="ctr" defTabSz="914400" rtl="0" eaLnBrk="1" latinLnBrk="0" hangingPunct="1">
-              <a:lnSpc>
-                <a:spcPct val="90000"/>
-              </a:lnSpc>
-              <a:spcBef>
-                <a:spcPts val="500"/>
-              </a:spcBef>
-              <a:buFont typeface="Arial" panose="020B0604020202020204" pitchFamily="34" charset="0"/>
-              <a:buNone/>
-              <a:defRPr sz="1600" kern="1200">
-                <a:solidFill>
-                  <a:schemeClr val="tx1"/>
-                </a:solidFill>
-                <a:latin typeface="+mn-lt"/>
-                <a:ea typeface="+mn-ea"/>
-                <a:cs typeface="+mn-cs"/>
-              </a:defRPr>
-            </a:lvl9pPr>
-          </a:lstStyle>
-          <a:p>
-            <a:r>
-              <a:rPr lang="en-US" sz="2000" b="1" dirty="0">
-                <a:solidFill>
-                  <a:schemeClr val="bg1"/>
-                </a:solidFill>
-                <a:latin typeface="Segoe UI Light" panose="020B0502040204020203" pitchFamily="34" charset="0"/>
-                <a:cs typeface="Segoe UI Light" panose="020B0502040204020203" pitchFamily="34" charset="0"/>
-              </a:rPr>
-              <a:t>VS</a:t>
-            </a:r>
-          </a:p>
-        </p:txBody>
-      </p:sp>
-      <p:sp>
-        <p:nvSpPr>
-          <p:cNvPr id="15" name="Subtitle 2">
-            <a:extLst>
-              <a:ext uri="{FF2B5EF4-FFF2-40B4-BE49-F238E27FC236}">
-                <a16:creationId xmlns:a16="http://schemas.microsoft.com/office/drawing/2014/main" id="{20939731-D3B7-4A28-B941-216A5F2FD525}"/>
-              </a:ext>
-            </a:extLst>
-          </p:cNvPr>
-          <p:cNvSpPr txBox="1">
-            <a:spLocks/>
-          </p:cNvSpPr>
-          <p:nvPr/>
-        </p:nvSpPr>
-        <p:spPr>
-          <a:xfrm>
-            <a:off x="738908" y="2631390"/>
-            <a:ext cx="4368801" cy="2806242"/>
-          </a:xfrm>
-          <a:prstGeom prst="rect">
-            <a:avLst/>
-          </a:prstGeom>
-        </p:spPr>
-        <p:txBody>
-          <a:bodyPr vert="horz" lIns="91440" tIns="45720" rIns="91440" bIns="45720" rtlCol="0" anchor="ctr">
+          <a:bodyPr vert="horz" lIns="91440" tIns="45720" rIns="91440" bIns="45720" rtlCol="0" anchor="t">
             <a:noAutofit/>
           </a:bodyPr>
           <a:lstStyle>
@@ -13016,41 +12822,62 @@
             </a:lvl9pPr>
           </a:lstStyle>
           <a:p>
-            <a:pPr marL="285750" indent="-285750" algn="l">
+            <a:pPr algn="l">
               <a:lnSpc>
                 <a:spcPct val="150000"/>
               </a:lnSpc>
-              <a:buFont typeface="Arial" panose="020B0604020202020204" pitchFamily="34" charset="0"/>
-              <a:buChar char="•"/>
             </a:pPr>
+            <a:r>
+              <a:rPr lang="en-US" sz="1600" dirty="0">
+                <a:latin typeface="Segoe UI Semibold" panose="020B0702040204020203" pitchFamily="34" charset="0"/>
+                <a:cs typeface="Segoe UI Semibold" panose="020B0702040204020203" pitchFamily="34" charset="0"/>
+              </a:rPr>
+              <a:t>A unit of code base that implements some </a:t>
+            </a:r>
             <a:r>
               <a:rPr lang="en-US" sz="1600" dirty="0">
                 <a:latin typeface="Segoe UI Black" panose="020B0A02040204020203" pitchFamily="34" charset="0"/>
                 <a:ea typeface="Segoe UI Black" panose="020B0A02040204020203" pitchFamily="34" charset="0"/>
                 <a:cs typeface="Segoe UI Semibold" panose="020B0702040204020203" pitchFamily="34" charset="0"/>
               </a:rPr>
-              <a:t>Reduce application complexity </a:t>
+              <a:t>business functionality</a:t>
             </a:r>
             <a:r>
               <a:rPr lang="en-US" sz="1600" dirty="0">
                 <a:latin typeface="Segoe UI Semibold" panose="020B0702040204020203" pitchFamily="34" charset="0"/>
                 <a:cs typeface="Segoe UI Semibold" panose="020B0702040204020203" pitchFamily="34" charset="0"/>
               </a:rPr>
-              <a:t>by creating </a:t>
+              <a:t>. Generally consists of;</a:t>
+            </a:r>
+          </a:p>
+          <a:p>
+            <a:pPr marL="285750" indent="-285750" algn="l">
+              <a:lnSpc>
+                <a:spcPct val="150000"/>
+              </a:lnSpc>
+              <a:buFont typeface="Arial" panose="020B0604020202020204" pitchFamily="34" charset="0"/>
+              <a:buChar char="•"/>
+            </a:pPr>
+            <a:r>
+              <a:rPr lang="en-US" sz="1600" dirty="0">
+                <a:latin typeface="Segoe UI Semibold" panose="020B0702040204020203" pitchFamily="34" charset="0"/>
+                <a:cs typeface="Segoe UI Semibold" panose="020B0702040204020203" pitchFamily="34" charset="0"/>
+              </a:rPr>
+              <a:t>A </a:t>
             </a:r>
             <a:r>
               <a:rPr lang="en-US" sz="1600" b="1" dirty="0">
                 <a:latin typeface="Segoe UI Semibold" panose="020B0702040204020203" pitchFamily="34" charset="0"/>
                 <a:cs typeface="Segoe UI Semibold" panose="020B0702040204020203" pitchFamily="34" charset="0"/>
               </a:rPr>
-              <a:t>separately developed (probably by different teams), isolated and integrated</a:t>
+              <a:t>database schema</a:t>
             </a:r>
             <a:r>
               <a:rPr lang="en-US" sz="1600" dirty="0">
                 <a:latin typeface="Segoe UI Semibold" panose="020B0702040204020203" pitchFamily="34" charset="0"/>
                 <a:cs typeface="Segoe UI Semibold" panose="020B0702040204020203" pitchFamily="34" charset="0"/>
               </a:rPr>
-              <a:t> application units.</a:t>
+              <a:t> (and data)</a:t>
             </a:r>
           </a:p>
           <a:p>
@@ -13063,18 +12890,17 @@
             </a:pPr>
             <a:r>
               <a:rPr lang="en-US" sz="1600" b="1" dirty="0">
-                <a:latin typeface="Segoe UI Black" panose="020B0A02040204020203" pitchFamily="34" charset="0"/>
-                <a:ea typeface="Segoe UI Black" panose="020B0A02040204020203" pitchFamily="34" charset="0"/>
+                <a:latin typeface="Segoe UI Semibold" panose="020B0702040204020203" pitchFamily="34" charset="0"/>
                 <a:cs typeface="Segoe UI Semibold" panose="020B0702040204020203" pitchFamily="34" charset="0"/>
               </a:rPr>
-              <a:t>Code reuse</a:t>
+              <a:t>Application/business code</a:t>
             </a:r>
             <a:r>
               <a:rPr lang="en-US" sz="1600" dirty="0">
                 <a:latin typeface="Segoe UI Semibold" panose="020B0702040204020203" pitchFamily="34" charset="0"/>
                 <a:cs typeface="Segoe UI Semibold" panose="020B0702040204020203" pitchFamily="34" charset="0"/>
               </a:rPr>
-              <a:t>: Use same module by different applications.</a:t>
+              <a:t>: Entities, Services, DTOs… etc.</a:t>
             </a:r>
           </a:p>
           <a:p>
@@ -13086,19 +12912,55 @@
               <a:buChar char="•"/>
             </a:pPr>
             <a:r>
-              <a:rPr lang="en-US" sz="1600" dirty="0">
-                <a:latin typeface="Segoe UI Black" panose="020B0A02040204020203" pitchFamily="34" charset="0"/>
-                <a:ea typeface="Segoe UI Black" panose="020B0A02040204020203" pitchFamily="34" charset="0"/>
+              <a:rPr lang="en-US" sz="1600" b="1" dirty="0">
+                <a:latin typeface="Segoe UI Semibold" panose="020B0702040204020203" pitchFamily="34" charset="0"/>
                 <a:cs typeface="Segoe UI Semibold" panose="020B0702040204020203" pitchFamily="34" charset="0"/>
               </a:rPr>
-              <a:t>Deploy</a:t>
+              <a:t>UI Pages</a:t>
             </a:r>
             <a:r>
               <a:rPr lang="en-US" sz="1600" dirty="0">
                 <a:latin typeface="Segoe UI Semibold" panose="020B0702040204020203" pitchFamily="34" charset="0"/>
                 <a:cs typeface="Segoe UI Semibold" panose="020B0702040204020203" pitchFamily="34" charset="0"/>
               </a:rPr>
-              <a:t> only which modules are needed.</a:t>
+              <a:t> &amp; Components</a:t>
+            </a:r>
+          </a:p>
+          <a:p>
+            <a:pPr marL="285750" indent="-285750" algn="l">
+              <a:lnSpc>
+                <a:spcPct val="150000"/>
+              </a:lnSpc>
+              <a:buFont typeface="Arial" panose="020B0604020202020204" pitchFamily="34" charset="0"/>
+              <a:buChar char="•"/>
+            </a:pPr>
+            <a:r>
+              <a:rPr lang="en-US" sz="1600" b="1" dirty="0">
+                <a:latin typeface="Segoe UI Semibold" panose="020B0702040204020203" pitchFamily="34" charset="0"/>
+                <a:cs typeface="Segoe UI Semibold" panose="020B0702040204020203" pitchFamily="34" charset="0"/>
+              </a:rPr>
+              <a:t>Remote API</a:t>
+            </a:r>
+            <a:r>
+              <a:rPr lang="en-US" sz="1600" dirty="0">
+                <a:latin typeface="Segoe UI Semibold" panose="020B0702040204020203" pitchFamily="34" charset="0"/>
+                <a:cs typeface="Segoe UI Semibold" panose="020B0702040204020203" pitchFamily="34" charset="0"/>
+              </a:rPr>
+              <a:t>: REST, </a:t>
+            </a:r>
+            <a:r>
+              <a:rPr lang="en-US" sz="1600" dirty="0" err="1">
+                <a:latin typeface="Segoe UI Semibold" panose="020B0702040204020203" pitchFamily="34" charset="0"/>
+                <a:cs typeface="Segoe UI Semibold" panose="020B0702040204020203" pitchFamily="34" charset="0"/>
+              </a:rPr>
+              <a:t>GraphQL</a:t>
+            </a:r>
+            <a:r>
+              <a:rPr lang="en-US" sz="1600" dirty="0">
+                <a:latin typeface="Segoe UI Semibold" panose="020B0702040204020203" pitchFamily="34" charset="0"/>
+                <a:cs typeface="Segoe UI Semibold" panose="020B0702040204020203" pitchFamily="34" charset="0"/>
+              </a:rPr>
+              <a:t>… etc.</a:t>
             </a:r>
           </a:p>
         </p:txBody>
@@ -13106,7 +12968,7 @@
     </p:spTree>
     <p:extLst>
       <p:ext uri="{BB962C8B-B14F-4D97-AF65-F5344CB8AC3E}">
-        <p14:creationId xmlns:p14="http://schemas.microsoft.com/office/powerpoint/2010/main" val="3618652779"/>
+        <p14:creationId xmlns:p14="http://schemas.microsoft.com/office/powerpoint/2010/main" val="1740249439"/>
       </p:ext>
     </p:extLst>
   </p:cSld>
@@ -16121,7 +15983,7 @@
         <p:spPr>
           <a:xfrm>
             <a:off x="738908" y="1921080"/>
-            <a:ext cx="5566358" cy="4158998"/>
+            <a:ext cx="8289682" cy="4158998"/>
           </a:xfrm>
           <a:prstGeom prst="rect">
             <a:avLst/>
@@ -16304,7 +16166,7 @@
               <a:buChar char="•"/>
             </a:pPr>
             <a:r>
-              <a:rPr lang="en-US" sz="1600" dirty="0">
+              <a:rPr lang="en-US" dirty="0">
                 <a:latin typeface="Segoe UI Semibold" panose="020B0702040204020203" pitchFamily="34" charset="0"/>
                 <a:cs typeface="Segoe UI Semibold" panose="020B0702040204020203" pitchFamily="34" charset="0"/>
               </a:rPr>
@@ -16320,7 +16182,7 @@
               <a:buChar char="•"/>
             </a:pPr>
             <a:r>
-              <a:rPr lang="en-US" sz="1600" dirty="0">
+              <a:rPr lang="en-US" dirty="0">
                 <a:latin typeface="Segoe UI Semibold" panose="020B0702040204020203" pitchFamily="34" charset="0"/>
                 <a:cs typeface="Segoe UI Semibold" panose="020B0702040204020203" pitchFamily="34" charset="0"/>
               </a:rPr>
@@ -22568,7 +22430,7 @@
                 <a:latin typeface="Segoe UI Semibold" panose="020B0702040204020203" pitchFamily="34" charset="0"/>
                 <a:cs typeface="Segoe UI Semibold" panose="020B0702040204020203" pitchFamily="34" charset="0"/>
               </a:rPr>
-              <a:t> Problems</a:t>
+              <a:t> Goals</a:t>
             </a:r>
           </a:p>
         </p:txBody>
@@ -22885,7 +22747,7 @@
         <p:spPr>
           <a:xfrm>
             <a:off x="738908" y="2631390"/>
-            <a:ext cx="4368801" cy="2042969"/>
+            <a:ext cx="4368801" cy="2806242"/>
           </a:xfrm>
           <a:prstGeom prst="rect">
             <a:avLst/>
@@ -23069,94 +22931,80 @@
             </a:pPr>
             <a:r>
               <a:rPr lang="en-US" sz="1600" dirty="0">
+                <a:latin typeface="Segoe UI Black" panose="020B0A02040204020203" pitchFamily="34" charset="0"/>
+                <a:ea typeface="Segoe UI Black" panose="020B0A02040204020203" pitchFamily="34" charset="0"/>
+                <a:cs typeface="Segoe UI Semibold" panose="020B0702040204020203" pitchFamily="34" charset="0"/>
+              </a:rPr>
+              <a:t>Reduce application complexity </a:t>
+            </a:r>
+            <a:r>
+              <a:rPr lang="en-US" sz="1600" dirty="0">
                 <a:latin typeface="Segoe UI Semibold" panose="020B0702040204020203" pitchFamily="34" charset="0"/>
                 <a:cs typeface="Segoe UI Semibold" panose="020B0702040204020203" pitchFamily="34" charset="0"/>
               </a:rPr>
-              <a:t>Lack of </a:t>
-            </a:r>
+              <a:t>by creating </a:t>
+            </a:r>
+            <a:r>
+              <a:rPr lang="en-US" sz="1600" b="1" dirty="0">
+                <a:latin typeface="Segoe UI Semibold" panose="020B0702040204020203" pitchFamily="34" charset="0"/>
+                <a:cs typeface="Segoe UI Semibold" panose="020B0702040204020203" pitchFamily="34" charset="0"/>
+              </a:rPr>
+              <a:t>separately developed (probably by different teams), isolated and integrated</a:t>
+            </a:r>
+            <a:r>
+              <a:rPr lang="en-US" sz="1600" dirty="0">
+                <a:latin typeface="Segoe UI Semibold" panose="020B0702040204020203" pitchFamily="34" charset="0"/>
+                <a:cs typeface="Segoe UI Semibold" panose="020B0702040204020203" pitchFamily="34" charset="0"/>
+              </a:rPr>
+              <a:t> application units.</a:t>
+            </a:r>
+          </a:p>
+          <a:p>
+            <a:pPr marL="285750" indent="-285750" algn="l">
+              <a:lnSpc>
+                <a:spcPct val="150000"/>
+              </a:lnSpc>
+              <a:buFont typeface="Arial" panose="020B0604020202020204" pitchFamily="34" charset="0"/>
+              <a:buChar char="•"/>
+            </a:pPr>
             <a:r>
               <a:rPr lang="en-US" sz="1600" b="1" dirty="0">
                 <a:latin typeface="Segoe UI Black" panose="020B0A02040204020203" pitchFamily="34" charset="0"/>
                 <a:ea typeface="Segoe UI Black" panose="020B0A02040204020203" pitchFamily="34" charset="0"/>
                 <a:cs typeface="Segoe UI Semibold" panose="020B0702040204020203" pitchFamily="34" charset="0"/>
               </a:rPr>
-              <a:t>integration</a:t>
-            </a:r>
+              <a:t>Code reuse</a:t>
+            </a:r>
+            <a:r>
+              <a:rPr lang="en-US" sz="1600" dirty="0">
+                <a:latin typeface="Segoe UI Semibold" panose="020B0702040204020203" pitchFamily="34" charset="0"/>
+                <a:cs typeface="Segoe UI Semibold" panose="020B0702040204020203" pitchFamily="34" charset="0"/>
+              </a:rPr>
+              <a:t>: Use same module by different applications.</a:t>
+            </a:r>
+          </a:p>
+          <a:p>
+            <a:pPr marL="285750" indent="-285750" algn="l">
+              <a:lnSpc>
+                <a:spcPct val="150000"/>
+              </a:lnSpc>
+              <a:buFont typeface="Arial" panose="020B0604020202020204" pitchFamily="34" charset="0"/>
+              <a:buChar char="•"/>
+            </a:pPr>
             <a:r>
               <a:rPr lang="en-US" sz="1600" dirty="0">
                 <a:latin typeface="Segoe UI Black" panose="020B0A02040204020203" pitchFamily="34" charset="0"/>
                 <a:ea typeface="Segoe UI Black" panose="020B0A02040204020203" pitchFamily="34" charset="0"/>
                 <a:cs typeface="Segoe UI Semibold" panose="020B0702040204020203" pitchFamily="34" charset="0"/>
               </a:rPr>
-              <a:t> &amp; </a:t>
-            </a:r>
-            <a:r>
-              <a:rPr lang="en-US" sz="1600" b="1" dirty="0">
-                <a:latin typeface="Segoe UI Black" panose="020B0A02040204020203" pitchFamily="34" charset="0"/>
-                <a:ea typeface="Segoe UI Black" panose="020B0A02040204020203" pitchFamily="34" charset="0"/>
-                <a:cs typeface="Segoe UI Semibold" panose="020B0702040204020203" pitchFamily="34" charset="0"/>
-              </a:rPr>
-              <a:t>communication</a:t>
-            </a:r>
-            <a:r>
-              <a:rPr lang="en-US" sz="1600" b="1" dirty="0">
-                <a:latin typeface="Segoe UI Semibold" panose="020B0702040204020203" pitchFamily="34" charset="0"/>
-                <a:cs typeface="Segoe UI Semibold" panose="020B0702040204020203" pitchFamily="34" charset="0"/>
-              </a:rPr>
-              <a:t> </a:t>
+              <a:t>Deploy</a:t>
             </a:r>
             <a:r>
               <a:rPr lang="en-US" sz="1600" dirty="0">
                 <a:latin typeface="Segoe UI Semibold" panose="020B0702040204020203" pitchFamily="34" charset="0"/>
                 <a:cs typeface="Segoe UI Semibold" panose="020B0702040204020203" pitchFamily="34" charset="0"/>
               </a:rPr>
-              <a:t>of the modules.</a:t>
-            </a:r>
-          </a:p>
-          <a:p>
-            <a:pPr marL="285750" indent="-285750" algn="l">
-              <a:lnSpc>
-                <a:spcPct val="150000"/>
-              </a:lnSpc>
-              <a:buFont typeface="Arial" panose="020B0604020202020204" pitchFamily="34" charset="0"/>
-              <a:buChar char="•"/>
-            </a:pPr>
-            <a:r>
-              <a:rPr lang="en-US" sz="1600" dirty="0">
-                <a:latin typeface="Segoe UI Black" panose="020B0A02040204020203" pitchFamily="34" charset="0"/>
-                <a:ea typeface="Segoe UI Black" panose="020B0A02040204020203" pitchFamily="34" charset="0"/>
-                <a:cs typeface="Segoe UI Semibold" panose="020B0702040204020203" pitchFamily="34" charset="0"/>
-              </a:rPr>
-              <a:t>Complexity of the </a:t>
-            </a:r>
-            <a:r>
-              <a:rPr lang="en-US" sz="1600" b="1" dirty="0">
-                <a:latin typeface="Segoe UI Black" panose="020B0A02040204020203" pitchFamily="34" charset="0"/>
-                <a:ea typeface="Segoe UI Black" panose="020B0A02040204020203" pitchFamily="34" charset="0"/>
-                <a:cs typeface="Segoe UI Semibold" panose="020B0702040204020203" pitchFamily="34" charset="0"/>
-              </a:rPr>
-              <a:t>infrastructure</a:t>
-            </a:r>
-            <a:r>
-              <a:rPr lang="en-US" sz="1600" dirty="0">
-                <a:latin typeface="Segoe UI Semibold" panose="020B0702040204020203" pitchFamily="34" charset="0"/>
-                <a:cs typeface="Segoe UI Semibold" panose="020B0702040204020203" pitchFamily="34" charset="0"/>
-              </a:rPr>
-              <a:t> – needs to a </a:t>
-            </a:r>
-            <a:r>
-              <a:rPr lang="en-US" sz="1600" b="1" dirty="0">
-                <a:latin typeface="Segoe UI Semibold" panose="020B0702040204020203" pitchFamily="34" charset="0"/>
-                <a:cs typeface="Segoe UI Semibold" panose="020B0702040204020203" pitchFamily="34" charset="0"/>
-              </a:rPr>
-              <a:t>framework</a:t>
-            </a:r>
-            <a:r>
-              <a:rPr lang="en-US" sz="1600" dirty="0">
-                <a:latin typeface="Segoe UI Semibold" panose="020B0702040204020203" pitchFamily="34" charset="0"/>
-                <a:cs typeface="Segoe UI Semibold" panose="020B0702040204020203" pitchFamily="34" charset="0"/>
-              </a:rPr>
-              <a:t>!</a:t>
+              <a:t> only which modules are needed.</a:t>
             </a:r>
           </a:p>
         </p:txBody>
@@ -23164,7 +23012,7 @@
     </p:spTree>
     <p:extLst>
       <p:ext uri="{BB962C8B-B14F-4D97-AF65-F5344CB8AC3E}">
-        <p14:creationId xmlns:p14="http://schemas.microsoft.com/office/powerpoint/2010/main" val="1408779957"/>
+        <p14:creationId xmlns:p14="http://schemas.microsoft.com/office/powerpoint/2010/main" val="3618652779"/>
       </p:ext>
     </p:extLst>
   </p:cSld>
@@ -26776,10 +26624,10 @@
       </p:sp>
       <p:pic>
         <p:nvPicPr>
-          <p:cNvPr id="7" name="Picture 6">
-            <a:extLst>
-              <a:ext uri="{FF2B5EF4-FFF2-40B4-BE49-F238E27FC236}">
-                <a16:creationId xmlns:a16="http://schemas.microsoft.com/office/drawing/2014/main" id="{7BC8C94D-709B-43B3-9654-8BE3D45EE57C}"/>
+          <p:cNvPr id="8" name="Picture 7">
+            <a:extLst>
+              <a:ext uri="{FF2B5EF4-FFF2-40B4-BE49-F238E27FC236}">
+                <a16:creationId xmlns:a16="http://schemas.microsoft.com/office/drawing/2014/main" id="{144CCBD6-03EB-424E-938A-AD436EB10D32}"/>
               </a:ext>
             </a:extLst>
           </p:cNvPr>
@@ -26796,122 +26644,14 @@
         </p:blipFill>
         <p:spPr>
           <a:xfrm>
-            <a:off x="735412" y="2311372"/>
-            <a:ext cx="7962900" cy="476250"/>
+            <a:off x="735412" y="2019299"/>
+            <a:ext cx="10968734" cy="1815853"/>
           </a:xfrm>
           <a:prstGeom prst="rect">
             <a:avLst/>
           </a:prstGeom>
         </p:spPr>
       </p:pic>
-      <p:pic>
-        <p:nvPicPr>
-          <p:cNvPr id="8" name="Picture 7">
-            <a:extLst>
-              <a:ext uri="{FF2B5EF4-FFF2-40B4-BE49-F238E27FC236}">
-                <a16:creationId xmlns:a16="http://schemas.microsoft.com/office/drawing/2014/main" id="{144CCBD6-03EB-424E-938A-AD436EB10D32}"/>
-              </a:ext>
-            </a:extLst>
-          </p:cNvPr>
-          <p:cNvPicPr>
-            <a:picLocks noChangeAspect="1"/>
-          </p:cNvPicPr>
-          <p:nvPr/>
-        </p:nvPicPr>
-        <p:blipFill>
-          <a:blip r:embed="rId4"/>
-          <a:stretch>
-            <a:fillRect/>
-          </a:stretch>
-        </p:blipFill>
-        <p:spPr>
-          <a:xfrm>
-            <a:off x="735412" y="3745333"/>
-            <a:ext cx="8515350" cy="1409700"/>
-          </a:xfrm>
-          <a:prstGeom prst="rect">
-            <a:avLst/>
-          </a:prstGeom>
-        </p:spPr>
-      </p:pic>
-      <p:sp>
-        <p:nvSpPr>
-          <p:cNvPr id="10" name="TextBox 9">
-            <a:extLst>
-              <a:ext uri="{FF2B5EF4-FFF2-40B4-BE49-F238E27FC236}">
-                <a16:creationId xmlns:a16="http://schemas.microsoft.com/office/drawing/2014/main" id="{79F2E29E-ADBA-4525-AB64-94919D9E6C6B}"/>
-              </a:ext>
-            </a:extLst>
-          </p:cNvPr>
-          <p:cNvSpPr txBox="1"/>
-          <p:nvPr/>
-        </p:nvSpPr>
-        <p:spPr>
-          <a:xfrm>
-            <a:off x="735412" y="1828762"/>
-            <a:ext cx="5389937" cy="369332"/>
-          </a:xfrm>
-          <a:prstGeom prst="rect">
-            <a:avLst/>
-          </a:prstGeom>
-          <a:noFill/>
-        </p:spPr>
-        <p:txBody>
-          <a:bodyPr wrap="none" rtlCol="0">
-            <a:spAutoFit/>
-          </a:bodyPr>
-          <a:lstStyle/>
-          <a:p>
-            <a:r>
-              <a:rPr lang="en-US" u="sng" dirty="0"/>
-              <a:t>Adding a single-file (and it’s dependencies) as a bundle</a:t>
-            </a:r>
-            <a:r>
-              <a:rPr lang="en-US" dirty="0"/>
-              <a:t>:</a:t>
-            </a:r>
-          </a:p>
-        </p:txBody>
-      </p:sp>
-      <p:sp>
-        <p:nvSpPr>
-          <p:cNvPr id="12" name="TextBox 11">
-            <a:extLst>
-              <a:ext uri="{FF2B5EF4-FFF2-40B4-BE49-F238E27FC236}">
-                <a16:creationId xmlns:a16="http://schemas.microsoft.com/office/drawing/2014/main" id="{39689481-7C15-4B2C-A402-D19597FE2A0F}"/>
-              </a:ext>
-            </a:extLst>
-          </p:cNvPr>
-          <p:cNvSpPr txBox="1"/>
-          <p:nvPr/>
-        </p:nvSpPr>
-        <p:spPr>
-          <a:xfrm>
-            <a:off x="735412" y="3230913"/>
-            <a:ext cx="3302635" cy="369332"/>
-          </a:xfrm>
-          <a:prstGeom prst="rect">
-            <a:avLst/>
-          </a:prstGeom>
-          <a:noFill/>
-        </p:spPr>
-        <p:txBody>
-          <a:bodyPr wrap="none" rtlCol="0">
-            <a:spAutoFit/>
-          </a:bodyPr>
-          <a:lstStyle/>
-          <a:p>
-            <a:r>
-              <a:rPr lang="en-US" u="sng" dirty="0"/>
-              <a:t>Creating a new bundle on the fly</a:t>
-            </a:r>
-            <a:r>
-              <a:rPr lang="en-US" dirty="0"/>
-              <a:t>:</a:t>
-            </a:r>
-          </a:p>
-        </p:txBody>
-      </p:sp>
     </p:spTree>
     <p:extLst>
       <p:ext uri="{BB962C8B-B14F-4D97-AF65-F5344CB8AC3E}">
@@ -27835,7 +27575,7 @@
         <p:spPr>
           <a:xfrm>
             <a:off x="738908" y="1699293"/>
-            <a:ext cx="7538939" cy="708005"/>
+            <a:ext cx="10264896" cy="964008"/>
           </a:xfrm>
           <a:prstGeom prst="rect">
             <a:avLst/>
@@ -28286,8 +28026,8 @@
         </p:nvSpPr>
         <p:spPr>
           <a:xfrm>
-            <a:off x="738908" y="3173267"/>
-            <a:ext cx="4368801" cy="2042969"/>
+            <a:off x="693830" y="3519496"/>
+            <a:ext cx="4948484" cy="2691255"/>
           </a:xfrm>
           <a:prstGeom prst="rect">
             <a:avLst/>
@@ -28468,7 +28208,7 @@
               </a:lnSpc>
             </a:pPr>
             <a:r>
-              <a:rPr lang="en-US" sz="1600" dirty="0">
+              <a:rPr lang="en-US" dirty="0">
                 <a:latin typeface="Segoe UI Semibold" panose="020B0702040204020203" pitchFamily="34" charset="0"/>
                 <a:cs typeface="Segoe UI Semibold" panose="020B0702040204020203" pitchFamily="34" charset="0"/>
               </a:rPr>
@@ -29312,7 +29052,7 @@
         <p:spPr>
           <a:xfrm>
             <a:off x="738908" y="930564"/>
-            <a:ext cx="4858328" cy="2311400"/>
+            <a:ext cx="5429880" cy="1253078"/>
           </a:xfrm>
         </p:spPr>
         <p:txBody>
@@ -29324,13 +29064,20 @@
             <a:pPr algn="l"/>
             <a:r>
               <a:rPr lang="en-US" sz="4000" b="1" dirty="0">
-                <a:solidFill>
-                  <a:srgbClr val="0041C6"/>
-                </a:solidFill>
                 <a:latin typeface="Segoe UI Semibold" panose="020B0702040204020203" pitchFamily="34" charset="0"/>
                 <a:cs typeface="Segoe UI Semibold" panose="020B0702040204020203" pitchFamily="34" charset="0"/>
               </a:rPr>
-              <a:t>Monolithic Application</a:t>
+              <a:t>Modular Architecture</a:t>
+            </a:r>
+            <a:r>
+              <a:rPr lang="en-US" sz="4000" b="1" dirty="0">
+                <a:solidFill>
+                  <a:srgbClr val="0041C6"/>
+                </a:solidFill>
+                <a:latin typeface="Segoe UI Semibold" panose="020B0702040204020203" pitchFamily="34" charset="0"/>
+                <a:cs typeface="Segoe UI Semibold" panose="020B0702040204020203" pitchFamily="34" charset="0"/>
+              </a:rPr>
+              <a:t> Problems</a:t>
             </a:r>
           </a:p>
         </p:txBody>
@@ -29646,7 +29393,7 @@
         </p:nvSpPr>
         <p:spPr>
           <a:xfrm>
-            <a:off x="738908" y="3173267"/>
+            <a:off x="738908" y="2631390"/>
             <a:ext cx="4368801" cy="2042969"/>
           </a:xfrm>
           <a:prstGeom prst="rect">
@@ -29830,11 +29577,11 @@
               <a:buChar char="•"/>
             </a:pPr>
             <a:r>
-              <a:rPr lang="en-US" sz="1600" b="1" dirty="0">
+              <a:rPr lang="en-US" sz="1600" dirty="0">
                 <a:latin typeface="Segoe UI Semibold" panose="020B0702040204020203" pitchFamily="34" charset="0"/>
                 <a:cs typeface="Segoe UI Semibold" panose="020B0702040204020203" pitchFamily="34" charset="0"/>
               </a:rPr>
-              <a:t>Developed as a </a:t>
+              <a:t>Lack of </a:t>
             </a:r>
             <a:r>
               <a:rPr lang="en-US" sz="1600" b="1" dirty="0">
@@ -29842,7 +29589,7 @@
                 <a:ea typeface="Segoe UI Black" panose="020B0A02040204020203" pitchFamily="34" charset="0"/>
                 <a:cs typeface="Segoe UI Semibold" panose="020B0702040204020203" pitchFamily="34" charset="0"/>
               </a:rPr>
-              <a:t>single code base</a:t>
+              <a:t>integration</a:t>
             </a:r>
             <a:r>
               <a:rPr lang="en-US" sz="1600" dirty="0">
@@ -29850,44 +29597,7 @@
                 <a:ea typeface="Segoe UI Black" panose="020B0A02040204020203" pitchFamily="34" charset="0"/>
                 <a:cs typeface="Segoe UI Semibold" panose="020B0702040204020203" pitchFamily="34" charset="0"/>
               </a:rPr>
-              <a:t> </a:t>
-            </a:r>
-            <a:r>
-              <a:rPr lang="en-US" sz="1600" dirty="0">
-                <a:latin typeface="Segoe UI Semibold" panose="020B0702040204020203" pitchFamily="34" charset="0"/>
-                <a:cs typeface="Segoe UI Semibold" panose="020B0702040204020203" pitchFamily="34" charset="0"/>
-              </a:rPr>
-              <a:t>and </a:t>
-            </a:r>
-            <a:r>
-              <a:rPr lang="en-US" sz="1600" b="1" dirty="0">
-                <a:latin typeface="Segoe UI Semibold" panose="020B0702040204020203" pitchFamily="34" charset="0"/>
-                <a:cs typeface="Segoe UI Semibold" panose="020B0702040204020203" pitchFamily="34" charset="0"/>
-              </a:rPr>
-              <a:t>deployed</a:t>
-            </a:r>
-            <a:r>
-              <a:rPr lang="en-US" sz="1600" dirty="0">
-                <a:latin typeface="Segoe UI Semibold" panose="020B0702040204020203" pitchFamily="34" charset="0"/>
-                <a:cs typeface="Segoe UI Semibold" panose="020B0702040204020203" pitchFamily="34" charset="0"/>
-              </a:rPr>
-              <a:t> as a single application.</a:t>
-            </a:r>
-          </a:p>
-          <a:p>
-            <a:pPr marL="285750" indent="-285750" algn="l">
-              <a:lnSpc>
-                <a:spcPct val="150000"/>
-              </a:lnSpc>
-              <a:buFont typeface="Arial" panose="020B0604020202020204" pitchFamily="34" charset="0"/>
-              <a:buChar char="•"/>
-            </a:pPr>
-            <a:r>
-              <a:rPr lang="en-US" sz="1600" dirty="0">
-                <a:latin typeface="Segoe UI Semibold" panose="020B0702040204020203" pitchFamily="34" charset="0"/>
-                <a:cs typeface="Segoe UI Semibold" panose="020B0702040204020203" pitchFamily="34" charset="0"/>
-              </a:rPr>
-              <a:t>Services directly </a:t>
+              <a:t> &amp; </a:t>
             </a:r>
             <a:r>
               <a:rPr lang="en-US" sz="1600" b="1" dirty="0">
@@ -29895,14 +29605,67 @@
                 <a:ea typeface="Segoe UI Black" panose="020B0A02040204020203" pitchFamily="34" charset="0"/>
                 <a:cs typeface="Segoe UI Semibold" panose="020B0702040204020203" pitchFamily="34" charset="0"/>
               </a:rPr>
-              <a:t>injects</a:t>
+              <a:t>communication</a:t>
+            </a:r>
+            <a:r>
+              <a:rPr lang="en-US" sz="1600" b="1" dirty="0">
+                <a:latin typeface="Segoe UI Semibold" panose="020B0702040204020203" pitchFamily="34" charset="0"/>
+                <a:cs typeface="Segoe UI Semibold" panose="020B0702040204020203" pitchFamily="34" charset="0"/>
+              </a:rPr>
+              <a:t> </a:t>
             </a:r>
             <a:r>
               <a:rPr lang="en-US" sz="1600" dirty="0">
                 <a:latin typeface="Segoe UI Semibold" panose="020B0702040204020203" pitchFamily="34" charset="0"/>
                 <a:cs typeface="Segoe UI Semibold" panose="020B0702040204020203" pitchFamily="34" charset="0"/>
               </a:rPr>
-              <a:t> &amp; use other services.</a:t>
+              <a:t>of the modules.</a:t>
+            </a:r>
+          </a:p>
+          <a:p>
+            <a:pPr marL="285750" indent="-285750" algn="l">
+              <a:lnSpc>
+                <a:spcPct val="150000"/>
+              </a:lnSpc>
+              <a:buFont typeface="Arial" panose="020B0604020202020204" pitchFamily="34" charset="0"/>
+              <a:buChar char="•"/>
+            </a:pPr>
+            <a:r>
+              <a:rPr lang="en-US" sz="1600" dirty="0">
+                <a:latin typeface="Segoe UI Black" panose="020B0A02040204020203" pitchFamily="34" charset="0"/>
+                <a:ea typeface="Segoe UI Black" panose="020B0A02040204020203" pitchFamily="34" charset="0"/>
+                <a:cs typeface="Segoe UI Semibold" panose="020B0702040204020203" pitchFamily="34" charset="0"/>
+              </a:rPr>
+              <a:t>Complexity of the </a:t>
+            </a:r>
+            <a:r>
+              <a:rPr lang="en-US" sz="1600" b="1" dirty="0">
+                <a:latin typeface="Segoe UI Black" panose="020B0A02040204020203" pitchFamily="34" charset="0"/>
+                <a:ea typeface="Segoe UI Black" panose="020B0A02040204020203" pitchFamily="34" charset="0"/>
+                <a:cs typeface="Segoe UI Semibold" panose="020B0702040204020203" pitchFamily="34" charset="0"/>
+              </a:rPr>
+              <a:t>infrastructure</a:t>
+            </a:r>
+            <a:r>
+              <a:rPr lang="en-US" sz="1600" dirty="0">
+                <a:latin typeface="Segoe UI Semibold" panose="020B0702040204020203" pitchFamily="34" charset="0"/>
+                <a:cs typeface="Segoe UI Semibold" panose="020B0702040204020203" pitchFamily="34" charset="0"/>
+              </a:rPr>
+              <a:t> – needs to a </a:t>
+            </a:r>
+            <a:r>
+              <a:rPr lang="en-US" sz="1600" b="1" dirty="0">
+                <a:latin typeface="Segoe UI Semibold" panose="020B0702040204020203" pitchFamily="34" charset="0"/>
+                <a:cs typeface="Segoe UI Semibold" panose="020B0702040204020203" pitchFamily="34" charset="0"/>
+              </a:rPr>
+              <a:t>framework</a:t>
+            </a:r>
+            <a:r>
+              <a:rPr lang="en-US" sz="1600" dirty="0">
+                <a:latin typeface="Segoe UI Semibold" panose="020B0702040204020203" pitchFamily="34" charset="0"/>
+                <a:cs typeface="Segoe UI Semibold" panose="020B0702040204020203" pitchFamily="34" charset="0"/>
+              </a:rPr>
+              <a:t>!</a:t>
             </a:r>
           </a:p>
         </p:txBody>
@@ -29910,7 +29673,7 @@
     </p:spTree>
     <p:extLst>
       <p:ext uri="{BB962C8B-B14F-4D97-AF65-F5344CB8AC3E}">
-        <p14:creationId xmlns:p14="http://schemas.microsoft.com/office/powerpoint/2010/main" val="1869808668"/>
+        <p14:creationId xmlns:p14="http://schemas.microsoft.com/office/powerpoint/2010/main" val="1408779957"/>
       </p:ext>
     </p:extLst>
   </p:cSld>
@@ -33653,29 +33416,13 @@
             <a:pPr algn="l"/>
             <a:r>
               <a:rPr lang="en-US" sz="4000" b="1" dirty="0">
+                <a:solidFill>
+                  <a:srgbClr val="0041C6"/>
+                </a:solidFill>
                 <a:latin typeface="Segoe UI Semibold" panose="020B0702040204020203" pitchFamily="34" charset="0"/>
                 <a:cs typeface="Segoe UI Semibold" panose="020B0702040204020203" pitchFamily="34" charset="0"/>
               </a:rPr>
               <a:t>Monolithic Application</a:t>
-            </a:r>
-            <a:br>
-              <a:rPr lang="en-US" sz="4000" b="1" dirty="0">
-                <a:solidFill>
-                  <a:srgbClr val="0041C6"/>
-                </a:solidFill>
-                <a:latin typeface="Segoe UI Semibold" panose="020B0702040204020203" pitchFamily="34" charset="0"/>
-                <a:cs typeface="Segoe UI Semibold" panose="020B0702040204020203" pitchFamily="34" charset="0"/>
-              </a:rPr>
-            </a:br>
-            <a:r>
-              <a:rPr lang="en-US" sz="4000" b="1" dirty="0">
-                <a:solidFill>
-                  <a:srgbClr val="0041C6"/>
-                </a:solidFill>
-                <a:latin typeface="Segoe UI Semibold" panose="020B0702040204020203" pitchFamily="34" charset="0"/>
-                <a:cs typeface="Segoe UI Semibold" panose="020B0702040204020203" pitchFamily="34" charset="0"/>
-              </a:rPr>
-              <a:t>Layered/Clean Architecture</a:t>
             </a:r>
           </a:p>
         </p:txBody>
@@ -33991,7 +33738,7 @@
         </p:nvSpPr>
         <p:spPr>
           <a:xfrm>
-            <a:off x="738908" y="3440552"/>
+            <a:off x="738908" y="3173267"/>
             <a:ext cx="4368801" cy="2042969"/>
           </a:xfrm>
           <a:prstGeom prst="rect">
@@ -34175,461 +33922,79 @@
               <a:buChar char="•"/>
             </a:pPr>
             <a:r>
+              <a:rPr lang="en-US" sz="1600" b="1" dirty="0">
+                <a:latin typeface="Segoe UI Semibold" panose="020B0702040204020203" pitchFamily="34" charset="0"/>
+                <a:cs typeface="Segoe UI Semibold" panose="020B0702040204020203" pitchFamily="34" charset="0"/>
+              </a:rPr>
+              <a:t>Developed as a </a:t>
+            </a:r>
+            <a:r>
+              <a:rPr lang="en-US" sz="1600" b="1" dirty="0">
+                <a:latin typeface="Segoe UI Black" panose="020B0A02040204020203" pitchFamily="34" charset="0"/>
+                <a:ea typeface="Segoe UI Black" panose="020B0A02040204020203" pitchFamily="34" charset="0"/>
+                <a:cs typeface="Segoe UI Semibold" panose="020B0702040204020203" pitchFamily="34" charset="0"/>
+              </a:rPr>
+              <a:t>single code base</a:t>
+            </a:r>
+            <a:r>
+              <a:rPr lang="en-US" sz="1600" dirty="0">
+                <a:latin typeface="Segoe UI Black" panose="020B0A02040204020203" pitchFamily="34" charset="0"/>
+                <a:ea typeface="Segoe UI Black" panose="020B0A02040204020203" pitchFamily="34" charset="0"/>
+                <a:cs typeface="Segoe UI Semibold" panose="020B0702040204020203" pitchFamily="34" charset="0"/>
+              </a:rPr>
+              <a:t> </a:t>
+            </a:r>
+            <a:r>
               <a:rPr lang="en-US" sz="1600" dirty="0">
                 <a:latin typeface="Segoe UI Semibold" panose="020B0702040204020203" pitchFamily="34" charset="0"/>
                 <a:cs typeface="Segoe UI Semibold" panose="020B0702040204020203" pitchFamily="34" charset="0"/>
               </a:rPr>
-              <a:t>A layer can only depend on the layer below.</a:t>
-            </a:r>
-          </a:p>
-          <a:p>
-            <a:pPr marL="285750" indent="-285750" algn="l">
-              <a:lnSpc>
-                <a:spcPct val="150000"/>
-              </a:lnSpc>
-              <a:buFont typeface="Arial" panose="020B0604020202020204" pitchFamily="34" charset="0"/>
-              <a:buChar char="•"/>
-            </a:pPr>
+              <a:t>and </a:t>
+            </a:r>
+            <a:r>
+              <a:rPr lang="en-US" sz="1600" b="1" dirty="0">
+                <a:latin typeface="Segoe UI Semibold" panose="020B0702040204020203" pitchFamily="34" charset="0"/>
+                <a:cs typeface="Segoe UI Semibold" panose="020B0702040204020203" pitchFamily="34" charset="0"/>
+              </a:rPr>
+              <a:t>deployed</a:t>
+            </a:r>
             <a:r>
               <a:rPr lang="en-US" sz="1600" dirty="0">
                 <a:latin typeface="Segoe UI Semibold" panose="020B0702040204020203" pitchFamily="34" charset="0"/>
                 <a:cs typeface="Segoe UI Semibold" panose="020B0702040204020203" pitchFamily="34" charset="0"/>
               </a:rPr>
-              <a:t>Infrastructure layer supports other layers by implementing abstractions.</a:t>
-            </a:r>
-          </a:p>
-        </p:txBody>
-      </p:sp>
-      <p:sp>
-        <p:nvSpPr>
-          <p:cNvPr id="7" name="Rectangle 6">
-            <a:extLst>
-              <a:ext uri="{FF2B5EF4-FFF2-40B4-BE49-F238E27FC236}">
-                <a16:creationId xmlns:a16="http://schemas.microsoft.com/office/drawing/2014/main" id="{1DFB8280-B603-4B61-AE0A-70F201C5EB0B}"/>
-              </a:ext>
-            </a:extLst>
-          </p:cNvPr>
-          <p:cNvSpPr/>
-          <p:nvPr/>
-        </p:nvSpPr>
-        <p:spPr>
-          <a:xfrm>
-            <a:off x="8345606" y="1369290"/>
-            <a:ext cx="3107486" cy="2311399"/>
-          </a:xfrm>
-          <a:prstGeom prst="rect">
-            <a:avLst/>
-          </a:prstGeom>
-        </p:spPr>
-        <p:style>
-          <a:lnRef idx="2">
-            <a:schemeClr val="accent1">
-              <a:shade val="50000"/>
-            </a:schemeClr>
-          </a:lnRef>
-          <a:fillRef idx="1">
-            <a:schemeClr val="accent1"/>
-          </a:fillRef>
-          <a:effectRef idx="0">
-            <a:schemeClr val="accent1"/>
-          </a:effectRef>
-          <a:fontRef idx="minor">
-            <a:schemeClr val="lt1"/>
-          </a:fontRef>
-        </p:style>
-        <p:txBody>
-          <a:bodyPr rtlCol="0" anchor="ctr"/>
-          <a:lstStyle/>
-          <a:p>
-            <a:pPr algn="r"/>
-            <a:r>
-              <a:rPr lang="en-US" dirty="0"/>
-              <a:t>Infrastructure</a:t>
-            </a:r>
-          </a:p>
-          <a:p>
-            <a:pPr algn="r"/>
-            <a:r>
-              <a:rPr lang="en-US" dirty="0"/>
-              <a:t>Layer</a:t>
-            </a:r>
-          </a:p>
-        </p:txBody>
-      </p:sp>
-      <p:sp>
-        <p:nvSpPr>
-          <p:cNvPr id="6" name="TextBox 5">
-            <a:extLst>
-              <a:ext uri="{FF2B5EF4-FFF2-40B4-BE49-F238E27FC236}">
-                <a16:creationId xmlns:a16="http://schemas.microsoft.com/office/drawing/2014/main" id="{1FB26DF9-513B-4A2F-92FB-9D8D86D048C9}"/>
-              </a:ext>
-            </a:extLst>
-          </p:cNvPr>
-          <p:cNvSpPr txBox="1"/>
-          <p:nvPr/>
-        </p:nvSpPr>
-        <p:spPr>
-          <a:xfrm>
-            <a:off x="7369427" y="1608798"/>
-            <a:ext cx="2353056" cy="371856"/>
-          </a:xfrm>
-          <a:prstGeom prst="rect">
-            <a:avLst/>
-          </a:prstGeom>
-          <a:solidFill>
-            <a:schemeClr val="bg1">
-              <a:lumMod val="95000"/>
-            </a:schemeClr>
-          </a:solidFill>
-          <a:ln w="19050">
-            <a:solidFill>
-              <a:schemeClr val="accent1"/>
-            </a:solidFill>
-          </a:ln>
-        </p:spPr>
-        <p:txBody>
-          <a:bodyPr wrap="square" rtlCol="0">
-            <a:spAutoFit/>
-          </a:bodyPr>
-          <a:lstStyle/>
-          <a:p>
-            <a:pPr algn="ctr"/>
-            <a:r>
-              <a:rPr lang="en-US" dirty="0"/>
-              <a:t>Presentation Layer</a:t>
-            </a:r>
-          </a:p>
-        </p:txBody>
-      </p:sp>
-      <p:sp>
-        <p:nvSpPr>
-          <p:cNvPr id="10" name="TextBox 9">
-            <a:extLst>
-              <a:ext uri="{FF2B5EF4-FFF2-40B4-BE49-F238E27FC236}">
-                <a16:creationId xmlns:a16="http://schemas.microsoft.com/office/drawing/2014/main" id="{9A745C4C-30B4-4E33-A1CD-A0FAF3166ACE}"/>
-              </a:ext>
-            </a:extLst>
-          </p:cNvPr>
-          <p:cNvSpPr txBox="1"/>
-          <p:nvPr/>
-        </p:nvSpPr>
-        <p:spPr>
-          <a:xfrm>
-            <a:off x="7369427" y="2338747"/>
-            <a:ext cx="2353056" cy="371856"/>
-          </a:xfrm>
-          <a:prstGeom prst="rect">
-            <a:avLst/>
-          </a:prstGeom>
-          <a:solidFill>
-            <a:schemeClr val="bg1">
-              <a:lumMod val="95000"/>
-            </a:schemeClr>
-          </a:solidFill>
-          <a:ln w="19050">
-            <a:solidFill>
-              <a:schemeClr val="accent1"/>
-            </a:solidFill>
-          </a:ln>
-        </p:spPr>
-        <p:txBody>
-          <a:bodyPr wrap="square" rtlCol="0">
-            <a:spAutoFit/>
-          </a:bodyPr>
-          <a:lstStyle/>
-          <a:p>
-            <a:pPr algn="ctr"/>
-            <a:r>
-              <a:rPr lang="en-US" dirty="0"/>
-              <a:t>Application Layer</a:t>
-            </a:r>
-          </a:p>
-        </p:txBody>
-      </p:sp>
-      <p:sp>
-        <p:nvSpPr>
-          <p:cNvPr id="12" name="TextBox 11">
-            <a:extLst>
-              <a:ext uri="{FF2B5EF4-FFF2-40B4-BE49-F238E27FC236}">
-                <a16:creationId xmlns:a16="http://schemas.microsoft.com/office/drawing/2014/main" id="{C5726391-F50F-4680-81A5-A93D77ED8B4B}"/>
-              </a:ext>
-            </a:extLst>
-          </p:cNvPr>
-          <p:cNvSpPr txBox="1"/>
-          <p:nvPr/>
-        </p:nvSpPr>
-        <p:spPr>
-          <a:xfrm>
-            <a:off x="7369427" y="3068696"/>
-            <a:ext cx="2353056" cy="371856"/>
-          </a:xfrm>
-          <a:prstGeom prst="rect">
-            <a:avLst/>
-          </a:prstGeom>
-          <a:solidFill>
-            <a:schemeClr val="bg1">
-              <a:lumMod val="95000"/>
-            </a:schemeClr>
-          </a:solidFill>
-          <a:ln w="19050">
-            <a:solidFill>
-              <a:schemeClr val="accent1"/>
-            </a:solidFill>
-          </a:ln>
-        </p:spPr>
-        <p:txBody>
-          <a:bodyPr wrap="square" rtlCol="0">
-            <a:spAutoFit/>
-          </a:bodyPr>
-          <a:lstStyle/>
-          <a:p>
-            <a:pPr algn="ctr"/>
-            <a:r>
-              <a:rPr lang="en-US" dirty="0"/>
-              <a:t>Domain Layer</a:t>
-            </a:r>
-          </a:p>
-        </p:txBody>
-      </p:sp>
-      <p:cxnSp>
-        <p:nvCxnSpPr>
-          <p:cNvPr id="14" name="Straight Arrow Connector 13">
-            <a:extLst>
-              <a:ext uri="{FF2B5EF4-FFF2-40B4-BE49-F238E27FC236}">
-                <a16:creationId xmlns:a16="http://schemas.microsoft.com/office/drawing/2014/main" id="{43FFF052-8BB5-4DE5-9DB4-1D1EB1ECE8C8}"/>
-              </a:ext>
-            </a:extLst>
-          </p:cNvPr>
-          <p:cNvCxnSpPr/>
-          <p:nvPr/>
-        </p:nvCxnSpPr>
-        <p:spPr>
-          <a:xfrm>
-            <a:off x="7773557" y="1980654"/>
-            <a:ext cx="0" cy="358093"/>
-          </a:xfrm>
-          <a:prstGeom prst="straightConnector1">
-            <a:avLst/>
-          </a:prstGeom>
-          <a:ln w="63500">
-            <a:tailEnd type="triangle"/>
-          </a:ln>
-        </p:spPr>
-        <p:style>
-          <a:lnRef idx="1">
-            <a:schemeClr val="accent1"/>
-          </a:lnRef>
-          <a:fillRef idx="0">
-            <a:schemeClr val="accent1"/>
-          </a:fillRef>
-          <a:effectRef idx="0">
-            <a:schemeClr val="accent1"/>
-          </a:effectRef>
-          <a:fontRef idx="minor">
-            <a:schemeClr val="tx1"/>
-          </a:fontRef>
-        </p:style>
-      </p:cxnSp>
-      <p:cxnSp>
-        <p:nvCxnSpPr>
-          <p:cNvPr id="16" name="Straight Arrow Connector 15">
-            <a:extLst>
-              <a:ext uri="{FF2B5EF4-FFF2-40B4-BE49-F238E27FC236}">
-                <a16:creationId xmlns:a16="http://schemas.microsoft.com/office/drawing/2014/main" id="{0800EF07-569E-45A4-A66E-F96C7FDE8DBE}"/>
-              </a:ext>
-            </a:extLst>
-          </p:cNvPr>
-          <p:cNvCxnSpPr/>
-          <p:nvPr/>
-        </p:nvCxnSpPr>
-        <p:spPr>
-          <a:xfrm>
-            <a:off x="7773557" y="2725789"/>
-            <a:ext cx="0" cy="358093"/>
-          </a:xfrm>
-          <a:prstGeom prst="straightConnector1">
-            <a:avLst/>
-          </a:prstGeom>
-          <a:ln w="63500">
-            <a:tailEnd type="triangle"/>
-          </a:ln>
-        </p:spPr>
-        <p:style>
-          <a:lnRef idx="1">
-            <a:schemeClr val="accent1"/>
-          </a:lnRef>
-          <a:fillRef idx="0">
-            <a:schemeClr val="accent1"/>
-          </a:fillRef>
-          <a:effectRef idx="0">
-            <a:schemeClr val="accent1"/>
-          </a:effectRef>
-          <a:fontRef idx="minor">
-            <a:schemeClr val="tx1"/>
-          </a:fontRef>
-        </p:style>
-      </p:cxnSp>
-      <p:cxnSp>
-        <p:nvCxnSpPr>
-          <p:cNvPr id="18" name="Connector: Elbow 17">
-            <a:extLst>
-              <a:ext uri="{FF2B5EF4-FFF2-40B4-BE49-F238E27FC236}">
-                <a16:creationId xmlns:a16="http://schemas.microsoft.com/office/drawing/2014/main" id="{16DC2852-BAB9-462F-8E9E-974CB05EAA99}"/>
-              </a:ext>
-            </a:extLst>
-          </p:cNvPr>
-          <p:cNvCxnSpPr>
-            <a:cxnSpLocks/>
-          </p:cNvCxnSpPr>
-          <p:nvPr/>
-        </p:nvCxnSpPr>
-        <p:spPr>
-          <a:xfrm rot="10800000">
-            <a:off x="8031708" y="3440553"/>
-            <a:ext cx="313899" cy="176105"/>
-          </a:xfrm>
-          <a:prstGeom prst="bentConnector3">
-            <a:avLst>
-              <a:gd name="adj1" fmla="val 100000"/>
-            </a:avLst>
-          </a:prstGeom>
-          <a:ln>
-            <a:tailEnd type="triangle"/>
-          </a:ln>
-        </p:spPr>
-        <p:style>
-          <a:lnRef idx="1">
-            <a:schemeClr val="accent1"/>
-          </a:lnRef>
-          <a:fillRef idx="0">
-            <a:schemeClr val="accent1"/>
-          </a:fillRef>
-          <a:effectRef idx="0">
-            <a:schemeClr val="accent1"/>
-          </a:effectRef>
-          <a:fontRef idx="minor">
-            <a:schemeClr val="tx1"/>
-          </a:fontRef>
-        </p:style>
-      </p:cxnSp>
-      <p:cxnSp>
-        <p:nvCxnSpPr>
-          <p:cNvPr id="21" name="Connector: Elbow 20">
-            <a:extLst>
-              <a:ext uri="{FF2B5EF4-FFF2-40B4-BE49-F238E27FC236}">
-                <a16:creationId xmlns:a16="http://schemas.microsoft.com/office/drawing/2014/main" id="{D2CD072E-D065-4111-8896-9BE0FF4D1691}"/>
-              </a:ext>
-            </a:extLst>
-          </p:cNvPr>
-          <p:cNvCxnSpPr>
-            <a:cxnSpLocks/>
-          </p:cNvCxnSpPr>
-          <p:nvPr/>
-        </p:nvCxnSpPr>
-        <p:spPr>
-          <a:xfrm rot="10800000">
-            <a:off x="8031708" y="2710603"/>
-            <a:ext cx="313899" cy="176105"/>
-          </a:xfrm>
-          <a:prstGeom prst="bentConnector3">
-            <a:avLst>
-              <a:gd name="adj1" fmla="val 100000"/>
-            </a:avLst>
-          </a:prstGeom>
-          <a:ln>
-            <a:tailEnd type="triangle"/>
-          </a:ln>
-        </p:spPr>
-        <p:style>
-          <a:lnRef idx="1">
-            <a:schemeClr val="accent1"/>
-          </a:lnRef>
-          <a:fillRef idx="0">
-            <a:schemeClr val="accent1"/>
-          </a:fillRef>
-          <a:effectRef idx="0">
-            <a:schemeClr val="accent1"/>
-          </a:effectRef>
-          <a:fontRef idx="minor">
-            <a:schemeClr val="tx1"/>
-          </a:fontRef>
-        </p:style>
-      </p:cxnSp>
-      <p:cxnSp>
-        <p:nvCxnSpPr>
-          <p:cNvPr id="22" name="Connector: Elbow 21">
-            <a:extLst>
-              <a:ext uri="{FF2B5EF4-FFF2-40B4-BE49-F238E27FC236}">
-                <a16:creationId xmlns:a16="http://schemas.microsoft.com/office/drawing/2014/main" id="{11E759A8-4163-4EA3-A9A9-169449F140D9}"/>
-              </a:ext>
-            </a:extLst>
-          </p:cNvPr>
-          <p:cNvCxnSpPr>
-            <a:cxnSpLocks/>
-          </p:cNvCxnSpPr>
-          <p:nvPr/>
-        </p:nvCxnSpPr>
-        <p:spPr>
-          <a:xfrm rot="10800000">
-            <a:off x="8031706" y="1976714"/>
-            <a:ext cx="313899" cy="176105"/>
-          </a:xfrm>
-          <a:prstGeom prst="bentConnector3">
-            <a:avLst>
-              <a:gd name="adj1" fmla="val 100000"/>
-            </a:avLst>
-          </a:prstGeom>
-          <a:ln>
-            <a:tailEnd type="triangle"/>
-          </a:ln>
-        </p:spPr>
-        <p:style>
-          <a:lnRef idx="1">
-            <a:schemeClr val="accent1"/>
-          </a:lnRef>
-          <a:fillRef idx="0">
-            <a:schemeClr val="accent1"/>
-          </a:fillRef>
-          <a:effectRef idx="0">
-            <a:schemeClr val="accent1"/>
-          </a:effectRef>
-          <a:fontRef idx="minor">
-            <a:schemeClr val="tx1"/>
-          </a:fontRef>
-        </p:style>
-      </p:cxnSp>
-      <p:sp>
-        <p:nvSpPr>
-          <p:cNvPr id="23" name="TextBox 22">
-            <a:extLst>
-              <a:ext uri="{FF2B5EF4-FFF2-40B4-BE49-F238E27FC236}">
-                <a16:creationId xmlns:a16="http://schemas.microsoft.com/office/drawing/2014/main" id="{B5600360-AAF4-4E5A-AFC9-18A96A21340D}"/>
-              </a:ext>
-            </a:extLst>
-          </p:cNvPr>
-          <p:cNvSpPr txBox="1"/>
-          <p:nvPr/>
-        </p:nvSpPr>
-        <p:spPr>
-          <a:xfrm>
-            <a:off x="7369427" y="745898"/>
-            <a:ext cx="4083665" cy="400110"/>
-          </a:xfrm>
-          <a:prstGeom prst="rect">
-            <a:avLst/>
-          </a:prstGeom>
-          <a:noFill/>
-        </p:spPr>
-        <p:txBody>
-          <a:bodyPr wrap="square" rtlCol="0">
-            <a:spAutoFit/>
-          </a:bodyPr>
-          <a:lstStyle/>
-          <a:p>
-            <a:pPr algn="ctr"/>
-            <a:r>
-              <a:rPr lang="en-US" sz="2000" dirty="0"/>
-              <a:t>Domain Driven Design (DDD) Layers</a:t>
+              <a:t> as a single application.</a:t>
+            </a:r>
+          </a:p>
+          <a:p>
+            <a:pPr marL="285750" indent="-285750" algn="l">
+              <a:lnSpc>
+                <a:spcPct val="150000"/>
+              </a:lnSpc>
+              <a:buFont typeface="Arial" panose="020B0604020202020204" pitchFamily="34" charset="0"/>
+              <a:buChar char="•"/>
+            </a:pPr>
+            <a:r>
+              <a:rPr lang="en-US" sz="1600" dirty="0">
+                <a:latin typeface="Segoe UI Semibold" panose="020B0702040204020203" pitchFamily="34" charset="0"/>
+                <a:cs typeface="Segoe UI Semibold" panose="020B0702040204020203" pitchFamily="34" charset="0"/>
+              </a:rPr>
+              <a:t>Services directly </a:t>
+            </a:r>
+            <a:r>
+              <a:rPr lang="en-US" sz="1600" b="1" dirty="0">
+                <a:latin typeface="Segoe UI Black" panose="020B0A02040204020203" pitchFamily="34" charset="0"/>
+                <a:ea typeface="Segoe UI Black" panose="020B0A02040204020203" pitchFamily="34" charset="0"/>
+                <a:cs typeface="Segoe UI Semibold" panose="020B0702040204020203" pitchFamily="34" charset="0"/>
+              </a:rPr>
+              <a:t>injects</a:t>
+            </a:r>
+            <a:r>
+              <a:rPr lang="en-US" sz="1600" dirty="0">
+                <a:latin typeface="Segoe UI Semibold" panose="020B0702040204020203" pitchFamily="34" charset="0"/>
+                <a:cs typeface="Segoe UI Semibold" panose="020B0702040204020203" pitchFamily="34" charset="0"/>
+              </a:rPr>
+              <a:t> &amp; use other services.</a:t>
             </a:r>
           </a:p>
         </p:txBody>
@@ -34637,7 +34002,7 @@
     </p:spTree>
     <p:extLst>
       <p:ext uri="{BB962C8B-B14F-4D97-AF65-F5344CB8AC3E}">
-        <p14:creationId xmlns:p14="http://schemas.microsoft.com/office/powerpoint/2010/main" val="232957203"/>
+        <p14:creationId xmlns:p14="http://schemas.microsoft.com/office/powerpoint/2010/main" val="1869808668"/>
       </p:ext>
     </p:extLst>
   </p:cSld>
@@ -34730,7 +34095,7 @@
         </p:nvSpPr>
         <p:spPr>
           <a:xfrm>
-            <a:off x="712586" y="300753"/>
+            <a:off x="738908" y="930564"/>
             <a:ext cx="4858328" cy="2311400"/>
           </a:xfrm>
         </p:spPr>
@@ -34765,7 +34130,7 @@
                 <a:latin typeface="Segoe UI Semibold" panose="020B0702040204020203" pitchFamily="34" charset="0"/>
                 <a:cs typeface="Segoe UI Semibold" panose="020B0702040204020203" pitchFamily="34" charset="0"/>
               </a:rPr>
-              <a:t>Modular Architecture</a:t>
+              <a:t>Layered/Clean Architecture</a:t>
             </a:r>
           </a:p>
         </p:txBody>
@@ -35081,15 +34446,15 @@
         </p:nvSpPr>
         <p:spPr>
           <a:xfrm>
-            <a:off x="658347" y="2612153"/>
-            <a:ext cx="4368801" cy="3528588"/>
+            <a:off x="738908" y="3440552"/>
+            <a:ext cx="4368801" cy="2042969"/>
           </a:xfrm>
           <a:prstGeom prst="rect">
             <a:avLst/>
           </a:prstGeom>
         </p:spPr>
         <p:txBody>
-          <a:bodyPr vert="horz" lIns="91440" tIns="45720" rIns="91440" bIns="45720" rtlCol="0" anchor="t">
+          <a:bodyPr vert="horz" lIns="91440" tIns="45720" rIns="91440" bIns="45720" rtlCol="0" anchor="ctr">
             <a:noAutofit/>
           </a:bodyPr>
           <a:lstStyle>
@@ -35269,174 +34634,33 @@
                 <a:latin typeface="Segoe UI Semibold" panose="020B0702040204020203" pitchFamily="34" charset="0"/>
                 <a:cs typeface="Segoe UI Semibold" panose="020B0702040204020203" pitchFamily="34" charset="0"/>
               </a:rPr>
-              <a:t>Application functionalities are </a:t>
-            </a:r>
-            <a:r>
-              <a:rPr lang="en-US" sz="1600" b="1" dirty="0">
-                <a:latin typeface="Segoe UI Semibold" panose="020B0702040204020203" pitchFamily="34" charset="0"/>
-                <a:cs typeface="Segoe UI Semibold" panose="020B0702040204020203" pitchFamily="34" charset="0"/>
-              </a:rPr>
-              <a:t>separated</a:t>
-            </a:r>
+              <a:t>A layer can only depend on the layer below.</a:t>
+            </a:r>
+          </a:p>
+          <a:p>
+            <a:pPr marL="285750" indent="-285750" algn="l">
+              <a:lnSpc>
+                <a:spcPct val="150000"/>
+              </a:lnSpc>
+              <a:buFont typeface="Arial" panose="020B0604020202020204" pitchFamily="34" charset="0"/>
+              <a:buChar char="•"/>
+            </a:pPr>
             <a:r>
               <a:rPr lang="en-US" sz="1600" dirty="0">
                 <a:latin typeface="Segoe UI Semibold" panose="020B0702040204020203" pitchFamily="34" charset="0"/>
                 <a:cs typeface="Segoe UI Semibold" panose="020B0702040204020203" pitchFamily="34" charset="0"/>
               </a:rPr>
-              <a:t> into </a:t>
-            </a:r>
-            <a:r>
-              <a:rPr lang="en-US" sz="1600" b="1" dirty="0">
-                <a:latin typeface="Segoe UI Semibold" panose="020B0702040204020203" pitchFamily="34" charset="0"/>
-                <a:cs typeface="Segoe UI Semibold" panose="020B0702040204020203" pitchFamily="34" charset="0"/>
-              </a:rPr>
-              <a:t>multiple</a:t>
-            </a:r>
-            <a:r>
-              <a:rPr lang="en-US" sz="1600" dirty="0">
-                <a:latin typeface="Segoe UI Semibold" panose="020B0702040204020203" pitchFamily="34" charset="0"/>
-                <a:cs typeface="Segoe UI Semibold" panose="020B0702040204020203" pitchFamily="34" charset="0"/>
-              </a:rPr>
-              <a:t> modules (</a:t>
-            </a:r>
-            <a:r>
-              <a:rPr lang="en-US" sz="1600" dirty="0">
-                <a:latin typeface="Segoe UI Black" panose="020B0A02040204020203" pitchFamily="34" charset="0"/>
-                <a:ea typeface="Segoe UI Black" panose="020B0A02040204020203" pitchFamily="34" charset="0"/>
-                <a:cs typeface="Segoe UI Semibold" panose="020B0702040204020203" pitchFamily="34" charset="0"/>
-              </a:rPr>
-              <a:t>bounded contexts</a:t>
-            </a:r>
-            <a:r>
-              <a:rPr lang="en-US" sz="1600" dirty="0">
-                <a:latin typeface="Segoe UI Semibold" panose="020B0702040204020203" pitchFamily="34" charset="0"/>
-                <a:cs typeface="Segoe UI Semibold" panose="020B0702040204020203" pitchFamily="34" charset="0"/>
-              </a:rPr>
-              <a:t>).</a:t>
-            </a:r>
-          </a:p>
-          <a:p>
-            <a:pPr marL="285750" indent="-285750" algn="l">
-              <a:lnSpc>
-                <a:spcPct val="150000"/>
-              </a:lnSpc>
-              <a:buFont typeface="Arial" panose="020B0604020202020204" pitchFamily="34" charset="0"/>
-              <a:buChar char="•"/>
-            </a:pPr>
-            <a:r>
-              <a:rPr lang="en-US" sz="1600" dirty="0">
-                <a:latin typeface="Segoe UI Semibold" panose="020B0702040204020203" pitchFamily="34" charset="0"/>
-                <a:cs typeface="Segoe UI Semibold" panose="020B0702040204020203" pitchFamily="34" charset="0"/>
-              </a:rPr>
-              <a:t>Every module </a:t>
-            </a:r>
-            <a:r>
-              <a:rPr lang="en-US" sz="1600" b="1" dirty="0">
-                <a:latin typeface="Segoe UI Semibold" panose="020B0702040204020203" pitchFamily="34" charset="0"/>
-                <a:cs typeface="Segoe UI Semibold" panose="020B0702040204020203" pitchFamily="34" charset="0"/>
-              </a:rPr>
-              <a:t>can be layered </a:t>
-            </a:r>
-            <a:r>
-              <a:rPr lang="en-US" sz="1600" dirty="0">
-                <a:latin typeface="Segoe UI Semibold" panose="020B0702040204020203" pitchFamily="34" charset="0"/>
-                <a:cs typeface="Segoe UI Semibold" panose="020B0702040204020203" pitchFamily="34" charset="0"/>
-              </a:rPr>
-              <a:t>as multiple assemblies (projects).</a:t>
-            </a:r>
-          </a:p>
-          <a:p>
-            <a:pPr marL="285750" indent="-285750" algn="l">
-              <a:lnSpc>
-                <a:spcPct val="150000"/>
-              </a:lnSpc>
-              <a:buFont typeface="Arial" panose="020B0604020202020204" pitchFamily="34" charset="0"/>
-              <a:buChar char="•"/>
-            </a:pPr>
-            <a:r>
-              <a:rPr lang="en-US" sz="1600" dirty="0">
-                <a:latin typeface="Segoe UI Semibold" panose="020B0702040204020203" pitchFamily="34" charset="0"/>
-                <a:cs typeface="Segoe UI Semibold" panose="020B0702040204020203" pitchFamily="34" charset="0"/>
-              </a:rPr>
-              <a:t>A module can </a:t>
-            </a:r>
-            <a:r>
-              <a:rPr lang="en-US" sz="1600" b="1" dirty="0">
-                <a:latin typeface="Segoe UI Semibold" panose="020B0702040204020203" pitchFamily="34" charset="0"/>
-                <a:cs typeface="Segoe UI Semibold" panose="020B0702040204020203" pitchFamily="34" charset="0"/>
-              </a:rPr>
-              <a:t>depend on </a:t>
-            </a:r>
-            <a:r>
-              <a:rPr lang="en-US" sz="1600" dirty="0">
-                <a:latin typeface="Segoe UI Semibold" panose="020B0702040204020203" pitchFamily="34" charset="0"/>
-                <a:cs typeface="Segoe UI Semibold" panose="020B0702040204020203" pitchFamily="34" charset="0"/>
-              </a:rPr>
-              <a:t>another via </a:t>
-            </a:r>
-            <a:r>
-              <a:rPr lang="en-US" sz="1600" dirty="0">
-                <a:latin typeface="Segoe UI Black" panose="020B0A02040204020203" pitchFamily="34" charset="0"/>
-                <a:ea typeface="Segoe UI Black" panose="020B0A02040204020203" pitchFamily="34" charset="0"/>
-                <a:cs typeface="Segoe UI Semibold" panose="020B0702040204020203" pitchFamily="34" charset="0"/>
-              </a:rPr>
-              <a:t>project/DLL reference</a:t>
-            </a:r>
-            <a:r>
-              <a:rPr lang="en-US" sz="1600" dirty="0">
-                <a:latin typeface="Segoe UI Semibold" panose="020B0702040204020203" pitchFamily="34" charset="0"/>
-                <a:cs typeface="Segoe UI Semibold" panose="020B0702040204020203" pitchFamily="34" charset="0"/>
-              </a:rPr>
-              <a:t>.</a:t>
-            </a:r>
-          </a:p>
-          <a:p>
-            <a:pPr marL="285750" indent="-285750" algn="l">
-              <a:lnSpc>
-                <a:spcPct val="150000"/>
-              </a:lnSpc>
-              <a:buFont typeface="Arial" panose="020B0604020202020204" pitchFamily="34" charset="0"/>
-              <a:buChar char="•"/>
-            </a:pPr>
-            <a:r>
-              <a:rPr lang="en-US" sz="1600" dirty="0">
-                <a:latin typeface="Segoe UI Semibold" panose="020B0702040204020203" pitchFamily="34" charset="0"/>
-                <a:cs typeface="Segoe UI Semibold" panose="020B0702040204020203" pitchFamily="34" charset="0"/>
-              </a:rPr>
-              <a:t>Still </a:t>
-            </a:r>
-            <a:r>
-              <a:rPr lang="en-US" sz="1600" dirty="0">
-                <a:latin typeface="Segoe UI Black" panose="020B0A02040204020203" pitchFamily="34" charset="0"/>
-                <a:ea typeface="Segoe UI Black" panose="020B0A02040204020203" pitchFamily="34" charset="0"/>
-                <a:cs typeface="Segoe UI Semibold" panose="020B0702040204020203" pitchFamily="34" charset="0"/>
-              </a:rPr>
-              <a:t>deployed as a </a:t>
-            </a:r>
-            <a:r>
-              <a:rPr lang="en-US" sz="1600" b="1" dirty="0">
-                <a:latin typeface="Segoe UI Black" panose="020B0A02040204020203" pitchFamily="34" charset="0"/>
-                <a:ea typeface="Segoe UI Black" panose="020B0A02040204020203" pitchFamily="34" charset="0"/>
-                <a:cs typeface="Segoe UI Semibold" panose="020B0702040204020203" pitchFamily="34" charset="0"/>
-              </a:rPr>
-              <a:t>single unit</a:t>
-            </a:r>
-            <a:r>
-              <a:rPr lang="en-US" sz="1600" dirty="0">
-                <a:latin typeface="Segoe UI Semibold" panose="020B0702040204020203" pitchFamily="34" charset="0"/>
-                <a:cs typeface="Segoe UI Semibold" panose="020B0702040204020203" pitchFamily="34" charset="0"/>
-              </a:rPr>
-              <a:t>.</a:t>
+              <a:t>Infrastructure layer supports other layers by implementing abstractions.</a:t>
             </a:r>
           </a:p>
         </p:txBody>
       </p:sp>
       <p:sp>
         <p:nvSpPr>
-          <p:cNvPr id="3" name="Rectangle 2">
-            <a:extLst>
-              <a:ext uri="{FF2B5EF4-FFF2-40B4-BE49-F238E27FC236}">
-                <a16:creationId xmlns:a16="http://schemas.microsoft.com/office/drawing/2014/main" id="{CB2F66E2-A3D7-4269-A11B-DA066935A5B4}"/>
+          <p:cNvPr id="7" name="Rectangle 6">
+            <a:extLst>
+              <a:ext uri="{FF2B5EF4-FFF2-40B4-BE49-F238E27FC236}">
+                <a16:creationId xmlns:a16="http://schemas.microsoft.com/office/drawing/2014/main" id="{1DFB8280-B603-4B61-AE0A-70F201C5EB0B}"/>
               </a:ext>
             </a:extLst>
           </p:cNvPr>
@@ -35445,8 +34669,8 @@
         </p:nvSpPr>
         <p:spPr>
           <a:xfrm>
-            <a:off x="5711588" y="930565"/>
-            <a:ext cx="5083791" cy="4285672"/>
+            <a:off x="8345606" y="1369290"/>
+            <a:ext cx="3107486" cy="2311399"/>
           </a:xfrm>
           <a:prstGeom prst="rect">
             <a:avLst/>
@@ -35469,337 +34693,180 @@
           </a:fontRef>
         </p:style>
         <p:txBody>
-          <a:bodyPr rtlCol="0" anchor="t"/>
+          <a:bodyPr rtlCol="0" anchor="ctr"/>
           <a:lstStyle/>
           <a:p>
             <a:pPr algn="r"/>
             <a:r>
               <a:rPr lang="en-US" dirty="0"/>
-              <a:t>Monolithic Application</a:t>
+              <a:t>Infrastructure</a:t>
+            </a:r>
+          </a:p>
+          <a:p>
+            <a:pPr algn="r"/>
+            <a:r>
+              <a:rPr lang="en-US" dirty="0"/>
+              <a:t>Layer</a:t>
             </a:r>
           </a:p>
         </p:txBody>
       </p:sp>
       <p:sp>
         <p:nvSpPr>
-          <p:cNvPr id="6" name="Rectangle 5">
-            <a:extLst>
-              <a:ext uri="{FF2B5EF4-FFF2-40B4-BE49-F238E27FC236}">
-                <a16:creationId xmlns:a16="http://schemas.microsoft.com/office/drawing/2014/main" id="{77BE6C93-5670-47A7-B49D-2C9CD05BDBFB}"/>
-              </a:ext>
-            </a:extLst>
-          </p:cNvPr>
-          <p:cNvSpPr/>
+          <p:cNvPr id="6" name="TextBox 5">
+            <a:extLst>
+              <a:ext uri="{FF2B5EF4-FFF2-40B4-BE49-F238E27FC236}">
+                <a16:creationId xmlns:a16="http://schemas.microsoft.com/office/drawing/2014/main" id="{1FB26DF9-513B-4A2F-92FB-9D8D86D048C9}"/>
+              </a:ext>
+            </a:extLst>
+          </p:cNvPr>
+          <p:cNvSpPr txBox="1"/>
           <p:nvPr/>
         </p:nvSpPr>
         <p:spPr>
           <a:xfrm>
-            <a:off x="6336144" y="1641763"/>
-            <a:ext cx="1826526" cy="747834"/>
+            <a:off x="7369427" y="1608798"/>
+            <a:ext cx="2353056" cy="371856"/>
           </a:xfrm>
           <a:prstGeom prst="rect">
             <a:avLst/>
           </a:prstGeom>
-        </p:spPr>
-        <p:style>
-          <a:lnRef idx="2">
-            <a:schemeClr val="accent4">
-              <a:shade val="50000"/>
+          <a:solidFill>
+            <a:schemeClr val="bg1">
+              <a:lumMod val="95000"/>
             </a:schemeClr>
-          </a:lnRef>
-          <a:fillRef idx="1">
-            <a:schemeClr val="accent4"/>
-          </a:fillRef>
-          <a:effectRef idx="0">
-            <a:schemeClr val="accent4"/>
-          </a:effectRef>
-          <a:fontRef idx="minor">
-            <a:schemeClr val="lt1"/>
-          </a:fontRef>
-        </p:style>
+          </a:solidFill>
+          <a:ln w="19050">
+            <a:solidFill>
+              <a:schemeClr val="accent1"/>
+            </a:solidFill>
+          </a:ln>
+        </p:spPr>
         <p:txBody>
-          <a:bodyPr rtlCol="0" anchor="ctr"/>
+          <a:bodyPr wrap="square" rtlCol="0">
+            <a:spAutoFit/>
+          </a:bodyPr>
           <a:lstStyle/>
           <a:p>
             <a:pPr algn="ctr"/>
             <a:r>
               <a:rPr lang="en-US" dirty="0"/>
-              <a:t>Module - 1</a:t>
+              <a:t>Presentation Layer</a:t>
             </a:r>
           </a:p>
         </p:txBody>
       </p:sp>
       <p:sp>
         <p:nvSpPr>
-          <p:cNvPr id="12" name="Rectangle 11">
-            <a:extLst>
-              <a:ext uri="{FF2B5EF4-FFF2-40B4-BE49-F238E27FC236}">
-                <a16:creationId xmlns:a16="http://schemas.microsoft.com/office/drawing/2014/main" id="{9266DEE9-D630-4385-94FA-0FA6C44892EF}"/>
-              </a:ext>
-            </a:extLst>
-          </p:cNvPr>
-          <p:cNvSpPr/>
+          <p:cNvPr id="10" name="TextBox 9">
+            <a:extLst>
+              <a:ext uri="{FF2B5EF4-FFF2-40B4-BE49-F238E27FC236}">
+                <a16:creationId xmlns:a16="http://schemas.microsoft.com/office/drawing/2014/main" id="{9A745C4C-30B4-4E33-A1CD-A0FAF3166ACE}"/>
+              </a:ext>
+            </a:extLst>
+          </p:cNvPr>
+          <p:cNvSpPr txBox="1"/>
           <p:nvPr/>
         </p:nvSpPr>
         <p:spPr>
           <a:xfrm>
-            <a:off x="8565761" y="1641763"/>
-            <a:ext cx="1826526" cy="747834"/>
+            <a:off x="7369427" y="2338747"/>
+            <a:ext cx="2353056" cy="371856"/>
           </a:xfrm>
           <a:prstGeom prst="rect">
             <a:avLst/>
           </a:prstGeom>
-        </p:spPr>
-        <p:style>
-          <a:lnRef idx="2">
-            <a:schemeClr val="accent4">
-              <a:shade val="50000"/>
+          <a:solidFill>
+            <a:schemeClr val="bg1">
+              <a:lumMod val="95000"/>
             </a:schemeClr>
-          </a:lnRef>
-          <a:fillRef idx="1">
-            <a:schemeClr val="accent4"/>
-          </a:fillRef>
-          <a:effectRef idx="0">
-            <a:schemeClr val="accent4"/>
-          </a:effectRef>
-          <a:fontRef idx="minor">
-            <a:schemeClr val="lt1"/>
-          </a:fontRef>
-        </p:style>
+          </a:solidFill>
+          <a:ln w="19050">
+            <a:solidFill>
+              <a:schemeClr val="accent1"/>
+            </a:solidFill>
+          </a:ln>
+        </p:spPr>
         <p:txBody>
-          <a:bodyPr rtlCol="0" anchor="ctr"/>
+          <a:bodyPr wrap="square" rtlCol="0">
+            <a:spAutoFit/>
+          </a:bodyPr>
           <a:lstStyle/>
           <a:p>
             <a:pPr algn="ctr"/>
             <a:r>
               <a:rPr lang="en-US" dirty="0"/>
-              <a:t>Module - 2</a:t>
+              <a:t>Application Layer</a:t>
             </a:r>
           </a:p>
         </p:txBody>
       </p:sp>
       <p:sp>
         <p:nvSpPr>
-          <p:cNvPr id="13" name="Rectangle 12">
-            <a:extLst>
-              <a:ext uri="{FF2B5EF4-FFF2-40B4-BE49-F238E27FC236}">
-                <a16:creationId xmlns:a16="http://schemas.microsoft.com/office/drawing/2014/main" id="{804A91C5-DD4F-4311-ABB1-4FCA11ACEDA6}"/>
-              </a:ext>
-            </a:extLst>
-          </p:cNvPr>
-          <p:cNvSpPr/>
+          <p:cNvPr id="12" name="TextBox 11">
+            <a:extLst>
+              <a:ext uri="{FF2B5EF4-FFF2-40B4-BE49-F238E27FC236}">
+                <a16:creationId xmlns:a16="http://schemas.microsoft.com/office/drawing/2014/main" id="{C5726391-F50F-4680-81A5-A93D77ED8B4B}"/>
+              </a:ext>
+            </a:extLst>
+          </p:cNvPr>
+          <p:cNvSpPr txBox="1"/>
           <p:nvPr/>
         </p:nvSpPr>
         <p:spPr>
           <a:xfrm>
-            <a:off x="6336144" y="2799350"/>
-            <a:ext cx="1826526" cy="747834"/>
+            <a:off x="7369427" y="3068696"/>
+            <a:ext cx="2353056" cy="371856"/>
           </a:xfrm>
           <a:prstGeom prst="rect">
             <a:avLst/>
           </a:prstGeom>
-        </p:spPr>
-        <p:style>
-          <a:lnRef idx="2">
-            <a:schemeClr val="accent4">
-              <a:shade val="50000"/>
+          <a:solidFill>
+            <a:schemeClr val="bg1">
+              <a:lumMod val="95000"/>
             </a:schemeClr>
-          </a:lnRef>
-          <a:fillRef idx="1">
-            <a:schemeClr val="accent4"/>
-          </a:fillRef>
-          <a:effectRef idx="0">
-            <a:schemeClr val="accent4"/>
-          </a:effectRef>
-          <a:fontRef idx="minor">
-            <a:schemeClr val="lt1"/>
-          </a:fontRef>
-        </p:style>
+          </a:solidFill>
+          <a:ln w="19050">
+            <a:solidFill>
+              <a:schemeClr val="accent1"/>
+            </a:solidFill>
+          </a:ln>
+        </p:spPr>
         <p:txBody>
-          <a:bodyPr rtlCol="0" anchor="ctr"/>
+          <a:bodyPr wrap="square" rtlCol="0">
+            <a:spAutoFit/>
+          </a:bodyPr>
           <a:lstStyle/>
           <a:p>
             <a:pPr algn="ctr"/>
             <a:r>
               <a:rPr lang="en-US" dirty="0"/>
-              <a:t>Module - 3</a:t>
-            </a:r>
-          </a:p>
-        </p:txBody>
-      </p:sp>
-      <p:sp>
-        <p:nvSpPr>
-          <p:cNvPr id="14" name="Rectangle 13">
-            <a:extLst>
-              <a:ext uri="{FF2B5EF4-FFF2-40B4-BE49-F238E27FC236}">
-                <a16:creationId xmlns:a16="http://schemas.microsoft.com/office/drawing/2014/main" id="{3E3FC2CC-CDA5-4BF1-9ADC-B421E333CDBD}"/>
-              </a:ext>
-            </a:extLst>
-          </p:cNvPr>
-          <p:cNvSpPr/>
-          <p:nvPr/>
-        </p:nvSpPr>
-        <p:spPr>
-          <a:xfrm>
-            <a:off x="8565761" y="2799350"/>
-            <a:ext cx="1826526" cy="747834"/>
-          </a:xfrm>
-          <a:prstGeom prst="rect">
-            <a:avLst/>
-          </a:prstGeom>
-        </p:spPr>
-        <p:style>
-          <a:lnRef idx="2">
-            <a:schemeClr val="accent4">
-              <a:shade val="50000"/>
-            </a:schemeClr>
-          </a:lnRef>
-          <a:fillRef idx="1">
-            <a:schemeClr val="accent4"/>
-          </a:fillRef>
-          <a:effectRef idx="0">
-            <a:schemeClr val="accent4"/>
-          </a:effectRef>
-          <a:fontRef idx="minor">
-            <a:schemeClr val="lt1"/>
-          </a:fontRef>
-        </p:style>
-        <p:txBody>
-          <a:bodyPr rtlCol="0" anchor="ctr"/>
-          <a:lstStyle/>
-          <a:p>
-            <a:pPr algn="ctr"/>
-            <a:r>
-              <a:rPr lang="en-US" dirty="0"/>
-              <a:t>Module - 4</a:t>
-            </a:r>
-          </a:p>
-        </p:txBody>
-      </p:sp>
-      <p:sp>
-        <p:nvSpPr>
-          <p:cNvPr id="16" name="Rectangle 15">
-            <a:extLst>
-              <a:ext uri="{FF2B5EF4-FFF2-40B4-BE49-F238E27FC236}">
-                <a16:creationId xmlns:a16="http://schemas.microsoft.com/office/drawing/2014/main" id="{2273F40B-D650-479B-AC98-9A8FF2B91478}"/>
-              </a:ext>
-            </a:extLst>
-          </p:cNvPr>
-          <p:cNvSpPr/>
-          <p:nvPr/>
-        </p:nvSpPr>
-        <p:spPr>
-          <a:xfrm>
-            <a:off x="6336144" y="3956937"/>
-            <a:ext cx="1826526" cy="747834"/>
-          </a:xfrm>
-          <a:prstGeom prst="rect">
-            <a:avLst/>
-          </a:prstGeom>
-        </p:spPr>
-        <p:style>
-          <a:lnRef idx="2">
-            <a:schemeClr val="accent4">
-              <a:shade val="50000"/>
-            </a:schemeClr>
-          </a:lnRef>
-          <a:fillRef idx="1">
-            <a:schemeClr val="accent4"/>
-          </a:fillRef>
-          <a:effectRef idx="0">
-            <a:schemeClr val="accent4"/>
-          </a:effectRef>
-          <a:fontRef idx="minor">
-            <a:schemeClr val="lt1"/>
-          </a:fontRef>
-        </p:style>
-        <p:txBody>
-          <a:bodyPr rtlCol="0" anchor="ctr"/>
-          <a:lstStyle/>
-          <a:p>
-            <a:pPr algn="ctr"/>
-            <a:r>
-              <a:rPr lang="en-US" dirty="0"/>
-              <a:t>Module - 5</a:t>
-            </a:r>
-          </a:p>
-        </p:txBody>
-      </p:sp>
-      <p:sp>
-        <p:nvSpPr>
-          <p:cNvPr id="17" name="Rectangle 16">
-            <a:extLst>
-              <a:ext uri="{FF2B5EF4-FFF2-40B4-BE49-F238E27FC236}">
-                <a16:creationId xmlns:a16="http://schemas.microsoft.com/office/drawing/2014/main" id="{4C3C9F6C-58FE-4F7F-8FA5-70279C8EA8AE}"/>
-              </a:ext>
-            </a:extLst>
-          </p:cNvPr>
-          <p:cNvSpPr/>
-          <p:nvPr/>
-        </p:nvSpPr>
-        <p:spPr>
-          <a:xfrm>
-            <a:off x="8565761" y="3956937"/>
-            <a:ext cx="1826526" cy="747834"/>
-          </a:xfrm>
-          <a:prstGeom prst="rect">
-            <a:avLst/>
-          </a:prstGeom>
-        </p:spPr>
-        <p:style>
-          <a:lnRef idx="2">
-            <a:schemeClr val="accent4">
-              <a:shade val="50000"/>
-            </a:schemeClr>
-          </a:lnRef>
-          <a:fillRef idx="1">
-            <a:schemeClr val="accent4"/>
-          </a:fillRef>
-          <a:effectRef idx="0">
-            <a:schemeClr val="accent4"/>
-          </a:effectRef>
-          <a:fontRef idx="minor">
-            <a:schemeClr val="lt1"/>
-          </a:fontRef>
-        </p:style>
-        <p:txBody>
-          <a:bodyPr rtlCol="0" anchor="ctr"/>
-          <a:lstStyle/>
-          <a:p>
-            <a:pPr algn="ctr"/>
-            <a:r>
-              <a:rPr lang="en-US" dirty="0"/>
-              <a:t>Module - 6</a:t>
+              <a:t>Domain Layer</a:t>
             </a:r>
           </a:p>
         </p:txBody>
       </p:sp>
       <p:cxnSp>
         <p:nvCxnSpPr>
-          <p:cNvPr id="7" name="Straight Arrow Connector 6">
-            <a:extLst>
-              <a:ext uri="{FF2B5EF4-FFF2-40B4-BE49-F238E27FC236}">
-                <a16:creationId xmlns:a16="http://schemas.microsoft.com/office/drawing/2014/main" id="{1B4F6AEE-5D1B-4131-B69A-0E2ABD946089}"/>
-              </a:ext>
-            </a:extLst>
-          </p:cNvPr>
-          <p:cNvCxnSpPr>
-            <a:endCxn id="6" idx="2"/>
-          </p:cNvCxnSpPr>
+          <p:cNvPr id="14" name="Straight Arrow Connector 13">
+            <a:extLst>
+              <a:ext uri="{FF2B5EF4-FFF2-40B4-BE49-F238E27FC236}">
+                <a16:creationId xmlns:a16="http://schemas.microsoft.com/office/drawing/2014/main" id="{43FFF052-8BB5-4DE5-9DB4-1D1EB1ECE8C8}"/>
+              </a:ext>
+            </a:extLst>
+          </p:cNvPr>
+          <p:cNvCxnSpPr/>
           <p:nvPr/>
         </p:nvCxnSpPr>
         <p:spPr>
-          <a:xfrm flipV="1">
-            <a:off x="7242048" y="2389597"/>
-            <a:ext cx="7359" cy="409753"/>
+          <a:xfrm>
+            <a:off x="7773557" y="1980654"/>
+            <a:ext cx="0" cy="358093"/>
           </a:xfrm>
           <a:prstGeom prst="straightConnector1">
             <a:avLst/>
           </a:prstGeom>
-          <a:ln w="38100">
-            <a:solidFill>
-              <a:schemeClr val="bg1"/>
-            </a:solidFill>
+          <a:ln w="63500">
             <a:tailEnd type="triangle"/>
           </a:ln>
         </p:spPr>
@@ -35820,30 +34887,25 @@
       </p:cxnSp>
       <p:cxnSp>
         <p:nvCxnSpPr>
-          <p:cNvPr id="18" name="Straight Arrow Connector 17">
-            <a:extLst>
-              <a:ext uri="{FF2B5EF4-FFF2-40B4-BE49-F238E27FC236}">
-                <a16:creationId xmlns:a16="http://schemas.microsoft.com/office/drawing/2014/main" id="{9170CA89-603E-481D-A23F-9F094C306E3B}"/>
-              </a:ext>
-            </a:extLst>
-          </p:cNvPr>
-          <p:cNvCxnSpPr>
-            <a:cxnSpLocks/>
-          </p:cNvCxnSpPr>
+          <p:cNvPr id="16" name="Straight Arrow Connector 15">
+            <a:extLst>
+              <a:ext uri="{FF2B5EF4-FFF2-40B4-BE49-F238E27FC236}">
+                <a16:creationId xmlns:a16="http://schemas.microsoft.com/office/drawing/2014/main" id="{0800EF07-569E-45A4-A66E-F96C7FDE8DBE}"/>
+              </a:ext>
+            </a:extLst>
+          </p:cNvPr>
+          <p:cNvCxnSpPr/>
           <p:nvPr/>
         </p:nvCxnSpPr>
         <p:spPr>
-          <a:xfrm flipV="1">
-            <a:off x="7710985" y="2389598"/>
-            <a:ext cx="1146316" cy="409752"/>
+          <a:xfrm>
+            <a:off x="7773557" y="2725789"/>
+            <a:ext cx="0" cy="358093"/>
           </a:xfrm>
           <a:prstGeom prst="straightConnector1">
             <a:avLst/>
           </a:prstGeom>
-          <a:ln w="38100">
-            <a:solidFill>
-              <a:schemeClr val="bg1"/>
-            </a:solidFill>
+          <a:ln w="63500">
             <a:tailEnd type="triangle"/>
           </a:ln>
         </p:spPr>
@@ -35864,28 +34926,29 @@
       </p:cxnSp>
       <p:cxnSp>
         <p:nvCxnSpPr>
-          <p:cNvPr id="21" name="Straight Arrow Connector 20">
-            <a:extLst>
-              <a:ext uri="{FF2B5EF4-FFF2-40B4-BE49-F238E27FC236}">
-                <a16:creationId xmlns:a16="http://schemas.microsoft.com/office/drawing/2014/main" id="{A4841273-D1A9-4A68-9F67-7909778CCC23}"/>
-              </a:ext>
-            </a:extLst>
-          </p:cNvPr>
-          <p:cNvCxnSpPr/>
+          <p:cNvPr id="18" name="Connector: Elbow 17">
+            <a:extLst>
+              <a:ext uri="{FF2B5EF4-FFF2-40B4-BE49-F238E27FC236}">
+                <a16:creationId xmlns:a16="http://schemas.microsoft.com/office/drawing/2014/main" id="{16DC2852-BAB9-462F-8E9E-974CB05EAA99}"/>
+              </a:ext>
+            </a:extLst>
+          </p:cNvPr>
+          <p:cNvCxnSpPr>
+            <a:cxnSpLocks/>
+          </p:cNvCxnSpPr>
           <p:nvPr/>
         </p:nvCxnSpPr>
         <p:spPr>
-          <a:xfrm flipV="1">
-            <a:off x="9479024" y="3547183"/>
-            <a:ext cx="7359" cy="409753"/>
-          </a:xfrm>
-          <a:prstGeom prst="straightConnector1">
-            <a:avLst/>
+          <a:xfrm rot="10800000">
+            <a:off x="8031708" y="3440553"/>
+            <a:ext cx="313899" cy="176105"/>
+          </a:xfrm>
+          <a:prstGeom prst="bentConnector3">
+            <a:avLst>
+              <a:gd name="adj1" fmla="val 100000"/>
+            </a:avLst>
           </a:prstGeom>
-          <a:ln w="38100">
-            <a:solidFill>
-              <a:schemeClr val="bg1"/>
-            </a:solidFill>
+          <a:ln>
             <a:tailEnd type="triangle"/>
           </a:ln>
         </p:spPr>
@@ -35904,10 +34967,132 @@
           </a:fontRef>
         </p:style>
       </p:cxnSp>
+      <p:cxnSp>
+        <p:nvCxnSpPr>
+          <p:cNvPr id="21" name="Connector: Elbow 20">
+            <a:extLst>
+              <a:ext uri="{FF2B5EF4-FFF2-40B4-BE49-F238E27FC236}">
+                <a16:creationId xmlns:a16="http://schemas.microsoft.com/office/drawing/2014/main" id="{D2CD072E-D065-4111-8896-9BE0FF4D1691}"/>
+              </a:ext>
+            </a:extLst>
+          </p:cNvPr>
+          <p:cNvCxnSpPr>
+            <a:cxnSpLocks/>
+          </p:cNvCxnSpPr>
+          <p:nvPr/>
+        </p:nvCxnSpPr>
+        <p:spPr>
+          <a:xfrm rot="10800000">
+            <a:off x="8031708" y="2710603"/>
+            <a:ext cx="313899" cy="176105"/>
+          </a:xfrm>
+          <a:prstGeom prst="bentConnector3">
+            <a:avLst>
+              <a:gd name="adj1" fmla="val 100000"/>
+            </a:avLst>
+          </a:prstGeom>
+          <a:ln>
+            <a:tailEnd type="triangle"/>
+          </a:ln>
+        </p:spPr>
+        <p:style>
+          <a:lnRef idx="1">
+            <a:schemeClr val="accent1"/>
+          </a:lnRef>
+          <a:fillRef idx="0">
+            <a:schemeClr val="accent1"/>
+          </a:fillRef>
+          <a:effectRef idx="0">
+            <a:schemeClr val="accent1"/>
+          </a:effectRef>
+          <a:fontRef idx="minor">
+            <a:schemeClr val="tx1"/>
+          </a:fontRef>
+        </p:style>
+      </p:cxnSp>
+      <p:cxnSp>
+        <p:nvCxnSpPr>
+          <p:cNvPr id="22" name="Connector: Elbow 21">
+            <a:extLst>
+              <a:ext uri="{FF2B5EF4-FFF2-40B4-BE49-F238E27FC236}">
+                <a16:creationId xmlns:a16="http://schemas.microsoft.com/office/drawing/2014/main" id="{11E759A8-4163-4EA3-A9A9-169449F140D9}"/>
+              </a:ext>
+            </a:extLst>
+          </p:cNvPr>
+          <p:cNvCxnSpPr>
+            <a:cxnSpLocks/>
+          </p:cNvCxnSpPr>
+          <p:nvPr/>
+        </p:nvCxnSpPr>
+        <p:spPr>
+          <a:xfrm rot="10800000">
+            <a:off x="8031706" y="1976714"/>
+            <a:ext cx="313899" cy="176105"/>
+          </a:xfrm>
+          <a:prstGeom prst="bentConnector3">
+            <a:avLst>
+              <a:gd name="adj1" fmla="val 100000"/>
+            </a:avLst>
+          </a:prstGeom>
+          <a:ln>
+            <a:tailEnd type="triangle"/>
+          </a:ln>
+        </p:spPr>
+        <p:style>
+          <a:lnRef idx="1">
+            <a:schemeClr val="accent1"/>
+          </a:lnRef>
+          <a:fillRef idx="0">
+            <a:schemeClr val="accent1"/>
+          </a:fillRef>
+          <a:effectRef idx="0">
+            <a:schemeClr val="accent1"/>
+          </a:effectRef>
+          <a:fontRef idx="minor">
+            <a:schemeClr val="tx1"/>
+          </a:fontRef>
+        </p:style>
+      </p:cxnSp>
+      <p:sp>
+        <p:nvSpPr>
+          <p:cNvPr id="23" name="TextBox 22">
+            <a:extLst>
+              <a:ext uri="{FF2B5EF4-FFF2-40B4-BE49-F238E27FC236}">
+                <a16:creationId xmlns:a16="http://schemas.microsoft.com/office/drawing/2014/main" id="{B5600360-AAF4-4E5A-AFC9-18A96A21340D}"/>
+              </a:ext>
+            </a:extLst>
+          </p:cNvPr>
+          <p:cNvSpPr txBox="1"/>
+          <p:nvPr/>
+        </p:nvSpPr>
+        <p:spPr>
+          <a:xfrm>
+            <a:off x="7369427" y="745898"/>
+            <a:ext cx="4083665" cy="400110"/>
+          </a:xfrm>
+          <a:prstGeom prst="rect">
+            <a:avLst/>
+          </a:prstGeom>
+          <a:noFill/>
+        </p:spPr>
+        <p:txBody>
+          <a:bodyPr wrap="square" rtlCol="0">
+            <a:spAutoFit/>
+          </a:bodyPr>
+          <a:lstStyle/>
+          <a:p>
+            <a:pPr algn="ctr"/>
+            <a:r>
+              <a:rPr lang="en-US" sz="2000" dirty="0"/>
+              <a:t>Domain Driven Design (DDD) Layers</a:t>
+            </a:r>
+          </a:p>
+        </p:txBody>
+      </p:sp>
     </p:spTree>
     <p:extLst>
       <p:ext uri="{BB962C8B-B14F-4D97-AF65-F5344CB8AC3E}">
-        <p14:creationId xmlns:p14="http://schemas.microsoft.com/office/powerpoint/2010/main" val="2676614276"/>
+        <p14:creationId xmlns:p14="http://schemas.microsoft.com/office/powerpoint/2010/main" val="232957203"/>
       </p:ext>
     </p:extLst>
   </p:cSld>
@@ -36000,8 +35185,8 @@
         </p:nvSpPr>
         <p:spPr>
           <a:xfrm>
-            <a:off x="738908" y="930564"/>
-            <a:ext cx="4858328" cy="1300845"/>
+            <a:off x="712586" y="300753"/>
+            <a:ext cx="4858328" cy="2311400"/>
           </a:xfrm>
         </p:spPr>
         <p:txBody>
@@ -36013,13 +35198,29 @@
             <a:pPr algn="l"/>
             <a:r>
               <a:rPr lang="en-US" sz="4000" b="1" dirty="0">
-                <a:solidFill>
-                  <a:srgbClr val="0041C6"/>
-                </a:solidFill>
                 <a:latin typeface="Segoe UI Semibold" panose="020B0702040204020203" pitchFamily="34" charset="0"/>
                 <a:cs typeface="Segoe UI Semibold" panose="020B0702040204020203" pitchFamily="34" charset="0"/>
               </a:rPr>
-              <a:t>Microservices Architecture</a:t>
+              <a:t>Monolithic Application</a:t>
+            </a:r>
+            <a:br>
+              <a:rPr lang="en-US" sz="4000" b="1" dirty="0">
+                <a:solidFill>
+                  <a:srgbClr val="0041C6"/>
+                </a:solidFill>
+                <a:latin typeface="Segoe UI Semibold" panose="020B0702040204020203" pitchFamily="34" charset="0"/>
+                <a:cs typeface="Segoe UI Semibold" panose="020B0702040204020203" pitchFamily="34" charset="0"/>
+              </a:rPr>
+            </a:br>
+            <a:r>
+              <a:rPr lang="en-US" sz="4000" b="1" dirty="0">
+                <a:solidFill>
+                  <a:srgbClr val="0041C6"/>
+                </a:solidFill>
+                <a:latin typeface="Segoe UI Semibold" panose="020B0702040204020203" pitchFamily="34" charset="0"/>
+                <a:cs typeface="Segoe UI Semibold" panose="020B0702040204020203" pitchFamily="34" charset="0"/>
+              </a:rPr>
+              <a:t>Modular Architecture</a:t>
             </a:r>
           </a:p>
         </p:txBody>
@@ -36335,15 +35536,15 @@
         </p:nvSpPr>
         <p:spPr>
           <a:xfrm>
-            <a:off x="708890" y="2662072"/>
-            <a:ext cx="4368801" cy="3265364"/>
+            <a:off x="658347" y="2612153"/>
+            <a:ext cx="4368801" cy="3528588"/>
           </a:xfrm>
           <a:prstGeom prst="rect">
             <a:avLst/>
           </a:prstGeom>
         </p:spPr>
         <p:txBody>
-          <a:bodyPr vert="horz" lIns="91440" tIns="45720" rIns="91440" bIns="45720" rtlCol="0" anchor="ctr">
+          <a:bodyPr vert="horz" lIns="91440" tIns="45720" rIns="91440" bIns="45720" rtlCol="0" anchor="t">
             <a:noAutofit/>
           </a:bodyPr>
           <a:lstStyle>
@@ -36523,37 +35724,66 @@
                 <a:latin typeface="Segoe UI Semibold" panose="020B0702040204020203" pitchFamily="34" charset="0"/>
                 <a:cs typeface="Segoe UI Semibold" panose="020B0702040204020203" pitchFamily="34" charset="0"/>
               </a:rPr>
-              <a:t>Modules become </a:t>
+              <a:t>Application functionalities are </a:t>
             </a:r>
             <a:r>
               <a:rPr lang="en-US" sz="1600" b="1" dirty="0">
                 <a:latin typeface="Segoe UI Semibold" panose="020B0702040204020203" pitchFamily="34" charset="0"/>
                 <a:cs typeface="Segoe UI Semibold" panose="020B0702040204020203" pitchFamily="34" charset="0"/>
               </a:rPr>
-              <a:t>services</a:t>
+              <a:t>separated</a:t>
             </a:r>
             <a:r>
               <a:rPr lang="en-US" sz="1600" dirty="0">
                 <a:latin typeface="Segoe UI Semibold" panose="020B0702040204020203" pitchFamily="34" charset="0"/>
                 <a:cs typeface="Segoe UI Semibold" panose="020B0702040204020203" pitchFamily="34" charset="0"/>
               </a:rPr>
-              <a:t>.</a:t>
-            </a:r>
-          </a:p>
-          <a:p>
-            <a:pPr marL="285750" indent="-285750" algn="l">
-              <a:lnSpc>
-                <a:spcPct val="150000"/>
-              </a:lnSpc>
-              <a:buFont typeface="Arial" panose="020B0604020202020204" pitchFamily="34" charset="0"/>
-              <a:buChar char="•"/>
-            </a:pPr>
+              <a:t> into </a:t>
+            </a:r>
+            <a:r>
+              <a:rPr lang="en-US" sz="1600" b="1" dirty="0">
+                <a:latin typeface="Segoe UI Semibold" panose="020B0702040204020203" pitchFamily="34" charset="0"/>
+                <a:cs typeface="Segoe UI Semibold" panose="020B0702040204020203" pitchFamily="34" charset="0"/>
+              </a:rPr>
+              <a:t>multiple</a:t>
+            </a:r>
             <a:r>
               <a:rPr lang="en-US" sz="1600" dirty="0">
                 <a:latin typeface="Segoe UI Semibold" panose="020B0702040204020203" pitchFamily="34" charset="0"/>
                 <a:cs typeface="Segoe UI Semibold" panose="020B0702040204020203" pitchFamily="34" charset="0"/>
               </a:rPr>
-              <a:t>Every microservice </a:t>
+              <a:t> modules (</a:t>
+            </a:r>
+            <a:r>
+              <a:rPr lang="en-US" sz="1600" dirty="0">
+                <a:latin typeface="Segoe UI Black" panose="020B0A02040204020203" pitchFamily="34" charset="0"/>
+                <a:ea typeface="Segoe UI Black" panose="020B0A02040204020203" pitchFamily="34" charset="0"/>
+                <a:cs typeface="Segoe UI Semibold" panose="020B0702040204020203" pitchFamily="34" charset="0"/>
+              </a:rPr>
+              <a:t>bounded contexts</a:t>
+            </a:r>
+            <a:r>
+              <a:rPr lang="en-US" sz="1600" dirty="0">
+                <a:latin typeface="Segoe UI Semibold" panose="020B0702040204020203" pitchFamily="34" charset="0"/>
+                <a:cs typeface="Segoe UI Semibold" panose="020B0702040204020203" pitchFamily="34" charset="0"/>
+              </a:rPr>
+              <a:t>).</a:t>
+            </a:r>
+          </a:p>
+          <a:p>
+            <a:pPr marL="285750" indent="-285750" algn="l">
+              <a:lnSpc>
+                <a:spcPct val="150000"/>
+              </a:lnSpc>
+              <a:buFont typeface="Arial" panose="020B0604020202020204" pitchFamily="34" charset="0"/>
+              <a:buChar char="•"/>
+            </a:pPr>
+            <a:r>
+              <a:rPr lang="en-US" sz="1600" dirty="0">
+                <a:latin typeface="Segoe UI Semibold" panose="020B0702040204020203" pitchFamily="34" charset="0"/>
+                <a:cs typeface="Segoe UI Semibold" panose="020B0702040204020203" pitchFamily="34" charset="0"/>
+              </a:rPr>
+              <a:t>Every module </a:t>
             </a:r>
             <a:r>
               <a:rPr lang="en-US" sz="1600" b="1" dirty="0">
@@ -36598,6 +35828,45 @@
                 <a:cs typeface="Segoe UI Semibold" panose="020B0702040204020203" pitchFamily="34" charset="0"/>
               </a:rPr>
               <a:t>another via </a:t>
+            </a:r>
+            <a:r>
+              <a:rPr lang="en-US" sz="1600" dirty="0">
+                <a:latin typeface="Segoe UI Black" panose="020B0A02040204020203" pitchFamily="34" charset="0"/>
+                <a:ea typeface="Segoe UI Black" panose="020B0A02040204020203" pitchFamily="34" charset="0"/>
+                <a:cs typeface="Segoe UI Semibold" panose="020B0702040204020203" pitchFamily="34" charset="0"/>
+              </a:rPr>
+              <a:t>project/DLL reference</a:t>
+            </a:r>
+            <a:r>
+              <a:rPr lang="en-US" sz="1600" dirty="0">
+                <a:latin typeface="Segoe UI Semibold" panose="020B0702040204020203" pitchFamily="34" charset="0"/>
+                <a:cs typeface="Segoe UI Semibold" panose="020B0702040204020203" pitchFamily="34" charset="0"/>
+              </a:rPr>
+              <a:t>.</a:t>
+            </a:r>
+          </a:p>
+          <a:p>
+            <a:pPr marL="285750" indent="-285750" algn="l">
+              <a:lnSpc>
+                <a:spcPct val="150000"/>
+              </a:lnSpc>
+              <a:buFont typeface="Arial" panose="020B0604020202020204" pitchFamily="34" charset="0"/>
+              <a:buChar char="•"/>
+            </a:pPr>
+            <a:r>
+              <a:rPr lang="en-US" sz="1600" dirty="0">
+                <a:latin typeface="Segoe UI Semibold" panose="020B0702040204020203" pitchFamily="34" charset="0"/>
+                <a:cs typeface="Segoe UI Semibold" panose="020B0702040204020203" pitchFamily="34" charset="0"/>
+              </a:rPr>
+              <a:t>Still </a:t>
+            </a:r>
+            <a:r>
+              <a:rPr lang="en-US" sz="1600" dirty="0">
+                <a:latin typeface="Segoe UI Black" panose="020B0A02040204020203" pitchFamily="34" charset="0"/>
+                <a:ea typeface="Segoe UI Black" panose="020B0A02040204020203" pitchFamily="34" charset="0"/>
+                <a:cs typeface="Segoe UI Semibold" panose="020B0702040204020203" pitchFamily="34" charset="0"/>
+              </a:rPr>
+              <a:t>deployed as a </a:t>
             </a:r>
             <a:r>
               <a:rPr lang="en-US" sz="1600" b="1" dirty="0">
@@ -36605,80 +35874,63 @@
                 <a:ea typeface="Segoe UI Black" panose="020B0A02040204020203" pitchFamily="34" charset="0"/>
                 <a:cs typeface="Segoe UI Semibold" panose="020B0702040204020203" pitchFamily="34" charset="0"/>
               </a:rPr>
-              <a:t>remote communication</a:t>
-            </a:r>
-            <a:r>
-              <a:rPr lang="en-US" sz="1600" dirty="0">
-                <a:latin typeface="Segoe UI Black" panose="020B0A02040204020203" pitchFamily="34" charset="0"/>
-                <a:ea typeface="Segoe UI Black" panose="020B0A02040204020203" pitchFamily="34" charset="0"/>
-                <a:cs typeface="Segoe UI Semibold" panose="020B0702040204020203" pitchFamily="34" charset="0"/>
-              </a:rPr>
-              <a:t> </a:t>
+              <a:t>single unit</a:t>
             </a:r>
             <a:r>
               <a:rPr lang="en-US" sz="1600" dirty="0">
                 <a:latin typeface="Segoe UI Semibold" panose="020B0702040204020203" pitchFamily="34" charset="0"/>
                 <a:cs typeface="Segoe UI Semibold" panose="020B0702040204020203" pitchFamily="34" charset="0"/>
               </a:rPr>
-              <a:t>(REST, </a:t>
-            </a:r>
-            <a:r>
-              <a:rPr lang="en-US" sz="1600" dirty="0" err="1">
-                <a:latin typeface="Segoe UI Semibold" panose="020B0702040204020203" pitchFamily="34" charset="0"/>
-                <a:cs typeface="Segoe UI Semibold" panose="020B0702040204020203" pitchFamily="34" charset="0"/>
-              </a:rPr>
-              <a:t>GraphQL</a:t>
-            </a:r>
-            <a:r>
-              <a:rPr lang="en-US" sz="1600" dirty="0">
-                <a:latin typeface="Segoe UI Semibold" panose="020B0702040204020203" pitchFamily="34" charset="0"/>
-                <a:cs typeface="Segoe UI Semibold" panose="020B0702040204020203" pitchFamily="34" charset="0"/>
-              </a:rPr>
-              <a:t>, Messaging… </a:t>
-            </a:r>
-            <a:r>
-              <a:rPr lang="en-US" sz="1600" dirty="0" err="1">
-                <a:latin typeface="Segoe UI Semibold" panose="020B0702040204020203" pitchFamily="34" charset="0"/>
-                <a:cs typeface="Segoe UI Semibold" panose="020B0702040204020203" pitchFamily="34" charset="0"/>
-              </a:rPr>
-              <a:t>etc</a:t>
-            </a:r>
-            <a:r>
-              <a:rPr lang="en-US" sz="1600" dirty="0">
-                <a:latin typeface="Segoe UI Semibold" panose="020B0702040204020203" pitchFamily="34" charset="0"/>
-                <a:cs typeface="Segoe UI Semibold" panose="020B0702040204020203" pitchFamily="34" charset="0"/>
-              </a:rPr>
-              <a:t>).</a:t>
-            </a:r>
-          </a:p>
-          <a:p>
-            <a:pPr marL="285750" indent="-285750" algn="l">
-              <a:lnSpc>
-                <a:spcPct val="150000"/>
-              </a:lnSpc>
-              <a:buFont typeface="Arial" panose="020B0604020202020204" pitchFamily="34" charset="0"/>
-              <a:buChar char="•"/>
-            </a:pPr>
-            <a:r>
-              <a:rPr lang="en-US" sz="1600" dirty="0">
-                <a:latin typeface="Segoe UI Semibold" panose="020B0702040204020203" pitchFamily="34" charset="0"/>
-                <a:cs typeface="Segoe UI Semibold" panose="020B0702040204020203" pitchFamily="34" charset="0"/>
-              </a:rPr>
-              <a:t>A microservice is separately </a:t>
-            </a:r>
-            <a:r>
-              <a:rPr lang="en-US" sz="1600" b="1" dirty="0">
-                <a:latin typeface="Segoe UI Semibold" panose="020B0702040204020203" pitchFamily="34" charset="0"/>
-                <a:cs typeface="Segoe UI Semibold" panose="020B0702040204020203" pitchFamily="34" charset="0"/>
-              </a:rPr>
-              <a:t>versioned, deployed and updated</a:t>
-            </a:r>
-            <a:r>
-              <a:rPr lang="en-US" sz="1600" dirty="0">
-                <a:latin typeface="Segoe UI Semibold" panose="020B0702040204020203" pitchFamily="34" charset="0"/>
-                <a:cs typeface="Segoe UI Semibold" panose="020B0702040204020203" pitchFamily="34" charset="0"/>
-              </a:rPr>
               <a:t>.</a:t>
+            </a:r>
+          </a:p>
+        </p:txBody>
+      </p:sp>
+      <p:sp>
+        <p:nvSpPr>
+          <p:cNvPr id="3" name="Rectangle 2">
+            <a:extLst>
+              <a:ext uri="{FF2B5EF4-FFF2-40B4-BE49-F238E27FC236}">
+                <a16:creationId xmlns:a16="http://schemas.microsoft.com/office/drawing/2014/main" id="{CB2F66E2-A3D7-4269-A11B-DA066935A5B4}"/>
+              </a:ext>
+            </a:extLst>
+          </p:cNvPr>
+          <p:cNvSpPr/>
+          <p:nvPr/>
+        </p:nvSpPr>
+        <p:spPr>
+          <a:xfrm>
+            <a:off x="5711588" y="930565"/>
+            <a:ext cx="5083791" cy="4285672"/>
+          </a:xfrm>
+          <a:prstGeom prst="rect">
+            <a:avLst/>
+          </a:prstGeom>
+        </p:spPr>
+        <p:style>
+          <a:lnRef idx="2">
+            <a:schemeClr val="accent1">
+              <a:shade val="50000"/>
+            </a:schemeClr>
+          </a:lnRef>
+          <a:fillRef idx="1">
+            <a:schemeClr val="accent1"/>
+          </a:fillRef>
+          <a:effectRef idx="0">
+            <a:schemeClr val="accent1"/>
+          </a:effectRef>
+          <a:fontRef idx="minor">
+            <a:schemeClr val="lt1"/>
+          </a:fontRef>
+        </p:style>
+        <p:txBody>
+          <a:bodyPr rtlCol="0" anchor="t"/>
+          <a:lstStyle/>
+          <a:p>
+            <a:pPr algn="r"/>
+            <a:r>
+              <a:rPr lang="en-US" dirty="0"/>
+              <a:t>Monolithic Application</a:t>
             </a:r>
           </a:p>
         </p:txBody>
@@ -36727,7 +35979,7 @@
             <a:pPr algn="ctr"/>
             <a:r>
               <a:rPr lang="en-US" dirty="0"/>
-              <a:t>Microservice - 1</a:t>
+              <a:t>Module - 1</a:t>
             </a:r>
           </a:p>
         </p:txBody>
@@ -36776,7 +36028,7 @@
             <a:pPr algn="ctr"/>
             <a:r>
               <a:rPr lang="en-US" dirty="0"/>
-              <a:t>Microservice - 2</a:t>
+              <a:t>Module - 2</a:t>
             </a:r>
           </a:p>
         </p:txBody>
@@ -36795,7 +36047,7 @@
         </p:nvSpPr>
         <p:spPr>
           <a:xfrm>
-            <a:off x="6348828" y="3547184"/>
+            <a:off x="6336144" y="2799350"/>
             <a:ext cx="1826526" cy="747834"/>
           </a:xfrm>
           <a:prstGeom prst="rect">
@@ -36825,7 +36077,7 @@
             <a:pPr algn="ctr"/>
             <a:r>
               <a:rPr lang="en-US" dirty="0"/>
-              <a:t>Microservice - 3</a:t>
+              <a:t>Module - 3</a:t>
             </a:r>
           </a:p>
         </p:txBody>
@@ -36844,7 +36096,7 @@
         </p:nvSpPr>
         <p:spPr>
           <a:xfrm>
-            <a:off x="8627175" y="3547184"/>
+            <a:off x="8565761" y="2799350"/>
             <a:ext cx="1826526" cy="747834"/>
           </a:xfrm>
           <a:prstGeom prst="rect">
@@ -36874,7 +36126,105 @@
             <a:pPr algn="ctr"/>
             <a:r>
               <a:rPr lang="en-US" dirty="0"/>
-              <a:t>Microservice - 4</a:t>
+              <a:t>Module - 4</a:t>
+            </a:r>
+          </a:p>
+        </p:txBody>
+      </p:sp>
+      <p:sp>
+        <p:nvSpPr>
+          <p:cNvPr id="16" name="Rectangle 15">
+            <a:extLst>
+              <a:ext uri="{FF2B5EF4-FFF2-40B4-BE49-F238E27FC236}">
+                <a16:creationId xmlns:a16="http://schemas.microsoft.com/office/drawing/2014/main" id="{2273F40B-D650-479B-AC98-9A8FF2B91478}"/>
+              </a:ext>
+            </a:extLst>
+          </p:cNvPr>
+          <p:cNvSpPr/>
+          <p:nvPr/>
+        </p:nvSpPr>
+        <p:spPr>
+          <a:xfrm>
+            <a:off x="6336144" y="3956937"/>
+            <a:ext cx="1826526" cy="747834"/>
+          </a:xfrm>
+          <a:prstGeom prst="rect">
+            <a:avLst/>
+          </a:prstGeom>
+        </p:spPr>
+        <p:style>
+          <a:lnRef idx="2">
+            <a:schemeClr val="accent4">
+              <a:shade val="50000"/>
+            </a:schemeClr>
+          </a:lnRef>
+          <a:fillRef idx="1">
+            <a:schemeClr val="accent4"/>
+          </a:fillRef>
+          <a:effectRef idx="0">
+            <a:schemeClr val="accent4"/>
+          </a:effectRef>
+          <a:fontRef idx="minor">
+            <a:schemeClr val="lt1"/>
+          </a:fontRef>
+        </p:style>
+        <p:txBody>
+          <a:bodyPr rtlCol="0" anchor="ctr"/>
+          <a:lstStyle/>
+          <a:p>
+            <a:pPr algn="ctr"/>
+            <a:r>
+              <a:rPr lang="en-US" dirty="0"/>
+              <a:t>Module - 5</a:t>
+            </a:r>
+          </a:p>
+        </p:txBody>
+      </p:sp>
+      <p:sp>
+        <p:nvSpPr>
+          <p:cNvPr id="17" name="Rectangle 16">
+            <a:extLst>
+              <a:ext uri="{FF2B5EF4-FFF2-40B4-BE49-F238E27FC236}">
+                <a16:creationId xmlns:a16="http://schemas.microsoft.com/office/drawing/2014/main" id="{4C3C9F6C-58FE-4F7F-8FA5-70279C8EA8AE}"/>
+              </a:ext>
+            </a:extLst>
+          </p:cNvPr>
+          <p:cNvSpPr/>
+          <p:nvPr/>
+        </p:nvSpPr>
+        <p:spPr>
+          <a:xfrm>
+            <a:off x="8565761" y="3956937"/>
+            <a:ext cx="1826526" cy="747834"/>
+          </a:xfrm>
+          <a:prstGeom prst="rect">
+            <a:avLst/>
+          </a:prstGeom>
+        </p:spPr>
+        <p:style>
+          <a:lnRef idx="2">
+            <a:schemeClr val="accent4">
+              <a:shade val="50000"/>
+            </a:schemeClr>
+          </a:lnRef>
+          <a:fillRef idx="1">
+            <a:schemeClr val="accent4"/>
+          </a:fillRef>
+          <a:effectRef idx="0">
+            <a:schemeClr val="accent4"/>
+          </a:effectRef>
+          <a:fontRef idx="minor">
+            <a:schemeClr val="lt1"/>
+          </a:fontRef>
+        </p:style>
+        <p:txBody>
+          <a:bodyPr rtlCol="0" anchor="ctr"/>
+          <a:lstStyle/>
+          <a:p>
+            <a:pPr algn="ctr"/>
+            <a:r>
+              <a:rPr lang="en-US" dirty="0"/>
+              <a:t>Module - 6</a:t>
             </a:r>
           </a:p>
         </p:txBody>
@@ -36884,25 +36234,27 @@
           <p:cNvPr id="7" name="Straight Arrow Connector 6">
             <a:extLst>
               <a:ext uri="{FF2B5EF4-FFF2-40B4-BE49-F238E27FC236}">
-                <a16:creationId xmlns:a16="http://schemas.microsoft.com/office/drawing/2014/main" id="{15107B99-2942-4BC0-A3D9-54E1B7B78060}"/>
+                <a16:creationId xmlns:a16="http://schemas.microsoft.com/office/drawing/2014/main" id="{1B4F6AEE-5D1B-4131-B69A-0E2ABD946089}"/>
               </a:ext>
             </a:extLst>
           </p:cNvPr>
           <p:cNvCxnSpPr>
-            <a:stCxn id="13" idx="0"/>
             <a:endCxn id="6" idx="2"/>
           </p:cNvCxnSpPr>
           <p:nvPr/>
         </p:nvCxnSpPr>
         <p:spPr>
-          <a:xfrm flipH="1" flipV="1">
-            <a:off x="7249407" y="2389597"/>
-            <a:ext cx="12684" cy="1157587"/>
+          <a:xfrm flipV="1">
+            <a:off x="7242048" y="2389597"/>
+            <a:ext cx="7359" cy="409753"/>
           </a:xfrm>
           <a:prstGeom prst="straightConnector1">
             <a:avLst/>
           </a:prstGeom>
-          <a:ln w="50800">
+          <a:ln w="38100">
+            <a:solidFill>
+              <a:schemeClr val="bg1"/>
+            </a:solidFill>
             <a:tailEnd type="triangle"/>
           </a:ln>
         </p:spPr>
@@ -36923,28 +36275,30 @@
       </p:cxnSp>
       <p:cxnSp>
         <p:nvCxnSpPr>
-          <p:cNvPr id="10" name="Straight Arrow Connector 9">
-            <a:extLst>
-              <a:ext uri="{FF2B5EF4-FFF2-40B4-BE49-F238E27FC236}">
-                <a16:creationId xmlns:a16="http://schemas.microsoft.com/office/drawing/2014/main" id="{278B0DF7-D829-4FA0-A6E4-FE8795D789EC}"/>
+          <p:cNvPr id="18" name="Straight Arrow Connector 17">
+            <a:extLst>
+              <a:ext uri="{FF2B5EF4-FFF2-40B4-BE49-F238E27FC236}">
+                <a16:creationId xmlns:a16="http://schemas.microsoft.com/office/drawing/2014/main" id="{9170CA89-603E-481D-A23F-9F094C306E3B}"/>
               </a:ext>
             </a:extLst>
           </p:cNvPr>
           <p:cNvCxnSpPr>
-            <a:stCxn id="14" idx="1"/>
-            <a:endCxn id="13" idx="3"/>
+            <a:cxnSpLocks/>
           </p:cNvCxnSpPr>
           <p:nvPr/>
         </p:nvCxnSpPr>
         <p:spPr>
-          <a:xfrm flipH="1">
-            <a:off x="8175354" y="3921101"/>
-            <a:ext cx="451821" cy="0"/>
+          <a:xfrm flipV="1">
+            <a:off x="7710985" y="2389598"/>
+            <a:ext cx="1146316" cy="409752"/>
           </a:xfrm>
           <a:prstGeom prst="straightConnector1">
             <a:avLst/>
           </a:prstGeom>
-          <a:ln w="50800">
+          <a:ln w="38100">
+            <a:solidFill>
+              <a:schemeClr val="bg1"/>
+            </a:solidFill>
             <a:tailEnd type="triangle"/>
           </a:ln>
         </p:spPr>
@@ -36965,10 +36319,10 @@
       </p:cxnSp>
       <p:cxnSp>
         <p:nvCxnSpPr>
-          <p:cNvPr id="20" name="Straight Arrow Connector 19">
-            <a:extLst>
-              <a:ext uri="{FF2B5EF4-FFF2-40B4-BE49-F238E27FC236}">
-                <a16:creationId xmlns:a16="http://schemas.microsoft.com/office/drawing/2014/main" id="{8E41D851-03FB-450C-8D3F-E861494A234B}"/>
+          <p:cNvPr id="21" name="Straight Arrow Connector 20">
+            <a:extLst>
+              <a:ext uri="{FF2B5EF4-FFF2-40B4-BE49-F238E27FC236}">
+                <a16:creationId xmlns:a16="http://schemas.microsoft.com/office/drawing/2014/main" id="{A4841273-D1A9-4A68-9F67-7909778CCC23}"/>
               </a:ext>
             </a:extLst>
           </p:cNvPr>
@@ -36977,13 +36331,16 @@
         </p:nvCxnSpPr>
         <p:spPr>
           <a:xfrm flipV="1">
-            <a:off x="7499445" y="2389597"/>
-            <a:ext cx="1521725" cy="1157587"/>
+            <a:off x="9479024" y="3547183"/>
+            <a:ext cx="7359" cy="409753"/>
           </a:xfrm>
           <a:prstGeom prst="straightConnector1">
             <a:avLst/>
           </a:prstGeom>
-          <a:ln w="50800">
+          <a:ln w="38100">
+            <a:solidFill>
+              <a:schemeClr val="bg1"/>
+            </a:solidFill>
             <a:tailEnd type="triangle"/>
           </a:ln>
         </p:spPr>
@@ -37005,7 +36362,7 @@
     </p:spTree>
     <p:extLst>
       <p:ext uri="{BB962C8B-B14F-4D97-AF65-F5344CB8AC3E}">
-        <p14:creationId xmlns:p14="http://schemas.microsoft.com/office/powerpoint/2010/main" val="116174797"/>
+        <p14:creationId xmlns:p14="http://schemas.microsoft.com/office/powerpoint/2010/main" val="2676614276"/>
       </p:ext>
     </p:extLst>
   </p:cSld>
@@ -37046,10 +36403,10 @@
       </p:grpSpPr>
       <p:pic>
         <p:nvPicPr>
-          <p:cNvPr id="4" name="Picture 3">
-            <a:extLst>
-              <a:ext uri="{FF2B5EF4-FFF2-40B4-BE49-F238E27FC236}">
-                <a16:creationId xmlns:a16="http://schemas.microsoft.com/office/drawing/2014/main" id="{E6371034-1339-4B43-AE7D-A149B9EFD45C}"/>
+          <p:cNvPr id="9" name="Picture 8">
+            <a:extLst>
+              <a:ext uri="{FF2B5EF4-FFF2-40B4-BE49-F238E27FC236}">
+                <a16:creationId xmlns:a16="http://schemas.microsoft.com/office/drawing/2014/main" id="{39E83B63-DAE7-4E06-A56F-CF1576B89936}"/>
               </a:ext>
             </a:extLst>
           </p:cNvPr>
@@ -37098,28 +36455,17 @@
         </p:nvSpPr>
         <p:spPr>
           <a:xfrm>
-            <a:off x="762000" y="1754909"/>
-            <a:ext cx="4017819" cy="3408217"/>
+            <a:off x="738908" y="930564"/>
+            <a:ext cx="4858328" cy="1300845"/>
           </a:xfrm>
         </p:spPr>
         <p:txBody>
-          <a:bodyPr anchor="t">
+          <a:bodyPr anchor="b">
             <a:normAutofit/>
           </a:bodyPr>
           <a:lstStyle/>
           <a:p>
-            <a:pPr algn="r">
-              <a:lnSpc>
-                <a:spcPct val="150000"/>
-              </a:lnSpc>
-            </a:pPr>
-            <a:r>
-              <a:rPr lang="en-US" sz="4000" b="1" dirty="0">
-                <a:latin typeface="Segoe UI Light" panose="020B0502040204020203" pitchFamily="34" charset="0"/>
-                <a:cs typeface="Segoe UI Light" panose="020B0502040204020203" pitchFamily="34" charset="0"/>
-              </a:rPr>
-              <a:t>What is a </a:t>
-            </a:r>
+            <a:pPr algn="l"/>
             <a:r>
               <a:rPr lang="en-US" sz="4000" b="1" dirty="0">
                 <a:solidFill>
@@ -37128,7 +36474,7 @@
                 <a:latin typeface="Segoe UI Semibold" panose="020B0702040204020203" pitchFamily="34" charset="0"/>
                 <a:cs typeface="Segoe UI Semibold" panose="020B0702040204020203" pitchFamily="34" charset="0"/>
               </a:rPr>
-              <a:t>Module?</a:t>
+              <a:t>Microservices Architecture</a:t>
             </a:r>
           </a:p>
         </p:txBody>
@@ -37225,10 +36571,10 @@
       </p:sp>
       <p:sp>
         <p:nvSpPr>
-          <p:cNvPr id="15" name="Subtitle 2">
-            <a:extLst>
-              <a:ext uri="{FF2B5EF4-FFF2-40B4-BE49-F238E27FC236}">
-                <a16:creationId xmlns:a16="http://schemas.microsoft.com/office/drawing/2014/main" id="{20939731-D3B7-4A28-B941-216A5F2FD525}"/>
+          <p:cNvPr id="11" name="Subtitle 2">
+            <a:extLst>
+              <a:ext uri="{FF2B5EF4-FFF2-40B4-BE49-F238E27FC236}">
+                <a16:creationId xmlns:a16="http://schemas.microsoft.com/office/drawing/2014/main" id="{A769CE0C-E9B4-4049-B22B-C35AD0DD7409}"/>
               </a:ext>
             </a:extLst>
           </p:cNvPr>
@@ -37239,15 +36585,220 @@
         </p:nvSpPr>
         <p:spPr>
           <a:xfrm>
-            <a:off x="5204688" y="1948872"/>
-            <a:ext cx="6022111" cy="4110181"/>
+            <a:off x="3582554" y="2904836"/>
+            <a:ext cx="835891" cy="775853"/>
           </a:xfrm>
           <a:prstGeom prst="rect">
             <a:avLst/>
           </a:prstGeom>
         </p:spPr>
         <p:txBody>
-          <a:bodyPr vert="horz" lIns="91440" tIns="45720" rIns="91440" bIns="45720" rtlCol="0" anchor="t">
+          <a:bodyPr vert="horz" lIns="91440" tIns="45720" rIns="91440" bIns="45720" rtlCol="0" anchor="ctr">
+            <a:normAutofit/>
+          </a:bodyPr>
+          <a:lstStyle>
+            <a:lvl1pPr marL="0" indent="0" algn="ctr" defTabSz="914400" rtl="0" eaLnBrk="1" latinLnBrk="0" hangingPunct="1">
+              <a:lnSpc>
+                <a:spcPct val="90000"/>
+              </a:lnSpc>
+              <a:spcBef>
+                <a:spcPts val="1000"/>
+              </a:spcBef>
+              <a:buFont typeface="Arial" panose="020B0604020202020204" pitchFamily="34" charset="0"/>
+              <a:buNone/>
+              <a:defRPr sz="2400" kern="1200">
+                <a:solidFill>
+                  <a:schemeClr val="tx1"/>
+                </a:solidFill>
+                <a:latin typeface="+mn-lt"/>
+                <a:ea typeface="+mn-ea"/>
+                <a:cs typeface="+mn-cs"/>
+              </a:defRPr>
+            </a:lvl1pPr>
+            <a:lvl2pPr marL="457200" indent="0" algn="ctr" defTabSz="914400" rtl="0" eaLnBrk="1" latinLnBrk="0" hangingPunct="1">
+              <a:lnSpc>
+                <a:spcPct val="90000"/>
+              </a:lnSpc>
+              <a:spcBef>
+                <a:spcPts val="500"/>
+              </a:spcBef>
+              <a:buFont typeface="Arial" panose="020B0604020202020204" pitchFamily="34" charset="0"/>
+              <a:buNone/>
+              <a:defRPr sz="2000" kern="1200">
+                <a:solidFill>
+                  <a:schemeClr val="tx1"/>
+                </a:solidFill>
+                <a:latin typeface="+mn-lt"/>
+                <a:ea typeface="+mn-ea"/>
+                <a:cs typeface="+mn-cs"/>
+              </a:defRPr>
+            </a:lvl2pPr>
+            <a:lvl3pPr marL="914400" indent="0" algn="ctr" defTabSz="914400" rtl="0" eaLnBrk="1" latinLnBrk="0" hangingPunct="1">
+              <a:lnSpc>
+                <a:spcPct val="90000"/>
+              </a:lnSpc>
+              <a:spcBef>
+                <a:spcPts val="500"/>
+              </a:spcBef>
+              <a:buFont typeface="Arial" panose="020B0604020202020204" pitchFamily="34" charset="0"/>
+              <a:buNone/>
+              <a:defRPr sz="1800" kern="1200">
+                <a:solidFill>
+                  <a:schemeClr val="tx1"/>
+                </a:solidFill>
+                <a:latin typeface="+mn-lt"/>
+                <a:ea typeface="+mn-ea"/>
+                <a:cs typeface="+mn-cs"/>
+              </a:defRPr>
+            </a:lvl3pPr>
+            <a:lvl4pPr marL="1371600" indent="0" algn="ctr" defTabSz="914400" rtl="0" eaLnBrk="1" latinLnBrk="0" hangingPunct="1">
+              <a:lnSpc>
+                <a:spcPct val="90000"/>
+              </a:lnSpc>
+              <a:spcBef>
+                <a:spcPts val="500"/>
+              </a:spcBef>
+              <a:buFont typeface="Arial" panose="020B0604020202020204" pitchFamily="34" charset="0"/>
+              <a:buNone/>
+              <a:defRPr sz="1600" kern="1200">
+                <a:solidFill>
+                  <a:schemeClr val="tx1"/>
+                </a:solidFill>
+                <a:latin typeface="+mn-lt"/>
+                <a:ea typeface="+mn-ea"/>
+                <a:cs typeface="+mn-cs"/>
+              </a:defRPr>
+            </a:lvl4pPr>
+            <a:lvl5pPr marL="1828800" indent="0" algn="ctr" defTabSz="914400" rtl="0" eaLnBrk="1" latinLnBrk="0" hangingPunct="1">
+              <a:lnSpc>
+                <a:spcPct val="90000"/>
+              </a:lnSpc>
+              <a:spcBef>
+                <a:spcPts val="500"/>
+              </a:spcBef>
+              <a:buFont typeface="Arial" panose="020B0604020202020204" pitchFamily="34" charset="0"/>
+              <a:buNone/>
+              <a:defRPr sz="1600" kern="1200">
+                <a:solidFill>
+                  <a:schemeClr val="tx1"/>
+                </a:solidFill>
+                <a:latin typeface="+mn-lt"/>
+                <a:ea typeface="+mn-ea"/>
+                <a:cs typeface="+mn-cs"/>
+              </a:defRPr>
+            </a:lvl5pPr>
+            <a:lvl6pPr marL="2286000" indent="0" algn="ctr" defTabSz="914400" rtl="0" eaLnBrk="1" latinLnBrk="0" hangingPunct="1">
+              <a:lnSpc>
+                <a:spcPct val="90000"/>
+              </a:lnSpc>
+              <a:spcBef>
+                <a:spcPts val="500"/>
+              </a:spcBef>
+              <a:buFont typeface="Arial" panose="020B0604020202020204" pitchFamily="34" charset="0"/>
+              <a:buNone/>
+              <a:defRPr sz="1600" kern="1200">
+                <a:solidFill>
+                  <a:schemeClr val="tx1"/>
+                </a:solidFill>
+                <a:latin typeface="+mn-lt"/>
+                <a:ea typeface="+mn-ea"/>
+                <a:cs typeface="+mn-cs"/>
+              </a:defRPr>
+            </a:lvl6pPr>
+            <a:lvl7pPr marL="2743200" indent="0" algn="ctr" defTabSz="914400" rtl="0" eaLnBrk="1" latinLnBrk="0" hangingPunct="1">
+              <a:lnSpc>
+                <a:spcPct val="90000"/>
+              </a:lnSpc>
+              <a:spcBef>
+                <a:spcPts val="500"/>
+              </a:spcBef>
+              <a:buFont typeface="Arial" panose="020B0604020202020204" pitchFamily="34" charset="0"/>
+              <a:buNone/>
+              <a:defRPr sz="1600" kern="1200">
+                <a:solidFill>
+                  <a:schemeClr val="tx1"/>
+                </a:solidFill>
+                <a:latin typeface="+mn-lt"/>
+                <a:ea typeface="+mn-ea"/>
+                <a:cs typeface="+mn-cs"/>
+              </a:defRPr>
+            </a:lvl7pPr>
+            <a:lvl8pPr marL="3200400" indent="0" algn="ctr" defTabSz="914400" rtl="0" eaLnBrk="1" latinLnBrk="0" hangingPunct="1">
+              <a:lnSpc>
+                <a:spcPct val="90000"/>
+              </a:lnSpc>
+              <a:spcBef>
+                <a:spcPts val="500"/>
+              </a:spcBef>
+              <a:buFont typeface="Arial" panose="020B0604020202020204" pitchFamily="34" charset="0"/>
+              <a:buNone/>
+              <a:defRPr sz="1600" kern="1200">
+                <a:solidFill>
+                  <a:schemeClr val="tx1"/>
+                </a:solidFill>
+                <a:latin typeface="+mn-lt"/>
+                <a:ea typeface="+mn-ea"/>
+                <a:cs typeface="+mn-cs"/>
+              </a:defRPr>
+            </a:lvl8pPr>
+            <a:lvl9pPr marL="3657600" indent="0" algn="ctr" defTabSz="914400" rtl="0" eaLnBrk="1" latinLnBrk="0" hangingPunct="1">
+              <a:lnSpc>
+                <a:spcPct val="90000"/>
+              </a:lnSpc>
+              <a:spcBef>
+                <a:spcPts val="500"/>
+              </a:spcBef>
+              <a:buFont typeface="Arial" panose="020B0604020202020204" pitchFamily="34" charset="0"/>
+              <a:buNone/>
+              <a:defRPr sz="1600" kern="1200">
+                <a:solidFill>
+                  <a:schemeClr val="tx1"/>
+                </a:solidFill>
+                <a:latin typeface="+mn-lt"/>
+                <a:ea typeface="+mn-ea"/>
+                <a:cs typeface="+mn-cs"/>
+              </a:defRPr>
+            </a:lvl9pPr>
+          </a:lstStyle>
+          <a:p>
+            <a:r>
+              <a:rPr lang="en-US" sz="2000" b="1" dirty="0">
+                <a:solidFill>
+                  <a:schemeClr val="bg1"/>
+                </a:solidFill>
+                <a:latin typeface="Segoe UI Light" panose="020B0502040204020203" pitchFamily="34" charset="0"/>
+                <a:cs typeface="Segoe UI Light" panose="020B0502040204020203" pitchFamily="34" charset="0"/>
+              </a:rPr>
+              <a:t>VS</a:t>
+            </a:r>
+          </a:p>
+        </p:txBody>
+      </p:sp>
+      <p:sp>
+        <p:nvSpPr>
+          <p:cNvPr id="15" name="Subtitle 2">
+            <a:extLst>
+              <a:ext uri="{FF2B5EF4-FFF2-40B4-BE49-F238E27FC236}">
+                <a16:creationId xmlns:a16="http://schemas.microsoft.com/office/drawing/2014/main" id="{20939731-D3B7-4A28-B941-216A5F2FD525}"/>
+              </a:ext>
+            </a:extLst>
+          </p:cNvPr>
+          <p:cNvSpPr txBox="1">
+            <a:spLocks/>
+          </p:cNvSpPr>
+          <p:nvPr/>
+        </p:nvSpPr>
+        <p:spPr>
+          <a:xfrm>
+            <a:off x="708890" y="2662072"/>
+            <a:ext cx="4368801" cy="3265364"/>
+          </a:xfrm>
+          <a:prstGeom prst="rect">
+            <a:avLst/>
+          </a:prstGeom>
+        </p:spPr>
+        <p:txBody>
+          <a:bodyPr vert="horz" lIns="91440" tIns="45720" rIns="91440" bIns="45720" rtlCol="0" anchor="ctr">
             <a:noAutofit/>
           </a:bodyPr>
           <a:lstStyle>
@@ -37415,17 +36966,101 @@
             </a:lvl9pPr>
           </a:lstStyle>
           <a:p>
-            <a:pPr algn="l">
+            <a:pPr marL="285750" indent="-285750" algn="l">
               <a:lnSpc>
                 <a:spcPct val="150000"/>
               </a:lnSpc>
+              <a:buFont typeface="Arial" panose="020B0604020202020204" pitchFamily="34" charset="0"/>
+              <a:buChar char="•"/>
             </a:pPr>
             <a:r>
               <a:rPr lang="en-US" sz="1600" dirty="0">
                 <a:latin typeface="Segoe UI Semibold" panose="020B0702040204020203" pitchFamily="34" charset="0"/>
                 <a:cs typeface="Segoe UI Semibold" panose="020B0702040204020203" pitchFamily="34" charset="0"/>
               </a:rPr>
-              <a:t>A unit of code base that implements some </a:t>
+              <a:t>Modules become </a:t>
+            </a:r>
+            <a:r>
+              <a:rPr lang="en-US" sz="1600" b="1" dirty="0">
+                <a:latin typeface="Segoe UI Semibold" panose="020B0702040204020203" pitchFamily="34" charset="0"/>
+                <a:cs typeface="Segoe UI Semibold" panose="020B0702040204020203" pitchFamily="34" charset="0"/>
+              </a:rPr>
+              <a:t>services</a:t>
+            </a:r>
+            <a:r>
+              <a:rPr lang="en-US" sz="1600" dirty="0">
+                <a:latin typeface="Segoe UI Semibold" panose="020B0702040204020203" pitchFamily="34" charset="0"/>
+                <a:cs typeface="Segoe UI Semibold" panose="020B0702040204020203" pitchFamily="34" charset="0"/>
+              </a:rPr>
+              <a:t>.</a:t>
+            </a:r>
+          </a:p>
+          <a:p>
+            <a:pPr marL="285750" indent="-285750" algn="l">
+              <a:lnSpc>
+                <a:spcPct val="150000"/>
+              </a:lnSpc>
+              <a:buFont typeface="Arial" panose="020B0604020202020204" pitchFamily="34" charset="0"/>
+              <a:buChar char="•"/>
+            </a:pPr>
+            <a:r>
+              <a:rPr lang="en-US" sz="1600" dirty="0">
+                <a:latin typeface="Segoe UI Semibold" panose="020B0702040204020203" pitchFamily="34" charset="0"/>
+                <a:cs typeface="Segoe UI Semibold" panose="020B0702040204020203" pitchFamily="34" charset="0"/>
+              </a:rPr>
+              <a:t>Every microservice </a:t>
+            </a:r>
+            <a:r>
+              <a:rPr lang="en-US" sz="1600" b="1" dirty="0">
+                <a:latin typeface="Segoe UI Semibold" panose="020B0702040204020203" pitchFamily="34" charset="0"/>
+                <a:cs typeface="Segoe UI Semibold" panose="020B0702040204020203" pitchFamily="34" charset="0"/>
+              </a:rPr>
+              <a:t>can be layered </a:t>
+            </a:r>
+            <a:r>
+              <a:rPr lang="en-US" sz="1600" dirty="0">
+                <a:latin typeface="Segoe UI Semibold" panose="020B0702040204020203" pitchFamily="34" charset="0"/>
+                <a:cs typeface="Segoe UI Semibold" panose="020B0702040204020203" pitchFamily="34" charset="0"/>
+              </a:rPr>
+              <a:t>as multiple assemblies (projects).</a:t>
+            </a:r>
+          </a:p>
+          <a:p>
+            <a:pPr marL="285750" indent="-285750" algn="l">
+              <a:lnSpc>
+                <a:spcPct val="150000"/>
+              </a:lnSpc>
+              <a:buFont typeface="Arial" panose="020B0604020202020204" pitchFamily="34" charset="0"/>
+              <a:buChar char="•"/>
+            </a:pPr>
+            <a:r>
+              <a:rPr lang="en-US" sz="1600" dirty="0">
+                <a:latin typeface="Segoe UI Semibold" panose="020B0702040204020203" pitchFamily="34" charset="0"/>
+                <a:cs typeface="Segoe UI Semibold" panose="020B0702040204020203" pitchFamily="34" charset="0"/>
+              </a:rPr>
+              <a:t>A module can </a:t>
+            </a:r>
+            <a:r>
+              <a:rPr lang="en-US" sz="1600" b="1" dirty="0">
+                <a:latin typeface="Segoe UI Semibold" panose="020B0702040204020203" pitchFamily="34" charset="0"/>
+                <a:cs typeface="Segoe UI Semibold" panose="020B0702040204020203" pitchFamily="34" charset="0"/>
+              </a:rPr>
+              <a:t>depend on </a:t>
+            </a:r>
+            <a:r>
+              <a:rPr lang="en-US" sz="1600" dirty="0">
+                <a:latin typeface="Segoe UI Semibold" panose="020B0702040204020203" pitchFamily="34" charset="0"/>
+                <a:cs typeface="Segoe UI Semibold" panose="020B0702040204020203" pitchFamily="34" charset="0"/>
+              </a:rPr>
+              <a:t>another via </a:t>
+            </a:r>
+            <a:r>
+              <a:rPr lang="en-US" sz="1600" b="1" dirty="0">
+                <a:latin typeface="Segoe UI Black" panose="020B0A02040204020203" pitchFamily="34" charset="0"/>
+                <a:ea typeface="Segoe UI Black" panose="020B0A02040204020203" pitchFamily="34" charset="0"/>
+                <a:cs typeface="Segoe UI Semibold" panose="020B0702040204020203" pitchFamily="34" charset="0"/>
+              </a:rPr>
+              <a:t>remote communication</a:t>
             </a:r>
             <a:r>
               <a:rPr lang="en-US" sz="1600" dirty="0">
@@ -37433,135 +37068,399 @@
                 <a:ea typeface="Segoe UI Black" panose="020B0A02040204020203" pitchFamily="34" charset="0"/>
                 <a:cs typeface="Segoe UI Semibold" panose="020B0702040204020203" pitchFamily="34" charset="0"/>
               </a:rPr>
-              <a:t>business functionality</a:t>
+              <a:t> </a:t>
             </a:r>
             <a:r>
               <a:rPr lang="en-US" sz="1600" dirty="0">
                 <a:latin typeface="Segoe UI Semibold" panose="020B0702040204020203" pitchFamily="34" charset="0"/>
                 <a:cs typeface="Segoe UI Semibold" panose="020B0702040204020203" pitchFamily="34" charset="0"/>
               </a:rPr>
-              <a:t>. Generally consists of;</a:t>
-            </a:r>
-          </a:p>
-          <a:p>
-            <a:pPr marL="285750" indent="-285750" algn="l">
-              <a:lnSpc>
-                <a:spcPct val="150000"/>
-              </a:lnSpc>
-              <a:buFont typeface="Arial" panose="020B0604020202020204" pitchFamily="34" charset="0"/>
-              <a:buChar char="•"/>
-            </a:pPr>
+              <a:t>(REST, </a:t>
+            </a:r>
+            <a:r>
+              <a:rPr lang="en-US" sz="1600" dirty="0" err="1">
+                <a:latin typeface="Segoe UI Semibold" panose="020B0702040204020203" pitchFamily="34" charset="0"/>
+                <a:cs typeface="Segoe UI Semibold" panose="020B0702040204020203" pitchFamily="34" charset="0"/>
+              </a:rPr>
+              <a:t>GraphQL</a:t>
+            </a:r>
             <a:r>
               <a:rPr lang="en-US" sz="1600" dirty="0">
                 <a:latin typeface="Segoe UI Semibold" panose="020B0702040204020203" pitchFamily="34" charset="0"/>
                 <a:cs typeface="Segoe UI Semibold" panose="020B0702040204020203" pitchFamily="34" charset="0"/>
               </a:rPr>
-              <a:t>A </a:t>
+              <a:t>, Messaging… </a:t>
+            </a:r>
+            <a:r>
+              <a:rPr lang="en-US" sz="1600" dirty="0" err="1">
+                <a:latin typeface="Segoe UI Semibold" panose="020B0702040204020203" pitchFamily="34" charset="0"/>
+                <a:cs typeface="Segoe UI Semibold" panose="020B0702040204020203" pitchFamily="34" charset="0"/>
+              </a:rPr>
+              <a:t>etc</a:t>
+            </a:r>
+            <a:r>
+              <a:rPr lang="en-US" sz="1600" dirty="0">
+                <a:latin typeface="Segoe UI Semibold" panose="020B0702040204020203" pitchFamily="34" charset="0"/>
+                <a:cs typeface="Segoe UI Semibold" panose="020B0702040204020203" pitchFamily="34" charset="0"/>
+              </a:rPr>
+              <a:t>).</a:t>
+            </a:r>
+          </a:p>
+          <a:p>
+            <a:pPr marL="285750" indent="-285750" algn="l">
+              <a:lnSpc>
+                <a:spcPct val="150000"/>
+              </a:lnSpc>
+              <a:buFont typeface="Arial" panose="020B0604020202020204" pitchFamily="34" charset="0"/>
+              <a:buChar char="•"/>
+            </a:pPr>
+            <a:r>
+              <a:rPr lang="en-US" sz="1600" dirty="0">
+                <a:latin typeface="Segoe UI Semibold" panose="020B0702040204020203" pitchFamily="34" charset="0"/>
+                <a:cs typeface="Segoe UI Semibold" panose="020B0702040204020203" pitchFamily="34" charset="0"/>
+              </a:rPr>
+              <a:t>A microservice is separately </a:t>
             </a:r>
             <a:r>
               <a:rPr lang="en-US" sz="1600" b="1" dirty="0">
                 <a:latin typeface="Segoe UI Semibold" panose="020B0702040204020203" pitchFamily="34" charset="0"/>
                 <a:cs typeface="Segoe UI Semibold" panose="020B0702040204020203" pitchFamily="34" charset="0"/>
               </a:rPr>
-              <a:t>database schema</a:t>
+              <a:t>versioned, deployed and updated</a:t>
             </a:r>
             <a:r>
               <a:rPr lang="en-US" sz="1600" dirty="0">
                 <a:latin typeface="Segoe UI Semibold" panose="020B0702040204020203" pitchFamily="34" charset="0"/>
                 <a:cs typeface="Segoe UI Semibold" panose="020B0702040204020203" pitchFamily="34" charset="0"/>
               </a:rPr>
-              <a:t> (and data)</a:t>
-            </a:r>
-          </a:p>
-          <a:p>
-            <a:pPr marL="285750" indent="-285750" algn="l">
-              <a:lnSpc>
-                <a:spcPct val="150000"/>
-              </a:lnSpc>
-              <a:buFont typeface="Arial" panose="020B0604020202020204" pitchFamily="34" charset="0"/>
-              <a:buChar char="•"/>
-            </a:pPr>
-            <a:r>
-              <a:rPr lang="en-US" sz="1600" b="1" dirty="0">
-                <a:latin typeface="Segoe UI Semibold" panose="020B0702040204020203" pitchFamily="34" charset="0"/>
-                <a:cs typeface="Segoe UI Semibold" panose="020B0702040204020203" pitchFamily="34" charset="0"/>
-              </a:rPr>
-              <a:t>Application/business code</a:t>
-            </a:r>
-            <a:r>
-              <a:rPr lang="en-US" sz="1600" dirty="0">
-                <a:latin typeface="Segoe UI Semibold" panose="020B0702040204020203" pitchFamily="34" charset="0"/>
-                <a:cs typeface="Segoe UI Semibold" panose="020B0702040204020203" pitchFamily="34" charset="0"/>
-              </a:rPr>
-              <a:t>: Entities, Services, DTOs… etc.</a:t>
-            </a:r>
-          </a:p>
-          <a:p>
-            <a:pPr marL="285750" indent="-285750" algn="l">
-              <a:lnSpc>
-                <a:spcPct val="150000"/>
-              </a:lnSpc>
-              <a:buFont typeface="Arial" panose="020B0604020202020204" pitchFamily="34" charset="0"/>
-              <a:buChar char="•"/>
-            </a:pPr>
-            <a:r>
-              <a:rPr lang="en-US" sz="1600" b="1" dirty="0">
-                <a:latin typeface="Segoe UI Semibold" panose="020B0702040204020203" pitchFamily="34" charset="0"/>
-                <a:cs typeface="Segoe UI Semibold" panose="020B0702040204020203" pitchFamily="34" charset="0"/>
-              </a:rPr>
-              <a:t>UI Pages</a:t>
-            </a:r>
-            <a:r>
-              <a:rPr lang="en-US" sz="1600" dirty="0">
-                <a:latin typeface="Segoe UI Semibold" panose="020B0702040204020203" pitchFamily="34" charset="0"/>
-                <a:cs typeface="Segoe UI Semibold" panose="020B0702040204020203" pitchFamily="34" charset="0"/>
-              </a:rPr>
-              <a:t> &amp; Components</a:t>
-            </a:r>
-          </a:p>
-          <a:p>
-            <a:pPr marL="285750" indent="-285750" algn="l">
-              <a:lnSpc>
-                <a:spcPct val="150000"/>
-              </a:lnSpc>
-              <a:buFont typeface="Arial" panose="020B0604020202020204" pitchFamily="34" charset="0"/>
-              <a:buChar char="•"/>
-            </a:pPr>
-            <a:r>
-              <a:rPr lang="en-US" sz="1600" b="1" dirty="0">
-                <a:latin typeface="Segoe UI Semibold" panose="020B0702040204020203" pitchFamily="34" charset="0"/>
-                <a:cs typeface="Segoe UI Semibold" panose="020B0702040204020203" pitchFamily="34" charset="0"/>
-              </a:rPr>
-              <a:t>Remote API</a:t>
-            </a:r>
-            <a:r>
-              <a:rPr lang="en-US" sz="1600" dirty="0">
-                <a:latin typeface="Segoe UI Semibold" panose="020B0702040204020203" pitchFamily="34" charset="0"/>
-                <a:cs typeface="Segoe UI Semibold" panose="020B0702040204020203" pitchFamily="34" charset="0"/>
-              </a:rPr>
-              <a:t>: REST, </a:t>
-            </a:r>
-            <a:r>
-              <a:rPr lang="en-US" sz="1600" dirty="0" err="1">
-                <a:latin typeface="Segoe UI Semibold" panose="020B0702040204020203" pitchFamily="34" charset="0"/>
-                <a:cs typeface="Segoe UI Semibold" panose="020B0702040204020203" pitchFamily="34" charset="0"/>
-              </a:rPr>
-              <a:t>GraphQL</a:t>
-            </a:r>
-            <a:r>
-              <a:rPr lang="en-US" sz="1600" dirty="0">
-                <a:latin typeface="Segoe UI Semibold" panose="020B0702040204020203" pitchFamily="34" charset="0"/>
-                <a:cs typeface="Segoe UI Semibold" panose="020B0702040204020203" pitchFamily="34" charset="0"/>
-              </a:rPr>
-              <a:t>… etc.</a:t>
+              <a:t>.</a:t>
             </a:r>
           </a:p>
         </p:txBody>
       </p:sp>
+      <p:sp>
+        <p:nvSpPr>
+          <p:cNvPr id="6" name="Rectangle 5">
+            <a:extLst>
+              <a:ext uri="{FF2B5EF4-FFF2-40B4-BE49-F238E27FC236}">
+                <a16:creationId xmlns:a16="http://schemas.microsoft.com/office/drawing/2014/main" id="{77BE6C93-5670-47A7-B49D-2C9CD05BDBFB}"/>
+              </a:ext>
+            </a:extLst>
+          </p:cNvPr>
+          <p:cNvSpPr/>
+          <p:nvPr/>
+        </p:nvSpPr>
+        <p:spPr>
+          <a:xfrm>
+            <a:off x="6336144" y="1641763"/>
+            <a:ext cx="1826526" cy="747834"/>
+          </a:xfrm>
+          <a:prstGeom prst="rect">
+            <a:avLst/>
+          </a:prstGeom>
+        </p:spPr>
+        <p:style>
+          <a:lnRef idx="2">
+            <a:schemeClr val="accent4">
+              <a:shade val="50000"/>
+            </a:schemeClr>
+          </a:lnRef>
+          <a:fillRef idx="1">
+            <a:schemeClr val="accent4"/>
+          </a:fillRef>
+          <a:effectRef idx="0">
+            <a:schemeClr val="accent4"/>
+          </a:effectRef>
+          <a:fontRef idx="minor">
+            <a:schemeClr val="lt1"/>
+          </a:fontRef>
+        </p:style>
+        <p:txBody>
+          <a:bodyPr rtlCol="0" anchor="ctr"/>
+          <a:lstStyle/>
+          <a:p>
+            <a:pPr algn="ctr"/>
+            <a:r>
+              <a:rPr lang="en-US" dirty="0"/>
+              <a:t>Microservice - 1</a:t>
+            </a:r>
+          </a:p>
+        </p:txBody>
+      </p:sp>
+      <p:sp>
+        <p:nvSpPr>
+          <p:cNvPr id="12" name="Rectangle 11">
+            <a:extLst>
+              <a:ext uri="{FF2B5EF4-FFF2-40B4-BE49-F238E27FC236}">
+                <a16:creationId xmlns:a16="http://schemas.microsoft.com/office/drawing/2014/main" id="{9266DEE9-D630-4385-94FA-0FA6C44892EF}"/>
+              </a:ext>
+            </a:extLst>
+          </p:cNvPr>
+          <p:cNvSpPr/>
+          <p:nvPr/>
+        </p:nvSpPr>
+        <p:spPr>
+          <a:xfrm>
+            <a:off x="8565761" y="1641763"/>
+            <a:ext cx="1826526" cy="747834"/>
+          </a:xfrm>
+          <a:prstGeom prst="rect">
+            <a:avLst/>
+          </a:prstGeom>
+        </p:spPr>
+        <p:style>
+          <a:lnRef idx="2">
+            <a:schemeClr val="accent4">
+              <a:shade val="50000"/>
+            </a:schemeClr>
+          </a:lnRef>
+          <a:fillRef idx="1">
+            <a:schemeClr val="accent4"/>
+          </a:fillRef>
+          <a:effectRef idx="0">
+            <a:schemeClr val="accent4"/>
+          </a:effectRef>
+          <a:fontRef idx="minor">
+            <a:schemeClr val="lt1"/>
+          </a:fontRef>
+        </p:style>
+        <p:txBody>
+          <a:bodyPr rtlCol="0" anchor="ctr"/>
+          <a:lstStyle/>
+          <a:p>
+            <a:pPr algn="ctr"/>
+            <a:r>
+              <a:rPr lang="en-US" dirty="0"/>
+              <a:t>Microservice - 2</a:t>
+            </a:r>
+          </a:p>
+        </p:txBody>
+      </p:sp>
+      <p:sp>
+        <p:nvSpPr>
+          <p:cNvPr id="13" name="Rectangle 12">
+            <a:extLst>
+              <a:ext uri="{FF2B5EF4-FFF2-40B4-BE49-F238E27FC236}">
+                <a16:creationId xmlns:a16="http://schemas.microsoft.com/office/drawing/2014/main" id="{804A91C5-DD4F-4311-ABB1-4FCA11ACEDA6}"/>
+              </a:ext>
+            </a:extLst>
+          </p:cNvPr>
+          <p:cNvSpPr/>
+          <p:nvPr/>
+        </p:nvSpPr>
+        <p:spPr>
+          <a:xfrm>
+            <a:off x="6348828" y="3547184"/>
+            <a:ext cx="1826526" cy="747834"/>
+          </a:xfrm>
+          <a:prstGeom prst="rect">
+            <a:avLst/>
+          </a:prstGeom>
+        </p:spPr>
+        <p:style>
+          <a:lnRef idx="2">
+            <a:schemeClr val="accent4">
+              <a:shade val="50000"/>
+            </a:schemeClr>
+          </a:lnRef>
+          <a:fillRef idx="1">
+            <a:schemeClr val="accent4"/>
+          </a:fillRef>
+          <a:effectRef idx="0">
+            <a:schemeClr val="accent4"/>
+          </a:effectRef>
+          <a:fontRef idx="minor">
+            <a:schemeClr val="lt1"/>
+          </a:fontRef>
+        </p:style>
+        <p:txBody>
+          <a:bodyPr rtlCol="0" anchor="ctr"/>
+          <a:lstStyle/>
+          <a:p>
+            <a:pPr algn="ctr"/>
+            <a:r>
+              <a:rPr lang="en-US" dirty="0"/>
+              <a:t>Microservice - 3</a:t>
+            </a:r>
+          </a:p>
+        </p:txBody>
+      </p:sp>
+      <p:sp>
+        <p:nvSpPr>
+          <p:cNvPr id="14" name="Rectangle 13">
+            <a:extLst>
+              <a:ext uri="{FF2B5EF4-FFF2-40B4-BE49-F238E27FC236}">
+                <a16:creationId xmlns:a16="http://schemas.microsoft.com/office/drawing/2014/main" id="{3E3FC2CC-CDA5-4BF1-9ADC-B421E333CDBD}"/>
+              </a:ext>
+            </a:extLst>
+          </p:cNvPr>
+          <p:cNvSpPr/>
+          <p:nvPr/>
+        </p:nvSpPr>
+        <p:spPr>
+          <a:xfrm>
+            <a:off x="8627175" y="3547184"/>
+            <a:ext cx="1826526" cy="747834"/>
+          </a:xfrm>
+          <a:prstGeom prst="rect">
+            <a:avLst/>
+          </a:prstGeom>
+        </p:spPr>
+        <p:style>
+          <a:lnRef idx="2">
+            <a:schemeClr val="accent4">
+              <a:shade val="50000"/>
+            </a:schemeClr>
+          </a:lnRef>
+          <a:fillRef idx="1">
+            <a:schemeClr val="accent4"/>
+          </a:fillRef>
+          <a:effectRef idx="0">
+            <a:schemeClr val="accent4"/>
+          </a:effectRef>
+          <a:fontRef idx="minor">
+            <a:schemeClr val="lt1"/>
+          </a:fontRef>
+        </p:style>
+        <p:txBody>
+          <a:bodyPr rtlCol="0" anchor="ctr"/>
+          <a:lstStyle/>
+          <a:p>
+            <a:pPr algn="ctr"/>
+            <a:r>
+              <a:rPr lang="en-US" dirty="0"/>
+              <a:t>Microservice - 4</a:t>
+            </a:r>
+          </a:p>
+        </p:txBody>
+      </p:sp>
+      <p:cxnSp>
+        <p:nvCxnSpPr>
+          <p:cNvPr id="7" name="Straight Arrow Connector 6">
+            <a:extLst>
+              <a:ext uri="{FF2B5EF4-FFF2-40B4-BE49-F238E27FC236}">
+                <a16:creationId xmlns:a16="http://schemas.microsoft.com/office/drawing/2014/main" id="{15107B99-2942-4BC0-A3D9-54E1B7B78060}"/>
+              </a:ext>
+            </a:extLst>
+          </p:cNvPr>
+          <p:cNvCxnSpPr>
+            <a:stCxn id="13" idx="0"/>
+            <a:endCxn id="6" idx="2"/>
+          </p:cNvCxnSpPr>
+          <p:nvPr/>
+        </p:nvCxnSpPr>
+        <p:spPr>
+          <a:xfrm flipH="1" flipV="1">
+            <a:off x="7249407" y="2389597"/>
+            <a:ext cx="12684" cy="1157587"/>
+          </a:xfrm>
+          <a:prstGeom prst="straightConnector1">
+            <a:avLst/>
+          </a:prstGeom>
+          <a:ln w="50800">
+            <a:tailEnd type="triangle"/>
+          </a:ln>
+        </p:spPr>
+        <p:style>
+          <a:lnRef idx="1">
+            <a:schemeClr val="accent1"/>
+          </a:lnRef>
+          <a:fillRef idx="0">
+            <a:schemeClr val="accent1"/>
+          </a:fillRef>
+          <a:effectRef idx="0">
+            <a:schemeClr val="accent1"/>
+          </a:effectRef>
+          <a:fontRef idx="minor">
+            <a:schemeClr val="tx1"/>
+          </a:fontRef>
+        </p:style>
+      </p:cxnSp>
+      <p:cxnSp>
+        <p:nvCxnSpPr>
+          <p:cNvPr id="10" name="Straight Arrow Connector 9">
+            <a:extLst>
+              <a:ext uri="{FF2B5EF4-FFF2-40B4-BE49-F238E27FC236}">
+                <a16:creationId xmlns:a16="http://schemas.microsoft.com/office/drawing/2014/main" id="{278B0DF7-D829-4FA0-A6E4-FE8795D789EC}"/>
+              </a:ext>
+            </a:extLst>
+          </p:cNvPr>
+          <p:cNvCxnSpPr>
+            <a:stCxn id="14" idx="1"/>
+            <a:endCxn id="13" idx="3"/>
+          </p:cNvCxnSpPr>
+          <p:nvPr/>
+        </p:nvCxnSpPr>
+        <p:spPr>
+          <a:xfrm flipH="1">
+            <a:off x="8175354" y="3921101"/>
+            <a:ext cx="451821" cy="0"/>
+          </a:xfrm>
+          <a:prstGeom prst="straightConnector1">
+            <a:avLst/>
+          </a:prstGeom>
+          <a:ln w="50800">
+            <a:tailEnd type="triangle"/>
+          </a:ln>
+        </p:spPr>
+        <p:style>
+          <a:lnRef idx="1">
+            <a:schemeClr val="accent1"/>
+          </a:lnRef>
+          <a:fillRef idx="0">
+            <a:schemeClr val="accent1"/>
+          </a:fillRef>
+          <a:effectRef idx="0">
+            <a:schemeClr val="accent1"/>
+          </a:effectRef>
+          <a:fontRef idx="minor">
+            <a:schemeClr val="tx1"/>
+          </a:fontRef>
+        </p:style>
+      </p:cxnSp>
+      <p:cxnSp>
+        <p:nvCxnSpPr>
+          <p:cNvPr id="20" name="Straight Arrow Connector 19">
+            <a:extLst>
+              <a:ext uri="{FF2B5EF4-FFF2-40B4-BE49-F238E27FC236}">
+                <a16:creationId xmlns:a16="http://schemas.microsoft.com/office/drawing/2014/main" id="{8E41D851-03FB-450C-8D3F-E861494A234B}"/>
+              </a:ext>
+            </a:extLst>
+          </p:cNvPr>
+          <p:cNvCxnSpPr/>
+          <p:nvPr/>
+        </p:nvCxnSpPr>
+        <p:spPr>
+          <a:xfrm flipV="1">
+            <a:off x="7499445" y="2389597"/>
+            <a:ext cx="1521725" cy="1157587"/>
+          </a:xfrm>
+          <a:prstGeom prst="straightConnector1">
+            <a:avLst/>
+          </a:prstGeom>
+          <a:ln w="50800">
+            <a:tailEnd type="triangle"/>
+          </a:ln>
+        </p:spPr>
+        <p:style>
+          <a:lnRef idx="1">
+            <a:schemeClr val="accent1"/>
+          </a:lnRef>
+          <a:fillRef idx="0">
+            <a:schemeClr val="accent1"/>
+          </a:fillRef>
+          <a:effectRef idx="0">
+            <a:schemeClr val="accent1"/>
+          </a:effectRef>
+          <a:fontRef idx="minor">
+            <a:schemeClr val="tx1"/>
+          </a:fontRef>
+        </p:style>
+      </p:cxnSp>
     </p:spTree>
     <p:extLst>
       <p:ext uri="{BB962C8B-B14F-4D97-AF65-F5344CB8AC3E}">
-        <p14:creationId xmlns:p14="http://schemas.microsoft.com/office/powerpoint/2010/main" val="402183487"/>
+        <p14:creationId xmlns:p14="http://schemas.microsoft.com/office/powerpoint/2010/main" val="116174797"/>
       </p:ext>
     </p:extLst>
   </p:cSld>

--- a/2018-11-03-Designing-Modularity/Presentation-short-40min.pptx
+++ b/2018-11-03-Designing-Modularity/Presentation-short-40min.pptx
@@ -5,7 +5,7 @@
     <p:sldMasterId id="2147483648" r:id="rId1"/>
   </p:sldMasterIdLst>
   <p:notesMasterIdLst>
-    <p:notesMasterId r:id="rId47"/>
+    <p:notesMasterId r:id="rId45"/>
   </p:notesMasterIdLst>
   <p:sldIdLst>
     <p:sldId id="256" r:id="rId2"/>
@@ -49,10 +49,8 @@
     <p:sldId id="301" r:id="rId40"/>
     <p:sldId id="331" r:id="rId41"/>
     <p:sldId id="305" r:id="rId42"/>
-    <p:sldId id="311" r:id="rId43"/>
-    <p:sldId id="312" r:id="rId44"/>
-    <p:sldId id="313" r:id="rId45"/>
-    <p:sldId id="337" r:id="rId46"/>
+    <p:sldId id="313" r:id="rId43"/>
+    <p:sldId id="337" r:id="rId44"/>
   </p:sldIdLst>
   <p:sldSz cx="12192000" cy="6858000"/>
   <p:notesSz cx="6858000" cy="9144000"/>
@@ -12865,19 +12863,8 @@
                 <a:latin typeface="Segoe UI Semibold" panose="020B0702040204020203" pitchFamily="34" charset="0"/>
                 <a:cs typeface="Segoe UI Semibold" panose="020B0702040204020203" pitchFamily="34" charset="0"/>
               </a:rPr>
-              <a:t>Event bus </a:t>
-            </a:r>
-            <a:r>
-              <a:rPr lang="en-US" sz="2000">
-                <a:latin typeface="Segoe UI Semibold" panose="020B0702040204020203" pitchFamily="34" charset="0"/>
-                <a:cs typeface="Segoe UI Semibold" panose="020B0702040204020203" pitchFamily="34" charset="0"/>
-              </a:rPr>
-              <a:t>/ messaging.</a:t>
-            </a:r>
-            <a:endParaRPr lang="en-US" sz="2000" dirty="0">
-              <a:latin typeface="Segoe UI Semibold" panose="020B0702040204020203" pitchFamily="34" charset="0"/>
-              <a:cs typeface="Segoe UI Semibold" panose="020B0702040204020203" pitchFamily="34" charset="0"/>
-            </a:endParaRPr>
+              <a:t>Event bus / messaging.</a:t>
+            </a:r>
           </a:p>
         </p:txBody>
       </p:sp>
@@ -13609,22 +13596,6 @@
                 <a:cs typeface="Segoe UI Semibold" panose="020B0702040204020203" pitchFamily="34" charset="0"/>
               </a:rPr>
               <a:t>Blogging module should strictly follow Identity schema changes.</a:t>
-            </a:r>
-          </a:p>
-          <a:p>
-            <a:pPr marL="285750" indent="-285750" algn="l">
-              <a:lnSpc>
-                <a:spcPct val="150000"/>
-              </a:lnSpc>
-              <a:buFont typeface="Arial" panose="020B0604020202020204" pitchFamily="34" charset="0"/>
-              <a:buChar char="•"/>
-            </a:pPr>
-            <a:r>
-              <a:rPr lang="en-US" sz="1600" dirty="0">
-                <a:latin typeface="Segoe UI Semibold" panose="020B0702040204020203" pitchFamily="34" charset="0"/>
-                <a:cs typeface="Segoe UI Semibold" panose="020B0702040204020203" pitchFamily="34" charset="0"/>
-              </a:rPr>
-              <a:t>Shared schema can be extracted to a shared/common module.</a:t>
             </a:r>
           </a:p>
           <a:p>
@@ -30466,7 +30437,7 @@
                 <a:latin typeface="Segoe UI Semibold" panose="020B0702040204020203" pitchFamily="34" charset="0"/>
                 <a:cs typeface="Segoe UI Semibold" panose="020B0702040204020203" pitchFamily="34" charset="0"/>
               </a:rPr>
-              <a:t>Miscellaneous</a:t>
+              <a:t>Events</a:t>
             </a:r>
             <a:endParaRPr lang="en-US" sz="4000" dirty="0"/>
           </a:p>
@@ -31626,910 +31597,6 @@
         </p:nvSpPr>
         <p:spPr>
           <a:xfrm>
-            <a:off x="738907" y="930564"/>
-            <a:ext cx="5773859" cy="775853"/>
-          </a:xfrm>
-        </p:spPr>
-        <p:txBody>
-          <a:bodyPr anchor="b">
-            <a:normAutofit/>
-          </a:bodyPr>
-          <a:lstStyle/>
-          <a:p>
-            <a:pPr algn="l"/>
-            <a:r>
-              <a:rPr lang="en-US" sz="4000" b="1" dirty="0">
-                <a:solidFill>
-                  <a:srgbClr val="0041C6"/>
-                </a:solidFill>
-                <a:latin typeface="Segoe UI Light" panose="020B0502040204020203" pitchFamily="34" charset="0"/>
-                <a:cs typeface="Segoe UI Light" panose="020B0502040204020203" pitchFamily="34" charset="0"/>
-              </a:rPr>
-              <a:t>Sample Event Handler</a:t>
-            </a:r>
-            <a:endParaRPr lang="en-US" sz="4000" b="1" dirty="0">
-              <a:solidFill>
-                <a:srgbClr val="0041C6"/>
-              </a:solidFill>
-              <a:latin typeface="Segoe UI Semibold" panose="020B0702040204020203" pitchFamily="34" charset="0"/>
-              <a:cs typeface="Segoe UI Semibold" panose="020B0702040204020203" pitchFamily="34" charset="0"/>
-            </a:endParaRPr>
-          </a:p>
-        </p:txBody>
-      </p:sp>
-      <p:sp>
-        <p:nvSpPr>
-          <p:cNvPr id="5" name="Footer Placeholder 4">
-            <a:extLst>
-              <a:ext uri="{FF2B5EF4-FFF2-40B4-BE49-F238E27FC236}">
-                <a16:creationId xmlns:a16="http://schemas.microsoft.com/office/drawing/2014/main" id="{A3553ADE-3838-4EDB-9F14-97C75DE2198D}"/>
-              </a:ext>
-            </a:extLst>
-          </p:cNvPr>
-          <p:cNvSpPr>
-            <a:spLocks noGrp="1"/>
-          </p:cNvSpPr>
-          <p:nvPr>
-            <p:ph type="ftr" sz="quarter" idx="11"/>
-          </p:nvPr>
-        </p:nvSpPr>
-        <p:spPr>
-          <a:xfrm>
-            <a:off x="0" y="6483927"/>
-            <a:ext cx="4190999" cy="374073"/>
-          </a:xfrm>
-        </p:spPr>
-        <p:txBody>
-          <a:bodyPr/>
-          <a:lstStyle/>
-          <a:p>
-            <a:pPr algn="l"/>
-            <a:r>
-              <a:rPr lang="en-US" dirty="0" err="1">
-                <a:solidFill>
-                  <a:schemeClr val="tx1"/>
-                </a:solidFill>
-                <a:latin typeface="Segoe UI" panose="020B0502040204020203" pitchFamily="34" charset="0"/>
-                <a:cs typeface="Segoe UI" panose="020B0502040204020203" pitchFamily="34" charset="0"/>
-              </a:rPr>
-              <a:t>Halil</a:t>
-            </a:r>
-            <a:r>
-              <a:rPr lang="en-US" dirty="0">
-                <a:solidFill>
-                  <a:schemeClr val="tx1"/>
-                </a:solidFill>
-                <a:latin typeface="Segoe UI" panose="020B0502040204020203" pitchFamily="34" charset="0"/>
-                <a:cs typeface="Segoe UI" panose="020B0502040204020203" pitchFamily="34" charset="0"/>
-              </a:rPr>
-              <a:t> İbrahim KALKAN | @</a:t>
-            </a:r>
-            <a:r>
-              <a:rPr lang="en-US" dirty="0" err="1">
-                <a:solidFill>
-                  <a:schemeClr val="tx1"/>
-                </a:solidFill>
-                <a:latin typeface="Segoe UI" panose="020B0502040204020203" pitchFamily="34" charset="0"/>
-                <a:cs typeface="Segoe UI" panose="020B0502040204020203" pitchFamily="34" charset="0"/>
-              </a:rPr>
-              <a:t>hikalkan</a:t>
-            </a:r>
-            <a:r>
-              <a:rPr lang="en-US" dirty="0">
-                <a:solidFill>
-                  <a:schemeClr val="tx1"/>
-                </a:solidFill>
-                <a:latin typeface="Segoe UI" panose="020B0502040204020203" pitchFamily="34" charset="0"/>
-                <a:cs typeface="Segoe UI" panose="020B0502040204020203" pitchFamily="34" charset="0"/>
-              </a:rPr>
-              <a:t> | </a:t>
-            </a:r>
-            <a:r>
-              <a:rPr lang="en-US" dirty="0" err="1">
-                <a:solidFill>
-                  <a:schemeClr val="tx1"/>
-                </a:solidFill>
-                <a:latin typeface="Segoe UI" panose="020B0502040204020203" pitchFamily="34" charset="0"/>
-                <a:cs typeface="Segoe UI" panose="020B0502040204020203" pitchFamily="34" charset="0"/>
-              </a:rPr>
-              <a:t>Volosoft</a:t>
-            </a:r>
-            <a:r>
-              <a:rPr lang="en-US" dirty="0">
-                <a:solidFill>
-                  <a:schemeClr val="tx1"/>
-                </a:solidFill>
-                <a:latin typeface="Segoe UI" panose="020B0502040204020203" pitchFamily="34" charset="0"/>
-                <a:cs typeface="Segoe UI" panose="020B0502040204020203" pitchFamily="34" charset="0"/>
-              </a:rPr>
-              <a:t> TM</a:t>
-            </a:r>
-          </a:p>
-        </p:txBody>
-      </p:sp>
-      <p:sp>
-        <p:nvSpPr>
-          <p:cNvPr id="11" name="Subtitle 2">
-            <a:extLst>
-              <a:ext uri="{FF2B5EF4-FFF2-40B4-BE49-F238E27FC236}">
-                <a16:creationId xmlns:a16="http://schemas.microsoft.com/office/drawing/2014/main" id="{A769CE0C-E9B4-4049-B22B-C35AD0DD7409}"/>
-              </a:ext>
-            </a:extLst>
-          </p:cNvPr>
-          <p:cNvSpPr txBox="1">
-            <a:spLocks/>
-          </p:cNvSpPr>
-          <p:nvPr/>
-        </p:nvSpPr>
-        <p:spPr>
-          <a:xfrm>
-            <a:off x="3582554" y="2904836"/>
-            <a:ext cx="835891" cy="775853"/>
-          </a:xfrm>
-          <a:prstGeom prst="rect">
-            <a:avLst/>
-          </a:prstGeom>
-        </p:spPr>
-        <p:txBody>
-          <a:bodyPr vert="horz" lIns="91440" tIns="45720" rIns="91440" bIns="45720" rtlCol="0" anchor="ctr">
-            <a:normAutofit/>
-          </a:bodyPr>
-          <a:lstStyle>
-            <a:lvl1pPr marL="0" indent="0" algn="ctr" defTabSz="914400" rtl="0" eaLnBrk="1" latinLnBrk="0" hangingPunct="1">
-              <a:lnSpc>
-                <a:spcPct val="90000"/>
-              </a:lnSpc>
-              <a:spcBef>
-                <a:spcPts val="1000"/>
-              </a:spcBef>
-              <a:buFont typeface="Arial" panose="020B0604020202020204" pitchFamily="34" charset="0"/>
-              <a:buNone/>
-              <a:defRPr sz="2400" kern="1200">
-                <a:solidFill>
-                  <a:schemeClr val="tx1"/>
-                </a:solidFill>
-                <a:latin typeface="+mn-lt"/>
-                <a:ea typeface="+mn-ea"/>
-                <a:cs typeface="+mn-cs"/>
-              </a:defRPr>
-            </a:lvl1pPr>
-            <a:lvl2pPr marL="457200" indent="0" algn="ctr" defTabSz="914400" rtl="0" eaLnBrk="1" latinLnBrk="0" hangingPunct="1">
-              <a:lnSpc>
-                <a:spcPct val="90000"/>
-              </a:lnSpc>
-              <a:spcBef>
-                <a:spcPts val="500"/>
-              </a:spcBef>
-              <a:buFont typeface="Arial" panose="020B0604020202020204" pitchFamily="34" charset="0"/>
-              <a:buNone/>
-              <a:defRPr sz="2000" kern="1200">
-                <a:solidFill>
-                  <a:schemeClr val="tx1"/>
-                </a:solidFill>
-                <a:latin typeface="+mn-lt"/>
-                <a:ea typeface="+mn-ea"/>
-                <a:cs typeface="+mn-cs"/>
-              </a:defRPr>
-            </a:lvl2pPr>
-            <a:lvl3pPr marL="914400" indent="0" algn="ctr" defTabSz="914400" rtl="0" eaLnBrk="1" latinLnBrk="0" hangingPunct="1">
-              <a:lnSpc>
-                <a:spcPct val="90000"/>
-              </a:lnSpc>
-              <a:spcBef>
-                <a:spcPts val="500"/>
-              </a:spcBef>
-              <a:buFont typeface="Arial" panose="020B0604020202020204" pitchFamily="34" charset="0"/>
-              <a:buNone/>
-              <a:defRPr sz="1800" kern="1200">
-                <a:solidFill>
-                  <a:schemeClr val="tx1"/>
-                </a:solidFill>
-                <a:latin typeface="+mn-lt"/>
-                <a:ea typeface="+mn-ea"/>
-                <a:cs typeface="+mn-cs"/>
-              </a:defRPr>
-            </a:lvl3pPr>
-            <a:lvl4pPr marL="1371600" indent="0" algn="ctr" defTabSz="914400" rtl="0" eaLnBrk="1" latinLnBrk="0" hangingPunct="1">
-              <a:lnSpc>
-                <a:spcPct val="90000"/>
-              </a:lnSpc>
-              <a:spcBef>
-                <a:spcPts val="500"/>
-              </a:spcBef>
-              <a:buFont typeface="Arial" panose="020B0604020202020204" pitchFamily="34" charset="0"/>
-              <a:buNone/>
-              <a:defRPr sz="1600" kern="1200">
-                <a:solidFill>
-                  <a:schemeClr val="tx1"/>
-                </a:solidFill>
-                <a:latin typeface="+mn-lt"/>
-                <a:ea typeface="+mn-ea"/>
-                <a:cs typeface="+mn-cs"/>
-              </a:defRPr>
-            </a:lvl4pPr>
-            <a:lvl5pPr marL="1828800" indent="0" algn="ctr" defTabSz="914400" rtl="0" eaLnBrk="1" latinLnBrk="0" hangingPunct="1">
-              <a:lnSpc>
-                <a:spcPct val="90000"/>
-              </a:lnSpc>
-              <a:spcBef>
-                <a:spcPts val="500"/>
-              </a:spcBef>
-              <a:buFont typeface="Arial" panose="020B0604020202020204" pitchFamily="34" charset="0"/>
-              <a:buNone/>
-              <a:defRPr sz="1600" kern="1200">
-                <a:solidFill>
-                  <a:schemeClr val="tx1"/>
-                </a:solidFill>
-                <a:latin typeface="+mn-lt"/>
-                <a:ea typeface="+mn-ea"/>
-                <a:cs typeface="+mn-cs"/>
-              </a:defRPr>
-            </a:lvl5pPr>
-            <a:lvl6pPr marL="2286000" indent="0" algn="ctr" defTabSz="914400" rtl="0" eaLnBrk="1" latinLnBrk="0" hangingPunct="1">
-              <a:lnSpc>
-                <a:spcPct val="90000"/>
-              </a:lnSpc>
-              <a:spcBef>
-                <a:spcPts val="500"/>
-              </a:spcBef>
-              <a:buFont typeface="Arial" panose="020B0604020202020204" pitchFamily="34" charset="0"/>
-              <a:buNone/>
-              <a:defRPr sz="1600" kern="1200">
-                <a:solidFill>
-                  <a:schemeClr val="tx1"/>
-                </a:solidFill>
-                <a:latin typeface="+mn-lt"/>
-                <a:ea typeface="+mn-ea"/>
-                <a:cs typeface="+mn-cs"/>
-              </a:defRPr>
-            </a:lvl6pPr>
-            <a:lvl7pPr marL="2743200" indent="0" algn="ctr" defTabSz="914400" rtl="0" eaLnBrk="1" latinLnBrk="0" hangingPunct="1">
-              <a:lnSpc>
-                <a:spcPct val="90000"/>
-              </a:lnSpc>
-              <a:spcBef>
-                <a:spcPts val="500"/>
-              </a:spcBef>
-              <a:buFont typeface="Arial" panose="020B0604020202020204" pitchFamily="34" charset="0"/>
-              <a:buNone/>
-              <a:defRPr sz="1600" kern="1200">
-                <a:solidFill>
-                  <a:schemeClr val="tx1"/>
-                </a:solidFill>
-                <a:latin typeface="+mn-lt"/>
-                <a:ea typeface="+mn-ea"/>
-                <a:cs typeface="+mn-cs"/>
-              </a:defRPr>
-            </a:lvl7pPr>
-            <a:lvl8pPr marL="3200400" indent="0" algn="ctr" defTabSz="914400" rtl="0" eaLnBrk="1" latinLnBrk="0" hangingPunct="1">
-              <a:lnSpc>
-                <a:spcPct val="90000"/>
-              </a:lnSpc>
-              <a:spcBef>
-                <a:spcPts val="500"/>
-              </a:spcBef>
-              <a:buFont typeface="Arial" panose="020B0604020202020204" pitchFamily="34" charset="0"/>
-              <a:buNone/>
-              <a:defRPr sz="1600" kern="1200">
-                <a:solidFill>
-                  <a:schemeClr val="tx1"/>
-                </a:solidFill>
-                <a:latin typeface="+mn-lt"/>
-                <a:ea typeface="+mn-ea"/>
-                <a:cs typeface="+mn-cs"/>
-              </a:defRPr>
-            </a:lvl8pPr>
-            <a:lvl9pPr marL="3657600" indent="0" algn="ctr" defTabSz="914400" rtl="0" eaLnBrk="1" latinLnBrk="0" hangingPunct="1">
-              <a:lnSpc>
-                <a:spcPct val="90000"/>
-              </a:lnSpc>
-              <a:spcBef>
-                <a:spcPts val="500"/>
-              </a:spcBef>
-              <a:buFont typeface="Arial" panose="020B0604020202020204" pitchFamily="34" charset="0"/>
-              <a:buNone/>
-              <a:defRPr sz="1600" kern="1200">
-                <a:solidFill>
-                  <a:schemeClr val="tx1"/>
-                </a:solidFill>
-                <a:latin typeface="+mn-lt"/>
-                <a:ea typeface="+mn-ea"/>
-                <a:cs typeface="+mn-cs"/>
-              </a:defRPr>
-            </a:lvl9pPr>
-          </a:lstStyle>
-          <a:p>
-            <a:r>
-              <a:rPr lang="en-US" sz="2000" b="1" dirty="0">
-                <a:solidFill>
-                  <a:schemeClr val="bg1"/>
-                </a:solidFill>
-                <a:latin typeface="Segoe UI Light" panose="020B0502040204020203" pitchFamily="34" charset="0"/>
-                <a:cs typeface="Segoe UI Light" panose="020B0502040204020203" pitchFamily="34" charset="0"/>
-              </a:rPr>
-              <a:t>VS</a:t>
-            </a:r>
-          </a:p>
-        </p:txBody>
-      </p:sp>
-      <p:pic>
-        <p:nvPicPr>
-          <p:cNvPr id="4" name="Picture 3">
-            <a:extLst>
-              <a:ext uri="{FF2B5EF4-FFF2-40B4-BE49-F238E27FC236}">
-                <a16:creationId xmlns:a16="http://schemas.microsoft.com/office/drawing/2014/main" id="{9C9BE360-4A69-472F-BF97-5B0A3EEDACC4}"/>
-              </a:ext>
-            </a:extLst>
-          </p:cNvPr>
-          <p:cNvPicPr>
-            <a:picLocks noChangeAspect="1"/>
-          </p:cNvPicPr>
-          <p:nvPr/>
-        </p:nvPicPr>
-        <p:blipFill>
-          <a:blip r:embed="rId3"/>
-          <a:stretch>
-            <a:fillRect/>
-          </a:stretch>
-        </p:blipFill>
-        <p:spPr>
-          <a:xfrm>
-            <a:off x="738907" y="2010496"/>
-            <a:ext cx="10446507" cy="2636149"/>
-          </a:xfrm>
-          <a:prstGeom prst="rect">
-            <a:avLst/>
-          </a:prstGeom>
-        </p:spPr>
-      </p:pic>
-    </p:spTree>
-    <p:extLst>
-      <p:ext uri="{BB962C8B-B14F-4D97-AF65-F5344CB8AC3E}">
-        <p14:creationId xmlns:p14="http://schemas.microsoft.com/office/powerpoint/2010/main" val="2292293380"/>
-      </p:ext>
-    </p:extLst>
-  </p:cSld>
-  <p:clrMapOvr>
-    <a:masterClrMapping/>
-  </p:clrMapOvr>
-  <mc:AlternateContent xmlns:mc="http://schemas.openxmlformats.org/markup-compatibility/2006" xmlns:p14="http://schemas.microsoft.com/office/powerpoint/2010/main">
-    <mc:Choice Requires="p14">
-      <p:transition p14:dur="100">
-        <p:cut/>
-      </p:transition>
-    </mc:Choice>
-    <mc:Fallback xmlns="">
-      <p:transition>
-        <p:cut/>
-      </p:transition>
-    </mc:Fallback>
-  </mc:AlternateContent>
-</p:sld>
-</file>
-
-<file path=ppt/slides/slide43.xml><?xml version="1.0" encoding="utf-8"?>
-<p:sld xmlns:a="http://schemas.openxmlformats.org/drawingml/2006/main" xmlns:r="http://schemas.openxmlformats.org/officeDocument/2006/relationships" xmlns:p="http://schemas.openxmlformats.org/presentationml/2006/main">
-  <p:cSld>
-    <p:spTree>
-      <p:nvGrpSpPr>
-        <p:cNvPr id="1" name=""/>
-        <p:cNvGrpSpPr/>
-        <p:nvPr/>
-      </p:nvGrpSpPr>
-      <p:grpSpPr>
-        <a:xfrm>
-          <a:off x="0" y="0"/>
-          <a:ext cx="0" cy="0"/>
-          <a:chOff x="0" y="0"/>
-          <a:chExt cx="0" cy="0"/>
-        </a:xfrm>
-      </p:grpSpPr>
-      <p:pic>
-        <p:nvPicPr>
-          <p:cNvPr id="9" name="Picture 8">
-            <a:extLst>
-              <a:ext uri="{FF2B5EF4-FFF2-40B4-BE49-F238E27FC236}">
-                <a16:creationId xmlns:a16="http://schemas.microsoft.com/office/drawing/2014/main" id="{39E83B63-DAE7-4E06-A56F-CF1576B89936}"/>
-              </a:ext>
-            </a:extLst>
-          </p:cNvPr>
-          <p:cNvPicPr>
-            <a:picLocks noChangeAspect="1"/>
-          </p:cNvPicPr>
-          <p:nvPr/>
-        </p:nvPicPr>
-        <p:blipFill>
-          <a:blip r:embed="rId2">
-            <a:extLst>
-              <a:ext uri="{28A0092B-C50C-407E-A947-70E740481C1C}">
-                <a14:useLocalDpi xmlns:a14="http://schemas.microsoft.com/office/drawing/2010/main" val="0"/>
-              </a:ext>
-            </a:extLst>
-          </a:blip>
-          <a:stretch>
-            <a:fillRect/>
-          </a:stretch>
-        </p:blipFill>
-        <p:spPr>
-          <a:xfrm>
-            <a:off x="0" y="0"/>
-            <a:ext cx="12192000" cy="6858000"/>
-          </a:xfrm>
-          <a:prstGeom prst="rect">
-            <a:avLst/>
-          </a:prstGeom>
-        </p:spPr>
-      </p:pic>
-      <p:sp>
-        <p:nvSpPr>
-          <p:cNvPr id="2" name="Title 1">
-            <a:extLst>
-              <a:ext uri="{FF2B5EF4-FFF2-40B4-BE49-F238E27FC236}">
-                <a16:creationId xmlns:a16="http://schemas.microsoft.com/office/drawing/2014/main" id="{0DE26BD9-3178-4532-BF33-58FE331BE190}"/>
-              </a:ext>
-            </a:extLst>
-          </p:cNvPr>
-          <p:cNvSpPr>
-            <a:spLocks noGrp="1"/>
-          </p:cNvSpPr>
-          <p:nvPr>
-            <p:ph type="ctrTitle"/>
-          </p:nvPr>
-        </p:nvSpPr>
-        <p:spPr>
-          <a:xfrm>
-            <a:off x="738907" y="930564"/>
-            <a:ext cx="5773859" cy="775853"/>
-          </a:xfrm>
-        </p:spPr>
-        <p:txBody>
-          <a:bodyPr anchor="b">
-            <a:normAutofit/>
-          </a:bodyPr>
-          <a:lstStyle/>
-          <a:p>
-            <a:pPr algn="l"/>
-            <a:r>
-              <a:rPr lang="en-US" sz="4000" b="1" dirty="0">
-                <a:solidFill>
-                  <a:srgbClr val="0041C6"/>
-                </a:solidFill>
-                <a:latin typeface="Segoe UI Light" panose="020B0502040204020203" pitchFamily="34" charset="0"/>
-                <a:cs typeface="Segoe UI Light" panose="020B0502040204020203" pitchFamily="34" charset="0"/>
-              </a:rPr>
-              <a:t>Trigger An Event</a:t>
-            </a:r>
-            <a:endParaRPr lang="en-US" sz="4000" b="1" dirty="0">
-              <a:solidFill>
-                <a:srgbClr val="0041C6"/>
-              </a:solidFill>
-              <a:latin typeface="Segoe UI Semibold" panose="020B0702040204020203" pitchFamily="34" charset="0"/>
-              <a:cs typeface="Segoe UI Semibold" panose="020B0702040204020203" pitchFamily="34" charset="0"/>
-            </a:endParaRPr>
-          </a:p>
-        </p:txBody>
-      </p:sp>
-      <p:sp>
-        <p:nvSpPr>
-          <p:cNvPr id="5" name="Footer Placeholder 4">
-            <a:extLst>
-              <a:ext uri="{FF2B5EF4-FFF2-40B4-BE49-F238E27FC236}">
-                <a16:creationId xmlns:a16="http://schemas.microsoft.com/office/drawing/2014/main" id="{A3553ADE-3838-4EDB-9F14-97C75DE2198D}"/>
-              </a:ext>
-            </a:extLst>
-          </p:cNvPr>
-          <p:cNvSpPr>
-            <a:spLocks noGrp="1"/>
-          </p:cNvSpPr>
-          <p:nvPr>
-            <p:ph type="ftr" sz="quarter" idx="11"/>
-          </p:nvPr>
-        </p:nvSpPr>
-        <p:spPr>
-          <a:xfrm>
-            <a:off x="0" y="6483927"/>
-            <a:ext cx="4190999" cy="374073"/>
-          </a:xfrm>
-        </p:spPr>
-        <p:txBody>
-          <a:bodyPr/>
-          <a:lstStyle/>
-          <a:p>
-            <a:pPr algn="l"/>
-            <a:r>
-              <a:rPr lang="en-US" dirty="0" err="1">
-                <a:solidFill>
-                  <a:schemeClr val="tx1"/>
-                </a:solidFill>
-                <a:latin typeface="Segoe UI" panose="020B0502040204020203" pitchFamily="34" charset="0"/>
-                <a:cs typeface="Segoe UI" panose="020B0502040204020203" pitchFamily="34" charset="0"/>
-              </a:rPr>
-              <a:t>Halil</a:t>
-            </a:r>
-            <a:r>
-              <a:rPr lang="en-US" dirty="0">
-                <a:solidFill>
-                  <a:schemeClr val="tx1"/>
-                </a:solidFill>
-                <a:latin typeface="Segoe UI" panose="020B0502040204020203" pitchFamily="34" charset="0"/>
-                <a:cs typeface="Segoe UI" panose="020B0502040204020203" pitchFamily="34" charset="0"/>
-              </a:rPr>
-              <a:t> İbrahim KALKAN | @</a:t>
-            </a:r>
-            <a:r>
-              <a:rPr lang="en-US" dirty="0" err="1">
-                <a:solidFill>
-                  <a:schemeClr val="tx1"/>
-                </a:solidFill>
-                <a:latin typeface="Segoe UI" panose="020B0502040204020203" pitchFamily="34" charset="0"/>
-                <a:cs typeface="Segoe UI" panose="020B0502040204020203" pitchFamily="34" charset="0"/>
-              </a:rPr>
-              <a:t>hikalkan</a:t>
-            </a:r>
-            <a:r>
-              <a:rPr lang="en-US" dirty="0">
-                <a:solidFill>
-                  <a:schemeClr val="tx1"/>
-                </a:solidFill>
-                <a:latin typeface="Segoe UI" panose="020B0502040204020203" pitchFamily="34" charset="0"/>
-                <a:cs typeface="Segoe UI" panose="020B0502040204020203" pitchFamily="34" charset="0"/>
-              </a:rPr>
-              <a:t> | </a:t>
-            </a:r>
-            <a:r>
-              <a:rPr lang="en-US" dirty="0" err="1">
-                <a:solidFill>
-                  <a:schemeClr val="tx1"/>
-                </a:solidFill>
-                <a:latin typeface="Segoe UI" panose="020B0502040204020203" pitchFamily="34" charset="0"/>
-                <a:cs typeface="Segoe UI" panose="020B0502040204020203" pitchFamily="34" charset="0"/>
-              </a:rPr>
-              <a:t>Volosoft</a:t>
-            </a:r>
-            <a:r>
-              <a:rPr lang="en-US" dirty="0">
-                <a:solidFill>
-                  <a:schemeClr val="tx1"/>
-                </a:solidFill>
-                <a:latin typeface="Segoe UI" panose="020B0502040204020203" pitchFamily="34" charset="0"/>
-                <a:cs typeface="Segoe UI" panose="020B0502040204020203" pitchFamily="34" charset="0"/>
-              </a:rPr>
-              <a:t> TM</a:t>
-            </a:r>
-          </a:p>
-        </p:txBody>
-      </p:sp>
-      <p:sp>
-        <p:nvSpPr>
-          <p:cNvPr id="11" name="Subtitle 2">
-            <a:extLst>
-              <a:ext uri="{FF2B5EF4-FFF2-40B4-BE49-F238E27FC236}">
-                <a16:creationId xmlns:a16="http://schemas.microsoft.com/office/drawing/2014/main" id="{A769CE0C-E9B4-4049-B22B-C35AD0DD7409}"/>
-              </a:ext>
-            </a:extLst>
-          </p:cNvPr>
-          <p:cNvSpPr txBox="1">
-            <a:spLocks/>
-          </p:cNvSpPr>
-          <p:nvPr/>
-        </p:nvSpPr>
-        <p:spPr>
-          <a:xfrm>
-            <a:off x="3582554" y="2904836"/>
-            <a:ext cx="835891" cy="775853"/>
-          </a:xfrm>
-          <a:prstGeom prst="rect">
-            <a:avLst/>
-          </a:prstGeom>
-        </p:spPr>
-        <p:txBody>
-          <a:bodyPr vert="horz" lIns="91440" tIns="45720" rIns="91440" bIns="45720" rtlCol="0" anchor="ctr">
-            <a:normAutofit/>
-          </a:bodyPr>
-          <a:lstStyle>
-            <a:lvl1pPr marL="0" indent="0" algn="ctr" defTabSz="914400" rtl="0" eaLnBrk="1" latinLnBrk="0" hangingPunct="1">
-              <a:lnSpc>
-                <a:spcPct val="90000"/>
-              </a:lnSpc>
-              <a:spcBef>
-                <a:spcPts val="1000"/>
-              </a:spcBef>
-              <a:buFont typeface="Arial" panose="020B0604020202020204" pitchFamily="34" charset="0"/>
-              <a:buNone/>
-              <a:defRPr sz="2400" kern="1200">
-                <a:solidFill>
-                  <a:schemeClr val="tx1"/>
-                </a:solidFill>
-                <a:latin typeface="+mn-lt"/>
-                <a:ea typeface="+mn-ea"/>
-                <a:cs typeface="+mn-cs"/>
-              </a:defRPr>
-            </a:lvl1pPr>
-            <a:lvl2pPr marL="457200" indent="0" algn="ctr" defTabSz="914400" rtl="0" eaLnBrk="1" latinLnBrk="0" hangingPunct="1">
-              <a:lnSpc>
-                <a:spcPct val="90000"/>
-              </a:lnSpc>
-              <a:spcBef>
-                <a:spcPts val="500"/>
-              </a:spcBef>
-              <a:buFont typeface="Arial" panose="020B0604020202020204" pitchFamily="34" charset="0"/>
-              <a:buNone/>
-              <a:defRPr sz="2000" kern="1200">
-                <a:solidFill>
-                  <a:schemeClr val="tx1"/>
-                </a:solidFill>
-                <a:latin typeface="+mn-lt"/>
-                <a:ea typeface="+mn-ea"/>
-                <a:cs typeface="+mn-cs"/>
-              </a:defRPr>
-            </a:lvl2pPr>
-            <a:lvl3pPr marL="914400" indent="0" algn="ctr" defTabSz="914400" rtl="0" eaLnBrk="1" latinLnBrk="0" hangingPunct="1">
-              <a:lnSpc>
-                <a:spcPct val="90000"/>
-              </a:lnSpc>
-              <a:spcBef>
-                <a:spcPts val="500"/>
-              </a:spcBef>
-              <a:buFont typeface="Arial" panose="020B0604020202020204" pitchFamily="34" charset="0"/>
-              <a:buNone/>
-              <a:defRPr sz="1800" kern="1200">
-                <a:solidFill>
-                  <a:schemeClr val="tx1"/>
-                </a:solidFill>
-                <a:latin typeface="+mn-lt"/>
-                <a:ea typeface="+mn-ea"/>
-                <a:cs typeface="+mn-cs"/>
-              </a:defRPr>
-            </a:lvl3pPr>
-            <a:lvl4pPr marL="1371600" indent="0" algn="ctr" defTabSz="914400" rtl="0" eaLnBrk="1" latinLnBrk="0" hangingPunct="1">
-              <a:lnSpc>
-                <a:spcPct val="90000"/>
-              </a:lnSpc>
-              <a:spcBef>
-                <a:spcPts val="500"/>
-              </a:spcBef>
-              <a:buFont typeface="Arial" panose="020B0604020202020204" pitchFamily="34" charset="0"/>
-              <a:buNone/>
-              <a:defRPr sz="1600" kern="1200">
-                <a:solidFill>
-                  <a:schemeClr val="tx1"/>
-                </a:solidFill>
-                <a:latin typeface="+mn-lt"/>
-                <a:ea typeface="+mn-ea"/>
-                <a:cs typeface="+mn-cs"/>
-              </a:defRPr>
-            </a:lvl4pPr>
-            <a:lvl5pPr marL="1828800" indent="0" algn="ctr" defTabSz="914400" rtl="0" eaLnBrk="1" latinLnBrk="0" hangingPunct="1">
-              <a:lnSpc>
-                <a:spcPct val="90000"/>
-              </a:lnSpc>
-              <a:spcBef>
-                <a:spcPts val="500"/>
-              </a:spcBef>
-              <a:buFont typeface="Arial" panose="020B0604020202020204" pitchFamily="34" charset="0"/>
-              <a:buNone/>
-              <a:defRPr sz="1600" kern="1200">
-                <a:solidFill>
-                  <a:schemeClr val="tx1"/>
-                </a:solidFill>
-                <a:latin typeface="+mn-lt"/>
-                <a:ea typeface="+mn-ea"/>
-                <a:cs typeface="+mn-cs"/>
-              </a:defRPr>
-            </a:lvl5pPr>
-            <a:lvl6pPr marL="2286000" indent="0" algn="ctr" defTabSz="914400" rtl="0" eaLnBrk="1" latinLnBrk="0" hangingPunct="1">
-              <a:lnSpc>
-                <a:spcPct val="90000"/>
-              </a:lnSpc>
-              <a:spcBef>
-                <a:spcPts val="500"/>
-              </a:spcBef>
-              <a:buFont typeface="Arial" panose="020B0604020202020204" pitchFamily="34" charset="0"/>
-              <a:buNone/>
-              <a:defRPr sz="1600" kern="1200">
-                <a:solidFill>
-                  <a:schemeClr val="tx1"/>
-                </a:solidFill>
-                <a:latin typeface="+mn-lt"/>
-                <a:ea typeface="+mn-ea"/>
-                <a:cs typeface="+mn-cs"/>
-              </a:defRPr>
-            </a:lvl6pPr>
-            <a:lvl7pPr marL="2743200" indent="0" algn="ctr" defTabSz="914400" rtl="0" eaLnBrk="1" latinLnBrk="0" hangingPunct="1">
-              <a:lnSpc>
-                <a:spcPct val="90000"/>
-              </a:lnSpc>
-              <a:spcBef>
-                <a:spcPts val="500"/>
-              </a:spcBef>
-              <a:buFont typeface="Arial" panose="020B0604020202020204" pitchFamily="34" charset="0"/>
-              <a:buNone/>
-              <a:defRPr sz="1600" kern="1200">
-                <a:solidFill>
-                  <a:schemeClr val="tx1"/>
-                </a:solidFill>
-                <a:latin typeface="+mn-lt"/>
-                <a:ea typeface="+mn-ea"/>
-                <a:cs typeface="+mn-cs"/>
-              </a:defRPr>
-            </a:lvl7pPr>
-            <a:lvl8pPr marL="3200400" indent="0" algn="ctr" defTabSz="914400" rtl="0" eaLnBrk="1" latinLnBrk="0" hangingPunct="1">
-              <a:lnSpc>
-                <a:spcPct val="90000"/>
-              </a:lnSpc>
-              <a:spcBef>
-                <a:spcPts val="500"/>
-              </a:spcBef>
-              <a:buFont typeface="Arial" panose="020B0604020202020204" pitchFamily="34" charset="0"/>
-              <a:buNone/>
-              <a:defRPr sz="1600" kern="1200">
-                <a:solidFill>
-                  <a:schemeClr val="tx1"/>
-                </a:solidFill>
-                <a:latin typeface="+mn-lt"/>
-                <a:ea typeface="+mn-ea"/>
-                <a:cs typeface="+mn-cs"/>
-              </a:defRPr>
-            </a:lvl8pPr>
-            <a:lvl9pPr marL="3657600" indent="0" algn="ctr" defTabSz="914400" rtl="0" eaLnBrk="1" latinLnBrk="0" hangingPunct="1">
-              <a:lnSpc>
-                <a:spcPct val="90000"/>
-              </a:lnSpc>
-              <a:spcBef>
-                <a:spcPts val="500"/>
-              </a:spcBef>
-              <a:buFont typeface="Arial" panose="020B0604020202020204" pitchFamily="34" charset="0"/>
-              <a:buNone/>
-              <a:defRPr sz="1600" kern="1200">
-                <a:solidFill>
-                  <a:schemeClr val="tx1"/>
-                </a:solidFill>
-                <a:latin typeface="+mn-lt"/>
-                <a:ea typeface="+mn-ea"/>
-                <a:cs typeface="+mn-cs"/>
-              </a:defRPr>
-            </a:lvl9pPr>
-          </a:lstStyle>
-          <a:p>
-            <a:r>
-              <a:rPr lang="en-US" sz="2000" b="1" dirty="0">
-                <a:solidFill>
-                  <a:schemeClr val="bg1"/>
-                </a:solidFill>
-                <a:latin typeface="Segoe UI Light" panose="020B0502040204020203" pitchFamily="34" charset="0"/>
-                <a:cs typeface="Segoe UI Light" panose="020B0502040204020203" pitchFamily="34" charset="0"/>
-              </a:rPr>
-              <a:t>VS</a:t>
-            </a:r>
-          </a:p>
-        </p:txBody>
-      </p:sp>
-      <p:pic>
-        <p:nvPicPr>
-          <p:cNvPr id="3" name="Picture 2">
-            <a:extLst>
-              <a:ext uri="{FF2B5EF4-FFF2-40B4-BE49-F238E27FC236}">
-                <a16:creationId xmlns:a16="http://schemas.microsoft.com/office/drawing/2014/main" id="{15FFB495-30E7-4A87-B8F6-4B9D87948FC3}"/>
-              </a:ext>
-            </a:extLst>
-          </p:cNvPr>
-          <p:cNvPicPr>
-            <a:picLocks noChangeAspect="1"/>
-          </p:cNvPicPr>
-          <p:nvPr/>
-        </p:nvPicPr>
-        <p:blipFill>
-          <a:blip r:embed="rId3"/>
-          <a:stretch>
-            <a:fillRect/>
-          </a:stretch>
-        </p:blipFill>
-        <p:spPr>
-          <a:xfrm>
-            <a:off x="738907" y="2854037"/>
-            <a:ext cx="9765046" cy="775853"/>
-          </a:xfrm>
-          <a:prstGeom prst="rect">
-            <a:avLst/>
-          </a:prstGeom>
-        </p:spPr>
-      </p:pic>
-    </p:spTree>
-    <p:extLst>
-      <p:ext uri="{BB962C8B-B14F-4D97-AF65-F5344CB8AC3E}">
-        <p14:creationId xmlns:p14="http://schemas.microsoft.com/office/powerpoint/2010/main" val="3175321123"/>
-      </p:ext>
-    </p:extLst>
-  </p:cSld>
-  <p:clrMapOvr>
-    <a:masterClrMapping/>
-  </p:clrMapOvr>
-  <mc:AlternateContent xmlns:mc="http://schemas.openxmlformats.org/markup-compatibility/2006" xmlns:p14="http://schemas.microsoft.com/office/powerpoint/2010/main">
-    <mc:Choice Requires="p14">
-      <p:transition p14:dur="100">
-        <p:cut/>
-      </p:transition>
-    </mc:Choice>
-    <mc:Fallback xmlns="">
-      <p:transition>
-        <p:cut/>
-      </p:transition>
-    </mc:Fallback>
-  </mc:AlternateContent>
-</p:sld>
-</file>
-
-<file path=ppt/slides/slide44.xml><?xml version="1.0" encoding="utf-8"?>
-<p:sld xmlns:a="http://schemas.openxmlformats.org/drawingml/2006/main" xmlns:r="http://schemas.openxmlformats.org/officeDocument/2006/relationships" xmlns:p="http://schemas.openxmlformats.org/presentationml/2006/main">
-  <p:cSld>
-    <p:spTree>
-      <p:nvGrpSpPr>
-        <p:cNvPr id="1" name=""/>
-        <p:cNvGrpSpPr/>
-        <p:nvPr/>
-      </p:nvGrpSpPr>
-      <p:grpSpPr>
-        <a:xfrm>
-          <a:off x="0" y="0"/>
-          <a:ext cx="0" cy="0"/>
-          <a:chOff x="0" y="0"/>
-          <a:chExt cx="0" cy="0"/>
-        </a:xfrm>
-      </p:grpSpPr>
-      <p:pic>
-        <p:nvPicPr>
-          <p:cNvPr id="9" name="Picture 8">
-            <a:extLst>
-              <a:ext uri="{FF2B5EF4-FFF2-40B4-BE49-F238E27FC236}">
-                <a16:creationId xmlns:a16="http://schemas.microsoft.com/office/drawing/2014/main" id="{39E83B63-DAE7-4E06-A56F-CF1576B89936}"/>
-              </a:ext>
-            </a:extLst>
-          </p:cNvPr>
-          <p:cNvPicPr>
-            <a:picLocks noChangeAspect="1"/>
-          </p:cNvPicPr>
-          <p:nvPr/>
-        </p:nvPicPr>
-        <p:blipFill>
-          <a:blip r:embed="rId2">
-            <a:extLst>
-              <a:ext uri="{28A0092B-C50C-407E-A947-70E740481C1C}">
-                <a14:useLocalDpi xmlns:a14="http://schemas.microsoft.com/office/drawing/2010/main" val="0"/>
-              </a:ext>
-            </a:extLst>
-          </a:blip>
-          <a:stretch>
-            <a:fillRect/>
-          </a:stretch>
-        </p:blipFill>
-        <p:spPr>
-          <a:xfrm>
-            <a:off x="0" y="0"/>
-            <a:ext cx="12192000" cy="6858000"/>
-          </a:xfrm>
-          <a:prstGeom prst="rect">
-            <a:avLst/>
-          </a:prstGeom>
-        </p:spPr>
-      </p:pic>
-      <p:sp>
-        <p:nvSpPr>
-          <p:cNvPr id="2" name="Title 1">
-            <a:extLst>
-              <a:ext uri="{FF2B5EF4-FFF2-40B4-BE49-F238E27FC236}">
-                <a16:creationId xmlns:a16="http://schemas.microsoft.com/office/drawing/2014/main" id="{0DE26BD9-3178-4532-BF33-58FE331BE190}"/>
-              </a:ext>
-            </a:extLst>
-          </p:cNvPr>
-          <p:cNvSpPr>
-            <a:spLocks noGrp="1"/>
-          </p:cNvSpPr>
-          <p:nvPr>
-            <p:ph type="ctrTitle"/>
-          </p:nvPr>
-        </p:nvSpPr>
-        <p:spPr>
-          <a:xfrm>
             <a:off x="738908" y="930564"/>
             <a:ext cx="4858328" cy="2311400"/>
           </a:xfrm>
@@ -33813,7 +32880,7 @@
 </p:sld>
 </file>
 
-<file path=ppt/slides/slide45.xml><?xml version="1.0" encoding="utf-8"?>
+<file path=ppt/slides/slide43.xml><?xml version="1.0" encoding="utf-8"?>
 <p:sld xmlns:a="http://schemas.openxmlformats.org/drawingml/2006/main" xmlns:r="http://schemas.openxmlformats.org/officeDocument/2006/relationships" xmlns:p="http://schemas.openxmlformats.org/presentationml/2006/main">
   <p:cSld>
     <p:spTree>

--- a/2018-11-03-Designing-Modularity/Presentation-short-40min.pptx
+++ b/2018-11-03-Designing-Modularity/Presentation-short-40min.pptx
@@ -239,7 +239,7 @@
           <a:p>
             <a:fld id="{532314CD-B97C-434B-8FF7-5A1477BB5901}" type="datetimeFigureOut">
               <a:rPr lang="en-US" smtClean="0"/>
-              <a:t>01-Nov-18</a:t>
+              <a:t>02-Nov-18</a:t>
             </a:fld>
             <a:endParaRPr lang="en-US"/>
           </a:p>
@@ -3781,12 +3781,387 @@
           </a:prstGeom>
         </p:spPr>
       </p:pic>
+      <p:sp>
+        <p:nvSpPr>
+          <p:cNvPr id="2" name="Title 1">
+            <a:extLst>
+              <a:ext uri="{FF2B5EF4-FFF2-40B4-BE49-F238E27FC236}">
+                <a16:creationId xmlns:a16="http://schemas.microsoft.com/office/drawing/2014/main" id="{0DE26BD9-3178-4532-BF33-58FE331BE190}"/>
+              </a:ext>
+            </a:extLst>
+          </p:cNvPr>
+          <p:cNvSpPr>
+            <a:spLocks noGrp="1"/>
+          </p:cNvSpPr>
+          <p:nvPr>
+            <p:ph type="ctrTitle"/>
+          </p:nvPr>
+        </p:nvSpPr>
+        <p:spPr>
+          <a:xfrm>
+            <a:off x="1436081" y="3831073"/>
+            <a:ext cx="9144000" cy="925752"/>
+          </a:xfrm>
+        </p:spPr>
+        <p:txBody>
+          <a:bodyPr anchor="t">
+            <a:normAutofit fontScale="90000"/>
+          </a:bodyPr>
+          <a:lstStyle/>
+          <a:p>
+            <a:pPr algn="r"/>
+            <a:r>
+              <a:rPr lang="en-US" sz="3200" dirty="0">
+                <a:latin typeface="Segoe UI Light" panose="020B0502040204020203" pitchFamily="34" charset="0"/>
+                <a:cs typeface="Segoe UI Light" panose="020B0502040204020203" pitchFamily="34" charset="0"/>
+              </a:rPr>
+              <a:t>Halil İbrahim KALKAN</a:t>
+            </a:r>
+            <a:br>
+              <a:rPr lang="en-US" sz="3200" dirty="0">
+                <a:latin typeface="Segoe UI Light" panose="020B0502040204020203" pitchFamily="34" charset="0"/>
+                <a:cs typeface="Segoe UI Light" panose="020B0502040204020203" pitchFamily="34" charset="0"/>
+              </a:rPr>
+            </a:br>
+            <a:r>
+              <a:rPr lang="en-US" sz="2200" dirty="0">
+                <a:latin typeface="Segoe UI Light" panose="020B0502040204020203" pitchFamily="34" charset="0"/>
+                <a:cs typeface="Segoe UI Light" panose="020B0502040204020203" pitchFamily="34" charset="0"/>
+              </a:rPr>
+              <a:t>Co Founder at </a:t>
+            </a:r>
+            <a:r>
+              <a:rPr lang="en-US" sz="3200" dirty="0" err="1">
+                <a:latin typeface="Segoe UI Light" panose="020B0502040204020203" pitchFamily="34" charset="0"/>
+                <a:cs typeface="Segoe UI Light" panose="020B0502040204020203" pitchFamily="34" charset="0"/>
+              </a:rPr>
+              <a:t>Volosoft</a:t>
+            </a:r>
+            <a:endParaRPr lang="en-US" sz="3200" dirty="0">
+              <a:latin typeface="Segoe UI Light" panose="020B0502040204020203" pitchFamily="34" charset="0"/>
+              <a:cs typeface="Segoe UI Light" panose="020B0502040204020203" pitchFamily="34" charset="0"/>
+            </a:endParaRPr>
+          </a:p>
+        </p:txBody>
+      </p:sp>
+      <p:sp>
+        <p:nvSpPr>
+          <p:cNvPr id="3" name="Subtitle 2">
+            <a:extLst>
+              <a:ext uri="{FF2B5EF4-FFF2-40B4-BE49-F238E27FC236}">
+                <a16:creationId xmlns:a16="http://schemas.microsoft.com/office/drawing/2014/main" id="{A5EF6AF5-284D-4238-A879-57E6D7F4C605}"/>
+              </a:ext>
+            </a:extLst>
+          </p:cNvPr>
+          <p:cNvSpPr>
+            <a:spLocks noGrp="1"/>
+          </p:cNvSpPr>
+          <p:nvPr>
+            <p:ph type="subTitle" idx="1"/>
+          </p:nvPr>
+        </p:nvSpPr>
+        <p:spPr>
+          <a:xfrm>
+            <a:off x="1436081" y="4756825"/>
+            <a:ext cx="9144000" cy="526473"/>
+          </a:xfrm>
+        </p:spPr>
+        <p:txBody>
+          <a:bodyPr>
+            <a:normAutofit/>
+          </a:bodyPr>
+          <a:lstStyle/>
+          <a:p>
+            <a:pPr algn="r"/>
+            <a:r>
+              <a:rPr lang="en-US" sz="1800" b="1" dirty="0">
+                <a:latin typeface="Segoe UI Semibold" panose="020B0702040204020203" pitchFamily="34" charset="0"/>
+                <a:cs typeface="Segoe UI Semibold" panose="020B0702040204020203" pitchFamily="34" charset="0"/>
+              </a:rPr>
+              <a:t>Web: halilibrahimkalkan.com</a:t>
+            </a:r>
+            <a:r>
+              <a:rPr lang="tr-TR" sz="1800" b="1" dirty="0">
+                <a:latin typeface="Segoe UI Semibold" panose="020B0702040204020203" pitchFamily="34" charset="0"/>
+                <a:cs typeface="Segoe UI Semibold" panose="020B0702040204020203" pitchFamily="34" charset="0"/>
+              </a:rPr>
+              <a:t> </a:t>
+            </a:r>
+            <a:r>
+              <a:rPr lang="en-US" sz="1800" b="1" dirty="0">
+                <a:latin typeface="Segoe UI Semibold" panose="020B0702040204020203" pitchFamily="34" charset="0"/>
+                <a:cs typeface="Segoe UI Semibold" panose="020B0702040204020203" pitchFamily="34" charset="0"/>
+              </a:rPr>
+              <a:t> </a:t>
+            </a:r>
+            <a:r>
+              <a:rPr lang="en-US" sz="1800" b="1" dirty="0">
+                <a:solidFill>
+                  <a:schemeClr val="bg2">
+                    <a:lumMod val="90000"/>
+                  </a:schemeClr>
+                </a:solidFill>
+                <a:latin typeface="Segoe UI Semibold" panose="020B0702040204020203" pitchFamily="34" charset="0"/>
+                <a:cs typeface="Segoe UI Semibold" panose="020B0702040204020203" pitchFamily="34" charset="0"/>
+              </a:rPr>
+              <a:t>|</a:t>
+            </a:r>
+            <a:r>
+              <a:rPr lang="tr-TR" sz="1800" b="1" dirty="0">
+                <a:solidFill>
+                  <a:schemeClr val="bg2">
+                    <a:lumMod val="90000"/>
+                  </a:schemeClr>
+                </a:solidFill>
+                <a:latin typeface="Segoe UI Semibold" panose="020B0702040204020203" pitchFamily="34" charset="0"/>
+                <a:cs typeface="Segoe UI Semibold" panose="020B0702040204020203" pitchFamily="34" charset="0"/>
+              </a:rPr>
+              <a:t> </a:t>
+            </a:r>
+            <a:r>
+              <a:rPr lang="en-US" sz="1800" b="1" dirty="0">
+                <a:latin typeface="Segoe UI Semibold" panose="020B0702040204020203" pitchFamily="34" charset="0"/>
+                <a:cs typeface="Segoe UI Semibold" panose="020B0702040204020203" pitchFamily="34" charset="0"/>
+              </a:rPr>
+              <a:t> </a:t>
+            </a:r>
+            <a:r>
+              <a:rPr lang="en-US" sz="1800" b="1" dirty="0" err="1">
+                <a:latin typeface="Segoe UI Semibold" panose="020B0702040204020203" pitchFamily="34" charset="0"/>
+                <a:cs typeface="Segoe UI Semibold" panose="020B0702040204020203" pitchFamily="34" charset="0"/>
+              </a:rPr>
+              <a:t>Github</a:t>
+            </a:r>
+            <a:r>
+              <a:rPr lang="en-US" sz="1800" b="1" dirty="0">
+                <a:latin typeface="Segoe UI Semibold" panose="020B0702040204020203" pitchFamily="34" charset="0"/>
+                <a:cs typeface="Segoe UI Semibold" panose="020B0702040204020203" pitchFamily="34" charset="0"/>
+              </a:rPr>
+              <a:t>: @</a:t>
+            </a:r>
+            <a:r>
+              <a:rPr lang="en-US" sz="1800" b="1" dirty="0" err="1">
+                <a:latin typeface="Segoe UI Semibold" panose="020B0702040204020203" pitchFamily="34" charset="0"/>
+                <a:cs typeface="Segoe UI Semibold" panose="020B0702040204020203" pitchFamily="34" charset="0"/>
+              </a:rPr>
+              <a:t>hikalkan</a:t>
+            </a:r>
+            <a:r>
+              <a:rPr lang="tr-TR" sz="1800" b="1" dirty="0">
+                <a:latin typeface="Segoe UI Semibold" panose="020B0702040204020203" pitchFamily="34" charset="0"/>
+                <a:cs typeface="Segoe UI Semibold" panose="020B0702040204020203" pitchFamily="34" charset="0"/>
+              </a:rPr>
+              <a:t> </a:t>
+            </a:r>
+            <a:r>
+              <a:rPr lang="en-US" sz="1800" b="1" dirty="0">
+                <a:latin typeface="Segoe UI Semibold" panose="020B0702040204020203" pitchFamily="34" charset="0"/>
+                <a:cs typeface="Segoe UI Semibold" panose="020B0702040204020203" pitchFamily="34" charset="0"/>
+              </a:rPr>
+              <a:t> </a:t>
+            </a:r>
+            <a:r>
+              <a:rPr lang="en-US" sz="1800" b="1" dirty="0">
+                <a:solidFill>
+                  <a:schemeClr val="bg2">
+                    <a:lumMod val="90000"/>
+                  </a:schemeClr>
+                </a:solidFill>
+                <a:latin typeface="Segoe UI Semibold" panose="020B0702040204020203" pitchFamily="34" charset="0"/>
+                <a:cs typeface="Segoe UI Semibold" panose="020B0702040204020203" pitchFamily="34" charset="0"/>
+              </a:rPr>
+              <a:t>|</a:t>
+            </a:r>
+            <a:r>
+              <a:rPr lang="en-US" sz="1800" b="1" dirty="0">
+                <a:latin typeface="Segoe UI Semibold" panose="020B0702040204020203" pitchFamily="34" charset="0"/>
+                <a:cs typeface="Segoe UI Semibold" panose="020B0702040204020203" pitchFamily="34" charset="0"/>
+              </a:rPr>
+              <a:t> </a:t>
+            </a:r>
+            <a:r>
+              <a:rPr lang="tr-TR" sz="1800" b="1" dirty="0">
+                <a:latin typeface="Segoe UI Semibold" panose="020B0702040204020203" pitchFamily="34" charset="0"/>
+                <a:cs typeface="Segoe UI Semibold" panose="020B0702040204020203" pitchFamily="34" charset="0"/>
+              </a:rPr>
+              <a:t> </a:t>
+            </a:r>
+            <a:r>
+              <a:rPr lang="en-US" sz="1800" b="1" dirty="0">
+                <a:latin typeface="Segoe UI Semibold" panose="020B0702040204020203" pitchFamily="34" charset="0"/>
+                <a:cs typeface="Segoe UI Semibold" panose="020B0702040204020203" pitchFamily="34" charset="0"/>
+              </a:rPr>
+              <a:t>Twitter: @</a:t>
+            </a:r>
+            <a:r>
+              <a:rPr lang="en-US" sz="1800" b="1" dirty="0" err="1">
+                <a:latin typeface="Segoe UI Semibold" panose="020B0702040204020203" pitchFamily="34" charset="0"/>
+                <a:cs typeface="Segoe UI Semibold" panose="020B0702040204020203" pitchFamily="34" charset="0"/>
+              </a:rPr>
+              <a:t>hibrahimkalkan</a:t>
+            </a:r>
+            <a:endParaRPr lang="en-US" sz="1800" b="1" dirty="0">
+              <a:latin typeface="Segoe UI Semibold" panose="020B0702040204020203" pitchFamily="34" charset="0"/>
+              <a:cs typeface="Segoe UI Semibold" panose="020B0702040204020203" pitchFamily="34" charset="0"/>
+            </a:endParaRPr>
+          </a:p>
+        </p:txBody>
+      </p:sp>
+      <p:sp>
+        <p:nvSpPr>
+          <p:cNvPr id="5" name="Footer Placeholder 4">
+            <a:extLst>
+              <a:ext uri="{FF2B5EF4-FFF2-40B4-BE49-F238E27FC236}">
+                <a16:creationId xmlns:a16="http://schemas.microsoft.com/office/drawing/2014/main" id="{A3553ADE-3838-4EDB-9F14-97C75DE2198D}"/>
+              </a:ext>
+            </a:extLst>
+          </p:cNvPr>
+          <p:cNvSpPr>
+            <a:spLocks noGrp="1"/>
+          </p:cNvSpPr>
+          <p:nvPr>
+            <p:ph type="ftr" sz="quarter" idx="11"/>
+          </p:nvPr>
+        </p:nvSpPr>
+        <p:spPr>
+          <a:xfrm>
+            <a:off x="0" y="6483927"/>
+            <a:ext cx="4190999" cy="374073"/>
+          </a:xfrm>
+        </p:spPr>
+        <p:txBody>
+          <a:bodyPr/>
+          <a:lstStyle/>
+          <a:p>
+            <a:pPr algn="l"/>
+            <a:r>
+              <a:rPr lang="en-US" dirty="0" err="1">
+                <a:solidFill>
+                  <a:schemeClr val="tx1"/>
+                </a:solidFill>
+                <a:latin typeface="Segoe UI" panose="020B0502040204020203" pitchFamily="34" charset="0"/>
+                <a:cs typeface="Segoe UI" panose="020B0502040204020203" pitchFamily="34" charset="0"/>
+              </a:rPr>
+              <a:t>Halil</a:t>
+            </a:r>
+            <a:r>
+              <a:rPr lang="en-US" dirty="0">
+                <a:solidFill>
+                  <a:schemeClr val="tx1"/>
+                </a:solidFill>
+                <a:latin typeface="Segoe UI" panose="020B0502040204020203" pitchFamily="34" charset="0"/>
+                <a:cs typeface="Segoe UI" panose="020B0502040204020203" pitchFamily="34" charset="0"/>
+              </a:rPr>
+              <a:t> İbrahim KALKAN | @</a:t>
+            </a:r>
+            <a:r>
+              <a:rPr lang="en-US" dirty="0" err="1">
+                <a:solidFill>
+                  <a:schemeClr val="tx1"/>
+                </a:solidFill>
+                <a:latin typeface="Segoe UI" panose="020B0502040204020203" pitchFamily="34" charset="0"/>
+                <a:cs typeface="Segoe UI" panose="020B0502040204020203" pitchFamily="34" charset="0"/>
+              </a:rPr>
+              <a:t>hikalkan</a:t>
+            </a:r>
+            <a:r>
+              <a:rPr lang="en-US" dirty="0">
+                <a:solidFill>
+                  <a:schemeClr val="tx1"/>
+                </a:solidFill>
+                <a:latin typeface="Segoe UI" panose="020B0502040204020203" pitchFamily="34" charset="0"/>
+                <a:cs typeface="Segoe UI" panose="020B0502040204020203" pitchFamily="34" charset="0"/>
+              </a:rPr>
+              <a:t> | </a:t>
+            </a:r>
+            <a:r>
+              <a:rPr lang="en-US" dirty="0" err="1">
+                <a:solidFill>
+                  <a:schemeClr val="tx1"/>
+                </a:solidFill>
+                <a:latin typeface="Segoe UI" panose="020B0502040204020203" pitchFamily="34" charset="0"/>
+                <a:cs typeface="Segoe UI" panose="020B0502040204020203" pitchFamily="34" charset="0"/>
+              </a:rPr>
+              <a:t>Volosoft</a:t>
+            </a:r>
+            <a:r>
+              <a:rPr lang="en-US" dirty="0">
+                <a:solidFill>
+                  <a:schemeClr val="tx1"/>
+                </a:solidFill>
+                <a:latin typeface="Segoe UI" panose="020B0502040204020203" pitchFamily="34" charset="0"/>
+                <a:cs typeface="Segoe UI" panose="020B0502040204020203" pitchFamily="34" charset="0"/>
+              </a:rPr>
+              <a:t> TM</a:t>
+            </a:r>
+          </a:p>
+        </p:txBody>
+      </p:sp>
+      <p:sp>
+        <p:nvSpPr>
+          <p:cNvPr id="6" name="Rectangle 5">
+            <a:extLst>
+              <a:ext uri="{FF2B5EF4-FFF2-40B4-BE49-F238E27FC236}">
+                <a16:creationId xmlns:a16="http://schemas.microsoft.com/office/drawing/2014/main" id="{191F77C3-5D4B-41EC-BBEA-97AA16723398}"/>
+              </a:ext>
+            </a:extLst>
+          </p:cNvPr>
+          <p:cNvSpPr/>
+          <p:nvPr/>
+        </p:nvSpPr>
+        <p:spPr>
+          <a:xfrm>
+            <a:off x="867508" y="971655"/>
+            <a:ext cx="6500445" cy="2188869"/>
+          </a:xfrm>
+          <a:prstGeom prst="rect">
+            <a:avLst/>
+          </a:prstGeom>
+        </p:spPr>
+        <p:txBody>
+          <a:bodyPr wrap="square">
+            <a:spAutoFit/>
+          </a:bodyPr>
+          <a:lstStyle/>
+          <a:p>
+            <a:pPr>
+              <a:lnSpc>
+                <a:spcPct val="150000"/>
+              </a:lnSpc>
+            </a:pPr>
+            <a:r>
+              <a:rPr lang="en-US" sz="4800" b="1" dirty="0">
+                <a:solidFill>
+                  <a:srgbClr val="0041C6"/>
+                </a:solidFill>
+                <a:latin typeface="Segoe UI Semibold" panose="020B0702040204020203" pitchFamily="34" charset="0"/>
+                <a:cs typeface="Segoe UI Semibold" panose="020B0702040204020203" pitchFamily="34" charset="0"/>
+              </a:rPr>
+              <a:t>Designing Modularity</a:t>
+            </a:r>
+            <a:br>
+              <a:rPr lang="en-US" sz="4800" b="1" dirty="0">
+                <a:latin typeface="Segoe UI Semibold" panose="020B0702040204020203" pitchFamily="34" charset="0"/>
+                <a:cs typeface="Segoe UI Semibold" panose="020B0702040204020203" pitchFamily="34" charset="0"/>
+              </a:rPr>
+            </a:br>
+            <a:r>
+              <a:rPr lang="en-US" sz="4800" b="1" dirty="0">
+                <a:latin typeface="Segoe UI Semibold" panose="020B0702040204020203" pitchFamily="34" charset="0"/>
+                <a:cs typeface="Segoe UI Semibold" panose="020B0702040204020203" pitchFamily="34" charset="0"/>
+              </a:rPr>
+              <a:t>on ASP.NET Core</a:t>
+            </a:r>
+            <a:endParaRPr lang="en-US" sz="4800" dirty="0"/>
+          </a:p>
+        </p:txBody>
+      </p:sp>
       <p:pic>
         <p:nvPicPr>
-          <p:cNvPr id="18" name="Picture 17">
-            <a:extLst>
-              <a:ext uri="{FF2B5EF4-FFF2-40B4-BE49-F238E27FC236}">
-                <a16:creationId xmlns:a16="http://schemas.microsoft.com/office/drawing/2014/main" id="{89ACED8B-B185-4731-BF55-748A06FE61CE}"/>
+          <p:cNvPr id="8" name="Resim 7">
+            <a:extLst>
+              <a:ext uri="{FF2B5EF4-FFF2-40B4-BE49-F238E27FC236}">
+                <a16:creationId xmlns:a16="http://schemas.microsoft.com/office/drawing/2014/main" id="{D6684526-E611-4ACD-B5BB-009A4AA0C5E3}"/>
               </a:ext>
             </a:extLst>
           </p:cNvPr>
@@ -3809,285 +4184,14 @@
         </p:blipFill>
         <p:spPr>
           <a:xfrm>
-            <a:off x="7146076" y="808110"/>
-            <a:ext cx="2971800" cy="2971800"/>
+            <a:off x="8944673" y="1720418"/>
+            <a:ext cx="1537712" cy="1977059"/>
           </a:xfrm>
           <a:prstGeom prst="rect">
             <a:avLst/>
           </a:prstGeom>
         </p:spPr>
       </p:pic>
-      <p:sp>
-        <p:nvSpPr>
-          <p:cNvPr id="2" name="Title 1">
-            <a:extLst>
-              <a:ext uri="{FF2B5EF4-FFF2-40B4-BE49-F238E27FC236}">
-                <a16:creationId xmlns:a16="http://schemas.microsoft.com/office/drawing/2014/main" id="{0DE26BD9-3178-4532-BF33-58FE331BE190}"/>
-              </a:ext>
-            </a:extLst>
-          </p:cNvPr>
-          <p:cNvSpPr>
-            <a:spLocks noGrp="1"/>
-          </p:cNvSpPr>
-          <p:nvPr>
-            <p:ph type="ctrTitle"/>
-          </p:nvPr>
-        </p:nvSpPr>
-        <p:spPr>
-          <a:xfrm>
-            <a:off x="1524000" y="3758215"/>
-            <a:ext cx="9144000" cy="925752"/>
-          </a:xfrm>
-        </p:spPr>
-        <p:txBody>
-          <a:bodyPr anchor="t">
-            <a:normAutofit fontScale="90000"/>
-          </a:bodyPr>
-          <a:lstStyle/>
-          <a:p>
-            <a:pPr algn="r"/>
-            <a:r>
-              <a:rPr lang="en-US" sz="3200" dirty="0">
-                <a:latin typeface="Segoe UI Light" panose="020B0502040204020203" pitchFamily="34" charset="0"/>
-                <a:cs typeface="Segoe UI Light" panose="020B0502040204020203" pitchFamily="34" charset="0"/>
-              </a:rPr>
-              <a:t>Halil İbrahim KALKAN</a:t>
-            </a:r>
-            <a:br>
-              <a:rPr lang="en-US" sz="3200" dirty="0">
-                <a:latin typeface="Segoe UI Light" panose="020B0502040204020203" pitchFamily="34" charset="0"/>
-                <a:cs typeface="Segoe UI Light" panose="020B0502040204020203" pitchFamily="34" charset="0"/>
-              </a:rPr>
-            </a:br>
-            <a:r>
-              <a:rPr lang="en-US" sz="2200" dirty="0">
-                <a:latin typeface="Segoe UI Light" panose="020B0502040204020203" pitchFamily="34" charset="0"/>
-                <a:cs typeface="Segoe UI Light" panose="020B0502040204020203" pitchFamily="34" charset="0"/>
-              </a:rPr>
-              <a:t>Co Founder at </a:t>
-            </a:r>
-            <a:r>
-              <a:rPr lang="en-US" sz="3200" dirty="0" err="1">
-                <a:latin typeface="Segoe UI Light" panose="020B0502040204020203" pitchFamily="34" charset="0"/>
-                <a:cs typeface="Segoe UI Light" panose="020B0502040204020203" pitchFamily="34" charset="0"/>
-              </a:rPr>
-              <a:t>Volosoft</a:t>
-            </a:r>
-            <a:endParaRPr lang="en-US" sz="3200" dirty="0">
-              <a:latin typeface="Segoe UI Light" panose="020B0502040204020203" pitchFamily="34" charset="0"/>
-              <a:cs typeface="Segoe UI Light" panose="020B0502040204020203" pitchFamily="34" charset="0"/>
-            </a:endParaRPr>
-          </a:p>
-        </p:txBody>
-      </p:sp>
-      <p:sp>
-        <p:nvSpPr>
-          <p:cNvPr id="3" name="Subtitle 2">
-            <a:extLst>
-              <a:ext uri="{FF2B5EF4-FFF2-40B4-BE49-F238E27FC236}">
-                <a16:creationId xmlns:a16="http://schemas.microsoft.com/office/drawing/2014/main" id="{A5EF6AF5-284D-4238-A879-57E6D7F4C605}"/>
-              </a:ext>
-            </a:extLst>
-          </p:cNvPr>
-          <p:cNvSpPr>
-            <a:spLocks noGrp="1"/>
-          </p:cNvSpPr>
-          <p:nvPr>
-            <p:ph type="subTitle" idx="1"/>
-          </p:nvPr>
-        </p:nvSpPr>
-        <p:spPr>
-          <a:xfrm>
-            <a:off x="1524000" y="4683967"/>
-            <a:ext cx="9144000" cy="526473"/>
-          </a:xfrm>
-        </p:spPr>
-        <p:txBody>
-          <a:bodyPr>
-            <a:normAutofit/>
-          </a:bodyPr>
-          <a:lstStyle/>
-          <a:p>
-            <a:pPr algn="r"/>
-            <a:r>
-              <a:rPr lang="en-US" sz="1600" b="1" dirty="0">
-                <a:latin typeface="Segoe UI Semibold" panose="020B0702040204020203" pitchFamily="34" charset="0"/>
-                <a:cs typeface="Segoe UI Semibold" panose="020B0702040204020203" pitchFamily="34" charset="0"/>
-              </a:rPr>
-              <a:t>Web: halilibrahimkalkan.com | </a:t>
-            </a:r>
-            <a:r>
-              <a:rPr lang="en-US" sz="1600" b="1" dirty="0" err="1">
-                <a:latin typeface="Segoe UI Semibold" panose="020B0702040204020203" pitchFamily="34" charset="0"/>
-                <a:cs typeface="Segoe UI Semibold" panose="020B0702040204020203" pitchFamily="34" charset="0"/>
-              </a:rPr>
-              <a:t>Github</a:t>
-            </a:r>
-            <a:r>
-              <a:rPr lang="en-US" sz="1600" b="1" dirty="0">
-                <a:latin typeface="Segoe UI Semibold" panose="020B0702040204020203" pitchFamily="34" charset="0"/>
-                <a:cs typeface="Segoe UI Semibold" panose="020B0702040204020203" pitchFamily="34" charset="0"/>
-              </a:rPr>
-              <a:t>: @hikalkan | Twitter: @</a:t>
-            </a:r>
-            <a:r>
-              <a:rPr lang="en-US" sz="1600" b="1" dirty="0" err="1">
-                <a:latin typeface="Segoe UI Semibold" panose="020B0702040204020203" pitchFamily="34" charset="0"/>
-                <a:cs typeface="Segoe UI Semibold" panose="020B0702040204020203" pitchFamily="34" charset="0"/>
-              </a:rPr>
-              <a:t>hibrahimkalkan</a:t>
-            </a:r>
-            <a:endParaRPr lang="en-US" sz="1600" b="1" dirty="0">
-              <a:latin typeface="Segoe UI Semibold" panose="020B0702040204020203" pitchFamily="34" charset="0"/>
-              <a:cs typeface="Segoe UI Semibold" panose="020B0702040204020203" pitchFamily="34" charset="0"/>
-            </a:endParaRPr>
-          </a:p>
-        </p:txBody>
-      </p:sp>
-      <p:sp>
-        <p:nvSpPr>
-          <p:cNvPr id="5" name="Footer Placeholder 4">
-            <a:extLst>
-              <a:ext uri="{FF2B5EF4-FFF2-40B4-BE49-F238E27FC236}">
-                <a16:creationId xmlns:a16="http://schemas.microsoft.com/office/drawing/2014/main" id="{A3553ADE-3838-4EDB-9F14-97C75DE2198D}"/>
-              </a:ext>
-            </a:extLst>
-          </p:cNvPr>
-          <p:cNvSpPr>
-            <a:spLocks noGrp="1"/>
-          </p:cNvSpPr>
-          <p:nvPr>
-            <p:ph type="ftr" sz="quarter" idx="11"/>
-          </p:nvPr>
-        </p:nvSpPr>
-        <p:spPr>
-          <a:xfrm>
-            <a:off x="0" y="6483927"/>
-            <a:ext cx="4190999" cy="374073"/>
-          </a:xfrm>
-        </p:spPr>
-        <p:txBody>
-          <a:bodyPr/>
-          <a:lstStyle/>
-          <a:p>
-            <a:pPr algn="l"/>
-            <a:r>
-              <a:rPr lang="en-US" dirty="0" err="1">
-                <a:solidFill>
-                  <a:schemeClr val="tx1"/>
-                </a:solidFill>
-                <a:latin typeface="Segoe UI" panose="020B0502040204020203" pitchFamily="34" charset="0"/>
-                <a:cs typeface="Segoe UI" panose="020B0502040204020203" pitchFamily="34" charset="0"/>
-              </a:rPr>
-              <a:t>Halil</a:t>
-            </a:r>
-            <a:r>
-              <a:rPr lang="en-US" dirty="0">
-                <a:solidFill>
-                  <a:schemeClr val="tx1"/>
-                </a:solidFill>
-                <a:latin typeface="Segoe UI" panose="020B0502040204020203" pitchFamily="34" charset="0"/>
-                <a:cs typeface="Segoe UI" panose="020B0502040204020203" pitchFamily="34" charset="0"/>
-              </a:rPr>
-              <a:t> İbrahim KALKAN | @</a:t>
-            </a:r>
-            <a:r>
-              <a:rPr lang="en-US" dirty="0" err="1">
-                <a:solidFill>
-                  <a:schemeClr val="tx1"/>
-                </a:solidFill>
-                <a:latin typeface="Segoe UI" panose="020B0502040204020203" pitchFamily="34" charset="0"/>
-                <a:cs typeface="Segoe UI" panose="020B0502040204020203" pitchFamily="34" charset="0"/>
-              </a:rPr>
-              <a:t>hikalkan</a:t>
-            </a:r>
-            <a:r>
-              <a:rPr lang="en-US" dirty="0">
-                <a:solidFill>
-                  <a:schemeClr val="tx1"/>
-                </a:solidFill>
-                <a:latin typeface="Segoe UI" panose="020B0502040204020203" pitchFamily="34" charset="0"/>
-                <a:cs typeface="Segoe UI" panose="020B0502040204020203" pitchFamily="34" charset="0"/>
-              </a:rPr>
-              <a:t> | </a:t>
-            </a:r>
-            <a:r>
-              <a:rPr lang="en-US" dirty="0" err="1">
-                <a:solidFill>
-                  <a:schemeClr val="tx1"/>
-                </a:solidFill>
-                <a:latin typeface="Segoe UI" panose="020B0502040204020203" pitchFamily="34" charset="0"/>
-                <a:cs typeface="Segoe UI" panose="020B0502040204020203" pitchFamily="34" charset="0"/>
-              </a:rPr>
-              <a:t>Volosoft</a:t>
-            </a:r>
-            <a:r>
-              <a:rPr lang="en-US" dirty="0">
-                <a:solidFill>
-                  <a:schemeClr val="tx1"/>
-                </a:solidFill>
-                <a:latin typeface="Segoe UI" panose="020B0502040204020203" pitchFamily="34" charset="0"/>
-                <a:cs typeface="Segoe UI" panose="020B0502040204020203" pitchFamily="34" charset="0"/>
-              </a:rPr>
-              <a:t> TM</a:t>
-            </a:r>
-          </a:p>
-        </p:txBody>
-      </p:sp>
-      <p:sp>
-        <p:nvSpPr>
-          <p:cNvPr id="6" name="Rectangle 5">
-            <a:extLst>
-              <a:ext uri="{FF2B5EF4-FFF2-40B4-BE49-F238E27FC236}">
-                <a16:creationId xmlns:a16="http://schemas.microsoft.com/office/drawing/2014/main" id="{191F77C3-5D4B-41EC-BBEA-97AA16723398}"/>
-              </a:ext>
-            </a:extLst>
-          </p:cNvPr>
-          <p:cNvSpPr/>
-          <p:nvPr/>
-        </p:nvSpPr>
-        <p:spPr>
-          <a:xfrm>
-            <a:off x="584579" y="1156806"/>
-            <a:ext cx="6096000" cy="1446550"/>
-          </a:xfrm>
-          <a:prstGeom prst="rect">
-            <a:avLst/>
-          </a:prstGeom>
-        </p:spPr>
-        <p:txBody>
-          <a:bodyPr>
-            <a:spAutoFit/>
-          </a:bodyPr>
-          <a:lstStyle/>
-          <a:p>
-            <a:r>
-              <a:rPr lang="en-US" sz="4400" b="1" dirty="0">
-                <a:solidFill>
-                  <a:srgbClr val="0041C6"/>
-                </a:solidFill>
-                <a:latin typeface="Segoe UI Semibold" panose="020B0702040204020203" pitchFamily="34" charset="0"/>
-                <a:cs typeface="Segoe UI Semibold" panose="020B0702040204020203" pitchFamily="34" charset="0"/>
-              </a:rPr>
-              <a:t>Designing Modularity</a:t>
-            </a:r>
-            <a:br>
-              <a:rPr lang="en-US" sz="4400" b="1" dirty="0">
-                <a:latin typeface="Segoe UI Semibold" panose="020B0702040204020203" pitchFamily="34" charset="0"/>
-                <a:cs typeface="Segoe UI Semibold" panose="020B0702040204020203" pitchFamily="34" charset="0"/>
-              </a:rPr>
-            </a:br>
-            <a:r>
-              <a:rPr lang="en-US" sz="4400" b="1" dirty="0">
-                <a:latin typeface="Segoe UI Semibold" panose="020B0702040204020203" pitchFamily="34" charset="0"/>
-                <a:cs typeface="Segoe UI Semibold" panose="020B0702040204020203" pitchFamily="34" charset="0"/>
-              </a:rPr>
-              <a:t>on ASP.NET Core</a:t>
-            </a:r>
-            <a:endParaRPr lang="en-US" sz="4400" dirty="0"/>
-          </a:p>
-        </p:txBody>
-      </p:sp>
     </p:spTree>
     <p:extLst>
       <p:ext uri="{BB962C8B-B14F-4D97-AF65-F5344CB8AC3E}">
@@ -4642,7 +4746,7 @@
         </p:spPr>
         <p:txBody>
           <a:bodyPr vert="horz" lIns="91440" tIns="45720" rIns="91440" bIns="45720" rtlCol="0" anchor="ctr">
-            <a:normAutofit/>
+            <a:noAutofit/>
           </a:bodyPr>
           <a:lstStyle>
             <a:lvl1pPr marL="0" indent="0" algn="ctr" defTabSz="914400" rtl="0" eaLnBrk="1" latinLnBrk="0" hangingPunct="1">
@@ -4815,7 +4919,7 @@
               </a:lnSpc>
             </a:pPr>
             <a:r>
-              <a:rPr lang="en-US" sz="1800" b="1" dirty="0">
+              <a:rPr lang="en-US" sz="2000" b="1" dirty="0">
                 <a:solidFill>
                   <a:srgbClr val="0041C6"/>
                 </a:solidFill>
@@ -4832,7 +4936,7 @@
               </a:lnSpc>
             </a:pPr>
             <a:r>
-              <a:rPr lang="en-US" sz="1800" b="1" dirty="0">
+              <a:rPr lang="en-US" sz="2000" b="1" dirty="0">
                 <a:latin typeface="Segoe UI Semibold" panose="020B0702040204020203" pitchFamily="34" charset="0"/>
                 <a:cs typeface="Segoe UI Semibold" panose="020B0702040204020203" pitchFamily="34" charset="0"/>
               </a:rPr>
@@ -4846,7 +4950,7 @@
               </a:lnSpc>
             </a:pPr>
             <a:r>
-              <a:rPr lang="en-US" sz="1800" b="1" dirty="0">
+              <a:rPr lang="en-US" sz="2000" b="1" dirty="0">
                 <a:latin typeface="Segoe UI Semibold" panose="020B0702040204020203" pitchFamily="34" charset="0"/>
                 <a:cs typeface="Segoe UI Semibold" panose="020B0702040204020203" pitchFamily="34" charset="0"/>
               </a:rPr>
@@ -4860,7 +4964,7 @@
               </a:lnSpc>
             </a:pPr>
             <a:r>
-              <a:rPr lang="en-US" sz="1800" b="1" dirty="0">
+              <a:rPr lang="en-US" sz="2000" b="1" dirty="0">
                 <a:latin typeface="Segoe UI Semibold" panose="020B0702040204020203" pitchFamily="34" charset="0"/>
                 <a:cs typeface="Segoe UI Semibold" panose="020B0702040204020203" pitchFamily="34" charset="0"/>
               </a:rPr>
@@ -5551,7 +5655,7 @@
         </p:spPr>
         <p:txBody>
           <a:bodyPr vert="horz" lIns="91440" tIns="45720" rIns="91440" bIns="45720" rtlCol="0" anchor="ctr">
-            <a:normAutofit/>
+            <a:noAutofit/>
           </a:bodyPr>
           <a:lstStyle>
             <a:lvl1pPr marL="0" indent="0" algn="ctr" defTabSz="914400" rtl="0" eaLnBrk="1" latinLnBrk="0" hangingPunct="1">
@@ -5724,7 +5828,7 @@
               </a:lnSpc>
             </a:pPr>
             <a:r>
-              <a:rPr lang="en-US" sz="1800" b="1" dirty="0">
+              <a:rPr lang="en-US" sz="2000" b="1" dirty="0">
                 <a:latin typeface="Segoe UI Semibold" panose="020B0702040204020203" pitchFamily="34" charset="0"/>
                 <a:cs typeface="Segoe UI Semibold" panose="020B0702040204020203" pitchFamily="34" charset="0"/>
               </a:rPr>
@@ -5738,7 +5842,7 @@
               </a:lnSpc>
             </a:pPr>
             <a:r>
-              <a:rPr lang="en-US" sz="1800" b="1" dirty="0">
+              <a:rPr lang="en-US" sz="2000" b="1" dirty="0">
                 <a:solidFill>
                   <a:srgbClr val="0041C6"/>
                 </a:solidFill>
@@ -5755,7 +5859,7 @@
               </a:lnSpc>
             </a:pPr>
             <a:r>
-              <a:rPr lang="en-US" sz="1800" b="1" dirty="0">
+              <a:rPr lang="en-US" sz="2000" b="1" dirty="0">
                 <a:latin typeface="Segoe UI Semibold" panose="020B0702040204020203" pitchFamily="34" charset="0"/>
                 <a:cs typeface="Segoe UI Semibold" panose="020B0702040204020203" pitchFamily="34" charset="0"/>
               </a:rPr>
@@ -5769,7 +5873,7 @@
               </a:lnSpc>
             </a:pPr>
             <a:r>
-              <a:rPr lang="en-US" sz="1800" b="1" dirty="0">
+              <a:rPr lang="en-US" sz="2000" b="1" dirty="0">
                 <a:latin typeface="Segoe UI Semibold" panose="020B0702040204020203" pitchFamily="34" charset="0"/>
                 <a:cs typeface="Segoe UI Semibold" panose="020B0702040204020203" pitchFamily="34" charset="0"/>
               </a:rPr>
@@ -6393,7 +6497,7 @@
         </p:spPr>
         <p:txBody>
           <a:bodyPr vert="horz" lIns="91440" tIns="45720" rIns="91440" bIns="45720" rtlCol="0" anchor="ctr">
-            <a:normAutofit/>
+            <a:noAutofit/>
           </a:bodyPr>
           <a:lstStyle>
             <a:lvl1pPr marL="0" indent="0" algn="ctr" defTabSz="914400" rtl="0" eaLnBrk="1" latinLnBrk="0" hangingPunct="1">
@@ -6566,7 +6670,7 @@
               </a:lnSpc>
             </a:pPr>
             <a:r>
-              <a:rPr lang="en-US" sz="1800" b="1" dirty="0">
+              <a:rPr lang="en-US" sz="2000" b="1" dirty="0">
                 <a:latin typeface="Segoe UI Semibold" panose="020B0702040204020203" pitchFamily="34" charset="0"/>
                 <a:cs typeface="Segoe UI Semibold" panose="020B0702040204020203" pitchFamily="34" charset="0"/>
               </a:rPr>
@@ -6580,7 +6684,7 @@
               </a:lnSpc>
             </a:pPr>
             <a:r>
-              <a:rPr lang="en-US" sz="1800" b="1" dirty="0">
+              <a:rPr lang="en-US" sz="2000" b="1" dirty="0">
                 <a:latin typeface="Segoe UI Semibold" panose="020B0702040204020203" pitchFamily="34" charset="0"/>
                 <a:cs typeface="Segoe UI Semibold" panose="020B0702040204020203" pitchFamily="34" charset="0"/>
               </a:rPr>
@@ -6594,7 +6698,7 @@
               </a:lnSpc>
             </a:pPr>
             <a:r>
-              <a:rPr lang="en-US" sz="1800" b="1" dirty="0">
+              <a:rPr lang="en-US" sz="2000" b="1" dirty="0">
                 <a:solidFill>
                   <a:srgbClr val="0041C6"/>
                 </a:solidFill>
@@ -6611,7 +6715,7 @@
               </a:lnSpc>
             </a:pPr>
             <a:r>
-              <a:rPr lang="en-US" sz="1800" b="1" dirty="0">
+              <a:rPr lang="en-US" sz="2000" b="1" dirty="0">
                 <a:latin typeface="Segoe UI Semibold" panose="020B0702040204020203" pitchFamily="34" charset="0"/>
                 <a:cs typeface="Segoe UI Semibold" panose="020B0702040204020203" pitchFamily="34" charset="0"/>
               </a:rPr>
@@ -7198,7 +7302,7 @@
         </p:spPr>
         <p:txBody>
           <a:bodyPr vert="horz" lIns="91440" tIns="45720" rIns="91440" bIns="45720" rtlCol="0" anchor="ctr">
-            <a:normAutofit/>
+            <a:noAutofit/>
           </a:bodyPr>
           <a:lstStyle>
             <a:lvl1pPr marL="0" indent="0" algn="ctr" defTabSz="914400" rtl="0" eaLnBrk="1" latinLnBrk="0" hangingPunct="1">
@@ -7371,7 +7475,7 @@
               </a:lnSpc>
             </a:pPr>
             <a:r>
-              <a:rPr lang="en-US" sz="1800" b="1" dirty="0">
+              <a:rPr lang="en-US" sz="2000" b="1" dirty="0">
                 <a:latin typeface="Segoe UI Semibold" panose="020B0702040204020203" pitchFamily="34" charset="0"/>
                 <a:cs typeface="Segoe UI Semibold" panose="020B0702040204020203" pitchFamily="34" charset="0"/>
               </a:rPr>
@@ -7385,7 +7489,7 @@
               </a:lnSpc>
             </a:pPr>
             <a:r>
-              <a:rPr lang="en-US" sz="1800" b="1" dirty="0">
+              <a:rPr lang="en-US" sz="2000" b="1" dirty="0">
                 <a:latin typeface="Segoe UI Semibold" panose="020B0702040204020203" pitchFamily="34" charset="0"/>
                 <a:cs typeface="Segoe UI Semibold" panose="020B0702040204020203" pitchFamily="34" charset="0"/>
               </a:rPr>
@@ -7399,7 +7503,7 @@
               </a:lnSpc>
             </a:pPr>
             <a:r>
-              <a:rPr lang="en-US" sz="1800" b="1" dirty="0">
+              <a:rPr lang="en-US" sz="2000" b="1" dirty="0">
                 <a:latin typeface="Segoe UI Semibold" panose="020B0702040204020203" pitchFamily="34" charset="0"/>
                 <a:cs typeface="Segoe UI Semibold" panose="020B0702040204020203" pitchFamily="34" charset="0"/>
               </a:rPr>
@@ -7413,7 +7517,7 @@
               </a:lnSpc>
             </a:pPr>
             <a:r>
-              <a:rPr lang="en-US" sz="1800" b="1" dirty="0">
+              <a:rPr lang="en-US" sz="2000" b="1" dirty="0">
                 <a:solidFill>
                   <a:srgbClr val="0041C6"/>
                 </a:solidFill>
@@ -7573,8 +7677,8 @@
         </p:nvSpPr>
         <p:spPr>
           <a:xfrm>
-            <a:off x="738908" y="674814"/>
-            <a:ext cx="4858328" cy="2567150"/>
+            <a:off x="378181" y="610235"/>
+            <a:ext cx="4858328" cy="1734811"/>
           </a:xfrm>
         </p:spPr>
         <p:txBody>
@@ -7585,7 +7689,7 @@
           <a:p>
             <a:pPr algn="l"/>
             <a:r>
-              <a:rPr lang="en-US" sz="4000" b="1" dirty="0">
+              <a:rPr lang="en-US" sz="3200" b="1" dirty="0">
                 <a:solidFill>
                   <a:srgbClr val="0041C6"/>
                 </a:solidFill>
@@ -7595,7 +7699,7 @@
               <a:t>ASP.NET Boilerplate</a:t>
             </a:r>
             <a:br>
-              <a:rPr lang="en-US" sz="4000" b="1" dirty="0">
+              <a:rPr lang="en-US" sz="3200" b="1" dirty="0">
                 <a:solidFill>
                   <a:srgbClr val="0041C6"/>
                 </a:solidFill>
@@ -7604,13 +7708,13 @@
               </a:rPr>
             </a:br>
             <a:r>
-              <a:rPr lang="en-US" sz="3200" b="1" dirty="0">
+              <a:rPr lang="en-US" sz="2400" b="1" dirty="0">
                 <a:latin typeface="Segoe UI Semibold" panose="020B0702040204020203" pitchFamily="34" charset="0"/>
                 <a:cs typeface="Segoe UI Semibold" panose="020B0702040204020203" pitchFamily="34" charset="0"/>
               </a:rPr>
               <a:t>Open Source Web Application Framework</a:t>
             </a:r>
-            <a:endParaRPr lang="en-US" sz="4000" b="1" dirty="0">
+            <a:endParaRPr lang="en-US" sz="3200" b="1" dirty="0">
               <a:latin typeface="Segoe UI Semibold" panose="020B0702040204020203" pitchFamily="34" charset="0"/>
               <a:cs typeface="Segoe UI Semibold" panose="020B0702040204020203" pitchFamily="34" charset="0"/>
             </a:endParaRPr>
@@ -7928,8 +8032,8 @@
         </p:nvSpPr>
         <p:spPr>
           <a:xfrm>
-            <a:off x="738908" y="3241964"/>
-            <a:ext cx="4368801" cy="2803238"/>
+            <a:off x="378181" y="2446537"/>
+            <a:ext cx="4858328" cy="3317097"/>
           </a:xfrm>
           <a:prstGeom prst="rect">
             <a:avLst/>
@@ -8110,15 +8214,15 @@
               </a:lnSpc>
             </a:pPr>
             <a:r>
-              <a:rPr lang="en-US" sz="1600" b="1" dirty="0">
+              <a:rPr lang="en-US" sz="2000" b="1" dirty="0">
                 <a:latin typeface="Segoe UI Black" panose="020B0A02040204020203" pitchFamily="34" charset="0"/>
                 <a:ea typeface="Segoe UI Black" panose="020B0A02040204020203" pitchFamily="34" charset="0"/>
                 <a:cs typeface="Segoe UI Semibold" panose="020B0702040204020203" pitchFamily="34" charset="0"/>
               </a:rPr>
-              <a:t>5,500+</a:t>
-            </a:r>
-            <a:r>
-              <a:rPr lang="en-US" sz="1600" dirty="0">
+              <a:t>5,600+</a:t>
+            </a:r>
+            <a:r>
+              <a:rPr lang="en-US" sz="2000" dirty="0">
                 <a:latin typeface="Segoe UI Black" panose="020B0A02040204020203" pitchFamily="34" charset="0"/>
                 <a:ea typeface="Segoe UI Black" panose="020B0A02040204020203" pitchFamily="34" charset="0"/>
                 <a:cs typeface="Segoe UI Semibold" panose="020B0702040204020203" pitchFamily="34" charset="0"/>
@@ -8126,27 +8230,20 @@
               <a:t> </a:t>
             </a:r>
             <a:r>
-              <a:rPr lang="en-US" sz="1600" dirty="0">
+              <a:rPr lang="en-US" sz="2000" dirty="0">
                 <a:latin typeface="Segoe UI Semibold" panose="020B0702040204020203" pitchFamily="34" charset="0"/>
                 <a:cs typeface="Segoe UI Semibold" panose="020B0702040204020203" pitchFamily="34" charset="0"/>
               </a:rPr>
-              <a:t>stars on </a:t>
-            </a:r>
-            <a:r>
-              <a:rPr lang="en-US" sz="1600" dirty="0" err="1">
+              <a:t>stars on GitHub</a:t>
+            </a:r>
+            <a:br>
+              <a:rPr lang="en-US" sz="2000" dirty="0">
                 <a:latin typeface="Segoe UI Semibold" panose="020B0702040204020203" pitchFamily="34" charset="0"/>
                 <a:cs typeface="Segoe UI Semibold" panose="020B0702040204020203" pitchFamily="34" charset="0"/>
               </a:rPr>
-              <a:t>Github</a:t>
-            </a:r>
-            <a:br>
-              <a:rPr lang="en-US" sz="1600" dirty="0">
-                <a:latin typeface="Segoe UI Semibold" panose="020B0702040204020203" pitchFamily="34" charset="0"/>
-                <a:cs typeface="Segoe UI Semibold" panose="020B0702040204020203" pitchFamily="34" charset="0"/>
-              </a:rPr>
             </a:br>
             <a:r>
-              <a:rPr lang="en-US" sz="1600" b="1" dirty="0">
+              <a:rPr lang="en-US" sz="2000" b="1" dirty="0">
                 <a:latin typeface="Segoe UI Black" panose="020B0A02040204020203" pitchFamily="34" charset="0"/>
                 <a:ea typeface="Segoe UI Black" panose="020B0A02040204020203" pitchFamily="34" charset="0"/>
                 <a:cs typeface="Segoe UI Semibold" panose="020B0702040204020203" pitchFamily="34" charset="0"/>
@@ -8154,7 +8251,7 @@
               <a:t>700,000+</a:t>
             </a:r>
             <a:r>
-              <a:rPr lang="en-US" sz="1600" dirty="0">
+              <a:rPr lang="en-US" sz="2000" dirty="0">
                 <a:latin typeface="Segoe UI Black" panose="020B0A02040204020203" pitchFamily="34" charset="0"/>
                 <a:ea typeface="Segoe UI Black" panose="020B0A02040204020203" pitchFamily="34" charset="0"/>
                 <a:cs typeface="Segoe UI Semibold" panose="020B0702040204020203" pitchFamily="34" charset="0"/>
@@ -8162,27 +8259,20 @@
               <a:t> </a:t>
             </a:r>
             <a:r>
-              <a:rPr lang="en-US" sz="1600" dirty="0">
+              <a:rPr lang="en-US" sz="2000" dirty="0">
                 <a:latin typeface="Segoe UI Semibold" panose="020B0702040204020203" pitchFamily="34" charset="0"/>
                 <a:cs typeface="Segoe UI Semibold" panose="020B0702040204020203" pitchFamily="34" charset="0"/>
               </a:rPr>
-              <a:t>downloads on </a:t>
-            </a:r>
-            <a:r>
-              <a:rPr lang="en-US" sz="1600" dirty="0" err="1">
+              <a:t>downloads on NuGet</a:t>
+            </a:r>
+            <a:br>
+              <a:rPr lang="en-US" sz="2000" dirty="0">
                 <a:latin typeface="Segoe UI Semibold" panose="020B0702040204020203" pitchFamily="34" charset="0"/>
                 <a:cs typeface="Segoe UI Semibold" panose="020B0702040204020203" pitchFamily="34" charset="0"/>
               </a:rPr>
-              <a:t>Nuget</a:t>
-            </a:r>
-            <a:br>
-              <a:rPr lang="en-US" sz="1600" dirty="0">
-                <a:latin typeface="Segoe UI Semibold" panose="020B0702040204020203" pitchFamily="34" charset="0"/>
-                <a:cs typeface="Segoe UI Semibold" panose="020B0702040204020203" pitchFamily="34" charset="0"/>
-              </a:rPr>
             </a:br>
             <a:r>
-              <a:rPr lang="en-US" sz="1600" b="1" dirty="0">
+              <a:rPr lang="en-US" sz="2000" b="1" dirty="0">
                 <a:latin typeface="Segoe UI Black" panose="020B0A02040204020203" pitchFamily="34" charset="0"/>
                 <a:ea typeface="Segoe UI Black" panose="020B0A02040204020203" pitchFamily="34" charset="0"/>
                 <a:cs typeface="Segoe UI Semibold" panose="020B0702040204020203" pitchFamily="34" charset="0"/>
@@ -8190,7 +8280,7 @@
               <a:t>5+</a:t>
             </a:r>
             <a:r>
-              <a:rPr lang="en-US" sz="1600" dirty="0">
+              <a:rPr lang="en-US" sz="2000" dirty="0">
                 <a:latin typeface="Segoe UI Black" panose="020B0A02040204020203" pitchFamily="34" charset="0"/>
                 <a:ea typeface="Segoe UI Black" panose="020B0A02040204020203" pitchFamily="34" charset="0"/>
                 <a:cs typeface="Segoe UI Semibold" panose="020B0702040204020203" pitchFamily="34" charset="0"/>
@@ -8198,7 +8288,7 @@
               <a:t> years </a:t>
             </a:r>
             <a:r>
-              <a:rPr lang="en-US" sz="1600" dirty="0">
+              <a:rPr lang="en-US" sz="2000" dirty="0">
                 <a:latin typeface="Segoe UI Semibold" panose="020B0702040204020203" pitchFamily="34" charset="0"/>
                 <a:cs typeface="Segoe UI Semibold" panose="020B0702040204020203" pitchFamily="34" charset="0"/>
               </a:rPr>
@@ -8212,14 +8302,14 @@
               </a:lnSpc>
             </a:pPr>
             <a:r>
-              <a:rPr lang="en-US" sz="1600" b="1" dirty="0">
+              <a:rPr lang="en-US" sz="2000" b="1" dirty="0">
                 <a:latin typeface="Segoe UI Semibold" panose="020B0702040204020203" pitchFamily="34" charset="0"/>
                 <a:cs typeface="Segoe UI Semibold" panose="020B0702040204020203" pitchFamily="34" charset="0"/>
               </a:rPr>
               <a:t>Web: </a:t>
             </a:r>
             <a:r>
-              <a:rPr lang="en-US" sz="1600" b="1" dirty="0">
+              <a:rPr lang="en-US" sz="2000" b="1" dirty="0">
                 <a:solidFill>
                   <a:srgbClr val="0041C6"/>
                 </a:solidFill>
@@ -8229,7 +8319,7 @@
               <a:t>aspnetboilerplate.com</a:t>
             </a:r>
             <a:br>
-              <a:rPr lang="en-US" sz="1600" b="1" dirty="0">
+              <a:rPr lang="en-US" sz="2000" b="1" dirty="0">
                 <a:solidFill>
                   <a:srgbClr val="0041C6"/>
                 </a:solidFill>
@@ -8238,21 +8328,21 @@
               </a:rPr>
             </a:br>
             <a:r>
-              <a:rPr lang="en-US" sz="1600" b="1" dirty="0" err="1">
+              <a:rPr lang="en-US" sz="2000" b="1" dirty="0">
                 <a:latin typeface="Segoe UI Semibold" panose="020B0702040204020203" pitchFamily="34" charset="0"/>
                 <a:cs typeface="Segoe UI Semibold" panose="020B0702040204020203" pitchFamily="34" charset="0"/>
               </a:rPr>
-              <a:t>Github</a:t>
-            </a:r>
-            <a:r>
-              <a:rPr lang="en-US" sz="1600" dirty="0">
+              <a:t>GitHub</a:t>
+            </a:r>
+            <a:r>
+              <a:rPr lang="en-US" sz="2000" dirty="0">
                 <a:latin typeface="Segoe UI Semibold" panose="020B0702040204020203" pitchFamily="34" charset="0"/>
                 <a:cs typeface="Segoe UI Semibold" panose="020B0702040204020203" pitchFamily="34" charset="0"/>
               </a:rPr>
               <a:t>: </a:t>
             </a:r>
             <a:r>
-              <a:rPr lang="en-US" sz="1600" b="1" dirty="0">
+              <a:rPr lang="en-US" sz="2000" b="1" dirty="0">
                 <a:solidFill>
                   <a:srgbClr val="0041C6"/>
                 </a:solidFill>
@@ -8262,27 +8352,27 @@
               <a:t>github.com/aspnetboilerplate</a:t>
             </a:r>
             <a:br>
-              <a:rPr lang="en-US" sz="1600" dirty="0">
+              <a:rPr lang="en-US" sz="2000" dirty="0">
                 <a:latin typeface="Segoe UI Semibold" panose="020B0702040204020203" pitchFamily="34" charset="0"/>
                 <a:cs typeface="Segoe UI Semibold" panose="020B0702040204020203" pitchFamily="34" charset="0"/>
               </a:rPr>
             </a:br>
             <a:r>
-              <a:rPr lang="en-US" sz="1600" b="1" dirty="0">
+              <a:rPr lang="en-US" sz="2000" b="1" dirty="0">
                 <a:latin typeface="Segoe UI Semibold" panose="020B0702040204020203" pitchFamily="34" charset="0"/>
                 <a:cs typeface="Segoe UI Semibold" panose="020B0702040204020203" pitchFamily="34" charset="0"/>
               </a:rPr>
               <a:t>Twitter</a:t>
             </a:r>
             <a:r>
-              <a:rPr lang="en-US" sz="1600" dirty="0">
+              <a:rPr lang="en-US" sz="2000" dirty="0">
                 <a:latin typeface="Segoe UI Semibold" panose="020B0702040204020203" pitchFamily="34" charset="0"/>
                 <a:cs typeface="Segoe UI Semibold" panose="020B0702040204020203" pitchFamily="34" charset="0"/>
               </a:rPr>
               <a:t>: </a:t>
             </a:r>
             <a:r>
-              <a:rPr lang="en-US" sz="1600" b="1" dirty="0">
+              <a:rPr lang="en-US" sz="2000" b="1" dirty="0">
                 <a:solidFill>
                   <a:srgbClr val="0041C6"/>
                 </a:solidFill>
@@ -8292,7 +8382,7 @@
               <a:t>@</a:t>
             </a:r>
             <a:r>
-              <a:rPr lang="en-US" sz="1600" b="1" dirty="0" err="1">
+              <a:rPr lang="en-US" sz="2000" b="1" dirty="0" err="1">
                 <a:solidFill>
                   <a:srgbClr val="0041C6"/>
                 </a:solidFill>
@@ -8301,7 +8391,7 @@
               </a:rPr>
               <a:t>aspboilerplate</a:t>
             </a:r>
-            <a:endParaRPr lang="en-US" sz="1600" b="1" dirty="0">
+            <a:endParaRPr lang="en-US" sz="2000" b="1" dirty="0">
               <a:solidFill>
                 <a:srgbClr val="0041C6"/>
               </a:solidFill>
@@ -8313,10 +8403,10 @@
       </p:sp>
       <p:pic>
         <p:nvPicPr>
-          <p:cNvPr id="3" name="Picture 2">
-            <a:extLst>
-              <a:ext uri="{FF2B5EF4-FFF2-40B4-BE49-F238E27FC236}">
-                <a16:creationId xmlns:a16="http://schemas.microsoft.com/office/drawing/2014/main" id="{3B6DC070-F26F-4819-8BAC-F66E4DE306F4}"/>
+          <p:cNvPr id="4" name="Picture 3">
+            <a:extLst>
+              <a:ext uri="{FF2B5EF4-FFF2-40B4-BE49-F238E27FC236}">
+                <a16:creationId xmlns:a16="http://schemas.microsoft.com/office/drawing/2014/main" id="{BEA130B3-CC11-425A-8D4F-1DDA0128A09C}"/>
               </a:ext>
             </a:extLst>
           </p:cNvPr>
@@ -8333,8 +8423,8 @@
         </p:blipFill>
         <p:spPr>
           <a:xfrm>
-            <a:off x="5534805" y="674814"/>
-            <a:ext cx="6472336" cy="5508371"/>
+            <a:off x="5117051" y="119793"/>
+            <a:ext cx="6924324" cy="6364134"/>
           </a:xfrm>
           <a:prstGeom prst="rect">
             <a:avLst/>
@@ -8437,8 +8527,8 @@
         </p:nvSpPr>
         <p:spPr>
           <a:xfrm>
-            <a:off x="0" y="886691"/>
-            <a:ext cx="12192000" cy="2205182"/>
+            <a:off x="0" y="886690"/>
+            <a:ext cx="12192000" cy="3110879"/>
           </a:xfrm>
         </p:spPr>
         <p:txBody>
@@ -8447,6 +8537,11 @@
           </a:bodyPr>
           <a:lstStyle/>
           <a:p>
+            <a:pPr>
+              <a:lnSpc>
+                <a:spcPct val="150000"/>
+              </a:lnSpc>
+            </a:pPr>
             <a:r>
               <a:rPr lang="en-US" sz="4000" b="1" dirty="0">
                 <a:latin typeface="Segoe UI Semibold" panose="020B0702040204020203" pitchFamily="34" charset="0"/>
@@ -8664,7 +8759,7 @@
         </p:nvSpPr>
         <p:spPr>
           <a:xfrm>
-            <a:off x="738908" y="930564"/>
+            <a:off x="746784" y="1591055"/>
             <a:ext cx="4858328" cy="795192"/>
           </a:xfrm>
         </p:spPr>
@@ -8999,7 +9094,7 @@
         </p:nvSpPr>
         <p:spPr>
           <a:xfrm>
-            <a:off x="738908" y="1910687"/>
+            <a:off x="736014" y="2528033"/>
             <a:ext cx="4368801" cy="3305549"/>
           </a:xfrm>
           <a:prstGeom prst="rect">
@@ -9183,42 +9278,42 @@
               <a:buChar char="•"/>
             </a:pPr>
             <a:r>
-              <a:rPr lang="en-US" sz="1600" b="1" dirty="0">
+              <a:rPr lang="en-US" sz="2000" b="1" dirty="0">
                 <a:latin typeface="Segoe UI Semibold" panose="020B0702040204020203" pitchFamily="34" charset="0"/>
                 <a:cs typeface="Segoe UI Semibold" panose="020B0702040204020203" pitchFamily="34" charset="0"/>
               </a:rPr>
               <a:t>Investigate</a:t>
             </a:r>
             <a:r>
-              <a:rPr lang="en-US" sz="1600" dirty="0">
+              <a:rPr lang="en-US" sz="2000" dirty="0">
                 <a:latin typeface="Segoe UI Semibold" panose="020B0702040204020203" pitchFamily="34" charset="0"/>
                 <a:cs typeface="Segoe UI Semibold" panose="020B0702040204020203" pitchFamily="34" charset="0"/>
               </a:rPr>
               <a:t> and </a:t>
             </a:r>
             <a:r>
-              <a:rPr lang="en-US" sz="1600" b="1" dirty="0">
+              <a:rPr lang="en-US" sz="2000" b="1" dirty="0">
                 <a:latin typeface="Segoe UI Semibold" panose="020B0702040204020203" pitchFamily="34" charset="0"/>
                 <a:cs typeface="Segoe UI Semibold" panose="020B0702040204020203" pitchFamily="34" charset="0"/>
               </a:rPr>
               <a:t>sort</a:t>
             </a:r>
             <a:r>
-              <a:rPr lang="en-US" sz="1600" dirty="0">
+              <a:rPr lang="en-US" sz="2000" dirty="0">
                 <a:latin typeface="Segoe UI Semibold" panose="020B0702040204020203" pitchFamily="34" charset="0"/>
                 <a:cs typeface="Segoe UI Semibold" panose="020B0702040204020203" pitchFamily="34" charset="0"/>
               </a:rPr>
               <a:t> modules using module dependencies starting from the </a:t>
             </a:r>
             <a:r>
-              <a:rPr lang="en-US" sz="1600" b="1" dirty="0">
+              <a:rPr lang="en-US" sz="2000" b="1" dirty="0">
                 <a:latin typeface="Segoe UI Semibold" panose="020B0702040204020203" pitchFamily="34" charset="0"/>
                 <a:cs typeface="Segoe UI Semibold" panose="020B0702040204020203" pitchFamily="34" charset="0"/>
               </a:rPr>
               <a:t>ROOT MODULE</a:t>
             </a:r>
             <a:r>
-              <a:rPr lang="en-US" sz="1600" dirty="0">
+              <a:rPr lang="en-US" sz="2000" dirty="0">
                 <a:latin typeface="Segoe UI Semibold" panose="020B0702040204020203" pitchFamily="34" charset="0"/>
                 <a:cs typeface="Segoe UI Semibold" panose="020B0702040204020203" pitchFamily="34" charset="0"/>
               </a:rPr>
@@ -9234,21 +9329,21 @@
               <a:buChar char="•"/>
             </a:pPr>
             <a:r>
-              <a:rPr lang="en-US" sz="1600" dirty="0">
+              <a:rPr lang="en-US" sz="2000" dirty="0">
                 <a:latin typeface="Segoe UI Semibold" panose="020B0702040204020203" pitchFamily="34" charset="0"/>
                 <a:cs typeface="Segoe UI Semibold" panose="020B0702040204020203" pitchFamily="34" charset="0"/>
               </a:rPr>
               <a:t>Add </a:t>
             </a:r>
             <a:r>
-              <a:rPr lang="en-US" sz="1600" b="1" dirty="0">
+              <a:rPr lang="en-US" sz="2000" b="1" dirty="0">
                 <a:latin typeface="Segoe UI Semibold" panose="020B0702040204020203" pitchFamily="34" charset="0"/>
                 <a:cs typeface="Segoe UI Semibold" panose="020B0702040204020203" pitchFamily="34" charset="0"/>
               </a:rPr>
               <a:t>PLUGIN</a:t>
             </a:r>
             <a:r>
-              <a:rPr lang="en-US" sz="1600" dirty="0">
+              <a:rPr lang="en-US" sz="2000" dirty="0">
                 <a:latin typeface="Segoe UI Semibold" panose="020B0702040204020203" pitchFamily="34" charset="0"/>
                 <a:cs typeface="Segoe UI Semibold" panose="020B0702040204020203" pitchFamily="34" charset="0"/>
               </a:rPr>
@@ -9264,28 +9359,28 @@
               <a:buChar char="•"/>
             </a:pPr>
             <a:r>
-              <a:rPr lang="en-US" sz="1600" b="1" dirty="0">
+              <a:rPr lang="en-US" sz="2000" b="1" dirty="0">
                 <a:latin typeface="Segoe UI Semibold" panose="020B0702040204020203" pitchFamily="34" charset="0"/>
                 <a:cs typeface="Segoe UI Semibold" panose="020B0702040204020203" pitchFamily="34" charset="0"/>
               </a:rPr>
               <a:t>CONFIGURE</a:t>
             </a:r>
             <a:r>
-              <a:rPr lang="en-US" sz="1600" dirty="0">
+              <a:rPr lang="en-US" sz="2000" dirty="0">
                 <a:latin typeface="Segoe UI Semibold" panose="020B0702040204020203" pitchFamily="34" charset="0"/>
                 <a:cs typeface="Segoe UI Semibold" panose="020B0702040204020203" pitchFamily="34" charset="0"/>
               </a:rPr>
               <a:t> &amp; </a:t>
             </a:r>
             <a:r>
-              <a:rPr lang="en-US" sz="1600" b="1" dirty="0">
+              <a:rPr lang="en-US" sz="2000" b="1" dirty="0">
                 <a:latin typeface="Segoe UI Semibold" panose="020B0702040204020203" pitchFamily="34" charset="0"/>
                 <a:cs typeface="Segoe UI Semibold" panose="020B0702040204020203" pitchFamily="34" charset="0"/>
               </a:rPr>
               <a:t>INITIALIZE</a:t>
             </a:r>
             <a:r>
-              <a:rPr lang="en-US" sz="1600" dirty="0">
+              <a:rPr lang="en-US" sz="2000" dirty="0">
                 <a:latin typeface="Segoe UI Semibold" panose="020B0702040204020203" pitchFamily="34" charset="0"/>
                 <a:cs typeface="Segoe UI Semibold" panose="020B0702040204020203" pitchFamily="34" charset="0"/>
               </a:rPr>
@@ -10059,10 +10154,10 @@
       </p:grpSpPr>
       <p:pic>
         <p:nvPicPr>
-          <p:cNvPr id="9" name="Picture 8">
-            <a:extLst>
-              <a:ext uri="{FF2B5EF4-FFF2-40B4-BE49-F238E27FC236}">
-                <a16:creationId xmlns:a16="http://schemas.microsoft.com/office/drawing/2014/main" id="{39E83B63-DAE7-4E06-A56F-CF1576B89936}"/>
+          <p:cNvPr id="7" name="Picture 3">
+            <a:extLst>
+              <a:ext uri="{FF2B5EF4-FFF2-40B4-BE49-F238E27FC236}">
+                <a16:creationId xmlns:a16="http://schemas.microsoft.com/office/drawing/2014/main" id="{9CE1B6E2-2A64-4173-88B7-0CAE0DEF96EB}"/>
               </a:ext>
             </a:extLst>
           </p:cNvPr>
@@ -10556,8 +10651,8 @@
         </p:nvSpPr>
         <p:spPr>
           <a:xfrm>
-            <a:off x="0" y="886691"/>
-            <a:ext cx="12192000" cy="2205182"/>
+            <a:off x="0" y="886690"/>
+            <a:ext cx="12192000" cy="3030481"/>
           </a:xfrm>
         </p:spPr>
         <p:txBody>
@@ -10566,6 +10661,11 @@
           </a:bodyPr>
           <a:lstStyle/>
           <a:p>
+            <a:pPr>
+              <a:lnSpc>
+                <a:spcPct val="150000"/>
+              </a:lnSpc>
+            </a:pPr>
             <a:r>
               <a:rPr lang="en-US" sz="4000" b="1" dirty="0">
                 <a:latin typeface="Segoe UI Semibold" panose="020B0702040204020203" pitchFamily="34" charset="0"/>
@@ -10779,7 +10879,7 @@
         </p:nvSpPr>
         <p:spPr>
           <a:xfrm>
-            <a:off x="738908" y="334674"/>
+            <a:off x="896057" y="708747"/>
             <a:ext cx="5225664" cy="1214296"/>
           </a:xfrm>
         </p:spPr>
@@ -10795,8 +10895,8 @@
                 <a:solidFill>
                   <a:srgbClr val="0041C6"/>
                 </a:solidFill>
-                <a:latin typeface="Segoe UI Light" panose="020B0502040204020203" pitchFamily="34" charset="0"/>
-                <a:cs typeface="Segoe UI Light" panose="020B0502040204020203" pitchFamily="34" charset="0"/>
+                <a:latin typeface="Segoe UI Semibold" panose="020B0702040204020203" pitchFamily="34" charset="0"/>
+                <a:cs typeface="Segoe UI Semibold" panose="020B0702040204020203" pitchFamily="34" charset="0"/>
               </a:rPr>
               <a:t>Database Practices</a:t>
             </a:r>
@@ -10805,21 +10905,17 @@
                 <a:solidFill>
                   <a:srgbClr val="0041C6"/>
                 </a:solidFill>
-                <a:latin typeface="Segoe UI Light" panose="020B0502040204020203" pitchFamily="34" charset="0"/>
-                <a:cs typeface="Segoe UI Light" panose="020B0502040204020203" pitchFamily="34" charset="0"/>
+                <a:latin typeface="Segoe UI Semibold" panose="020B0702040204020203" pitchFamily="34" charset="0"/>
+                <a:cs typeface="Segoe UI Semibold" panose="020B0702040204020203" pitchFamily="34" charset="0"/>
               </a:rPr>
             </a:br>
             <a:r>
               <a:rPr lang="en-US" sz="4000" b="1" dirty="0">
-                <a:latin typeface="Segoe UI Light" panose="020B0502040204020203" pitchFamily="34" charset="0"/>
-                <a:cs typeface="Segoe UI Light" panose="020B0502040204020203" pitchFamily="34" charset="0"/>
+                <a:latin typeface="Segoe UI Semibold" panose="020B0702040204020203" pitchFamily="34" charset="0"/>
+                <a:cs typeface="Segoe UI Semibold" panose="020B0702040204020203" pitchFamily="34" charset="0"/>
               </a:rPr>
               <a:t>Ideal Design</a:t>
             </a:r>
-            <a:endParaRPr lang="en-US" sz="4000" b="1" dirty="0">
-              <a:latin typeface="Segoe UI Semibold" panose="020B0702040204020203" pitchFamily="34" charset="0"/>
-              <a:cs typeface="Segoe UI Semibold" panose="020B0702040204020203" pitchFamily="34" charset="0"/>
-            </a:endParaRPr>
           </a:p>
         </p:txBody>
       </p:sp>
@@ -11134,8 +11230,8 @@
         </p:nvSpPr>
         <p:spPr>
           <a:xfrm>
-            <a:off x="738908" y="1719744"/>
-            <a:ext cx="5566358" cy="4360334"/>
+            <a:off x="915628" y="2023318"/>
+            <a:ext cx="6003753" cy="4360334"/>
           </a:xfrm>
           <a:prstGeom prst="rect">
             <a:avLst/>
@@ -11318,14 +11414,14 @@
               <a:buChar char="•"/>
             </a:pPr>
             <a:r>
-              <a:rPr lang="en-US" sz="1500" dirty="0">
+              <a:rPr lang="en-US" sz="1600" dirty="0">
                 <a:latin typeface="Segoe UI Semibold" panose="020B0702040204020203" pitchFamily="34" charset="0"/>
                 <a:cs typeface="Segoe UI Semibold" panose="020B0702040204020203" pitchFamily="34" charset="0"/>
               </a:rPr>
               <a:t>Every module owns its </a:t>
             </a:r>
             <a:r>
-              <a:rPr lang="en-US" sz="1500" dirty="0">
+              <a:rPr lang="en-US" sz="1600" dirty="0">
                 <a:latin typeface="Segoe UI Black" panose="020B0A02040204020203" pitchFamily="34" charset="0"/>
                 <a:ea typeface="Segoe UI Black" panose="020B0A02040204020203" pitchFamily="34" charset="0"/>
                 <a:cs typeface="Segoe UI Semibold" panose="020B0702040204020203" pitchFamily="34" charset="0"/>
@@ -11333,7 +11429,7 @@
               <a:t>isolated database </a:t>
             </a:r>
             <a:r>
-              <a:rPr lang="en-US" sz="1500" dirty="0">
+              <a:rPr lang="en-US" sz="1600" dirty="0">
                 <a:latin typeface="Segoe UI Semibold" panose="020B0702040204020203" pitchFamily="34" charset="0"/>
                 <a:cs typeface="Segoe UI Semibold" panose="020B0702040204020203" pitchFamily="34" charset="0"/>
               </a:rPr>
@@ -11349,14 +11445,14 @@
               <a:buChar char="•"/>
             </a:pPr>
             <a:r>
-              <a:rPr lang="en-US" sz="1500" dirty="0">
+              <a:rPr lang="en-US" sz="1600" dirty="0">
                 <a:latin typeface="Segoe UI Semibold" panose="020B0702040204020203" pitchFamily="34" charset="0"/>
                 <a:cs typeface="Segoe UI Semibold" panose="020B0702040204020203" pitchFamily="34" charset="0"/>
               </a:rPr>
               <a:t>Every module may use a </a:t>
             </a:r>
             <a:r>
-              <a:rPr lang="en-US" sz="1500" dirty="0">
+              <a:rPr lang="en-US" sz="1600" dirty="0">
                 <a:latin typeface="Segoe UI Black" panose="020B0A02040204020203" pitchFamily="34" charset="0"/>
                 <a:ea typeface="Segoe UI Black" panose="020B0A02040204020203" pitchFamily="34" charset="0"/>
                 <a:cs typeface="Segoe UI Semibold" panose="020B0702040204020203" pitchFamily="34" charset="0"/>
@@ -11364,7 +11460,7 @@
               <a:t>different ORM </a:t>
             </a:r>
             <a:r>
-              <a:rPr lang="en-US" sz="1500" dirty="0">
+              <a:rPr lang="en-US" sz="1600" dirty="0">
                 <a:latin typeface="Segoe UI Semibold" panose="020B0702040204020203" pitchFamily="34" charset="0"/>
                 <a:cs typeface="Segoe UI Semibold" panose="020B0702040204020203" pitchFamily="34" charset="0"/>
               </a:rPr>
@@ -11380,14 +11476,14 @@
               <a:buChar char="•"/>
             </a:pPr>
             <a:r>
-              <a:rPr lang="en-US" sz="1400" dirty="0">
+              <a:rPr lang="en-US" sz="1600" dirty="0">
                 <a:latin typeface="Segoe UI Semibold" panose="020B0702040204020203" pitchFamily="34" charset="0"/>
                 <a:cs typeface="Segoe UI Semibold" panose="020B0702040204020203" pitchFamily="34" charset="0"/>
               </a:rPr>
               <a:t>For EF Core, every module has its </a:t>
             </a:r>
             <a:r>
-              <a:rPr lang="en-US" sz="1400" dirty="0">
+              <a:rPr lang="en-US" sz="1600" dirty="0">
                 <a:latin typeface="Segoe UI Black" panose="020B0A02040204020203" pitchFamily="34" charset="0"/>
                 <a:ea typeface="Segoe UI Black" panose="020B0A02040204020203" pitchFamily="34" charset="0"/>
                 <a:cs typeface="Segoe UI Semibold" panose="020B0702040204020203" pitchFamily="34" charset="0"/>
@@ -11395,7 +11491,7 @@
               <a:t>own </a:t>
             </a:r>
             <a:r>
-              <a:rPr lang="en-US" sz="1400" dirty="0" err="1">
+              <a:rPr lang="en-US" sz="1600" dirty="0" err="1">
                 <a:latin typeface="Segoe UI Black" panose="020B0A02040204020203" pitchFamily="34" charset="0"/>
                 <a:ea typeface="Segoe UI Black" panose="020B0A02040204020203" pitchFamily="34" charset="0"/>
                 <a:cs typeface="Segoe UI Semibold" panose="020B0702040204020203" pitchFamily="34" charset="0"/>
@@ -11403,7 +11499,7 @@
               <a:t>DbContext</a:t>
             </a:r>
             <a:r>
-              <a:rPr lang="en-US" sz="1400" dirty="0">
+              <a:rPr lang="en-US" sz="1600" dirty="0">
                 <a:latin typeface="Segoe UI Semibold" panose="020B0702040204020203" pitchFamily="34" charset="0"/>
                 <a:cs typeface="Segoe UI Semibold" panose="020B0702040204020203" pitchFamily="34" charset="0"/>
               </a:rPr>
@@ -11419,14 +11515,14 @@
               <a:buChar char="•"/>
             </a:pPr>
             <a:r>
-              <a:rPr lang="en-US" sz="1500" dirty="0">
+              <a:rPr lang="en-US" sz="1600" dirty="0">
                 <a:latin typeface="Segoe UI Semibold" panose="020B0702040204020203" pitchFamily="34" charset="0"/>
                 <a:cs typeface="Segoe UI Semibold" panose="020B0702040204020203" pitchFamily="34" charset="0"/>
               </a:rPr>
               <a:t>Avoid to establish cross-module </a:t>
             </a:r>
             <a:r>
-              <a:rPr lang="en-US" sz="1500" dirty="0">
+              <a:rPr lang="en-US" sz="1600" dirty="0">
                 <a:latin typeface="Segoe UI Black" panose="020B0A02040204020203" pitchFamily="34" charset="0"/>
                 <a:ea typeface="Segoe UI Black" panose="020B0A02040204020203" pitchFamily="34" charset="0"/>
                 <a:cs typeface="Segoe UI Semibold" panose="020B0702040204020203" pitchFamily="34" charset="0"/>
@@ -11434,7 +11530,7 @@
               <a:t>foreign keys</a:t>
             </a:r>
             <a:r>
-              <a:rPr lang="en-US" sz="1500" dirty="0">
+              <a:rPr lang="en-US" sz="1600" dirty="0">
                 <a:latin typeface="Segoe UI Semibold" panose="020B0702040204020203" pitchFamily="34" charset="0"/>
                 <a:cs typeface="Segoe UI Semibold" panose="020B0702040204020203" pitchFamily="34" charset="0"/>
               </a:rPr>
@@ -11450,14 +11546,14 @@
               <a:buChar char="•"/>
             </a:pPr>
             <a:r>
-              <a:rPr lang="en-US" sz="1500" dirty="0">
+              <a:rPr lang="en-US" sz="1600" dirty="0">
                 <a:latin typeface="Segoe UI Semibold" panose="020B0702040204020203" pitchFamily="34" charset="0"/>
                 <a:cs typeface="Segoe UI Semibold" panose="020B0702040204020203" pitchFamily="34" charset="0"/>
               </a:rPr>
               <a:t>Multiple module may use the </a:t>
             </a:r>
             <a:r>
-              <a:rPr lang="en-US" sz="1500" dirty="0">
+              <a:rPr lang="en-US" sz="1600" dirty="0">
                 <a:latin typeface="Segoe UI Black" panose="020B0A02040204020203" pitchFamily="34" charset="0"/>
                 <a:ea typeface="Segoe UI Black" panose="020B0A02040204020203" pitchFamily="34" charset="0"/>
                 <a:cs typeface="Segoe UI Semibold" panose="020B0702040204020203" pitchFamily="34" charset="0"/>
@@ -11465,7 +11561,7 @@
               <a:t>same physical database </a:t>
             </a:r>
             <a:r>
-              <a:rPr lang="en-US" sz="1500" dirty="0">
+              <a:rPr lang="en-US" sz="1600" dirty="0">
                 <a:latin typeface="Segoe UI Semibold" panose="020B0702040204020203" pitchFamily="34" charset="0"/>
                 <a:cs typeface="Segoe UI Semibold" panose="020B0702040204020203" pitchFamily="34" charset="0"/>
               </a:rPr>
@@ -12162,10 +12258,10 @@
       </p:grpSpPr>
       <p:pic>
         <p:nvPicPr>
-          <p:cNvPr id="9" name="Picture 8">
-            <a:extLst>
-              <a:ext uri="{FF2B5EF4-FFF2-40B4-BE49-F238E27FC236}">
-                <a16:creationId xmlns:a16="http://schemas.microsoft.com/office/drawing/2014/main" id="{39E83B63-DAE7-4E06-A56F-CF1576B89936}"/>
+          <p:cNvPr id="7" name="Picture 3">
+            <a:extLst>
+              <a:ext uri="{FF2B5EF4-FFF2-40B4-BE49-F238E27FC236}">
+                <a16:creationId xmlns:a16="http://schemas.microsoft.com/office/drawing/2014/main" id="{E38823D0-98DB-4295-904A-64BC87950C52}"/>
               </a:ext>
             </a:extLst>
           </p:cNvPr>
@@ -12214,7 +12310,7 @@
         </p:nvSpPr>
         <p:spPr>
           <a:xfrm>
-            <a:off x="738907" y="509592"/>
+            <a:off x="1622323" y="1026974"/>
             <a:ext cx="5429880" cy="654531"/>
           </a:xfrm>
         </p:spPr>
@@ -12549,8 +12645,8 @@
         </p:nvSpPr>
         <p:spPr>
           <a:xfrm>
-            <a:off x="738907" y="1398170"/>
-            <a:ext cx="9514801" cy="4851710"/>
+            <a:off x="1622323" y="1964508"/>
+            <a:ext cx="8631385" cy="4851710"/>
           </a:xfrm>
           <a:prstGeom prst="rect">
             <a:avLst/>
@@ -12727,7 +12823,7 @@
           <a:p>
             <a:pPr marL="285750" indent="-285750" algn="l">
               <a:lnSpc>
-                <a:spcPct val="150000"/>
+                <a:spcPct val="100000"/>
               </a:lnSpc>
               <a:buFont typeface="Arial" panose="020B0604020202020204" pitchFamily="34" charset="0"/>
               <a:buChar char="•"/>
@@ -12743,7 +12839,7 @@
           <a:p>
             <a:pPr marL="285750" indent="-285750" algn="l">
               <a:lnSpc>
-                <a:spcPct val="150000"/>
+                <a:spcPct val="100000"/>
               </a:lnSpc>
               <a:buFont typeface="Arial" panose="020B0604020202020204" pitchFamily="34" charset="0"/>
               <a:buChar char="•"/>
@@ -12753,13 +12849,13 @@
                 <a:latin typeface="Segoe UI Semibold" panose="020B0702040204020203" pitchFamily="34" charset="0"/>
                 <a:cs typeface="Segoe UI Semibold" panose="020B0702040204020203" pitchFamily="34" charset="0"/>
               </a:rPr>
-              <a:t>Monolithic vs Modular vs Microservice architectures.</a:t>
+              <a:t>The need Monolithic vs Modular vs Microservice architectures.</a:t>
             </a:r>
           </a:p>
           <a:p>
             <a:pPr marL="285750" indent="-285750" algn="l">
               <a:lnSpc>
-                <a:spcPct val="150000"/>
+                <a:spcPct val="100000"/>
               </a:lnSpc>
               <a:buFont typeface="Arial" panose="020B0604020202020204" pitchFamily="34" charset="0"/>
               <a:buChar char="•"/>
@@ -12769,13 +12865,13 @@
                 <a:latin typeface="Segoe UI Semibold" panose="020B0702040204020203" pitchFamily="34" charset="0"/>
                 <a:cs typeface="Segoe UI Semibold" panose="020B0702040204020203" pitchFamily="34" charset="0"/>
               </a:rPr>
-              <a:t>The need for an infrastructure/framework.</a:t>
+              <a:t>for an infrastructure/framework.</a:t>
             </a:r>
           </a:p>
           <a:p>
             <a:pPr marL="285750" indent="-285750" algn="l">
               <a:lnSpc>
-                <a:spcPct val="150000"/>
+                <a:spcPct val="100000"/>
               </a:lnSpc>
               <a:buFont typeface="Arial" panose="020B0604020202020204" pitchFamily="34" charset="0"/>
               <a:buChar char="•"/>
@@ -12791,7 +12887,7 @@
           <a:p>
             <a:pPr marL="285750" indent="-285750" algn="l">
               <a:lnSpc>
-                <a:spcPct val="150000"/>
+                <a:spcPct val="100000"/>
               </a:lnSpc>
               <a:buFont typeface="Arial" panose="020B0604020202020204" pitchFamily="34" charset="0"/>
               <a:buChar char="•"/>
@@ -12807,7 +12903,7 @@
           <a:p>
             <a:pPr marL="285750" indent="-285750" algn="l">
               <a:lnSpc>
-                <a:spcPct val="150000"/>
+                <a:spcPct val="100000"/>
               </a:lnSpc>
               <a:buFont typeface="Arial" panose="020B0604020202020204" pitchFamily="34" charset="0"/>
               <a:buChar char="•"/>
@@ -12837,7 +12933,7 @@
           <a:p>
             <a:pPr marL="285750" indent="-285750" algn="l">
               <a:lnSpc>
-                <a:spcPct val="150000"/>
+                <a:spcPct val="100000"/>
               </a:lnSpc>
               <a:buFont typeface="Arial" panose="020B0604020202020204" pitchFamily="34" charset="0"/>
               <a:buChar char="•"/>
@@ -12853,7 +12949,7 @@
           <a:p>
             <a:pPr marL="285750" indent="-285750" algn="l">
               <a:lnSpc>
-                <a:spcPct val="150000"/>
+                <a:spcPct val="100000"/>
               </a:lnSpc>
               <a:buFont typeface="Arial" panose="020B0604020202020204" pitchFamily="34" charset="0"/>
               <a:buChar char="•"/>
@@ -12938,7 +13034,7 @@
         </p:blipFill>
         <p:spPr>
           <a:xfrm>
-            <a:off x="0" y="0"/>
+            <a:off x="0" y="-5862"/>
             <a:ext cx="12192000" cy="6858000"/>
           </a:xfrm>
           <a:prstGeom prst="rect">
@@ -12964,7 +13060,7 @@
         </p:nvSpPr>
         <p:spPr>
           <a:xfrm>
-            <a:off x="738908" y="394284"/>
+            <a:off x="738908" y="754543"/>
             <a:ext cx="5839174" cy="1325460"/>
           </a:xfrm>
         </p:spPr>
@@ -12980,8 +13076,8 @@
                 <a:solidFill>
                   <a:srgbClr val="0041C6"/>
                 </a:solidFill>
-                <a:latin typeface="Segoe UI Light" panose="020B0502040204020203" pitchFamily="34" charset="0"/>
-                <a:cs typeface="Segoe UI Light" panose="020B0502040204020203" pitchFamily="34" charset="0"/>
+                <a:latin typeface="Segoe UI Semibold" panose="020B0702040204020203" pitchFamily="34" charset="0"/>
+                <a:cs typeface="Segoe UI Semibold" panose="020B0702040204020203" pitchFamily="34" charset="0"/>
               </a:rPr>
               <a:t>Database Practices</a:t>
             </a:r>
@@ -12990,14 +13086,14 @@
                 <a:solidFill>
                   <a:srgbClr val="0041C6"/>
                 </a:solidFill>
-                <a:latin typeface="Segoe UI Light" panose="020B0502040204020203" pitchFamily="34" charset="0"/>
-                <a:cs typeface="Segoe UI Light" panose="020B0502040204020203" pitchFamily="34" charset="0"/>
+                <a:latin typeface="Segoe UI Semibold" panose="020B0702040204020203" pitchFamily="34" charset="0"/>
+                <a:cs typeface="Segoe UI Semibold" panose="020B0702040204020203" pitchFamily="34" charset="0"/>
               </a:rPr>
             </a:br>
             <a:r>
               <a:rPr lang="en-US" sz="4000" b="1" dirty="0">
-                <a:latin typeface="Segoe UI Light" panose="020B0502040204020203" pitchFamily="34" charset="0"/>
-                <a:cs typeface="Segoe UI Light" panose="020B0502040204020203" pitchFamily="34" charset="0"/>
+                <a:latin typeface="Segoe UI Semibold" panose="020B0702040204020203" pitchFamily="34" charset="0"/>
+                <a:cs typeface="Segoe UI Semibold" panose="020B0702040204020203" pitchFamily="34" charset="0"/>
               </a:rPr>
               <a:t>Schema Dependency</a:t>
             </a:r>
@@ -13005,8 +13101,8 @@
               <a:solidFill>
                 <a:srgbClr val="0041C6"/>
               </a:solidFill>
-              <a:latin typeface="Segoe UI Light" panose="020B0502040204020203" pitchFamily="34" charset="0"/>
-              <a:cs typeface="Segoe UI Light" panose="020B0502040204020203" pitchFamily="34" charset="0"/>
+              <a:latin typeface="Segoe UI Semibold" panose="020B0702040204020203" pitchFamily="34" charset="0"/>
+              <a:cs typeface="Segoe UI Semibold" panose="020B0702040204020203" pitchFamily="34" charset="0"/>
             </a:endParaRPr>
           </a:p>
         </p:txBody>
@@ -13322,8 +13418,8 @@
         </p:nvSpPr>
         <p:spPr>
           <a:xfrm>
-            <a:off x="738908" y="1921080"/>
-            <a:ext cx="3925371" cy="4158998"/>
+            <a:off x="770030" y="2271402"/>
+            <a:ext cx="4593278" cy="4158998"/>
           </a:xfrm>
           <a:prstGeom prst="rect">
             <a:avLst/>
@@ -13506,7 +13602,7 @@
               <a:buChar char="•"/>
             </a:pPr>
             <a:r>
-              <a:rPr lang="en-US" sz="1600" dirty="0">
+              <a:rPr lang="en-US" sz="1800" dirty="0">
                 <a:latin typeface="Segoe UI Semibold" panose="020B0702040204020203" pitchFamily="34" charset="0"/>
                 <a:cs typeface="Segoe UI Semibold" panose="020B0702040204020203" pitchFamily="34" charset="0"/>
               </a:rPr>
@@ -13522,7 +13618,7 @@
               <a:buChar char="•"/>
             </a:pPr>
             <a:r>
-              <a:rPr lang="en-US" sz="1600" dirty="0">
+              <a:rPr lang="en-US" sz="1800" dirty="0">
                 <a:latin typeface="Segoe UI Semibold" panose="020B0702040204020203" pitchFamily="34" charset="0"/>
                 <a:cs typeface="Segoe UI Semibold" panose="020B0702040204020203" pitchFamily="34" charset="0"/>
               </a:rPr>
@@ -13538,21 +13634,21 @@
               <a:buChar char="•"/>
             </a:pPr>
             <a:r>
-              <a:rPr lang="en-US" sz="1400" dirty="0" err="1">
+              <a:rPr lang="en-US" sz="1800" dirty="0" err="1">
                 <a:latin typeface="Segoe UI Semibold" panose="020B0702040204020203" pitchFamily="34" charset="0"/>
                 <a:cs typeface="Segoe UI Semibold" panose="020B0702040204020203" pitchFamily="34" charset="0"/>
               </a:rPr>
               <a:t>PostCount</a:t>
             </a:r>
             <a:r>
-              <a:rPr lang="en-US" sz="1400" dirty="0">
+              <a:rPr lang="en-US" sz="1800" dirty="0">
                 <a:latin typeface="Segoe UI Semibold" panose="020B0702040204020203" pitchFamily="34" charset="0"/>
                 <a:cs typeface="Segoe UI Semibold" panose="020B0702040204020203" pitchFamily="34" charset="0"/>
               </a:rPr>
               <a:t> should be </a:t>
             </a:r>
             <a:r>
-              <a:rPr lang="en-US" sz="1400" dirty="0">
+              <a:rPr lang="en-US" sz="1800" dirty="0">
                 <a:latin typeface="Segoe UI Semibold" panose="020B0702040204020203" pitchFamily="34" charset="0"/>
                 <a:ea typeface="Segoe UI Black" panose="020B0A02040204020203" pitchFamily="34" charset="0"/>
                 <a:cs typeface="Segoe UI Semibold" panose="020B0702040204020203" pitchFamily="34" charset="0"/>
@@ -13560,14 +13656,14 @@
               <a:t>nullable</a:t>
             </a:r>
             <a:r>
-              <a:rPr lang="en-US" sz="1400" dirty="0">
+              <a:rPr lang="en-US" sz="1800" dirty="0">
                 <a:latin typeface="Segoe UI Semibold" panose="020B0702040204020203" pitchFamily="34" charset="0"/>
                 <a:cs typeface="Segoe UI Semibold" panose="020B0702040204020203" pitchFamily="34" charset="0"/>
               </a:rPr>
               <a:t> or should have a </a:t>
             </a:r>
             <a:r>
-              <a:rPr lang="en-US" sz="1400" dirty="0">
+              <a:rPr lang="en-US" sz="1800" dirty="0">
                 <a:latin typeface="Segoe UI Semibold" panose="020B0702040204020203" pitchFamily="34" charset="0"/>
                 <a:ea typeface="Segoe UI Black" panose="020B0A02040204020203" pitchFamily="34" charset="0"/>
                 <a:cs typeface="Segoe UI Semibold" panose="020B0702040204020203" pitchFamily="34" charset="0"/>
@@ -13575,7 +13671,7 @@
               <a:t>default value</a:t>
             </a:r>
             <a:r>
-              <a:rPr lang="en-US" sz="1400" dirty="0">
+              <a:rPr lang="en-US" sz="1800" dirty="0">
                 <a:latin typeface="Segoe UI Semibold" panose="020B0702040204020203" pitchFamily="34" charset="0"/>
                 <a:cs typeface="Segoe UI Semibold" panose="020B0702040204020203" pitchFamily="34" charset="0"/>
               </a:rPr>
@@ -13591,7 +13687,7 @@
               <a:buChar char="•"/>
             </a:pPr>
             <a:r>
-              <a:rPr lang="en-US" sz="1400" dirty="0">
+              <a:rPr lang="en-US" sz="1800" dirty="0">
                 <a:latin typeface="Segoe UI Semibold" panose="020B0702040204020203" pitchFamily="34" charset="0"/>
                 <a:cs typeface="Segoe UI Semibold" panose="020B0702040204020203" pitchFamily="34" charset="0"/>
               </a:rPr>
@@ -13607,7 +13703,7 @@
               <a:buChar char="•"/>
             </a:pPr>
             <a:r>
-              <a:rPr lang="en-US" sz="1600" dirty="0">
+              <a:rPr lang="en-US" sz="1800" dirty="0">
                 <a:latin typeface="Segoe UI Semibold" panose="020B0702040204020203" pitchFamily="34" charset="0"/>
                 <a:cs typeface="Segoe UI Semibold" panose="020B0702040204020203" pitchFamily="34" charset="0"/>
               </a:rPr>
@@ -14083,7 +14179,7 @@
         </p:nvSpPr>
         <p:spPr>
           <a:xfrm>
-            <a:off x="738908" y="394284"/>
+            <a:off x="869446" y="976130"/>
             <a:ext cx="5839174" cy="1325460"/>
           </a:xfrm>
         </p:spPr>
@@ -14099,8 +14195,8 @@
                 <a:solidFill>
                   <a:srgbClr val="0041C6"/>
                 </a:solidFill>
-                <a:latin typeface="Segoe UI Light" panose="020B0502040204020203" pitchFamily="34" charset="0"/>
-                <a:cs typeface="Segoe UI Light" panose="020B0502040204020203" pitchFamily="34" charset="0"/>
+                <a:latin typeface="Segoe UI Semibold" panose="020B0702040204020203" pitchFamily="34" charset="0"/>
+                <a:cs typeface="Segoe UI Semibold" panose="020B0702040204020203" pitchFamily="34" charset="0"/>
               </a:rPr>
               <a:t>Database Practices</a:t>
             </a:r>
@@ -14109,14 +14205,14 @@
                 <a:solidFill>
                   <a:srgbClr val="0041C6"/>
                 </a:solidFill>
-                <a:latin typeface="Segoe UI Light" panose="020B0502040204020203" pitchFamily="34" charset="0"/>
-                <a:cs typeface="Segoe UI Light" panose="020B0502040204020203" pitchFamily="34" charset="0"/>
+                <a:latin typeface="Segoe UI Semibold" panose="020B0702040204020203" pitchFamily="34" charset="0"/>
+                <a:cs typeface="Segoe UI Semibold" panose="020B0702040204020203" pitchFamily="34" charset="0"/>
               </a:rPr>
             </a:br>
             <a:r>
               <a:rPr lang="en-US" sz="4000" b="1" dirty="0">
-                <a:latin typeface="Segoe UI Light" panose="020B0502040204020203" pitchFamily="34" charset="0"/>
-                <a:cs typeface="Segoe UI Light" panose="020B0502040204020203" pitchFamily="34" charset="0"/>
+                <a:latin typeface="Segoe UI Semibold" panose="020B0702040204020203" pitchFamily="34" charset="0"/>
+                <a:cs typeface="Segoe UI Semibold" panose="020B0702040204020203" pitchFamily="34" charset="0"/>
               </a:rPr>
               <a:t>Loosely Coupling</a:t>
             </a:r>
@@ -14434,7 +14530,7 @@
         </p:nvSpPr>
         <p:spPr>
           <a:xfrm>
-            <a:off x="738908" y="1921080"/>
+            <a:off x="900151" y="2387593"/>
             <a:ext cx="3889076" cy="4158998"/>
           </a:xfrm>
           <a:prstGeom prst="rect">
@@ -14618,7 +14714,7 @@
               <a:buChar char="•"/>
             </a:pPr>
             <a:r>
-              <a:rPr lang="en-US" sz="1600" dirty="0">
+              <a:rPr lang="en-US" sz="1800" dirty="0">
                 <a:latin typeface="Segoe UI Semibold" panose="020B0702040204020203" pitchFamily="34" charset="0"/>
                 <a:cs typeface="Segoe UI Semibold" panose="020B0702040204020203" pitchFamily="34" charset="0"/>
               </a:rPr>
@@ -14634,7 +14730,7 @@
               <a:buChar char="•"/>
             </a:pPr>
             <a:r>
-              <a:rPr lang="en-US" sz="1600" dirty="0">
+              <a:rPr lang="en-US" sz="1800" dirty="0">
                 <a:latin typeface="Segoe UI Semibold" panose="020B0702040204020203" pitchFamily="34" charset="0"/>
                 <a:cs typeface="Segoe UI Semibold" panose="020B0702040204020203" pitchFamily="34" charset="0"/>
               </a:rPr>
@@ -14650,7 +14746,7 @@
               <a:buChar char="•"/>
             </a:pPr>
             <a:r>
-              <a:rPr lang="en-US" sz="1600" dirty="0">
+              <a:rPr lang="en-US" sz="1800" dirty="0">
                 <a:latin typeface="Segoe UI Semibold" panose="020B0702040204020203" pitchFamily="34" charset="0"/>
                 <a:cs typeface="Segoe UI Semibold" panose="020B0702040204020203" pitchFamily="34" charset="0"/>
               </a:rPr>
@@ -14666,7 +14762,7 @@
               <a:buChar char="•"/>
             </a:pPr>
             <a:r>
-              <a:rPr lang="en-US" sz="1600" dirty="0">
+              <a:rPr lang="en-US" sz="1800" dirty="0">
                 <a:latin typeface="Segoe UI Semibold" panose="020B0702040204020203" pitchFamily="34" charset="0"/>
                 <a:cs typeface="Segoe UI Semibold" panose="020B0702040204020203" pitchFamily="34" charset="0"/>
               </a:rPr>
@@ -14682,7 +14778,7 @@
               <a:buChar char="•"/>
             </a:pPr>
             <a:r>
-              <a:rPr lang="en-US" sz="1600" dirty="0">
+              <a:rPr lang="en-US" sz="1800" dirty="0">
                 <a:latin typeface="Segoe UI Semibold" panose="020B0702040204020203" pitchFamily="34" charset="0"/>
                 <a:cs typeface="Segoe UI Semibold" panose="020B0702040204020203" pitchFamily="34" charset="0"/>
               </a:rPr>
@@ -15293,7 +15389,7 @@
         </p:nvSpPr>
         <p:spPr>
           <a:xfrm>
-            <a:off x="738908" y="394284"/>
+            <a:off x="860678" y="840487"/>
             <a:ext cx="5839174" cy="1325460"/>
           </a:xfrm>
         </p:spPr>
@@ -15309,8 +15405,8 @@
                 <a:solidFill>
                   <a:srgbClr val="0041C6"/>
                 </a:solidFill>
-                <a:latin typeface="Segoe UI Light" panose="020B0502040204020203" pitchFamily="34" charset="0"/>
-                <a:cs typeface="Segoe UI Light" panose="020B0502040204020203" pitchFamily="34" charset="0"/>
+                <a:latin typeface="Segoe UI Semibold" panose="020B0702040204020203" pitchFamily="34" charset="0"/>
+                <a:cs typeface="Segoe UI Semibold" panose="020B0702040204020203" pitchFamily="34" charset="0"/>
               </a:rPr>
               <a:t>Database Practices</a:t>
             </a:r>
@@ -15319,14 +15415,14 @@
                 <a:solidFill>
                   <a:srgbClr val="0041C6"/>
                 </a:solidFill>
-                <a:latin typeface="Segoe UI Light" panose="020B0502040204020203" pitchFamily="34" charset="0"/>
-                <a:cs typeface="Segoe UI Light" panose="020B0502040204020203" pitchFamily="34" charset="0"/>
+                <a:latin typeface="Segoe UI Semibold" panose="020B0702040204020203" pitchFamily="34" charset="0"/>
+                <a:cs typeface="Segoe UI Semibold" panose="020B0702040204020203" pitchFamily="34" charset="0"/>
               </a:rPr>
             </a:br>
             <a:r>
               <a:rPr lang="en-US" sz="4000" b="1" dirty="0">
-                <a:latin typeface="Segoe UI Light" panose="020B0502040204020203" pitchFamily="34" charset="0"/>
-                <a:cs typeface="Segoe UI Light" panose="020B0502040204020203" pitchFamily="34" charset="0"/>
+                <a:latin typeface="Segoe UI Semibold" panose="020B0702040204020203" pitchFamily="34" charset="0"/>
+                <a:cs typeface="Segoe UI Semibold" panose="020B0702040204020203" pitchFamily="34" charset="0"/>
               </a:rPr>
               <a:t>Adapter Libraries</a:t>
             </a:r>
@@ -15334,8 +15430,8 @@
               <a:solidFill>
                 <a:srgbClr val="0041C6"/>
               </a:solidFill>
-              <a:latin typeface="Segoe UI Light" panose="020B0502040204020203" pitchFamily="34" charset="0"/>
-              <a:cs typeface="Segoe UI Light" panose="020B0502040204020203" pitchFamily="34" charset="0"/>
+              <a:latin typeface="Segoe UI Semibold" panose="020B0702040204020203" pitchFamily="34" charset="0"/>
+              <a:cs typeface="Segoe UI Semibold" panose="020B0702040204020203" pitchFamily="34" charset="0"/>
             </a:endParaRPr>
           </a:p>
         </p:txBody>
@@ -15651,7 +15747,7 @@
         </p:nvSpPr>
         <p:spPr>
           <a:xfrm>
-            <a:off x="738907" y="1921080"/>
+            <a:off x="845211" y="2324929"/>
             <a:ext cx="4612413" cy="4158998"/>
           </a:xfrm>
           <a:prstGeom prst="rect">
@@ -15835,14 +15931,14 @@
               <a:buChar char="•"/>
             </a:pPr>
             <a:r>
-              <a:rPr lang="en-US" sz="1600" dirty="0">
+              <a:rPr lang="en-US" sz="2000" dirty="0">
                 <a:latin typeface="Segoe UI Semibold" panose="020B0702040204020203" pitchFamily="34" charset="0"/>
                 <a:cs typeface="Segoe UI Semibold" panose="020B0702040204020203" pitchFamily="34" charset="0"/>
               </a:rPr>
               <a:t>Identity modules has </a:t>
             </a:r>
             <a:r>
-              <a:rPr lang="en-US" sz="1600" dirty="0">
+              <a:rPr lang="en-US" sz="2000" dirty="0">
                 <a:latin typeface="Segoe UI Black" panose="020B0A02040204020203" pitchFamily="34" charset="0"/>
                 <a:ea typeface="Segoe UI Black" panose="020B0A02040204020203" pitchFamily="34" charset="0"/>
                 <a:cs typeface="Segoe UI Semibold" panose="020B0702040204020203" pitchFamily="34" charset="0"/>
@@ -15850,7 +15946,7 @@
               <a:t>no change </a:t>
             </a:r>
             <a:r>
-              <a:rPr lang="en-US" sz="1600" dirty="0">
+              <a:rPr lang="en-US" sz="2000" dirty="0">
                 <a:latin typeface="Segoe UI Semibold" panose="020B0702040204020203" pitchFamily="34" charset="0"/>
                 <a:cs typeface="Segoe UI Semibold" panose="020B0702040204020203" pitchFamily="34" charset="0"/>
               </a:rPr>
@@ -15866,14 +15962,14 @@
               <a:buChar char="•"/>
             </a:pPr>
             <a:r>
-              <a:rPr lang="en-US" sz="1600" dirty="0">
+              <a:rPr lang="en-US" sz="2000" dirty="0">
                 <a:latin typeface="Segoe UI Semibold" panose="020B0702040204020203" pitchFamily="34" charset="0"/>
                 <a:cs typeface="Segoe UI Semibold" panose="020B0702040204020203" pitchFamily="34" charset="0"/>
               </a:rPr>
               <a:t>Blogging module defines </a:t>
             </a:r>
             <a:r>
-              <a:rPr lang="en-US" sz="1600" dirty="0">
+              <a:rPr lang="en-US" sz="2000" dirty="0">
                 <a:latin typeface="Segoe UI Black" panose="020B0A02040204020203" pitchFamily="34" charset="0"/>
                 <a:ea typeface="Segoe UI Black" panose="020B0A02040204020203" pitchFamily="34" charset="0"/>
                 <a:cs typeface="Segoe UI Semibold" panose="020B0702040204020203" pitchFamily="34" charset="0"/>
@@ -15881,7 +15977,7 @@
               <a:t>abstractions</a:t>
             </a:r>
             <a:r>
-              <a:rPr lang="en-US" sz="1600" dirty="0">
+              <a:rPr lang="en-US" sz="2000" dirty="0">
                 <a:latin typeface="Segoe UI Semibold" panose="020B0702040204020203" pitchFamily="34" charset="0"/>
                 <a:cs typeface="Segoe UI Semibold" panose="020B0702040204020203" pitchFamily="34" charset="0"/>
               </a:rPr>
@@ -15897,21 +15993,21 @@
               <a:buChar char="•"/>
             </a:pPr>
             <a:r>
-              <a:rPr lang="en-US" sz="1600" dirty="0" err="1">
+              <a:rPr lang="en-US" sz="2000" dirty="0" err="1">
                 <a:latin typeface="Segoe UI Semibold" panose="020B0702040204020203" pitchFamily="34" charset="0"/>
                 <a:cs typeface="Segoe UI Semibold" panose="020B0702040204020203" pitchFamily="34" charset="0"/>
               </a:rPr>
               <a:t>Blogging.Identity</a:t>
             </a:r>
             <a:r>
-              <a:rPr lang="en-US" sz="1600" dirty="0">
+              <a:rPr lang="en-US" sz="2000" dirty="0">
                 <a:latin typeface="Segoe UI Semibold" panose="020B0702040204020203" pitchFamily="34" charset="0"/>
                 <a:cs typeface="Segoe UI Semibold" panose="020B0702040204020203" pitchFamily="34" charset="0"/>
               </a:rPr>
               <a:t> (</a:t>
             </a:r>
             <a:r>
-              <a:rPr lang="en-US" sz="1600" dirty="0">
+              <a:rPr lang="en-US" sz="2000" dirty="0">
                 <a:latin typeface="Segoe UI Black" panose="020B0A02040204020203" pitchFamily="34" charset="0"/>
                 <a:ea typeface="Segoe UI Black" panose="020B0A02040204020203" pitchFamily="34" charset="0"/>
                 <a:cs typeface="Segoe UI Semibold" panose="020B0702040204020203" pitchFamily="34" charset="0"/>
@@ -15919,7 +16015,7 @@
               <a:t>adapter</a:t>
             </a:r>
             <a:r>
-              <a:rPr lang="en-US" sz="1600" dirty="0">
+              <a:rPr lang="en-US" sz="2000" dirty="0">
                 <a:latin typeface="Segoe UI Semibold" panose="020B0702040204020203" pitchFamily="34" charset="0"/>
                 <a:cs typeface="Segoe UI Semibold" panose="020B0702040204020203" pitchFamily="34" charset="0"/>
               </a:rPr>
@@ -16610,10 +16706,10 @@
       </p:grpSpPr>
       <p:pic>
         <p:nvPicPr>
-          <p:cNvPr id="9" name="Picture 8">
-            <a:extLst>
-              <a:ext uri="{FF2B5EF4-FFF2-40B4-BE49-F238E27FC236}">
-                <a16:creationId xmlns:a16="http://schemas.microsoft.com/office/drawing/2014/main" id="{39E83B63-DAE7-4E06-A56F-CF1576B89936}"/>
+          <p:cNvPr id="8" name="Picture 3">
+            <a:extLst>
+              <a:ext uri="{FF2B5EF4-FFF2-40B4-BE49-F238E27FC236}">
+                <a16:creationId xmlns:a16="http://schemas.microsoft.com/office/drawing/2014/main" id="{0783AF21-AD7C-4FCA-85BD-579EDDC001CC}"/>
               </a:ext>
             </a:extLst>
           </p:cNvPr>
@@ -16662,13 +16758,13 @@
         </p:nvSpPr>
         <p:spPr>
           <a:xfrm>
-            <a:off x="738908" y="930564"/>
+            <a:off x="1688704" y="1299142"/>
             <a:ext cx="5225664" cy="789179"/>
           </a:xfrm>
         </p:spPr>
         <p:txBody>
           <a:bodyPr anchor="b">
-            <a:normAutofit/>
+            <a:normAutofit fontScale="90000"/>
           </a:bodyPr>
           <a:lstStyle/>
           <a:p>
@@ -16678,18 +16774,11 @@
                 <a:solidFill>
                   <a:srgbClr val="0041C6"/>
                 </a:solidFill>
-                <a:latin typeface="Segoe UI Light" panose="020B0502040204020203" pitchFamily="34" charset="0"/>
-                <a:cs typeface="Segoe UI Light" panose="020B0502040204020203" pitchFamily="34" charset="0"/>
+                <a:latin typeface="Segoe UI Semibold" panose="020B0702040204020203" pitchFamily="34" charset="0"/>
+                <a:cs typeface="Segoe UI Semibold" panose="020B0702040204020203" pitchFamily="34" charset="0"/>
               </a:rPr>
               <a:t>Database Abstractions</a:t>
             </a:r>
-            <a:endParaRPr lang="en-US" sz="4000" b="1" dirty="0">
-              <a:solidFill>
-                <a:srgbClr val="0041C6"/>
-              </a:solidFill>
-              <a:latin typeface="Segoe UI Semibold" panose="020B0702040204020203" pitchFamily="34" charset="0"/>
-              <a:cs typeface="Segoe UI Semibold" panose="020B0702040204020203" pitchFamily="34" charset="0"/>
-            </a:endParaRPr>
           </a:p>
         </p:txBody>
       </p:sp>
@@ -17004,7 +17093,7 @@
         </p:nvSpPr>
         <p:spPr>
           <a:xfrm>
-            <a:off x="738908" y="1921080"/>
+            <a:off x="1688704" y="2196367"/>
             <a:ext cx="8289682" cy="4158998"/>
           </a:xfrm>
           <a:prstGeom prst="rect">
@@ -17257,10 +17346,10 @@
       </p:grpSpPr>
       <p:pic>
         <p:nvPicPr>
-          <p:cNvPr id="9" name="Picture 8">
-            <a:extLst>
-              <a:ext uri="{FF2B5EF4-FFF2-40B4-BE49-F238E27FC236}">
-                <a16:creationId xmlns:a16="http://schemas.microsoft.com/office/drawing/2014/main" id="{39E83B63-DAE7-4E06-A56F-CF1576B89936}"/>
+          <p:cNvPr id="7" name="Picture 3">
+            <a:extLst>
+              <a:ext uri="{FF2B5EF4-FFF2-40B4-BE49-F238E27FC236}">
+                <a16:creationId xmlns:a16="http://schemas.microsoft.com/office/drawing/2014/main" id="{D5C8E5F2-761A-4B8B-BFF6-CCB7B41BBA5C}"/>
               </a:ext>
             </a:extLst>
           </p:cNvPr>
@@ -17309,13 +17398,13 @@
         </p:nvSpPr>
         <p:spPr>
           <a:xfrm>
-            <a:off x="738908" y="930564"/>
+            <a:off x="1108185" y="625764"/>
             <a:ext cx="5225664" cy="789179"/>
           </a:xfrm>
         </p:spPr>
         <p:txBody>
           <a:bodyPr anchor="b">
-            <a:normAutofit/>
+            <a:normAutofit fontScale="90000"/>
           </a:bodyPr>
           <a:lstStyle/>
           <a:p>
@@ -17325,18 +17414,11 @@
                 <a:solidFill>
                   <a:srgbClr val="0041C6"/>
                 </a:solidFill>
-                <a:latin typeface="Segoe UI Light" panose="020B0502040204020203" pitchFamily="34" charset="0"/>
-                <a:cs typeface="Segoe UI Light" panose="020B0502040204020203" pitchFamily="34" charset="0"/>
+                <a:latin typeface="Segoe UI Semibold" panose="020B0702040204020203" pitchFamily="34" charset="0"/>
+                <a:cs typeface="Segoe UI Semibold" panose="020B0702040204020203" pitchFamily="34" charset="0"/>
               </a:rPr>
               <a:t>Database Abstractions</a:t>
             </a:r>
-            <a:endParaRPr lang="en-US" sz="4000" b="1" dirty="0">
-              <a:solidFill>
-                <a:srgbClr val="0041C6"/>
-              </a:solidFill>
-              <a:latin typeface="Segoe UI Semibold" panose="020B0702040204020203" pitchFamily="34" charset="0"/>
-              <a:cs typeface="Segoe UI Semibold" panose="020B0702040204020203" pitchFamily="34" charset="0"/>
-            </a:endParaRPr>
           </a:p>
         </p:txBody>
       </p:sp>
@@ -17657,7 +17739,7 @@
         </p:blipFill>
         <p:spPr>
           <a:xfrm>
-            <a:off x="738908" y="1836338"/>
+            <a:off x="1105017" y="1513953"/>
             <a:ext cx="9981965" cy="4479087"/>
           </a:xfrm>
           <a:prstGeom prst="rect">
@@ -17762,7 +17844,7 @@
         <p:spPr>
           <a:xfrm>
             <a:off x="0" y="886691"/>
-            <a:ext cx="12192000" cy="2205182"/>
+            <a:ext cx="12192000" cy="3169494"/>
           </a:xfrm>
         </p:spPr>
         <p:txBody>
@@ -17771,6 +17853,11 @@
           </a:bodyPr>
           <a:lstStyle/>
           <a:p>
+            <a:pPr>
+              <a:lnSpc>
+                <a:spcPct val="150000"/>
+              </a:lnSpc>
+            </a:pPr>
             <a:r>
               <a:rPr lang="en-US" sz="4000" b="1" dirty="0">
                 <a:latin typeface="Segoe UI Semibold" panose="020B0702040204020203" pitchFamily="34" charset="0"/>
@@ -17932,10 +18019,10 @@
       </p:grpSpPr>
       <p:pic>
         <p:nvPicPr>
-          <p:cNvPr id="9" name="Picture 8">
-            <a:extLst>
-              <a:ext uri="{FF2B5EF4-FFF2-40B4-BE49-F238E27FC236}">
-                <a16:creationId xmlns:a16="http://schemas.microsoft.com/office/drawing/2014/main" id="{39E83B63-DAE7-4E06-A56F-CF1576B89936}"/>
+          <p:cNvPr id="34" name="Picture 3">
+            <a:extLst>
+              <a:ext uri="{FF2B5EF4-FFF2-40B4-BE49-F238E27FC236}">
+                <a16:creationId xmlns:a16="http://schemas.microsoft.com/office/drawing/2014/main" id="{DA08C156-7F1B-4361-8271-EE8D1C9F8AA6}"/>
               </a:ext>
             </a:extLst>
           </p:cNvPr>
@@ -17984,8 +18071,8 @@
         </p:nvSpPr>
         <p:spPr>
           <a:xfrm>
-            <a:off x="705356" y="427958"/>
-            <a:ext cx="10158262" cy="725278"/>
+            <a:off x="0" y="534950"/>
+            <a:ext cx="12191999" cy="725278"/>
           </a:xfrm>
         </p:spPr>
         <p:txBody>
@@ -17994,7 +18081,6 @@
           </a:bodyPr>
           <a:lstStyle/>
           <a:p>
-            <a:pPr algn="l"/>
             <a:r>
               <a:rPr lang="en-US" sz="4000" b="1" dirty="0">
                 <a:solidFill>
@@ -18118,7 +18204,7 @@
         </p:nvSpPr>
         <p:spPr>
           <a:xfrm>
-            <a:off x="3582554" y="2904836"/>
+            <a:off x="4060402" y="2786849"/>
             <a:ext cx="835891" cy="775853"/>
           </a:xfrm>
           <a:prstGeom prst="rect">
@@ -18321,7 +18407,7 @@
         </p:nvSpPr>
         <p:spPr>
           <a:xfrm>
-            <a:off x="4000499" y="1581194"/>
+            <a:off x="4478347" y="1463207"/>
             <a:ext cx="2083142" cy="369332"/>
           </a:xfrm>
           <a:prstGeom prst="rect">
@@ -18377,7 +18463,7 @@
         </p:nvSpPr>
         <p:spPr>
           <a:xfrm>
-            <a:off x="1230116" y="2535504"/>
+            <a:off x="1707964" y="2417517"/>
             <a:ext cx="2083142" cy="369332"/>
           </a:xfrm>
           <a:prstGeom prst="rect">
@@ -18433,7 +18519,7 @@
         </p:nvSpPr>
         <p:spPr>
           <a:xfrm>
-            <a:off x="6711058" y="2535504"/>
+            <a:off x="7188906" y="2417517"/>
             <a:ext cx="2083142" cy="369332"/>
           </a:xfrm>
           <a:prstGeom prst="rect">
@@ -18497,7 +18583,7 @@
         </p:blipFill>
         <p:spPr>
           <a:xfrm>
-            <a:off x="1878174" y="3656863"/>
+            <a:off x="2356022" y="3538876"/>
             <a:ext cx="584776" cy="584776"/>
           </a:xfrm>
           <a:prstGeom prst="rect">
@@ -18527,7 +18613,7 @@
         </p:blipFill>
         <p:spPr>
           <a:xfrm>
-            <a:off x="1178578" y="3656864"/>
+            <a:off x="1656426" y="3538877"/>
             <a:ext cx="584775" cy="584775"/>
           </a:xfrm>
           <a:prstGeom prst="rect">
@@ -18563,7 +18649,7 @@
         </p:blipFill>
         <p:spPr>
           <a:xfrm>
-            <a:off x="2645053" y="3664691"/>
+            <a:off x="3122901" y="3546704"/>
             <a:ext cx="728456" cy="576947"/>
           </a:xfrm>
           <a:prstGeom prst="rect">
@@ -18585,7 +18671,7 @@
         </p:nvSpPr>
         <p:spPr>
           <a:xfrm>
-            <a:off x="5165187" y="3573893"/>
+            <a:off x="5643035" y="3455906"/>
             <a:ext cx="1181897" cy="646331"/>
           </a:xfrm>
           <a:prstGeom prst="rect">
@@ -18656,7 +18742,7 @@
         </p:nvSpPr>
         <p:spPr>
           <a:xfrm>
-            <a:off x="6520970" y="3573892"/>
+            <a:off x="6998818" y="3455905"/>
             <a:ext cx="1181897" cy="646331"/>
           </a:xfrm>
           <a:prstGeom prst="rect">
@@ -18727,7 +18813,7 @@
         </p:nvSpPr>
         <p:spPr>
           <a:xfrm>
-            <a:off x="7875633" y="3573892"/>
+            <a:off x="8353481" y="3455905"/>
             <a:ext cx="1003111" cy="646331"/>
           </a:xfrm>
           <a:prstGeom prst="rect">
@@ -18786,7 +18872,7 @@
         </p:nvCxnSpPr>
         <p:spPr>
           <a:xfrm flipH="1">
-            <a:off x="2271687" y="1950526"/>
+            <a:off x="2749535" y="1832539"/>
             <a:ext cx="1979591" cy="584978"/>
           </a:xfrm>
           <a:prstGeom prst="straightConnector1">
@@ -18827,7 +18913,7 @@
         </p:nvCxnSpPr>
         <p:spPr>
           <a:xfrm>
-            <a:off x="5704764" y="1962755"/>
+            <a:off x="6182612" y="1844768"/>
             <a:ext cx="2047865" cy="572749"/>
           </a:xfrm>
           <a:prstGeom prst="straightConnector1">
@@ -18868,7 +18954,7 @@
         </p:nvCxnSpPr>
         <p:spPr>
           <a:xfrm flipH="1">
-            <a:off x="1470966" y="2904836"/>
+            <a:off x="1948814" y="2786849"/>
             <a:ext cx="407208" cy="752028"/>
           </a:xfrm>
           <a:prstGeom prst="straightConnector1">
@@ -18910,7 +18996,7 @@
         </p:nvCxnSpPr>
         <p:spPr>
           <a:xfrm flipH="1">
-            <a:off x="2170562" y="2904836"/>
+            <a:off x="2648410" y="2786849"/>
             <a:ext cx="101125" cy="752027"/>
           </a:xfrm>
           <a:prstGeom prst="straightConnector1">
@@ -18951,7 +19037,7 @@
         </p:nvCxnSpPr>
         <p:spPr>
           <a:xfrm>
-            <a:off x="2679801" y="2904836"/>
+            <a:off x="3157649" y="2786849"/>
             <a:ext cx="329480" cy="759855"/>
           </a:xfrm>
           <a:prstGeom prst="straightConnector1">
@@ -18993,7 +19079,7 @@
         </p:nvCxnSpPr>
         <p:spPr>
           <a:xfrm flipH="1">
-            <a:off x="5756136" y="2904836"/>
+            <a:off x="6233984" y="2786849"/>
             <a:ext cx="1122089" cy="669057"/>
           </a:xfrm>
           <a:prstGeom prst="straightConnector1">
@@ -19035,7 +19121,7 @@
         </p:nvCxnSpPr>
         <p:spPr>
           <a:xfrm flipH="1">
-            <a:off x="7111919" y="2904836"/>
+            <a:off x="7589767" y="2786849"/>
             <a:ext cx="262159" cy="669056"/>
           </a:xfrm>
           <a:prstGeom prst="straightConnector1">
@@ -19077,7 +19163,7 @@
         </p:nvCxnSpPr>
         <p:spPr>
           <a:xfrm>
-            <a:off x="8054864" y="2904836"/>
+            <a:off x="8532712" y="2786849"/>
             <a:ext cx="322325" cy="669056"/>
           </a:xfrm>
           <a:prstGeom prst="straightConnector1">
@@ -19116,7 +19202,7 @@
         </p:nvSpPr>
         <p:spPr>
           <a:xfrm>
-            <a:off x="9057975" y="3573892"/>
+            <a:off x="9535823" y="3455905"/>
             <a:ext cx="1003111" cy="646331"/>
           </a:xfrm>
           <a:prstGeom prst="rect">
@@ -19175,7 +19261,7 @@
         </p:nvCxnSpPr>
         <p:spPr>
           <a:xfrm>
-            <a:off x="8467701" y="2904836"/>
+            <a:off x="8945549" y="2786849"/>
             <a:ext cx="1091830" cy="669056"/>
           </a:xfrm>
           <a:prstGeom prst="straightConnector1">
@@ -19214,7 +19300,7 @@
         </p:nvSpPr>
         <p:spPr>
           <a:xfrm rot="5400000">
-            <a:off x="2112270" y="3374095"/>
+            <a:off x="2590118" y="3256108"/>
             <a:ext cx="327546" cy="2194931"/>
           </a:xfrm>
           <a:prstGeom prst="rightBrace">
@@ -19258,7 +19344,7 @@
         </p:nvSpPr>
         <p:spPr>
           <a:xfrm>
-            <a:off x="1178577" y="4731086"/>
+            <a:off x="1656425" y="4613099"/>
             <a:ext cx="2194932" cy="369332"/>
           </a:xfrm>
           <a:prstGeom prst="rect">
@@ -19299,7 +19385,7 @@
         </p:nvSpPr>
         <p:spPr>
           <a:xfrm rot="5400000">
-            <a:off x="6857302" y="2613892"/>
+            <a:off x="7335150" y="2495905"/>
             <a:ext cx="327546" cy="3715337"/>
           </a:xfrm>
           <a:prstGeom prst="rightBrace">
@@ -19343,7 +19429,7 @@
         </p:nvSpPr>
         <p:spPr>
           <a:xfrm>
-            <a:off x="5163406" y="4731086"/>
+            <a:off x="5641254" y="4613099"/>
             <a:ext cx="3715338" cy="369332"/>
           </a:xfrm>
           <a:prstGeom prst="rect">
@@ -19379,7 +19465,7 @@
         </p:nvSpPr>
         <p:spPr>
           <a:xfrm>
-            <a:off x="771681" y="5213392"/>
+            <a:off x="1249529" y="5095405"/>
             <a:ext cx="3000011" cy="369332"/>
           </a:xfrm>
           <a:prstGeom prst="rect">
@@ -19441,7 +19527,7 @@
         </p:nvSpPr>
         <p:spPr>
           <a:xfrm>
-            <a:off x="5163406" y="5213392"/>
+            <a:off x="5641254" y="5095405"/>
             <a:ext cx="4891988" cy="369332"/>
           </a:xfrm>
           <a:prstGeom prst="rect">
@@ -19495,7 +19581,7 @@
         </p:nvSpPr>
         <p:spPr>
           <a:xfrm rot="5400000">
-            <a:off x="9394283" y="3968997"/>
+            <a:off x="9872131" y="3851010"/>
             <a:ext cx="327546" cy="1003111"/>
           </a:xfrm>
           <a:prstGeom prst="rightBrace">
@@ -19539,7 +19625,7 @@
         </p:nvSpPr>
         <p:spPr>
           <a:xfrm>
-            <a:off x="9056500" y="4730172"/>
+            <a:off x="9534348" y="4612185"/>
             <a:ext cx="998894" cy="369332"/>
           </a:xfrm>
           <a:prstGeom prst="rect">
@@ -19575,7 +19661,7 @@
         </p:nvSpPr>
         <p:spPr>
           <a:xfrm>
-            <a:off x="771681" y="5755895"/>
+            <a:off x="1249529" y="5637908"/>
             <a:ext cx="3000011" cy="369332"/>
           </a:xfrm>
           <a:prstGeom prst="rect">
@@ -19645,10 +19731,10 @@
       </p:grpSpPr>
       <p:pic>
         <p:nvPicPr>
-          <p:cNvPr id="9" name="Picture 8">
-            <a:extLst>
-              <a:ext uri="{FF2B5EF4-FFF2-40B4-BE49-F238E27FC236}">
-                <a16:creationId xmlns:a16="http://schemas.microsoft.com/office/drawing/2014/main" id="{39E83B63-DAE7-4E06-A56F-CF1576B89936}"/>
+          <p:cNvPr id="33" name="Picture 3">
+            <a:extLst>
+              <a:ext uri="{FF2B5EF4-FFF2-40B4-BE49-F238E27FC236}">
+                <a16:creationId xmlns:a16="http://schemas.microsoft.com/office/drawing/2014/main" id="{D0316C00-130C-4955-A083-F4211784C9AE}"/>
               </a:ext>
             </a:extLst>
           </p:cNvPr>
@@ -19697,8 +19783,8 @@
         </p:nvSpPr>
         <p:spPr>
           <a:xfrm>
-            <a:off x="705356" y="427958"/>
-            <a:ext cx="10158262" cy="775853"/>
+            <a:off x="0" y="427958"/>
+            <a:ext cx="12192000" cy="775853"/>
           </a:xfrm>
         </p:spPr>
         <p:txBody>
@@ -19707,7 +19793,6 @@
           </a:bodyPr>
           <a:lstStyle/>
           <a:p>
-            <a:pPr algn="l"/>
             <a:r>
               <a:rPr lang="en-US" sz="4000" b="1" dirty="0">
                 <a:solidFill>
@@ -19829,7 +19914,7 @@
         </p:nvSpPr>
         <p:spPr>
           <a:xfrm>
-            <a:off x="705356" y="2744050"/>
+            <a:off x="2481917" y="2744050"/>
             <a:ext cx="2083142" cy="369332"/>
           </a:xfrm>
           <a:prstGeom prst="rect">
@@ -19893,7 +19978,7 @@
         </p:blipFill>
         <p:spPr>
           <a:xfrm>
-            <a:off x="2234202" y="2111193"/>
+            <a:off x="4010763" y="2111193"/>
             <a:ext cx="584776" cy="584776"/>
           </a:xfrm>
           <a:prstGeom prst="rect">
@@ -19923,7 +20008,7 @@
         </p:blipFill>
         <p:spPr>
           <a:xfrm>
-            <a:off x="1649426" y="2111194"/>
+            <a:off x="3425987" y="2111194"/>
             <a:ext cx="584775" cy="584775"/>
           </a:xfrm>
           <a:prstGeom prst="rect">
@@ -19945,7 +20030,7 @@
         </p:nvSpPr>
         <p:spPr>
           <a:xfrm>
-            <a:off x="705356" y="2111194"/>
+            <a:off x="2481917" y="2111194"/>
             <a:ext cx="907492" cy="584775"/>
           </a:xfrm>
           <a:prstGeom prst="rect">
@@ -20029,7 +20114,7 @@
         </p:nvSpPr>
         <p:spPr>
           <a:xfrm>
-            <a:off x="3277868" y="2744050"/>
+            <a:off x="5054429" y="2744050"/>
             <a:ext cx="2083142" cy="369332"/>
           </a:xfrm>
           <a:prstGeom prst="rect">
@@ -20093,7 +20178,7 @@
         </p:blipFill>
         <p:spPr>
           <a:xfrm>
-            <a:off x="4806714" y="2111193"/>
+            <a:off x="6583275" y="2111193"/>
             <a:ext cx="584776" cy="584776"/>
           </a:xfrm>
           <a:prstGeom prst="rect">
@@ -20123,7 +20208,7 @@
         </p:blipFill>
         <p:spPr>
           <a:xfrm>
-            <a:off x="4221938" y="2111194"/>
+            <a:off x="5998499" y="2111194"/>
             <a:ext cx="584775" cy="584775"/>
           </a:xfrm>
           <a:prstGeom prst="rect">
@@ -20145,7 +20230,7 @@
         </p:nvSpPr>
         <p:spPr>
           <a:xfrm>
-            <a:off x="3277868" y="2111194"/>
+            <a:off x="5054429" y="2111194"/>
             <a:ext cx="907492" cy="584775"/>
           </a:xfrm>
           <a:prstGeom prst="rect">
@@ -20229,7 +20314,7 @@
         </p:nvSpPr>
         <p:spPr>
           <a:xfrm>
-            <a:off x="5879926" y="2744050"/>
+            <a:off x="7656487" y="2744050"/>
             <a:ext cx="2083142" cy="369332"/>
           </a:xfrm>
           <a:prstGeom prst="rect">
@@ -20293,7 +20378,7 @@
         </p:blipFill>
         <p:spPr>
           <a:xfrm>
-            <a:off x="7408772" y="2111193"/>
+            <a:off x="9185333" y="2111193"/>
             <a:ext cx="584776" cy="584776"/>
           </a:xfrm>
           <a:prstGeom prst="rect">
@@ -20323,7 +20408,7 @@
         </p:blipFill>
         <p:spPr>
           <a:xfrm>
-            <a:off x="6823996" y="2111194"/>
+            <a:off x="8600557" y="2111194"/>
             <a:ext cx="584775" cy="584775"/>
           </a:xfrm>
           <a:prstGeom prst="rect">
@@ -20345,7 +20430,7 @@
         </p:nvSpPr>
         <p:spPr>
           <a:xfrm>
-            <a:off x="5879926" y="2111194"/>
+            <a:off x="7656487" y="2111194"/>
             <a:ext cx="907492" cy="584775"/>
           </a:xfrm>
           <a:prstGeom prst="rect">
@@ -20429,7 +20514,7 @@
         </p:nvSpPr>
         <p:spPr>
           <a:xfrm>
-            <a:off x="3287434" y="4092406"/>
+            <a:off x="5063995" y="4092406"/>
             <a:ext cx="2083142" cy="369332"/>
           </a:xfrm>
           <a:prstGeom prst="rect">
@@ -20493,7 +20578,7 @@
         </p:blipFill>
         <p:spPr>
           <a:xfrm>
-            <a:off x="4816280" y="4493003"/>
+            <a:off x="6592841" y="4493003"/>
             <a:ext cx="584776" cy="584776"/>
           </a:xfrm>
           <a:prstGeom prst="rect">
@@ -20523,7 +20608,7 @@
         </p:blipFill>
         <p:spPr>
           <a:xfrm>
-            <a:off x="4231504" y="4493004"/>
+            <a:off x="6008065" y="4493004"/>
             <a:ext cx="584775" cy="584775"/>
           </a:xfrm>
           <a:prstGeom prst="rect">
@@ -20545,7 +20630,7 @@
         </p:nvSpPr>
         <p:spPr>
           <a:xfrm>
-            <a:off x="3287434" y="4493004"/>
+            <a:off x="5063995" y="4493004"/>
             <a:ext cx="907492" cy="584775"/>
           </a:xfrm>
           <a:prstGeom prst="rect">
@@ -20631,7 +20716,7 @@
         </p:nvCxnSpPr>
         <p:spPr>
           <a:xfrm flipH="1" flipV="1">
-            <a:off x="1694688" y="3113382"/>
+            <a:off x="3471249" y="3113382"/>
             <a:ext cx="2105835" cy="979024"/>
           </a:xfrm>
           <a:prstGeom prst="straightConnector1">
@@ -20679,7 +20764,7 @@
         </p:nvCxnSpPr>
         <p:spPr>
           <a:xfrm flipH="1" flipV="1">
-            <a:off x="4319439" y="3113382"/>
+            <a:off x="6096000" y="3113382"/>
             <a:ext cx="9566" cy="979024"/>
           </a:xfrm>
           <a:prstGeom prst="straightConnector1">
@@ -20725,7 +20810,7 @@
         </p:nvCxnSpPr>
         <p:spPr>
           <a:xfrm flipV="1">
-            <a:off x="4816279" y="3113382"/>
+            <a:off x="6592840" y="3113382"/>
             <a:ext cx="2105218" cy="979024"/>
           </a:xfrm>
           <a:prstGeom prst="straightConnector1">
@@ -20769,7 +20854,7 @@
         </p:nvSpPr>
         <p:spPr>
           <a:xfrm rot="5400000">
-            <a:off x="4186906" y="4216148"/>
+            <a:off x="5963467" y="4216148"/>
             <a:ext cx="284198" cy="2083143"/>
           </a:xfrm>
           <a:prstGeom prst="rightBrace">
@@ -20813,7 +20898,7 @@
         </p:nvSpPr>
         <p:spPr>
           <a:xfrm>
-            <a:off x="3631698" y="5451080"/>
+            <a:off x="5408259" y="5451080"/>
             <a:ext cx="1394613" cy="369332"/>
           </a:xfrm>
           <a:prstGeom prst="rect">
@@ -20848,7 +20933,7 @@
         </p:nvSpPr>
         <p:spPr>
           <a:xfrm rot="16200000">
-            <a:off x="6777841" y="876167"/>
+            <a:off x="8554402" y="876167"/>
             <a:ext cx="284198" cy="2083143"/>
           </a:xfrm>
           <a:prstGeom prst="rightBrace">
@@ -20892,7 +20977,7 @@
         </p:nvSpPr>
         <p:spPr>
           <a:xfrm>
-            <a:off x="6085416" y="1323991"/>
+            <a:off x="7861977" y="1323991"/>
             <a:ext cx="1669047" cy="369332"/>
           </a:xfrm>
           <a:prstGeom prst="rect">
@@ -20927,7 +21012,7 @@
         </p:nvSpPr>
         <p:spPr>
           <a:xfrm rot="16200000">
-            <a:off x="4177339" y="878225"/>
+            <a:off x="5953900" y="878225"/>
             <a:ext cx="284198" cy="2083143"/>
           </a:xfrm>
           <a:prstGeom prst="rightBrace">
@@ -20971,7 +21056,7 @@
         </p:nvSpPr>
         <p:spPr>
           <a:xfrm>
-            <a:off x="3484914" y="1326049"/>
+            <a:off x="5261475" y="1326049"/>
             <a:ext cx="1669047" cy="369332"/>
           </a:xfrm>
           <a:prstGeom prst="rect">
@@ -21006,7 +21091,7 @@
         </p:nvSpPr>
         <p:spPr>
           <a:xfrm rot="16200000">
-            <a:off x="1596908" y="873168"/>
+            <a:off x="3373469" y="873168"/>
             <a:ext cx="284198" cy="2083143"/>
           </a:xfrm>
           <a:prstGeom prst="rightBrace">
@@ -21050,7 +21135,7 @@
         </p:nvSpPr>
         <p:spPr>
           <a:xfrm>
-            <a:off x="904483" y="1320992"/>
+            <a:off x="2681044" y="1320992"/>
             <a:ext cx="1669047" cy="369332"/>
           </a:xfrm>
           <a:prstGeom prst="rect">
@@ -21115,10 +21200,10 @@
       </p:grpSpPr>
       <p:pic>
         <p:nvPicPr>
-          <p:cNvPr id="9" name="Picture 8">
-            <a:extLst>
-              <a:ext uri="{FF2B5EF4-FFF2-40B4-BE49-F238E27FC236}">
-                <a16:creationId xmlns:a16="http://schemas.microsoft.com/office/drawing/2014/main" id="{39E83B63-DAE7-4E06-A56F-CF1576B89936}"/>
+          <p:cNvPr id="7" name="Picture 3">
+            <a:extLst>
+              <a:ext uri="{FF2B5EF4-FFF2-40B4-BE49-F238E27FC236}">
+                <a16:creationId xmlns:a16="http://schemas.microsoft.com/office/drawing/2014/main" id="{8E4624D0-7903-4637-9466-542F5B28E1FC}"/>
               </a:ext>
             </a:extLst>
           </p:cNvPr>
@@ -22141,35 +22226,35 @@
               <a:buChar char="•"/>
             </a:pPr>
             <a:r>
-              <a:rPr lang="en-US" sz="1600" b="1" dirty="0" err="1">
+              <a:rPr lang="en-US" sz="1800" b="1" dirty="0" err="1">
                 <a:latin typeface="Segoe UI Semibold" panose="020B0702040204020203" pitchFamily="34" charset="0"/>
                 <a:cs typeface="Segoe UI Semibold" panose="020B0702040204020203" pitchFamily="34" charset="0"/>
               </a:rPr>
               <a:t>Pyhsical</a:t>
             </a:r>
             <a:r>
-              <a:rPr lang="en-US" sz="1600" b="1" dirty="0">
+              <a:rPr lang="en-US" sz="1800" b="1" dirty="0">
                 <a:latin typeface="Segoe UI Semibold" panose="020B0702040204020203" pitchFamily="34" charset="0"/>
                 <a:cs typeface="Segoe UI Semibold" panose="020B0702040204020203" pitchFamily="34" charset="0"/>
               </a:rPr>
               <a:t> Files</a:t>
             </a:r>
             <a:r>
-              <a:rPr lang="en-US" sz="1600" dirty="0">
+              <a:rPr lang="en-US" sz="1800" dirty="0">
                 <a:latin typeface="Segoe UI Semibold" panose="020B0702040204020203" pitchFamily="34" charset="0"/>
                 <a:cs typeface="Segoe UI Semibold" panose="020B0702040204020203" pitchFamily="34" charset="0"/>
               </a:rPr>
               <a:t>: Files under </a:t>
             </a:r>
             <a:r>
-              <a:rPr lang="en-US" sz="1600" dirty="0" err="1">
+              <a:rPr lang="en-US" sz="1800" dirty="0" err="1">
                 <a:latin typeface="Segoe UI Semibold" panose="020B0702040204020203" pitchFamily="34" charset="0"/>
                 <a:cs typeface="Segoe UI Semibold" panose="020B0702040204020203" pitchFamily="34" charset="0"/>
               </a:rPr>
               <a:t>wwwroot</a:t>
             </a:r>
             <a:r>
-              <a:rPr lang="en-US" sz="1600" dirty="0">
+              <a:rPr lang="en-US" sz="1800" dirty="0">
                 <a:latin typeface="Segoe UI Semibold" panose="020B0702040204020203" pitchFamily="34" charset="0"/>
                 <a:cs typeface="Segoe UI Semibold" panose="020B0702040204020203" pitchFamily="34" charset="0"/>
               </a:rPr>
@@ -22185,14 +22270,14 @@
               <a:buChar char="•"/>
             </a:pPr>
             <a:r>
-              <a:rPr lang="en-US" sz="1600" b="1" dirty="0">
+              <a:rPr lang="en-US" sz="1800" b="1" dirty="0">
                 <a:latin typeface="Segoe UI Semibold" panose="020B0702040204020203" pitchFamily="34" charset="0"/>
                 <a:cs typeface="Segoe UI Semibold" panose="020B0702040204020203" pitchFamily="34" charset="0"/>
               </a:rPr>
               <a:t>Embedded Files</a:t>
             </a:r>
             <a:r>
-              <a:rPr lang="en-US" sz="1600" dirty="0">
+              <a:rPr lang="en-US" sz="1800" dirty="0">
                 <a:latin typeface="Segoe UI Semibold" panose="020B0702040204020203" pitchFamily="34" charset="0"/>
                 <a:cs typeface="Segoe UI Semibold" panose="020B0702040204020203" pitchFamily="34" charset="0"/>
               </a:rPr>
@@ -22208,14 +22293,14 @@
               <a:buChar char="•"/>
             </a:pPr>
             <a:r>
-              <a:rPr lang="en-US" sz="1600" b="1" dirty="0">
+              <a:rPr lang="en-US" sz="1800" b="1" dirty="0">
                 <a:latin typeface="Segoe UI Semibold" panose="020B0702040204020203" pitchFamily="34" charset="0"/>
                 <a:cs typeface="Segoe UI Semibold" panose="020B0702040204020203" pitchFamily="34" charset="0"/>
               </a:rPr>
               <a:t>Dynamic Files</a:t>
             </a:r>
             <a:r>
-              <a:rPr lang="en-US" sz="1600" dirty="0">
+              <a:rPr lang="en-US" sz="1800" dirty="0">
                 <a:latin typeface="Segoe UI Semibold" panose="020B0702040204020203" pitchFamily="34" charset="0"/>
                 <a:cs typeface="Segoe UI Semibold" panose="020B0702040204020203" pitchFamily="34" charset="0"/>
               </a:rPr>
@@ -22231,14 +22316,14 @@
               <a:buChar char="•"/>
             </a:pPr>
             <a:r>
-              <a:rPr lang="en-US" sz="1600" b="1" dirty="0">
+              <a:rPr lang="en-US" sz="1800" b="1" dirty="0">
                 <a:latin typeface="Segoe UI Semibold" panose="020B0702040204020203" pitchFamily="34" charset="0"/>
                 <a:cs typeface="Segoe UI Semibold" panose="020B0702040204020203" pitchFamily="34" charset="0"/>
               </a:rPr>
               <a:t>Overriding</a:t>
             </a:r>
             <a:r>
-              <a:rPr lang="en-US" sz="1600" dirty="0">
+              <a:rPr lang="en-US" sz="1800" dirty="0">
                 <a:latin typeface="Segoe UI Semibold" panose="020B0702040204020203" pitchFamily="34" charset="0"/>
                 <a:cs typeface="Segoe UI Semibold" panose="020B0702040204020203" pitchFamily="34" charset="0"/>
               </a:rPr>
@@ -22965,8 +23050,8 @@
         </p:nvSpPr>
         <p:spPr>
           <a:xfrm>
-            <a:off x="762000" y="1754909"/>
-            <a:ext cx="4017819" cy="3408217"/>
+            <a:off x="-1" y="1777792"/>
+            <a:ext cx="3727939" cy="1358132"/>
           </a:xfrm>
         </p:spPr>
         <p:txBody>
@@ -22977,13 +23062,13 @@
           <a:p>
             <a:pPr algn="r">
               <a:lnSpc>
-                <a:spcPct val="150000"/>
+                <a:spcPct val="100000"/>
               </a:lnSpc>
             </a:pPr>
             <a:r>
               <a:rPr lang="en-US" sz="4000" b="1" dirty="0">
-                <a:latin typeface="Segoe UI Light" panose="020B0502040204020203" pitchFamily="34" charset="0"/>
-                <a:cs typeface="Segoe UI Light" panose="020B0502040204020203" pitchFamily="34" charset="0"/>
+                <a:latin typeface="Segoe UI Semibold" panose="020B0702040204020203" pitchFamily="34" charset="0"/>
+                <a:cs typeface="Segoe UI Semibold" panose="020B0702040204020203" pitchFamily="34" charset="0"/>
               </a:rPr>
               <a:t>What is a </a:t>
             </a:r>
@@ -23106,8 +23191,8 @@
         </p:nvSpPr>
         <p:spPr>
           <a:xfrm>
-            <a:off x="5204688" y="1948872"/>
-            <a:ext cx="6022111" cy="4110181"/>
+            <a:off x="4145981" y="1842268"/>
+            <a:ext cx="5537281" cy="4110181"/>
           </a:xfrm>
           <a:prstGeom prst="rect">
             <a:avLst/>
@@ -23284,18 +23369,18 @@
           <a:p>
             <a:pPr algn="l">
               <a:lnSpc>
-                <a:spcPct val="150000"/>
+                <a:spcPct val="100000"/>
               </a:lnSpc>
             </a:pPr>
             <a:r>
-              <a:rPr lang="en-US" sz="1600" dirty="0">
+              <a:rPr lang="en-US" sz="2000" dirty="0">
                 <a:latin typeface="Segoe UI Semibold" panose="020B0702040204020203" pitchFamily="34" charset="0"/>
                 <a:cs typeface="Segoe UI Semibold" panose="020B0702040204020203" pitchFamily="34" charset="0"/>
               </a:rPr>
               <a:t>A unit of code base that implements some </a:t>
             </a:r>
             <a:r>
-              <a:rPr lang="en-US" sz="1600" dirty="0">
+              <a:rPr lang="en-US" sz="2000" dirty="0">
                 <a:latin typeface="Segoe UI Black" panose="020B0A02040204020203" pitchFamily="34" charset="0"/>
                 <a:ea typeface="Segoe UI Black" panose="020B0A02040204020203" pitchFamily="34" charset="0"/>
                 <a:cs typeface="Segoe UI Semibold" panose="020B0702040204020203" pitchFamily="34" charset="0"/>
@@ -23303,7 +23388,7 @@
               <a:t>business functionality</a:t>
             </a:r>
             <a:r>
-              <a:rPr lang="en-US" sz="1600" dirty="0">
+              <a:rPr lang="en-US" sz="2000" dirty="0">
                 <a:latin typeface="Segoe UI Semibold" panose="020B0702040204020203" pitchFamily="34" charset="0"/>
                 <a:cs typeface="Segoe UI Semibold" panose="020B0702040204020203" pitchFamily="34" charset="0"/>
               </a:rPr>
@@ -23313,27 +23398,27 @@
           <a:p>
             <a:pPr marL="285750" indent="-285750" algn="l">
               <a:lnSpc>
-                <a:spcPct val="150000"/>
+                <a:spcPct val="100000"/>
               </a:lnSpc>
               <a:buFont typeface="Arial" panose="020B0604020202020204" pitchFamily="34" charset="0"/>
               <a:buChar char="•"/>
             </a:pPr>
             <a:r>
-              <a:rPr lang="en-US" sz="1600" dirty="0">
+              <a:rPr lang="en-US" sz="2000" dirty="0">
                 <a:latin typeface="Segoe UI Semibold" panose="020B0702040204020203" pitchFamily="34" charset="0"/>
                 <a:cs typeface="Segoe UI Semibold" panose="020B0702040204020203" pitchFamily="34" charset="0"/>
               </a:rPr>
               <a:t>A </a:t>
             </a:r>
             <a:r>
-              <a:rPr lang="en-US" sz="1600" b="1" dirty="0">
+              <a:rPr lang="en-US" sz="2000" b="1" dirty="0">
                 <a:latin typeface="Segoe UI Semibold" panose="020B0702040204020203" pitchFamily="34" charset="0"/>
                 <a:cs typeface="Segoe UI Semibold" panose="020B0702040204020203" pitchFamily="34" charset="0"/>
               </a:rPr>
               <a:t>database schema</a:t>
             </a:r>
             <a:r>
-              <a:rPr lang="en-US" sz="1600" dirty="0">
+              <a:rPr lang="en-US" sz="2000" dirty="0">
                 <a:latin typeface="Segoe UI Semibold" panose="020B0702040204020203" pitchFamily="34" charset="0"/>
                 <a:cs typeface="Segoe UI Semibold" panose="020B0702040204020203" pitchFamily="34" charset="0"/>
               </a:rPr>
@@ -23343,20 +23428,20 @@
           <a:p>
             <a:pPr marL="285750" indent="-285750" algn="l">
               <a:lnSpc>
-                <a:spcPct val="150000"/>
+                <a:spcPct val="100000"/>
               </a:lnSpc>
               <a:buFont typeface="Arial" panose="020B0604020202020204" pitchFamily="34" charset="0"/>
               <a:buChar char="•"/>
             </a:pPr>
             <a:r>
-              <a:rPr lang="en-US" sz="1600" b="1" dirty="0">
+              <a:rPr lang="en-US" sz="2000" b="1" dirty="0">
                 <a:latin typeface="Segoe UI Semibold" panose="020B0702040204020203" pitchFamily="34" charset="0"/>
                 <a:cs typeface="Segoe UI Semibold" panose="020B0702040204020203" pitchFamily="34" charset="0"/>
               </a:rPr>
               <a:t>Application/business code</a:t>
             </a:r>
             <a:r>
-              <a:rPr lang="en-US" sz="1600" dirty="0">
+              <a:rPr lang="en-US" sz="2000" dirty="0">
                 <a:latin typeface="Segoe UI Semibold" panose="020B0702040204020203" pitchFamily="34" charset="0"/>
                 <a:cs typeface="Segoe UI Semibold" panose="020B0702040204020203" pitchFamily="34" charset="0"/>
               </a:rPr>
@@ -23366,20 +23451,20 @@
           <a:p>
             <a:pPr marL="285750" indent="-285750" algn="l">
               <a:lnSpc>
-                <a:spcPct val="150000"/>
+                <a:spcPct val="100000"/>
               </a:lnSpc>
               <a:buFont typeface="Arial" panose="020B0604020202020204" pitchFamily="34" charset="0"/>
               <a:buChar char="•"/>
             </a:pPr>
             <a:r>
-              <a:rPr lang="en-US" sz="1600" b="1" dirty="0">
+              <a:rPr lang="en-US" sz="2000" b="1" dirty="0">
                 <a:latin typeface="Segoe UI Semibold" panose="020B0702040204020203" pitchFamily="34" charset="0"/>
                 <a:cs typeface="Segoe UI Semibold" panose="020B0702040204020203" pitchFamily="34" charset="0"/>
               </a:rPr>
               <a:t>UI Pages</a:t>
             </a:r>
             <a:r>
-              <a:rPr lang="en-US" sz="1600" dirty="0">
+              <a:rPr lang="en-US" sz="2000" dirty="0">
                 <a:latin typeface="Segoe UI Semibold" panose="020B0702040204020203" pitchFamily="34" charset="0"/>
                 <a:cs typeface="Segoe UI Semibold" panose="020B0702040204020203" pitchFamily="34" charset="0"/>
               </a:rPr>
@@ -23389,34 +23474,34 @@
           <a:p>
             <a:pPr marL="285750" indent="-285750" algn="l">
               <a:lnSpc>
-                <a:spcPct val="150000"/>
+                <a:spcPct val="100000"/>
               </a:lnSpc>
               <a:buFont typeface="Arial" panose="020B0604020202020204" pitchFamily="34" charset="0"/>
               <a:buChar char="•"/>
             </a:pPr>
             <a:r>
-              <a:rPr lang="en-US" sz="1600" b="1" dirty="0">
+              <a:rPr lang="en-US" sz="2000" b="1" dirty="0">
                 <a:latin typeface="Segoe UI Semibold" panose="020B0702040204020203" pitchFamily="34" charset="0"/>
                 <a:cs typeface="Segoe UI Semibold" panose="020B0702040204020203" pitchFamily="34" charset="0"/>
               </a:rPr>
               <a:t>Remote API</a:t>
             </a:r>
             <a:r>
-              <a:rPr lang="en-US" sz="1600" dirty="0">
+              <a:rPr lang="en-US" sz="2000" dirty="0">
                 <a:latin typeface="Segoe UI Semibold" panose="020B0702040204020203" pitchFamily="34" charset="0"/>
                 <a:cs typeface="Segoe UI Semibold" panose="020B0702040204020203" pitchFamily="34" charset="0"/>
               </a:rPr>
               <a:t>: REST, </a:t>
             </a:r>
             <a:r>
-              <a:rPr lang="en-US" sz="1600" dirty="0" err="1">
+              <a:rPr lang="en-US" sz="2000" dirty="0" err="1">
                 <a:latin typeface="Segoe UI Semibold" panose="020B0702040204020203" pitchFamily="34" charset="0"/>
                 <a:cs typeface="Segoe UI Semibold" panose="020B0702040204020203" pitchFamily="34" charset="0"/>
               </a:rPr>
               <a:t>GraphQL</a:t>
             </a:r>
             <a:r>
-              <a:rPr lang="en-US" sz="1600" dirty="0">
+              <a:rPr lang="en-US" sz="2000" dirty="0">
                 <a:latin typeface="Segoe UI Semibold" panose="020B0702040204020203" pitchFamily="34" charset="0"/>
                 <a:cs typeface="Segoe UI Semibold" panose="020B0702040204020203" pitchFamily="34" charset="0"/>
               </a:rPr>
@@ -23469,10 +23554,10 @@
       </p:grpSpPr>
       <p:pic>
         <p:nvPicPr>
-          <p:cNvPr id="9" name="Picture 8">
-            <a:extLst>
-              <a:ext uri="{FF2B5EF4-FFF2-40B4-BE49-F238E27FC236}">
-                <a16:creationId xmlns:a16="http://schemas.microsoft.com/office/drawing/2014/main" id="{39E83B63-DAE7-4E06-A56F-CF1576B89936}"/>
+          <p:cNvPr id="7" name="Picture 3">
+            <a:extLst>
+              <a:ext uri="{FF2B5EF4-FFF2-40B4-BE49-F238E27FC236}">
+                <a16:creationId xmlns:a16="http://schemas.microsoft.com/office/drawing/2014/main" id="{7558996F-3408-4469-A1A0-BBBDD60670D0}"/>
               </a:ext>
             </a:extLst>
           </p:cNvPr>
@@ -23521,7 +23606,7 @@
         </p:nvSpPr>
         <p:spPr>
           <a:xfrm>
-            <a:off x="705356" y="427958"/>
+            <a:off x="705356" y="932051"/>
             <a:ext cx="10158262" cy="1241430"/>
           </a:xfrm>
         </p:spPr>
@@ -23878,7 +23963,7 @@
         </p:blipFill>
         <p:spPr>
           <a:xfrm>
-            <a:off x="705356" y="2457642"/>
+            <a:off x="705356" y="2644678"/>
             <a:ext cx="9847592" cy="1568643"/>
           </a:xfrm>
           <a:prstGeom prst="rect">
@@ -23930,10 +24015,10 @@
       </p:grpSpPr>
       <p:pic>
         <p:nvPicPr>
-          <p:cNvPr id="9" name="Picture 8">
-            <a:extLst>
-              <a:ext uri="{FF2B5EF4-FFF2-40B4-BE49-F238E27FC236}">
-                <a16:creationId xmlns:a16="http://schemas.microsoft.com/office/drawing/2014/main" id="{39E83B63-DAE7-4E06-A56F-CF1576B89936}"/>
+          <p:cNvPr id="8" name="Picture 3">
+            <a:extLst>
+              <a:ext uri="{FF2B5EF4-FFF2-40B4-BE49-F238E27FC236}">
+                <a16:creationId xmlns:a16="http://schemas.microsoft.com/office/drawing/2014/main" id="{AC727B63-DEA7-4EB2-96C6-2BA8550203A7}"/>
               </a:ext>
             </a:extLst>
           </p:cNvPr>
@@ -24473,13 +24558,13 @@
         </p:nvSpPr>
         <p:spPr>
           <a:xfrm>
-            <a:off x="738908" y="930564"/>
-            <a:ext cx="4858328" cy="1798988"/>
+            <a:off x="738908" y="777923"/>
+            <a:ext cx="4858328" cy="1713231"/>
           </a:xfrm>
         </p:spPr>
         <p:txBody>
           <a:bodyPr anchor="b">
-            <a:normAutofit/>
+            <a:normAutofit fontScale="90000"/>
           </a:bodyPr>
           <a:lstStyle/>
           <a:p>
@@ -24840,8 +24925,8 @@
         </p:nvSpPr>
         <p:spPr>
           <a:xfrm>
-            <a:off x="738908" y="2729552"/>
-            <a:ext cx="4565286" cy="3350525"/>
+            <a:off x="728287" y="2576911"/>
+            <a:ext cx="5780044" cy="3350525"/>
           </a:xfrm>
           <a:prstGeom prst="rect">
             <a:avLst/>
@@ -25024,21 +25109,21 @@
               <a:buChar char="•"/>
             </a:pPr>
             <a:r>
-              <a:rPr lang="en-US" sz="1600" dirty="0">
+              <a:rPr lang="en-US" sz="1800" dirty="0">
                 <a:latin typeface="Segoe UI Semibold" panose="020B0702040204020203" pitchFamily="34" charset="0"/>
                 <a:cs typeface="Segoe UI Semibold" panose="020B0702040204020203" pitchFamily="34" charset="0"/>
               </a:rPr>
               <a:t>Use </a:t>
             </a:r>
             <a:r>
-              <a:rPr lang="en-US" sz="1600" b="1" dirty="0">
+              <a:rPr lang="en-US" sz="1800" b="1" dirty="0">
                 <a:latin typeface="Segoe UI Semibold" panose="020B0702040204020203" pitchFamily="34" charset="0"/>
                 <a:cs typeface="Segoe UI Semibold" panose="020B0702040204020203" pitchFamily="34" charset="0"/>
               </a:rPr>
               <a:t>NPM/Yarn</a:t>
             </a:r>
             <a:r>
-              <a:rPr lang="en-US" sz="1600" dirty="0">
+              <a:rPr lang="en-US" sz="1800" dirty="0">
                 <a:latin typeface="Segoe UI Semibold" panose="020B0702040204020203" pitchFamily="34" charset="0"/>
                 <a:cs typeface="Segoe UI Semibold" panose="020B0702040204020203" pitchFamily="34" charset="0"/>
               </a:rPr>
@@ -25054,25 +25139,39 @@
               <a:buChar char="•"/>
             </a:pPr>
             <a:r>
-              <a:rPr lang="en-US" sz="1600" dirty="0">
+              <a:rPr lang="en-US" sz="1800" dirty="0">
                 <a:latin typeface="Segoe UI Semibold" panose="020B0702040204020203" pitchFamily="34" charset="0"/>
                 <a:cs typeface="Segoe UI Semibold" panose="020B0702040204020203" pitchFamily="34" charset="0"/>
               </a:rPr>
-              <a:t>Should depend on the </a:t>
-            </a:r>
-            <a:r>
-              <a:rPr lang="en-US" sz="1600" b="1" dirty="0">
+              <a:t>Determine a set of common libraries (jQuery, Bootstrap, </a:t>
+            </a:r>
+            <a:r>
+              <a:rPr lang="en-US" sz="1800" dirty="0" err="1">
                 <a:latin typeface="Segoe UI Semibold" panose="020B0702040204020203" pitchFamily="34" charset="0"/>
                 <a:cs typeface="Segoe UI Semibold" panose="020B0702040204020203" pitchFamily="34" charset="0"/>
               </a:rPr>
-              <a:t>same version</a:t>
-            </a:r>
-            <a:r>
-              <a:rPr lang="en-US" sz="1600" dirty="0">
+              <a:t>Toastr</a:t>
+            </a:r>
+            <a:r>
+              <a:rPr lang="en-US" sz="1800" dirty="0">
                 <a:latin typeface="Segoe UI Semibold" panose="020B0702040204020203" pitchFamily="34" charset="0"/>
                 <a:cs typeface="Segoe UI Semibold" panose="020B0702040204020203" pitchFamily="34" charset="0"/>
               </a:rPr>
-              <a:t> of a library from all modules.</a:t>
+              <a:t>, </a:t>
+            </a:r>
+            <a:r>
+              <a:rPr lang="en-US" sz="1800" dirty="0" err="1">
+                <a:latin typeface="Segoe UI Semibold" panose="020B0702040204020203" pitchFamily="34" charset="0"/>
+                <a:cs typeface="Segoe UI Semibold" panose="020B0702040204020203" pitchFamily="34" charset="0"/>
+              </a:rPr>
+              <a:t>Datatables</a:t>
+            </a:r>
+            <a:r>
+              <a:rPr lang="en-US" sz="1800" dirty="0">
+                <a:latin typeface="Segoe UI Semibold" panose="020B0702040204020203" pitchFamily="34" charset="0"/>
+                <a:cs typeface="Segoe UI Semibold" panose="020B0702040204020203" pitchFamily="34" charset="0"/>
+              </a:rPr>
+              <a:t>…).</a:t>
             </a:r>
           </a:p>
           <a:p>
@@ -25084,90 +25183,25 @@
               <a:buChar char="•"/>
             </a:pPr>
             <a:r>
-              <a:rPr lang="en-US" sz="1600" dirty="0">
+              <a:rPr lang="en-US" sz="1800" dirty="0">
                 <a:latin typeface="Segoe UI Semibold" panose="020B0702040204020203" pitchFamily="34" charset="0"/>
                 <a:cs typeface="Segoe UI Semibold" panose="020B0702040204020203" pitchFamily="34" charset="0"/>
               </a:rPr>
-              <a:t>Determine a set of common libraries (jQuery, Bootstrap, </a:t>
-            </a:r>
-            <a:r>
-              <a:rPr lang="en-US" sz="1600" dirty="0" err="1">
+              <a:t>Should depend on the </a:t>
+            </a:r>
+            <a:r>
+              <a:rPr lang="en-US" sz="1800" b="1" dirty="0">
                 <a:latin typeface="Segoe UI Semibold" panose="020B0702040204020203" pitchFamily="34" charset="0"/>
                 <a:cs typeface="Segoe UI Semibold" panose="020B0702040204020203" pitchFamily="34" charset="0"/>
               </a:rPr>
-              <a:t>Toastr</a:t>
-            </a:r>
-            <a:r>
-              <a:rPr lang="en-US" sz="1600" dirty="0">
+              <a:t>same version</a:t>
+            </a:r>
+            <a:r>
+              <a:rPr lang="en-US" sz="1800" dirty="0">
                 <a:latin typeface="Segoe UI Semibold" panose="020B0702040204020203" pitchFamily="34" charset="0"/>
                 <a:cs typeface="Segoe UI Semibold" panose="020B0702040204020203" pitchFamily="34" charset="0"/>
               </a:rPr>
-              <a:t>, </a:t>
-            </a:r>
-            <a:r>
-              <a:rPr lang="en-US" sz="1600" dirty="0" err="1">
-                <a:latin typeface="Segoe UI Semibold" panose="020B0702040204020203" pitchFamily="34" charset="0"/>
-                <a:cs typeface="Segoe UI Semibold" panose="020B0702040204020203" pitchFamily="34" charset="0"/>
-              </a:rPr>
-              <a:t>Datatables</a:t>
-            </a:r>
-            <a:r>
-              <a:rPr lang="en-US" sz="1600" dirty="0">
-                <a:latin typeface="Segoe UI Semibold" panose="020B0702040204020203" pitchFamily="34" charset="0"/>
-                <a:cs typeface="Segoe UI Semibold" panose="020B0702040204020203" pitchFamily="34" charset="0"/>
-              </a:rPr>
-              <a:t>…).</a:t>
-            </a:r>
-          </a:p>
-          <a:p>
-            <a:pPr marL="285750" indent="-285750" algn="l">
-              <a:lnSpc>
-                <a:spcPct val="150000"/>
-              </a:lnSpc>
-              <a:buFont typeface="Arial" panose="020B0604020202020204" pitchFamily="34" charset="0"/>
-              <a:buChar char="•"/>
-            </a:pPr>
-            <a:r>
-              <a:rPr lang="en-US" sz="1600" dirty="0">
-                <a:latin typeface="Segoe UI Semibold" panose="020B0702040204020203" pitchFamily="34" charset="0"/>
-                <a:cs typeface="Segoe UI Semibold" panose="020B0702040204020203" pitchFamily="34" charset="0"/>
-              </a:rPr>
-              <a:t>Copy just needed files from </a:t>
-            </a:r>
-            <a:r>
-              <a:rPr lang="en-US" sz="1600" b="1" dirty="0" err="1">
-                <a:latin typeface="Segoe UI Semibold" panose="020B0702040204020203" pitchFamily="34" charset="0"/>
-                <a:cs typeface="Segoe UI Semibold" panose="020B0702040204020203" pitchFamily="34" charset="0"/>
-              </a:rPr>
-              <a:t>node_modules</a:t>
-            </a:r>
-            <a:r>
-              <a:rPr lang="en-US" sz="1600" dirty="0">
-                <a:latin typeface="Segoe UI Semibold" panose="020B0702040204020203" pitchFamily="34" charset="0"/>
-                <a:cs typeface="Segoe UI Semibold" panose="020B0702040204020203" pitchFamily="34" charset="0"/>
-              </a:rPr>
-              <a:t> to </a:t>
-            </a:r>
-            <a:r>
-              <a:rPr lang="en-US" sz="1600" b="1" dirty="0" err="1">
-                <a:latin typeface="Segoe UI Semibold" panose="020B0702040204020203" pitchFamily="34" charset="0"/>
-                <a:cs typeface="Segoe UI Semibold" panose="020B0702040204020203" pitchFamily="34" charset="0"/>
-              </a:rPr>
-              <a:t>wwwroot</a:t>
-            </a:r>
-            <a:r>
-              <a:rPr lang="en-US" sz="1600" b="1" dirty="0">
-                <a:latin typeface="Segoe UI Semibold" panose="020B0702040204020203" pitchFamily="34" charset="0"/>
-                <a:cs typeface="Segoe UI Semibold" panose="020B0702040204020203" pitchFamily="34" charset="0"/>
-              </a:rPr>
-              <a:t>/libs</a:t>
-            </a:r>
-            <a:r>
-              <a:rPr lang="en-US" sz="1600" dirty="0">
-                <a:latin typeface="Segoe UI Semibold" panose="020B0702040204020203" pitchFamily="34" charset="0"/>
-                <a:cs typeface="Segoe UI Semibold" panose="020B0702040204020203" pitchFamily="34" charset="0"/>
-              </a:rPr>
-              <a:t> folder.</a:t>
+              <a:t> of a library from all modules.</a:t>
             </a:r>
           </a:p>
         </p:txBody>
@@ -25209,18 +25243,13 @@
           <a:p>
             <a:pPr algn="ctr"/>
             <a:r>
-              <a:rPr lang="en-US" dirty="0" err="1">
+              <a:rPr lang="en-US" dirty="0">
                 <a:solidFill>
                   <a:schemeClr val="bg1"/>
                 </a:solidFill>
               </a:rPr>
-              <a:t>JQuery</a:t>
-            </a:r>
-            <a:endParaRPr lang="en-US" dirty="0">
-              <a:solidFill>
-                <a:schemeClr val="bg1"/>
-              </a:solidFill>
-            </a:endParaRPr>
+              <a:t>jQuery</a:t>
+            </a:r>
           </a:p>
         </p:txBody>
       </p:sp>
@@ -25308,20 +25337,12 @@
           <a:p>
             <a:pPr algn="ctr"/>
             <a:r>
-              <a:rPr lang="en-US" dirty="0" err="1">
+              <a:rPr lang="en-US" dirty="0">
                 <a:solidFill>
                   <a:schemeClr val="bg1"/>
                 </a:solidFill>
               </a:rPr>
-              <a:t>JQuery</a:t>
-            </a:r>
-            <a:r>
-              <a:rPr lang="en-US" dirty="0">
-                <a:solidFill>
-                  <a:schemeClr val="bg1"/>
-                </a:solidFill>
-              </a:rPr>
-              <a:t> Validation</a:t>
+              <a:t>jQuery Validation</a:t>
             </a:r>
           </a:p>
         </p:txBody>
@@ -25858,10 +25879,10 @@
       </p:grpSpPr>
       <p:pic>
         <p:nvPicPr>
-          <p:cNvPr id="9" name="Picture 8">
-            <a:extLst>
-              <a:ext uri="{FF2B5EF4-FFF2-40B4-BE49-F238E27FC236}">
-                <a16:creationId xmlns:a16="http://schemas.microsoft.com/office/drawing/2014/main" id="{39E83B63-DAE7-4E06-A56F-CF1576B89936}"/>
+          <p:cNvPr id="7" name="Picture 3">
+            <a:extLst>
+              <a:ext uri="{FF2B5EF4-FFF2-40B4-BE49-F238E27FC236}">
+                <a16:creationId xmlns:a16="http://schemas.microsoft.com/office/drawing/2014/main" id="{CCB9130E-7DB3-4D7F-AF77-1FDD89641156}"/>
               </a:ext>
             </a:extLst>
           </p:cNvPr>
@@ -25910,13 +25931,13 @@
         </p:nvSpPr>
         <p:spPr>
           <a:xfrm>
-            <a:off x="738908" y="930564"/>
+            <a:off x="1084740" y="1211917"/>
             <a:ext cx="5225664" cy="789179"/>
           </a:xfrm>
         </p:spPr>
         <p:txBody>
           <a:bodyPr anchor="b">
-            <a:normAutofit/>
+            <a:normAutofit fontScale="90000"/>
           </a:bodyPr>
           <a:lstStyle/>
           <a:p>
@@ -25926,18 +25947,11 @@
                 <a:solidFill>
                   <a:srgbClr val="0041C6"/>
                 </a:solidFill>
-                <a:latin typeface="Segoe UI Light" panose="020B0502040204020203" pitchFamily="34" charset="0"/>
-                <a:cs typeface="Segoe UI Light" panose="020B0502040204020203" pitchFamily="34" charset="0"/>
+                <a:latin typeface="Segoe UI Semibold" panose="020B0702040204020203" pitchFamily="34" charset="0"/>
+                <a:cs typeface="Segoe UI Semibold" panose="020B0702040204020203" pitchFamily="34" charset="0"/>
               </a:rPr>
               <a:t>Bundling &amp; Minification</a:t>
             </a:r>
-            <a:endParaRPr lang="en-US" sz="4000" b="1" dirty="0">
-              <a:solidFill>
-                <a:srgbClr val="0041C6"/>
-              </a:solidFill>
-              <a:latin typeface="Segoe UI Semibold" panose="020B0702040204020203" pitchFamily="34" charset="0"/>
-              <a:cs typeface="Segoe UI Semibold" panose="020B0702040204020203" pitchFamily="34" charset="0"/>
-            </a:endParaRPr>
           </a:p>
         </p:txBody>
       </p:sp>
@@ -26252,8 +26266,8 @@
         </p:nvSpPr>
         <p:spPr>
           <a:xfrm>
-            <a:off x="738908" y="1921080"/>
-            <a:ext cx="5566358" cy="4158998"/>
+            <a:off x="1125769" y="2114510"/>
+            <a:ext cx="9718077" cy="2727120"/>
           </a:xfrm>
           <a:prstGeom prst="rect">
             <a:avLst/>
@@ -26436,14 +26450,14 @@
               <a:buChar char="•"/>
             </a:pPr>
             <a:r>
-              <a:rPr lang="en-US" sz="1600" dirty="0">
+              <a:rPr lang="en-US" sz="2000" dirty="0">
                 <a:latin typeface="Segoe UI Semibold" panose="020B0702040204020203" pitchFamily="34" charset="0"/>
                 <a:cs typeface="Segoe UI Semibold" panose="020B0702040204020203" pitchFamily="34" charset="0"/>
               </a:rPr>
               <a:t>Should bundle &amp; minify files </a:t>
             </a:r>
             <a:r>
-              <a:rPr lang="en-US" sz="1600" dirty="0">
+              <a:rPr lang="en-US" sz="2000" dirty="0">
                 <a:latin typeface="Segoe UI Black" panose="020B0A02040204020203" pitchFamily="34" charset="0"/>
                 <a:ea typeface="Segoe UI Black" panose="020B0A02040204020203" pitchFamily="34" charset="0"/>
                 <a:cs typeface="Segoe UI Semibold" panose="020B0702040204020203" pitchFamily="34" charset="0"/>
@@ -26451,7 +26465,7 @@
               <a:t>distributed</a:t>
             </a:r>
             <a:r>
-              <a:rPr lang="en-US" sz="1600" dirty="0">
+              <a:rPr lang="en-US" sz="2000" dirty="0">
                 <a:latin typeface="Segoe UI Semibold" panose="020B0702040204020203" pitchFamily="34" charset="0"/>
                 <a:cs typeface="Segoe UI Semibold" panose="020B0702040204020203" pitchFamily="34" charset="0"/>
               </a:rPr>
@@ -26467,14 +26481,14 @@
               <a:buChar char="•"/>
             </a:pPr>
             <a:r>
-              <a:rPr lang="en-US" sz="1600" dirty="0">
+              <a:rPr lang="en-US" sz="2000" dirty="0">
                 <a:latin typeface="Segoe UI Semibold" panose="020B0702040204020203" pitchFamily="34" charset="0"/>
                 <a:cs typeface="Segoe UI Semibold" panose="020B0702040204020203" pitchFamily="34" charset="0"/>
               </a:rPr>
               <a:t>Should be combined with the </a:t>
             </a:r>
             <a:r>
-              <a:rPr lang="en-US" sz="1600" dirty="0">
+              <a:rPr lang="en-US" sz="2000" dirty="0">
                 <a:latin typeface="Segoe UI Black" panose="020B0A02040204020203" pitchFamily="34" charset="0"/>
                 <a:ea typeface="Segoe UI Black" panose="020B0A02040204020203" pitchFamily="34" charset="0"/>
                 <a:cs typeface="Segoe UI Semibold" panose="020B0702040204020203" pitchFamily="34" charset="0"/>
@@ -26482,7 +26496,7 @@
               <a:t>Virtual File System</a:t>
             </a:r>
             <a:r>
-              <a:rPr lang="en-US" sz="1600" dirty="0">
+              <a:rPr lang="en-US" sz="2000" dirty="0">
                 <a:latin typeface="Segoe UI Semibold" panose="020B0702040204020203" pitchFamily="34" charset="0"/>
                 <a:cs typeface="Segoe UI Semibold" panose="020B0702040204020203" pitchFamily="34" charset="0"/>
               </a:rPr>
@@ -26498,14 +26512,14 @@
               <a:buChar char="•"/>
             </a:pPr>
             <a:r>
-              <a:rPr lang="en-US" sz="1600" dirty="0">
+              <a:rPr lang="en-US" sz="2000" dirty="0">
                 <a:latin typeface="Segoe UI Semibold" panose="020B0702040204020203" pitchFamily="34" charset="0"/>
                 <a:cs typeface="Segoe UI Semibold" panose="020B0702040204020203" pitchFamily="34" charset="0"/>
               </a:rPr>
               <a:t>Should </a:t>
             </a:r>
             <a:r>
-              <a:rPr lang="en-US" sz="1600" dirty="0">
+              <a:rPr lang="en-US" sz="2000" dirty="0">
                 <a:latin typeface="Segoe UI Black" panose="020B0A02040204020203" pitchFamily="34" charset="0"/>
                 <a:ea typeface="Segoe UI Black" panose="020B0A02040204020203" pitchFamily="34" charset="0"/>
                 <a:cs typeface="Segoe UI Semibold" panose="020B0702040204020203" pitchFamily="34" charset="0"/>
@@ -26513,35 +26527,35 @@
               <a:t>prevent duplication </a:t>
             </a:r>
             <a:r>
-              <a:rPr lang="en-US" sz="1600" dirty="0">
+              <a:rPr lang="en-US" sz="2000" dirty="0">
                 <a:latin typeface="Segoe UI Semibold" panose="020B0702040204020203" pitchFamily="34" charset="0"/>
                 <a:cs typeface="Segoe UI Semibold" panose="020B0702040204020203" pitchFamily="34" charset="0"/>
               </a:rPr>
               <a:t>of </a:t>
             </a:r>
             <a:r>
-              <a:rPr lang="en-US" sz="1600" dirty="0" err="1">
+              <a:rPr lang="en-US" sz="2000" dirty="0" err="1">
                 <a:latin typeface="Segoe UI Semibold" panose="020B0702040204020203" pitchFamily="34" charset="0"/>
                 <a:cs typeface="Segoe UI Semibold" panose="020B0702040204020203" pitchFamily="34" charset="0"/>
               </a:rPr>
               <a:t>css</a:t>
             </a:r>
             <a:r>
-              <a:rPr lang="en-US" sz="1600" dirty="0">
+              <a:rPr lang="en-US" sz="2000" dirty="0">
                 <a:latin typeface="Segoe UI Semibold" panose="020B0702040204020203" pitchFamily="34" charset="0"/>
                 <a:cs typeface="Segoe UI Semibold" panose="020B0702040204020203" pitchFamily="34" charset="0"/>
               </a:rPr>
               <a:t>/</a:t>
             </a:r>
             <a:r>
-              <a:rPr lang="en-US" sz="1600" dirty="0" err="1">
+              <a:rPr lang="en-US" sz="2000" dirty="0" err="1">
                 <a:latin typeface="Segoe UI Semibold" panose="020B0702040204020203" pitchFamily="34" charset="0"/>
                 <a:cs typeface="Segoe UI Semibold" panose="020B0702040204020203" pitchFamily="34" charset="0"/>
               </a:rPr>
               <a:t>js</a:t>
             </a:r>
             <a:r>
-              <a:rPr lang="en-US" sz="1600" dirty="0">
+              <a:rPr lang="en-US" sz="2000" dirty="0">
                 <a:latin typeface="Segoe UI Semibold" panose="020B0702040204020203" pitchFamily="34" charset="0"/>
                 <a:cs typeface="Segoe UI Semibold" panose="020B0702040204020203" pitchFamily="34" charset="0"/>
               </a:rPr>
@@ -26557,14 +26571,14 @@
               <a:buChar char="•"/>
             </a:pPr>
             <a:r>
-              <a:rPr lang="en-US" sz="1600" dirty="0">
+              <a:rPr lang="en-US" sz="2000" dirty="0">
                 <a:latin typeface="Segoe UI Semibold" panose="020B0702040204020203" pitchFamily="34" charset="0"/>
                 <a:cs typeface="Segoe UI Semibold" panose="020B0702040204020203" pitchFamily="34" charset="0"/>
               </a:rPr>
               <a:t>Should add </a:t>
             </a:r>
             <a:r>
-              <a:rPr lang="en-US" sz="1600" dirty="0">
+              <a:rPr lang="en-US" sz="2000" dirty="0">
                 <a:latin typeface="Segoe UI Black" panose="020B0A02040204020203" pitchFamily="34" charset="0"/>
                 <a:ea typeface="Segoe UI Black" panose="020B0A02040204020203" pitchFamily="34" charset="0"/>
                 <a:cs typeface="Segoe UI Semibold" panose="020B0702040204020203" pitchFamily="34" charset="0"/>
@@ -26572,7 +26586,7 @@
               <a:t>dependencies</a:t>
             </a:r>
             <a:r>
-              <a:rPr lang="en-US" sz="1600" dirty="0">
+              <a:rPr lang="en-US" sz="2000" dirty="0">
                 <a:latin typeface="Segoe UI Semibold" panose="020B0702040204020203" pitchFamily="34" charset="0"/>
                 <a:cs typeface="Segoe UI Semibold" panose="020B0702040204020203" pitchFamily="34" charset="0"/>
               </a:rPr>
@@ -26588,14 +26602,14 @@
               <a:buChar char="•"/>
             </a:pPr>
             <a:r>
-              <a:rPr lang="en-US" sz="1600" dirty="0">
+              <a:rPr lang="en-US" sz="2000" dirty="0">
                 <a:latin typeface="Segoe UI Semibold" panose="020B0702040204020203" pitchFamily="34" charset="0"/>
                 <a:cs typeface="Segoe UI Semibold" panose="020B0702040204020203" pitchFamily="34" charset="0"/>
               </a:rPr>
               <a:t>Should </a:t>
             </a:r>
             <a:r>
-              <a:rPr lang="en-US" sz="1600" dirty="0">
+              <a:rPr lang="en-US" sz="2000" dirty="0">
                 <a:latin typeface="Segoe UI Black" panose="020B0A02040204020203" pitchFamily="34" charset="0"/>
                 <a:ea typeface="Segoe UI Black" panose="020B0A02040204020203" pitchFamily="34" charset="0"/>
                 <a:cs typeface="Segoe UI Semibold" panose="020B0702040204020203" pitchFamily="34" charset="0"/>
@@ -26603,7 +26617,7 @@
               <a:t>dynamically</a:t>
             </a:r>
             <a:r>
-              <a:rPr lang="en-US" sz="1600" dirty="0">
+              <a:rPr lang="en-US" sz="2000" dirty="0">
                 <a:latin typeface="Segoe UI Semibold" panose="020B0702040204020203" pitchFamily="34" charset="0"/>
                 <a:cs typeface="Segoe UI Semibold" panose="020B0702040204020203" pitchFamily="34" charset="0"/>
               </a:rPr>
@@ -26656,10 +26670,10 @@
       </p:grpSpPr>
       <p:pic>
         <p:nvPicPr>
-          <p:cNvPr id="9" name="Picture 8">
-            <a:extLst>
-              <a:ext uri="{FF2B5EF4-FFF2-40B4-BE49-F238E27FC236}">
-                <a16:creationId xmlns:a16="http://schemas.microsoft.com/office/drawing/2014/main" id="{39E83B63-DAE7-4E06-A56F-CF1576B89936}"/>
+          <p:cNvPr id="7" name="Picture 3">
+            <a:extLst>
+              <a:ext uri="{FF2B5EF4-FFF2-40B4-BE49-F238E27FC236}">
+                <a16:creationId xmlns:a16="http://schemas.microsoft.com/office/drawing/2014/main" id="{E573870A-050C-4CEB-AFF7-8AEC936BE1E7}"/>
               </a:ext>
             </a:extLst>
           </p:cNvPr>
@@ -26724,18 +26738,11 @@
                 <a:solidFill>
                   <a:srgbClr val="0041C6"/>
                 </a:solidFill>
-                <a:latin typeface="Segoe UI Light" panose="020B0502040204020203" pitchFamily="34" charset="0"/>
-                <a:cs typeface="Segoe UI Light" panose="020B0502040204020203" pitchFamily="34" charset="0"/>
+                <a:latin typeface="Segoe UI Semibold" panose="020B0702040204020203" pitchFamily="34" charset="0"/>
+                <a:cs typeface="Segoe UI Semibold" panose="020B0702040204020203" pitchFamily="34" charset="0"/>
               </a:rPr>
               <a:t>Bundle Contributors</a:t>
             </a:r>
-            <a:endParaRPr lang="en-US" sz="4000" b="1" dirty="0">
-              <a:solidFill>
-                <a:srgbClr val="0041C6"/>
-              </a:solidFill>
-              <a:latin typeface="Segoe UI Semibold" panose="020B0702040204020203" pitchFamily="34" charset="0"/>
-              <a:cs typeface="Segoe UI Semibold" panose="020B0702040204020203" pitchFamily="34" charset="0"/>
-            </a:endParaRPr>
           </a:p>
         </p:txBody>
       </p:sp>
@@ -27108,10 +27115,10 @@
       </p:grpSpPr>
       <p:pic>
         <p:nvPicPr>
-          <p:cNvPr id="9" name="Picture 8">
-            <a:extLst>
-              <a:ext uri="{FF2B5EF4-FFF2-40B4-BE49-F238E27FC236}">
-                <a16:creationId xmlns:a16="http://schemas.microsoft.com/office/drawing/2014/main" id="{39E83B63-DAE7-4E06-A56F-CF1576B89936}"/>
+          <p:cNvPr id="7" name="Picture 3">
+            <a:extLst>
+              <a:ext uri="{FF2B5EF4-FFF2-40B4-BE49-F238E27FC236}">
+                <a16:creationId xmlns:a16="http://schemas.microsoft.com/office/drawing/2014/main" id="{7276C723-B1E8-415C-88FC-CC9C8DA212B2}"/>
               </a:ext>
             </a:extLst>
           </p:cNvPr>
@@ -27160,8 +27167,8 @@
         </p:nvSpPr>
         <p:spPr>
           <a:xfrm>
-            <a:off x="735412" y="273099"/>
-            <a:ext cx="4858328" cy="1337301"/>
+            <a:off x="895244" y="898875"/>
+            <a:ext cx="6802526" cy="1337301"/>
           </a:xfrm>
         </p:spPr>
         <p:txBody>
@@ -27176,8 +27183,8 @@
                 <a:solidFill>
                   <a:srgbClr val="0041C6"/>
                 </a:solidFill>
-                <a:latin typeface="Segoe UI Light" panose="020B0502040204020203" pitchFamily="34" charset="0"/>
-                <a:cs typeface="Segoe UI Light" panose="020B0502040204020203" pitchFamily="34" charset="0"/>
+                <a:latin typeface="Segoe UI Semibold" panose="020B0702040204020203" pitchFamily="34" charset="0"/>
+                <a:cs typeface="Segoe UI Semibold" panose="020B0702040204020203" pitchFamily="34" charset="0"/>
               </a:rPr>
               <a:t>Create Bundle</a:t>
             </a:r>
@@ -27186,21 +27193,17 @@
                 <a:solidFill>
                   <a:srgbClr val="0041C6"/>
                 </a:solidFill>
-                <a:latin typeface="Segoe UI Light" panose="020B0502040204020203" pitchFamily="34" charset="0"/>
-                <a:cs typeface="Segoe UI Light" panose="020B0502040204020203" pitchFamily="34" charset="0"/>
+                <a:latin typeface="Segoe UI Semibold" panose="020B0702040204020203" pitchFamily="34" charset="0"/>
+                <a:cs typeface="Segoe UI Semibold" panose="020B0702040204020203" pitchFamily="34" charset="0"/>
               </a:rPr>
             </a:br>
             <a:r>
               <a:rPr lang="en-US" sz="4000" b="1" dirty="0">
-                <a:latin typeface="Segoe UI Light" panose="020B0502040204020203" pitchFamily="34" charset="0"/>
-                <a:cs typeface="Segoe UI Light" panose="020B0502040204020203" pitchFamily="34" charset="0"/>
+                <a:latin typeface="Segoe UI Semibold" panose="020B0702040204020203" pitchFamily="34" charset="0"/>
+                <a:cs typeface="Segoe UI Semibold" panose="020B0702040204020203" pitchFamily="34" charset="0"/>
               </a:rPr>
               <a:t>in views</a:t>
             </a:r>
-            <a:endParaRPr lang="en-US" sz="4000" b="1" dirty="0">
-              <a:latin typeface="Segoe UI Semibold" panose="020B0702040204020203" pitchFamily="34" charset="0"/>
-              <a:cs typeface="Segoe UI Semibold" panose="020B0702040204020203" pitchFamily="34" charset="0"/>
-            </a:endParaRPr>
           </a:p>
         </p:txBody>
       </p:sp>
@@ -27521,8 +27524,8 @@
         </p:blipFill>
         <p:spPr>
           <a:xfrm>
-            <a:off x="735412" y="2019299"/>
-            <a:ext cx="10968734" cy="1815853"/>
+            <a:off x="895244" y="2421737"/>
+            <a:ext cx="10552342" cy="1773714"/>
           </a:xfrm>
           <a:prstGeom prst="rect">
             <a:avLst/>
@@ -27573,10 +27576,10 @@
       </p:grpSpPr>
       <p:pic>
         <p:nvPicPr>
-          <p:cNvPr id="9" name="Picture 8">
-            <a:extLst>
-              <a:ext uri="{FF2B5EF4-FFF2-40B4-BE49-F238E27FC236}">
-                <a16:creationId xmlns:a16="http://schemas.microsoft.com/office/drawing/2014/main" id="{39E83B63-DAE7-4E06-A56F-CF1576B89936}"/>
+          <p:cNvPr id="7" name="Picture 3">
+            <a:extLst>
+              <a:ext uri="{FF2B5EF4-FFF2-40B4-BE49-F238E27FC236}">
+                <a16:creationId xmlns:a16="http://schemas.microsoft.com/office/drawing/2014/main" id="{389A1B6B-35D3-4E5E-AB5F-BFF2A8E433C3}"/>
               </a:ext>
             </a:extLst>
           </p:cNvPr>
@@ -27625,7 +27628,7 @@
         </p:nvSpPr>
         <p:spPr>
           <a:xfrm>
-            <a:off x="738909" y="256413"/>
+            <a:off x="1313939" y="412850"/>
             <a:ext cx="4858328" cy="1230329"/>
           </a:xfrm>
         </p:spPr>
@@ -27641,8 +27644,8 @@
                 <a:solidFill>
                   <a:srgbClr val="0041C6"/>
                 </a:solidFill>
-                <a:latin typeface="Segoe UI Light" panose="020B0502040204020203" pitchFamily="34" charset="0"/>
-                <a:cs typeface="Segoe UI Light" panose="020B0502040204020203" pitchFamily="34" charset="0"/>
+                <a:latin typeface="Segoe UI Semibold" panose="020B0702040204020203" pitchFamily="34" charset="0"/>
+                <a:cs typeface="Segoe UI Semibold" panose="020B0702040204020203" pitchFamily="34" charset="0"/>
               </a:rPr>
               <a:t>Create Bundle</a:t>
             </a:r>
@@ -27651,21 +27654,17 @@
                 <a:solidFill>
                   <a:srgbClr val="0041C6"/>
                 </a:solidFill>
-                <a:latin typeface="Segoe UI Light" panose="020B0502040204020203" pitchFamily="34" charset="0"/>
-                <a:cs typeface="Segoe UI Light" panose="020B0502040204020203" pitchFamily="34" charset="0"/>
+                <a:latin typeface="Segoe UI Semibold" panose="020B0702040204020203" pitchFamily="34" charset="0"/>
+                <a:cs typeface="Segoe UI Semibold" panose="020B0702040204020203" pitchFamily="34" charset="0"/>
               </a:rPr>
             </a:br>
             <a:r>
               <a:rPr lang="en-US" sz="4000" b="1" dirty="0">
-                <a:latin typeface="Segoe UI Light" panose="020B0502040204020203" pitchFamily="34" charset="0"/>
-                <a:cs typeface="Segoe UI Light" panose="020B0502040204020203" pitchFamily="34" charset="0"/>
+                <a:latin typeface="Segoe UI Semibold" panose="020B0702040204020203" pitchFamily="34" charset="0"/>
+                <a:cs typeface="Segoe UI Semibold" panose="020B0702040204020203" pitchFamily="34" charset="0"/>
               </a:rPr>
               <a:t>by code</a:t>
             </a:r>
-            <a:endParaRPr lang="en-US" sz="4000" b="1" dirty="0">
-              <a:latin typeface="Segoe UI Semibold" panose="020B0702040204020203" pitchFamily="34" charset="0"/>
-              <a:cs typeface="Segoe UI Semibold" panose="020B0702040204020203" pitchFamily="34" charset="0"/>
-            </a:endParaRPr>
           </a:p>
         </p:txBody>
       </p:sp>
@@ -27986,8 +27985,8 @@
         </p:blipFill>
         <p:spPr>
           <a:xfrm>
-            <a:off x="738909" y="1503461"/>
-            <a:ext cx="6193736" cy="4590547"/>
+            <a:off x="1313939" y="1776593"/>
+            <a:ext cx="5991296" cy="4440507"/>
           </a:xfrm>
           <a:prstGeom prst="rect">
             <a:avLst/>
@@ -28038,10 +28037,10 @@
       </p:grpSpPr>
       <p:pic>
         <p:nvPicPr>
-          <p:cNvPr id="9" name="Picture 8">
-            <a:extLst>
-              <a:ext uri="{FF2B5EF4-FFF2-40B4-BE49-F238E27FC236}">
-                <a16:creationId xmlns:a16="http://schemas.microsoft.com/office/drawing/2014/main" id="{39E83B63-DAE7-4E06-A56F-CF1576B89936}"/>
+          <p:cNvPr id="7" name="Picture 3">
+            <a:extLst>
+              <a:ext uri="{FF2B5EF4-FFF2-40B4-BE49-F238E27FC236}">
+                <a16:creationId xmlns:a16="http://schemas.microsoft.com/office/drawing/2014/main" id="{249A2B8C-173B-467E-8F71-B5E023FF6585}"/>
               </a:ext>
             </a:extLst>
           </p:cNvPr>
@@ -28090,7 +28089,7 @@
         </p:nvSpPr>
         <p:spPr>
           <a:xfrm>
-            <a:off x="738909" y="256413"/>
+            <a:off x="949924" y="1132654"/>
             <a:ext cx="4858328" cy="1230329"/>
           </a:xfrm>
         </p:spPr>
@@ -28106,8 +28105,8 @@
                 <a:solidFill>
                   <a:srgbClr val="0041C6"/>
                 </a:solidFill>
-                <a:latin typeface="Segoe UI Light" panose="020B0502040204020203" pitchFamily="34" charset="0"/>
-                <a:cs typeface="Segoe UI Light" panose="020B0502040204020203" pitchFamily="34" charset="0"/>
+                <a:latin typeface="Segoe UI Semibold" panose="020B0702040204020203" pitchFamily="34" charset="0"/>
+                <a:cs typeface="Segoe UI Semibold" panose="020B0702040204020203" pitchFamily="34" charset="0"/>
               </a:rPr>
               <a:t>Create Bundle</a:t>
             </a:r>
@@ -28116,21 +28115,17 @@
                 <a:solidFill>
                   <a:srgbClr val="0041C6"/>
                 </a:solidFill>
-                <a:latin typeface="Segoe UI Light" panose="020B0502040204020203" pitchFamily="34" charset="0"/>
-                <a:cs typeface="Segoe UI Light" panose="020B0502040204020203" pitchFamily="34" charset="0"/>
+                <a:latin typeface="Segoe UI Semibold" panose="020B0702040204020203" pitchFamily="34" charset="0"/>
+                <a:cs typeface="Segoe UI Semibold" panose="020B0702040204020203" pitchFamily="34" charset="0"/>
               </a:rPr>
             </a:br>
             <a:r>
               <a:rPr lang="en-US" sz="4000" b="1" dirty="0">
-                <a:latin typeface="Segoe UI Light" panose="020B0502040204020203" pitchFamily="34" charset="0"/>
-                <a:cs typeface="Segoe UI Light" panose="020B0502040204020203" pitchFamily="34" charset="0"/>
+                <a:latin typeface="Segoe UI Semibold" panose="020B0702040204020203" pitchFamily="34" charset="0"/>
+                <a:cs typeface="Segoe UI Semibold" panose="020B0702040204020203" pitchFamily="34" charset="0"/>
               </a:rPr>
               <a:t>by code</a:t>
             </a:r>
-            <a:endParaRPr lang="en-US" sz="4000" b="1" dirty="0">
-              <a:latin typeface="Segoe UI Semibold" panose="020B0702040204020203" pitchFamily="34" charset="0"/>
-              <a:cs typeface="Segoe UI Semibold" panose="020B0702040204020203" pitchFamily="34" charset="0"/>
-            </a:endParaRPr>
           </a:p>
         </p:txBody>
       </p:sp>
@@ -28451,7 +28446,7 @@
         </p:blipFill>
         <p:spPr>
           <a:xfrm>
-            <a:off x="738908" y="1699293"/>
+            <a:off x="815108" y="2680687"/>
             <a:ext cx="10264896" cy="964008"/>
           </a:xfrm>
           <a:prstGeom prst="rect">
@@ -28555,7 +28550,7 @@
         </p:nvSpPr>
         <p:spPr>
           <a:xfrm>
-            <a:off x="738908" y="930564"/>
+            <a:off x="783986" y="133395"/>
             <a:ext cx="4858328" cy="2311400"/>
           </a:xfrm>
         </p:spPr>
@@ -28903,7 +28898,7 @@
         </p:nvSpPr>
         <p:spPr>
           <a:xfrm>
-            <a:off x="693830" y="3519496"/>
+            <a:off x="783986" y="2200649"/>
             <a:ext cx="4948484" cy="2691255"/>
           </a:xfrm>
           <a:prstGeom prst="rect">
@@ -29174,10 +29169,10 @@
       </p:grpSpPr>
       <p:pic>
         <p:nvPicPr>
-          <p:cNvPr id="9" name="Picture 8">
-            <a:extLst>
-              <a:ext uri="{FF2B5EF4-FFF2-40B4-BE49-F238E27FC236}">
-                <a16:creationId xmlns:a16="http://schemas.microsoft.com/office/drawing/2014/main" id="{39E83B63-DAE7-4E06-A56F-CF1576B89936}"/>
+          <p:cNvPr id="10" name="Picture 3">
+            <a:extLst>
+              <a:ext uri="{FF2B5EF4-FFF2-40B4-BE49-F238E27FC236}">
+                <a16:creationId xmlns:a16="http://schemas.microsoft.com/office/drawing/2014/main" id="{E86BBB76-8C53-4A7E-8750-5A9CCD84D984}"/>
               </a:ext>
             </a:extLst>
           </p:cNvPr>
@@ -29226,7 +29221,7 @@
         </p:nvSpPr>
         <p:spPr>
           <a:xfrm>
-            <a:off x="738909" y="256413"/>
+            <a:off x="1061293" y="1077698"/>
             <a:ext cx="4858328" cy="795205"/>
           </a:xfrm>
         </p:spPr>
@@ -29242,8 +29237,8 @@
                 <a:solidFill>
                   <a:srgbClr val="0041C6"/>
                 </a:solidFill>
-                <a:latin typeface="Segoe UI Light" panose="020B0502040204020203" pitchFamily="34" charset="0"/>
-                <a:cs typeface="Segoe UI Light" panose="020B0502040204020203" pitchFamily="34" charset="0"/>
+                <a:latin typeface="Segoe UI Semibold" panose="020B0702040204020203" pitchFamily="34" charset="0"/>
+                <a:cs typeface="Segoe UI Semibold" panose="020B0702040204020203" pitchFamily="34" charset="0"/>
               </a:rPr>
               <a:t>Menu Contributor</a:t>
             </a:r>
@@ -29571,7 +29566,7 @@
         </p:blipFill>
         <p:spPr>
           <a:xfrm>
-            <a:off x="737778" y="3741099"/>
+            <a:off x="1061293" y="4148290"/>
             <a:ext cx="8826099" cy="1567883"/>
           </a:xfrm>
           <a:prstGeom prst="rect">
@@ -29601,7 +29596,7 @@
         </p:blipFill>
         <p:spPr>
           <a:xfrm>
-            <a:off x="737778" y="1572013"/>
+            <a:off x="1061293" y="2219525"/>
             <a:ext cx="8995896" cy="1544888"/>
           </a:xfrm>
           <a:prstGeom prst="rect">
@@ -29653,10 +29648,10 @@
       </p:grpSpPr>
       <p:pic>
         <p:nvPicPr>
-          <p:cNvPr id="9" name="Picture 8">
-            <a:extLst>
-              <a:ext uri="{FF2B5EF4-FFF2-40B4-BE49-F238E27FC236}">
-                <a16:creationId xmlns:a16="http://schemas.microsoft.com/office/drawing/2014/main" id="{39E83B63-DAE7-4E06-A56F-CF1576B89936}"/>
+          <p:cNvPr id="7" name="Picture 3">
+            <a:extLst>
+              <a:ext uri="{FF2B5EF4-FFF2-40B4-BE49-F238E27FC236}">
+                <a16:creationId xmlns:a16="http://schemas.microsoft.com/office/drawing/2014/main" id="{2BF4DF90-F5F0-4178-A776-34490171064C}"/>
               </a:ext>
             </a:extLst>
           </p:cNvPr>
@@ -29705,8 +29700,8 @@
         </p:nvSpPr>
         <p:spPr>
           <a:xfrm>
-            <a:off x="738908" y="930564"/>
-            <a:ext cx="5429880" cy="1253078"/>
+            <a:off x="317588" y="1318490"/>
+            <a:ext cx="3555822" cy="1974272"/>
           </a:xfrm>
         </p:spPr>
         <p:txBody>
@@ -29715,23 +29710,45 @@
           </a:bodyPr>
           <a:lstStyle/>
           <a:p>
-            <a:pPr algn="l"/>
+            <a:pPr algn="r"/>
             <a:r>
               <a:rPr lang="en-US" sz="4000" b="1" dirty="0">
                 <a:latin typeface="Segoe UI Semibold" panose="020B0702040204020203" pitchFamily="34" charset="0"/>
                 <a:cs typeface="Segoe UI Semibold" panose="020B0702040204020203" pitchFamily="34" charset="0"/>
               </a:rPr>
-              <a:t>Modular Architecture</a:t>
-            </a:r>
+              <a:t>Modular</a:t>
+            </a:r>
+            <a:br>
+              <a:rPr lang="tr-TR" sz="4000" b="1" dirty="0">
+                <a:latin typeface="Segoe UI Semibold" panose="020B0702040204020203" pitchFamily="34" charset="0"/>
+                <a:cs typeface="Segoe UI Semibold" panose="020B0702040204020203" pitchFamily="34" charset="0"/>
+              </a:rPr>
+            </a:br>
             <a:r>
               <a:rPr lang="en-US" sz="4000" b="1" dirty="0">
+                <a:latin typeface="Segoe UI Semibold" panose="020B0702040204020203" pitchFamily="34" charset="0"/>
+                <a:cs typeface="Segoe UI Semibold" panose="020B0702040204020203" pitchFamily="34" charset="0"/>
+              </a:rPr>
+              <a:t>Architecture</a:t>
+            </a:r>
+            <a:br>
+              <a:rPr lang="tr-TR" sz="4000" b="1" dirty="0">
                 <a:solidFill>
                   <a:srgbClr val="0041C6"/>
                 </a:solidFill>
                 <a:latin typeface="Segoe UI Semibold" panose="020B0702040204020203" pitchFamily="34" charset="0"/>
                 <a:cs typeface="Segoe UI Semibold" panose="020B0702040204020203" pitchFamily="34" charset="0"/>
               </a:rPr>
-              <a:t> Benefits</a:t>
+            </a:br>
+            <a:r>
+              <a:rPr lang="en-US" sz="4000" b="1" dirty="0">
+                <a:solidFill>
+                  <a:srgbClr val="0041C6"/>
+                </a:solidFill>
+                <a:latin typeface="Segoe UI Semibold" panose="020B0702040204020203" pitchFamily="34" charset="0"/>
+                <a:cs typeface="Segoe UI Semibold" panose="020B0702040204020203" pitchFamily="34" charset="0"/>
+              </a:rPr>
+              <a:t>Benefits</a:t>
             </a:r>
           </a:p>
         </p:txBody>
@@ -30047,8 +30064,8 @@
         </p:nvSpPr>
         <p:spPr>
           <a:xfrm>
-            <a:off x="738908" y="2631390"/>
-            <a:ext cx="4368801" cy="2806242"/>
+            <a:off x="4190998" y="1790034"/>
+            <a:ext cx="5293205" cy="2806242"/>
           </a:xfrm>
           <a:prstGeom prst="rect">
             <a:avLst/>
@@ -30231,7 +30248,7 @@
               <a:buChar char="•"/>
             </a:pPr>
             <a:r>
-              <a:rPr lang="en-US" sz="1600" dirty="0">
+              <a:rPr lang="en-US" sz="2000" dirty="0">
                 <a:latin typeface="Segoe UI Black" panose="020B0A02040204020203" pitchFamily="34" charset="0"/>
                 <a:ea typeface="Segoe UI Black" panose="020B0A02040204020203" pitchFamily="34" charset="0"/>
                 <a:cs typeface="Segoe UI Semibold" panose="020B0702040204020203" pitchFamily="34" charset="0"/>
@@ -30239,21 +30256,21 @@
               <a:t>Reduce application complexity </a:t>
             </a:r>
             <a:r>
-              <a:rPr lang="en-US" sz="1600" dirty="0">
+              <a:rPr lang="en-US" sz="2000" dirty="0">
                 <a:latin typeface="Segoe UI Semibold" panose="020B0702040204020203" pitchFamily="34" charset="0"/>
                 <a:cs typeface="Segoe UI Semibold" panose="020B0702040204020203" pitchFamily="34" charset="0"/>
               </a:rPr>
               <a:t>by creating </a:t>
             </a:r>
             <a:r>
-              <a:rPr lang="en-US" sz="1600" b="1" dirty="0">
+              <a:rPr lang="en-US" sz="2000" b="1" dirty="0">
                 <a:latin typeface="Segoe UI Semibold" panose="020B0702040204020203" pitchFamily="34" charset="0"/>
                 <a:cs typeface="Segoe UI Semibold" panose="020B0702040204020203" pitchFamily="34" charset="0"/>
               </a:rPr>
               <a:t>separately developed (probably by different teams), isolated and integrated</a:t>
             </a:r>
             <a:r>
-              <a:rPr lang="en-US" sz="1600" dirty="0">
+              <a:rPr lang="en-US" sz="2000" dirty="0">
                 <a:latin typeface="Segoe UI Semibold" panose="020B0702040204020203" pitchFamily="34" charset="0"/>
                 <a:cs typeface="Segoe UI Semibold" panose="020B0702040204020203" pitchFamily="34" charset="0"/>
               </a:rPr>
@@ -30269,7 +30286,7 @@
               <a:buChar char="•"/>
             </a:pPr>
             <a:r>
-              <a:rPr lang="en-US" sz="1600" b="1" dirty="0">
+              <a:rPr lang="en-US" sz="2000" b="1" dirty="0">
                 <a:latin typeface="Segoe UI Black" panose="020B0A02040204020203" pitchFamily="34" charset="0"/>
                 <a:ea typeface="Segoe UI Black" panose="020B0A02040204020203" pitchFamily="34" charset="0"/>
                 <a:cs typeface="Segoe UI Semibold" panose="020B0702040204020203" pitchFamily="34" charset="0"/>
@@ -30277,7 +30294,7 @@
               <a:t>Code reuse</a:t>
             </a:r>
             <a:r>
-              <a:rPr lang="en-US" sz="1600" dirty="0">
+              <a:rPr lang="en-US" sz="2000" dirty="0">
                 <a:latin typeface="Segoe UI Semibold" panose="020B0702040204020203" pitchFamily="34" charset="0"/>
                 <a:cs typeface="Segoe UI Semibold" panose="020B0702040204020203" pitchFamily="34" charset="0"/>
               </a:rPr>
@@ -30293,7 +30310,7 @@
               <a:buChar char="•"/>
             </a:pPr>
             <a:r>
-              <a:rPr lang="en-US" sz="1600" dirty="0">
+              <a:rPr lang="en-US" sz="2000" dirty="0">
                 <a:latin typeface="Segoe UI Black" panose="020B0A02040204020203" pitchFamily="34" charset="0"/>
                 <a:ea typeface="Segoe UI Black" panose="020B0A02040204020203" pitchFamily="34" charset="0"/>
                 <a:cs typeface="Segoe UI Semibold" panose="020B0702040204020203" pitchFamily="34" charset="0"/>
@@ -30301,7 +30318,7 @@
               <a:t>Deploy</a:t>
             </a:r>
             <a:r>
-              <a:rPr lang="en-US" sz="1600" dirty="0">
+              <a:rPr lang="en-US" sz="2000" dirty="0">
                 <a:latin typeface="Segoe UI Semibold" panose="020B0702040204020203" pitchFamily="34" charset="0"/>
                 <a:cs typeface="Segoe UI Semibold" panose="020B0702040204020203" pitchFamily="34" charset="0"/>
               </a:rPr>
@@ -30406,8 +30423,8 @@
         </p:nvSpPr>
         <p:spPr>
           <a:xfrm>
-            <a:off x="0" y="886691"/>
-            <a:ext cx="12192000" cy="2205182"/>
+            <a:off x="0" y="886690"/>
+            <a:ext cx="12192000" cy="3275001"/>
           </a:xfrm>
         </p:spPr>
         <p:txBody>
@@ -30416,6 +30433,11 @@
           </a:bodyPr>
           <a:lstStyle/>
           <a:p>
+            <a:pPr>
+              <a:lnSpc>
+                <a:spcPct val="150000"/>
+              </a:lnSpc>
+            </a:pPr>
             <a:r>
               <a:rPr lang="en-US" sz="4000" b="1" dirty="0">
                 <a:latin typeface="Segoe UI Semibold" panose="020B0702040204020203" pitchFamily="34" charset="0"/>
@@ -30630,7 +30652,7 @@
         <p:spPr>
           <a:xfrm>
             <a:off x="738908" y="930564"/>
-            <a:ext cx="4858328" cy="2311400"/>
+            <a:ext cx="4858328" cy="1974272"/>
           </a:xfrm>
         </p:spPr>
         <p:txBody>
@@ -30642,15 +30664,15 @@
             <a:pPr algn="l"/>
             <a:r>
               <a:rPr lang="en-US" sz="4000" b="1" dirty="0">
-                <a:latin typeface="Segoe UI Light" panose="020B0502040204020203" pitchFamily="34" charset="0"/>
-                <a:cs typeface="Segoe UI Light" panose="020B0502040204020203" pitchFamily="34" charset="0"/>
+                <a:latin typeface="Segoe UI Semibold" panose="020B0702040204020203" pitchFamily="34" charset="0"/>
+                <a:cs typeface="Segoe UI Semibold" panose="020B0702040204020203" pitchFamily="34" charset="0"/>
               </a:rPr>
               <a:t>In-Process</a:t>
             </a:r>
             <a:br>
               <a:rPr lang="en-US" sz="4000" b="1" dirty="0">
-                <a:latin typeface="Segoe UI Light" panose="020B0502040204020203" pitchFamily="34" charset="0"/>
-                <a:cs typeface="Segoe UI Light" panose="020B0502040204020203" pitchFamily="34" charset="0"/>
+                <a:latin typeface="Segoe UI Semibold" panose="020B0702040204020203" pitchFamily="34" charset="0"/>
+                <a:cs typeface="Segoe UI Semibold" panose="020B0702040204020203" pitchFamily="34" charset="0"/>
               </a:rPr>
             </a:br>
             <a:r>
@@ -30978,7 +31000,7 @@
         <p:spPr>
           <a:xfrm>
             <a:off x="738908" y="3173267"/>
-            <a:ext cx="4368801" cy="2042969"/>
+            <a:ext cx="4858328" cy="2042969"/>
           </a:xfrm>
           <a:prstGeom prst="rect">
             <a:avLst/>
@@ -31161,7 +31183,7 @@
               <a:buChar char="•"/>
             </a:pPr>
             <a:r>
-              <a:rPr lang="en-US" sz="1600" dirty="0">
+              <a:rPr lang="en-US" sz="2000" dirty="0">
                 <a:latin typeface="Segoe UI Semibold" panose="020B0702040204020203" pitchFamily="34" charset="0"/>
                 <a:cs typeface="Segoe UI Semibold" panose="020B0702040204020203" pitchFamily="34" charset="0"/>
               </a:rPr>
@@ -31177,7 +31199,7 @@
               <a:buChar char="•"/>
             </a:pPr>
             <a:r>
-              <a:rPr lang="en-US" sz="1600" dirty="0">
+              <a:rPr lang="en-US" sz="2000" dirty="0">
                 <a:latin typeface="Segoe UI Semibold" panose="020B0702040204020203" pitchFamily="34" charset="0"/>
                 <a:cs typeface="Segoe UI Semibold" panose="020B0702040204020203" pitchFamily="34" charset="0"/>
               </a:rPr>
@@ -31193,7 +31215,7 @@
               <a:buChar char="•"/>
             </a:pPr>
             <a:r>
-              <a:rPr lang="en-US" sz="1600" dirty="0">
+              <a:rPr lang="en-US" sz="2000" dirty="0">
                 <a:latin typeface="Segoe UI Semibold" panose="020B0702040204020203" pitchFamily="34" charset="0"/>
                 <a:cs typeface="Segoe UI Semibold" panose="020B0702040204020203" pitchFamily="34" charset="0"/>
               </a:rPr>
@@ -31598,7 +31620,7 @@
         <p:spPr>
           <a:xfrm>
             <a:off x="738908" y="930564"/>
-            <a:ext cx="4858328" cy="2311400"/>
+            <a:ext cx="4858328" cy="1974272"/>
           </a:xfrm>
         </p:spPr>
         <p:txBody>
@@ -31610,15 +31632,15 @@
             <a:pPr algn="l"/>
             <a:r>
               <a:rPr lang="en-US" sz="4000" b="1" dirty="0">
-                <a:latin typeface="Segoe UI Light" panose="020B0502040204020203" pitchFamily="34" charset="0"/>
-                <a:cs typeface="Segoe UI Light" panose="020B0502040204020203" pitchFamily="34" charset="0"/>
+                <a:latin typeface="Segoe UI Semibold" panose="020B0702040204020203" pitchFamily="34" charset="0"/>
+                <a:cs typeface="Segoe UI Semibold" panose="020B0702040204020203" pitchFamily="34" charset="0"/>
               </a:rPr>
               <a:t>Distributed</a:t>
             </a:r>
             <a:br>
               <a:rPr lang="en-US" sz="4000" b="1" dirty="0">
-                <a:latin typeface="Segoe UI Light" panose="020B0502040204020203" pitchFamily="34" charset="0"/>
-                <a:cs typeface="Segoe UI Light" panose="020B0502040204020203" pitchFamily="34" charset="0"/>
+                <a:latin typeface="Segoe UI Semibold" panose="020B0702040204020203" pitchFamily="34" charset="0"/>
+                <a:cs typeface="Segoe UI Semibold" panose="020B0702040204020203" pitchFamily="34" charset="0"/>
               </a:rPr>
             </a:br>
             <a:r>
@@ -31946,7 +31968,7 @@
         <p:spPr>
           <a:xfrm>
             <a:off x="738909" y="3173267"/>
-            <a:ext cx="4000872" cy="2311400"/>
+            <a:ext cx="5185564" cy="2311400"/>
           </a:xfrm>
           <a:prstGeom prst="rect">
             <a:avLst/>
@@ -32129,7 +32151,7 @@
               <a:buChar char="•"/>
             </a:pPr>
             <a:r>
-              <a:rPr lang="en-US" sz="1600" dirty="0">
+              <a:rPr lang="en-US" sz="2000" dirty="0">
                 <a:latin typeface="Segoe UI Semibold" panose="020B0702040204020203" pitchFamily="34" charset="0"/>
                 <a:cs typeface="Segoe UI Semibold" panose="020B0702040204020203" pitchFamily="34" charset="0"/>
               </a:rPr>
@@ -32145,7 +32167,7 @@
               <a:buChar char="•"/>
             </a:pPr>
             <a:r>
-              <a:rPr lang="en-US" sz="1600" dirty="0">
+              <a:rPr lang="en-US" sz="2000" dirty="0">
                 <a:latin typeface="Segoe UI Semibold" panose="020B0702040204020203" pitchFamily="34" charset="0"/>
                 <a:cs typeface="Segoe UI Semibold" panose="020B0702040204020203" pitchFamily="34" charset="0"/>
               </a:rPr>
@@ -32161,7 +32183,7 @@
               <a:buChar char="•"/>
             </a:pPr>
             <a:r>
-              <a:rPr lang="en-US" sz="1600" dirty="0">
+              <a:rPr lang="en-US" sz="2000" dirty="0">
                 <a:latin typeface="Segoe UI Semibold" panose="020B0702040204020203" pitchFamily="34" charset="0"/>
                 <a:cs typeface="Segoe UI Semibold" panose="020B0702040204020203" pitchFamily="34" charset="0"/>
               </a:rPr>
@@ -32177,7 +32199,7 @@
               <a:buChar char="•"/>
             </a:pPr>
             <a:r>
-              <a:rPr lang="en-US" sz="1600" dirty="0">
+              <a:rPr lang="en-US" sz="2000" dirty="0">
                 <a:latin typeface="Segoe UI Semibold" panose="020B0702040204020203" pitchFamily="34" charset="0"/>
                 <a:cs typeface="Segoe UI Semibold" panose="020B0702040204020203" pitchFamily="34" charset="0"/>
               </a:rPr>
@@ -32933,12 +32955,543 @@
           </a:prstGeom>
         </p:spPr>
       </p:pic>
+      <p:sp>
+        <p:nvSpPr>
+          <p:cNvPr id="5" name="Footer Placeholder 4">
+            <a:extLst>
+              <a:ext uri="{FF2B5EF4-FFF2-40B4-BE49-F238E27FC236}">
+                <a16:creationId xmlns:a16="http://schemas.microsoft.com/office/drawing/2014/main" id="{A3553ADE-3838-4EDB-9F14-97C75DE2198D}"/>
+              </a:ext>
+            </a:extLst>
+          </p:cNvPr>
+          <p:cNvSpPr>
+            <a:spLocks noGrp="1"/>
+          </p:cNvSpPr>
+          <p:nvPr>
+            <p:ph type="ftr" sz="quarter" idx="11"/>
+          </p:nvPr>
+        </p:nvSpPr>
+        <p:spPr>
+          <a:xfrm>
+            <a:off x="0" y="6483927"/>
+            <a:ext cx="4190999" cy="374073"/>
+          </a:xfrm>
+        </p:spPr>
+        <p:txBody>
+          <a:bodyPr/>
+          <a:lstStyle/>
+          <a:p>
+            <a:pPr algn="l"/>
+            <a:r>
+              <a:rPr lang="en-US" dirty="0" err="1">
+                <a:solidFill>
+                  <a:schemeClr val="tx1"/>
+                </a:solidFill>
+                <a:latin typeface="Segoe UI" panose="020B0502040204020203" pitchFamily="34" charset="0"/>
+                <a:cs typeface="Segoe UI" panose="020B0502040204020203" pitchFamily="34" charset="0"/>
+              </a:rPr>
+              <a:t>Halil</a:t>
+            </a:r>
+            <a:r>
+              <a:rPr lang="en-US" dirty="0">
+                <a:solidFill>
+                  <a:schemeClr val="tx1"/>
+                </a:solidFill>
+                <a:latin typeface="Segoe UI" panose="020B0502040204020203" pitchFamily="34" charset="0"/>
+                <a:cs typeface="Segoe UI" panose="020B0502040204020203" pitchFamily="34" charset="0"/>
+              </a:rPr>
+              <a:t> İbrahim KALKAN | @</a:t>
+            </a:r>
+            <a:r>
+              <a:rPr lang="en-US" dirty="0" err="1">
+                <a:solidFill>
+                  <a:schemeClr val="tx1"/>
+                </a:solidFill>
+                <a:latin typeface="Segoe UI" panose="020B0502040204020203" pitchFamily="34" charset="0"/>
+                <a:cs typeface="Segoe UI" panose="020B0502040204020203" pitchFamily="34" charset="0"/>
+              </a:rPr>
+              <a:t>hikalkan</a:t>
+            </a:r>
+            <a:r>
+              <a:rPr lang="en-US" dirty="0">
+                <a:solidFill>
+                  <a:schemeClr val="tx1"/>
+                </a:solidFill>
+                <a:latin typeface="Segoe UI" panose="020B0502040204020203" pitchFamily="34" charset="0"/>
+                <a:cs typeface="Segoe UI" panose="020B0502040204020203" pitchFamily="34" charset="0"/>
+              </a:rPr>
+              <a:t> | </a:t>
+            </a:r>
+            <a:r>
+              <a:rPr lang="en-US" dirty="0" err="1">
+                <a:solidFill>
+                  <a:schemeClr val="tx1"/>
+                </a:solidFill>
+                <a:latin typeface="Segoe UI" panose="020B0502040204020203" pitchFamily="34" charset="0"/>
+                <a:cs typeface="Segoe UI" panose="020B0502040204020203" pitchFamily="34" charset="0"/>
+              </a:rPr>
+              <a:t>Volosoft</a:t>
+            </a:r>
+            <a:r>
+              <a:rPr lang="en-US" dirty="0">
+                <a:solidFill>
+                  <a:schemeClr val="tx1"/>
+                </a:solidFill>
+                <a:latin typeface="Segoe UI" panose="020B0502040204020203" pitchFamily="34" charset="0"/>
+                <a:cs typeface="Segoe UI" panose="020B0502040204020203" pitchFamily="34" charset="0"/>
+              </a:rPr>
+              <a:t> TM</a:t>
+            </a:r>
+          </a:p>
+        </p:txBody>
+      </p:sp>
+      <p:sp>
+        <p:nvSpPr>
+          <p:cNvPr id="14" name="Title 1">
+            <a:extLst>
+              <a:ext uri="{FF2B5EF4-FFF2-40B4-BE49-F238E27FC236}">
+                <a16:creationId xmlns:a16="http://schemas.microsoft.com/office/drawing/2014/main" id="{C8F5470D-0D53-4FA3-8F65-3EA0B690BCD6}"/>
+              </a:ext>
+            </a:extLst>
+          </p:cNvPr>
+          <p:cNvSpPr>
+            <a:spLocks noGrp="1"/>
+          </p:cNvSpPr>
+          <p:nvPr>
+            <p:ph type="ctrTitle"/>
+          </p:nvPr>
+        </p:nvSpPr>
+        <p:spPr>
+          <a:xfrm>
+            <a:off x="1043354" y="3852000"/>
+            <a:ext cx="9144000" cy="925752"/>
+          </a:xfrm>
+        </p:spPr>
+        <p:txBody>
+          <a:bodyPr anchor="t">
+            <a:normAutofit fontScale="90000"/>
+          </a:bodyPr>
+          <a:lstStyle/>
+          <a:p>
+            <a:pPr algn="r"/>
+            <a:r>
+              <a:rPr lang="en-US" sz="3200" dirty="0">
+                <a:latin typeface="Segoe UI Light" panose="020B0502040204020203" pitchFamily="34" charset="0"/>
+                <a:cs typeface="Segoe UI Light" panose="020B0502040204020203" pitchFamily="34" charset="0"/>
+              </a:rPr>
+              <a:t>Halil İbrahim KALKAN</a:t>
+            </a:r>
+            <a:br>
+              <a:rPr lang="en-US" sz="3200" dirty="0">
+                <a:latin typeface="Segoe UI Light" panose="020B0502040204020203" pitchFamily="34" charset="0"/>
+                <a:cs typeface="Segoe UI Light" panose="020B0502040204020203" pitchFamily="34" charset="0"/>
+              </a:rPr>
+            </a:br>
+            <a:r>
+              <a:rPr lang="en-US" sz="2200" dirty="0">
+                <a:latin typeface="Segoe UI Light" panose="020B0502040204020203" pitchFamily="34" charset="0"/>
+                <a:cs typeface="Segoe UI Light" panose="020B0502040204020203" pitchFamily="34" charset="0"/>
+              </a:rPr>
+              <a:t>Co Founder at </a:t>
+            </a:r>
+            <a:r>
+              <a:rPr lang="en-US" sz="3200" dirty="0" err="1">
+                <a:latin typeface="Segoe UI Light" panose="020B0502040204020203" pitchFamily="34" charset="0"/>
+                <a:cs typeface="Segoe UI Light" panose="020B0502040204020203" pitchFamily="34" charset="0"/>
+              </a:rPr>
+              <a:t>Volosoft</a:t>
+            </a:r>
+            <a:endParaRPr lang="en-US" sz="3200" dirty="0">
+              <a:latin typeface="Segoe UI Light" panose="020B0502040204020203" pitchFamily="34" charset="0"/>
+              <a:cs typeface="Segoe UI Light" panose="020B0502040204020203" pitchFamily="34" charset="0"/>
+            </a:endParaRPr>
+          </a:p>
+        </p:txBody>
+      </p:sp>
+      <p:sp>
+        <p:nvSpPr>
+          <p:cNvPr id="15" name="Subtitle 2">
+            <a:extLst>
+              <a:ext uri="{FF2B5EF4-FFF2-40B4-BE49-F238E27FC236}">
+                <a16:creationId xmlns:a16="http://schemas.microsoft.com/office/drawing/2014/main" id="{223C958F-8E0B-4F97-83E8-FC942A0B4C64}"/>
+              </a:ext>
+            </a:extLst>
+          </p:cNvPr>
+          <p:cNvSpPr txBox="1">
+            <a:spLocks/>
+          </p:cNvSpPr>
+          <p:nvPr/>
+        </p:nvSpPr>
+        <p:spPr>
+          <a:xfrm>
+            <a:off x="1043354" y="4777752"/>
+            <a:ext cx="9144000" cy="526473"/>
+          </a:xfrm>
+          <a:prstGeom prst="rect">
+            <a:avLst/>
+          </a:prstGeom>
+        </p:spPr>
+        <p:txBody>
+          <a:bodyPr vert="horz" lIns="91440" tIns="45720" rIns="91440" bIns="45720" rtlCol="0">
+            <a:normAutofit/>
+          </a:bodyPr>
+          <a:lstStyle>
+            <a:lvl1pPr marL="0" indent="0" algn="ctr" defTabSz="914400" rtl="0" eaLnBrk="1" latinLnBrk="0" hangingPunct="1">
+              <a:lnSpc>
+                <a:spcPct val="90000"/>
+              </a:lnSpc>
+              <a:spcBef>
+                <a:spcPts val="1000"/>
+              </a:spcBef>
+              <a:buFont typeface="Arial" panose="020B0604020202020204" pitchFamily="34" charset="0"/>
+              <a:buNone/>
+              <a:defRPr sz="2400" kern="1200">
+                <a:solidFill>
+                  <a:schemeClr val="tx1"/>
+                </a:solidFill>
+                <a:latin typeface="+mn-lt"/>
+                <a:ea typeface="+mn-ea"/>
+                <a:cs typeface="+mn-cs"/>
+              </a:defRPr>
+            </a:lvl1pPr>
+            <a:lvl2pPr marL="457200" indent="0" algn="ctr" defTabSz="914400" rtl="0" eaLnBrk="1" latinLnBrk="0" hangingPunct="1">
+              <a:lnSpc>
+                <a:spcPct val="90000"/>
+              </a:lnSpc>
+              <a:spcBef>
+                <a:spcPts val="500"/>
+              </a:spcBef>
+              <a:buFont typeface="Arial" panose="020B0604020202020204" pitchFamily="34" charset="0"/>
+              <a:buNone/>
+              <a:defRPr sz="2000" kern="1200">
+                <a:solidFill>
+                  <a:schemeClr val="tx1"/>
+                </a:solidFill>
+                <a:latin typeface="+mn-lt"/>
+                <a:ea typeface="+mn-ea"/>
+                <a:cs typeface="+mn-cs"/>
+              </a:defRPr>
+            </a:lvl2pPr>
+            <a:lvl3pPr marL="914400" indent="0" algn="ctr" defTabSz="914400" rtl="0" eaLnBrk="1" latinLnBrk="0" hangingPunct="1">
+              <a:lnSpc>
+                <a:spcPct val="90000"/>
+              </a:lnSpc>
+              <a:spcBef>
+                <a:spcPts val="500"/>
+              </a:spcBef>
+              <a:buFont typeface="Arial" panose="020B0604020202020204" pitchFamily="34" charset="0"/>
+              <a:buNone/>
+              <a:defRPr sz="1800" kern="1200">
+                <a:solidFill>
+                  <a:schemeClr val="tx1"/>
+                </a:solidFill>
+                <a:latin typeface="+mn-lt"/>
+                <a:ea typeface="+mn-ea"/>
+                <a:cs typeface="+mn-cs"/>
+              </a:defRPr>
+            </a:lvl3pPr>
+            <a:lvl4pPr marL="1371600" indent="0" algn="ctr" defTabSz="914400" rtl="0" eaLnBrk="1" latinLnBrk="0" hangingPunct="1">
+              <a:lnSpc>
+                <a:spcPct val="90000"/>
+              </a:lnSpc>
+              <a:spcBef>
+                <a:spcPts val="500"/>
+              </a:spcBef>
+              <a:buFont typeface="Arial" panose="020B0604020202020204" pitchFamily="34" charset="0"/>
+              <a:buNone/>
+              <a:defRPr sz="1600" kern="1200">
+                <a:solidFill>
+                  <a:schemeClr val="tx1"/>
+                </a:solidFill>
+                <a:latin typeface="+mn-lt"/>
+                <a:ea typeface="+mn-ea"/>
+                <a:cs typeface="+mn-cs"/>
+              </a:defRPr>
+            </a:lvl4pPr>
+            <a:lvl5pPr marL="1828800" indent="0" algn="ctr" defTabSz="914400" rtl="0" eaLnBrk="1" latinLnBrk="0" hangingPunct="1">
+              <a:lnSpc>
+                <a:spcPct val="90000"/>
+              </a:lnSpc>
+              <a:spcBef>
+                <a:spcPts val="500"/>
+              </a:spcBef>
+              <a:buFont typeface="Arial" panose="020B0604020202020204" pitchFamily="34" charset="0"/>
+              <a:buNone/>
+              <a:defRPr sz="1600" kern="1200">
+                <a:solidFill>
+                  <a:schemeClr val="tx1"/>
+                </a:solidFill>
+                <a:latin typeface="+mn-lt"/>
+                <a:ea typeface="+mn-ea"/>
+                <a:cs typeface="+mn-cs"/>
+              </a:defRPr>
+            </a:lvl5pPr>
+            <a:lvl6pPr marL="2286000" indent="0" algn="ctr" defTabSz="914400" rtl="0" eaLnBrk="1" latinLnBrk="0" hangingPunct="1">
+              <a:lnSpc>
+                <a:spcPct val="90000"/>
+              </a:lnSpc>
+              <a:spcBef>
+                <a:spcPts val="500"/>
+              </a:spcBef>
+              <a:buFont typeface="Arial" panose="020B0604020202020204" pitchFamily="34" charset="0"/>
+              <a:buNone/>
+              <a:defRPr sz="1600" kern="1200">
+                <a:solidFill>
+                  <a:schemeClr val="tx1"/>
+                </a:solidFill>
+                <a:latin typeface="+mn-lt"/>
+                <a:ea typeface="+mn-ea"/>
+                <a:cs typeface="+mn-cs"/>
+              </a:defRPr>
+            </a:lvl6pPr>
+            <a:lvl7pPr marL="2743200" indent="0" algn="ctr" defTabSz="914400" rtl="0" eaLnBrk="1" latinLnBrk="0" hangingPunct="1">
+              <a:lnSpc>
+                <a:spcPct val="90000"/>
+              </a:lnSpc>
+              <a:spcBef>
+                <a:spcPts val="500"/>
+              </a:spcBef>
+              <a:buFont typeface="Arial" panose="020B0604020202020204" pitchFamily="34" charset="0"/>
+              <a:buNone/>
+              <a:defRPr sz="1600" kern="1200">
+                <a:solidFill>
+                  <a:schemeClr val="tx1"/>
+                </a:solidFill>
+                <a:latin typeface="+mn-lt"/>
+                <a:ea typeface="+mn-ea"/>
+                <a:cs typeface="+mn-cs"/>
+              </a:defRPr>
+            </a:lvl7pPr>
+            <a:lvl8pPr marL="3200400" indent="0" algn="ctr" defTabSz="914400" rtl="0" eaLnBrk="1" latinLnBrk="0" hangingPunct="1">
+              <a:lnSpc>
+                <a:spcPct val="90000"/>
+              </a:lnSpc>
+              <a:spcBef>
+                <a:spcPts val="500"/>
+              </a:spcBef>
+              <a:buFont typeface="Arial" panose="020B0604020202020204" pitchFamily="34" charset="0"/>
+              <a:buNone/>
+              <a:defRPr sz="1600" kern="1200">
+                <a:solidFill>
+                  <a:schemeClr val="tx1"/>
+                </a:solidFill>
+                <a:latin typeface="+mn-lt"/>
+                <a:ea typeface="+mn-ea"/>
+                <a:cs typeface="+mn-cs"/>
+              </a:defRPr>
+            </a:lvl8pPr>
+            <a:lvl9pPr marL="3657600" indent="0" algn="ctr" defTabSz="914400" rtl="0" eaLnBrk="1" latinLnBrk="0" hangingPunct="1">
+              <a:lnSpc>
+                <a:spcPct val="90000"/>
+              </a:lnSpc>
+              <a:spcBef>
+                <a:spcPts val="500"/>
+              </a:spcBef>
+              <a:buFont typeface="Arial" panose="020B0604020202020204" pitchFamily="34" charset="0"/>
+              <a:buNone/>
+              <a:defRPr sz="1600" kern="1200">
+                <a:solidFill>
+                  <a:schemeClr val="tx1"/>
+                </a:solidFill>
+                <a:latin typeface="+mn-lt"/>
+                <a:ea typeface="+mn-ea"/>
+                <a:cs typeface="+mn-cs"/>
+              </a:defRPr>
+            </a:lvl9pPr>
+          </a:lstStyle>
+          <a:p>
+            <a:pPr algn="r"/>
+            <a:r>
+              <a:rPr lang="en-US" sz="1800" b="1" dirty="0">
+                <a:latin typeface="Segoe UI Semibold" panose="020B0702040204020203" pitchFamily="34" charset="0"/>
+                <a:cs typeface="Segoe UI Semibold" panose="020B0702040204020203" pitchFamily="34" charset="0"/>
+              </a:rPr>
+              <a:t>Web: halilibrahimkalkan.com</a:t>
+            </a:r>
+            <a:r>
+              <a:rPr lang="tr-TR" sz="1800" b="1" dirty="0">
+                <a:latin typeface="Segoe UI Semibold" panose="020B0702040204020203" pitchFamily="34" charset="0"/>
+                <a:cs typeface="Segoe UI Semibold" panose="020B0702040204020203" pitchFamily="34" charset="0"/>
+              </a:rPr>
+              <a:t> </a:t>
+            </a:r>
+            <a:r>
+              <a:rPr lang="en-US" sz="1800" b="1" dirty="0">
+                <a:latin typeface="Segoe UI Semibold" panose="020B0702040204020203" pitchFamily="34" charset="0"/>
+                <a:cs typeface="Segoe UI Semibold" panose="020B0702040204020203" pitchFamily="34" charset="0"/>
+              </a:rPr>
+              <a:t> </a:t>
+            </a:r>
+            <a:r>
+              <a:rPr lang="en-US" sz="1800" b="1" dirty="0">
+                <a:solidFill>
+                  <a:schemeClr val="bg2">
+                    <a:lumMod val="90000"/>
+                  </a:schemeClr>
+                </a:solidFill>
+                <a:latin typeface="Segoe UI Semibold" panose="020B0702040204020203" pitchFamily="34" charset="0"/>
+                <a:cs typeface="Segoe UI Semibold" panose="020B0702040204020203" pitchFamily="34" charset="0"/>
+              </a:rPr>
+              <a:t>|</a:t>
+            </a:r>
+            <a:r>
+              <a:rPr lang="tr-TR" sz="1800" b="1" dirty="0">
+                <a:solidFill>
+                  <a:schemeClr val="bg2">
+                    <a:lumMod val="90000"/>
+                  </a:schemeClr>
+                </a:solidFill>
+                <a:latin typeface="Segoe UI Semibold" panose="020B0702040204020203" pitchFamily="34" charset="0"/>
+                <a:cs typeface="Segoe UI Semibold" panose="020B0702040204020203" pitchFamily="34" charset="0"/>
+              </a:rPr>
+              <a:t> </a:t>
+            </a:r>
+            <a:r>
+              <a:rPr lang="en-US" sz="1800" b="1" dirty="0">
+                <a:latin typeface="Segoe UI Semibold" panose="020B0702040204020203" pitchFamily="34" charset="0"/>
+                <a:cs typeface="Segoe UI Semibold" panose="020B0702040204020203" pitchFamily="34" charset="0"/>
+              </a:rPr>
+              <a:t> </a:t>
+            </a:r>
+            <a:r>
+              <a:rPr lang="en-US" sz="1800" b="1" dirty="0" err="1">
+                <a:latin typeface="Segoe UI Semibold" panose="020B0702040204020203" pitchFamily="34" charset="0"/>
+                <a:cs typeface="Segoe UI Semibold" panose="020B0702040204020203" pitchFamily="34" charset="0"/>
+              </a:rPr>
+              <a:t>Github</a:t>
+            </a:r>
+            <a:r>
+              <a:rPr lang="en-US" sz="1800" b="1" dirty="0">
+                <a:latin typeface="Segoe UI Semibold" panose="020B0702040204020203" pitchFamily="34" charset="0"/>
+                <a:cs typeface="Segoe UI Semibold" panose="020B0702040204020203" pitchFamily="34" charset="0"/>
+              </a:rPr>
+              <a:t>: @</a:t>
+            </a:r>
+            <a:r>
+              <a:rPr lang="en-US" sz="1800" b="1" dirty="0" err="1">
+                <a:latin typeface="Segoe UI Semibold" panose="020B0702040204020203" pitchFamily="34" charset="0"/>
+                <a:cs typeface="Segoe UI Semibold" panose="020B0702040204020203" pitchFamily="34" charset="0"/>
+              </a:rPr>
+              <a:t>hikalkan</a:t>
+            </a:r>
+            <a:r>
+              <a:rPr lang="tr-TR" sz="1800" b="1" dirty="0">
+                <a:latin typeface="Segoe UI Semibold" panose="020B0702040204020203" pitchFamily="34" charset="0"/>
+                <a:cs typeface="Segoe UI Semibold" panose="020B0702040204020203" pitchFamily="34" charset="0"/>
+              </a:rPr>
+              <a:t> </a:t>
+            </a:r>
+            <a:r>
+              <a:rPr lang="en-US" sz="1800" b="1" dirty="0">
+                <a:latin typeface="Segoe UI Semibold" panose="020B0702040204020203" pitchFamily="34" charset="0"/>
+                <a:cs typeface="Segoe UI Semibold" panose="020B0702040204020203" pitchFamily="34" charset="0"/>
+              </a:rPr>
+              <a:t> </a:t>
+            </a:r>
+            <a:r>
+              <a:rPr lang="en-US" sz="1800" b="1" dirty="0">
+                <a:solidFill>
+                  <a:schemeClr val="bg2">
+                    <a:lumMod val="90000"/>
+                  </a:schemeClr>
+                </a:solidFill>
+                <a:latin typeface="Segoe UI Semibold" panose="020B0702040204020203" pitchFamily="34" charset="0"/>
+                <a:cs typeface="Segoe UI Semibold" panose="020B0702040204020203" pitchFamily="34" charset="0"/>
+              </a:rPr>
+              <a:t>|</a:t>
+            </a:r>
+            <a:r>
+              <a:rPr lang="en-US" sz="1800" b="1" dirty="0">
+                <a:latin typeface="Segoe UI Semibold" panose="020B0702040204020203" pitchFamily="34" charset="0"/>
+                <a:cs typeface="Segoe UI Semibold" panose="020B0702040204020203" pitchFamily="34" charset="0"/>
+              </a:rPr>
+              <a:t> </a:t>
+            </a:r>
+            <a:r>
+              <a:rPr lang="tr-TR" sz="1800" b="1" dirty="0">
+                <a:latin typeface="Segoe UI Semibold" panose="020B0702040204020203" pitchFamily="34" charset="0"/>
+                <a:cs typeface="Segoe UI Semibold" panose="020B0702040204020203" pitchFamily="34" charset="0"/>
+              </a:rPr>
+              <a:t> </a:t>
+            </a:r>
+            <a:r>
+              <a:rPr lang="en-US" sz="1800" b="1" dirty="0">
+                <a:latin typeface="Segoe UI Semibold" panose="020B0702040204020203" pitchFamily="34" charset="0"/>
+                <a:cs typeface="Segoe UI Semibold" panose="020B0702040204020203" pitchFamily="34" charset="0"/>
+              </a:rPr>
+              <a:t>Twitter: @</a:t>
+            </a:r>
+            <a:r>
+              <a:rPr lang="en-US" sz="1800" b="1" dirty="0" err="1">
+                <a:latin typeface="Segoe UI Semibold" panose="020B0702040204020203" pitchFamily="34" charset="0"/>
+                <a:cs typeface="Segoe UI Semibold" panose="020B0702040204020203" pitchFamily="34" charset="0"/>
+              </a:rPr>
+              <a:t>hibrahimkalkan</a:t>
+            </a:r>
+            <a:endParaRPr lang="en-US" sz="1800" b="1" dirty="0">
+              <a:latin typeface="Segoe UI Semibold" panose="020B0702040204020203" pitchFamily="34" charset="0"/>
+              <a:cs typeface="Segoe UI Semibold" panose="020B0702040204020203" pitchFamily="34" charset="0"/>
+            </a:endParaRPr>
+          </a:p>
+        </p:txBody>
+      </p:sp>
+      <p:sp>
+        <p:nvSpPr>
+          <p:cNvPr id="17" name="Rectangle 5">
+            <a:extLst>
+              <a:ext uri="{FF2B5EF4-FFF2-40B4-BE49-F238E27FC236}">
+                <a16:creationId xmlns:a16="http://schemas.microsoft.com/office/drawing/2014/main" id="{48AAB7DB-8142-48BE-8D29-516C8FAA3BB6}"/>
+              </a:ext>
+            </a:extLst>
+          </p:cNvPr>
+          <p:cNvSpPr/>
+          <p:nvPr/>
+        </p:nvSpPr>
+        <p:spPr>
+          <a:xfrm>
+            <a:off x="1494692" y="1211536"/>
+            <a:ext cx="5039348" cy="1200329"/>
+          </a:xfrm>
+          <a:prstGeom prst="rect">
+            <a:avLst/>
+          </a:prstGeom>
+        </p:spPr>
+        <p:txBody>
+          <a:bodyPr wrap="square">
+            <a:spAutoFit/>
+          </a:bodyPr>
+          <a:lstStyle/>
+          <a:p>
+            <a:r>
+              <a:rPr lang="tr-TR" sz="7200" b="1" dirty="0" err="1">
+                <a:solidFill>
+                  <a:srgbClr val="0041C6"/>
+                </a:solidFill>
+                <a:latin typeface="Segoe UI Semibold" panose="020B0702040204020203" pitchFamily="34" charset="0"/>
+                <a:cs typeface="Segoe UI Semibold" panose="020B0702040204020203" pitchFamily="34" charset="0"/>
+              </a:rPr>
+              <a:t>Thanks</a:t>
+            </a:r>
+            <a:r>
+              <a:rPr lang="tr-TR" sz="7200" b="1" dirty="0">
+                <a:solidFill>
+                  <a:srgbClr val="0041C6"/>
+                </a:solidFill>
+                <a:latin typeface="Segoe UI Semibold" panose="020B0702040204020203" pitchFamily="34" charset="0"/>
+                <a:cs typeface="Segoe UI Semibold" panose="020B0702040204020203" pitchFamily="34" charset="0"/>
+              </a:rPr>
+              <a:t>!</a:t>
+            </a:r>
+            <a:endParaRPr lang="en-US" sz="7200" dirty="0"/>
+          </a:p>
+        </p:txBody>
+      </p:sp>
       <p:pic>
         <p:nvPicPr>
-          <p:cNvPr id="18" name="Picture 17">
-            <a:extLst>
-              <a:ext uri="{FF2B5EF4-FFF2-40B4-BE49-F238E27FC236}">
-                <a16:creationId xmlns:a16="http://schemas.microsoft.com/office/drawing/2014/main" id="{89ACED8B-B185-4731-BF55-748A06FE61CE}"/>
+          <p:cNvPr id="19" name="Resim 18">
+            <a:extLst>
+              <a:ext uri="{FF2B5EF4-FFF2-40B4-BE49-F238E27FC236}">
+                <a16:creationId xmlns:a16="http://schemas.microsoft.com/office/drawing/2014/main" id="{9EC67E9E-C5BF-4FC1-9A6D-F9A38733D074}"/>
               </a:ext>
             </a:extLst>
           </p:cNvPr>
@@ -32961,323 +33514,14 @@
         </p:blipFill>
         <p:spPr>
           <a:xfrm>
-            <a:off x="7155407" y="1117456"/>
-            <a:ext cx="2971800" cy="2971800"/>
+            <a:off x="8551946" y="1741345"/>
+            <a:ext cx="1537712" cy="1977059"/>
           </a:xfrm>
           <a:prstGeom prst="rect">
             <a:avLst/>
           </a:prstGeom>
         </p:spPr>
       </p:pic>
-      <p:sp>
-        <p:nvSpPr>
-          <p:cNvPr id="3" name="Subtitle 2">
-            <a:extLst>
-              <a:ext uri="{FF2B5EF4-FFF2-40B4-BE49-F238E27FC236}">
-                <a16:creationId xmlns:a16="http://schemas.microsoft.com/office/drawing/2014/main" id="{A5EF6AF5-284D-4238-A879-57E6D7F4C605}"/>
-              </a:ext>
-            </a:extLst>
-          </p:cNvPr>
-          <p:cNvSpPr>
-            <a:spLocks noGrp="1"/>
-          </p:cNvSpPr>
-          <p:nvPr>
-            <p:ph type="subTitle" idx="1"/>
-          </p:nvPr>
-        </p:nvSpPr>
-        <p:spPr>
-          <a:xfrm>
-            <a:off x="464594" y="2479482"/>
-            <a:ext cx="6281300" cy="2084652"/>
-          </a:xfrm>
-        </p:spPr>
-        <p:txBody>
-          <a:bodyPr>
-            <a:noAutofit/>
-          </a:bodyPr>
-          <a:lstStyle/>
-          <a:p>
-            <a:pPr marL="342900" indent="-342900" algn="l">
-              <a:buFont typeface="Arial" panose="020B0604020202020204" pitchFamily="34" charset="0"/>
-              <a:buChar char="•"/>
-            </a:pPr>
-            <a:r>
-              <a:rPr lang="en-US" sz="3200" b="1" dirty="0">
-                <a:latin typeface="Segoe UI Black" panose="020B0A02040204020203" pitchFamily="34" charset="0"/>
-                <a:ea typeface="Segoe UI Black" panose="020B0A02040204020203" pitchFamily="34" charset="0"/>
-                <a:cs typeface="Segoe UI Semibold" panose="020B0702040204020203" pitchFamily="34" charset="0"/>
-              </a:rPr>
-              <a:t>Web</a:t>
-            </a:r>
-            <a:r>
-              <a:rPr lang="en-US" sz="3200" b="1" dirty="0">
-                <a:latin typeface="Segoe UI Semibold" panose="020B0702040204020203" pitchFamily="34" charset="0"/>
-                <a:cs typeface="Segoe UI Semibold" panose="020B0702040204020203" pitchFamily="34" charset="0"/>
-              </a:rPr>
-              <a:t>: halilibrahimkalkan.com</a:t>
-            </a:r>
-          </a:p>
-          <a:p>
-            <a:pPr marL="342900" indent="-342900" algn="l">
-              <a:buFont typeface="Arial" panose="020B0604020202020204" pitchFamily="34" charset="0"/>
-              <a:buChar char="•"/>
-            </a:pPr>
-            <a:r>
-              <a:rPr lang="en-US" sz="3200" b="1" dirty="0" err="1">
-                <a:latin typeface="Segoe UI Black" panose="020B0A02040204020203" pitchFamily="34" charset="0"/>
-                <a:ea typeface="Segoe UI Black" panose="020B0A02040204020203" pitchFamily="34" charset="0"/>
-                <a:cs typeface="Segoe UI Semibold" panose="020B0702040204020203" pitchFamily="34" charset="0"/>
-              </a:rPr>
-              <a:t>Github</a:t>
-            </a:r>
-            <a:r>
-              <a:rPr lang="en-US" sz="3200" b="1" dirty="0">
-                <a:latin typeface="Segoe UI Semibold" panose="020B0702040204020203" pitchFamily="34" charset="0"/>
-                <a:cs typeface="Segoe UI Semibold" panose="020B0702040204020203" pitchFamily="34" charset="0"/>
-              </a:rPr>
-              <a:t>: @hikalkan</a:t>
-            </a:r>
-          </a:p>
-          <a:p>
-            <a:pPr marL="342900" indent="-342900" algn="l">
-              <a:buFont typeface="Arial" panose="020B0604020202020204" pitchFamily="34" charset="0"/>
-              <a:buChar char="•"/>
-            </a:pPr>
-            <a:r>
-              <a:rPr lang="en-US" sz="3200" b="1" dirty="0">
-                <a:latin typeface="Segoe UI Black" panose="020B0A02040204020203" pitchFamily="34" charset="0"/>
-                <a:ea typeface="Segoe UI Black" panose="020B0A02040204020203" pitchFamily="34" charset="0"/>
-                <a:cs typeface="Segoe UI Semibold" panose="020B0702040204020203" pitchFamily="34" charset="0"/>
-              </a:rPr>
-              <a:t>Twitter</a:t>
-            </a:r>
-            <a:r>
-              <a:rPr lang="en-US" sz="3200" b="1" dirty="0">
-                <a:latin typeface="Segoe UI Semibold" panose="020B0702040204020203" pitchFamily="34" charset="0"/>
-                <a:cs typeface="Segoe UI Semibold" panose="020B0702040204020203" pitchFamily="34" charset="0"/>
-              </a:rPr>
-              <a:t>: @</a:t>
-            </a:r>
-            <a:r>
-              <a:rPr lang="en-US" sz="3200" b="1" dirty="0" err="1">
-                <a:latin typeface="Segoe UI Semibold" panose="020B0702040204020203" pitchFamily="34" charset="0"/>
-                <a:cs typeface="Segoe UI Semibold" panose="020B0702040204020203" pitchFamily="34" charset="0"/>
-              </a:rPr>
-              <a:t>hibrahimkalkan</a:t>
-            </a:r>
-            <a:endParaRPr lang="en-US" sz="3200" b="1" dirty="0">
-              <a:latin typeface="Segoe UI Semibold" panose="020B0702040204020203" pitchFamily="34" charset="0"/>
-              <a:cs typeface="Segoe UI Semibold" panose="020B0702040204020203" pitchFamily="34" charset="0"/>
-            </a:endParaRPr>
-          </a:p>
-        </p:txBody>
-      </p:sp>
-      <p:sp>
-        <p:nvSpPr>
-          <p:cNvPr id="5" name="Footer Placeholder 4">
-            <a:extLst>
-              <a:ext uri="{FF2B5EF4-FFF2-40B4-BE49-F238E27FC236}">
-                <a16:creationId xmlns:a16="http://schemas.microsoft.com/office/drawing/2014/main" id="{A3553ADE-3838-4EDB-9F14-97C75DE2198D}"/>
-              </a:ext>
-            </a:extLst>
-          </p:cNvPr>
-          <p:cNvSpPr>
-            <a:spLocks noGrp="1"/>
-          </p:cNvSpPr>
-          <p:nvPr>
-            <p:ph type="ftr" sz="quarter" idx="11"/>
-          </p:nvPr>
-        </p:nvSpPr>
-        <p:spPr>
-          <a:xfrm>
-            <a:off x="0" y="6483927"/>
-            <a:ext cx="4190999" cy="374073"/>
-          </a:xfrm>
-        </p:spPr>
-        <p:txBody>
-          <a:bodyPr/>
-          <a:lstStyle/>
-          <a:p>
-            <a:pPr algn="l"/>
-            <a:r>
-              <a:rPr lang="en-US" dirty="0" err="1">
-                <a:solidFill>
-                  <a:schemeClr val="tx1"/>
-                </a:solidFill>
-                <a:latin typeface="Segoe UI" panose="020B0502040204020203" pitchFamily="34" charset="0"/>
-                <a:cs typeface="Segoe UI" panose="020B0502040204020203" pitchFamily="34" charset="0"/>
-              </a:rPr>
-              <a:t>Halil</a:t>
-            </a:r>
-            <a:r>
-              <a:rPr lang="en-US" dirty="0">
-                <a:solidFill>
-                  <a:schemeClr val="tx1"/>
-                </a:solidFill>
-                <a:latin typeface="Segoe UI" panose="020B0502040204020203" pitchFamily="34" charset="0"/>
-                <a:cs typeface="Segoe UI" panose="020B0502040204020203" pitchFamily="34" charset="0"/>
-              </a:rPr>
-              <a:t> İbrahim KALKAN | @</a:t>
-            </a:r>
-            <a:r>
-              <a:rPr lang="en-US" dirty="0" err="1">
-                <a:solidFill>
-                  <a:schemeClr val="tx1"/>
-                </a:solidFill>
-                <a:latin typeface="Segoe UI" panose="020B0502040204020203" pitchFamily="34" charset="0"/>
-                <a:cs typeface="Segoe UI" panose="020B0502040204020203" pitchFamily="34" charset="0"/>
-              </a:rPr>
-              <a:t>hikalkan</a:t>
-            </a:r>
-            <a:r>
-              <a:rPr lang="en-US" dirty="0">
-                <a:solidFill>
-                  <a:schemeClr val="tx1"/>
-                </a:solidFill>
-                <a:latin typeface="Segoe UI" panose="020B0502040204020203" pitchFamily="34" charset="0"/>
-                <a:cs typeface="Segoe UI" panose="020B0502040204020203" pitchFamily="34" charset="0"/>
-              </a:rPr>
-              <a:t> | </a:t>
-            </a:r>
-            <a:r>
-              <a:rPr lang="en-US" dirty="0" err="1">
-                <a:solidFill>
-                  <a:schemeClr val="tx1"/>
-                </a:solidFill>
-                <a:latin typeface="Segoe UI" panose="020B0502040204020203" pitchFamily="34" charset="0"/>
-                <a:cs typeface="Segoe UI" panose="020B0502040204020203" pitchFamily="34" charset="0"/>
-              </a:rPr>
-              <a:t>Volosoft</a:t>
-            </a:r>
-            <a:r>
-              <a:rPr lang="en-US" dirty="0">
-                <a:solidFill>
-                  <a:schemeClr val="tx1"/>
-                </a:solidFill>
-                <a:latin typeface="Segoe UI" panose="020B0502040204020203" pitchFamily="34" charset="0"/>
-                <a:cs typeface="Segoe UI" panose="020B0502040204020203" pitchFamily="34" charset="0"/>
-              </a:rPr>
-              <a:t> TM</a:t>
-            </a:r>
-          </a:p>
-        </p:txBody>
-      </p:sp>
-      <p:sp>
-        <p:nvSpPr>
-          <p:cNvPr id="6" name="Rectangle 5">
-            <a:extLst>
-              <a:ext uri="{FF2B5EF4-FFF2-40B4-BE49-F238E27FC236}">
-                <a16:creationId xmlns:a16="http://schemas.microsoft.com/office/drawing/2014/main" id="{191F77C3-5D4B-41EC-BBEA-97AA16723398}"/>
-              </a:ext>
-            </a:extLst>
-          </p:cNvPr>
-          <p:cNvSpPr/>
-          <p:nvPr/>
-        </p:nvSpPr>
-        <p:spPr>
-          <a:xfrm>
-            <a:off x="649894" y="765648"/>
-            <a:ext cx="6096000" cy="769441"/>
-          </a:xfrm>
-          <a:prstGeom prst="rect">
-            <a:avLst/>
-          </a:prstGeom>
-        </p:spPr>
-        <p:txBody>
-          <a:bodyPr>
-            <a:spAutoFit/>
-          </a:bodyPr>
-          <a:lstStyle/>
-          <a:p>
-            <a:r>
-              <a:rPr lang="en-US" sz="4400" b="1" dirty="0">
-                <a:solidFill>
-                  <a:srgbClr val="0041C6"/>
-                </a:solidFill>
-                <a:latin typeface="Segoe UI Semibold" panose="020B0702040204020203" pitchFamily="34" charset="0"/>
-                <a:cs typeface="Segoe UI Semibold" panose="020B0702040204020203" pitchFamily="34" charset="0"/>
-              </a:rPr>
-              <a:t>THANKS!</a:t>
-            </a:r>
-            <a:endParaRPr lang="en-US" sz="4400" dirty="0"/>
-          </a:p>
-        </p:txBody>
-      </p:sp>
-      <p:sp>
-        <p:nvSpPr>
-          <p:cNvPr id="9" name="Title 1">
-            <a:extLst>
-              <a:ext uri="{FF2B5EF4-FFF2-40B4-BE49-F238E27FC236}">
-                <a16:creationId xmlns:a16="http://schemas.microsoft.com/office/drawing/2014/main" id="{DB5D3373-FA07-4A44-8987-8B70E6127421}"/>
-              </a:ext>
-            </a:extLst>
-          </p:cNvPr>
-          <p:cNvSpPr txBox="1">
-            <a:spLocks/>
-          </p:cNvSpPr>
-          <p:nvPr/>
-        </p:nvSpPr>
-        <p:spPr>
-          <a:xfrm>
-            <a:off x="1412033" y="4168764"/>
-            <a:ext cx="9144000" cy="925752"/>
-          </a:xfrm>
-          <a:prstGeom prst="rect">
-            <a:avLst/>
-          </a:prstGeom>
-        </p:spPr>
-        <p:txBody>
-          <a:bodyPr vert="horz" lIns="91440" tIns="45720" rIns="91440" bIns="45720" rtlCol="0" anchor="t">
-            <a:normAutofit fontScale="97500" lnSpcReduction="10000"/>
-          </a:bodyPr>
-          <a:lstStyle>
-            <a:lvl1pPr algn="ctr" defTabSz="914400" rtl="0" eaLnBrk="1" latinLnBrk="0" hangingPunct="1">
-              <a:lnSpc>
-                <a:spcPct val="90000"/>
-              </a:lnSpc>
-              <a:spcBef>
-                <a:spcPct val="0"/>
-              </a:spcBef>
-              <a:buNone/>
-              <a:defRPr sz="6000" kern="1200">
-                <a:solidFill>
-                  <a:schemeClr val="tx1"/>
-                </a:solidFill>
-                <a:latin typeface="+mj-lt"/>
-                <a:ea typeface="+mj-ea"/>
-                <a:cs typeface="+mj-cs"/>
-              </a:defRPr>
-            </a:lvl1pPr>
-          </a:lstStyle>
-          <a:p>
-            <a:pPr algn="r"/>
-            <a:r>
-              <a:rPr lang="en-US" sz="3200" dirty="0">
-                <a:latin typeface="Segoe UI Light" panose="020B0502040204020203" pitchFamily="34" charset="0"/>
-                <a:cs typeface="Segoe UI Light" panose="020B0502040204020203" pitchFamily="34" charset="0"/>
-              </a:rPr>
-              <a:t>Halil İbrahim KALKAN</a:t>
-            </a:r>
-            <a:br>
-              <a:rPr lang="en-US" sz="3200" dirty="0">
-                <a:latin typeface="Segoe UI Light" panose="020B0502040204020203" pitchFamily="34" charset="0"/>
-                <a:cs typeface="Segoe UI Light" panose="020B0502040204020203" pitchFamily="34" charset="0"/>
-              </a:rPr>
-            </a:br>
-            <a:r>
-              <a:rPr lang="en-US" sz="3200" dirty="0" err="1">
-                <a:latin typeface="Segoe UI Light" panose="020B0502040204020203" pitchFamily="34" charset="0"/>
-                <a:cs typeface="Segoe UI Light" panose="020B0502040204020203" pitchFamily="34" charset="0"/>
-              </a:rPr>
-              <a:t>Volosoft</a:t>
-            </a:r>
-            <a:endParaRPr lang="en-US" sz="3200" dirty="0">
-              <a:latin typeface="Segoe UI Light" panose="020B0502040204020203" pitchFamily="34" charset="0"/>
-              <a:cs typeface="Segoe UI Light" panose="020B0502040204020203" pitchFamily="34" charset="0"/>
-            </a:endParaRPr>
-          </a:p>
-        </p:txBody>
-      </p:sp>
     </p:spTree>
     <p:extLst>
       <p:ext uri="{BB962C8B-B14F-4D97-AF65-F5344CB8AC3E}">
@@ -33310,10 +33554,10 @@
       </p:grpSpPr>
       <p:pic>
         <p:nvPicPr>
-          <p:cNvPr id="9" name="Picture 8">
-            <a:extLst>
-              <a:ext uri="{FF2B5EF4-FFF2-40B4-BE49-F238E27FC236}">
-                <a16:creationId xmlns:a16="http://schemas.microsoft.com/office/drawing/2014/main" id="{39E83B63-DAE7-4E06-A56F-CF1576B89936}"/>
+          <p:cNvPr id="7" name="Picture 3">
+            <a:extLst>
+              <a:ext uri="{FF2B5EF4-FFF2-40B4-BE49-F238E27FC236}">
+                <a16:creationId xmlns:a16="http://schemas.microsoft.com/office/drawing/2014/main" id="{F68895A4-6705-49F6-B226-1C21F98A2034}"/>
               </a:ext>
             </a:extLst>
           </p:cNvPr>
@@ -33362,33 +33606,55 @@
         </p:nvSpPr>
         <p:spPr>
           <a:xfrm>
-            <a:off x="738908" y="930564"/>
-            <a:ext cx="5429880" cy="1253078"/>
+            <a:off x="58994" y="1983708"/>
+            <a:ext cx="3681198" cy="1609453"/>
           </a:xfrm>
         </p:spPr>
         <p:txBody>
           <a:bodyPr anchor="b">
-            <a:normAutofit/>
+            <a:normAutofit fontScale="90000"/>
           </a:bodyPr>
           <a:lstStyle/>
           <a:p>
-            <a:pPr algn="l"/>
+            <a:pPr algn="r"/>
             <a:r>
               <a:rPr lang="en-US" sz="4000" b="1" dirty="0">
                 <a:latin typeface="Segoe UI Semibold" panose="020B0702040204020203" pitchFamily="34" charset="0"/>
                 <a:cs typeface="Segoe UI Semibold" panose="020B0702040204020203" pitchFamily="34" charset="0"/>
               </a:rPr>
-              <a:t>Modular Architecture</a:t>
-            </a:r>
+              <a:t>Modular</a:t>
+            </a:r>
+            <a:br>
+              <a:rPr lang="tr-TR" sz="4000" b="1" dirty="0">
+                <a:latin typeface="Segoe UI Semibold" panose="020B0702040204020203" pitchFamily="34" charset="0"/>
+                <a:cs typeface="Segoe UI Semibold" panose="020B0702040204020203" pitchFamily="34" charset="0"/>
+              </a:rPr>
+            </a:br>
             <a:r>
               <a:rPr lang="en-US" sz="4000" b="1" dirty="0">
+                <a:latin typeface="Segoe UI Semibold" panose="020B0702040204020203" pitchFamily="34" charset="0"/>
+                <a:cs typeface="Segoe UI Semibold" panose="020B0702040204020203" pitchFamily="34" charset="0"/>
+              </a:rPr>
+              <a:t>Architecture</a:t>
+            </a:r>
+            <a:br>
+              <a:rPr lang="tr-TR" sz="4000" b="1" dirty="0">
                 <a:solidFill>
                   <a:srgbClr val="0041C6"/>
                 </a:solidFill>
                 <a:latin typeface="Segoe UI Semibold" panose="020B0702040204020203" pitchFamily="34" charset="0"/>
                 <a:cs typeface="Segoe UI Semibold" panose="020B0702040204020203" pitchFamily="34" charset="0"/>
               </a:rPr>
-              <a:t> Problems</a:t>
+            </a:br>
+            <a:r>
+              <a:rPr lang="en-US" sz="4000" b="1" dirty="0">
+                <a:solidFill>
+                  <a:srgbClr val="0041C6"/>
+                </a:solidFill>
+                <a:latin typeface="Segoe UI Semibold" panose="020B0702040204020203" pitchFamily="34" charset="0"/>
+                <a:cs typeface="Segoe UI Semibold" panose="020B0702040204020203" pitchFamily="34" charset="0"/>
+              </a:rPr>
+              <a:t>Problems</a:t>
             </a:r>
           </a:p>
         </p:txBody>
@@ -33485,10 +33751,10 @@
       </p:sp>
       <p:sp>
         <p:nvSpPr>
-          <p:cNvPr id="11" name="Subtitle 2">
-            <a:extLst>
-              <a:ext uri="{FF2B5EF4-FFF2-40B4-BE49-F238E27FC236}">
-                <a16:creationId xmlns:a16="http://schemas.microsoft.com/office/drawing/2014/main" id="{A769CE0C-E9B4-4049-B22B-C35AD0DD7409}"/>
+          <p:cNvPr id="15" name="Subtitle 2">
+            <a:extLst>
+              <a:ext uri="{FF2B5EF4-FFF2-40B4-BE49-F238E27FC236}">
+                <a16:creationId xmlns:a16="http://schemas.microsoft.com/office/drawing/2014/main" id="{20939731-D3B7-4A28-B941-216A5F2FD525}"/>
               </a:ext>
             </a:extLst>
           </p:cNvPr>
@@ -33499,213 +33765,8 @@
         </p:nvSpPr>
         <p:spPr>
           <a:xfrm>
-            <a:off x="3582554" y="2904836"/>
-            <a:ext cx="835891" cy="775853"/>
-          </a:xfrm>
-          <a:prstGeom prst="rect">
-            <a:avLst/>
-          </a:prstGeom>
-        </p:spPr>
-        <p:txBody>
-          <a:bodyPr vert="horz" lIns="91440" tIns="45720" rIns="91440" bIns="45720" rtlCol="0" anchor="ctr">
-            <a:normAutofit/>
-          </a:bodyPr>
-          <a:lstStyle>
-            <a:lvl1pPr marL="0" indent="0" algn="ctr" defTabSz="914400" rtl="0" eaLnBrk="1" latinLnBrk="0" hangingPunct="1">
-              <a:lnSpc>
-                <a:spcPct val="90000"/>
-              </a:lnSpc>
-              <a:spcBef>
-                <a:spcPts val="1000"/>
-              </a:spcBef>
-              <a:buFont typeface="Arial" panose="020B0604020202020204" pitchFamily="34" charset="0"/>
-              <a:buNone/>
-              <a:defRPr sz="2400" kern="1200">
-                <a:solidFill>
-                  <a:schemeClr val="tx1"/>
-                </a:solidFill>
-                <a:latin typeface="+mn-lt"/>
-                <a:ea typeface="+mn-ea"/>
-                <a:cs typeface="+mn-cs"/>
-              </a:defRPr>
-            </a:lvl1pPr>
-            <a:lvl2pPr marL="457200" indent="0" algn="ctr" defTabSz="914400" rtl="0" eaLnBrk="1" latinLnBrk="0" hangingPunct="1">
-              <a:lnSpc>
-                <a:spcPct val="90000"/>
-              </a:lnSpc>
-              <a:spcBef>
-                <a:spcPts val="500"/>
-              </a:spcBef>
-              <a:buFont typeface="Arial" panose="020B0604020202020204" pitchFamily="34" charset="0"/>
-              <a:buNone/>
-              <a:defRPr sz="2000" kern="1200">
-                <a:solidFill>
-                  <a:schemeClr val="tx1"/>
-                </a:solidFill>
-                <a:latin typeface="+mn-lt"/>
-                <a:ea typeface="+mn-ea"/>
-                <a:cs typeface="+mn-cs"/>
-              </a:defRPr>
-            </a:lvl2pPr>
-            <a:lvl3pPr marL="914400" indent="0" algn="ctr" defTabSz="914400" rtl="0" eaLnBrk="1" latinLnBrk="0" hangingPunct="1">
-              <a:lnSpc>
-                <a:spcPct val="90000"/>
-              </a:lnSpc>
-              <a:spcBef>
-                <a:spcPts val="500"/>
-              </a:spcBef>
-              <a:buFont typeface="Arial" panose="020B0604020202020204" pitchFamily="34" charset="0"/>
-              <a:buNone/>
-              <a:defRPr sz="1800" kern="1200">
-                <a:solidFill>
-                  <a:schemeClr val="tx1"/>
-                </a:solidFill>
-                <a:latin typeface="+mn-lt"/>
-                <a:ea typeface="+mn-ea"/>
-                <a:cs typeface="+mn-cs"/>
-              </a:defRPr>
-            </a:lvl3pPr>
-            <a:lvl4pPr marL="1371600" indent="0" algn="ctr" defTabSz="914400" rtl="0" eaLnBrk="1" latinLnBrk="0" hangingPunct="1">
-              <a:lnSpc>
-                <a:spcPct val="90000"/>
-              </a:lnSpc>
-              <a:spcBef>
-                <a:spcPts val="500"/>
-              </a:spcBef>
-              <a:buFont typeface="Arial" panose="020B0604020202020204" pitchFamily="34" charset="0"/>
-              <a:buNone/>
-              <a:defRPr sz="1600" kern="1200">
-                <a:solidFill>
-                  <a:schemeClr val="tx1"/>
-                </a:solidFill>
-                <a:latin typeface="+mn-lt"/>
-                <a:ea typeface="+mn-ea"/>
-                <a:cs typeface="+mn-cs"/>
-              </a:defRPr>
-            </a:lvl4pPr>
-            <a:lvl5pPr marL="1828800" indent="0" algn="ctr" defTabSz="914400" rtl="0" eaLnBrk="1" latinLnBrk="0" hangingPunct="1">
-              <a:lnSpc>
-                <a:spcPct val="90000"/>
-              </a:lnSpc>
-              <a:spcBef>
-                <a:spcPts val="500"/>
-              </a:spcBef>
-              <a:buFont typeface="Arial" panose="020B0604020202020204" pitchFamily="34" charset="0"/>
-              <a:buNone/>
-              <a:defRPr sz="1600" kern="1200">
-                <a:solidFill>
-                  <a:schemeClr val="tx1"/>
-                </a:solidFill>
-                <a:latin typeface="+mn-lt"/>
-                <a:ea typeface="+mn-ea"/>
-                <a:cs typeface="+mn-cs"/>
-              </a:defRPr>
-            </a:lvl5pPr>
-            <a:lvl6pPr marL="2286000" indent="0" algn="ctr" defTabSz="914400" rtl="0" eaLnBrk="1" latinLnBrk="0" hangingPunct="1">
-              <a:lnSpc>
-                <a:spcPct val="90000"/>
-              </a:lnSpc>
-              <a:spcBef>
-                <a:spcPts val="500"/>
-              </a:spcBef>
-              <a:buFont typeface="Arial" panose="020B0604020202020204" pitchFamily="34" charset="0"/>
-              <a:buNone/>
-              <a:defRPr sz="1600" kern="1200">
-                <a:solidFill>
-                  <a:schemeClr val="tx1"/>
-                </a:solidFill>
-                <a:latin typeface="+mn-lt"/>
-                <a:ea typeface="+mn-ea"/>
-                <a:cs typeface="+mn-cs"/>
-              </a:defRPr>
-            </a:lvl6pPr>
-            <a:lvl7pPr marL="2743200" indent="0" algn="ctr" defTabSz="914400" rtl="0" eaLnBrk="1" latinLnBrk="0" hangingPunct="1">
-              <a:lnSpc>
-                <a:spcPct val="90000"/>
-              </a:lnSpc>
-              <a:spcBef>
-                <a:spcPts val="500"/>
-              </a:spcBef>
-              <a:buFont typeface="Arial" panose="020B0604020202020204" pitchFamily="34" charset="0"/>
-              <a:buNone/>
-              <a:defRPr sz="1600" kern="1200">
-                <a:solidFill>
-                  <a:schemeClr val="tx1"/>
-                </a:solidFill>
-                <a:latin typeface="+mn-lt"/>
-                <a:ea typeface="+mn-ea"/>
-                <a:cs typeface="+mn-cs"/>
-              </a:defRPr>
-            </a:lvl7pPr>
-            <a:lvl8pPr marL="3200400" indent="0" algn="ctr" defTabSz="914400" rtl="0" eaLnBrk="1" latinLnBrk="0" hangingPunct="1">
-              <a:lnSpc>
-                <a:spcPct val="90000"/>
-              </a:lnSpc>
-              <a:spcBef>
-                <a:spcPts val="500"/>
-              </a:spcBef>
-              <a:buFont typeface="Arial" panose="020B0604020202020204" pitchFamily="34" charset="0"/>
-              <a:buNone/>
-              <a:defRPr sz="1600" kern="1200">
-                <a:solidFill>
-                  <a:schemeClr val="tx1"/>
-                </a:solidFill>
-                <a:latin typeface="+mn-lt"/>
-                <a:ea typeface="+mn-ea"/>
-                <a:cs typeface="+mn-cs"/>
-              </a:defRPr>
-            </a:lvl8pPr>
-            <a:lvl9pPr marL="3657600" indent="0" algn="ctr" defTabSz="914400" rtl="0" eaLnBrk="1" latinLnBrk="0" hangingPunct="1">
-              <a:lnSpc>
-                <a:spcPct val="90000"/>
-              </a:lnSpc>
-              <a:spcBef>
-                <a:spcPts val="500"/>
-              </a:spcBef>
-              <a:buFont typeface="Arial" panose="020B0604020202020204" pitchFamily="34" charset="0"/>
-              <a:buNone/>
-              <a:defRPr sz="1600" kern="1200">
-                <a:solidFill>
-                  <a:schemeClr val="tx1"/>
-                </a:solidFill>
-                <a:latin typeface="+mn-lt"/>
-                <a:ea typeface="+mn-ea"/>
-                <a:cs typeface="+mn-cs"/>
-              </a:defRPr>
-            </a:lvl9pPr>
-          </a:lstStyle>
-          <a:p>
-            <a:r>
-              <a:rPr lang="en-US" sz="2000" b="1" dirty="0">
-                <a:solidFill>
-                  <a:schemeClr val="bg1"/>
-                </a:solidFill>
-                <a:latin typeface="Segoe UI Light" panose="020B0502040204020203" pitchFamily="34" charset="0"/>
-                <a:cs typeface="Segoe UI Light" panose="020B0502040204020203" pitchFamily="34" charset="0"/>
-              </a:rPr>
-              <a:t>VS</a:t>
-            </a:r>
-          </a:p>
-        </p:txBody>
-      </p:sp>
-      <p:sp>
-        <p:nvSpPr>
-          <p:cNvPr id="15" name="Subtitle 2">
-            <a:extLst>
-              <a:ext uri="{FF2B5EF4-FFF2-40B4-BE49-F238E27FC236}">
-                <a16:creationId xmlns:a16="http://schemas.microsoft.com/office/drawing/2014/main" id="{20939731-D3B7-4A28-B941-216A5F2FD525}"/>
-              </a:ext>
-            </a:extLst>
-          </p:cNvPr>
-          <p:cNvSpPr txBox="1">
-            <a:spLocks/>
-          </p:cNvSpPr>
-          <p:nvPr/>
-        </p:nvSpPr>
-        <p:spPr>
-          <a:xfrm>
-            <a:off x="738908" y="2631390"/>
-            <a:ext cx="4368801" cy="2042969"/>
+            <a:off x="4067113" y="1817002"/>
+            <a:ext cx="5632015" cy="2254033"/>
           </a:xfrm>
           <a:prstGeom prst="rect">
             <a:avLst/>
@@ -33888,14 +33949,14 @@
               <a:buChar char="•"/>
             </a:pPr>
             <a:r>
-              <a:rPr lang="en-US" sz="1600" dirty="0">
+              <a:rPr lang="en-US" sz="2000" dirty="0">
                 <a:latin typeface="Segoe UI Semibold" panose="020B0702040204020203" pitchFamily="34" charset="0"/>
                 <a:cs typeface="Segoe UI Semibold" panose="020B0702040204020203" pitchFamily="34" charset="0"/>
               </a:rPr>
               <a:t>Lack of </a:t>
             </a:r>
             <a:r>
-              <a:rPr lang="en-US" sz="1600" b="1" dirty="0">
+              <a:rPr lang="en-US" sz="2000" b="1" dirty="0">
                 <a:latin typeface="Segoe UI Black" panose="020B0A02040204020203" pitchFamily="34" charset="0"/>
                 <a:ea typeface="Segoe UI Black" panose="020B0A02040204020203" pitchFamily="34" charset="0"/>
                 <a:cs typeface="Segoe UI Semibold" panose="020B0702040204020203" pitchFamily="34" charset="0"/>
@@ -33903,7 +33964,7 @@
               <a:t>integration</a:t>
             </a:r>
             <a:r>
-              <a:rPr lang="en-US" sz="1600" dirty="0">
+              <a:rPr lang="en-US" sz="2000" dirty="0">
                 <a:latin typeface="Segoe UI Black" panose="020B0A02040204020203" pitchFamily="34" charset="0"/>
                 <a:ea typeface="Segoe UI Black" panose="020B0A02040204020203" pitchFamily="34" charset="0"/>
                 <a:cs typeface="Segoe UI Semibold" panose="020B0702040204020203" pitchFamily="34" charset="0"/>
@@ -33911,7 +33972,7 @@
               <a:t> &amp; </a:t>
             </a:r>
             <a:r>
-              <a:rPr lang="en-US" sz="1600" b="1" dirty="0">
+              <a:rPr lang="en-US" sz="2000" b="1" dirty="0">
                 <a:latin typeface="Segoe UI Black" panose="020B0A02040204020203" pitchFamily="34" charset="0"/>
                 <a:ea typeface="Segoe UI Black" panose="020B0A02040204020203" pitchFamily="34" charset="0"/>
                 <a:cs typeface="Segoe UI Semibold" panose="020B0702040204020203" pitchFamily="34" charset="0"/>
@@ -33919,14 +33980,14 @@
               <a:t>communication</a:t>
             </a:r>
             <a:r>
-              <a:rPr lang="en-US" sz="1600" b="1" dirty="0">
+              <a:rPr lang="en-US" sz="2000" b="1" dirty="0">
                 <a:latin typeface="Segoe UI Semibold" panose="020B0702040204020203" pitchFamily="34" charset="0"/>
                 <a:cs typeface="Segoe UI Semibold" panose="020B0702040204020203" pitchFamily="34" charset="0"/>
               </a:rPr>
               <a:t> </a:t>
             </a:r>
             <a:r>
-              <a:rPr lang="en-US" sz="1600" dirty="0">
+              <a:rPr lang="en-US" sz="2000" dirty="0">
                 <a:latin typeface="Segoe UI Semibold" panose="020B0702040204020203" pitchFamily="34" charset="0"/>
                 <a:cs typeface="Segoe UI Semibold" panose="020B0702040204020203" pitchFamily="34" charset="0"/>
               </a:rPr>
@@ -33942,7 +34003,7 @@
               <a:buChar char="•"/>
             </a:pPr>
             <a:r>
-              <a:rPr lang="en-US" sz="1600" dirty="0">
+              <a:rPr lang="en-US" sz="2000" dirty="0">
                 <a:latin typeface="Segoe UI Black" panose="020B0A02040204020203" pitchFamily="34" charset="0"/>
                 <a:ea typeface="Segoe UI Black" panose="020B0A02040204020203" pitchFamily="34" charset="0"/>
                 <a:cs typeface="Segoe UI Semibold" panose="020B0702040204020203" pitchFamily="34" charset="0"/>
@@ -33950,7 +34011,7 @@
               <a:t>Complexity of the </a:t>
             </a:r>
             <a:r>
-              <a:rPr lang="en-US" sz="1600" b="1" dirty="0">
+              <a:rPr lang="en-US" sz="2000" b="1" dirty="0">
                 <a:latin typeface="Segoe UI Black" panose="020B0A02040204020203" pitchFamily="34" charset="0"/>
                 <a:ea typeface="Segoe UI Black" panose="020B0A02040204020203" pitchFamily="34" charset="0"/>
                 <a:cs typeface="Segoe UI Semibold" panose="020B0702040204020203" pitchFamily="34" charset="0"/>
@@ -33958,21 +34019,21 @@
               <a:t>infrastructure</a:t>
             </a:r>
             <a:r>
-              <a:rPr lang="en-US" sz="1600" dirty="0">
+              <a:rPr lang="en-US" sz="2000" dirty="0">
                 <a:latin typeface="Segoe UI Semibold" panose="020B0702040204020203" pitchFamily="34" charset="0"/>
                 <a:cs typeface="Segoe UI Semibold" panose="020B0702040204020203" pitchFamily="34" charset="0"/>
               </a:rPr>
               <a:t> – needs to a </a:t>
             </a:r>
             <a:r>
-              <a:rPr lang="en-US" sz="1600" b="1" dirty="0">
+              <a:rPr lang="en-US" sz="2000" b="1" dirty="0">
                 <a:latin typeface="Segoe UI Semibold" panose="020B0702040204020203" pitchFamily="34" charset="0"/>
                 <a:cs typeface="Segoe UI Semibold" panose="020B0702040204020203" pitchFamily="34" charset="0"/>
               </a:rPr>
               <a:t>framework</a:t>
             </a:r>
             <a:r>
-              <a:rPr lang="en-US" sz="1600" dirty="0">
+              <a:rPr lang="en-US" sz="2000" dirty="0">
                 <a:latin typeface="Segoe UI Semibold" panose="020B0702040204020203" pitchFamily="34" charset="0"/>
                 <a:cs typeface="Segoe UI Semibold" panose="020B0702040204020203" pitchFamily="34" charset="0"/>
               </a:rPr>
@@ -34025,10 +34086,10 @@
       </p:grpSpPr>
       <p:pic>
         <p:nvPicPr>
-          <p:cNvPr id="9" name="Picture 8">
-            <a:extLst>
-              <a:ext uri="{FF2B5EF4-FFF2-40B4-BE49-F238E27FC236}">
-                <a16:creationId xmlns:a16="http://schemas.microsoft.com/office/drawing/2014/main" id="{39E83B63-DAE7-4E06-A56F-CF1576B89936}"/>
+          <p:cNvPr id="7" name="Picture 3">
+            <a:extLst>
+              <a:ext uri="{FF2B5EF4-FFF2-40B4-BE49-F238E27FC236}">
+                <a16:creationId xmlns:a16="http://schemas.microsoft.com/office/drawing/2014/main" id="{F83332CD-D5F7-4098-A31F-3EA1DE0E210B}"/>
               </a:ext>
             </a:extLst>
           </p:cNvPr>
@@ -34077,8 +34138,8 @@
         </p:nvSpPr>
         <p:spPr>
           <a:xfrm>
-            <a:off x="738908" y="930564"/>
-            <a:ext cx="4858328" cy="2311400"/>
+            <a:off x="2697494" y="1923083"/>
+            <a:ext cx="7537887" cy="775853"/>
           </a:xfrm>
         </p:spPr>
         <p:txBody>
@@ -34412,8 +34473,8 @@
         </p:nvSpPr>
         <p:spPr>
           <a:xfrm>
-            <a:off x="738908" y="3173267"/>
-            <a:ext cx="4368801" cy="2042969"/>
+            <a:off x="2461338" y="2377856"/>
+            <a:ext cx="7269324" cy="2704452"/>
           </a:xfrm>
           <a:prstGeom prst="rect">
             <a:avLst/>
@@ -34596,14 +34657,14 @@
               <a:buChar char="•"/>
             </a:pPr>
             <a:r>
-              <a:rPr lang="en-US" sz="1600" b="1" dirty="0">
+              <a:rPr lang="en-US" b="1" dirty="0">
                 <a:latin typeface="Segoe UI Semibold" panose="020B0702040204020203" pitchFamily="34" charset="0"/>
                 <a:cs typeface="Segoe UI Semibold" panose="020B0702040204020203" pitchFamily="34" charset="0"/>
               </a:rPr>
               <a:t>Developed as a </a:t>
             </a:r>
             <a:r>
-              <a:rPr lang="en-US" sz="1600" b="1" dirty="0">
+              <a:rPr lang="en-US" b="1" dirty="0">
                 <a:latin typeface="Segoe UI Black" panose="020B0A02040204020203" pitchFamily="34" charset="0"/>
                 <a:ea typeface="Segoe UI Black" panose="020B0A02040204020203" pitchFamily="34" charset="0"/>
                 <a:cs typeface="Segoe UI Semibold" panose="020B0702040204020203" pitchFamily="34" charset="0"/>
@@ -34611,7 +34672,7 @@
               <a:t>single code base</a:t>
             </a:r>
             <a:r>
-              <a:rPr lang="en-US" sz="1600" dirty="0">
+              <a:rPr lang="en-US" dirty="0">
                 <a:latin typeface="Segoe UI Black" panose="020B0A02040204020203" pitchFamily="34" charset="0"/>
                 <a:ea typeface="Segoe UI Black" panose="020B0A02040204020203" pitchFamily="34" charset="0"/>
                 <a:cs typeface="Segoe UI Semibold" panose="020B0702040204020203" pitchFamily="34" charset="0"/>
@@ -34619,21 +34680,21 @@
               <a:t> </a:t>
             </a:r>
             <a:r>
-              <a:rPr lang="en-US" sz="1600" dirty="0">
+              <a:rPr lang="en-US" dirty="0">
                 <a:latin typeface="Segoe UI Semibold" panose="020B0702040204020203" pitchFamily="34" charset="0"/>
                 <a:cs typeface="Segoe UI Semibold" panose="020B0702040204020203" pitchFamily="34" charset="0"/>
               </a:rPr>
               <a:t>and </a:t>
             </a:r>
             <a:r>
-              <a:rPr lang="en-US" sz="1600" b="1" dirty="0">
+              <a:rPr lang="en-US" b="1" dirty="0">
                 <a:latin typeface="Segoe UI Semibold" panose="020B0702040204020203" pitchFamily="34" charset="0"/>
                 <a:cs typeface="Segoe UI Semibold" panose="020B0702040204020203" pitchFamily="34" charset="0"/>
               </a:rPr>
               <a:t>deployed</a:t>
             </a:r>
             <a:r>
-              <a:rPr lang="en-US" sz="1600" dirty="0">
+              <a:rPr lang="en-US" dirty="0">
                 <a:latin typeface="Segoe UI Semibold" panose="020B0702040204020203" pitchFamily="34" charset="0"/>
                 <a:cs typeface="Segoe UI Semibold" panose="020B0702040204020203" pitchFamily="34" charset="0"/>
               </a:rPr>
@@ -34649,14 +34710,14 @@
               <a:buChar char="•"/>
             </a:pPr>
             <a:r>
-              <a:rPr lang="en-US" sz="1600" dirty="0">
+              <a:rPr lang="en-US" dirty="0">
                 <a:latin typeface="Segoe UI Semibold" panose="020B0702040204020203" pitchFamily="34" charset="0"/>
                 <a:cs typeface="Segoe UI Semibold" panose="020B0702040204020203" pitchFamily="34" charset="0"/>
               </a:rPr>
               <a:t>Services directly </a:t>
             </a:r>
             <a:r>
-              <a:rPr lang="en-US" sz="1600" b="1" dirty="0">
+              <a:rPr lang="en-US" b="1" dirty="0">
                 <a:latin typeface="Segoe UI Black" panose="020B0A02040204020203" pitchFamily="34" charset="0"/>
                 <a:ea typeface="Segoe UI Black" panose="020B0A02040204020203" pitchFamily="34" charset="0"/>
                 <a:cs typeface="Segoe UI Semibold" panose="020B0702040204020203" pitchFamily="34" charset="0"/>
@@ -34664,7 +34725,7 @@
               <a:t>injects</a:t>
             </a:r>
             <a:r>
-              <a:rPr lang="en-US" sz="1600" dirty="0">
+              <a:rPr lang="en-US" dirty="0">
                 <a:latin typeface="Segoe UI Semibold" panose="020B0702040204020203" pitchFamily="34" charset="0"/>
                 <a:cs typeface="Segoe UI Semibold" panose="020B0702040204020203" pitchFamily="34" charset="0"/>
               </a:rPr>
@@ -34769,7 +34830,7 @@
         </p:nvSpPr>
         <p:spPr>
           <a:xfrm>
-            <a:off x="738908" y="930564"/>
+            <a:off x="1077746" y="802627"/>
             <a:ext cx="4858328" cy="2311400"/>
           </a:xfrm>
         </p:spPr>
@@ -35091,16 +35152,13 @@
             </a:lvl9pPr>
           </a:lstStyle>
           <a:p>
-            <a:r>
-              <a:rPr lang="en-US" sz="2000" b="1" dirty="0">
-                <a:solidFill>
-                  <a:schemeClr val="bg1"/>
-                </a:solidFill>
-                <a:latin typeface="Segoe UI Light" panose="020B0502040204020203" pitchFamily="34" charset="0"/>
-                <a:cs typeface="Segoe UI Light" panose="020B0502040204020203" pitchFamily="34" charset="0"/>
-              </a:rPr>
-              <a:t>VS</a:t>
-            </a:r>
+            <a:endParaRPr lang="en-US" sz="2000" b="1" dirty="0">
+              <a:solidFill>
+                <a:schemeClr val="bg1"/>
+              </a:solidFill>
+              <a:latin typeface="Segoe UI Light" panose="020B0502040204020203" pitchFamily="34" charset="0"/>
+              <a:cs typeface="Segoe UI Light" panose="020B0502040204020203" pitchFamily="34" charset="0"/>
+            </a:endParaRPr>
           </a:p>
         </p:txBody>
       </p:sp>
@@ -35120,8 +35178,8 @@
         </p:nvSpPr>
         <p:spPr>
           <a:xfrm>
-            <a:off x="738908" y="3440552"/>
-            <a:ext cx="4368801" cy="2042969"/>
+            <a:off x="1094482" y="3109674"/>
+            <a:ext cx="4368801" cy="2574629"/>
           </a:xfrm>
           <a:prstGeom prst="rect">
             <a:avLst/>
@@ -35304,7 +35362,7 @@
               <a:buChar char="•"/>
             </a:pPr>
             <a:r>
-              <a:rPr lang="en-US" sz="1600" dirty="0">
+              <a:rPr lang="en-US" sz="2000" dirty="0">
                 <a:latin typeface="Segoe UI Semibold" panose="020B0702040204020203" pitchFamily="34" charset="0"/>
                 <a:cs typeface="Segoe UI Semibold" panose="020B0702040204020203" pitchFamily="34" charset="0"/>
               </a:rPr>
@@ -35320,7 +35378,7 @@
               <a:buChar char="•"/>
             </a:pPr>
             <a:r>
-              <a:rPr lang="en-US" sz="1600" dirty="0">
+              <a:rPr lang="en-US" sz="2000" dirty="0">
                 <a:latin typeface="Segoe UI Semibold" panose="020B0702040204020203" pitchFamily="34" charset="0"/>
                 <a:cs typeface="Segoe UI Semibold" panose="020B0702040204020203" pitchFamily="34" charset="0"/>
               </a:rPr>
@@ -35343,7 +35401,7 @@
         </p:nvSpPr>
         <p:spPr>
           <a:xfrm>
-            <a:off x="8345606" y="1369290"/>
+            <a:off x="7484301" y="2181609"/>
             <a:ext cx="3107486" cy="2311399"/>
           </a:xfrm>
           <a:prstGeom prst="rect">
@@ -35399,7 +35457,7 @@
         </p:nvSpPr>
         <p:spPr>
           <a:xfrm>
-            <a:off x="7369427" y="1608798"/>
+            <a:off x="6508122" y="2421117"/>
             <a:ext cx="2353056" cy="371856"/>
           </a:xfrm>
           <a:prstGeom prst="rect">
@@ -35444,7 +35502,7 @@
         </p:nvSpPr>
         <p:spPr>
           <a:xfrm>
-            <a:off x="7369427" y="2338747"/>
+            <a:off x="6508122" y="3151066"/>
             <a:ext cx="2353056" cy="371856"/>
           </a:xfrm>
           <a:prstGeom prst="rect">
@@ -35489,7 +35547,7 @@
         </p:nvSpPr>
         <p:spPr>
           <a:xfrm>
-            <a:off x="7369427" y="3068696"/>
+            <a:off x="6508122" y="3881015"/>
             <a:ext cx="2353056" cy="371856"/>
           </a:xfrm>
           <a:prstGeom prst="rect">
@@ -35534,7 +35592,7 @@
         </p:nvCxnSpPr>
         <p:spPr>
           <a:xfrm>
-            <a:off x="7773557" y="1980654"/>
+            <a:off x="6912252" y="2792973"/>
             <a:ext cx="0" cy="358093"/>
           </a:xfrm>
           <a:prstGeom prst="straightConnector1">
@@ -35573,7 +35631,7 @@
         </p:nvCxnSpPr>
         <p:spPr>
           <a:xfrm>
-            <a:off x="7773557" y="2725789"/>
+            <a:off x="6912252" y="3538108"/>
             <a:ext cx="0" cy="358093"/>
           </a:xfrm>
           <a:prstGeom prst="straightConnector1">
@@ -35614,7 +35672,7 @@
         </p:nvCxnSpPr>
         <p:spPr>
           <a:xfrm rot="10800000">
-            <a:off x="8031708" y="3440553"/>
+            <a:off x="7170403" y="4252872"/>
             <a:ext cx="313899" cy="176105"/>
           </a:xfrm>
           <a:prstGeom prst="bentConnector3">
@@ -35657,7 +35715,7 @@
         </p:nvCxnSpPr>
         <p:spPr>
           <a:xfrm rot="10800000">
-            <a:off x="8031708" y="2710603"/>
+            <a:off x="7170403" y="3522922"/>
             <a:ext cx="313899" cy="176105"/>
           </a:xfrm>
           <a:prstGeom prst="bentConnector3">
@@ -35700,7 +35758,7 @@
         </p:nvCxnSpPr>
         <p:spPr>
           <a:xfrm rot="10800000">
-            <a:off x="8031706" y="1976714"/>
+            <a:off x="7170401" y="2789033"/>
             <a:ext cx="313899" cy="176105"/>
           </a:xfrm>
           <a:prstGeom prst="bentConnector3">
@@ -35741,7 +35799,7 @@
         </p:nvSpPr>
         <p:spPr>
           <a:xfrm>
-            <a:off x="7369427" y="745898"/>
+            <a:off x="6508122" y="1558217"/>
             <a:ext cx="4083665" cy="400110"/>
           </a:xfrm>
           <a:prstGeom prst="rect">
@@ -35859,7 +35917,7 @@
         </p:nvSpPr>
         <p:spPr>
           <a:xfrm>
-            <a:off x="712586" y="300753"/>
+            <a:off x="712586" y="681753"/>
             <a:ext cx="4858328" cy="2311400"/>
           </a:xfrm>
         </p:spPr>
@@ -36210,8 +36268,8 @@
         </p:nvSpPr>
         <p:spPr>
           <a:xfrm>
-            <a:off x="658347" y="2612153"/>
-            <a:ext cx="4368801" cy="3528588"/>
+            <a:off x="671725" y="3073401"/>
+            <a:ext cx="5128327" cy="3528588"/>
           </a:xfrm>
           <a:prstGeom prst="rect">
             <a:avLst/>
@@ -36388,48 +36446,48 @@
           <a:p>
             <a:pPr marL="285750" indent="-285750" algn="l">
               <a:lnSpc>
-                <a:spcPct val="150000"/>
+                <a:spcPct val="100000"/>
               </a:lnSpc>
               <a:buFont typeface="Arial" panose="020B0604020202020204" pitchFamily="34" charset="0"/>
               <a:buChar char="•"/>
             </a:pPr>
             <a:r>
-              <a:rPr lang="en-US" sz="1600" dirty="0">
+              <a:rPr lang="en-US" sz="1800" dirty="0">
                 <a:latin typeface="Segoe UI Semibold" panose="020B0702040204020203" pitchFamily="34" charset="0"/>
                 <a:cs typeface="Segoe UI Semibold" panose="020B0702040204020203" pitchFamily="34" charset="0"/>
               </a:rPr>
               <a:t>Application functionalities are </a:t>
             </a:r>
             <a:r>
-              <a:rPr lang="en-US" sz="1600" b="1" dirty="0">
+              <a:rPr lang="en-US" sz="1800" b="1" dirty="0">
                 <a:latin typeface="Segoe UI Semibold" panose="020B0702040204020203" pitchFamily="34" charset="0"/>
                 <a:cs typeface="Segoe UI Semibold" panose="020B0702040204020203" pitchFamily="34" charset="0"/>
               </a:rPr>
               <a:t>separated</a:t>
             </a:r>
             <a:r>
-              <a:rPr lang="en-US" sz="1600" dirty="0">
+              <a:rPr lang="en-US" sz="1800" dirty="0">
                 <a:latin typeface="Segoe UI Semibold" panose="020B0702040204020203" pitchFamily="34" charset="0"/>
                 <a:cs typeface="Segoe UI Semibold" panose="020B0702040204020203" pitchFamily="34" charset="0"/>
               </a:rPr>
               <a:t> into </a:t>
             </a:r>
             <a:r>
-              <a:rPr lang="en-US" sz="1600" b="1" dirty="0">
+              <a:rPr lang="en-US" sz="1800" b="1" dirty="0">
                 <a:latin typeface="Segoe UI Semibold" panose="020B0702040204020203" pitchFamily="34" charset="0"/>
                 <a:cs typeface="Segoe UI Semibold" panose="020B0702040204020203" pitchFamily="34" charset="0"/>
               </a:rPr>
               <a:t>multiple</a:t>
             </a:r>
             <a:r>
-              <a:rPr lang="en-US" sz="1600" dirty="0">
+              <a:rPr lang="en-US" sz="1800" dirty="0">
                 <a:latin typeface="Segoe UI Semibold" panose="020B0702040204020203" pitchFamily="34" charset="0"/>
                 <a:cs typeface="Segoe UI Semibold" panose="020B0702040204020203" pitchFamily="34" charset="0"/>
               </a:rPr>
               <a:t> modules (</a:t>
             </a:r>
             <a:r>
-              <a:rPr lang="en-US" sz="1600" dirty="0">
+              <a:rPr lang="en-US" sz="1800" dirty="0">
                 <a:latin typeface="Segoe UI Black" panose="020B0A02040204020203" pitchFamily="34" charset="0"/>
                 <a:ea typeface="Segoe UI Black" panose="020B0A02040204020203" pitchFamily="34" charset="0"/>
                 <a:cs typeface="Segoe UI Semibold" panose="020B0702040204020203" pitchFamily="34" charset="0"/>
@@ -36437,7 +36495,7 @@
               <a:t>bounded contexts</a:t>
             </a:r>
             <a:r>
-              <a:rPr lang="en-US" sz="1600" dirty="0">
+              <a:rPr lang="en-US" sz="1800" dirty="0">
                 <a:latin typeface="Segoe UI Semibold" panose="020B0702040204020203" pitchFamily="34" charset="0"/>
                 <a:cs typeface="Segoe UI Semibold" panose="020B0702040204020203" pitchFamily="34" charset="0"/>
               </a:rPr>
@@ -36453,21 +36511,21 @@
               <a:buChar char="•"/>
             </a:pPr>
             <a:r>
-              <a:rPr lang="en-US" sz="1600" dirty="0">
+              <a:rPr lang="en-US" sz="1800" dirty="0">
                 <a:latin typeface="Segoe UI Semibold" panose="020B0702040204020203" pitchFamily="34" charset="0"/>
                 <a:cs typeface="Segoe UI Semibold" panose="020B0702040204020203" pitchFamily="34" charset="0"/>
               </a:rPr>
               <a:t>Every module </a:t>
             </a:r>
             <a:r>
-              <a:rPr lang="en-US" sz="1600" b="1" dirty="0">
+              <a:rPr lang="en-US" sz="1800" b="1" dirty="0">
                 <a:latin typeface="Segoe UI Semibold" panose="020B0702040204020203" pitchFamily="34" charset="0"/>
                 <a:cs typeface="Segoe UI Semibold" panose="020B0702040204020203" pitchFamily="34" charset="0"/>
               </a:rPr>
               <a:t>can be layered </a:t>
             </a:r>
             <a:r>
-              <a:rPr lang="en-US" sz="1600" dirty="0">
+              <a:rPr lang="en-US" sz="1800" dirty="0">
                 <a:latin typeface="Segoe UI Semibold" panose="020B0702040204020203" pitchFamily="34" charset="0"/>
                 <a:cs typeface="Segoe UI Semibold" panose="020B0702040204020203" pitchFamily="34" charset="0"/>
               </a:rPr>
@@ -36483,28 +36541,28 @@
               <a:buChar char="•"/>
             </a:pPr>
             <a:r>
-              <a:rPr lang="en-US" sz="1600" dirty="0">
+              <a:rPr lang="en-US" sz="1800" dirty="0">
                 <a:latin typeface="Segoe UI Semibold" panose="020B0702040204020203" pitchFamily="34" charset="0"/>
                 <a:cs typeface="Segoe UI Semibold" panose="020B0702040204020203" pitchFamily="34" charset="0"/>
               </a:rPr>
               <a:t>A module can </a:t>
             </a:r>
             <a:r>
-              <a:rPr lang="en-US" sz="1600" b="1" dirty="0">
+              <a:rPr lang="en-US" sz="1800" b="1" dirty="0">
                 <a:latin typeface="Segoe UI Semibold" panose="020B0702040204020203" pitchFamily="34" charset="0"/>
                 <a:cs typeface="Segoe UI Semibold" panose="020B0702040204020203" pitchFamily="34" charset="0"/>
               </a:rPr>
               <a:t>depend on </a:t>
             </a:r>
             <a:r>
-              <a:rPr lang="en-US" sz="1600" dirty="0">
+              <a:rPr lang="en-US" sz="1800" dirty="0">
                 <a:latin typeface="Segoe UI Semibold" panose="020B0702040204020203" pitchFamily="34" charset="0"/>
                 <a:cs typeface="Segoe UI Semibold" panose="020B0702040204020203" pitchFamily="34" charset="0"/>
               </a:rPr>
               <a:t>another via </a:t>
             </a:r>
             <a:r>
-              <a:rPr lang="en-US" sz="1600" dirty="0">
+              <a:rPr lang="en-US" sz="1800" dirty="0">
                 <a:latin typeface="Segoe UI Black" panose="020B0A02040204020203" pitchFamily="34" charset="0"/>
                 <a:ea typeface="Segoe UI Black" panose="020B0A02040204020203" pitchFamily="34" charset="0"/>
                 <a:cs typeface="Segoe UI Semibold" panose="020B0702040204020203" pitchFamily="34" charset="0"/>
@@ -36512,7 +36570,7 @@
               <a:t>project/DLL reference</a:t>
             </a:r>
             <a:r>
-              <a:rPr lang="en-US" sz="1600" dirty="0">
+              <a:rPr lang="en-US" sz="1800" dirty="0">
                 <a:latin typeface="Segoe UI Semibold" panose="020B0702040204020203" pitchFamily="34" charset="0"/>
                 <a:cs typeface="Segoe UI Semibold" panose="020B0702040204020203" pitchFamily="34" charset="0"/>
               </a:rPr>
@@ -36528,14 +36586,14 @@
               <a:buChar char="•"/>
             </a:pPr>
             <a:r>
-              <a:rPr lang="en-US" sz="1600" dirty="0">
+              <a:rPr lang="en-US" sz="1800" dirty="0">
                 <a:latin typeface="Segoe UI Semibold" panose="020B0702040204020203" pitchFamily="34" charset="0"/>
                 <a:cs typeface="Segoe UI Semibold" panose="020B0702040204020203" pitchFamily="34" charset="0"/>
               </a:rPr>
               <a:t>Still </a:t>
             </a:r>
             <a:r>
-              <a:rPr lang="en-US" sz="1600" dirty="0">
+              <a:rPr lang="en-US" sz="1800" dirty="0">
                 <a:latin typeface="Segoe UI Black" panose="020B0A02040204020203" pitchFamily="34" charset="0"/>
                 <a:ea typeface="Segoe UI Black" panose="020B0A02040204020203" pitchFamily="34" charset="0"/>
                 <a:cs typeface="Segoe UI Semibold" panose="020B0702040204020203" pitchFamily="34" charset="0"/>
@@ -36543,7 +36601,7 @@
               <a:t>deployed as a </a:t>
             </a:r>
             <a:r>
-              <a:rPr lang="en-US" sz="1600" b="1" dirty="0">
+              <a:rPr lang="en-US" sz="1800" b="1" dirty="0">
                 <a:latin typeface="Segoe UI Black" panose="020B0A02040204020203" pitchFamily="34" charset="0"/>
                 <a:ea typeface="Segoe UI Black" panose="020B0A02040204020203" pitchFamily="34" charset="0"/>
                 <a:cs typeface="Segoe UI Semibold" panose="020B0702040204020203" pitchFamily="34" charset="0"/>
@@ -36551,7 +36609,7 @@
               <a:t>single unit</a:t>
             </a:r>
             <a:r>
-              <a:rPr lang="en-US" sz="1600" dirty="0">
+              <a:rPr lang="en-US" sz="1800" dirty="0">
                 <a:latin typeface="Segoe UI Semibold" panose="020B0702040204020203" pitchFamily="34" charset="0"/>
                 <a:cs typeface="Segoe UI Semibold" panose="020B0702040204020203" pitchFamily="34" charset="0"/>
               </a:rPr>
@@ -36574,8 +36632,8 @@
         </p:nvSpPr>
         <p:spPr>
           <a:xfrm>
-            <a:off x="5711588" y="930565"/>
-            <a:ext cx="5083791" cy="4285672"/>
+            <a:off x="5884985" y="930565"/>
+            <a:ext cx="4910394" cy="4285672"/>
           </a:xfrm>
           <a:prstGeom prst="rect">
             <a:avLst/>
@@ -37129,7 +37187,7 @@
         </p:nvSpPr>
         <p:spPr>
           <a:xfrm>
-            <a:off x="738908" y="930564"/>
+            <a:off x="738908" y="596303"/>
             <a:ext cx="4858328" cy="1300845"/>
           </a:xfrm>
         </p:spPr>
@@ -37464,8 +37522,8 @@
         </p:nvSpPr>
         <p:spPr>
           <a:xfrm>
-            <a:off x="708890" y="2662072"/>
-            <a:ext cx="4368801" cy="3265364"/>
+            <a:off x="744698" y="2190304"/>
+            <a:ext cx="4852538" cy="3265364"/>
           </a:xfrm>
           <a:prstGeom prst="rect">
             <a:avLst/>
@@ -37648,21 +37706,21 @@
               <a:buChar char="•"/>
             </a:pPr>
             <a:r>
-              <a:rPr lang="en-US" sz="1600" dirty="0">
+              <a:rPr lang="en-US" sz="2000" dirty="0">
                 <a:latin typeface="Segoe UI Semibold" panose="020B0702040204020203" pitchFamily="34" charset="0"/>
                 <a:cs typeface="Segoe UI Semibold" panose="020B0702040204020203" pitchFamily="34" charset="0"/>
               </a:rPr>
               <a:t>Modules become </a:t>
             </a:r>
             <a:r>
-              <a:rPr lang="en-US" sz="1600" b="1" dirty="0">
+              <a:rPr lang="en-US" sz="2000" b="1" dirty="0">
                 <a:latin typeface="Segoe UI Semibold" panose="020B0702040204020203" pitchFamily="34" charset="0"/>
                 <a:cs typeface="Segoe UI Semibold" panose="020B0702040204020203" pitchFamily="34" charset="0"/>
               </a:rPr>
               <a:t>services</a:t>
             </a:r>
             <a:r>
-              <a:rPr lang="en-US" sz="1600" dirty="0">
+              <a:rPr lang="en-US" sz="2000" dirty="0">
                 <a:latin typeface="Segoe UI Semibold" panose="020B0702040204020203" pitchFamily="34" charset="0"/>
                 <a:cs typeface="Segoe UI Semibold" panose="020B0702040204020203" pitchFamily="34" charset="0"/>
               </a:rPr>
@@ -37672,27 +37730,27 @@
           <a:p>
             <a:pPr marL="285750" indent="-285750" algn="l">
               <a:lnSpc>
-                <a:spcPct val="150000"/>
+                <a:spcPct val="100000"/>
               </a:lnSpc>
               <a:buFont typeface="Arial" panose="020B0604020202020204" pitchFamily="34" charset="0"/>
               <a:buChar char="•"/>
             </a:pPr>
             <a:r>
-              <a:rPr lang="en-US" sz="1600" dirty="0">
+              <a:rPr lang="en-US" sz="2000" dirty="0">
                 <a:latin typeface="Segoe UI Semibold" panose="020B0702040204020203" pitchFamily="34" charset="0"/>
                 <a:cs typeface="Segoe UI Semibold" panose="020B0702040204020203" pitchFamily="34" charset="0"/>
               </a:rPr>
               <a:t>Every microservice </a:t>
             </a:r>
             <a:r>
-              <a:rPr lang="en-US" sz="1600" b="1" dirty="0">
+              <a:rPr lang="en-US" sz="2000" b="1" dirty="0">
                 <a:latin typeface="Segoe UI Semibold" panose="020B0702040204020203" pitchFamily="34" charset="0"/>
                 <a:cs typeface="Segoe UI Semibold" panose="020B0702040204020203" pitchFamily="34" charset="0"/>
               </a:rPr>
               <a:t>can be layered </a:t>
             </a:r>
             <a:r>
-              <a:rPr lang="en-US" sz="1600" dirty="0">
+              <a:rPr lang="en-US" sz="2000" dirty="0">
                 <a:latin typeface="Segoe UI Semibold" panose="020B0702040204020203" pitchFamily="34" charset="0"/>
                 <a:cs typeface="Segoe UI Semibold" panose="020B0702040204020203" pitchFamily="34" charset="0"/>
               </a:rPr>
@@ -37708,28 +37766,28 @@
               <a:buChar char="•"/>
             </a:pPr>
             <a:r>
-              <a:rPr lang="en-US" sz="1600" dirty="0">
+              <a:rPr lang="en-US" sz="2000" dirty="0">
                 <a:latin typeface="Segoe UI Semibold" panose="020B0702040204020203" pitchFamily="34" charset="0"/>
                 <a:cs typeface="Segoe UI Semibold" panose="020B0702040204020203" pitchFamily="34" charset="0"/>
               </a:rPr>
               <a:t>A module can </a:t>
             </a:r>
             <a:r>
-              <a:rPr lang="en-US" sz="1600" b="1" dirty="0">
+              <a:rPr lang="en-US" sz="2000" b="1" dirty="0">
                 <a:latin typeface="Segoe UI Semibold" panose="020B0702040204020203" pitchFamily="34" charset="0"/>
                 <a:cs typeface="Segoe UI Semibold" panose="020B0702040204020203" pitchFamily="34" charset="0"/>
               </a:rPr>
               <a:t>depend on </a:t>
             </a:r>
             <a:r>
-              <a:rPr lang="en-US" sz="1600" dirty="0">
+              <a:rPr lang="en-US" sz="2000" dirty="0">
                 <a:latin typeface="Segoe UI Semibold" panose="020B0702040204020203" pitchFamily="34" charset="0"/>
                 <a:cs typeface="Segoe UI Semibold" panose="020B0702040204020203" pitchFamily="34" charset="0"/>
               </a:rPr>
               <a:t>another via </a:t>
             </a:r>
             <a:r>
-              <a:rPr lang="en-US" sz="1600" b="1" dirty="0">
+              <a:rPr lang="en-US" sz="2000" b="1" dirty="0">
                 <a:latin typeface="Segoe UI Black" panose="020B0A02040204020203" pitchFamily="34" charset="0"/>
                 <a:ea typeface="Segoe UI Black" panose="020B0A02040204020203" pitchFamily="34" charset="0"/>
                 <a:cs typeface="Segoe UI Semibold" panose="020B0702040204020203" pitchFamily="34" charset="0"/>
@@ -37737,7 +37795,7 @@
               <a:t>remote communication</a:t>
             </a:r>
             <a:r>
-              <a:rPr lang="en-US" sz="1600" dirty="0">
+              <a:rPr lang="en-US" sz="2000" dirty="0">
                 <a:latin typeface="Segoe UI Black" panose="020B0A02040204020203" pitchFamily="34" charset="0"/>
                 <a:ea typeface="Segoe UI Black" panose="020B0A02040204020203" pitchFamily="34" charset="0"/>
                 <a:cs typeface="Segoe UI Semibold" panose="020B0702040204020203" pitchFamily="34" charset="0"/>
@@ -37745,35 +37803,35 @@
               <a:t> </a:t>
             </a:r>
             <a:r>
-              <a:rPr lang="en-US" sz="1600" dirty="0">
+              <a:rPr lang="en-US" sz="2000" dirty="0">
                 <a:latin typeface="Segoe UI Semibold" panose="020B0702040204020203" pitchFamily="34" charset="0"/>
                 <a:cs typeface="Segoe UI Semibold" panose="020B0702040204020203" pitchFamily="34" charset="0"/>
               </a:rPr>
               <a:t>(REST, </a:t>
             </a:r>
             <a:r>
-              <a:rPr lang="en-US" sz="1600" dirty="0" err="1">
+              <a:rPr lang="en-US" sz="2000" dirty="0" err="1">
                 <a:latin typeface="Segoe UI Semibold" panose="020B0702040204020203" pitchFamily="34" charset="0"/>
                 <a:cs typeface="Segoe UI Semibold" panose="020B0702040204020203" pitchFamily="34" charset="0"/>
               </a:rPr>
               <a:t>GraphQL</a:t>
             </a:r>
             <a:r>
-              <a:rPr lang="en-US" sz="1600" dirty="0">
+              <a:rPr lang="en-US" sz="2000" dirty="0">
                 <a:latin typeface="Segoe UI Semibold" panose="020B0702040204020203" pitchFamily="34" charset="0"/>
                 <a:cs typeface="Segoe UI Semibold" panose="020B0702040204020203" pitchFamily="34" charset="0"/>
               </a:rPr>
               <a:t>, Messaging… </a:t>
             </a:r>
             <a:r>
-              <a:rPr lang="en-US" sz="1600" dirty="0" err="1">
+              <a:rPr lang="en-US" sz="2000" dirty="0" err="1">
                 <a:latin typeface="Segoe UI Semibold" panose="020B0702040204020203" pitchFamily="34" charset="0"/>
                 <a:cs typeface="Segoe UI Semibold" panose="020B0702040204020203" pitchFamily="34" charset="0"/>
               </a:rPr>
               <a:t>etc</a:t>
             </a:r>
             <a:r>
-              <a:rPr lang="en-US" sz="1600" dirty="0">
+              <a:rPr lang="en-US" sz="2000" dirty="0">
                 <a:latin typeface="Segoe UI Semibold" panose="020B0702040204020203" pitchFamily="34" charset="0"/>
                 <a:cs typeface="Segoe UI Semibold" panose="020B0702040204020203" pitchFamily="34" charset="0"/>
               </a:rPr>
@@ -37789,21 +37847,21 @@
               <a:buChar char="•"/>
             </a:pPr>
             <a:r>
-              <a:rPr lang="en-US" sz="1600" dirty="0">
+              <a:rPr lang="en-US" sz="2000" dirty="0">
                 <a:latin typeface="Segoe UI Semibold" panose="020B0702040204020203" pitchFamily="34" charset="0"/>
                 <a:cs typeface="Segoe UI Semibold" panose="020B0702040204020203" pitchFamily="34" charset="0"/>
               </a:rPr>
               <a:t>A microservice is separately </a:t>
             </a:r>
             <a:r>
-              <a:rPr lang="en-US" sz="1600" b="1" dirty="0">
+              <a:rPr lang="en-US" sz="2000" b="1" dirty="0">
                 <a:latin typeface="Segoe UI Semibold" panose="020B0702040204020203" pitchFamily="34" charset="0"/>
                 <a:cs typeface="Segoe UI Semibold" panose="020B0702040204020203" pitchFamily="34" charset="0"/>
               </a:rPr>
               <a:t>versioned, deployed and updated</a:t>
             </a:r>
             <a:r>
-              <a:rPr lang="en-US" sz="1600" dirty="0">
+              <a:rPr lang="en-US" sz="2000" dirty="0">
                 <a:latin typeface="Segoe UI Semibold" panose="020B0702040204020203" pitchFamily="34" charset="0"/>
                 <a:cs typeface="Segoe UI Semibold" panose="020B0702040204020203" pitchFamily="34" charset="0"/>
               </a:rPr>
